--- a/PROYECTO FORMATIVO.pptx
+++ b/PROYECTO FORMATIVO.pptx
@@ -5,7 +5,7 @@
     <p:sldMasterId id="2147483648" r:id="rId1"/>
   </p:sldMasterIdLst>
   <p:notesMasterIdLst>
-    <p:notesMasterId r:id="rId31"/>
+    <p:notesMasterId r:id="rId32"/>
   </p:notesMasterIdLst>
   <p:sldIdLst>
     <p:sldId id="468" r:id="rId2"/>
@@ -34,9 +34,10 @@
     <p:sldId id="288" r:id="rId25"/>
     <p:sldId id="289" r:id="rId26"/>
     <p:sldId id="277" r:id="rId27"/>
-    <p:sldId id="274" r:id="rId28"/>
-    <p:sldId id="278" r:id="rId29"/>
-    <p:sldId id="264" r:id="rId30"/>
+    <p:sldId id="470" r:id="rId28"/>
+    <p:sldId id="274" r:id="rId29"/>
+    <p:sldId id="278" r:id="rId30"/>
+    <p:sldId id="264" r:id="rId31"/>
   </p:sldIdLst>
   <p:sldSz cx="12192000" cy="6858000"/>
   <p:notesSz cx="6858000" cy="9144000"/>
@@ -225,7 +226,7 @@
           <a:p>
             <a:fld id="{9660CB96-A603-FF42-AE46-F5F75F80A67B}" type="datetimeFigureOut">
               <a:rPr lang="es-CO" smtClean="0"/>
-              <a:t>17/09/2022</a:t>
+              <a:t>20/09/2022</a:t>
             </a:fld>
             <a:endParaRPr lang="es-CO"/>
           </a:p>
@@ -810,7 +811,7 @@
           <a:p>
             <a:fld id="{AB98DA6D-12AC-4BA1-8782-249E1E9419F8}" type="slidenum">
               <a:rPr lang="es-CO" smtClean="0"/>
-              <a:t>27</a:t>
+              <a:t>28</a:t>
             </a:fld>
             <a:endParaRPr lang="es-CO"/>
           </a:p>
@@ -978,7 +979,7 @@
           <a:p>
             <a:fld id="{BD986248-06F7-A441-A47A-264EBD310E11}" type="datetimeFigureOut">
               <a:rPr lang="es-CO" smtClean="0"/>
-              <a:t>17/09/2022</a:t>
+              <a:t>20/09/2022</a:t>
             </a:fld>
             <a:endParaRPr lang="es-CO"/>
           </a:p>
@@ -1178,7 +1179,7 @@
           <a:p>
             <a:fld id="{BD986248-06F7-A441-A47A-264EBD310E11}" type="datetimeFigureOut">
               <a:rPr lang="es-CO" smtClean="0"/>
-              <a:t>17/09/2022</a:t>
+              <a:t>20/09/2022</a:t>
             </a:fld>
             <a:endParaRPr lang="es-CO"/>
           </a:p>
@@ -1388,7 +1389,7 @@
           <a:p>
             <a:fld id="{BD986248-06F7-A441-A47A-264EBD310E11}" type="datetimeFigureOut">
               <a:rPr lang="es-CO" smtClean="0"/>
-              <a:t>17/09/2022</a:t>
+              <a:t>20/09/2022</a:t>
             </a:fld>
             <a:endParaRPr lang="es-CO"/>
           </a:p>
@@ -1996,7 +1997,7 @@
           <a:p>
             <a:fld id="{BD986248-06F7-A441-A47A-264EBD310E11}" type="datetimeFigureOut">
               <a:rPr lang="es-CO" smtClean="0"/>
-              <a:t>17/09/2022</a:t>
+              <a:t>20/09/2022</a:t>
             </a:fld>
             <a:endParaRPr lang="es-CO"/>
           </a:p>
@@ -2272,7 +2273,7 @@
           <a:p>
             <a:fld id="{BD986248-06F7-A441-A47A-264EBD310E11}" type="datetimeFigureOut">
               <a:rPr lang="es-CO" smtClean="0"/>
-              <a:t>17/09/2022</a:t>
+              <a:t>20/09/2022</a:t>
             </a:fld>
             <a:endParaRPr lang="es-CO"/>
           </a:p>
@@ -2540,7 +2541,7 @@
           <a:p>
             <a:fld id="{BD986248-06F7-A441-A47A-264EBD310E11}" type="datetimeFigureOut">
               <a:rPr lang="es-CO" smtClean="0"/>
-              <a:t>17/09/2022</a:t>
+              <a:t>20/09/2022</a:t>
             </a:fld>
             <a:endParaRPr lang="es-CO"/>
           </a:p>
@@ -2955,7 +2956,7 @@
           <a:p>
             <a:fld id="{BD986248-06F7-A441-A47A-264EBD310E11}" type="datetimeFigureOut">
               <a:rPr lang="es-CO" smtClean="0"/>
-              <a:t>17/09/2022</a:t>
+              <a:t>20/09/2022</a:t>
             </a:fld>
             <a:endParaRPr lang="es-CO"/>
           </a:p>
@@ -3097,7 +3098,7 @@
           <a:p>
             <a:fld id="{BD986248-06F7-A441-A47A-264EBD310E11}" type="datetimeFigureOut">
               <a:rPr lang="es-CO" smtClean="0"/>
-              <a:t>17/09/2022</a:t>
+              <a:t>20/09/2022</a:t>
             </a:fld>
             <a:endParaRPr lang="es-CO"/>
           </a:p>
@@ -3210,7 +3211,7 @@
           <a:p>
             <a:fld id="{BD986248-06F7-A441-A47A-264EBD310E11}" type="datetimeFigureOut">
               <a:rPr lang="es-CO" smtClean="0"/>
-              <a:t>17/09/2022</a:t>
+              <a:t>20/09/2022</a:t>
             </a:fld>
             <a:endParaRPr lang="es-CO"/>
           </a:p>
@@ -3523,7 +3524,7 @@
           <a:p>
             <a:fld id="{BD986248-06F7-A441-A47A-264EBD310E11}" type="datetimeFigureOut">
               <a:rPr lang="es-CO" smtClean="0"/>
-              <a:t>17/09/2022</a:t>
+              <a:t>20/09/2022</a:t>
             </a:fld>
             <a:endParaRPr lang="es-CO"/>
           </a:p>
@@ -3812,7 +3813,7 @@
           <a:p>
             <a:fld id="{BD986248-06F7-A441-A47A-264EBD310E11}" type="datetimeFigureOut">
               <a:rPr lang="es-CO" smtClean="0"/>
-              <a:t>17/09/2022</a:t>
+              <a:t>20/09/2022</a:t>
             </a:fld>
             <a:endParaRPr lang="es-CO"/>
           </a:p>
@@ -4055,7 +4056,7 @@
           <a:p>
             <a:fld id="{BD986248-06F7-A441-A47A-264EBD310E11}" type="datetimeFigureOut">
               <a:rPr lang="es-CO" smtClean="0"/>
-              <a:t>17/09/2022</a:t>
+              <a:t>20/09/2022</a:t>
             </a:fld>
             <a:endParaRPr lang="es-CO"/>
           </a:p>
@@ -5544,10 +5545,10 @@
       </p:sp>
       <p:pic>
         <p:nvPicPr>
-          <p:cNvPr id="8" name="Imagen 7">
-            <a:extLst>
-              <a:ext uri="{FF2B5EF4-FFF2-40B4-BE49-F238E27FC236}">
-                <a16:creationId xmlns:a16="http://schemas.microsoft.com/office/drawing/2014/main" id="{3FC2C8EE-71A8-9713-3AE6-46C1BB383748}"/>
+          <p:cNvPr id="3" name="Imagen 2">
+            <a:extLst>
+              <a:ext uri="{FF2B5EF4-FFF2-40B4-BE49-F238E27FC236}">
+                <a16:creationId xmlns:a16="http://schemas.microsoft.com/office/drawing/2014/main" id="{BE78A64A-7639-8908-5933-5F788C155F9F}"/>
               </a:ext>
             </a:extLst>
           </p:cNvPr>
@@ -5556,15 +5557,16 @@
           </p:cNvPicPr>
           <p:nvPr/>
         </p:nvPicPr>
-        <p:blipFill rotWithShape="1">
+        <p:blipFill>
           <a:blip r:embed="rId2"/>
-          <a:srcRect/>
-          <a:stretch/>
+          <a:stretch>
+            <a:fillRect/>
+          </a:stretch>
         </p:blipFill>
         <p:spPr>
           <a:xfrm>
-            <a:off x="1581150" y="1092989"/>
-            <a:ext cx="9029700" cy="5676900"/>
+            <a:off x="1123071" y="629564"/>
+            <a:ext cx="9945858" cy="6228436"/>
           </a:xfrm>
           <a:prstGeom prst="rect">
             <a:avLst/>
@@ -5603,10 +5605,10 @@
       </p:grpSpPr>
       <p:pic>
         <p:nvPicPr>
-          <p:cNvPr id="4" name="Imagen 3">
-            <a:extLst>
-              <a:ext uri="{FF2B5EF4-FFF2-40B4-BE49-F238E27FC236}">
-                <a16:creationId xmlns:a16="http://schemas.microsoft.com/office/drawing/2014/main" id="{279350AA-62C9-75EF-46C3-0345953F5641}"/>
+          <p:cNvPr id="3" name="Imagen 2">
+            <a:extLst>
+              <a:ext uri="{FF2B5EF4-FFF2-40B4-BE49-F238E27FC236}">
+                <a16:creationId xmlns:a16="http://schemas.microsoft.com/office/drawing/2014/main" id="{B6D05E2E-F6F7-3265-9463-A975DAD1F696}"/>
               </a:ext>
             </a:extLst>
           </p:cNvPr>
@@ -5615,15 +5617,16 @@
           </p:cNvPicPr>
           <p:nvPr/>
         </p:nvPicPr>
-        <p:blipFill rotWithShape="1">
+        <p:blipFill>
           <a:blip r:embed="rId2"/>
-          <a:srcRect t="2332"/>
-          <a:stretch/>
+          <a:stretch>
+            <a:fillRect/>
+          </a:stretch>
         </p:blipFill>
         <p:spPr>
           <a:xfrm>
-            <a:off x="668372" y="1150606"/>
-            <a:ext cx="10316539" cy="4556789"/>
+            <a:off x="1166784" y="866921"/>
+            <a:ext cx="9858432" cy="5124157"/>
           </a:xfrm>
           <a:prstGeom prst="rect">
             <a:avLst/>
@@ -5704,10 +5707,10 @@
       </p:sp>
       <p:pic>
         <p:nvPicPr>
-          <p:cNvPr id="4" name="Imagen 3">
-            <a:extLst>
-              <a:ext uri="{FF2B5EF4-FFF2-40B4-BE49-F238E27FC236}">
-                <a16:creationId xmlns:a16="http://schemas.microsoft.com/office/drawing/2014/main" id="{EBEE270C-1BCA-CA91-79D2-FA87CD55A497}"/>
+          <p:cNvPr id="3" name="Imagen 2">
+            <a:extLst>
+              <a:ext uri="{FF2B5EF4-FFF2-40B4-BE49-F238E27FC236}">
+                <a16:creationId xmlns:a16="http://schemas.microsoft.com/office/drawing/2014/main" id="{D8B262FA-29F3-F30B-F3DE-5DB64C42C194}"/>
               </a:ext>
             </a:extLst>
           </p:cNvPr>
@@ -5724,8 +5727,8 @@
         </p:blipFill>
         <p:spPr>
           <a:xfrm>
-            <a:off x="0" y="1620239"/>
-            <a:ext cx="12192000" cy="3617523"/>
+            <a:off x="0" y="1589348"/>
+            <a:ext cx="12197578" cy="3679304"/>
           </a:xfrm>
           <a:prstGeom prst="rect">
             <a:avLst/>
@@ -7316,7 +7319,7 @@
         </p:nvSpPr>
         <p:spPr>
           <a:xfrm>
-            <a:off x="556878" y="354061"/>
+            <a:off x="-210038" y="398307"/>
             <a:ext cx="11078244" cy="666786"/>
           </a:xfrm>
           <a:prstGeom prst="rect">
@@ -7342,6 +7345,36 @@
           </a:p>
         </p:txBody>
       </p:sp>
+      <p:pic>
+        <p:nvPicPr>
+          <p:cNvPr id="4" name="Imagen 3" descr="Diagrama&#10;&#10;Descripción generada automáticamente">
+            <a:extLst>
+              <a:ext uri="{FF2B5EF4-FFF2-40B4-BE49-F238E27FC236}">
+                <a16:creationId xmlns:a16="http://schemas.microsoft.com/office/drawing/2014/main" id="{98C1205F-7A38-15B7-BFD3-B9C1C09AB42E}"/>
+              </a:ext>
+            </a:extLst>
+          </p:cNvPr>
+          <p:cNvPicPr>
+            <a:picLocks noChangeAspect="1"/>
+          </p:cNvPicPr>
+          <p:nvPr/>
+        </p:nvPicPr>
+        <p:blipFill>
+          <a:blip r:embed="rId2"/>
+          <a:stretch>
+            <a:fillRect/>
+          </a:stretch>
+        </p:blipFill>
+        <p:spPr>
+          <a:xfrm>
+            <a:off x="898946" y="1049105"/>
+            <a:ext cx="10394107" cy="5808895"/>
+          </a:xfrm>
+          <a:prstGeom prst="rect">
+            <a:avLst/>
+          </a:prstGeom>
+        </p:spPr>
+      </p:pic>
     </p:spTree>
     <p:extLst>
       <p:ext uri="{BB962C8B-B14F-4D97-AF65-F5344CB8AC3E}">
@@ -7372,6 +7405,36 @@
           <a:chExt cx="0" cy="0"/>
         </a:xfrm>
       </p:grpSpPr>
+      <p:pic>
+        <p:nvPicPr>
+          <p:cNvPr id="3" name="Imagen 2">
+            <a:extLst>
+              <a:ext uri="{FF2B5EF4-FFF2-40B4-BE49-F238E27FC236}">
+                <a16:creationId xmlns:a16="http://schemas.microsoft.com/office/drawing/2014/main" id="{8A242E3A-5E54-4A9C-67E2-B7DF0AE417A5}"/>
+              </a:ext>
+            </a:extLst>
+          </p:cNvPr>
+          <p:cNvPicPr>
+            <a:picLocks noChangeAspect="1"/>
+          </p:cNvPicPr>
+          <p:nvPr/>
+        </p:nvPicPr>
+        <p:blipFill>
+          <a:blip r:embed="rId2"/>
+          <a:stretch>
+            <a:fillRect/>
+          </a:stretch>
+        </p:blipFill>
+        <p:spPr>
+          <a:xfrm>
+            <a:off x="0" y="-1"/>
+            <a:ext cx="10691446" cy="6868571"/>
+          </a:xfrm>
+          <a:prstGeom prst="rect">
+            <a:avLst/>
+          </a:prstGeom>
+        </p:spPr>
+      </p:pic>
       <p:sp>
         <p:nvSpPr>
           <p:cNvPr id="5" name="CuadroTexto 4">
@@ -7386,8 +7449,8 @@
         </p:nvSpPr>
         <p:spPr>
           <a:xfrm>
-            <a:off x="883920" y="298112"/>
-            <a:ext cx="10424160" cy="666786"/>
+            <a:off x="6096000" y="5067059"/>
+            <a:ext cx="5868571" cy="1241237"/>
           </a:xfrm>
           <a:prstGeom prst="rect">
             <a:avLst/>
@@ -7407,7 +7470,18 @@
                   <a:srgbClr val="FF6C00"/>
                 </a:solidFill>
               </a:rPr>
-              <a:t>Modelado MR (Modelo Relacional)</a:t>
+              <a:t>Modelado MR </a:t>
+            </a:r>
+          </a:p>
+          <a:p>
+            <a:pPr algn="ctr"/>
+            <a:r>
+              <a:rPr lang="es-ES" sz="3733" b="1" dirty="0">
+                <a:solidFill>
+                  <a:srgbClr val="FF6C00"/>
+                </a:solidFill>
+              </a:rPr>
+              <a:t>(Modelo Relacional)</a:t>
             </a:r>
           </a:p>
         </p:txBody>
@@ -7477,7 +7551,7 @@
                   <a:srgbClr val="FF6C00"/>
                 </a:solidFill>
               </a:rPr>
-              <a:t>Prediseño del </a:t>
+              <a:t>Diseño del </a:t>
             </a:r>
             <a:r>
               <a:rPr lang="es-ES" sz="3733" b="1" dirty="0" err="1">
@@ -7527,14 +7601,20 @@
       </p:grpSpPr>
       <p:sp>
         <p:nvSpPr>
-          <p:cNvPr id="2" name="CuadroTexto 1"/>
+          <p:cNvPr id="5" name="CuadroTexto 4">
+            <a:extLst>
+              <a:ext uri="{FF2B5EF4-FFF2-40B4-BE49-F238E27FC236}">
+                <a16:creationId xmlns:a16="http://schemas.microsoft.com/office/drawing/2014/main" id="{1BE7FA7E-C3EC-4186-AFBD-5BB81C7A131D}"/>
+              </a:ext>
+            </a:extLst>
+          </p:cNvPr>
           <p:cNvSpPr txBox="1"/>
           <p:nvPr/>
         </p:nvSpPr>
         <p:spPr>
           <a:xfrm>
-            <a:off x="510491" y="332660"/>
-            <a:ext cx="4408840" cy="830997"/>
+            <a:off x="2998383" y="421131"/>
+            <a:ext cx="6195235" cy="666786"/>
           </a:xfrm>
           <a:prstGeom prst="rect">
             <a:avLst/>
@@ -7547,113 +7627,14 @@
           </a:bodyPr>
           <a:lstStyle/>
           <a:p>
-            <a:r>
-              <a:rPr lang="es-ES" sz="4800" b="1" dirty="0">
+            <a:pPr algn="ctr"/>
+            <a:r>
+              <a:rPr lang="es-ES" sz="3733" b="1" dirty="0">
                 <a:solidFill>
-                  <a:schemeClr val="bg1"/>
+                  <a:srgbClr val="FF6C00"/>
                 </a:solidFill>
               </a:rPr>
-              <a:t>Conclusiones </a:t>
-            </a:r>
-          </a:p>
-        </p:txBody>
-      </p:sp>
-      <p:sp>
-        <p:nvSpPr>
-          <p:cNvPr id="8" name="CuadroTexto 7">
-            <a:extLst>
-              <a:ext uri="{FF2B5EF4-FFF2-40B4-BE49-F238E27FC236}">
-                <a16:creationId xmlns:a16="http://schemas.microsoft.com/office/drawing/2014/main" id="{F8C7B26D-E9A2-4838-8972-83BB0387A627}"/>
-              </a:ext>
-            </a:extLst>
-          </p:cNvPr>
-          <p:cNvSpPr txBox="1"/>
-          <p:nvPr/>
-        </p:nvSpPr>
-        <p:spPr>
-          <a:xfrm>
-            <a:off x="184424" y="1821465"/>
-            <a:ext cx="11823152" cy="3416320"/>
-          </a:xfrm>
-          <a:prstGeom prst="rect">
-            <a:avLst/>
-          </a:prstGeom>
-          <a:noFill/>
-        </p:spPr>
-        <p:txBody>
-          <a:bodyPr wrap="square" rtlCol="0">
-            <a:spAutoFit/>
-          </a:bodyPr>
-          <a:lstStyle/>
-          <a:p>
-            <a:pPr marL="380990" indent="-380990" algn="just" defTabSz="1257621" hangingPunct="0">
-              <a:buFontTx/>
-              <a:buChar char="-"/>
-            </a:pPr>
-            <a:r>
-              <a:rPr lang="es-ES" sz="2400" dirty="0">
-                <a:ea typeface="Helvetica Neue"/>
-                <a:cs typeface="Calibir"/>
-                <a:sym typeface="Helvetica Neue"/>
-              </a:rPr>
-              <a:t>Tras la documentación mostrada, podemos deducir que los objetivos planteados están dirigidos a solucionar la problemática principal de nuestro proyecto, dado que actualmente no se ve resuelta por completo en el mercado, y de allí se derivan oportunidades para </a:t>
-            </a:r>
-            <a:r>
-              <a:rPr lang="es-ES" sz="2400" dirty="0" err="1">
-                <a:ea typeface="Helvetica Neue"/>
-                <a:cs typeface="Calibir"/>
-                <a:sym typeface="Helvetica Neue"/>
-              </a:rPr>
-              <a:t>Service</a:t>
-            </a:r>
-            <a:r>
-              <a:rPr lang="es-ES" sz="2400" dirty="0">
-                <a:ea typeface="Helvetica Neue"/>
-                <a:cs typeface="Calibir"/>
-                <a:sym typeface="Helvetica Neue"/>
-              </a:rPr>
-              <a:t> </a:t>
-            </a:r>
-            <a:r>
-              <a:rPr lang="es-ES" sz="2400" dirty="0" err="1">
-                <a:ea typeface="Helvetica Neue"/>
-                <a:cs typeface="Calibir"/>
-                <a:sym typeface="Helvetica Neue"/>
-              </a:rPr>
-              <a:t>Market</a:t>
-            </a:r>
-            <a:r>
-              <a:rPr lang="es-ES" sz="2400" dirty="0">
-                <a:ea typeface="Helvetica Neue"/>
-                <a:cs typeface="Calibir"/>
-                <a:sym typeface="Helvetica Neue"/>
-              </a:rPr>
-              <a:t>.</a:t>
-            </a:r>
-          </a:p>
-          <a:p>
-            <a:pPr marL="380990" indent="-380990" algn="just" defTabSz="1257621" hangingPunct="0">
-              <a:buFontTx/>
-              <a:buChar char="-"/>
-            </a:pPr>
-            <a:endParaRPr lang="es-ES" sz="2400" dirty="0">
-              <a:ea typeface="Helvetica Neue"/>
-              <a:cs typeface="Calibir"/>
-              <a:sym typeface="Helvetica Neue"/>
-            </a:endParaRPr>
-          </a:p>
-          <a:p>
-            <a:pPr marL="380990" indent="-380990" algn="just" defTabSz="1257621" hangingPunct="0">
-              <a:buFontTx/>
-              <a:buChar char="-"/>
-            </a:pPr>
-            <a:r>
-              <a:rPr lang="es-ES" sz="2400" dirty="0">
-                <a:ea typeface="Helvetica Neue"/>
-                <a:cs typeface="Calibir"/>
-                <a:sym typeface="Helvetica Neue"/>
-              </a:rPr>
-              <a:t>Según los datos expuestos, podemos concluir que nuestra aplicación web va a ser un canal de comunicación para clientes y proveedores que estén dispuestos a dar a conocer sus servicios, generando así mas ganancias, una negociación a una escala mayor y aumentando la credibilidad de aquellos prestadores de servicios que requieran una ayuda.</a:t>
+              <a:t>Script de la base de datos</a:t>
             </a:r>
           </a:p>
         </p:txBody>
@@ -7661,7 +7642,7 @@
     </p:spTree>
     <p:extLst>
       <p:ext uri="{BB962C8B-B14F-4D97-AF65-F5344CB8AC3E}">
-        <p14:creationId xmlns:p14="http://schemas.microsoft.com/office/powerpoint/2010/main" val="224373756"/>
+        <p14:creationId xmlns:p14="http://schemas.microsoft.com/office/powerpoint/2010/main" val="3458874268"/>
       </p:ext>
     </p:extLst>
   </p:cSld>
@@ -7696,8 +7677,8 @@
         </p:nvSpPr>
         <p:spPr>
           <a:xfrm>
-            <a:off x="510489" y="332661"/>
-            <a:ext cx="9469939" cy="830997"/>
+            <a:off x="510491" y="332660"/>
+            <a:ext cx="4408840" cy="830997"/>
           </a:xfrm>
           <a:prstGeom prst="rect">
             <a:avLst/>
@@ -7716,7 +7697,7 @@
                   <a:schemeClr val="bg1"/>
                 </a:solidFill>
               </a:rPr>
-              <a:t>Referencias bibliográficas</a:t>
+              <a:t>Conclusiones </a:t>
             </a:r>
           </a:p>
         </p:txBody>
@@ -7735,8 +7716,8 @@
         </p:nvSpPr>
         <p:spPr>
           <a:xfrm>
-            <a:off x="184424" y="1806100"/>
-            <a:ext cx="11823152" cy="5015797"/>
+            <a:off x="184424" y="1821465"/>
+            <a:ext cx="11823152" cy="3416320"/>
           </a:xfrm>
           <a:prstGeom prst="rect">
             <a:avLst/>
@@ -7749,363 +7730,82 @@
           </a:bodyPr>
           <a:lstStyle/>
           <a:p>
-            <a:pPr algn="just" defTabSz="1257621" hangingPunct="0"/>
-            <a:r>
-              <a:rPr lang="es-ES" sz="2133" dirty="0">
-                <a:solidFill>
-                  <a:srgbClr val="404040"/>
-                </a:solidFill>
+            <a:pPr marL="380990" indent="-380990" algn="just" defTabSz="1257621" hangingPunct="0">
+              <a:buFontTx/>
+              <a:buChar char="-"/>
+            </a:pPr>
+            <a:r>
+              <a:rPr lang="es-ES" sz="2400" dirty="0">
                 <a:ea typeface="Helvetica Neue"/>
                 <a:cs typeface="Calibir"/>
                 <a:sym typeface="Helvetica Neue"/>
-                <a:hlinkClick r:id="rId2"/>
-              </a:rPr>
-              <a:t>https://www.ingenioempresa.com/matriz-foda/#Paso_2_Definiendo_amenazas</a:t>
-            </a:r>
-            <a:r>
-              <a:rPr lang="es-ES" sz="2133" dirty="0">
-                <a:solidFill>
-                  <a:srgbClr val="404040"/>
-                </a:solidFill>
+              </a:rPr>
+              <a:t>Tras la documentación mostrada, podemos deducir que los objetivos planteados están dirigidos a solucionar la problemática principal de nuestro proyecto, dado que actualmente no se ve resuelta por completo en el mercado, y de allí se derivan oportunidades para </a:t>
+            </a:r>
+            <a:r>
+              <a:rPr lang="es-ES" sz="2400" dirty="0" err="1">
                 <a:ea typeface="Helvetica Neue"/>
                 <a:cs typeface="Calibir"/>
                 <a:sym typeface="Helvetica Neue"/>
               </a:rPr>
+              <a:t>Service</a:t>
+            </a:r>
+            <a:r>
+              <a:rPr lang="es-ES" sz="2400" dirty="0">
+                <a:ea typeface="Helvetica Neue"/>
+                <a:cs typeface="Calibir"/>
+                <a:sym typeface="Helvetica Neue"/>
+              </a:rPr>
               <a:t> </a:t>
             </a:r>
-          </a:p>
-          <a:p>
-            <a:pPr algn="just" defTabSz="1257621" hangingPunct="0"/>
-            <a:r>
-              <a:rPr lang="es-ES" sz="2133" dirty="0"/>
-              <a:t>Betancourt, D. F. (19 de abril de 2018). </a:t>
-            </a:r>
-            <a:r>
-              <a:rPr lang="es-ES" sz="2133" i="1" dirty="0"/>
-              <a:t>Cómo hacer el análisis FODA (matriz FADO) paso a paso</a:t>
-            </a:r>
-            <a:endParaRPr lang="es-ES" sz="2133" dirty="0">
+            <a:r>
+              <a:rPr lang="es-ES" sz="2400" dirty="0" err="1">
+                <a:ea typeface="Helvetica Neue"/>
+                <a:cs typeface="Calibir"/>
+                <a:sym typeface="Helvetica Neue"/>
+              </a:rPr>
+              <a:t>Market</a:t>
+            </a:r>
+            <a:r>
+              <a:rPr lang="es-ES" sz="2400" dirty="0">
+                <a:ea typeface="Helvetica Neue"/>
+                <a:cs typeface="Calibir"/>
+                <a:sym typeface="Helvetica Neue"/>
+              </a:rPr>
+              <a:t>.</a:t>
+            </a:r>
+          </a:p>
+          <a:p>
+            <a:pPr marL="380990" indent="-380990" algn="just" defTabSz="1257621" hangingPunct="0">
+              <a:buFontTx/>
+              <a:buChar char="-"/>
+            </a:pPr>
+            <a:endParaRPr lang="es-ES" sz="2400" dirty="0">
               <a:ea typeface="Helvetica Neue"/>
               <a:cs typeface="Calibir"/>
               <a:sym typeface="Helvetica Neue"/>
             </a:endParaRPr>
           </a:p>
           <a:p>
-            <a:pPr algn="just" defTabSz="1257621" hangingPunct="0"/>
-            <a:r>
-              <a:rPr lang="es-ES" sz="2133" dirty="0">
-                <a:solidFill>
-                  <a:srgbClr val="404040"/>
-                </a:solidFill>
+            <a:pPr marL="380990" indent="-380990" algn="just" defTabSz="1257621" hangingPunct="0">
+              <a:buFontTx/>
+              <a:buChar char="-"/>
+            </a:pPr>
+            <a:r>
+              <a:rPr lang="es-ES" sz="2400" dirty="0">
                 <a:ea typeface="Helvetica Neue"/>
                 <a:cs typeface="Calibir"/>
                 <a:sym typeface="Helvetica Neue"/>
-                <a:hlinkClick r:id="rId3"/>
-              </a:rPr>
-              <a:t>https://www.ingenioempresa.com/arbol-de-objetivos/</a:t>
-            </a:r>
-            <a:endParaRPr lang="es-ES" sz="2133" dirty="0">
-              <a:solidFill>
-                <a:srgbClr val="404040"/>
-              </a:solidFill>
-              <a:ea typeface="Helvetica Neue"/>
-              <a:cs typeface="Calibir"/>
-              <a:sym typeface="Helvetica Neue"/>
-            </a:endParaRPr>
-          </a:p>
-          <a:p>
-            <a:pPr algn="just" defTabSz="1257621" hangingPunct="0"/>
-            <a:r>
-              <a:rPr lang="es-ES" sz="2133" dirty="0"/>
-              <a:t>BETANCOURT, Diego. </a:t>
-            </a:r>
-            <a:r>
-              <a:rPr lang="es-ES" sz="2133" i="1" dirty="0"/>
-              <a:t>Cómo hacer un árbol de objetivos(09 de AGOSTO de 2016)</a:t>
-            </a:r>
-            <a:endParaRPr lang="es-ES" sz="2133" dirty="0">
-              <a:ea typeface="Helvetica Neue"/>
-              <a:cs typeface="Calibir"/>
-              <a:sym typeface="Helvetica Neue"/>
-            </a:endParaRPr>
-          </a:p>
-          <a:p>
-            <a:pPr algn="just" defTabSz="1257621" hangingPunct="0"/>
-            <a:r>
-              <a:rPr lang="es-ES" sz="2133" dirty="0">
-                <a:solidFill>
-                  <a:srgbClr val="404040"/>
-                </a:solidFill>
-                <a:ea typeface="Helvetica Neue"/>
-                <a:cs typeface="Calibir"/>
-                <a:sym typeface="Helvetica Neue"/>
-                <a:hlinkClick r:id="rId4"/>
-              </a:rPr>
-              <a:t>https://www.ingenioempresa.com/arbol-de-problemas/</a:t>
-            </a:r>
-            <a:endParaRPr lang="es-ES" sz="2133" dirty="0">
-              <a:solidFill>
-                <a:srgbClr val="404040"/>
-              </a:solidFill>
-              <a:ea typeface="Helvetica Neue"/>
-              <a:cs typeface="Calibir"/>
-              <a:sym typeface="Helvetica Neue"/>
-            </a:endParaRPr>
-          </a:p>
-          <a:p>
-            <a:pPr algn="just" defTabSz="1257621" hangingPunct="0"/>
-            <a:r>
-              <a:rPr lang="es-ES" sz="2133" dirty="0"/>
-              <a:t>Betancourt, D. F. (05 de julio de 2016). </a:t>
-            </a:r>
-            <a:r>
-              <a:rPr lang="es-ES" sz="2133" i="1" dirty="0"/>
-              <a:t>Cómo hacer un árbol de problemas:</a:t>
-            </a:r>
-            <a:endParaRPr lang="es-ES" sz="2133" dirty="0">
-              <a:ea typeface="Helvetica Neue"/>
-              <a:cs typeface="Calibir"/>
-              <a:sym typeface="Helvetica Neue"/>
-            </a:endParaRPr>
-          </a:p>
-          <a:p>
-            <a:pPr algn="just" defTabSz="1257621" hangingPunct="0"/>
-            <a:r>
-              <a:rPr lang="es-ES" sz="2133" dirty="0">
-                <a:solidFill>
-                  <a:srgbClr val="404040"/>
-                </a:solidFill>
-                <a:ea typeface="Helvetica Neue"/>
-                <a:cs typeface="Calibir"/>
-                <a:sym typeface="Helvetica Neue"/>
-                <a:hlinkClick r:id="rId5"/>
-              </a:rPr>
-              <a:t>https://www.ejemplos.co/verbos-para-objetivos-generales-y-especificos/</a:t>
-            </a:r>
-            <a:endParaRPr lang="es-ES" sz="2133" dirty="0">
-              <a:solidFill>
-                <a:srgbClr val="404040"/>
-              </a:solidFill>
-              <a:ea typeface="Helvetica Neue"/>
-              <a:cs typeface="Calibir"/>
-              <a:sym typeface="Helvetica Neue"/>
-            </a:endParaRPr>
-          </a:p>
-          <a:p>
-            <a:pPr algn="just" defTabSz="1257621" hangingPunct="0"/>
-            <a:r>
-              <a:rPr lang="es-ES" sz="2133" dirty="0"/>
-              <a:t>Enciclopedia de Ejemplos (2022). "Verbos para Objetivos Generales y Específicos". </a:t>
-            </a:r>
-            <a:endParaRPr lang="es-ES" sz="2133" dirty="0">
-              <a:ea typeface="Helvetica Neue"/>
-              <a:cs typeface="Calibir"/>
-              <a:sym typeface="Helvetica Neue"/>
-            </a:endParaRPr>
-          </a:p>
-          <a:p>
-            <a:pPr algn="just" defTabSz="1257621" hangingPunct="0"/>
-            <a:r>
-              <a:rPr lang="es-ES" sz="2133" dirty="0">
-                <a:solidFill>
-                  <a:srgbClr val="404040"/>
-                </a:solidFill>
-                <a:ea typeface="Helvetica Neue"/>
-                <a:cs typeface="Calibir"/>
-                <a:sym typeface="Helvetica Neue"/>
-                <a:hlinkClick r:id="rId6"/>
-              </a:rPr>
-              <a:t>https://neetwork.com/wp-content/uploads/2019/10/que-es-la-negociacion.jpg</a:t>
-            </a:r>
-            <a:r>
-              <a:rPr lang="es-ES" sz="2133" dirty="0">
-                <a:solidFill>
-                  <a:srgbClr val="404040"/>
-                </a:solidFill>
-                <a:ea typeface="Helvetica Neue"/>
-                <a:cs typeface="Calibir"/>
-                <a:sym typeface="Helvetica Neue"/>
-              </a:rPr>
-              <a:t> </a:t>
-            </a:r>
-            <a:r>
-              <a:rPr lang="es-ES" sz="2133" dirty="0">
-                <a:ea typeface="Helvetica Neue"/>
-                <a:cs typeface="Calibir"/>
-                <a:sym typeface="Helvetica Neue"/>
-              </a:rPr>
-              <a:t>(Imagen referente)</a:t>
-            </a:r>
-          </a:p>
-          <a:p>
-            <a:pPr algn="just" defTabSz="1257621" hangingPunct="0"/>
-            <a:r>
-              <a:rPr lang="es-ES" sz="2133" dirty="0">
-                <a:solidFill>
-                  <a:srgbClr val="404040"/>
-                </a:solidFill>
-                <a:ea typeface="Helvetica Neue"/>
-                <a:cs typeface="Calibir"/>
-                <a:sym typeface="Helvetica Neue"/>
-                <a:hlinkClick r:id="rId7"/>
-              </a:rPr>
-              <a:t>https://www.protopie.io/</a:t>
-            </a:r>
-            <a:r>
-              <a:rPr lang="es-ES" sz="2133" dirty="0">
-                <a:solidFill>
-                  <a:srgbClr val="404040"/>
-                </a:solidFill>
-                <a:ea typeface="Helvetica Neue"/>
-                <a:cs typeface="Calibir"/>
-                <a:sym typeface="Helvetica Neue"/>
-              </a:rPr>
-              <a:t> </a:t>
-            </a:r>
-            <a:r>
-              <a:rPr lang="es-ES" sz="2133" dirty="0">
-                <a:ea typeface="Helvetica Neue"/>
-                <a:cs typeface="Calibir"/>
-                <a:sym typeface="Helvetica Neue"/>
-              </a:rPr>
-              <a:t>(Plataforma interactiva de wireframe)</a:t>
-            </a:r>
-          </a:p>
-          <a:p>
-            <a:pPr algn="just" defTabSz="1257621" hangingPunct="0"/>
-            <a:r>
-              <a:rPr lang="es-ES" sz="2133" dirty="0">
-                <a:solidFill>
-                  <a:srgbClr val="404040"/>
-                </a:solidFill>
-                <a:ea typeface="Helvetica Neue"/>
-                <a:cs typeface="Calibir"/>
-                <a:sym typeface="Helvetica Neue"/>
-                <a:hlinkClick r:id="rId8"/>
-              </a:rPr>
-              <a:t>https://www.flaticon.es/?k=1629421547935</a:t>
-            </a:r>
-            <a:r>
-              <a:rPr lang="es-ES" sz="2133" dirty="0">
-                <a:solidFill>
-                  <a:srgbClr val="404040"/>
-                </a:solidFill>
-                <a:ea typeface="Helvetica Neue"/>
-                <a:cs typeface="Calibir"/>
-                <a:sym typeface="Helvetica Neue"/>
-              </a:rPr>
-              <a:t> </a:t>
-            </a:r>
-            <a:r>
-              <a:rPr lang="es-ES" sz="2133" dirty="0">
-                <a:ea typeface="Helvetica Neue"/>
-                <a:cs typeface="Calibir"/>
-                <a:sym typeface="Helvetica Neue"/>
-              </a:rPr>
-              <a:t>(Iconos)</a:t>
-            </a:r>
-          </a:p>
-          <a:p>
-            <a:pPr algn="just" defTabSz="1257621" hangingPunct="0"/>
-            <a:r>
-              <a:rPr lang="es-ES" sz="2133" dirty="0">
-                <a:solidFill>
-                  <a:srgbClr val="404040"/>
-                </a:solidFill>
-                <a:ea typeface="Helvetica Neue"/>
-                <a:cs typeface="Calibir"/>
-                <a:sym typeface="Helvetica Neue"/>
-                <a:hlinkClick r:id="rId9"/>
-              </a:rPr>
-              <a:t>https://studio.tailorbrands.com/</a:t>
-            </a:r>
-            <a:r>
-              <a:rPr lang="es-ES" sz="2133" dirty="0">
-                <a:solidFill>
-                  <a:srgbClr val="404040"/>
-                </a:solidFill>
-                <a:ea typeface="Helvetica Neue"/>
-                <a:cs typeface="Calibir"/>
-                <a:sym typeface="Helvetica Neue"/>
-              </a:rPr>
-              <a:t> </a:t>
-            </a:r>
-            <a:r>
-              <a:rPr lang="es-ES" sz="2133" dirty="0">
-                <a:ea typeface="Helvetica Neue"/>
-                <a:cs typeface="Calibir"/>
-                <a:sym typeface="Helvetica Neue"/>
-              </a:rPr>
-              <a:t>(Diseño de Logo)</a:t>
-            </a:r>
-          </a:p>
-          <a:p>
-            <a:pPr algn="just" defTabSz="1257621" hangingPunct="0"/>
-            <a:r>
-              <a:rPr lang="es-ES" sz="2133" dirty="0">
-                <a:solidFill>
-                  <a:srgbClr val="404040"/>
-                </a:solidFill>
-                <a:latin typeface="Calibir"/>
-                <a:ea typeface="Helvetica Neue"/>
-                <a:cs typeface="Calibir"/>
-                <a:sym typeface="Helvetica Neue"/>
-                <a:hlinkClick r:id="rId10"/>
-              </a:rPr>
-              <a:t>https://www.ingenioempresa.com/mapa-de-empatia/</a:t>
-            </a:r>
-            <a:r>
-              <a:rPr lang="es-ES" sz="2133" dirty="0">
-                <a:solidFill>
-                  <a:srgbClr val="404040"/>
-                </a:solidFill>
-                <a:latin typeface="Calibir"/>
-                <a:ea typeface="Helvetica Neue"/>
-                <a:cs typeface="Calibir"/>
-                <a:sym typeface="Helvetica Neue"/>
-              </a:rPr>
-              <a:t> </a:t>
-            </a:r>
-            <a:r>
-              <a:rPr lang="es-ES" sz="2133" dirty="0">
-                <a:latin typeface="Calibir"/>
-                <a:ea typeface="Helvetica Neue"/>
-                <a:cs typeface="Calibir"/>
-                <a:sym typeface="Helvetica Neue"/>
-              </a:rPr>
-              <a:t>Ingenio Empresa. “Mapa de empatía”</a:t>
-            </a:r>
-          </a:p>
-          <a:p>
-            <a:pPr algn="just" defTabSz="1257621" hangingPunct="0"/>
-            <a:endParaRPr lang="es-ES" sz="2133" dirty="0">
-              <a:solidFill>
-                <a:srgbClr val="404040"/>
-              </a:solidFill>
-              <a:latin typeface="Calibir"/>
-              <a:ea typeface="Helvetica Neue"/>
-              <a:cs typeface="Calibir"/>
-              <a:sym typeface="Helvetica Neue"/>
-            </a:endParaRPr>
-          </a:p>
-          <a:p>
-            <a:pPr algn="just" defTabSz="1257621" hangingPunct="0"/>
-            <a:endParaRPr lang="es-ES" sz="2133" b="1" dirty="0">
-              <a:solidFill>
-                <a:srgbClr val="404040"/>
-              </a:solidFill>
-              <a:latin typeface="Calibir"/>
-              <a:ea typeface="Helvetica Neue"/>
-              <a:cs typeface="Calibir"/>
-              <a:sym typeface="Helvetica Neue"/>
-            </a:endParaRPr>
+              </a:rPr>
+              <a:t>Según los datos expuestos, podemos concluir que nuestra aplicación web va a ser un canal de comunicación para clientes y proveedores que estén dispuestos a dar a conocer sus servicios, generando así mas ganancias, una negociación a una escala mayor y aumentando la credibilidad de aquellos prestadores de servicios que requieran una ayuda.</a:t>
+            </a:r>
           </a:p>
         </p:txBody>
       </p:sp>
     </p:spTree>
     <p:extLst>
       <p:ext uri="{BB962C8B-B14F-4D97-AF65-F5344CB8AC3E}">
-        <p14:creationId xmlns:p14="http://schemas.microsoft.com/office/powerpoint/2010/main" val="2449997532"/>
+        <p14:creationId xmlns:p14="http://schemas.microsoft.com/office/powerpoint/2010/main" val="224373756"/>
       </p:ext>
     </p:extLst>
   </p:cSld>
@@ -8132,40 +7832,424 @@
           <a:chExt cx="0" cy="0"/>
         </a:xfrm>
       </p:grpSpPr>
-      <p:pic>
-        <p:nvPicPr>
-          <p:cNvPr id="3" name="Imagen 3">
-            <a:extLst>
-              <a:ext uri="{FF2B5EF4-FFF2-40B4-BE49-F238E27FC236}">
-                <a16:creationId xmlns:a16="http://schemas.microsoft.com/office/drawing/2014/main" id="{E42CE7DD-1B5C-489F-A503-80B34D37FB80}"/>
-              </a:ext>
-            </a:extLst>
-          </p:cNvPr>
-          <p:cNvPicPr>
-            <a:picLocks noChangeAspect="1"/>
-          </p:cNvPicPr>
+      <p:sp>
+        <p:nvSpPr>
+          <p:cNvPr id="2" name="CuadroTexto 1"/>
+          <p:cNvSpPr txBox="1"/>
           <p:nvPr/>
-        </p:nvPicPr>
-        <p:blipFill>
-          <a:blip r:embed="rId2"/>
-          <a:stretch>
-            <a:fillRect/>
-          </a:stretch>
-        </p:blipFill>
-        <p:spPr>
-          <a:xfrm>
-            <a:off x="-10659" y="-589"/>
-            <a:ext cx="12212442" cy="6859178"/>
+        </p:nvSpPr>
+        <p:spPr>
+          <a:xfrm>
+            <a:off x="510489" y="332661"/>
+            <a:ext cx="9469939" cy="830997"/>
           </a:xfrm>
           <a:prstGeom prst="rect">
             <a:avLst/>
           </a:prstGeom>
-        </p:spPr>
-      </p:pic>
+          <a:noFill/>
+        </p:spPr>
+        <p:txBody>
+          <a:bodyPr wrap="square" rtlCol="0">
+            <a:spAutoFit/>
+          </a:bodyPr>
+          <a:lstStyle/>
+          <a:p>
+            <a:r>
+              <a:rPr lang="es-ES" sz="4800" b="1" dirty="0">
+                <a:solidFill>
+                  <a:schemeClr val="bg1"/>
+                </a:solidFill>
+              </a:rPr>
+              <a:t>Referencias bibliográficas</a:t>
+            </a:r>
+          </a:p>
+        </p:txBody>
+      </p:sp>
+      <p:sp>
+        <p:nvSpPr>
+          <p:cNvPr id="8" name="CuadroTexto 7">
+            <a:extLst>
+              <a:ext uri="{FF2B5EF4-FFF2-40B4-BE49-F238E27FC236}">
+                <a16:creationId xmlns:a16="http://schemas.microsoft.com/office/drawing/2014/main" id="{F8C7B26D-E9A2-4838-8972-83BB0387A627}"/>
+              </a:ext>
+            </a:extLst>
+          </p:cNvPr>
+          <p:cNvSpPr txBox="1"/>
+          <p:nvPr/>
+        </p:nvSpPr>
+        <p:spPr>
+          <a:xfrm>
+            <a:off x="184424" y="1806100"/>
+            <a:ext cx="11823152" cy="5015797"/>
+          </a:xfrm>
+          <a:prstGeom prst="rect">
+            <a:avLst/>
+          </a:prstGeom>
+          <a:noFill/>
+        </p:spPr>
+        <p:txBody>
+          <a:bodyPr wrap="square" rtlCol="0">
+            <a:spAutoFit/>
+          </a:bodyPr>
+          <a:lstStyle/>
+          <a:p>
+            <a:pPr algn="just" defTabSz="1257621" hangingPunct="0"/>
+            <a:r>
+              <a:rPr lang="es-ES" sz="2133" dirty="0">
+                <a:solidFill>
+                  <a:srgbClr val="404040"/>
+                </a:solidFill>
+                <a:ea typeface="Helvetica Neue"/>
+                <a:cs typeface="Calibir"/>
+                <a:sym typeface="Helvetica Neue"/>
+                <a:hlinkClick r:id="rId2"/>
+              </a:rPr>
+              <a:t>https://www.ingenioempresa.com/matriz-foda/#Paso_2_Definiendo_amenazas</a:t>
+            </a:r>
+            <a:r>
+              <a:rPr lang="es-ES" sz="2133" dirty="0">
+                <a:solidFill>
+                  <a:srgbClr val="404040"/>
+                </a:solidFill>
+                <a:ea typeface="Helvetica Neue"/>
+                <a:cs typeface="Calibir"/>
+                <a:sym typeface="Helvetica Neue"/>
+              </a:rPr>
+              <a:t> </a:t>
+            </a:r>
+          </a:p>
+          <a:p>
+            <a:pPr algn="just" defTabSz="1257621" hangingPunct="0"/>
+            <a:r>
+              <a:rPr lang="es-ES" sz="2133" dirty="0"/>
+              <a:t>Betancourt, D. F. (19 de abril de 2018). </a:t>
+            </a:r>
+            <a:r>
+              <a:rPr lang="es-ES" sz="2133" i="1" dirty="0"/>
+              <a:t>Cómo hacer el análisis FODA (matriz FADO) paso a paso</a:t>
+            </a:r>
+            <a:endParaRPr lang="es-ES" sz="2133" dirty="0">
+              <a:ea typeface="Helvetica Neue"/>
+              <a:cs typeface="Calibir"/>
+              <a:sym typeface="Helvetica Neue"/>
+            </a:endParaRPr>
+          </a:p>
+          <a:p>
+            <a:pPr algn="just" defTabSz="1257621" hangingPunct="0"/>
+            <a:r>
+              <a:rPr lang="es-ES" sz="2133" dirty="0">
+                <a:solidFill>
+                  <a:srgbClr val="404040"/>
+                </a:solidFill>
+                <a:ea typeface="Helvetica Neue"/>
+                <a:cs typeface="Calibir"/>
+                <a:sym typeface="Helvetica Neue"/>
+                <a:hlinkClick r:id="rId3"/>
+              </a:rPr>
+              <a:t>https://www.ingenioempresa.com/arbol-de-objetivos/</a:t>
+            </a:r>
+            <a:endParaRPr lang="es-ES" sz="2133" dirty="0">
+              <a:solidFill>
+                <a:srgbClr val="404040"/>
+              </a:solidFill>
+              <a:ea typeface="Helvetica Neue"/>
+              <a:cs typeface="Calibir"/>
+              <a:sym typeface="Helvetica Neue"/>
+            </a:endParaRPr>
+          </a:p>
+          <a:p>
+            <a:pPr algn="just" defTabSz="1257621" hangingPunct="0"/>
+            <a:r>
+              <a:rPr lang="es-ES" sz="2133" dirty="0"/>
+              <a:t>BETANCOURT, Diego. </a:t>
+            </a:r>
+            <a:r>
+              <a:rPr lang="es-ES" sz="2133" i="1" dirty="0"/>
+              <a:t>Cómo hacer un árbol de objetivos(09 de AGOSTO de 2016)</a:t>
+            </a:r>
+            <a:endParaRPr lang="es-ES" sz="2133" dirty="0">
+              <a:ea typeface="Helvetica Neue"/>
+              <a:cs typeface="Calibir"/>
+              <a:sym typeface="Helvetica Neue"/>
+            </a:endParaRPr>
+          </a:p>
+          <a:p>
+            <a:pPr algn="just" defTabSz="1257621" hangingPunct="0"/>
+            <a:r>
+              <a:rPr lang="es-ES" sz="2133" dirty="0">
+                <a:solidFill>
+                  <a:srgbClr val="404040"/>
+                </a:solidFill>
+                <a:ea typeface="Helvetica Neue"/>
+                <a:cs typeface="Calibir"/>
+                <a:sym typeface="Helvetica Neue"/>
+                <a:hlinkClick r:id="rId4"/>
+              </a:rPr>
+              <a:t>https://www.ingenioempresa.com/arbol-de-problemas/</a:t>
+            </a:r>
+            <a:endParaRPr lang="es-ES" sz="2133" dirty="0">
+              <a:solidFill>
+                <a:srgbClr val="404040"/>
+              </a:solidFill>
+              <a:ea typeface="Helvetica Neue"/>
+              <a:cs typeface="Calibir"/>
+              <a:sym typeface="Helvetica Neue"/>
+            </a:endParaRPr>
+          </a:p>
+          <a:p>
+            <a:pPr algn="just" defTabSz="1257621" hangingPunct="0"/>
+            <a:r>
+              <a:rPr lang="es-ES" sz="2133" dirty="0"/>
+              <a:t>Betancourt, D. F. (05 de julio de 2016). </a:t>
+            </a:r>
+            <a:r>
+              <a:rPr lang="es-ES" sz="2133" i="1" dirty="0"/>
+              <a:t>Cómo hacer un árbol de problemas:</a:t>
+            </a:r>
+            <a:endParaRPr lang="es-ES" sz="2133" dirty="0">
+              <a:ea typeface="Helvetica Neue"/>
+              <a:cs typeface="Calibir"/>
+              <a:sym typeface="Helvetica Neue"/>
+            </a:endParaRPr>
+          </a:p>
+          <a:p>
+            <a:pPr algn="just" defTabSz="1257621" hangingPunct="0"/>
+            <a:r>
+              <a:rPr lang="es-ES" sz="2133" dirty="0">
+                <a:solidFill>
+                  <a:srgbClr val="404040"/>
+                </a:solidFill>
+                <a:ea typeface="Helvetica Neue"/>
+                <a:cs typeface="Calibir"/>
+                <a:sym typeface="Helvetica Neue"/>
+                <a:hlinkClick r:id="rId5"/>
+              </a:rPr>
+              <a:t>https://www.ejemplos.co/verbos-para-objetivos-generales-y-especificos/</a:t>
+            </a:r>
+            <a:endParaRPr lang="es-ES" sz="2133" dirty="0">
+              <a:solidFill>
+                <a:srgbClr val="404040"/>
+              </a:solidFill>
+              <a:ea typeface="Helvetica Neue"/>
+              <a:cs typeface="Calibir"/>
+              <a:sym typeface="Helvetica Neue"/>
+            </a:endParaRPr>
+          </a:p>
+          <a:p>
+            <a:pPr algn="just" defTabSz="1257621" hangingPunct="0"/>
+            <a:r>
+              <a:rPr lang="es-ES" sz="2133" dirty="0"/>
+              <a:t>Enciclopedia de Ejemplos (2022). "Verbos para Objetivos Generales y Específicos". </a:t>
+            </a:r>
+            <a:endParaRPr lang="es-ES" sz="2133" dirty="0">
+              <a:ea typeface="Helvetica Neue"/>
+              <a:cs typeface="Calibir"/>
+              <a:sym typeface="Helvetica Neue"/>
+            </a:endParaRPr>
+          </a:p>
+          <a:p>
+            <a:pPr algn="just" defTabSz="1257621" hangingPunct="0"/>
+            <a:r>
+              <a:rPr lang="es-ES" sz="2133" dirty="0">
+                <a:solidFill>
+                  <a:srgbClr val="404040"/>
+                </a:solidFill>
+                <a:ea typeface="Helvetica Neue"/>
+                <a:cs typeface="Calibir"/>
+                <a:sym typeface="Helvetica Neue"/>
+                <a:hlinkClick r:id="rId6"/>
+              </a:rPr>
+              <a:t>https://neetwork.com/wp-content/uploads/2019/10/que-es-la-negociacion.jpg</a:t>
+            </a:r>
+            <a:r>
+              <a:rPr lang="es-ES" sz="2133" dirty="0">
+                <a:solidFill>
+                  <a:srgbClr val="404040"/>
+                </a:solidFill>
+                <a:ea typeface="Helvetica Neue"/>
+                <a:cs typeface="Calibir"/>
+                <a:sym typeface="Helvetica Neue"/>
+              </a:rPr>
+              <a:t> </a:t>
+            </a:r>
+            <a:r>
+              <a:rPr lang="es-ES" sz="2133" dirty="0">
+                <a:ea typeface="Helvetica Neue"/>
+                <a:cs typeface="Calibir"/>
+                <a:sym typeface="Helvetica Neue"/>
+              </a:rPr>
+              <a:t>(Imagen referente)</a:t>
+            </a:r>
+          </a:p>
+          <a:p>
+            <a:pPr algn="just" defTabSz="1257621" hangingPunct="0"/>
+            <a:r>
+              <a:rPr lang="es-ES" sz="2133" dirty="0">
+                <a:solidFill>
+                  <a:srgbClr val="404040"/>
+                </a:solidFill>
+                <a:ea typeface="Helvetica Neue"/>
+                <a:cs typeface="Calibir"/>
+                <a:sym typeface="Helvetica Neue"/>
+                <a:hlinkClick r:id="rId7"/>
+              </a:rPr>
+              <a:t>https://www.protopie.io/</a:t>
+            </a:r>
+            <a:r>
+              <a:rPr lang="es-ES" sz="2133" dirty="0">
+                <a:solidFill>
+                  <a:srgbClr val="404040"/>
+                </a:solidFill>
+                <a:ea typeface="Helvetica Neue"/>
+                <a:cs typeface="Calibir"/>
+                <a:sym typeface="Helvetica Neue"/>
+              </a:rPr>
+              <a:t> </a:t>
+            </a:r>
+            <a:r>
+              <a:rPr lang="es-ES" sz="2133" dirty="0">
+                <a:ea typeface="Helvetica Neue"/>
+                <a:cs typeface="Calibir"/>
+                <a:sym typeface="Helvetica Neue"/>
+              </a:rPr>
+              <a:t>(Plataforma interactiva de wireframe)</a:t>
+            </a:r>
+          </a:p>
+          <a:p>
+            <a:pPr algn="just" defTabSz="1257621" hangingPunct="0"/>
+            <a:r>
+              <a:rPr lang="es-ES" sz="2133" dirty="0">
+                <a:solidFill>
+                  <a:srgbClr val="404040"/>
+                </a:solidFill>
+                <a:ea typeface="Helvetica Neue"/>
+                <a:cs typeface="Calibir"/>
+                <a:sym typeface="Helvetica Neue"/>
+                <a:hlinkClick r:id="rId8"/>
+              </a:rPr>
+              <a:t>https://www.flaticon.es/?k=1629421547935</a:t>
+            </a:r>
+            <a:r>
+              <a:rPr lang="es-ES" sz="2133" dirty="0">
+                <a:solidFill>
+                  <a:srgbClr val="404040"/>
+                </a:solidFill>
+                <a:ea typeface="Helvetica Neue"/>
+                <a:cs typeface="Calibir"/>
+                <a:sym typeface="Helvetica Neue"/>
+              </a:rPr>
+              <a:t> </a:t>
+            </a:r>
+            <a:r>
+              <a:rPr lang="es-ES" sz="2133" dirty="0">
+                <a:ea typeface="Helvetica Neue"/>
+                <a:cs typeface="Calibir"/>
+                <a:sym typeface="Helvetica Neue"/>
+              </a:rPr>
+              <a:t>(Iconos)</a:t>
+            </a:r>
+          </a:p>
+          <a:p>
+            <a:pPr algn="just" defTabSz="1257621" hangingPunct="0"/>
+            <a:r>
+              <a:rPr lang="es-ES" sz="2133" dirty="0">
+                <a:solidFill>
+                  <a:srgbClr val="404040"/>
+                </a:solidFill>
+                <a:ea typeface="Helvetica Neue"/>
+                <a:cs typeface="Calibir"/>
+                <a:sym typeface="Helvetica Neue"/>
+                <a:hlinkClick r:id="rId9"/>
+              </a:rPr>
+              <a:t>https://studio.tailorbrands.com/</a:t>
+            </a:r>
+            <a:r>
+              <a:rPr lang="es-ES" sz="2133" dirty="0">
+                <a:solidFill>
+                  <a:srgbClr val="404040"/>
+                </a:solidFill>
+                <a:ea typeface="Helvetica Neue"/>
+                <a:cs typeface="Calibir"/>
+                <a:sym typeface="Helvetica Neue"/>
+              </a:rPr>
+              <a:t> </a:t>
+            </a:r>
+            <a:r>
+              <a:rPr lang="es-ES" sz="2133" dirty="0">
+                <a:ea typeface="Helvetica Neue"/>
+                <a:cs typeface="Calibir"/>
+                <a:sym typeface="Helvetica Neue"/>
+              </a:rPr>
+              <a:t>(Diseño de Logo)</a:t>
+            </a:r>
+          </a:p>
+          <a:p>
+            <a:pPr algn="just" defTabSz="1257621" hangingPunct="0"/>
+            <a:r>
+              <a:rPr lang="es-ES" sz="2133" dirty="0">
+                <a:solidFill>
+                  <a:srgbClr val="404040"/>
+                </a:solidFill>
+                <a:latin typeface="Calibir"/>
+                <a:ea typeface="Helvetica Neue"/>
+                <a:cs typeface="Calibir"/>
+                <a:sym typeface="Helvetica Neue"/>
+                <a:hlinkClick r:id="rId10"/>
+              </a:rPr>
+              <a:t>https://www.ingenioempresa.com/mapa-de-empatia/</a:t>
+            </a:r>
+            <a:r>
+              <a:rPr lang="es-ES" sz="2133" dirty="0">
+                <a:solidFill>
+                  <a:srgbClr val="404040"/>
+                </a:solidFill>
+                <a:latin typeface="Calibir"/>
+                <a:ea typeface="Helvetica Neue"/>
+                <a:cs typeface="Calibir"/>
+                <a:sym typeface="Helvetica Neue"/>
+              </a:rPr>
+              <a:t> </a:t>
+            </a:r>
+            <a:r>
+              <a:rPr lang="es-ES" sz="2133" dirty="0">
+                <a:latin typeface="Calibir"/>
+                <a:ea typeface="Helvetica Neue"/>
+                <a:cs typeface="Calibir"/>
+                <a:sym typeface="Helvetica Neue"/>
+              </a:rPr>
+              <a:t>Ingenio Empresa. “Mapa de empatía”</a:t>
+            </a:r>
+          </a:p>
+          <a:p>
+            <a:pPr algn="just" defTabSz="1257621" hangingPunct="0"/>
+            <a:endParaRPr lang="es-ES" sz="2133" dirty="0">
+              <a:solidFill>
+                <a:srgbClr val="404040"/>
+              </a:solidFill>
+              <a:latin typeface="Calibir"/>
+              <a:ea typeface="Helvetica Neue"/>
+              <a:cs typeface="Calibir"/>
+              <a:sym typeface="Helvetica Neue"/>
+            </a:endParaRPr>
+          </a:p>
+          <a:p>
+            <a:pPr algn="just" defTabSz="1257621" hangingPunct="0"/>
+            <a:endParaRPr lang="es-ES" sz="2133" b="1" dirty="0">
+              <a:solidFill>
+                <a:srgbClr val="404040"/>
+              </a:solidFill>
+              <a:latin typeface="Calibir"/>
+              <a:ea typeface="Helvetica Neue"/>
+              <a:cs typeface="Calibir"/>
+              <a:sym typeface="Helvetica Neue"/>
+            </a:endParaRPr>
+          </a:p>
+        </p:txBody>
+      </p:sp>
     </p:spTree>
     <p:extLst>
       <p:ext uri="{BB962C8B-B14F-4D97-AF65-F5344CB8AC3E}">
-        <p14:creationId xmlns:p14="http://schemas.microsoft.com/office/powerpoint/2010/main" val="2776220320"/>
+        <p14:creationId xmlns:p14="http://schemas.microsoft.com/office/powerpoint/2010/main" val="2449997532"/>
       </p:ext>
     </p:extLst>
   </p:cSld>
@@ -8352,6 +8436,66 @@
     <p:extLst>
       <p:ext uri="{BB962C8B-B14F-4D97-AF65-F5344CB8AC3E}">
         <p14:creationId xmlns:p14="http://schemas.microsoft.com/office/powerpoint/2010/main" val="1947881636"/>
+      </p:ext>
+    </p:extLst>
+  </p:cSld>
+  <p:clrMapOvr>
+    <a:masterClrMapping/>
+  </p:clrMapOvr>
+</p:sld>
+</file>
+
+<file path=ppt/slides/slide30.xml><?xml version="1.0" encoding="utf-8"?>
+<p:sld xmlns:a="http://schemas.openxmlformats.org/drawingml/2006/main" xmlns:r="http://schemas.openxmlformats.org/officeDocument/2006/relationships" xmlns:p="http://schemas.openxmlformats.org/presentationml/2006/main">
+  <p:cSld>
+    <p:spTree>
+      <p:nvGrpSpPr>
+        <p:cNvPr id="1" name=""/>
+        <p:cNvGrpSpPr/>
+        <p:nvPr/>
+      </p:nvGrpSpPr>
+      <p:grpSpPr>
+        <a:xfrm>
+          <a:off x="0" y="0"/>
+          <a:ext cx="0" cy="0"/>
+          <a:chOff x="0" y="0"/>
+          <a:chExt cx="0" cy="0"/>
+        </a:xfrm>
+      </p:grpSpPr>
+      <p:pic>
+        <p:nvPicPr>
+          <p:cNvPr id="3" name="Imagen 3">
+            <a:extLst>
+              <a:ext uri="{FF2B5EF4-FFF2-40B4-BE49-F238E27FC236}">
+                <a16:creationId xmlns:a16="http://schemas.microsoft.com/office/drawing/2014/main" id="{E42CE7DD-1B5C-489F-A503-80B34D37FB80}"/>
+              </a:ext>
+            </a:extLst>
+          </p:cNvPr>
+          <p:cNvPicPr>
+            <a:picLocks noChangeAspect="1"/>
+          </p:cNvPicPr>
+          <p:nvPr/>
+        </p:nvPicPr>
+        <p:blipFill>
+          <a:blip r:embed="rId2"/>
+          <a:stretch>
+            <a:fillRect/>
+          </a:stretch>
+        </p:blipFill>
+        <p:spPr>
+          <a:xfrm>
+            <a:off x="-10659" y="-589"/>
+            <a:ext cx="12212442" cy="6859178"/>
+          </a:xfrm>
+          <a:prstGeom prst="rect">
+            <a:avLst/>
+          </a:prstGeom>
+        </p:spPr>
+      </p:pic>
+    </p:spTree>
+    <p:extLst>
+      <p:ext uri="{BB962C8B-B14F-4D97-AF65-F5344CB8AC3E}">
+        <p14:creationId xmlns:p14="http://schemas.microsoft.com/office/powerpoint/2010/main" val="2776220320"/>
       </p:ext>
     </p:extLst>
   </p:cSld>
@@ -9991,7 +10135,7 @@
         </p:nvSpPr>
         <p:spPr>
           <a:xfrm>
-            <a:off x="92150" y="2972659"/>
+            <a:off x="92146" y="2860871"/>
             <a:ext cx="3104708" cy="3046988"/>
           </a:xfrm>
           <a:prstGeom prst="rect">
@@ -10111,7 +10255,7 @@
         </p:nvSpPr>
         <p:spPr>
           <a:xfrm>
-            <a:off x="3317358" y="3206619"/>
+            <a:off x="3317358" y="3167076"/>
             <a:ext cx="3827717" cy="2434577"/>
           </a:xfrm>
           <a:prstGeom prst="rect">
@@ -10253,7 +10397,7 @@
         </p:nvSpPr>
         <p:spPr>
           <a:xfrm>
-            <a:off x="7265582" y="4132663"/>
+            <a:off x="7265575" y="4023714"/>
             <a:ext cx="4834268" cy="2554545"/>
           </a:xfrm>
           <a:prstGeom prst="rect">
@@ -10712,23 +10856,7 @@
                 <a:ea typeface="Calibri" panose="020F0502020204030204" pitchFamily="34" charset="0"/>
                 <a:cs typeface="Calibri" panose="020F0502020204030204" pitchFamily="34" charset="0"/>
               </a:rPr>
-              <a:t>$10 </a:t>
-            </a:r>
-            <a:r>
-              <a:rPr lang="es-ES" sz="1600" dirty="0" err="1">
-                <a:latin typeface="Calibri" panose="020F0502020204030204" pitchFamily="34" charset="0"/>
-                <a:ea typeface="Calibri" panose="020F0502020204030204" pitchFamily="34" charset="0"/>
-                <a:cs typeface="Calibri" panose="020F0502020204030204" pitchFamily="34" charset="0"/>
-              </a:rPr>
-              <a:t>dolares</a:t>
-            </a:r>
-            <a:r>
-              <a:rPr lang="es-ES" sz="1600" dirty="0">
-                <a:latin typeface="Calibri" panose="020F0502020204030204" pitchFamily="34" charset="0"/>
-                <a:ea typeface="Calibri" panose="020F0502020204030204" pitchFamily="34" charset="0"/>
-                <a:cs typeface="Calibri" panose="020F0502020204030204" pitchFamily="34" charset="0"/>
-              </a:rPr>
-              <a:t>.</a:t>
+              <a:t>$10 dólares.</a:t>
             </a:r>
           </a:p>
           <a:p>

--- a/PROYECTO FORMATIVO.pptx
+++ b/PROYECTO FORMATIVO.pptx
@@ -5,7 +5,7 @@
     <p:sldMasterId id="2147483648" r:id="rId1"/>
   </p:sldMasterIdLst>
   <p:notesMasterIdLst>
-    <p:notesMasterId r:id="rId32"/>
+    <p:notesMasterId r:id="rId39"/>
   </p:notesMasterIdLst>
   <p:sldIdLst>
     <p:sldId id="468" r:id="rId2"/>
@@ -22,22 +22,29 @@
     <p:sldId id="292" r:id="rId13"/>
     <p:sldId id="283" r:id="rId14"/>
     <p:sldId id="276" r:id="rId15"/>
-    <p:sldId id="298" r:id="rId16"/>
-    <p:sldId id="301" r:id="rId17"/>
-    <p:sldId id="299" r:id="rId18"/>
-    <p:sldId id="284" r:id="rId19"/>
-    <p:sldId id="296" r:id="rId20"/>
-    <p:sldId id="297" r:id="rId21"/>
-    <p:sldId id="300" r:id="rId22"/>
-    <p:sldId id="286" r:id="rId23"/>
-    <p:sldId id="287" r:id="rId24"/>
-    <p:sldId id="288" r:id="rId25"/>
-    <p:sldId id="289" r:id="rId26"/>
-    <p:sldId id="277" r:id="rId27"/>
-    <p:sldId id="470" r:id="rId28"/>
-    <p:sldId id="274" r:id="rId29"/>
-    <p:sldId id="278" r:id="rId30"/>
-    <p:sldId id="264" r:id="rId31"/>
+    <p:sldId id="471" r:id="rId16"/>
+    <p:sldId id="472" r:id="rId17"/>
+    <p:sldId id="473" r:id="rId18"/>
+    <p:sldId id="474" r:id="rId19"/>
+    <p:sldId id="475" r:id="rId20"/>
+    <p:sldId id="298" r:id="rId21"/>
+    <p:sldId id="301" r:id="rId22"/>
+    <p:sldId id="299" r:id="rId23"/>
+    <p:sldId id="284" r:id="rId24"/>
+    <p:sldId id="296" r:id="rId25"/>
+    <p:sldId id="297" r:id="rId26"/>
+    <p:sldId id="300" r:id="rId27"/>
+    <p:sldId id="286" r:id="rId28"/>
+    <p:sldId id="287" r:id="rId29"/>
+    <p:sldId id="476" r:id="rId30"/>
+    <p:sldId id="477" r:id="rId31"/>
+    <p:sldId id="288" r:id="rId32"/>
+    <p:sldId id="289" r:id="rId33"/>
+    <p:sldId id="277" r:id="rId34"/>
+    <p:sldId id="470" r:id="rId35"/>
+    <p:sldId id="274" r:id="rId36"/>
+    <p:sldId id="278" r:id="rId37"/>
+    <p:sldId id="264" r:id="rId38"/>
   </p:sldIdLst>
   <p:sldSz cx="12192000" cy="6858000"/>
   <p:notesSz cx="6858000" cy="9144000"/>
@@ -226,7 +233,7 @@
           <a:p>
             <a:fld id="{9660CB96-A603-FF42-AE46-F5F75F80A67B}" type="datetimeFigureOut">
               <a:rPr lang="es-CO" smtClean="0"/>
-              <a:t>20/09/2022</a:t>
+              <a:t>22/09/2022</a:t>
             </a:fld>
             <a:endParaRPr lang="es-CO"/>
           </a:p>
@@ -727,7 +734,7 @@
           <a:p>
             <a:fld id="{AB98DA6D-12AC-4BA1-8782-249E1E9419F8}" type="slidenum">
               <a:rPr lang="es-CO" smtClean="0"/>
-              <a:t>22</a:t>
+              <a:t>27</a:t>
             </a:fld>
             <a:endParaRPr lang="es-CO"/>
           </a:p>
@@ -811,7 +818,7 @@
           <a:p>
             <a:fld id="{AB98DA6D-12AC-4BA1-8782-249E1E9419F8}" type="slidenum">
               <a:rPr lang="es-CO" smtClean="0"/>
-              <a:t>28</a:t>
+              <a:t>35</a:t>
             </a:fld>
             <a:endParaRPr lang="es-CO"/>
           </a:p>
@@ -979,7 +986,7 @@
           <a:p>
             <a:fld id="{BD986248-06F7-A441-A47A-264EBD310E11}" type="datetimeFigureOut">
               <a:rPr lang="es-CO" smtClean="0"/>
-              <a:t>20/09/2022</a:t>
+              <a:t>22/09/2022</a:t>
             </a:fld>
             <a:endParaRPr lang="es-CO"/>
           </a:p>
@@ -1179,7 +1186,7 @@
           <a:p>
             <a:fld id="{BD986248-06F7-A441-A47A-264EBD310E11}" type="datetimeFigureOut">
               <a:rPr lang="es-CO" smtClean="0"/>
-              <a:t>20/09/2022</a:t>
+              <a:t>22/09/2022</a:t>
             </a:fld>
             <a:endParaRPr lang="es-CO"/>
           </a:p>
@@ -1389,7 +1396,7 @@
           <a:p>
             <a:fld id="{BD986248-06F7-A441-A47A-264EBD310E11}" type="datetimeFigureOut">
               <a:rPr lang="es-CO" smtClean="0"/>
-              <a:t>20/09/2022</a:t>
+              <a:t>22/09/2022</a:t>
             </a:fld>
             <a:endParaRPr lang="es-CO"/>
           </a:p>
@@ -1997,7 +2004,7 @@
           <a:p>
             <a:fld id="{BD986248-06F7-A441-A47A-264EBD310E11}" type="datetimeFigureOut">
               <a:rPr lang="es-CO" smtClean="0"/>
-              <a:t>20/09/2022</a:t>
+              <a:t>22/09/2022</a:t>
             </a:fld>
             <a:endParaRPr lang="es-CO"/>
           </a:p>
@@ -2273,7 +2280,7 @@
           <a:p>
             <a:fld id="{BD986248-06F7-A441-A47A-264EBD310E11}" type="datetimeFigureOut">
               <a:rPr lang="es-CO" smtClean="0"/>
-              <a:t>20/09/2022</a:t>
+              <a:t>22/09/2022</a:t>
             </a:fld>
             <a:endParaRPr lang="es-CO"/>
           </a:p>
@@ -2541,7 +2548,7 @@
           <a:p>
             <a:fld id="{BD986248-06F7-A441-A47A-264EBD310E11}" type="datetimeFigureOut">
               <a:rPr lang="es-CO" smtClean="0"/>
-              <a:t>20/09/2022</a:t>
+              <a:t>22/09/2022</a:t>
             </a:fld>
             <a:endParaRPr lang="es-CO"/>
           </a:p>
@@ -2956,7 +2963,7 @@
           <a:p>
             <a:fld id="{BD986248-06F7-A441-A47A-264EBD310E11}" type="datetimeFigureOut">
               <a:rPr lang="es-CO" smtClean="0"/>
-              <a:t>20/09/2022</a:t>
+              <a:t>22/09/2022</a:t>
             </a:fld>
             <a:endParaRPr lang="es-CO"/>
           </a:p>
@@ -3098,7 +3105,7 @@
           <a:p>
             <a:fld id="{BD986248-06F7-A441-A47A-264EBD310E11}" type="datetimeFigureOut">
               <a:rPr lang="es-CO" smtClean="0"/>
-              <a:t>20/09/2022</a:t>
+              <a:t>22/09/2022</a:t>
             </a:fld>
             <a:endParaRPr lang="es-CO"/>
           </a:p>
@@ -3211,7 +3218,7 @@
           <a:p>
             <a:fld id="{BD986248-06F7-A441-A47A-264EBD310E11}" type="datetimeFigureOut">
               <a:rPr lang="es-CO" smtClean="0"/>
-              <a:t>20/09/2022</a:t>
+              <a:t>22/09/2022</a:t>
             </a:fld>
             <a:endParaRPr lang="es-CO"/>
           </a:p>
@@ -3524,7 +3531,7 @@
           <a:p>
             <a:fld id="{BD986248-06F7-A441-A47A-264EBD310E11}" type="datetimeFigureOut">
               <a:rPr lang="es-CO" smtClean="0"/>
-              <a:t>20/09/2022</a:t>
+              <a:t>22/09/2022</a:t>
             </a:fld>
             <a:endParaRPr lang="es-CO"/>
           </a:p>
@@ -3813,7 +3820,7 @@
           <a:p>
             <a:fld id="{BD986248-06F7-A441-A47A-264EBD310E11}" type="datetimeFigureOut">
               <a:rPr lang="es-CO" smtClean="0"/>
-              <a:t>20/09/2022</a:t>
+              <a:t>22/09/2022</a:t>
             </a:fld>
             <a:endParaRPr lang="es-CO"/>
           </a:p>
@@ -4056,7 +4063,7 @@
           <a:p>
             <a:fld id="{BD986248-06F7-A441-A47A-264EBD310E11}" type="datetimeFigureOut">
               <a:rPr lang="es-CO" smtClean="0"/>
-              <a:t>20/09/2022</a:t>
+              <a:t>22/09/2022</a:t>
             </a:fld>
             <a:endParaRPr lang="es-CO"/>
           </a:p>
@@ -5501,54 +5508,12 @@
           <a:chExt cx="0" cy="0"/>
         </a:xfrm>
       </p:grpSpPr>
-      <p:sp>
-        <p:nvSpPr>
-          <p:cNvPr id="5" name="CuadroTexto 4">
-            <a:extLst>
-              <a:ext uri="{FF2B5EF4-FFF2-40B4-BE49-F238E27FC236}">
-                <a16:creationId xmlns:a16="http://schemas.microsoft.com/office/drawing/2014/main" id="{1BE7FA7E-C3EC-4186-AFBD-5BB81C7A131D}"/>
-              </a:ext>
-            </a:extLst>
-          </p:cNvPr>
-          <p:cNvSpPr txBox="1"/>
-          <p:nvPr/>
-        </p:nvSpPr>
-        <p:spPr>
-          <a:xfrm>
-            <a:off x="1811074" y="88112"/>
-            <a:ext cx="8569853" cy="666786"/>
-          </a:xfrm>
-          <a:prstGeom prst="rect">
-            <a:avLst/>
-          </a:prstGeom>
-          <a:noFill/>
-        </p:spPr>
-        <p:txBody>
-          <a:bodyPr wrap="square" rtlCol="0">
-            <a:spAutoFit/>
-          </a:bodyPr>
-          <a:lstStyle/>
-          <a:p>
-            <a:pPr algn="ctr"/>
-            <a:r>
-              <a:rPr lang="es-ES" sz="3733" b="1" dirty="0">
-                <a:solidFill>
-                  <a:srgbClr val="FF6C00"/>
-                </a:solidFill>
-                <a:latin typeface="Calibri" panose="020F0502020204030204" pitchFamily="34" charset="0"/>
-                <a:cs typeface="Calibri" panose="020F0502020204030204" pitchFamily="34" charset="0"/>
-              </a:rPr>
-              <a:t>Guiones de casos de uso</a:t>
-            </a:r>
-          </a:p>
-        </p:txBody>
-      </p:sp>
       <p:pic>
         <p:nvPicPr>
-          <p:cNvPr id="3" name="Imagen 2">
-            <a:extLst>
-              <a:ext uri="{FF2B5EF4-FFF2-40B4-BE49-F238E27FC236}">
-                <a16:creationId xmlns:a16="http://schemas.microsoft.com/office/drawing/2014/main" id="{BE78A64A-7639-8908-5933-5F788C155F9F}"/>
+          <p:cNvPr id="7" name="Imagen 6">
+            <a:extLst>
+              <a:ext uri="{FF2B5EF4-FFF2-40B4-BE49-F238E27FC236}">
+                <a16:creationId xmlns:a16="http://schemas.microsoft.com/office/drawing/2014/main" id="{BBFB275F-AB9C-A7A7-D974-85D2EA41AD76}"/>
               </a:ext>
             </a:extLst>
           </p:cNvPr>
@@ -5565,8 +5530,76 @@
         </p:blipFill>
         <p:spPr>
           <a:xfrm>
-            <a:off x="1123071" y="629564"/>
-            <a:ext cx="9945858" cy="6228436"/>
+            <a:off x="3433515" y="280846"/>
+            <a:ext cx="5324970" cy="1889149"/>
+          </a:xfrm>
+          <a:prstGeom prst="rect">
+            <a:avLst/>
+          </a:prstGeom>
+        </p:spPr>
+      </p:pic>
+      <p:cxnSp>
+        <p:nvCxnSpPr>
+          <p:cNvPr id="9" name="Conector recto 8">
+            <a:extLst>
+              <a:ext uri="{FF2B5EF4-FFF2-40B4-BE49-F238E27FC236}">
+                <a16:creationId xmlns:a16="http://schemas.microsoft.com/office/drawing/2014/main" id="{CE091164-CC5E-F837-DA2E-77F1D5E65618}"/>
+              </a:ext>
+            </a:extLst>
+          </p:cNvPr>
+          <p:cNvCxnSpPr>
+            <a:cxnSpLocks/>
+          </p:cNvCxnSpPr>
+          <p:nvPr/>
+        </p:nvCxnSpPr>
+        <p:spPr>
+          <a:xfrm>
+            <a:off x="2101755" y="2606723"/>
+            <a:ext cx="7751929" cy="0"/>
+          </a:xfrm>
+          <a:prstGeom prst="line">
+            <a:avLst/>
+          </a:prstGeom>
+        </p:spPr>
+        <p:style>
+          <a:lnRef idx="1">
+            <a:schemeClr val="dk1"/>
+          </a:lnRef>
+          <a:fillRef idx="0">
+            <a:schemeClr val="dk1"/>
+          </a:fillRef>
+          <a:effectRef idx="0">
+            <a:schemeClr val="dk1"/>
+          </a:effectRef>
+          <a:fontRef idx="minor">
+            <a:schemeClr val="tx1"/>
+          </a:fontRef>
+        </p:style>
+      </p:cxnSp>
+      <p:pic>
+        <p:nvPicPr>
+          <p:cNvPr id="13" name="Imagen 12">
+            <a:extLst>
+              <a:ext uri="{FF2B5EF4-FFF2-40B4-BE49-F238E27FC236}">
+                <a16:creationId xmlns:a16="http://schemas.microsoft.com/office/drawing/2014/main" id="{06031E40-A344-D2FA-05F5-95249BBB0490}"/>
+              </a:ext>
+            </a:extLst>
+          </p:cNvPr>
+          <p:cNvPicPr>
+            <a:picLocks noChangeAspect="1"/>
+          </p:cNvPicPr>
+          <p:nvPr/>
+        </p:nvPicPr>
+        <p:blipFill>
+          <a:blip r:embed="rId3"/>
+          <a:stretch>
+            <a:fillRect/>
+          </a:stretch>
+        </p:blipFill>
+        <p:spPr>
+          <a:xfrm>
+            <a:off x="2038350" y="3043452"/>
+            <a:ext cx="8115300" cy="3371850"/>
           </a:xfrm>
           <a:prstGeom prst="rect">
             <a:avLst/>
@@ -5576,7 +5609,7 @@
     </p:spTree>
     <p:extLst>
       <p:ext uri="{BB962C8B-B14F-4D97-AF65-F5344CB8AC3E}">
-        <p14:creationId xmlns:p14="http://schemas.microsoft.com/office/powerpoint/2010/main" val="272382116"/>
+        <p14:creationId xmlns:p14="http://schemas.microsoft.com/office/powerpoint/2010/main" val="19227074"/>
       </p:ext>
     </p:extLst>
   </p:cSld>
@@ -5608,7 +5641,7 @@
           <p:cNvPr id="3" name="Imagen 2">
             <a:extLst>
               <a:ext uri="{FF2B5EF4-FFF2-40B4-BE49-F238E27FC236}">
-                <a16:creationId xmlns:a16="http://schemas.microsoft.com/office/drawing/2014/main" id="{B6D05E2E-F6F7-3265-9463-A975DAD1F696}"/>
+                <a16:creationId xmlns:a16="http://schemas.microsoft.com/office/drawing/2014/main" id="{249E0FC7-27F4-B597-ABCF-BC0BF9A9C24A}"/>
               </a:ext>
             </a:extLst>
           </p:cNvPr>
@@ -5625,8 +5658,142 @@
         </p:blipFill>
         <p:spPr>
           <a:xfrm>
-            <a:off x="1166784" y="866921"/>
-            <a:ext cx="9858432" cy="5124157"/>
+            <a:off x="1517462" y="239051"/>
+            <a:ext cx="6780378" cy="2324044"/>
+          </a:xfrm>
+          <a:prstGeom prst="rect">
+            <a:avLst/>
+          </a:prstGeom>
+        </p:spPr>
+      </p:pic>
+      <p:cxnSp>
+        <p:nvCxnSpPr>
+          <p:cNvPr id="5" name="Conector recto 4">
+            <a:extLst>
+              <a:ext uri="{FF2B5EF4-FFF2-40B4-BE49-F238E27FC236}">
+                <a16:creationId xmlns:a16="http://schemas.microsoft.com/office/drawing/2014/main" id="{E1C4F890-DF80-F47D-216D-2D03DA02EA3C}"/>
+              </a:ext>
+            </a:extLst>
+          </p:cNvPr>
+          <p:cNvCxnSpPr/>
+          <p:nvPr/>
+        </p:nvCxnSpPr>
+        <p:spPr>
+          <a:xfrm>
+            <a:off x="1637731" y="3302758"/>
+            <a:ext cx="8311487" cy="0"/>
+          </a:xfrm>
+          <a:prstGeom prst="line">
+            <a:avLst/>
+          </a:prstGeom>
+        </p:spPr>
+        <p:style>
+          <a:lnRef idx="1">
+            <a:schemeClr val="dk1"/>
+          </a:lnRef>
+          <a:fillRef idx="0">
+            <a:schemeClr val="dk1"/>
+          </a:fillRef>
+          <a:effectRef idx="0">
+            <a:schemeClr val="dk1"/>
+          </a:effectRef>
+          <a:fontRef idx="minor">
+            <a:schemeClr val="tx1"/>
+          </a:fontRef>
+        </p:style>
+      </p:cxnSp>
+      <p:pic>
+        <p:nvPicPr>
+          <p:cNvPr id="7" name="Imagen 6">
+            <a:extLst>
+              <a:ext uri="{FF2B5EF4-FFF2-40B4-BE49-F238E27FC236}">
+                <a16:creationId xmlns:a16="http://schemas.microsoft.com/office/drawing/2014/main" id="{FB36B915-7105-0187-EE27-2316E86DC372}"/>
+              </a:ext>
+            </a:extLst>
+          </p:cNvPr>
+          <p:cNvPicPr>
+            <a:picLocks noChangeAspect="1"/>
+          </p:cNvPicPr>
+          <p:nvPr/>
+        </p:nvPicPr>
+        <p:blipFill>
+          <a:blip r:embed="rId3"/>
+          <a:stretch>
+            <a:fillRect/>
+          </a:stretch>
+        </p:blipFill>
+        <p:spPr>
+          <a:xfrm>
+            <a:off x="900752" y="3771402"/>
+            <a:ext cx="4671017" cy="2424681"/>
+          </a:xfrm>
+          <a:prstGeom prst="rect">
+            <a:avLst/>
+          </a:prstGeom>
+        </p:spPr>
+      </p:pic>
+      <p:cxnSp>
+        <p:nvCxnSpPr>
+          <p:cNvPr id="9" name="Conector recto 8">
+            <a:extLst>
+              <a:ext uri="{FF2B5EF4-FFF2-40B4-BE49-F238E27FC236}">
+                <a16:creationId xmlns:a16="http://schemas.microsoft.com/office/drawing/2014/main" id="{269BB329-7555-7D43-A365-1C177954B9E3}"/>
+              </a:ext>
+            </a:extLst>
+          </p:cNvPr>
+          <p:cNvCxnSpPr>
+            <a:cxnSpLocks/>
+          </p:cNvCxnSpPr>
+          <p:nvPr/>
+        </p:nvCxnSpPr>
+        <p:spPr>
+          <a:xfrm>
+            <a:off x="6318913" y="3302758"/>
+            <a:ext cx="0" cy="3138985"/>
+          </a:xfrm>
+          <a:prstGeom prst="line">
+            <a:avLst/>
+          </a:prstGeom>
+        </p:spPr>
+        <p:style>
+          <a:lnRef idx="1">
+            <a:schemeClr val="dk1"/>
+          </a:lnRef>
+          <a:fillRef idx="0">
+            <a:schemeClr val="dk1"/>
+          </a:fillRef>
+          <a:effectRef idx="0">
+            <a:schemeClr val="dk1"/>
+          </a:effectRef>
+          <a:fontRef idx="minor">
+            <a:schemeClr val="tx1"/>
+          </a:fontRef>
+        </p:style>
+      </p:cxnSp>
+      <p:pic>
+        <p:nvPicPr>
+          <p:cNvPr id="12" name="Imagen 11">
+            <a:extLst>
+              <a:ext uri="{FF2B5EF4-FFF2-40B4-BE49-F238E27FC236}">
+                <a16:creationId xmlns:a16="http://schemas.microsoft.com/office/drawing/2014/main" id="{829B1D9C-E35C-26A5-CE53-A5352999F973}"/>
+              </a:ext>
+            </a:extLst>
+          </p:cNvPr>
+          <p:cNvPicPr>
+            <a:picLocks noChangeAspect="1"/>
+          </p:cNvPicPr>
+          <p:nvPr/>
+        </p:nvPicPr>
+        <p:blipFill>
+          <a:blip r:embed="rId4"/>
+          <a:stretch>
+            <a:fillRect/>
+          </a:stretch>
+        </p:blipFill>
+        <p:spPr>
+          <a:xfrm>
+            <a:off x="6755642" y="3555242"/>
+            <a:ext cx="4800248" cy="1733263"/>
           </a:xfrm>
           <a:prstGeom prst="rect">
             <a:avLst/>
@@ -5636,7 +5803,7 @@
     </p:spTree>
     <p:extLst>
       <p:ext uri="{BB962C8B-B14F-4D97-AF65-F5344CB8AC3E}">
-        <p14:creationId xmlns:p14="http://schemas.microsoft.com/office/powerpoint/2010/main" val="1122807157"/>
+        <p14:creationId xmlns:p14="http://schemas.microsoft.com/office/powerpoint/2010/main" val="3386566344"/>
       </p:ext>
     </p:extLst>
   </p:cSld>
@@ -5663,54 +5830,12 @@
           <a:chExt cx="0" cy="0"/>
         </a:xfrm>
       </p:grpSpPr>
-      <p:sp>
-        <p:nvSpPr>
-          <p:cNvPr id="5" name="CuadroTexto 4">
-            <a:extLst>
-              <a:ext uri="{FF2B5EF4-FFF2-40B4-BE49-F238E27FC236}">
-                <a16:creationId xmlns:a16="http://schemas.microsoft.com/office/drawing/2014/main" id="{1BE7FA7E-C3EC-4186-AFBD-5BB81C7A131D}"/>
-              </a:ext>
-            </a:extLst>
-          </p:cNvPr>
-          <p:cNvSpPr txBox="1"/>
-          <p:nvPr/>
-        </p:nvSpPr>
-        <p:spPr>
-          <a:xfrm>
-            <a:off x="1811074" y="436925"/>
-            <a:ext cx="8569853" cy="666786"/>
-          </a:xfrm>
-          <a:prstGeom prst="rect">
-            <a:avLst/>
-          </a:prstGeom>
-          <a:noFill/>
-        </p:spPr>
-        <p:txBody>
-          <a:bodyPr wrap="square" rtlCol="0">
-            <a:spAutoFit/>
-          </a:bodyPr>
-          <a:lstStyle/>
-          <a:p>
-            <a:pPr algn="ctr"/>
-            <a:r>
-              <a:rPr lang="es-ES" sz="3733" b="1" dirty="0">
-                <a:solidFill>
-                  <a:srgbClr val="FF6C00"/>
-                </a:solidFill>
-                <a:latin typeface="Calibri" panose="020F0502020204030204" pitchFamily="34" charset="0"/>
-                <a:cs typeface="Calibri" panose="020F0502020204030204" pitchFamily="34" charset="0"/>
-              </a:rPr>
-              <a:t>Historias de usuario</a:t>
-            </a:r>
-          </a:p>
-        </p:txBody>
-      </p:sp>
       <p:pic>
         <p:nvPicPr>
           <p:cNvPr id="3" name="Imagen 2">
             <a:extLst>
               <a:ext uri="{FF2B5EF4-FFF2-40B4-BE49-F238E27FC236}">
-                <a16:creationId xmlns:a16="http://schemas.microsoft.com/office/drawing/2014/main" id="{D8B262FA-29F3-F30B-F3DE-5DB64C42C194}"/>
+                <a16:creationId xmlns:a16="http://schemas.microsoft.com/office/drawing/2014/main" id="{57F231B3-3138-7421-9D01-DD814DF3D060}"/>
               </a:ext>
             </a:extLst>
           </p:cNvPr>
@@ -5727,8 +5852,142 @@
         </p:blipFill>
         <p:spPr>
           <a:xfrm>
-            <a:off x="0" y="1589348"/>
-            <a:ext cx="12197578" cy="3679304"/>
+            <a:off x="723331" y="236419"/>
+            <a:ext cx="8297839" cy="2179235"/>
+          </a:xfrm>
+          <a:prstGeom prst="rect">
+            <a:avLst/>
+          </a:prstGeom>
+        </p:spPr>
+      </p:pic>
+      <p:cxnSp>
+        <p:nvCxnSpPr>
+          <p:cNvPr id="5" name="Conector recto 4">
+            <a:extLst>
+              <a:ext uri="{FF2B5EF4-FFF2-40B4-BE49-F238E27FC236}">
+                <a16:creationId xmlns:a16="http://schemas.microsoft.com/office/drawing/2014/main" id="{E2364404-059B-35D8-B616-D5E46327E9AD}"/>
+              </a:ext>
+            </a:extLst>
+          </p:cNvPr>
+          <p:cNvCxnSpPr/>
+          <p:nvPr/>
+        </p:nvCxnSpPr>
+        <p:spPr>
+          <a:xfrm>
+            <a:off x="723331" y="2838734"/>
+            <a:ext cx="8529851" cy="0"/>
+          </a:xfrm>
+          <a:prstGeom prst="line">
+            <a:avLst/>
+          </a:prstGeom>
+        </p:spPr>
+        <p:style>
+          <a:lnRef idx="1">
+            <a:schemeClr val="dk1"/>
+          </a:lnRef>
+          <a:fillRef idx="0">
+            <a:schemeClr val="dk1"/>
+          </a:fillRef>
+          <a:effectRef idx="0">
+            <a:schemeClr val="dk1"/>
+          </a:effectRef>
+          <a:fontRef idx="minor">
+            <a:schemeClr val="tx1"/>
+          </a:fontRef>
+        </p:style>
+      </p:cxnSp>
+      <p:pic>
+        <p:nvPicPr>
+          <p:cNvPr id="7" name="Imagen 6">
+            <a:extLst>
+              <a:ext uri="{FF2B5EF4-FFF2-40B4-BE49-F238E27FC236}">
+                <a16:creationId xmlns:a16="http://schemas.microsoft.com/office/drawing/2014/main" id="{A6F8B8DE-AAD2-37E0-E7B0-F31CFD8CE7FA}"/>
+              </a:ext>
+            </a:extLst>
+          </p:cNvPr>
+          <p:cNvPicPr>
+            <a:picLocks noChangeAspect="1"/>
+          </p:cNvPicPr>
+          <p:nvPr/>
+        </p:nvPicPr>
+        <p:blipFill>
+          <a:blip r:embed="rId3"/>
+          <a:stretch>
+            <a:fillRect/>
+          </a:stretch>
+        </p:blipFill>
+        <p:spPr>
+          <a:xfrm>
+            <a:off x="603486" y="4019265"/>
+            <a:ext cx="4337003" cy="1849269"/>
+          </a:xfrm>
+          <a:prstGeom prst="rect">
+            <a:avLst/>
+          </a:prstGeom>
+        </p:spPr>
+      </p:pic>
+      <p:cxnSp>
+        <p:nvCxnSpPr>
+          <p:cNvPr id="9" name="Conector recto 8">
+            <a:extLst>
+              <a:ext uri="{FF2B5EF4-FFF2-40B4-BE49-F238E27FC236}">
+                <a16:creationId xmlns:a16="http://schemas.microsoft.com/office/drawing/2014/main" id="{F991FF66-4BC2-C773-1289-F666DA805735}"/>
+              </a:ext>
+            </a:extLst>
+          </p:cNvPr>
+          <p:cNvCxnSpPr>
+            <a:cxnSpLocks/>
+          </p:cNvCxnSpPr>
+          <p:nvPr/>
+        </p:nvCxnSpPr>
+        <p:spPr>
+          <a:xfrm>
+            <a:off x="5554639" y="2838734"/>
+            <a:ext cx="0" cy="3370997"/>
+          </a:xfrm>
+          <a:prstGeom prst="line">
+            <a:avLst/>
+          </a:prstGeom>
+        </p:spPr>
+        <p:style>
+          <a:lnRef idx="1">
+            <a:schemeClr val="dk1"/>
+          </a:lnRef>
+          <a:fillRef idx="0">
+            <a:schemeClr val="dk1"/>
+          </a:fillRef>
+          <a:effectRef idx="0">
+            <a:schemeClr val="dk1"/>
+          </a:effectRef>
+          <a:fontRef idx="minor">
+            <a:schemeClr val="tx1"/>
+          </a:fontRef>
+        </p:style>
+      </p:cxnSp>
+      <p:pic>
+        <p:nvPicPr>
+          <p:cNvPr id="12" name="Imagen 11">
+            <a:extLst>
+              <a:ext uri="{FF2B5EF4-FFF2-40B4-BE49-F238E27FC236}">
+                <a16:creationId xmlns:a16="http://schemas.microsoft.com/office/drawing/2014/main" id="{3EA3E165-0200-BA7C-C586-E25AA47347FE}"/>
+              </a:ext>
+            </a:extLst>
+          </p:cNvPr>
+          <p:cNvPicPr>
+            <a:picLocks noChangeAspect="1"/>
+          </p:cNvPicPr>
+          <p:nvPr/>
+        </p:nvPicPr>
+        <p:blipFill>
+          <a:blip r:embed="rId4"/>
+          <a:stretch>
+            <a:fillRect/>
+          </a:stretch>
+        </p:blipFill>
+        <p:spPr>
+          <a:xfrm>
+            <a:off x="5800299" y="3152635"/>
+            <a:ext cx="5923127" cy="2470242"/>
           </a:xfrm>
           <a:prstGeom prst="rect">
             <a:avLst/>
@@ -5738,7 +5997,7 @@
     </p:spTree>
     <p:extLst>
       <p:ext uri="{BB962C8B-B14F-4D97-AF65-F5344CB8AC3E}">
-        <p14:creationId xmlns:p14="http://schemas.microsoft.com/office/powerpoint/2010/main" val="1203761740"/>
+        <p14:creationId xmlns:p14="http://schemas.microsoft.com/office/powerpoint/2010/main" val="478991344"/>
       </p:ext>
     </p:extLst>
   </p:cSld>
@@ -5765,67 +6024,12 @@
           <a:chExt cx="0" cy="0"/>
         </a:xfrm>
       </p:grpSpPr>
-      <p:sp>
-        <p:nvSpPr>
-          <p:cNvPr id="5" name="CuadroTexto 4">
-            <a:extLst>
-              <a:ext uri="{FF2B5EF4-FFF2-40B4-BE49-F238E27FC236}">
-                <a16:creationId xmlns:a16="http://schemas.microsoft.com/office/drawing/2014/main" id="{1BE7FA7E-C3EC-4186-AFBD-5BB81C7A131D}"/>
-              </a:ext>
-            </a:extLst>
-          </p:cNvPr>
-          <p:cNvSpPr txBox="1"/>
-          <p:nvPr/>
-        </p:nvSpPr>
-        <p:spPr>
-          <a:xfrm>
-            <a:off x="5358793" y="1341416"/>
-            <a:ext cx="6195235" cy="1241237"/>
-          </a:xfrm>
-          <a:prstGeom prst="rect">
-            <a:avLst/>
-          </a:prstGeom>
-          <a:noFill/>
-        </p:spPr>
-        <p:txBody>
-          <a:bodyPr wrap="square" rtlCol="0">
-            <a:spAutoFit/>
-          </a:bodyPr>
-          <a:lstStyle/>
-          <a:p>
-            <a:pPr algn="ctr"/>
-            <a:r>
-              <a:rPr lang="es-ES" sz="3733" b="1" dirty="0">
-                <a:solidFill>
-                  <a:srgbClr val="FF6C00"/>
-                </a:solidFill>
-                <a:latin typeface="Calibri" panose="020F0502020204030204" pitchFamily="34" charset="0"/>
-                <a:cs typeface="Calibri" panose="020F0502020204030204" pitchFamily="34" charset="0"/>
-              </a:rPr>
-              <a:t>Diagrama de actividades</a:t>
-            </a:r>
-          </a:p>
-          <a:p>
-            <a:pPr algn="ctr"/>
-            <a:r>
-              <a:rPr lang="es-ES" sz="3733" b="1" dirty="0">
-                <a:solidFill>
-                  <a:srgbClr val="FF6C00"/>
-                </a:solidFill>
-                <a:latin typeface="Calibri" panose="020F0502020204030204" pitchFamily="34" charset="0"/>
-                <a:cs typeface="Calibri" panose="020F0502020204030204" pitchFamily="34" charset="0"/>
-              </a:rPr>
-              <a:t>Cliente</a:t>
-            </a:r>
-          </a:p>
-        </p:txBody>
-      </p:sp>
       <p:pic>
         <p:nvPicPr>
           <p:cNvPr id="3" name="Imagen 2">
             <a:extLst>
               <a:ext uri="{FF2B5EF4-FFF2-40B4-BE49-F238E27FC236}">
-                <a16:creationId xmlns:a16="http://schemas.microsoft.com/office/drawing/2014/main" id="{68B5A894-F361-CB2E-B0C1-693910414228}"/>
+                <a16:creationId xmlns:a16="http://schemas.microsoft.com/office/drawing/2014/main" id="{ADEC2D44-1551-3B56-6EFD-98A3BD4A7B6D}"/>
               </a:ext>
             </a:extLst>
           </p:cNvPr>
@@ -5842,8 +6046,142 @@
         </p:blipFill>
         <p:spPr>
           <a:xfrm>
-            <a:off x="637972" y="0"/>
-            <a:ext cx="4470179" cy="6858000"/>
+            <a:off x="1248131" y="0"/>
+            <a:ext cx="5493864" cy="2600325"/>
+          </a:xfrm>
+          <a:prstGeom prst="rect">
+            <a:avLst/>
+          </a:prstGeom>
+        </p:spPr>
+      </p:pic>
+      <p:cxnSp>
+        <p:nvCxnSpPr>
+          <p:cNvPr id="5" name="Conector recto 4">
+            <a:extLst>
+              <a:ext uri="{FF2B5EF4-FFF2-40B4-BE49-F238E27FC236}">
+                <a16:creationId xmlns:a16="http://schemas.microsoft.com/office/drawing/2014/main" id="{F64DA650-B8F6-367A-407C-57374162E987}"/>
+              </a:ext>
+            </a:extLst>
+          </p:cNvPr>
+          <p:cNvCxnSpPr>
+            <a:cxnSpLocks/>
+          </p:cNvCxnSpPr>
+          <p:nvPr/>
+        </p:nvCxnSpPr>
+        <p:spPr>
+          <a:xfrm>
+            <a:off x="491319" y="3179928"/>
+            <a:ext cx="10849971" cy="0"/>
+          </a:xfrm>
+          <a:prstGeom prst="line">
+            <a:avLst/>
+          </a:prstGeom>
+        </p:spPr>
+        <p:style>
+          <a:lnRef idx="1">
+            <a:schemeClr val="dk1"/>
+          </a:lnRef>
+          <a:fillRef idx="0">
+            <a:schemeClr val="dk1"/>
+          </a:fillRef>
+          <a:effectRef idx="0">
+            <a:schemeClr val="dk1"/>
+          </a:effectRef>
+          <a:fontRef idx="minor">
+            <a:schemeClr val="tx1"/>
+          </a:fontRef>
+        </p:style>
+      </p:cxnSp>
+      <p:pic>
+        <p:nvPicPr>
+          <p:cNvPr id="8" name="Imagen 7">
+            <a:extLst>
+              <a:ext uri="{FF2B5EF4-FFF2-40B4-BE49-F238E27FC236}">
+                <a16:creationId xmlns:a16="http://schemas.microsoft.com/office/drawing/2014/main" id="{B1D89609-2747-0E73-B655-19B1A1DFC22D}"/>
+              </a:ext>
+            </a:extLst>
+          </p:cNvPr>
+          <p:cNvPicPr>
+            <a:picLocks noChangeAspect="1"/>
+          </p:cNvPicPr>
+          <p:nvPr/>
+        </p:nvPicPr>
+        <p:blipFill>
+          <a:blip r:embed="rId3"/>
+          <a:stretch>
+            <a:fillRect/>
+          </a:stretch>
+        </p:blipFill>
+        <p:spPr>
+          <a:xfrm>
+            <a:off x="134629" y="3429000"/>
+            <a:ext cx="5781675" cy="2286000"/>
+          </a:xfrm>
+          <a:prstGeom prst="rect">
+            <a:avLst/>
+          </a:prstGeom>
+        </p:spPr>
+      </p:pic>
+      <p:cxnSp>
+        <p:nvCxnSpPr>
+          <p:cNvPr id="10" name="Conector recto 9">
+            <a:extLst>
+              <a:ext uri="{FF2B5EF4-FFF2-40B4-BE49-F238E27FC236}">
+                <a16:creationId xmlns:a16="http://schemas.microsoft.com/office/drawing/2014/main" id="{AFC2EAD3-DD56-C4A1-F9E5-4E7B7D3368DE}"/>
+              </a:ext>
+            </a:extLst>
+          </p:cNvPr>
+          <p:cNvCxnSpPr/>
+          <p:nvPr/>
+        </p:nvCxnSpPr>
+        <p:spPr>
+          <a:xfrm>
+            <a:off x="6318913" y="3179928"/>
+            <a:ext cx="0" cy="3466532"/>
+          </a:xfrm>
+          <a:prstGeom prst="line">
+            <a:avLst/>
+          </a:prstGeom>
+        </p:spPr>
+        <p:style>
+          <a:lnRef idx="1">
+            <a:schemeClr val="dk1"/>
+          </a:lnRef>
+          <a:fillRef idx="0">
+            <a:schemeClr val="dk1"/>
+          </a:fillRef>
+          <a:effectRef idx="0">
+            <a:schemeClr val="dk1"/>
+          </a:effectRef>
+          <a:fontRef idx="minor">
+            <a:schemeClr val="tx1"/>
+          </a:fontRef>
+        </p:style>
+      </p:cxnSp>
+      <p:pic>
+        <p:nvPicPr>
+          <p:cNvPr id="12" name="Imagen 11">
+            <a:extLst>
+              <a:ext uri="{FF2B5EF4-FFF2-40B4-BE49-F238E27FC236}">
+                <a16:creationId xmlns:a16="http://schemas.microsoft.com/office/drawing/2014/main" id="{92185150-5286-868A-E98F-E9D4115548D0}"/>
+              </a:ext>
+            </a:extLst>
+          </p:cNvPr>
+          <p:cNvPicPr>
+            <a:picLocks noChangeAspect="1"/>
+          </p:cNvPicPr>
+          <p:nvPr/>
+        </p:nvPicPr>
+        <p:blipFill>
+          <a:blip r:embed="rId4"/>
+          <a:stretch>
+            <a:fillRect/>
+          </a:stretch>
+        </p:blipFill>
+        <p:spPr>
+          <a:xfrm>
+            <a:off x="6895673" y="3974982"/>
+            <a:ext cx="4848225" cy="1876425"/>
           </a:xfrm>
           <a:prstGeom prst="rect">
             <a:avLst/>
@@ -5853,7 +6191,7 @@
     </p:spTree>
     <p:extLst>
       <p:ext uri="{BB962C8B-B14F-4D97-AF65-F5344CB8AC3E}">
-        <p14:creationId xmlns:p14="http://schemas.microsoft.com/office/powerpoint/2010/main" val="135588775"/>
+        <p14:creationId xmlns:p14="http://schemas.microsoft.com/office/powerpoint/2010/main" val="3637597680"/>
       </p:ext>
     </p:extLst>
   </p:cSld>
@@ -5880,67 +6218,12 @@
           <a:chExt cx="0" cy="0"/>
         </a:xfrm>
       </p:grpSpPr>
-      <p:sp>
-        <p:nvSpPr>
-          <p:cNvPr id="5" name="CuadroTexto 4">
-            <a:extLst>
-              <a:ext uri="{FF2B5EF4-FFF2-40B4-BE49-F238E27FC236}">
-                <a16:creationId xmlns:a16="http://schemas.microsoft.com/office/drawing/2014/main" id="{1BE7FA7E-C3EC-4186-AFBD-5BB81C7A131D}"/>
-              </a:ext>
-            </a:extLst>
-          </p:cNvPr>
-          <p:cNvSpPr txBox="1"/>
-          <p:nvPr/>
-        </p:nvSpPr>
-        <p:spPr>
-          <a:xfrm>
-            <a:off x="5273733" y="1341415"/>
-            <a:ext cx="6195235" cy="1241237"/>
-          </a:xfrm>
-          <a:prstGeom prst="rect">
-            <a:avLst/>
-          </a:prstGeom>
-          <a:noFill/>
-        </p:spPr>
-        <p:txBody>
-          <a:bodyPr wrap="square" rtlCol="0">
-            <a:spAutoFit/>
-          </a:bodyPr>
-          <a:lstStyle/>
-          <a:p>
-            <a:pPr algn="ctr"/>
-            <a:r>
-              <a:rPr lang="es-ES" sz="3733" b="1" dirty="0">
-                <a:solidFill>
-                  <a:srgbClr val="FF6C00"/>
-                </a:solidFill>
-                <a:latin typeface="Calibri" panose="020F0502020204030204" pitchFamily="34" charset="0"/>
-                <a:cs typeface="Calibri" panose="020F0502020204030204" pitchFamily="34" charset="0"/>
-              </a:rPr>
-              <a:t>Diagrama de actividades</a:t>
-            </a:r>
-          </a:p>
-          <a:p>
-            <a:pPr algn="ctr"/>
-            <a:r>
-              <a:rPr lang="es-ES" sz="3733" b="1" dirty="0">
-                <a:solidFill>
-                  <a:srgbClr val="FF6C00"/>
-                </a:solidFill>
-                <a:latin typeface="Calibri" panose="020F0502020204030204" pitchFamily="34" charset="0"/>
-                <a:cs typeface="Calibri" panose="020F0502020204030204" pitchFamily="34" charset="0"/>
-              </a:rPr>
-              <a:t>Proveedor</a:t>
-            </a:r>
-          </a:p>
-        </p:txBody>
-      </p:sp>
       <p:pic>
         <p:nvPicPr>
           <p:cNvPr id="3" name="Imagen 2">
             <a:extLst>
               <a:ext uri="{FF2B5EF4-FFF2-40B4-BE49-F238E27FC236}">
-                <a16:creationId xmlns:a16="http://schemas.microsoft.com/office/drawing/2014/main" id="{24444655-04B2-52F9-17D5-314473958294}"/>
+                <a16:creationId xmlns:a16="http://schemas.microsoft.com/office/drawing/2014/main" id="{F41F8720-E647-84F6-FF5C-853FA2BBE186}"/>
               </a:ext>
             </a:extLst>
           </p:cNvPr>
@@ -5957,8 +6240,142 @@
         </p:blipFill>
         <p:spPr>
           <a:xfrm>
-            <a:off x="723033" y="0"/>
-            <a:ext cx="4443263" cy="6858000"/>
+            <a:off x="942975" y="333872"/>
+            <a:ext cx="5153025" cy="1495425"/>
+          </a:xfrm>
+          <a:prstGeom prst="rect">
+            <a:avLst/>
+          </a:prstGeom>
+        </p:spPr>
+      </p:pic>
+      <p:cxnSp>
+        <p:nvCxnSpPr>
+          <p:cNvPr id="5" name="Conector recto 4">
+            <a:extLst>
+              <a:ext uri="{FF2B5EF4-FFF2-40B4-BE49-F238E27FC236}">
+                <a16:creationId xmlns:a16="http://schemas.microsoft.com/office/drawing/2014/main" id="{D52E7D27-56FE-9264-FEA4-06C816624FB5}"/>
+              </a:ext>
+            </a:extLst>
+          </p:cNvPr>
+          <p:cNvCxnSpPr/>
+          <p:nvPr/>
+        </p:nvCxnSpPr>
+        <p:spPr>
+          <a:xfrm>
+            <a:off x="0" y="2483893"/>
+            <a:ext cx="12023678" cy="0"/>
+          </a:xfrm>
+          <a:prstGeom prst="line">
+            <a:avLst/>
+          </a:prstGeom>
+        </p:spPr>
+        <p:style>
+          <a:lnRef idx="1">
+            <a:schemeClr val="dk1"/>
+          </a:lnRef>
+          <a:fillRef idx="0">
+            <a:schemeClr val="dk1"/>
+          </a:fillRef>
+          <a:effectRef idx="0">
+            <a:schemeClr val="dk1"/>
+          </a:effectRef>
+          <a:fontRef idx="minor">
+            <a:schemeClr val="tx1"/>
+          </a:fontRef>
+        </p:style>
+      </p:cxnSp>
+      <p:pic>
+        <p:nvPicPr>
+          <p:cNvPr id="7" name="Imagen 6">
+            <a:extLst>
+              <a:ext uri="{FF2B5EF4-FFF2-40B4-BE49-F238E27FC236}">
+                <a16:creationId xmlns:a16="http://schemas.microsoft.com/office/drawing/2014/main" id="{4C984C97-90F8-55D9-47BB-28368A06AE9D}"/>
+              </a:ext>
+            </a:extLst>
+          </p:cNvPr>
+          <p:cNvPicPr>
+            <a:picLocks noChangeAspect="1"/>
+          </p:cNvPicPr>
+          <p:nvPr/>
+        </p:nvPicPr>
+        <p:blipFill>
+          <a:blip r:embed="rId3"/>
+          <a:stretch>
+            <a:fillRect/>
+          </a:stretch>
+        </p:blipFill>
+        <p:spPr>
+          <a:xfrm>
+            <a:off x="298474" y="3556663"/>
+            <a:ext cx="3945980" cy="1260998"/>
+          </a:xfrm>
+          <a:prstGeom prst="rect">
+            <a:avLst/>
+          </a:prstGeom>
+        </p:spPr>
+      </p:pic>
+      <p:cxnSp>
+        <p:nvCxnSpPr>
+          <p:cNvPr id="9" name="Conector recto 8">
+            <a:extLst>
+              <a:ext uri="{FF2B5EF4-FFF2-40B4-BE49-F238E27FC236}">
+                <a16:creationId xmlns:a16="http://schemas.microsoft.com/office/drawing/2014/main" id="{58B2CA3A-CAEF-4AF7-B62C-9CDFBB807F6D}"/>
+              </a:ext>
+            </a:extLst>
+          </p:cNvPr>
+          <p:cNvCxnSpPr>
+            <a:cxnSpLocks/>
+          </p:cNvCxnSpPr>
+          <p:nvPr/>
+        </p:nvCxnSpPr>
+        <p:spPr>
+          <a:xfrm>
+            <a:off x="4913194" y="2483893"/>
+            <a:ext cx="0" cy="3998794"/>
+          </a:xfrm>
+          <a:prstGeom prst="line">
+            <a:avLst/>
+          </a:prstGeom>
+        </p:spPr>
+        <p:style>
+          <a:lnRef idx="1">
+            <a:schemeClr val="dk1"/>
+          </a:lnRef>
+          <a:fillRef idx="0">
+            <a:schemeClr val="dk1"/>
+          </a:fillRef>
+          <a:effectRef idx="0">
+            <a:schemeClr val="dk1"/>
+          </a:effectRef>
+          <a:fontRef idx="minor">
+            <a:schemeClr val="tx1"/>
+          </a:fontRef>
+        </p:style>
+      </p:cxnSp>
+      <p:pic>
+        <p:nvPicPr>
+          <p:cNvPr id="11" name="Imagen 10">
+            <a:extLst>
+              <a:ext uri="{FF2B5EF4-FFF2-40B4-BE49-F238E27FC236}">
+                <a16:creationId xmlns:a16="http://schemas.microsoft.com/office/drawing/2014/main" id="{1088D8E4-1346-87C2-5DF9-940F2F4594F1}"/>
+              </a:ext>
+            </a:extLst>
+          </p:cNvPr>
+          <p:cNvPicPr>
+            <a:picLocks noChangeAspect="1"/>
+          </p:cNvPicPr>
+          <p:nvPr/>
+        </p:nvPicPr>
+        <p:blipFill>
+          <a:blip r:embed="rId4"/>
+          <a:stretch>
+            <a:fillRect/>
+          </a:stretch>
+        </p:blipFill>
+        <p:spPr>
+          <a:xfrm>
+            <a:off x="5459104" y="3138489"/>
+            <a:ext cx="6564574" cy="2457091"/>
           </a:xfrm>
           <a:prstGeom prst="rect">
             <a:avLst/>
@@ -5968,7 +6385,7 @@
     </p:spTree>
     <p:extLst>
       <p:ext uri="{BB962C8B-B14F-4D97-AF65-F5344CB8AC3E}">
-        <p14:creationId xmlns:p14="http://schemas.microsoft.com/office/powerpoint/2010/main" val="3960931863"/>
+        <p14:creationId xmlns:p14="http://schemas.microsoft.com/office/powerpoint/2010/main" val="4145250102"/>
       </p:ext>
     </p:extLst>
   </p:cSld>
@@ -6188,8 +6605,8 @@
         </p:nvSpPr>
         <p:spPr>
           <a:xfrm>
-            <a:off x="6507109" y="1610773"/>
-            <a:ext cx="6195235" cy="1241237"/>
+            <a:off x="1811074" y="88112"/>
+            <a:ext cx="8569853" cy="666786"/>
           </a:xfrm>
           <a:prstGeom prst="rect">
             <a:avLst/>
@@ -6211,20 +6628,7 @@
                 <a:latin typeface="Calibri" panose="020F0502020204030204" pitchFamily="34" charset="0"/>
                 <a:cs typeface="Calibri" panose="020F0502020204030204" pitchFamily="34" charset="0"/>
               </a:rPr>
-              <a:t>Diagrama de actividades</a:t>
-            </a:r>
-          </a:p>
-          <a:p>
-            <a:pPr algn="ctr"/>
-            <a:r>
-              <a:rPr lang="es-ES" sz="3733" b="1" dirty="0">
-                <a:solidFill>
-                  <a:srgbClr val="FF6C00"/>
-                </a:solidFill>
-                <a:latin typeface="Calibri" panose="020F0502020204030204" pitchFamily="34" charset="0"/>
-                <a:cs typeface="Calibri" panose="020F0502020204030204" pitchFamily="34" charset="0"/>
-              </a:rPr>
-              <a:t>Administrador</a:t>
+              <a:t>Guiones de casos de uso</a:t>
             </a:r>
           </a:p>
         </p:txBody>
@@ -6234,7 +6638,7 @@
           <p:cNvPr id="3" name="Imagen 2">
             <a:extLst>
               <a:ext uri="{FF2B5EF4-FFF2-40B4-BE49-F238E27FC236}">
-                <a16:creationId xmlns:a16="http://schemas.microsoft.com/office/drawing/2014/main" id="{3A326373-7FA2-40EF-60A1-93DBE9010477}"/>
+                <a16:creationId xmlns:a16="http://schemas.microsoft.com/office/drawing/2014/main" id="{BE78A64A-7639-8908-5933-5F788C155F9F}"/>
               </a:ext>
             </a:extLst>
           </p:cNvPr>
@@ -6251,8 +6655,8 @@
         </p:blipFill>
         <p:spPr>
           <a:xfrm>
-            <a:off x="0" y="-9140"/>
-            <a:ext cx="7109952" cy="6858000"/>
+            <a:off x="1123071" y="629564"/>
+            <a:ext cx="9945858" cy="6228436"/>
           </a:xfrm>
           <a:prstGeom prst="rect">
             <a:avLst/>
@@ -6262,7 +6666,7 @@
     </p:spTree>
     <p:extLst>
       <p:ext uri="{BB962C8B-B14F-4D97-AF65-F5344CB8AC3E}">
-        <p14:creationId xmlns:p14="http://schemas.microsoft.com/office/powerpoint/2010/main" val="3212968141"/>
+        <p14:creationId xmlns:p14="http://schemas.microsoft.com/office/powerpoint/2010/main" val="272382116"/>
       </p:ext>
     </p:extLst>
   </p:cSld>
@@ -6289,52 +6693,40 @@
           <a:chExt cx="0" cy="0"/>
         </a:xfrm>
       </p:grpSpPr>
-      <p:sp>
-        <p:nvSpPr>
-          <p:cNvPr id="5" name="CuadroTexto 4">
-            <a:extLst>
-              <a:ext uri="{FF2B5EF4-FFF2-40B4-BE49-F238E27FC236}">
-                <a16:creationId xmlns:a16="http://schemas.microsoft.com/office/drawing/2014/main" id="{1BE7FA7E-C3EC-4186-AFBD-5BB81C7A131D}"/>
-              </a:ext>
-            </a:extLst>
-          </p:cNvPr>
-          <p:cNvSpPr txBox="1"/>
+      <p:pic>
+        <p:nvPicPr>
+          <p:cNvPr id="3" name="Imagen 2">
+            <a:extLst>
+              <a:ext uri="{FF2B5EF4-FFF2-40B4-BE49-F238E27FC236}">
+                <a16:creationId xmlns:a16="http://schemas.microsoft.com/office/drawing/2014/main" id="{B6D05E2E-F6F7-3265-9463-A975DAD1F696}"/>
+              </a:ext>
+            </a:extLst>
+          </p:cNvPr>
+          <p:cNvPicPr>
+            <a:picLocks noChangeAspect="1"/>
+          </p:cNvPicPr>
           <p:nvPr/>
-        </p:nvSpPr>
-        <p:spPr>
-          <a:xfrm>
-            <a:off x="3548385" y="139758"/>
-            <a:ext cx="5095229" cy="666786"/>
+        </p:nvPicPr>
+        <p:blipFill>
+          <a:blip r:embed="rId2"/>
+          <a:stretch>
+            <a:fillRect/>
+          </a:stretch>
+        </p:blipFill>
+        <p:spPr>
+          <a:xfrm>
+            <a:off x="1166784" y="866921"/>
+            <a:ext cx="9858432" cy="5124157"/>
           </a:xfrm>
           <a:prstGeom prst="rect">
             <a:avLst/>
           </a:prstGeom>
-          <a:noFill/>
-        </p:spPr>
-        <p:txBody>
-          <a:bodyPr wrap="square" rtlCol="0">
-            <a:spAutoFit/>
-          </a:bodyPr>
-          <a:lstStyle/>
-          <a:p>
-            <a:pPr algn="ctr"/>
-            <a:r>
-              <a:rPr lang="es-ES" sz="3733" b="1" dirty="0">
-                <a:solidFill>
-                  <a:srgbClr val="FF6C00"/>
-                </a:solidFill>
-                <a:latin typeface="Calibri" panose="020F0502020204030204" pitchFamily="34" charset="0"/>
-                <a:cs typeface="Calibri" panose="020F0502020204030204" pitchFamily="34" charset="0"/>
-              </a:rPr>
-              <a:t>Diagrama de clases</a:t>
-            </a:r>
-          </a:p>
-        </p:txBody>
-      </p:sp>
+        </p:spPr>
+      </p:pic>
     </p:spTree>
     <p:extLst>
       <p:ext uri="{BB962C8B-B14F-4D97-AF65-F5344CB8AC3E}">
-        <p14:creationId xmlns:p14="http://schemas.microsoft.com/office/powerpoint/2010/main" val="408438049"/>
+        <p14:creationId xmlns:p14="http://schemas.microsoft.com/office/powerpoint/2010/main" val="1122807157"/>
       </p:ext>
     </p:extLst>
   </p:cSld>
@@ -6375,8 +6767,8 @@
         </p:nvSpPr>
         <p:spPr>
           <a:xfrm>
-            <a:off x="2998381" y="11793"/>
-            <a:ext cx="6195235" cy="666786"/>
+            <a:off x="1811074" y="436925"/>
+            <a:ext cx="8569853" cy="666786"/>
           </a:xfrm>
           <a:prstGeom prst="rect">
             <a:avLst/>
@@ -6398,179 +6790,17 @@
                 <a:latin typeface="Calibri" panose="020F0502020204030204" pitchFamily="34" charset="0"/>
                 <a:cs typeface="Calibri" panose="020F0502020204030204" pitchFamily="34" charset="0"/>
               </a:rPr>
-              <a:t>Mapa de empatía </a:t>
-            </a:r>
-          </a:p>
-        </p:txBody>
-      </p:sp>
-      <p:sp>
-        <p:nvSpPr>
-          <p:cNvPr id="8" name="CuadroTexto 7">
-            <a:extLst>
-              <a:ext uri="{FF2B5EF4-FFF2-40B4-BE49-F238E27FC236}">
-                <a16:creationId xmlns:a16="http://schemas.microsoft.com/office/drawing/2014/main" id="{38EFDFD8-1179-6024-C86B-C405673F365F}"/>
-              </a:ext>
-            </a:extLst>
-          </p:cNvPr>
-          <p:cNvSpPr txBox="1"/>
-          <p:nvPr/>
-        </p:nvSpPr>
-        <p:spPr>
-          <a:xfrm>
-            <a:off x="8276756" y="2167177"/>
-            <a:ext cx="4024829" cy="1569660"/>
-          </a:xfrm>
-          <a:prstGeom prst="rect">
-            <a:avLst/>
-          </a:prstGeom>
-          <a:noFill/>
-        </p:spPr>
-        <p:txBody>
-          <a:bodyPr wrap="square" rtlCol="0">
-            <a:spAutoFit/>
-          </a:bodyPr>
-          <a:lstStyle/>
-          <a:p>
-            <a:r>
-              <a:rPr lang="es-ES" sz="1600" b="1" dirty="0">
-                <a:latin typeface="+mj-lt"/>
-              </a:rPr>
-              <a:t>¿QUÉ VE?</a:t>
-            </a:r>
-          </a:p>
-          <a:p>
-            <a:r>
-              <a:rPr lang="es-ES" sz="1600" b="1" dirty="0">
-                <a:latin typeface="+mj-lt"/>
-              </a:rPr>
-              <a:t>Cliente: </a:t>
-            </a:r>
-            <a:r>
-              <a:rPr lang="es-ES" sz="1600" dirty="0">
-                <a:latin typeface="+mj-lt"/>
-              </a:rPr>
-              <a:t>- Servicios mal realizados</a:t>
-            </a:r>
-          </a:p>
-          <a:p>
-            <a:r>
-              <a:rPr lang="es-ES" sz="1600" dirty="0">
-                <a:latin typeface="+mj-lt"/>
-              </a:rPr>
-              <a:t>- Robos y perdidas de dinero</a:t>
-            </a:r>
-          </a:p>
-          <a:p>
-            <a:r>
-              <a:rPr lang="es-ES" sz="1600" b="1" dirty="0">
-                <a:latin typeface="+mj-lt"/>
-              </a:rPr>
-              <a:t>Proveedor: </a:t>
-            </a:r>
-            <a:r>
-              <a:rPr lang="es-ES" sz="1600" dirty="0">
-                <a:latin typeface="+mj-lt"/>
-              </a:rPr>
-              <a:t>- Poca publicidad en su emprendimiento</a:t>
-            </a:r>
-          </a:p>
-          <a:p>
-            <a:r>
-              <a:rPr lang="es-ES" sz="1600" dirty="0">
-                <a:latin typeface="+mj-lt"/>
-              </a:rPr>
-              <a:t>- Desconfianza en la contratación</a:t>
-            </a:r>
-          </a:p>
-        </p:txBody>
-      </p:sp>
-      <p:sp>
-        <p:nvSpPr>
-          <p:cNvPr id="13" name="CuadroTexto 12">
-            <a:extLst>
-              <a:ext uri="{FF2B5EF4-FFF2-40B4-BE49-F238E27FC236}">
-                <a16:creationId xmlns:a16="http://schemas.microsoft.com/office/drawing/2014/main" id="{2AB2A075-E71E-C5BA-2D4A-CE49B29A35E6}"/>
-              </a:ext>
-            </a:extLst>
-          </p:cNvPr>
-          <p:cNvSpPr txBox="1"/>
-          <p:nvPr/>
-        </p:nvSpPr>
-        <p:spPr>
-          <a:xfrm>
-            <a:off x="3790693" y="628244"/>
-            <a:ext cx="5402924" cy="1569660"/>
-          </a:xfrm>
-          <a:prstGeom prst="rect">
-            <a:avLst/>
-          </a:prstGeom>
-          <a:noFill/>
-        </p:spPr>
-        <p:txBody>
-          <a:bodyPr wrap="square" rtlCol="0">
-            <a:spAutoFit/>
-          </a:bodyPr>
-          <a:lstStyle/>
-          <a:p>
-            <a:r>
-              <a:rPr lang="es-ES" sz="1600" b="1" dirty="0">
-                <a:latin typeface="+mj-lt"/>
-              </a:rPr>
-              <a:t>¿QUÉ PIENSA Y SIENTE?</a:t>
-            </a:r>
-          </a:p>
-          <a:p>
-            <a:r>
-              <a:rPr lang="es-ES" sz="1600" b="1" dirty="0">
-                <a:latin typeface="+mj-lt"/>
-              </a:rPr>
-              <a:t>Cliente: </a:t>
-            </a:r>
-            <a:r>
-              <a:rPr lang="es-ES" sz="1600" dirty="0">
-                <a:latin typeface="+mj-lt"/>
-              </a:rPr>
-              <a:t>- Desconfianza e inseguridad en el momento de adquirir servicios en línea</a:t>
-            </a:r>
-          </a:p>
-          <a:p>
-            <a:r>
-              <a:rPr lang="es-ES" sz="1600" b="1" dirty="0">
-                <a:latin typeface="+mj-lt"/>
-              </a:rPr>
-              <a:t>Proveedor: </a:t>
-            </a:r>
-            <a:r>
-              <a:rPr lang="es-ES" sz="1600" dirty="0">
-                <a:latin typeface="+mj-lt"/>
-              </a:rPr>
-              <a:t>- Poca cobertura en su emprendimiento</a:t>
-            </a:r>
-          </a:p>
-          <a:p>
-            <a:r>
-              <a:rPr lang="es-ES" sz="1600" dirty="0">
-                <a:latin typeface="+mj-lt"/>
-              </a:rPr>
-              <a:t>- Generar mayores ingresos</a:t>
-            </a:r>
-          </a:p>
-          <a:p>
-            <a:r>
-              <a:rPr lang="es-ES" sz="1600" dirty="0">
-                <a:latin typeface="+mj-lt"/>
-              </a:rPr>
-              <a:t>- Mejorar su calidad de vida</a:t>
+              <a:t>Historias de usuario</a:t>
             </a:r>
           </a:p>
         </p:txBody>
       </p:sp>
       <p:pic>
         <p:nvPicPr>
-          <p:cNvPr id="15" name="Imagen 14">
-            <a:extLst>
-              <a:ext uri="{FF2B5EF4-FFF2-40B4-BE49-F238E27FC236}">
-                <a16:creationId xmlns:a16="http://schemas.microsoft.com/office/drawing/2014/main" id="{1406FFEF-3BF6-0F2C-F859-3394149D2C43}"/>
+          <p:cNvPr id="3" name="Imagen 2">
+            <a:extLst>
+              <a:ext uri="{FF2B5EF4-FFF2-40B4-BE49-F238E27FC236}">
+                <a16:creationId xmlns:a16="http://schemas.microsoft.com/office/drawing/2014/main" id="{D8B262FA-29F3-F30B-F3DE-5DB64C42C194}"/>
               </a:ext>
             </a:extLst>
           </p:cNvPr>
@@ -6580,625 +6810,15 @@
           <p:nvPr/>
         </p:nvPicPr>
         <p:blipFill>
-          <a:blip r:embed="rId3"/>
+          <a:blip r:embed="rId2"/>
           <a:stretch>
             <a:fillRect/>
           </a:stretch>
         </p:blipFill>
         <p:spPr>
           <a:xfrm>
-            <a:off x="8167171" y="1209229"/>
-            <a:ext cx="607236" cy="607236"/>
-          </a:xfrm>
-          <a:prstGeom prst="rect">
-            <a:avLst/>
-          </a:prstGeom>
-        </p:spPr>
-      </p:pic>
-      <p:pic>
-        <p:nvPicPr>
-          <p:cNvPr id="17" name="Imagen 16">
-            <a:extLst>
-              <a:ext uri="{FF2B5EF4-FFF2-40B4-BE49-F238E27FC236}">
-                <a16:creationId xmlns:a16="http://schemas.microsoft.com/office/drawing/2014/main" id="{DFEE1F78-67F5-E96C-2743-B1AFDA904C61}"/>
-              </a:ext>
-            </a:extLst>
-          </p:cNvPr>
-          <p:cNvPicPr>
-            <a:picLocks noChangeAspect="1"/>
-          </p:cNvPicPr>
-          <p:nvPr/>
-        </p:nvPicPr>
-        <p:blipFill>
-          <a:blip r:embed="rId4"/>
-          <a:stretch>
-            <a:fillRect/>
-          </a:stretch>
-        </p:blipFill>
-        <p:spPr>
-          <a:xfrm>
-            <a:off x="11340910" y="2753291"/>
-            <a:ext cx="675709" cy="675709"/>
-          </a:xfrm>
-          <a:prstGeom prst="rect">
-            <a:avLst/>
-          </a:prstGeom>
-        </p:spPr>
-      </p:pic>
-      <p:sp>
-        <p:nvSpPr>
-          <p:cNvPr id="7" name="CuadroTexto 6">
-            <a:extLst>
-              <a:ext uri="{FF2B5EF4-FFF2-40B4-BE49-F238E27FC236}">
-                <a16:creationId xmlns:a16="http://schemas.microsoft.com/office/drawing/2014/main" id="{ACD346F2-5647-BAA5-39E3-D66DDF78D20A}"/>
-              </a:ext>
-            </a:extLst>
-          </p:cNvPr>
-          <p:cNvSpPr txBox="1"/>
-          <p:nvPr/>
-        </p:nvSpPr>
-        <p:spPr>
-          <a:xfrm>
-            <a:off x="3915246" y="3767616"/>
-            <a:ext cx="4152981" cy="1077218"/>
-          </a:xfrm>
-          <a:prstGeom prst="rect">
-            <a:avLst/>
-          </a:prstGeom>
-          <a:noFill/>
-        </p:spPr>
-        <p:txBody>
-          <a:bodyPr wrap="square" rtlCol="0">
-            <a:spAutoFit/>
-          </a:bodyPr>
-          <a:lstStyle/>
-          <a:p>
-            <a:r>
-              <a:rPr lang="es-ES" sz="1600" b="1" dirty="0">
-                <a:latin typeface="+mj-lt"/>
-              </a:rPr>
-              <a:t>¿QUE ES LO QUE DICE Y HACE?</a:t>
-            </a:r>
-          </a:p>
-          <a:p>
-            <a:r>
-              <a:rPr lang="es-ES" sz="1600" b="1" dirty="0">
-                <a:latin typeface="+mj-lt"/>
-              </a:rPr>
-              <a:t>Cliente: </a:t>
-            </a:r>
-            <a:r>
-              <a:rPr lang="es-ES" sz="1600" dirty="0">
-                <a:latin typeface="+mj-lt"/>
-              </a:rPr>
-              <a:t>- Busca opiniones en su comunidad</a:t>
-            </a:r>
-          </a:p>
-          <a:p>
-            <a:r>
-              <a:rPr lang="es-ES" sz="1600" b="1" dirty="0">
-                <a:latin typeface="+mj-lt"/>
-              </a:rPr>
-              <a:t>Proveedor: </a:t>
-            </a:r>
-            <a:r>
-              <a:rPr lang="es-ES" sz="1600" dirty="0">
-                <a:latin typeface="+mj-lt"/>
-              </a:rPr>
-              <a:t>- Presta servicios de buena calidad acordé a sus conocimientos</a:t>
-            </a:r>
-          </a:p>
-        </p:txBody>
-      </p:sp>
-      <p:pic>
-        <p:nvPicPr>
-          <p:cNvPr id="9" name="Imagen 8">
-            <a:extLst>
-              <a:ext uri="{FF2B5EF4-FFF2-40B4-BE49-F238E27FC236}">
-                <a16:creationId xmlns:a16="http://schemas.microsoft.com/office/drawing/2014/main" id="{32A66AC8-AC60-027E-56CD-720039D61A2D}"/>
-              </a:ext>
-            </a:extLst>
-          </p:cNvPr>
-          <p:cNvPicPr>
-            <a:picLocks noChangeAspect="1"/>
-          </p:cNvPicPr>
-          <p:nvPr/>
-        </p:nvPicPr>
-        <p:blipFill>
-          <a:blip r:embed="rId5"/>
-          <a:stretch>
-            <a:fillRect/>
-          </a:stretch>
-        </p:blipFill>
-        <p:spPr>
-          <a:xfrm>
-            <a:off x="8013144" y="4074979"/>
-            <a:ext cx="493269" cy="493269"/>
-          </a:xfrm>
-          <a:prstGeom prst="rect">
-            <a:avLst/>
-          </a:prstGeom>
-        </p:spPr>
-      </p:pic>
-      <p:sp>
-        <p:nvSpPr>
-          <p:cNvPr id="10" name="CuadroTexto 9">
-            <a:extLst>
-              <a:ext uri="{FF2B5EF4-FFF2-40B4-BE49-F238E27FC236}">
-                <a16:creationId xmlns:a16="http://schemas.microsoft.com/office/drawing/2014/main" id="{895EC70C-EC0C-E100-6F6F-28E95B433653}"/>
-              </a:ext>
-            </a:extLst>
-          </p:cNvPr>
-          <p:cNvSpPr txBox="1"/>
-          <p:nvPr/>
-        </p:nvSpPr>
-        <p:spPr>
-          <a:xfrm>
-            <a:off x="232214" y="2283572"/>
-            <a:ext cx="3245036" cy="1323439"/>
-          </a:xfrm>
-          <a:prstGeom prst="rect">
-            <a:avLst/>
-          </a:prstGeom>
-          <a:noFill/>
-        </p:spPr>
-        <p:txBody>
-          <a:bodyPr wrap="square" rtlCol="0">
-            <a:spAutoFit/>
-          </a:bodyPr>
-          <a:lstStyle/>
-          <a:p>
-            <a:r>
-              <a:rPr lang="es-ES" sz="1600" b="1" dirty="0">
-                <a:latin typeface="+mj-lt"/>
-              </a:rPr>
-              <a:t>¿QUE ES LO QUE OYE?</a:t>
-            </a:r>
-          </a:p>
-          <a:p>
-            <a:r>
-              <a:rPr lang="es-ES" sz="1600" b="1" dirty="0">
-                <a:latin typeface="+mj-lt"/>
-              </a:rPr>
-              <a:t>Cliente: </a:t>
-            </a:r>
-            <a:r>
-              <a:rPr lang="es-ES" sz="1600" dirty="0">
-                <a:latin typeface="+mj-lt"/>
-              </a:rPr>
-              <a:t>- Realización de servicios de baja calidad</a:t>
-            </a:r>
-          </a:p>
-          <a:p>
-            <a:r>
-              <a:rPr lang="es-ES" sz="1600" b="1" dirty="0">
-                <a:latin typeface="+mj-lt"/>
-              </a:rPr>
-              <a:t>Proveedor: </a:t>
-            </a:r>
-            <a:r>
-              <a:rPr lang="es-ES" sz="1600" dirty="0">
-                <a:latin typeface="+mj-lt"/>
-              </a:rPr>
-              <a:t>- Oportunidades escasas </a:t>
-            </a:r>
-          </a:p>
-          <a:p>
-            <a:r>
-              <a:rPr lang="es-ES" sz="1600" dirty="0">
-                <a:latin typeface="+mj-lt"/>
-              </a:rPr>
-              <a:t>-Falta de apoyo</a:t>
-            </a:r>
-          </a:p>
-        </p:txBody>
-      </p:sp>
-      <p:pic>
-        <p:nvPicPr>
-          <p:cNvPr id="11" name="Imagen 10">
-            <a:extLst>
-              <a:ext uri="{FF2B5EF4-FFF2-40B4-BE49-F238E27FC236}">
-                <a16:creationId xmlns:a16="http://schemas.microsoft.com/office/drawing/2014/main" id="{9F682A5E-D7ED-6087-D88A-4407AFCB5364}"/>
-              </a:ext>
-            </a:extLst>
-          </p:cNvPr>
-          <p:cNvPicPr>
-            <a:picLocks noChangeAspect="1"/>
-          </p:cNvPicPr>
-          <p:nvPr/>
-        </p:nvPicPr>
-        <p:blipFill>
-          <a:blip r:embed="rId6"/>
-          <a:stretch>
-            <a:fillRect/>
-          </a:stretch>
-        </p:blipFill>
-        <p:spPr>
-          <a:xfrm>
-            <a:off x="3685779" y="2513834"/>
-            <a:ext cx="675711" cy="675711"/>
-          </a:xfrm>
-          <a:prstGeom prst="rect">
-            <a:avLst/>
-          </a:prstGeom>
-        </p:spPr>
-      </p:pic>
-      <p:cxnSp>
-        <p:nvCxnSpPr>
-          <p:cNvPr id="3" name="Conector recto 2">
-            <a:extLst>
-              <a:ext uri="{FF2B5EF4-FFF2-40B4-BE49-F238E27FC236}">
-                <a16:creationId xmlns:a16="http://schemas.microsoft.com/office/drawing/2014/main" id="{E1A5093F-4A92-EC09-2310-355323C2AC97}"/>
-              </a:ext>
-            </a:extLst>
-          </p:cNvPr>
-          <p:cNvCxnSpPr>
-            <a:cxnSpLocks/>
-          </p:cNvCxnSpPr>
-          <p:nvPr/>
-        </p:nvCxnSpPr>
-        <p:spPr>
-          <a:xfrm>
-            <a:off x="44069" y="782885"/>
-            <a:ext cx="12147932" cy="4270184"/>
-          </a:xfrm>
-          <a:prstGeom prst="line">
-            <a:avLst/>
-          </a:prstGeom>
-        </p:spPr>
-        <p:style>
-          <a:lnRef idx="1">
-            <a:schemeClr val="dk1"/>
-          </a:lnRef>
-          <a:fillRef idx="0">
-            <a:schemeClr val="dk1"/>
-          </a:fillRef>
-          <a:effectRef idx="0">
-            <a:schemeClr val="dk1"/>
-          </a:effectRef>
-          <a:fontRef idx="minor">
-            <a:schemeClr val="tx1"/>
-          </a:fontRef>
-        </p:style>
-      </p:cxnSp>
-      <p:cxnSp>
-        <p:nvCxnSpPr>
-          <p:cNvPr id="14" name="Conector recto 13">
-            <a:extLst>
-              <a:ext uri="{FF2B5EF4-FFF2-40B4-BE49-F238E27FC236}">
-                <a16:creationId xmlns:a16="http://schemas.microsoft.com/office/drawing/2014/main" id="{8B73BF79-FB72-C8F9-DEFA-78ECC4197BBB}"/>
-              </a:ext>
-            </a:extLst>
-          </p:cNvPr>
-          <p:cNvCxnSpPr>
-            <a:cxnSpLocks/>
-          </p:cNvCxnSpPr>
-          <p:nvPr/>
-        </p:nvCxnSpPr>
-        <p:spPr>
-          <a:xfrm flipH="1">
-            <a:off x="-45595" y="782885"/>
-            <a:ext cx="12237595" cy="4270184"/>
-          </a:xfrm>
-          <a:prstGeom prst="line">
-            <a:avLst/>
-          </a:prstGeom>
-        </p:spPr>
-        <p:style>
-          <a:lnRef idx="1">
-            <a:schemeClr val="dk1"/>
-          </a:lnRef>
-          <a:fillRef idx="0">
-            <a:schemeClr val="dk1"/>
-          </a:fillRef>
-          <a:effectRef idx="0">
-            <a:schemeClr val="dk1"/>
-          </a:effectRef>
-          <a:fontRef idx="minor">
-            <a:schemeClr val="tx1"/>
-          </a:fontRef>
-        </p:style>
-      </p:cxnSp>
-      <p:cxnSp>
-        <p:nvCxnSpPr>
-          <p:cNvPr id="36" name="Conector recto 35">
-            <a:extLst>
-              <a:ext uri="{FF2B5EF4-FFF2-40B4-BE49-F238E27FC236}">
-                <a16:creationId xmlns:a16="http://schemas.microsoft.com/office/drawing/2014/main" id="{5A048461-5561-3ABE-ECEF-C0F2C6896E59}"/>
-              </a:ext>
-            </a:extLst>
-          </p:cNvPr>
-          <p:cNvCxnSpPr>
-            <a:cxnSpLocks/>
-          </p:cNvCxnSpPr>
-          <p:nvPr/>
-        </p:nvCxnSpPr>
-        <p:spPr>
-          <a:xfrm flipV="1">
-            <a:off x="44068" y="5082467"/>
-            <a:ext cx="12139707" cy="14671"/>
-          </a:xfrm>
-          <a:prstGeom prst="line">
-            <a:avLst/>
-          </a:prstGeom>
-        </p:spPr>
-        <p:style>
-          <a:lnRef idx="1">
-            <a:schemeClr val="dk1"/>
-          </a:lnRef>
-          <a:fillRef idx="0">
-            <a:schemeClr val="dk1"/>
-          </a:fillRef>
-          <a:effectRef idx="0">
-            <a:schemeClr val="dk1"/>
-          </a:effectRef>
-          <a:fontRef idx="minor">
-            <a:schemeClr val="tx1"/>
-          </a:fontRef>
-        </p:style>
-      </p:cxnSp>
-      <p:sp>
-        <p:nvSpPr>
-          <p:cNvPr id="44" name="CuadroTexto 43">
-            <a:extLst>
-              <a:ext uri="{FF2B5EF4-FFF2-40B4-BE49-F238E27FC236}">
-                <a16:creationId xmlns:a16="http://schemas.microsoft.com/office/drawing/2014/main" id="{C43C6928-0F5E-B932-CA55-0AEE5E2C42A8}"/>
-              </a:ext>
-            </a:extLst>
-          </p:cNvPr>
-          <p:cNvSpPr txBox="1"/>
-          <p:nvPr/>
-        </p:nvSpPr>
-        <p:spPr>
-          <a:xfrm>
-            <a:off x="6073203" y="5185620"/>
-            <a:ext cx="5577949" cy="1569660"/>
-          </a:xfrm>
-          <a:prstGeom prst="rect">
-            <a:avLst/>
-          </a:prstGeom>
-          <a:noFill/>
-        </p:spPr>
-        <p:txBody>
-          <a:bodyPr wrap="square" rtlCol="0">
-            <a:spAutoFit/>
-          </a:bodyPr>
-          <a:lstStyle/>
-          <a:p>
-            <a:r>
-              <a:rPr lang="es-ES" sz="1600" b="1" dirty="0">
-                <a:latin typeface="+mj-lt"/>
-              </a:rPr>
-              <a:t>RESULTADOS</a:t>
-            </a:r>
-          </a:p>
-          <a:p>
-            <a:r>
-              <a:rPr lang="es-ES" sz="1600" b="1" dirty="0">
-                <a:latin typeface="+mj-lt"/>
-              </a:rPr>
-              <a:t>Cliente: </a:t>
-            </a:r>
-            <a:r>
-              <a:rPr lang="es-ES" sz="1600" dirty="0">
-                <a:latin typeface="+mj-lt"/>
-              </a:rPr>
-              <a:t>- Servicios adquiridos de excelente calidad</a:t>
-            </a:r>
-          </a:p>
-          <a:p>
-            <a:r>
-              <a:rPr lang="es-ES" sz="1600" b="1" dirty="0">
-                <a:latin typeface="+mj-lt"/>
-              </a:rPr>
-              <a:t>Proveedor: </a:t>
-            </a:r>
-            <a:r>
-              <a:rPr lang="es-ES" sz="1600" dirty="0">
-                <a:latin typeface="+mj-lt"/>
-              </a:rPr>
-              <a:t>- Emprendimiento a gran escala</a:t>
-            </a:r>
-          </a:p>
-          <a:p>
-            <a:r>
-              <a:rPr lang="es-ES" sz="1600" dirty="0">
-                <a:latin typeface="+mj-lt"/>
-              </a:rPr>
-              <a:t>- Superación personal </a:t>
-            </a:r>
-          </a:p>
-          <a:p>
-            <a:r>
-              <a:rPr lang="es-ES" sz="1600" dirty="0">
-                <a:latin typeface="+mj-lt"/>
-              </a:rPr>
-              <a:t>- Más recomendaciones de sus clientes</a:t>
-            </a:r>
-          </a:p>
-          <a:p>
-            <a:r>
-              <a:rPr lang="es-ES" sz="1600" dirty="0">
-                <a:latin typeface="+mj-lt"/>
-              </a:rPr>
-              <a:t>- Éxito en la prestación de servicios</a:t>
-            </a:r>
-          </a:p>
-        </p:txBody>
-      </p:sp>
-      <p:pic>
-        <p:nvPicPr>
-          <p:cNvPr id="47" name="Imagen 46">
-            <a:extLst>
-              <a:ext uri="{FF2B5EF4-FFF2-40B4-BE49-F238E27FC236}">
-                <a16:creationId xmlns:a16="http://schemas.microsoft.com/office/drawing/2014/main" id="{4859D8F0-D5A4-AD92-367C-61E7CC5F4D56}"/>
-              </a:ext>
-            </a:extLst>
-          </p:cNvPr>
-          <p:cNvPicPr>
-            <a:picLocks noChangeAspect="1"/>
-          </p:cNvPicPr>
-          <p:nvPr/>
-        </p:nvPicPr>
-        <p:blipFill>
-          <a:blip r:embed="rId7"/>
-          <a:stretch>
-            <a:fillRect/>
-          </a:stretch>
-        </p:blipFill>
-        <p:spPr>
-          <a:xfrm>
-            <a:off x="11475417" y="5764846"/>
-            <a:ext cx="672516" cy="672516"/>
-          </a:xfrm>
-          <a:prstGeom prst="rect">
-            <a:avLst/>
-          </a:prstGeom>
-        </p:spPr>
-      </p:pic>
-      <p:cxnSp>
-        <p:nvCxnSpPr>
-          <p:cNvPr id="49" name="Conector recto 48">
-            <a:extLst>
-              <a:ext uri="{FF2B5EF4-FFF2-40B4-BE49-F238E27FC236}">
-                <a16:creationId xmlns:a16="http://schemas.microsoft.com/office/drawing/2014/main" id="{8F56039C-1692-4FEA-E302-615D52FD5E24}"/>
-              </a:ext>
-            </a:extLst>
-          </p:cNvPr>
-          <p:cNvCxnSpPr>
-            <a:cxnSpLocks/>
-          </p:cNvCxnSpPr>
-          <p:nvPr/>
-        </p:nvCxnSpPr>
-        <p:spPr>
-          <a:xfrm>
-            <a:off x="5915943" y="5126535"/>
-            <a:ext cx="1893" cy="1718612"/>
-          </a:xfrm>
-          <a:prstGeom prst="line">
-            <a:avLst/>
-          </a:prstGeom>
-        </p:spPr>
-        <p:style>
-          <a:lnRef idx="1">
-            <a:schemeClr val="dk1"/>
-          </a:lnRef>
-          <a:fillRef idx="0">
-            <a:schemeClr val="dk1"/>
-          </a:fillRef>
-          <a:effectRef idx="0">
-            <a:schemeClr val="dk1"/>
-          </a:effectRef>
-          <a:fontRef idx="minor">
-            <a:schemeClr val="tx1"/>
-          </a:fontRef>
-        </p:style>
-      </p:cxnSp>
-      <p:sp>
-        <p:nvSpPr>
-          <p:cNvPr id="52" name="CuadroTexto 51">
-            <a:extLst>
-              <a:ext uri="{FF2B5EF4-FFF2-40B4-BE49-F238E27FC236}">
-                <a16:creationId xmlns:a16="http://schemas.microsoft.com/office/drawing/2014/main" id="{82FD7941-C039-8395-2138-C1E7ABB86D71}"/>
-              </a:ext>
-            </a:extLst>
-          </p:cNvPr>
-          <p:cNvSpPr txBox="1"/>
-          <p:nvPr/>
-        </p:nvSpPr>
-        <p:spPr>
-          <a:xfrm>
-            <a:off x="44068" y="5300749"/>
-            <a:ext cx="4906179" cy="1323439"/>
-          </a:xfrm>
-          <a:prstGeom prst="rect">
-            <a:avLst/>
-          </a:prstGeom>
-          <a:noFill/>
-        </p:spPr>
-        <p:txBody>
-          <a:bodyPr wrap="square" rtlCol="0">
-            <a:spAutoFit/>
-          </a:bodyPr>
-          <a:lstStyle/>
-          <a:p>
-            <a:r>
-              <a:rPr lang="es-ES" sz="1600" b="1" dirty="0">
-                <a:latin typeface="+mj-lt"/>
-              </a:rPr>
-              <a:t>ESFUERZOS</a:t>
-            </a:r>
-          </a:p>
-          <a:p>
-            <a:r>
-              <a:rPr lang="es-ES" sz="1600" b="1" dirty="0">
-                <a:latin typeface="+mj-lt"/>
-              </a:rPr>
-              <a:t>Cliente: </a:t>
-            </a:r>
-            <a:r>
-              <a:rPr lang="es-ES" sz="1600" dirty="0">
-                <a:latin typeface="+mj-lt"/>
-              </a:rPr>
-              <a:t>- No hay soluciones a sus necesidades</a:t>
-            </a:r>
-          </a:p>
-          <a:p>
-            <a:r>
-              <a:rPr lang="es-ES" sz="1600" b="1" dirty="0">
-                <a:latin typeface="+mj-lt"/>
-              </a:rPr>
-              <a:t>Proveedor: </a:t>
-            </a:r>
-            <a:r>
-              <a:rPr lang="es-ES" sz="1600" dirty="0">
-                <a:latin typeface="+mj-lt"/>
-              </a:rPr>
-              <a:t>- No alcanzar sus metas propuestas</a:t>
-            </a:r>
-          </a:p>
-          <a:p>
-            <a:r>
-              <a:rPr lang="es-ES" sz="1600" dirty="0">
-                <a:latin typeface="+mj-lt"/>
-              </a:rPr>
-              <a:t>- Dificultad para darse a conocer</a:t>
-            </a:r>
-          </a:p>
-          <a:p>
-            <a:r>
-              <a:rPr lang="es-ES" sz="1600" dirty="0">
-                <a:latin typeface="+mj-lt"/>
-              </a:rPr>
-              <a:t>- Miedo al fracaso</a:t>
-            </a:r>
-          </a:p>
-        </p:txBody>
-      </p:sp>
-      <p:pic>
-        <p:nvPicPr>
-          <p:cNvPr id="53" name="Imagen 52">
-            <a:extLst>
-              <a:ext uri="{FF2B5EF4-FFF2-40B4-BE49-F238E27FC236}">
-                <a16:creationId xmlns:a16="http://schemas.microsoft.com/office/drawing/2014/main" id="{09DC1441-E76F-7767-EFCB-062CF21A205B}"/>
-              </a:ext>
-            </a:extLst>
-          </p:cNvPr>
-          <p:cNvPicPr>
-            <a:picLocks noChangeAspect="1"/>
-          </p:cNvPicPr>
-          <p:nvPr/>
-        </p:nvPicPr>
-        <p:blipFill>
-          <a:blip r:embed="rId8"/>
-          <a:stretch>
-            <a:fillRect/>
-          </a:stretch>
-        </p:blipFill>
-        <p:spPr>
-          <a:xfrm>
-            <a:off x="4546508" y="5718955"/>
-            <a:ext cx="807477" cy="807477"/>
+            <a:off x="0" y="1589348"/>
+            <a:ext cx="12197578" cy="3679304"/>
           </a:xfrm>
           <a:prstGeom prst="rect">
             <a:avLst/>
@@ -7208,7 +6828,7 @@
     </p:spTree>
     <p:extLst>
       <p:ext uri="{BB962C8B-B14F-4D97-AF65-F5344CB8AC3E}">
-        <p14:creationId xmlns:p14="http://schemas.microsoft.com/office/powerpoint/2010/main" val="3622025240"/>
+        <p14:creationId xmlns:p14="http://schemas.microsoft.com/office/powerpoint/2010/main" val="1203761740"/>
       </p:ext>
     </p:extLst>
   </p:cSld>
@@ -7249,8 +6869,8 @@
         </p:nvSpPr>
         <p:spPr>
           <a:xfrm>
-            <a:off x="3012560" y="421131"/>
-            <a:ext cx="6195235" cy="666786"/>
+            <a:off x="5358793" y="1341416"/>
+            <a:ext cx="6195235" cy="1241237"/>
           </a:xfrm>
           <a:prstGeom prst="rect">
             <a:avLst/>
@@ -7269,16 +6889,61 @@
                 <a:solidFill>
                   <a:srgbClr val="FF6C00"/>
                 </a:solidFill>
-              </a:rPr>
-              <a:t>Diccionario de datos</a:t>
-            </a:r>
-          </a:p>
-        </p:txBody>
-      </p:sp>
+                <a:latin typeface="Calibri" panose="020F0502020204030204" pitchFamily="34" charset="0"/>
+                <a:cs typeface="Calibri" panose="020F0502020204030204" pitchFamily="34" charset="0"/>
+              </a:rPr>
+              <a:t>Diagrama de actividades</a:t>
+            </a:r>
+          </a:p>
+          <a:p>
+            <a:pPr algn="ctr"/>
+            <a:r>
+              <a:rPr lang="es-ES" sz="3733" b="1" dirty="0">
+                <a:solidFill>
+                  <a:srgbClr val="FF6C00"/>
+                </a:solidFill>
+                <a:latin typeface="Calibri" panose="020F0502020204030204" pitchFamily="34" charset="0"/>
+                <a:cs typeface="Calibri" panose="020F0502020204030204" pitchFamily="34" charset="0"/>
+              </a:rPr>
+              <a:t>Cliente</a:t>
+            </a:r>
+          </a:p>
+        </p:txBody>
+      </p:sp>
+      <p:pic>
+        <p:nvPicPr>
+          <p:cNvPr id="3" name="Imagen 2">
+            <a:extLst>
+              <a:ext uri="{FF2B5EF4-FFF2-40B4-BE49-F238E27FC236}">
+                <a16:creationId xmlns:a16="http://schemas.microsoft.com/office/drawing/2014/main" id="{68B5A894-F361-CB2E-B0C1-693910414228}"/>
+              </a:ext>
+            </a:extLst>
+          </p:cNvPr>
+          <p:cNvPicPr>
+            <a:picLocks noChangeAspect="1"/>
+          </p:cNvPicPr>
+          <p:nvPr/>
+        </p:nvPicPr>
+        <p:blipFill>
+          <a:blip r:embed="rId2"/>
+          <a:stretch>
+            <a:fillRect/>
+          </a:stretch>
+        </p:blipFill>
+        <p:spPr>
+          <a:xfrm>
+            <a:off x="637972" y="0"/>
+            <a:ext cx="4470179" cy="6858000"/>
+          </a:xfrm>
+          <a:prstGeom prst="rect">
+            <a:avLst/>
+          </a:prstGeom>
+        </p:spPr>
+      </p:pic>
     </p:spTree>
     <p:extLst>
       <p:ext uri="{BB962C8B-B14F-4D97-AF65-F5344CB8AC3E}">
-        <p14:creationId xmlns:p14="http://schemas.microsoft.com/office/powerpoint/2010/main" val="4196182800"/>
+        <p14:creationId xmlns:p14="http://schemas.microsoft.com/office/powerpoint/2010/main" val="135588775"/>
       </p:ext>
     </p:extLst>
   </p:cSld>
@@ -7319,8 +6984,8 @@
         </p:nvSpPr>
         <p:spPr>
           <a:xfrm>
-            <a:off x="-210038" y="398307"/>
-            <a:ext cx="11078244" cy="666786"/>
+            <a:off x="5273733" y="1341415"/>
+            <a:ext cx="6195235" cy="1241237"/>
           </a:xfrm>
           <a:prstGeom prst="rect">
             <a:avLst/>
@@ -7339,18 +7004,33 @@
                 <a:solidFill>
                   <a:srgbClr val="FF6C00"/>
                 </a:solidFill>
-              </a:rPr>
-              <a:t>Modelado MER (Modelo Entidad Relación)</a:t>
+                <a:latin typeface="Calibri" panose="020F0502020204030204" pitchFamily="34" charset="0"/>
+                <a:cs typeface="Calibri" panose="020F0502020204030204" pitchFamily="34" charset="0"/>
+              </a:rPr>
+              <a:t>Diagrama de actividades</a:t>
+            </a:r>
+          </a:p>
+          <a:p>
+            <a:pPr algn="ctr"/>
+            <a:r>
+              <a:rPr lang="es-ES" sz="3733" b="1" dirty="0">
+                <a:solidFill>
+                  <a:srgbClr val="FF6C00"/>
+                </a:solidFill>
+                <a:latin typeface="Calibri" panose="020F0502020204030204" pitchFamily="34" charset="0"/>
+                <a:cs typeface="Calibri" panose="020F0502020204030204" pitchFamily="34" charset="0"/>
+              </a:rPr>
+              <a:t>Proveedor</a:t>
             </a:r>
           </a:p>
         </p:txBody>
       </p:sp>
       <p:pic>
         <p:nvPicPr>
-          <p:cNvPr id="4" name="Imagen 3" descr="Diagrama&#10;&#10;Descripción generada automáticamente">
-            <a:extLst>
-              <a:ext uri="{FF2B5EF4-FFF2-40B4-BE49-F238E27FC236}">
-                <a16:creationId xmlns:a16="http://schemas.microsoft.com/office/drawing/2014/main" id="{98C1205F-7A38-15B7-BFD3-B9C1C09AB42E}"/>
+          <p:cNvPr id="3" name="Imagen 2">
+            <a:extLst>
+              <a:ext uri="{FF2B5EF4-FFF2-40B4-BE49-F238E27FC236}">
+                <a16:creationId xmlns:a16="http://schemas.microsoft.com/office/drawing/2014/main" id="{24444655-04B2-52F9-17D5-314473958294}"/>
               </a:ext>
             </a:extLst>
           </p:cNvPr>
@@ -7367,8 +7047,8 @@
         </p:blipFill>
         <p:spPr>
           <a:xfrm>
-            <a:off x="898946" y="1049105"/>
-            <a:ext cx="10394107" cy="5808895"/>
+            <a:off x="723033" y="0"/>
+            <a:ext cx="4443263" cy="6858000"/>
           </a:xfrm>
           <a:prstGeom prst="rect">
             <a:avLst/>
@@ -7378,7 +7058,7 @@
     </p:spTree>
     <p:extLst>
       <p:ext uri="{BB962C8B-B14F-4D97-AF65-F5344CB8AC3E}">
-        <p14:creationId xmlns:p14="http://schemas.microsoft.com/office/powerpoint/2010/main" val="279892807"/>
+        <p14:creationId xmlns:p14="http://schemas.microsoft.com/office/powerpoint/2010/main" val="3960931863"/>
       </p:ext>
     </p:extLst>
   </p:cSld>
@@ -7405,12 +7085,67 @@
           <a:chExt cx="0" cy="0"/>
         </a:xfrm>
       </p:grpSpPr>
+      <p:sp>
+        <p:nvSpPr>
+          <p:cNvPr id="5" name="CuadroTexto 4">
+            <a:extLst>
+              <a:ext uri="{FF2B5EF4-FFF2-40B4-BE49-F238E27FC236}">
+                <a16:creationId xmlns:a16="http://schemas.microsoft.com/office/drawing/2014/main" id="{1BE7FA7E-C3EC-4186-AFBD-5BB81C7A131D}"/>
+              </a:ext>
+            </a:extLst>
+          </p:cNvPr>
+          <p:cNvSpPr txBox="1"/>
+          <p:nvPr/>
+        </p:nvSpPr>
+        <p:spPr>
+          <a:xfrm>
+            <a:off x="6507109" y="1610773"/>
+            <a:ext cx="6195235" cy="1241237"/>
+          </a:xfrm>
+          <a:prstGeom prst="rect">
+            <a:avLst/>
+          </a:prstGeom>
+          <a:noFill/>
+        </p:spPr>
+        <p:txBody>
+          <a:bodyPr wrap="square" rtlCol="0">
+            <a:spAutoFit/>
+          </a:bodyPr>
+          <a:lstStyle/>
+          <a:p>
+            <a:pPr algn="ctr"/>
+            <a:r>
+              <a:rPr lang="es-ES" sz="3733" b="1" dirty="0">
+                <a:solidFill>
+                  <a:srgbClr val="FF6C00"/>
+                </a:solidFill>
+                <a:latin typeface="Calibri" panose="020F0502020204030204" pitchFamily="34" charset="0"/>
+                <a:cs typeface="Calibri" panose="020F0502020204030204" pitchFamily="34" charset="0"/>
+              </a:rPr>
+              <a:t>Diagrama de actividades</a:t>
+            </a:r>
+          </a:p>
+          <a:p>
+            <a:pPr algn="ctr"/>
+            <a:r>
+              <a:rPr lang="es-ES" sz="3733" b="1" dirty="0">
+                <a:solidFill>
+                  <a:srgbClr val="FF6C00"/>
+                </a:solidFill>
+                <a:latin typeface="Calibri" panose="020F0502020204030204" pitchFamily="34" charset="0"/>
+                <a:cs typeface="Calibri" panose="020F0502020204030204" pitchFamily="34" charset="0"/>
+              </a:rPr>
+              <a:t>Administrador</a:t>
+            </a:r>
+          </a:p>
+        </p:txBody>
+      </p:sp>
       <p:pic>
         <p:nvPicPr>
           <p:cNvPr id="3" name="Imagen 2">
             <a:extLst>
               <a:ext uri="{FF2B5EF4-FFF2-40B4-BE49-F238E27FC236}">
-                <a16:creationId xmlns:a16="http://schemas.microsoft.com/office/drawing/2014/main" id="{8A242E3A-5E54-4A9C-67E2-B7DF0AE417A5}"/>
+                <a16:creationId xmlns:a16="http://schemas.microsoft.com/office/drawing/2014/main" id="{3A326373-7FA2-40EF-60A1-93DBE9010477}"/>
               </a:ext>
             </a:extLst>
           </p:cNvPr>
@@ -7427,69 +7162,18 @@
         </p:blipFill>
         <p:spPr>
           <a:xfrm>
-            <a:off x="0" y="-1"/>
-            <a:ext cx="10691446" cy="6868571"/>
+            <a:off x="0" y="-9140"/>
+            <a:ext cx="7109952" cy="6858000"/>
           </a:xfrm>
           <a:prstGeom prst="rect">
             <a:avLst/>
           </a:prstGeom>
         </p:spPr>
       </p:pic>
-      <p:sp>
-        <p:nvSpPr>
-          <p:cNvPr id="5" name="CuadroTexto 4">
-            <a:extLst>
-              <a:ext uri="{FF2B5EF4-FFF2-40B4-BE49-F238E27FC236}">
-                <a16:creationId xmlns:a16="http://schemas.microsoft.com/office/drawing/2014/main" id="{1BE7FA7E-C3EC-4186-AFBD-5BB81C7A131D}"/>
-              </a:ext>
-            </a:extLst>
-          </p:cNvPr>
-          <p:cNvSpPr txBox="1"/>
-          <p:nvPr/>
-        </p:nvSpPr>
-        <p:spPr>
-          <a:xfrm>
-            <a:off x="6096000" y="5067059"/>
-            <a:ext cx="5868571" cy="1241237"/>
-          </a:xfrm>
-          <a:prstGeom prst="rect">
-            <a:avLst/>
-          </a:prstGeom>
-          <a:noFill/>
-        </p:spPr>
-        <p:txBody>
-          <a:bodyPr wrap="square" rtlCol="0">
-            <a:spAutoFit/>
-          </a:bodyPr>
-          <a:lstStyle/>
-          <a:p>
-            <a:pPr algn="ctr"/>
-            <a:r>
-              <a:rPr lang="es-ES" sz="3733" b="1" dirty="0">
-                <a:solidFill>
-                  <a:srgbClr val="FF6C00"/>
-                </a:solidFill>
-              </a:rPr>
-              <a:t>Modelado MR </a:t>
-            </a:r>
-          </a:p>
-          <a:p>
-            <a:pPr algn="ctr"/>
-            <a:r>
-              <a:rPr lang="es-ES" sz="3733" b="1" dirty="0">
-                <a:solidFill>
-                  <a:srgbClr val="FF6C00"/>
-                </a:solidFill>
-              </a:rPr>
-              <a:t>(Modelo Relacional)</a:t>
-            </a:r>
-          </a:p>
-        </p:txBody>
-      </p:sp>
     </p:spTree>
     <p:extLst>
       <p:ext uri="{BB962C8B-B14F-4D97-AF65-F5344CB8AC3E}">
-        <p14:creationId xmlns:p14="http://schemas.microsoft.com/office/powerpoint/2010/main" val="1980260065"/>
+        <p14:creationId xmlns:p14="http://schemas.microsoft.com/office/powerpoint/2010/main" val="3212968141"/>
       </p:ext>
     </p:extLst>
   </p:cSld>
@@ -7530,8 +7214,8 @@
         </p:nvSpPr>
         <p:spPr>
           <a:xfrm>
-            <a:off x="2998383" y="421131"/>
-            <a:ext cx="6195235" cy="666786"/>
+            <a:off x="3548385" y="139758"/>
+            <a:ext cx="5095229" cy="666786"/>
           </a:xfrm>
           <a:prstGeom prst="rect">
             <a:avLst/>
@@ -7550,29 +7234,18 @@
                 <a:solidFill>
                   <a:srgbClr val="FF6C00"/>
                 </a:solidFill>
-              </a:rPr>
-              <a:t>Diseño del </a:t>
-            </a:r>
-            <a:r>
-              <a:rPr lang="es-ES" sz="3733" b="1" dirty="0" err="1">
-                <a:solidFill>
-                  <a:srgbClr val="FF6C00"/>
-                </a:solidFill>
-              </a:rPr>
-              <a:t>index</a:t>
-            </a:r>
-            <a:endParaRPr lang="es-ES" sz="3733" b="1" dirty="0">
-              <a:solidFill>
-                <a:srgbClr val="FF6C00"/>
-              </a:solidFill>
-            </a:endParaRPr>
+                <a:latin typeface="Calibri" panose="020F0502020204030204" pitchFamily="34" charset="0"/>
+                <a:cs typeface="Calibri" panose="020F0502020204030204" pitchFamily="34" charset="0"/>
+              </a:rPr>
+              <a:t>Diagrama de clases</a:t>
+            </a:r>
           </a:p>
         </p:txBody>
       </p:sp>
     </p:spTree>
     <p:extLst>
       <p:ext uri="{BB962C8B-B14F-4D97-AF65-F5344CB8AC3E}">
-        <p14:creationId xmlns:p14="http://schemas.microsoft.com/office/powerpoint/2010/main" val="3430940337"/>
+        <p14:creationId xmlns:p14="http://schemas.microsoft.com/office/powerpoint/2010/main" val="408438049"/>
       </p:ext>
     </p:extLst>
   </p:cSld>
@@ -7613,7 +7286,7 @@
         </p:nvSpPr>
         <p:spPr>
           <a:xfrm>
-            <a:off x="2998383" y="421131"/>
+            <a:off x="2998381" y="11793"/>
             <a:ext cx="6195235" cy="666786"/>
           </a:xfrm>
           <a:prstGeom prst="rect">
@@ -7633,16 +7306,820 @@
                 <a:solidFill>
                   <a:srgbClr val="FF6C00"/>
                 </a:solidFill>
-              </a:rPr>
-              <a:t>Script de la base de datos</a:t>
-            </a:r>
-          </a:p>
-        </p:txBody>
-      </p:sp>
+                <a:latin typeface="Calibri" panose="020F0502020204030204" pitchFamily="34" charset="0"/>
+                <a:cs typeface="Calibri" panose="020F0502020204030204" pitchFamily="34" charset="0"/>
+              </a:rPr>
+              <a:t>Mapa de empatía </a:t>
+            </a:r>
+          </a:p>
+        </p:txBody>
+      </p:sp>
+      <p:sp>
+        <p:nvSpPr>
+          <p:cNvPr id="8" name="CuadroTexto 7">
+            <a:extLst>
+              <a:ext uri="{FF2B5EF4-FFF2-40B4-BE49-F238E27FC236}">
+                <a16:creationId xmlns:a16="http://schemas.microsoft.com/office/drawing/2014/main" id="{38EFDFD8-1179-6024-C86B-C405673F365F}"/>
+              </a:ext>
+            </a:extLst>
+          </p:cNvPr>
+          <p:cNvSpPr txBox="1"/>
+          <p:nvPr/>
+        </p:nvSpPr>
+        <p:spPr>
+          <a:xfrm>
+            <a:off x="8276756" y="2167177"/>
+            <a:ext cx="4024829" cy="1569660"/>
+          </a:xfrm>
+          <a:prstGeom prst="rect">
+            <a:avLst/>
+          </a:prstGeom>
+          <a:noFill/>
+        </p:spPr>
+        <p:txBody>
+          <a:bodyPr wrap="square" rtlCol="0">
+            <a:spAutoFit/>
+          </a:bodyPr>
+          <a:lstStyle/>
+          <a:p>
+            <a:r>
+              <a:rPr lang="es-ES" sz="1600" b="1" dirty="0">
+                <a:latin typeface="+mj-lt"/>
+              </a:rPr>
+              <a:t>¿QUÉ VE?</a:t>
+            </a:r>
+          </a:p>
+          <a:p>
+            <a:r>
+              <a:rPr lang="es-ES" sz="1600" b="1" dirty="0">
+                <a:latin typeface="+mj-lt"/>
+              </a:rPr>
+              <a:t>Cliente: </a:t>
+            </a:r>
+            <a:r>
+              <a:rPr lang="es-ES" sz="1600" dirty="0">
+                <a:latin typeface="+mj-lt"/>
+              </a:rPr>
+              <a:t>- Servicios mal realizados</a:t>
+            </a:r>
+          </a:p>
+          <a:p>
+            <a:r>
+              <a:rPr lang="es-ES" sz="1600" dirty="0">
+                <a:latin typeface="+mj-lt"/>
+              </a:rPr>
+              <a:t>- Robos y perdidas de dinero</a:t>
+            </a:r>
+          </a:p>
+          <a:p>
+            <a:r>
+              <a:rPr lang="es-ES" sz="1600" b="1" dirty="0">
+                <a:latin typeface="+mj-lt"/>
+              </a:rPr>
+              <a:t>Proveedor: </a:t>
+            </a:r>
+            <a:r>
+              <a:rPr lang="es-ES" sz="1600" dirty="0">
+                <a:latin typeface="+mj-lt"/>
+              </a:rPr>
+              <a:t>- Poca publicidad en su emprendimiento</a:t>
+            </a:r>
+          </a:p>
+          <a:p>
+            <a:r>
+              <a:rPr lang="es-ES" sz="1600" dirty="0">
+                <a:latin typeface="+mj-lt"/>
+              </a:rPr>
+              <a:t>- Desconfianza en la contratación</a:t>
+            </a:r>
+          </a:p>
+        </p:txBody>
+      </p:sp>
+      <p:sp>
+        <p:nvSpPr>
+          <p:cNvPr id="13" name="CuadroTexto 12">
+            <a:extLst>
+              <a:ext uri="{FF2B5EF4-FFF2-40B4-BE49-F238E27FC236}">
+                <a16:creationId xmlns:a16="http://schemas.microsoft.com/office/drawing/2014/main" id="{2AB2A075-E71E-C5BA-2D4A-CE49B29A35E6}"/>
+              </a:ext>
+            </a:extLst>
+          </p:cNvPr>
+          <p:cNvSpPr txBox="1"/>
+          <p:nvPr/>
+        </p:nvSpPr>
+        <p:spPr>
+          <a:xfrm>
+            <a:off x="3790693" y="628244"/>
+            <a:ext cx="5402924" cy="1569660"/>
+          </a:xfrm>
+          <a:prstGeom prst="rect">
+            <a:avLst/>
+          </a:prstGeom>
+          <a:noFill/>
+        </p:spPr>
+        <p:txBody>
+          <a:bodyPr wrap="square" rtlCol="0">
+            <a:spAutoFit/>
+          </a:bodyPr>
+          <a:lstStyle/>
+          <a:p>
+            <a:r>
+              <a:rPr lang="es-ES" sz="1600" b="1" dirty="0">
+                <a:latin typeface="+mj-lt"/>
+              </a:rPr>
+              <a:t>¿QUÉ PIENSA Y SIENTE?</a:t>
+            </a:r>
+          </a:p>
+          <a:p>
+            <a:r>
+              <a:rPr lang="es-ES" sz="1600" b="1" dirty="0">
+                <a:latin typeface="+mj-lt"/>
+              </a:rPr>
+              <a:t>Cliente: </a:t>
+            </a:r>
+            <a:r>
+              <a:rPr lang="es-ES" sz="1600" dirty="0">
+                <a:latin typeface="+mj-lt"/>
+              </a:rPr>
+              <a:t>- Desconfianza e inseguridad en el momento de adquirir servicios en línea</a:t>
+            </a:r>
+          </a:p>
+          <a:p>
+            <a:r>
+              <a:rPr lang="es-ES" sz="1600" b="1" dirty="0">
+                <a:latin typeface="+mj-lt"/>
+              </a:rPr>
+              <a:t>Proveedor: </a:t>
+            </a:r>
+            <a:r>
+              <a:rPr lang="es-ES" sz="1600" dirty="0">
+                <a:latin typeface="+mj-lt"/>
+              </a:rPr>
+              <a:t>- Poca cobertura en su emprendimiento</a:t>
+            </a:r>
+          </a:p>
+          <a:p>
+            <a:r>
+              <a:rPr lang="es-ES" sz="1600" dirty="0">
+                <a:latin typeface="+mj-lt"/>
+              </a:rPr>
+              <a:t>- Generar mayores ingresos</a:t>
+            </a:r>
+          </a:p>
+          <a:p>
+            <a:r>
+              <a:rPr lang="es-ES" sz="1600" dirty="0">
+                <a:latin typeface="+mj-lt"/>
+              </a:rPr>
+              <a:t>- Mejorar su calidad de vida</a:t>
+            </a:r>
+          </a:p>
+        </p:txBody>
+      </p:sp>
+      <p:pic>
+        <p:nvPicPr>
+          <p:cNvPr id="15" name="Imagen 14">
+            <a:extLst>
+              <a:ext uri="{FF2B5EF4-FFF2-40B4-BE49-F238E27FC236}">
+                <a16:creationId xmlns:a16="http://schemas.microsoft.com/office/drawing/2014/main" id="{1406FFEF-3BF6-0F2C-F859-3394149D2C43}"/>
+              </a:ext>
+            </a:extLst>
+          </p:cNvPr>
+          <p:cNvPicPr>
+            <a:picLocks noChangeAspect="1"/>
+          </p:cNvPicPr>
+          <p:nvPr/>
+        </p:nvPicPr>
+        <p:blipFill>
+          <a:blip r:embed="rId3"/>
+          <a:stretch>
+            <a:fillRect/>
+          </a:stretch>
+        </p:blipFill>
+        <p:spPr>
+          <a:xfrm>
+            <a:off x="8167171" y="1209229"/>
+            <a:ext cx="607236" cy="607236"/>
+          </a:xfrm>
+          <a:prstGeom prst="rect">
+            <a:avLst/>
+          </a:prstGeom>
+        </p:spPr>
+      </p:pic>
+      <p:pic>
+        <p:nvPicPr>
+          <p:cNvPr id="17" name="Imagen 16">
+            <a:extLst>
+              <a:ext uri="{FF2B5EF4-FFF2-40B4-BE49-F238E27FC236}">
+                <a16:creationId xmlns:a16="http://schemas.microsoft.com/office/drawing/2014/main" id="{DFEE1F78-67F5-E96C-2743-B1AFDA904C61}"/>
+              </a:ext>
+            </a:extLst>
+          </p:cNvPr>
+          <p:cNvPicPr>
+            <a:picLocks noChangeAspect="1"/>
+          </p:cNvPicPr>
+          <p:nvPr/>
+        </p:nvPicPr>
+        <p:blipFill>
+          <a:blip r:embed="rId4"/>
+          <a:stretch>
+            <a:fillRect/>
+          </a:stretch>
+        </p:blipFill>
+        <p:spPr>
+          <a:xfrm>
+            <a:off x="11340910" y="2753291"/>
+            <a:ext cx="675709" cy="675709"/>
+          </a:xfrm>
+          <a:prstGeom prst="rect">
+            <a:avLst/>
+          </a:prstGeom>
+        </p:spPr>
+      </p:pic>
+      <p:sp>
+        <p:nvSpPr>
+          <p:cNvPr id="7" name="CuadroTexto 6">
+            <a:extLst>
+              <a:ext uri="{FF2B5EF4-FFF2-40B4-BE49-F238E27FC236}">
+                <a16:creationId xmlns:a16="http://schemas.microsoft.com/office/drawing/2014/main" id="{ACD346F2-5647-BAA5-39E3-D66DDF78D20A}"/>
+              </a:ext>
+            </a:extLst>
+          </p:cNvPr>
+          <p:cNvSpPr txBox="1"/>
+          <p:nvPr/>
+        </p:nvSpPr>
+        <p:spPr>
+          <a:xfrm>
+            <a:off x="3915246" y="3767616"/>
+            <a:ext cx="4152981" cy="1077218"/>
+          </a:xfrm>
+          <a:prstGeom prst="rect">
+            <a:avLst/>
+          </a:prstGeom>
+          <a:noFill/>
+        </p:spPr>
+        <p:txBody>
+          <a:bodyPr wrap="square" rtlCol="0">
+            <a:spAutoFit/>
+          </a:bodyPr>
+          <a:lstStyle/>
+          <a:p>
+            <a:r>
+              <a:rPr lang="es-ES" sz="1600" b="1" dirty="0">
+                <a:latin typeface="+mj-lt"/>
+              </a:rPr>
+              <a:t>¿QUE ES LO QUE DICE Y HACE?</a:t>
+            </a:r>
+          </a:p>
+          <a:p>
+            <a:r>
+              <a:rPr lang="es-ES" sz="1600" b="1" dirty="0">
+                <a:latin typeface="+mj-lt"/>
+              </a:rPr>
+              <a:t>Cliente: </a:t>
+            </a:r>
+            <a:r>
+              <a:rPr lang="es-ES" sz="1600" dirty="0">
+                <a:latin typeface="+mj-lt"/>
+              </a:rPr>
+              <a:t>- Busca opiniones en su comunidad</a:t>
+            </a:r>
+          </a:p>
+          <a:p>
+            <a:r>
+              <a:rPr lang="es-ES" sz="1600" b="1" dirty="0">
+                <a:latin typeface="+mj-lt"/>
+              </a:rPr>
+              <a:t>Proveedor: </a:t>
+            </a:r>
+            <a:r>
+              <a:rPr lang="es-ES" sz="1600" dirty="0">
+                <a:latin typeface="+mj-lt"/>
+              </a:rPr>
+              <a:t>- Presta servicios de buena calidad acordé a sus conocimientos</a:t>
+            </a:r>
+          </a:p>
+        </p:txBody>
+      </p:sp>
+      <p:pic>
+        <p:nvPicPr>
+          <p:cNvPr id="9" name="Imagen 8">
+            <a:extLst>
+              <a:ext uri="{FF2B5EF4-FFF2-40B4-BE49-F238E27FC236}">
+                <a16:creationId xmlns:a16="http://schemas.microsoft.com/office/drawing/2014/main" id="{32A66AC8-AC60-027E-56CD-720039D61A2D}"/>
+              </a:ext>
+            </a:extLst>
+          </p:cNvPr>
+          <p:cNvPicPr>
+            <a:picLocks noChangeAspect="1"/>
+          </p:cNvPicPr>
+          <p:nvPr/>
+        </p:nvPicPr>
+        <p:blipFill>
+          <a:blip r:embed="rId5"/>
+          <a:stretch>
+            <a:fillRect/>
+          </a:stretch>
+        </p:blipFill>
+        <p:spPr>
+          <a:xfrm>
+            <a:off x="8013144" y="4074979"/>
+            <a:ext cx="493269" cy="493269"/>
+          </a:xfrm>
+          <a:prstGeom prst="rect">
+            <a:avLst/>
+          </a:prstGeom>
+        </p:spPr>
+      </p:pic>
+      <p:sp>
+        <p:nvSpPr>
+          <p:cNvPr id="10" name="CuadroTexto 9">
+            <a:extLst>
+              <a:ext uri="{FF2B5EF4-FFF2-40B4-BE49-F238E27FC236}">
+                <a16:creationId xmlns:a16="http://schemas.microsoft.com/office/drawing/2014/main" id="{895EC70C-EC0C-E100-6F6F-28E95B433653}"/>
+              </a:ext>
+            </a:extLst>
+          </p:cNvPr>
+          <p:cNvSpPr txBox="1"/>
+          <p:nvPr/>
+        </p:nvSpPr>
+        <p:spPr>
+          <a:xfrm>
+            <a:off x="232214" y="2283572"/>
+            <a:ext cx="3245036" cy="1323439"/>
+          </a:xfrm>
+          <a:prstGeom prst="rect">
+            <a:avLst/>
+          </a:prstGeom>
+          <a:noFill/>
+        </p:spPr>
+        <p:txBody>
+          <a:bodyPr wrap="square" rtlCol="0">
+            <a:spAutoFit/>
+          </a:bodyPr>
+          <a:lstStyle/>
+          <a:p>
+            <a:r>
+              <a:rPr lang="es-ES" sz="1600" b="1" dirty="0">
+                <a:latin typeface="+mj-lt"/>
+              </a:rPr>
+              <a:t>¿QUE ES LO QUE OYE?</a:t>
+            </a:r>
+          </a:p>
+          <a:p>
+            <a:r>
+              <a:rPr lang="es-ES" sz="1600" b="1" dirty="0">
+                <a:latin typeface="+mj-lt"/>
+              </a:rPr>
+              <a:t>Cliente: </a:t>
+            </a:r>
+            <a:r>
+              <a:rPr lang="es-ES" sz="1600" dirty="0">
+                <a:latin typeface="+mj-lt"/>
+              </a:rPr>
+              <a:t>- Realización de servicios de baja calidad</a:t>
+            </a:r>
+          </a:p>
+          <a:p>
+            <a:r>
+              <a:rPr lang="es-ES" sz="1600" b="1" dirty="0">
+                <a:latin typeface="+mj-lt"/>
+              </a:rPr>
+              <a:t>Proveedor: </a:t>
+            </a:r>
+            <a:r>
+              <a:rPr lang="es-ES" sz="1600" dirty="0">
+                <a:latin typeface="+mj-lt"/>
+              </a:rPr>
+              <a:t>- Oportunidades escasas </a:t>
+            </a:r>
+          </a:p>
+          <a:p>
+            <a:r>
+              <a:rPr lang="es-ES" sz="1600" dirty="0">
+                <a:latin typeface="+mj-lt"/>
+              </a:rPr>
+              <a:t>-Falta de apoyo</a:t>
+            </a:r>
+          </a:p>
+        </p:txBody>
+      </p:sp>
+      <p:pic>
+        <p:nvPicPr>
+          <p:cNvPr id="11" name="Imagen 10">
+            <a:extLst>
+              <a:ext uri="{FF2B5EF4-FFF2-40B4-BE49-F238E27FC236}">
+                <a16:creationId xmlns:a16="http://schemas.microsoft.com/office/drawing/2014/main" id="{9F682A5E-D7ED-6087-D88A-4407AFCB5364}"/>
+              </a:ext>
+            </a:extLst>
+          </p:cNvPr>
+          <p:cNvPicPr>
+            <a:picLocks noChangeAspect="1"/>
+          </p:cNvPicPr>
+          <p:nvPr/>
+        </p:nvPicPr>
+        <p:blipFill>
+          <a:blip r:embed="rId6"/>
+          <a:stretch>
+            <a:fillRect/>
+          </a:stretch>
+        </p:blipFill>
+        <p:spPr>
+          <a:xfrm>
+            <a:off x="3685779" y="2513834"/>
+            <a:ext cx="675711" cy="675711"/>
+          </a:xfrm>
+          <a:prstGeom prst="rect">
+            <a:avLst/>
+          </a:prstGeom>
+        </p:spPr>
+      </p:pic>
+      <p:cxnSp>
+        <p:nvCxnSpPr>
+          <p:cNvPr id="3" name="Conector recto 2">
+            <a:extLst>
+              <a:ext uri="{FF2B5EF4-FFF2-40B4-BE49-F238E27FC236}">
+                <a16:creationId xmlns:a16="http://schemas.microsoft.com/office/drawing/2014/main" id="{E1A5093F-4A92-EC09-2310-355323C2AC97}"/>
+              </a:ext>
+            </a:extLst>
+          </p:cNvPr>
+          <p:cNvCxnSpPr>
+            <a:cxnSpLocks/>
+          </p:cNvCxnSpPr>
+          <p:nvPr/>
+        </p:nvCxnSpPr>
+        <p:spPr>
+          <a:xfrm>
+            <a:off x="44069" y="782885"/>
+            <a:ext cx="12147932" cy="4270184"/>
+          </a:xfrm>
+          <a:prstGeom prst="line">
+            <a:avLst/>
+          </a:prstGeom>
+        </p:spPr>
+        <p:style>
+          <a:lnRef idx="1">
+            <a:schemeClr val="dk1"/>
+          </a:lnRef>
+          <a:fillRef idx="0">
+            <a:schemeClr val="dk1"/>
+          </a:fillRef>
+          <a:effectRef idx="0">
+            <a:schemeClr val="dk1"/>
+          </a:effectRef>
+          <a:fontRef idx="minor">
+            <a:schemeClr val="tx1"/>
+          </a:fontRef>
+        </p:style>
+      </p:cxnSp>
+      <p:cxnSp>
+        <p:nvCxnSpPr>
+          <p:cNvPr id="14" name="Conector recto 13">
+            <a:extLst>
+              <a:ext uri="{FF2B5EF4-FFF2-40B4-BE49-F238E27FC236}">
+                <a16:creationId xmlns:a16="http://schemas.microsoft.com/office/drawing/2014/main" id="{8B73BF79-FB72-C8F9-DEFA-78ECC4197BBB}"/>
+              </a:ext>
+            </a:extLst>
+          </p:cNvPr>
+          <p:cNvCxnSpPr>
+            <a:cxnSpLocks/>
+          </p:cNvCxnSpPr>
+          <p:nvPr/>
+        </p:nvCxnSpPr>
+        <p:spPr>
+          <a:xfrm flipH="1">
+            <a:off x="-45595" y="782885"/>
+            <a:ext cx="12237595" cy="4270184"/>
+          </a:xfrm>
+          <a:prstGeom prst="line">
+            <a:avLst/>
+          </a:prstGeom>
+        </p:spPr>
+        <p:style>
+          <a:lnRef idx="1">
+            <a:schemeClr val="dk1"/>
+          </a:lnRef>
+          <a:fillRef idx="0">
+            <a:schemeClr val="dk1"/>
+          </a:fillRef>
+          <a:effectRef idx="0">
+            <a:schemeClr val="dk1"/>
+          </a:effectRef>
+          <a:fontRef idx="minor">
+            <a:schemeClr val="tx1"/>
+          </a:fontRef>
+        </p:style>
+      </p:cxnSp>
+      <p:cxnSp>
+        <p:nvCxnSpPr>
+          <p:cNvPr id="36" name="Conector recto 35">
+            <a:extLst>
+              <a:ext uri="{FF2B5EF4-FFF2-40B4-BE49-F238E27FC236}">
+                <a16:creationId xmlns:a16="http://schemas.microsoft.com/office/drawing/2014/main" id="{5A048461-5561-3ABE-ECEF-C0F2C6896E59}"/>
+              </a:ext>
+            </a:extLst>
+          </p:cNvPr>
+          <p:cNvCxnSpPr>
+            <a:cxnSpLocks/>
+          </p:cNvCxnSpPr>
+          <p:nvPr/>
+        </p:nvCxnSpPr>
+        <p:spPr>
+          <a:xfrm flipV="1">
+            <a:off x="44068" y="5082467"/>
+            <a:ext cx="12139707" cy="14671"/>
+          </a:xfrm>
+          <a:prstGeom prst="line">
+            <a:avLst/>
+          </a:prstGeom>
+        </p:spPr>
+        <p:style>
+          <a:lnRef idx="1">
+            <a:schemeClr val="dk1"/>
+          </a:lnRef>
+          <a:fillRef idx="0">
+            <a:schemeClr val="dk1"/>
+          </a:fillRef>
+          <a:effectRef idx="0">
+            <a:schemeClr val="dk1"/>
+          </a:effectRef>
+          <a:fontRef idx="minor">
+            <a:schemeClr val="tx1"/>
+          </a:fontRef>
+        </p:style>
+      </p:cxnSp>
+      <p:sp>
+        <p:nvSpPr>
+          <p:cNvPr id="44" name="CuadroTexto 43">
+            <a:extLst>
+              <a:ext uri="{FF2B5EF4-FFF2-40B4-BE49-F238E27FC236}">
+                <a16:creationId xmlns:a16="http://schemas.microsoft.com/office/drawing/2014/main" id="{C43C6928-0F5E-B932-CA55-0AEE5E2C42A8}"/>
+              </a:ext>
+            </a:extLst>
+          </p:cNvPr>
+          <p:cNvSpPr txBox="1"/>
+          <p:nvPr/>
+        </p:nvSpPr>
+        <p:spPr>
+          <a:xfrm>
+            <a:off x="6073203" y="5185620"/>
+            <a:ext cx="5577949" cy="1569660"/>
+          </a:xfrm>
+          <a:prstGeom prst="rect">
+            <a:avLst/>
+          </a:prstGeom>
+          <a:noFill/>
+        </p:spPr>
+        <p:txBody>
+          <a:bodyPr wrap="square" rtlCol="0">
+            <a:spAutoFit/>
+          </a:bodyPr>
+          <a:lstStyle/>
+          <a:p>
+            <a:r>
+              <a:rPr lang="es-ES" sz="1600" b="1" dirty="0">
+                <a:latin typeface="+mj-lt"/>
+              </a:rPr>
+              <a:t>RESULTADOS</a:t>
+            </a:r>
+          </a:p>
+          <a:p>
+            <a:r>
+              <a:rPr lang="es-ES" sz="1600" b="1" dirty="0">
+                <a:latin typeface="+mj-lt"/>
+              </a:rPr>
+              <a:t>Cliente: </a:t>
+            </a:r>
+            <a:r>
+              <a:rPr lang="es-ES" sz="1600" dirty="0">
+                <a:latin typeface="+mj-lt"/>
+              </a:rPr>
+              <a:t>- Servicios adquiridos de excelente calidad</a:t>
+            </a:r>
+          </a:p>
+          <a:p>
+            <a:r>
+              <a:rPr lang="es-ES" sz="1600" b="1" dirty="0">
+                <a:latin typeface="+mj-lt"/>
+              </a:rPr>
+              <a:t>Proveedor: </a:t>
+            </a:r>
+            <a:r>
+              <a:rPr lang="es-ES" sz="1600" dirty="0">
+                <a:latin typeface="+mj-lt"/>
+              </a:rPr>
+              <a:t>- Emprendimiento a gran escala</a:t>
+            </a:r>
+          </a:p>
+          <a:p>
+            <a:r>
+              <a:rPr lang="es-ES" sz="1600" dirty="0">
+                <a:latin typeface="+mj-lt"/>
+              </a:rPr>
+              <a:t>- Superación personal </a:t>
+            </a:r>
+          </a:p>
+          <a:p>
+            <a:r>
+              <a:rPr lang="es-ES" sz="1600" dirty="0">
+                <a:latin typeface="+mj-lt"/>
+              </a:rPr>
+              <a:t>- Más recomendaciones de sus clientes</a:t>
+            </a:r>
+          </a:p>
+          <a:p>
+            <a:r>
+              <a:rPr lang="es-ES" sz="1600" dirty="0">
+                <a:latin typeface="+mj-lt"/>
+              </a:rPr>
+              <a:t>- Éxito en la prestación de servicios</a:t>
+            </a:r>
+          </a:p>
+        </p:txBody>
+      </p:sp>
+      <p:pic>
+        <p:nvPicPr>
+          <p:cNvPr id="47" name="Imagen 46">
+            <a:extLst>
+              <a:ext uri="{FF2B5EF4-FFF2-40B4-BE49-F238E27FC236}">
+                <a16:creationId xmlns:a16="http://schemas.microsoft.com/office/drawing/2014/main" id="{4859D8F0-D5A4-AD92-367C-61E7CC5F4D56}"/>
+              </a:ext>
+            </a:extLst>
+          </p:cNvPr>
+          <p:cNvPicPr>
+            <a:picLocks noChangeAspect="1"/>
+          </p:cNvPicPr>
+          <p:nvPr/>
+        </p:nvPicPr>
+        <p:blipFill>
+          <a:blip r:embed="rId7"/>
+          <a:stretch>
+            <a:fillRect/>
+          </a:stretch>
+        </p:blipFill>
+        <p:spPr>
+          <a:xfrm>
+            <a:off x="11475417" y="5764846"/>
+            <a:ext cx="672516" cy="672516"/>
+          </a:xfrm>
+          <a:prstGeom prst="rect">
+            <a:avLst/>
+          </a:prstGeom>
+        </p:spPr>
+      </p:pic>
+      <p:cxnSp>
+        <p:nvCxnSpPr>
+          <p:cNvPr id="49" name="Conector recto 48">
+            <a:extLst>
+              <a:ext uri="{FF2B5EF4-FFF2-40B4-BE49-F238E27FC236}">
+                <a16:creationId xmlns:a16="http://schemas.microsoft.com/office/drawing/2014/main" id="{8F56039C-1692-4FEA-E302-615D52FD5E24}"/>
+              </a:ext>
+            </a:extLst>
+          </p:cNvPr>
+          <p:cNvCxnSpPr>
+            <a:cxnSpLocks/>
+          </p:cNvCxnSpPr>
+          <p:nvPr/>
+        </p:nvCxnSpPr>
+        <p:spPr>
+          <a:xfrm>
+            <a:off x="5915943" y="5126535"/>
+            <a:ext cx="1893" cy="1718612"/>
+          </a:xfrm>
+          <a:prstGeom prst="line">
+            <a:avLst/>
+          </a:prstGeom>
+        </p:spPr>
+        <p:style>
+          <a:lnRef idx="1">
+            <a:schemeClr val="dk1"/>
+          </a:lnRef>
+          <a:fillRef idx="0">
+            <a:schemeClr val="dk1"/>
+          </a:fillRef>
+          <a:effectRef idx="0">
+            <a:schemeClr val="dk1"/>
+          </a:effectRef>
+          <a:fontRef idx="minor">
+            <a:schemeClr val="tx1"/>
+          </a:fontRef>
+        </p:style>
+      </p:cxnSp>
+      <p:sp>
+        <p:nvSpPr>
+          <p:cNvPr id="52" name="CuadroTexto 51">
+            <a:extLst>
+              <a:ext uri="{FF2B5EF4-FFF2-40B4-BE49-F238E27FC236}">
+                <a16:creationId xmlns:a16="http://schemas.microsoft.com/office/drawing/2014/main" id="{82FD7941-C039-8395-2138-C1E7ABB86D71}"/>
+              </a:ext>
+            </a:extLst>
+          </p:cNvPr>
+          <p:cNvSpPr txBox="1"/>
+          <p:nvPr/>
+        </p:nvSpPr>
+        <p:spPr>
+          <a:xfrm>
+            <a:off x="44068" y="5300749"/>
+            <a:ext cx="4906179" cy="1323439"/>
+          </a:xfrm>
+          <a:prstGeom prst="rect">
+            <a:avLst/>
+          </a:prstGeom>
+          <a:noFill/>
+        </p:spPr>
+        <p:txBody>
+          <a:bodyPr wrap="square" rtlCol="0">
+            <a:spAutoFit/>
+          </a:bodyPr>
+          <a:lstStyle/>
+          <a:p>
+            <a:r>
+              <a:rPr lang="es-ES" sz="1600" b="1" dirty="0">
+                <a:latin typeface="+mj-lt"/>
+              </a:rPr>
+              <a:t>ESFUERZOS</a:t>
+            </a:r>
+          </a:p>
+          <a:p>
+            <a:r>
+              <a:rPr lang="es-ES" sz="1600" b="1" dirty="0">
+                <a:latin typeface="+mj-lt"/>
+              </a:rPr>
+              <a:t>Cliente: </a:t>
+            </a:r>
+            <a:r>
+              <a:rPr lang="es-ES" sz="1600" dirty="0">
+                <a:latin typeface="+mj-lt"/>
+              </a:rPr>
+              <a:t>- No hay soluciones a sus necesidades</a:t>
+            </a:r>
+          </a:p>
+          <a:p>
+            <a:r>
+              <a:rPr lang="es-ES" sz="1600" b="1" dirty="0">
+                <a:latin typeface="+mj-lt"/>
+              </a:rPr>
+              <a:t>Proveedor: </a:t>
+            </a:r>
+            <a:r>
+              <a:rPr lang="es-ES" sz="1600" dirty="0">
+                <a:latin typeface="+mj-lt"/>
+              </a:rPr>
+              <a:t>- No alcanzar sus metas propuestas</a:t>
+            </a:r>
+          </a:p>
+          <a:p>
+            <a:r>
+              <a:rPr lang="es-ES" sz="1600" dirty="0">
+                <a:latin typeface="+mj-lt"/>
+              </a:rPr>
+              <a:t>- Dificultad para darse a conocer</a:t>
+            </a:r>
+          </a:p>
+          <a:p>
+            <a:r>
+              <a:rPr lang="es-ES" sz="1600" dirty="0">
+                <a:latin typeface="+mj-lt"/>
+              </a:rPr>
+              <a:t>- Miedo al fracaso</a:t>
+            </a:r>
+          </a:p>
+        </p:txBody>
+      </p:sp>
+      <p:pic>
+        <p:nvPicPr>
+          <p:cNvPr id="53" name="Imagen 52">
+            <a:extLst>
+              <a:ext uri="{FF2B5EF4-FFF2-40B4-BE49-F238E27FC236}">
+                <a16:creationId xmlns:a16="http://schemas.microsoft.com/office/drawing/2014/main" id="{09DC1441-E76F-7767-EFCB-062CF21A205B}"/>
+              </a:ext>
+            </a:extLst>
+          </p:cNvPr>
+          <p:cNvPicPr>
+            <a:picLocks noChangeAspect="1"/>
+          </p:cNvPicPr>
+          <p:nvPr/>
+        </p:nvPicPr>
+        <p:blipFill>
+          <a:blip r:embed="rId8"/>
+          <a:stretch>
+            <a:fillRect/>
+          </a:stretch>
+        </p:blipFill>
+        <p:spPr>
+          <a:xfrm>
+            <a:off x="4546508" y="5718955"/>
+            <a:ext cx="807477" cy="807477"/>
+          </a:xfrm>
+          <a:prstGeom prst="rect">
+            <a:avLst/>
+          </a:prstGeom>
+        </p:spPr>
+      </p:pic>
     </p:spTree>
     <p:extLst>
       <p:ext uri="{BB962C8B-B14F-4D97-AF65-F5344CB8AC3E}">
-        <p14:creationId xmlns:p14="http://schemas.microsoft.com/office/powerpoint/2010/main" val="3458874268"/>
+        <p14:creationId xmlns:p14="http://schemas.microsoft.com/office/powerpoint/2010/main" val="3622025240"/>
       </p:ext>
     </p:extLst>
   </p:cSld>
@@ -7671,14 +8148,20 @@
       </p:grpSpPr>
       <p:sp>
         <p:nvSpPr>
-          <p:cNvPr id="2" name="CuadroTexto 1"/>
+          <p:cNvPr id="5" name="CuadroTexto 4">
+            <a:extLst>
+              <a:ext uri="{FF2B5EF4-FFF2-40B4-BE49-F238E27FC236}">
+                <a16:creationId xmlns:a16="http://schemas.microsoft.com/office/drawing/2014/main" id="{1BE7FA7E-C3EC-4186-AFBD-5BB81C7A131D}"/>
+              </a:ext>
+            </a:extLst>
+          </p:cNvPr>
           <p:cNvSpPr txBox="1"/>
           <p:nvPr/>
         </p:nvSpPr>
         <p:spPr>
           <a:xfrm>
-            <a:off x="510491" y="332660"/>
-            <a:ext cx="4408840" cy="830997"/>
+            <a:off x="3012560" y="421131"/>
+            <a:ext cx="6195235" cy="666786"/>
           </a:xfrm>
           <a:prstGeom prst="rect">
             <a:avLst/>
@@ -7691,121 +8174,52 @@
           </a:bodyPr>
           <a:lstStyle/>
           <a:p>
-            <a:r>
-              <a:rPr lang="es-ES" sz="4800" b="1" dirty="0">
+            <a:pPr algn="ctr"/>
+            <a:r>
+              <a:rPr lang="es-ES" sz="3733" b="1" dirty="0">
                 <a:solidFill>
-                  <a:schemeClr val="bg1"/>
+                  <a:srgbClr val="FF6C00"/>
                 </a:solidFill>
               </a:rPr>
-              <a:t>Conclusiones </a:t>
-            </a:r>
-          </a:p>
-        </p:txBody>
-      </p:sp>
-      <p:sp>
-        <p:nvSpPr>
-          <p:cNvPr id="8" name="CuadroTexto 7">
-            <a:extLst>
-              <a:ext uri="{FF2B5EF4-FFF2-40B4-BE49-F238E27FC236}">
-                <a16:creationId xmlns:a16="http://schemas.microsoft.com/office/drawing/2014/main" id="{F8C7B26D-E9A2-4838-8972-83BB0387A627}"/>
-              </a:ext>
-            </a:extLst>
-          </p:cNvPr>
-          <p:cNvSpPr txBox="1"/>
+              <a:t>Diccionario de datos</a:t>
+            </a:r>
+          </a:p>
+        </p:txBody>
+      </p:sp>
+      <p:pic>
+        <p:nvPicPr>
+          <p:cNvPr id="3" name="Imagen 2">
+            <a:extLst>
+              <a:ext uri="{FF2B5EF4-FFF2-40B4-BE49-F238E27FC236}">
+                <a16:creationId xmlns:a16="http://schemas.microsoft.com/office/drawing/2014/main" id="{2B0C40B6-23B4-A3D9-ED88-980FC2ED8EE0}"/>
+              </a:ext>
+            </a:extLst>
+          </p:cNvPr>
+          <p:cNvPicPr>
+            <a:picLocks noChangeAspect="1"/>
+          </p:cNvPicPr>
           <p:nvPr/>
-        </p:nvSpPr>
-        <p:spPr>
-          <a:xfrm>
-            <a:off x="184424" y="1821465"/>
-            <a:ext cx="11823152" cy="3416320"/>
+        </p:nvPicPr>
+        <p:blipFill>
+          <a:blip r:embed="rId2"/>
+          <a:stretch>
+            <a:fillRect/>
+          </a:stretch>
+        </p:blipFill>
+        <p:spPr>
+          <a:xfrm>
+            <a:off x="1167539" y="1551940"/>
+            <a:ext cx="10214696" cy="3484083"/>
           </a:xfrm>
           <a:prstGeom prst="rect">
             <a:avLst/>
           </a:prstGeom>
-          <a:noFill/>
-        </p:spPr>
-        <p:txBody>
-          <a:bodyPr wrap="square" rtlCol="0">
-            <a:spAutoFit/>
-          </a:bodyPr>
-          <a:lstStyle/>
-          <a:p>
-            <a:pPr marL="380990" indent="-380990" algn="just" defTabSz="1257621" hangingPunct="0">
-              <a:buFontTx/>
-              <a:buChar char="-"/>
-            </a:pPr>
-            <a:r>
-              <a:rPr lang="es-ES" sz="2400" dirty="0">
-                <a:ea typeface="Helvetica Neue"/>
-                <a:cs typeface="Calibir"/>
-                <a:sym typeface="Helvetica Neue"/>
-              </a:rPr>
-              <a:t>Tras la documentación mostrada, podemos deducir que los objetivos planteados están dirigidos a solucionar la problemática principal de nuestro proyecto, dado que actualmente no se ve resuelta por completo en el mercado, y de allí se derivan oportunidades para </a:t>
-            </a:r>
-            <a:r>
-              <a:rPr lang="es-ES" sz="2400" dirty="0" err="1">
-                <a:ea typeface="Helvetica Neue"/>
-                <a:cs typeface="Calibir"/>
-                <a:sym typeface="Helvetica Neue"/>
-              </a:rPr>
-              <a:t>Service</a:t>
-            </a:r>
-            <a:r>
-              <a:rPr lang="es-ES" sz="2400" dirty="0">
-                <a:ea typeface="Helvetica Neue"/>
-                <a:cs typeface="Calibir"/>
-                <a:sym typeface="Helvetica Neue"/>
-              </a:rPr>
-              <a:t> </a:t>
-            </a:r>
-            <a:r>
-              <a:rPr lang="es-ES" sz="2400" dirty="0" err="1">
-                <a:ea typeface="Helvetica Neue"/>
-                <a:cs typeface="Calibir"/>
-                <a:sym typeface="Helvetica Neue"/>
-              </a:rPr>
-              <a:t>Market</a:t>
-            </a:r>
-            <a:r>
-              <a:rPr lang="es-ES" sz="2400" dirty="0">
-                <a:ea typeface="Helvetica Neue"/>
-                <a:cs typeface="Calibir"/>
-                <a:sym typeface="Helvetica Neue"/>
-              </a:rPr>
-              <a:t>.</a:t>
-            </a:r>
-          </a:p>
-          <a:p>
-            <a:pPr marL="380990" indent="-380990" algn="just" defTabSz="1257621" hangingPunct="0">
-              <a:buFontTx/>
-              <a:buChar char="-"/>
-            </a:pPr>
-            <a:endParaRPr lang="es-ES" sz="2400" dirty="0">
-              <a:ea typeface="Helvetica Neue"/>
-              <a:cs typeface="Calibir"/>
-              <a:sym typeface="Helvetica Neue"/>
-            </a:endParaRPr>
-          </a:p>
-          <a:p>
-            <a:pPr marL="380990" indent="-380990" algn="just" defTabSz="1257621" hangingPunct="0">
-              <a:buFontTx/>
-              <a:buChar char="-"/>
-            </a:pPr>
-            <a:r>
-              <a:rPr lang="es-ES" sz="2400" dirty="0">
-                <a:ea typeface="Helvetica Neue"/>
-                <a:cs typeface="Calibir"/>
-                <a:sym typeface="Helvetica Neue"/>
-              </a:rPr>
-              <a:t>Según los datos expuestos, podemos concluir que nuestra aplicación web va a ser un canal de comunicación para clientes y proveedores que estén dispuestos a dar a conocer sus servicios, generando así mas ganancias, una negociación a una escala mayor y aumentando la credibilidad de aquellos prestadores de servicios que requieran una ayuda.</a:t>
-            </a:r>
-          </a:p>
-        </p:txBody>
-      </p:sp>
+        </p:spPr>
+      </p:pic>
     </p:spTree>
     <p:extLst>
       <p:ext uri="{BB962C8B-B14F-4D97-AF65-F5344CB8AC3E}">
-        <p14:creationId xmlns:p14="http://schemas.microsoft.com/office/powerpoint/2010/main" val="224373756"/>
+        <p14:creationId xmlns:p14="http://schemas.microsoft.com/office/powerpoint/2010/main" val="4196182800"/>
       </p:ext>
     </p:extLst>
   </p:cSld>
@@ -7832,424 +8246,40 @@
           <a:chExt cx="0" cy="0"/>
         </a:xfrm>
       </p:grpSpPr>
-      <p:sp>
-        <p:nvSpPr>
-          <p:cNvPr id="2" name="CuadroTexto 1"/>
-          <p:cNvSpPr txBox="1"/>
+      <p:pic>
+        <p:nvPicPr>
+          <p:cNvPr id="3" name="Imagen 2">
+            <a:extLst>
+              <a:ext uri="{FF2B5EF4-FFF2-40B4-BE49-F238E27FC236}">
+                <a16:creationId xmlns:a16="http://schemas.microsoft.com/office/drawing/2014/main" id="{53732644-2846-915B-A7B1-40E1C5F1D7D9}"/>
+              </a:ext>
+            </a:extLst>
+          </p:cNvPr>
+          <p:cNvPicPr>
+            <a:picLocks noChangeAspect="1"/>
+          </p:cNvPicPr>
           <p:nvPr/>
-        </p:nvSpPr>
-        <p:spPr>
-          <a:xfrm>
-            <a:off x="510489" y="332661"/>
-            <a:ext cx="9469939" cy="830997"/>
+        </p:nvPicPr>
+        <p:blipFill>
+          <a:blip r:embed="rId2"/>
+          <a:stretch>
+            <a:fillRect/>
+          </a:stretch>
+        </p:blipFill>
+        <p:spPr>
+          <a:xfrm>
+            <a:off x="757117" y="1787857"/>
+            <a:ext cx="10472716" cy="2951328"/>
           </a:xfrm>
           <a:prstGeom prst="rect">
             <a:avLst/>
           </a:prstGeom>
-          <a:noFill/>
-        </p:spPr>
-        <p:txBody>
-          <a:bodyPr wrap="square" rtlCol="0">
-            <a:spAutoFit/>
-          </a:bodyPr>
-          <a:lstStyle/>
-          <a:p>
-            <a:r>
-              <a:rPr lang="es-ES" sz="4800" b="1" dirty="0">
-                <a:solidFill>
-                  <a:schemeClr val="bg1"/>
-                </a:solidFill>
-              </a:rPr>
-              <a:t>Referencias bibliográficas</a:t>
-            </a:r>
-          </a:p>
-        </p:txBody>
-      </p:sp>
-      <p:sp>
-        <p:nvSpPr>
-          <p:cNvPr id="8" name="CuadroTexto 7">
-            <a:extLst>
-              <a:ext uri="{FF2B5EF4-FFF2-40B4-BE49-F238E27FC236}">
-                <a16:creationId xmlns:a16="http://schemas.microsoft.com/office/drawing/2014/main" id="{F8C7B26D-E9A2-4838-8972-83BB0387A627}"/>
-              </a:ext>
-            </a:extLst>
-          </p:cNvPr>
-          <p:cNvSpPr txBox="1"/>
-          <p:nvPr/>
-        </p:nvSpPr>
-        <p:spPr>
-          <a:xfrm>
-            <a:off x="184424" y="1806100"/>
-            <a:ext cx="11823152" cy="5015797"/>
-          </a:xfrm>
-          <a:prstGeom prst="rect">
-            <a:avLst/>
-          </a:prstGeom>
-          <a:noFill/>
-        </p:spPr>
-        <p:txBody>
-          <a:bodyPr wrap="square" rtlCol="0">
-            <a:spAutoFit/>
-          </a:bodyPr>
-          <a:lstStyle/>
-          <a:p>
-            <a:pPr algn="just" defTabSz="1257621" hangingPunct="0"/>
-            <a:r>
-              <a:rPr lang="es-ES" sz="2133" dirty="0">
-                <a:solidFill>
-                  <a:srgbClr val="404040"/>
-                </a:solidFill>
-                <a:ea typeface="Helvetica Neue"/>
-                <a:cs typeface="Calibir"/>
-                <a:sym typeface="Helvetica Neue"/>
-                <a:hlinkClick r:id="rId2"/>
-              </a:rPr>
-              <a:t>https://www.ingenioempresa.com/matriz-foda/#Paso_2_Definiendo_amenazas</a:t>
-            </a:r>
-            <a:r>
-              <a:rPr lang="es-ES" sz="2133" dirty="0">
-                <a:solidFill>
-                  <a:srgbClr val="404040"/>
-                </a:solidFill>
-                <a:ea typeface="Helvetica Neue"/>
-                <a:cs typeface="Calibir"/>
-                <a:sym typeface="Helvetica Neue"/>
-              </a:rPr>
-              <a:t> </a:t>
-            </a:r>
-          </a:p>
-          <a:p>
-            <a:pPr algn="just" defTabSz="1257621" hangingPunct="0"/>
-            <a:r>
-              <a:rPr lang="es-ES" sz="2133" dirty="0"/>
-              <a:t>Betancourt, D. F. (19 de abril de 2018). </a:t>
-            </a:r>
-            <a:r>
-              <a:rPr lang="es-ES" sz="2133" i="1" dirty="0"/>
-              <a:t>Cómo hacer el análisis FODA (matriz FADO) paso a paso</a:t>
-            </a:r>
-            <a:endParaRPr lang="es-ES" sz="2133" dirty="0">
-              <a:ea typeface="Helvetica Neue"/>
-              <a:cs typeface="Calibir"/>
-              <a:sym typeface="Helvetica Neue"/>
-            </a:endParaRPr>
-          </a:p>
-          <a:p>
-            <a:pPr algn="just" defTabSz="1257621" hangingPunct="0"/>
-            <a:r>
-              <a:rPr lang="es-ES" sz="2133" dirty="0">
-                <a:solidFill>
-                  <a:srgbClr val="404040"/>
-                </a:solidFill>
-                <a:ea typeface="Helvetica Neue"/>
-                <a:cs typeface="Calibir"/>
-                <a:sym typeface="Helvetica Neue"/>
-                <a:hlinkClick r:id="rId3"/>
-              </a:rPr>
-              <a:t>https://www.ingenioempresa.com/arbol-de-objetivos/</a:t>
-            </a:r>
-            <a:endParaRPr lang="es-ES" sz="2133" dirty="0">
-              <a:solidFill>
-                <a:srgbClr val="404040"/>
-              </a:solidFill>
-              <a:ea typeface="Helvetica Neue"/>
-              <a:cs typeface="Calibir"/>
-              <a:sym typeface="Helvetica Neue"/>
-            </a:endParaRPr>
-          </a:p>
-          <a:p>
-            <a:pPr algn="just" defTabSz="1257621" hangingPunct="0"/>
-            <a:r>
-              <a:rPr lang="es-ES" sz="2133" dirty="0"/>
-              <a:t>BETANCOURT, Diego. </a:t>
-            </a:r>
-            <a:r>
-              <a:rPr lang="es-ES" sz="2133" i="1" dirty="0"/>
-              <a:t>Cómo hacer un árbol de objetivos(09 de AGOSTO de 2016)</a:t>
-            </a:r>
-            <a:endParaRPr lang="es-ES" sz="2133" dirty="0">
-              <a:ea typeface="Helvetica Neue"/>
-              <a:cs typeface="Calibir"/>
-              <a:sym typeface="Helvetica Neue"/>
-            </a:endParaRPr>
-          </a:p>
-          <a:p>
-            <a:pPr algn="just" defTabSz="1257621" hangingPunct="0"/>
-            <a:r>
-              <a:rPr lang="es-ES" sz="2133" dirty="0">
-                <a:solidFill>
-                  <a:srgbClr val="404040"/>
-                </a:solidFill>
-                <a:ea typeface="Helvetica Neue"/>
-                <a:cs typeface="Calibir"/>
-                <a:sym typeface="Helvetica Neue"/>
-                <a:hlinkClick r:id="rId4"/>
-              </a:rPr>
-              <a:t>https://www.ingenioempresa.com/arbol-de-problemas/</a:t>
-            </a:r>
-            <a:endParaRPr lang="es-ES" sz="2133" dirty="0">
-              <a:solidFill>
-                <a:srgbClr val="404040"/>
-              </a:solidFill>
-              <a:ea typeface="Helvetica Neue"/>
-              <a:cs typeface="Calibir"/>
-              <a:sym typeface="Helvetica Neue"/>
-            </a:endParaRPr>
-          </a:p>
-          <a:p>
-            <a:pPr algn="just" defTabSz="1257621" hangingPunct="0"/>
-            <a:r>
-              <a:rPr lang="es-ES" sz="2133" dirty="0"/>
-              <a:t>Betancourt, D. F. (05 de julio de 2016). </a:t>
-            </a:r>
-            <a:r>
-              <a:rPr lang="es-ES" sz="2133" i="1" dirty="0"/>
-              <a:t>Cómo hacer un árbol de problemas:</a:t>
-            </a:r>
-            <a:endParaRPr lang="es-ES" sz="2133" dirty="0">
-              <a:ea typeface="Helvetica Neue"/>
-              <a:cs typeface="Calibir"/>
-              <a:sym typeface="Helvetica Neue"/>
-            </a:endParaRPr>
-          </a:p>
-          <a:p>
-            <a:pPr algn="just" defTabSz="1257621" hangingPunct="0"/>
-            <a:r>
-              <a:rPr lang="es-ES" sz="2133" dirty="0">
-                <a:solidFill>
-                  <a:srgbClr val="404040"/>
-                </a:solidFill>
-                <a:ea typeface="Helvetica Neue"/>
-                <a:cs typeface="Calibir"/>
-                <a:sym typeface="Helvetica Neue"/>
-                <a:hlinkClick r:id="rId5"/>
-              </a:rPr>
-              <a:t>https://www.ejemplos.co/verbos-para-objetivos-generales-y-especificos/</a:t>
-            </a:r>
-            <a:endParaRPr lang="es-ES" sz="2133" dirty="0">
-              <a:solidFill>
-                <a:srgbClr val="404040"/>
-              </a:solidFill>
-              <a:ea typeface="Helvetica Neue"/>
-              <a:cs typeface="Calibir"/>
-              <a:sym typeface="Helvetica Neue"/>
-            </a:endParaRPr>
-          </a:p>
-          <a:p>
-            <a:pPr algn="just" defTabSz="1257621" hangingPunct="0"/>
-            <a:r>
-              <a:rPr lang="es-ES" sz="2133" dirty="0"/>
-              <a:t>Enciclopedia de Ejemplos (2022). "Verbos para Objetivos Generales y Específicos". </a:t>
-            </a:r>
-            <a:endParaRPr lang="es-ES" sz="2133" dirty="0">
-              <a:ea typeface="Helvetica Neue"/>
-              <a:cs typeface="Calibir"/>
-              <a:sym typeface="Helvetica Neue"/>
-            </a:endParaRPr>
-          </a:p>
-          <a:p>
-            <a:pPr algn="just" defTabSz="1257621" hangingPunct="0"/>
-            <a:r>
-              <a:rPr lang="es-ES" sz="2133" dirty="0">
-                <a:solidFill>
-                  <a:srgbClr val="404040"/>
-                </a:solidFill>
-                <a:ea typeface="Helvetica Neue"/>
-                <a:cs typeface="Calibir"/>
-                <a:sym typeface="Helvetica Neue"/>
-                <a:hlinkClick r:id="rId6"/>
-              </a:rPr>
-              <a:t>https://neetwork.com/wp-content/uploads/2019/10/que-es-la-negociacion.jpg</a:t>
-            </a:r>
-            <a:r>
-              <a:rPr lang="es-ES" sz="2133" dirty="0">
-                <a:solidFill>
-                  <a:srgbClr val="404040"/>
-                </a:solidFill>
-                <a:ea typeface="Helvetica Neue"/>
-                <a:cs typeface="Calibir"/>
-                <a:sym typeface="Helvetica Neue"/>
-              </a:rPr>
-              <a:t> </a:t>
-            </a:r>
-            <a:r>
-              <a:rPr lang="es-ES" sz="2133" dirty="0">
-                <a:ea typeface="Helvetica Neue"/>
-                <a:cs typeface="Calibir"/>
-                <a:sym typeface="Helvetica Neue"/>
-              </a:rPr>
-              <a:t>(Imagen referente)</a:t>
-            </a:r>
-          </a:p>
-          <a:p>
-            <a:pPr algn="just" defTabSz="1257621" hangingPunct="0"/>
-            <a:r>
-              <a:rPr lang="es-ES" sz="2133" dirty="0">
-                <a:solidFill>
-                  <a:srgbClr val="404040"/>
-                </a:solidFill>
-                <a:ea typeface="Helvetica Neue"/>
-                <a:cs typeface="Calibir"/>
-                <a:sym typeface="Helvetica Neue"/>
-                <a:hlinkClick r:id="rId7"/>
-              </a:rPr>
-              <a:t>https://www.protopie.io/</a:t>
-            </a:r>
-            <a:r>
-              <a:rPr lang="es-ES" sz="2133" dirty="0">
-                <a:solidFill>
-                  <a:srgbClr val="404040"/>
-                </a:solidFill>
-                <a:ea typeface="Helvetica Neue"/>
-                <a:cs typeface="Calibir"/>
-                <a:sym typeface="Helvetica Neue"/>
-              </a:rPr>
-              <a:t> </a:t>
-            </a:r>
-            <a:r>
-              <a:rPr lang="es-ES" sz="2133" dirty="0">
-                <a:ea typeface="Helvetica Neue"/>
-                <a:cs typeface="Calibir"/>
-                <a:sym typeface="Helvetica Neue"/>
-              </a:rPr>
-              <a:t>(Plataforma interactiva de wireframe)</a:t>
-            </a:r>
-          </a:p>
-          <a:p>
-            <a:pPr algn="just" defTabSz="1257621" hangingPunct="0"/>
-            <a:r>
-              <a:rPr lang="es-ES" sz="2133" dirty="0">
-                <a:solidFill>
-                  <a:srgbClr val="404040"/>
-                </a:solidFill>
-                <a:ea typeface="Helvetica Neue"/>
-                <a:cs typeface="Calibir"/>
-                <a:sym typeface="Helvetica Neue"/>
-                <a:hlinkClick r:id="rId8"/>
-              </a:rPr>
-              <a:t>https://www.flaticon.es/?k=1629421547935</a:t>
-            </a:r>
-            <a:r>
-              <a:rPr lang="es-ES" sz="2133" dirty="0">
-                <a:solidFill>
-                  <a:srgbClr val="404040"/>
-                </a:solidFill>
-                <a:ea typeface="Helvetica Neue"/>
-                <a:cs typeface="Calibir"/>
-                <a:sym typeface="Helvetica Neue"/>
-              </a:rPr>
-              <a:t> </a:t>
-            </a:r>
-            <a:r>
-              <a:rPr lang="es-ES" sz="2133" dirty="0">
-                <a:ea typeface="Helvetica Neue"/>
-                <a:cs typeface="Calibir"/>
-                <a:sym typeface="Helvetica Neue"/>
-              </a:rPr>
-              <a:t>(Iconos)</a:t>
-            </a:r>
-          </a:p>
-          <a:p>
-            <a:pPr algn="just" defTabSz="1257621" hangingPunct="0"/>
-            <a:r>
-              <a:rPr lang="es-ES" sz="2133" dirty="0">
-                <a:solidFill>
-                  <a:srgbClr val="404040"/>
-                </a:solidFill>
-                <a:ea typeface="Helvetica Neue"/>
-                <a:cs typeface="Calibir"/>
-                <a:sym typeface="Helvetica Neue"/>
-                <a:hlinkClick r:id="rId9"/>
-              </a:rPr>
-              <a:t>https://studio.tailorbrands.com/</a:t>
-            </a:r>
-            <a:r>
-              <a:rPr lang="es-ES" sz="2133" dirty="0">
-                <a:solidFill>
-                  <a:srgbClr val="404040"/>
-                </a:solidFill>
-                <a:ea typeface="Helvetica Neue"/>
-                <a:cs typeface="Calibir"/>
-                <a:sym typeface="Helvetica Neue"/>
-              </a:rPr>
-              <a:t> </a:t>
-            </a:r>
-            <a:r>
-              <a:rPr lang="es-ES" sz="2133" dirty="0">
-                <a:ea typeface="Helvetica Neue"/>
-                <a:cs typeface="Calibir"/>
-                <a:sym typeface="Helvetica Neue"/>
-              </a:rPr>
-              <a:t>(Diseño de Logo)</a:t>
-            </a:r>
-          </a:p>
-          <a:p>
-            <a:pPr algn="just" defTabSz="1257621" hangingPunct="0"/>
-            <a:r>
-              <a:rPr lang="es-ES" sz="2133" dirty="0">
-                <a:solidFill>
-                  <a:srgbClr val="404040"/>
-                </a:solidFill>
-                <a:latin typeface="Calibir"/>
-                <a:ea typeface="Helvetica Neue"/>
-                <a:cs typeface="Calibir"/>
-                <a:sym typeface="Helvetica Neue"/>
-                <a:hlinkClick r:id="rId10"/>
-              </a:rPr>
-              <a:t>https://www.ingenioempresa.com/mapa-de-empatia/</a:t>
-            </a:r>
-            <a:r>
-              <a:rPr lang="es-ES" sz="2133" dirty="0">
-                <a:solidFill>
-                  <a:srgbClr val="404040"/>
-                </a:solidFill>
-                <a:latin typeface="Calibir"/>
-                <a:ea typeface="Helvetica Neue"/>
-                <a:cs typeface="Calibir"/>
-                <a:sym typeface="Helvetica Neue"/>
-              </a:rPr>
-              <a:t> </a:t>
-            </a:r>
-            <a:r>
-              <a:rPr lang="es-ES" sz="2133" dirty="0">
-                <a:latin typeface="Calibir"/>
-                <a:ea typeface="Helvetica Neue"/>
-                <a:cs typeface="Calibir"/>
-                <a:sym typeface="Helvetica Neue"/>
-              </a:rPr>
-              <a:t>Ingenio Empresa. “Mapa de empatía”</a:t>
-            </a:r>
-          </a:p>
-          <a:p>
-            <a:pPr algn="just" defTabSz="1257621" hangingPunct="0"/>
-            <a:endParaRPr lang="es-ES" sz="2133" dirty="0">
-              <a:solidFill>
-                <a:srgbClr val="404040"/>
-              </a:solidFill>
-              <a:latin typeface="Calibir"/>
-              <a:ea typeface="Helvetica Neue"/>
-              <a:cs typeface="Calibir"/>
-              <a:sym typeface="Helvetica Neue"/>
-            </a:endParaRPr>
-          </a:p>
-          <a:p>
-            <a:pPr algn="just" defTabSz="1257621" hangingPunct="0"/>
-            <a:endParaRPr lang="es-ES" sz="2133" b="1" dirty="0">
-              <a:solidFill>
-                <a:srgbClr val="404040"/>
-              </a:solidFill>
-              <a:latin typeface="Calibir"/>
-              <a:ea typeface="Helvetica Neue"/>
-              <a:cs typeface="Calibir"/>
-              <a:sym typeface="Helvetica Neue"/>
-            </a:endParaRPr>
-          </a:p>
-        </p:txBody>
-      </p:sp>
+        </p:spPr>
+      </p:pic>
     </p:spTree>
     <p:extLst>
       <p:ext uri="{BB962C8B-B14F-4D97-AF65-F5344CB8AC3E}">
-        <p14:creationId xmlns:p14="http://schemas.microsoft.com/office/powerpoint/2010/main" val="2449997532"/>
+        <p14:creationId xmlns:p14="http://schemas.microsoft.com/office/powerpoint/2010/main" val="2315606828"/>
       </p:ext>
     </p:extLst>
   </p:cSld>
@@ -8446,6 +8476,1067 @@
 </file>
 
 <file path=ppt/slides/slide30.xml><?xml version="1.0" encoding="utf-8"?>
+<p:sld xmlns:a="http://schemas.openxmlformats.org/drawingml/2006/main" xmlns:r="http://schemas.openxmlformats.org/officeDocument/2006/relationships" xmlns:p="http://schemas.openxmlformats.org/presentationml/2006/main">
+  <p:cSld>
+    <p:spTree>
+      <p:nvGrpSpPr>
+        <p:cNvPr id="1" name=""/>
+        <p:cNvGrpSpPr/>
+        <p:nvPr/>
+      </p:nvGrpSpPr>
+      <p:grpSpPr>
+        <a:xfrm>
+          <a:off x="0" y="0"/>
+          <a:ext cx="0" cy="0"/>
+          <a:chOff x="0" y="0"/>
+          <a:chExt cx="0" cy="0"/>
+        </a:xfrm>
+      </p:grpSpPr>
+      <p:pic>
+        <p:nvPicPr>
+          <p:cNvPr id="2" name="Imagen 1">
+            <a:extLst>
+              <a:ext uri="{FF2B5EF4-FFF2-40B4-BE49-F238E27FC236}">
+                <a16:creationId xmlns:a16="http://schemas.microsoft.com/office/drawing/2014/main" id="{3DC72C21-3FFD-E532-2149-72F89C56771A}"/>
+              </a:ext>
+            </a:extLst>
+          </p:cNvPr>
+          <p:cNvPicPr>
+            <a:picLocks noChangeAspect="1"/>
+          </p:cNvPicPr>
+          <p:nvPr/>
+        </p:nvPicPr>
+        <p:blipFill>
+          <a:blip r:embed="rId2"/>
+          <a:stretch>
+            <a:fillRect/>
+          </a:stretch>
+        </p:blipFill>
+        <p:spPr>
+          <a:xfrm>
+            <a:off x="1010940" y="382137"/>
+            <a:ext cx="9757143" cy="3709389"/>
+          </a:xfrm>
+          <a:prstGeom prst="rect">
+            <a:avLst/>
+          </a:prstGeom>
+        </p:spPr>
+      </p:pic>
+      <p:pic>
+        <p:nvPicPr>
+          <p:cNvPr id="4" name="Imagen 3">
+            <a:extLst>
+              <a:ext uri="{FF2B5EF4-FFF2-40B4-BE49-F238E27FC236}">
+                <a16:creationId xmlns:a16="http://schemas.microsoft.com/office/drawing/2014/main" id="{2FC316D0-EBCB-EFC4-6B25-56E391BC2F71}"/>
+              </a:ext>
+            </a:extLst>
+          </p:cNvPr>
+          <p:cNvPicPr>
+            <a:picLocks noChangeAspect="1"/>
+          </p:cNvPicPr>
+          <p:nvPr/>
+        </p:nvPicPr>
+        <p:blipFill>
+          <a:blip r:embed="rId3"/>
+          <a:stretch>
+            <a:fillRect/>
+          </a:stretch>
+        </p:blipFill>
+        <p:spPr>
+          <a:xfrm>
+            <a:off x="1010940" y="4111586"/>
+            <a:ext cx="9757143" cy="2364277"/>
+          </a:xfrm>
+          <a:prstGeom prst="rect">
+            <a:avLst/>
+          </a:prstGeom>
+        </p:spPr>
+      </p:pic>
+    </p:spTree>
+    <p:extLst>
+      <p:ext uri="{BB962C8B-B14F-4D97-AF65-F5344CB8AC3E}">
+        <p14:creationId xmlns:p14="http://schemas.microsoft.com/office/powerpoint/2010/main" val="763566258"/>
+      </p:ext>
+    </p:extLst>
+  </p:cSld>
+  <p:clrMapOvr>
+    <a:masterClrMapping/>
+  </p:clrMapOvr>
+</p:sld>
+</file>
+
+<file path=ppt/slides/slide31.xml><?xml version="1.0" encoding="utf-8"?>
+<p:sld xmlns:a="http://schemas.openxmlformats.org/drawingml/2006/main" xmlns:r="http://schemas.openxmlformats.org/officeDocument/2006/relationships" xmlns:p="http://schemas.openxmlformats.org/presentationml/2006/main">
+  <p:cSld>
+    <p:spTree>
+      <p:nvGrpSpPr>
+        <p:cNvPr id="1" name=""/>
+        <p:cNvGrpSpPr/>
+        <p:nvPr/>
+      </p:nvGrpSpPr>
+      <p:grpSpPr>
+        <a:xfrm>
+          <a:off x="0" y="0"/>
+          <a:ext cx="0" cy="0"/>
+          <a:chOff x="0" y="0"/>
+          <a:chExt cx="0" cy="0"/>
+        </a:xfrm>
+      </p:grpSpPr>
+      <p:sp>
+        <p:nvSpPr>
+          <p:cNvPr id="5" name="CuadroTexto 4">
+            <a:extLst>
+              <a:ext uri="{FF2B5EF4-FFF2-40B4-BE49-F238E27FC236}">
+                <a16:creationId xmlns:a16="http://schemas.microsoft.com/office/drawing/2014/main" id="{1BE7FA7E-C3EC-4186-AFBD-5BB81C7A131D}"/>
+              </a:ext>
+            </a:extLst>
+          </p:cNvPr>
+          <p:cNvSpPr txBox="1"/>
+          <p:nvPr/>
+        </p:nvSpPr>
+        <p:spPr>
+          <a:xfrm>
+            <a:off x="-210038" y="398307"/>
+            <a:ext cx="11078244" cy="666786"/>
+          </a:xfrm>
+          <a:prstGeom prst="rect">
+            <a:avLst/>
+          </a:prstGeom>
+          <a:noFill/>
+        </p:spPr>
+        <p:txBody>
+          <a:bodyPr wrap="square" rtlCol="0">
+            <a:spAutoFit/>
+          </a:bodyPr>
+          <a:lstStyle/>
+          <a:p>
+            <a:pPr algn="ctr"/>
+            <a:r>
+              <a:rPr lang="es-ES" sz="3733" b="1" dirty="0">
+                <a:solidFill>
+                  <a:srgbClr val="FF6C00"/>
+                </a:solidFill>
+              </a:rPr>
+              <a:t>Modelado MER (Modelo Entidad Relación)</a:t>
+            </a:r>
+          </a:p>
+        </p:txBody>
+      </p:sp>
+      <p:pic>
+        <p:nvPicPr>
+          <p:cNvPr id="4" name="Imagen 3" descr="Diagrama&#10;&#10;Descripción generada automáticamente">
+            <a:extLst>
+              <a:ext uri="{FF2B5EF4-FFF2-40B4-BE49-F238E27FC236}">
+                <a16:creationId xmlns:a16="http://schemas.microsoft.com/office/drawing/2014/main" id="{98C1205F-7A38-15B7-BFD3-B9C1C09AB42E}"/>
+              </a:ext>
+            </a:extLst>
+          </p:cNvPr>
+          <p:cNvPicPr>
+            <a:picLocks noChangeAspect="1"/>
+          </p:cNvPicPr>
+          <p:nvPr/>
+        </p:nvPicPr>
+        <p:blipFill>
+          <a:blip r:embed="rId2"/>
+          <a:stretch>
+            <a:fillRect/>
+          </a:stretch>
+        </p:blipFill>
+        <p:spPr>
+          <a:xfrm>
+            <a:off x="898946" y="1049105"/>
+            <a:ext cx="10394107" cy="5808895"/>
+          </a:xfrm>
+          <a:prstGeom prst="rect">
+            <a:avLst/>
+          </a:prstGeom>
+        </p:spPr>
+      </p:pic>
+    </p:spTree>
+    <p:extLst>
+      <p:ext uri="{BB962C8B-B14F-4D97-AF65-F5344CB8AC3E}">
+        <p14:creationId xmlns:p14="http://schemas.microsoft.com/office/powerpoint/2010/main" val="279892807"/>
+      </p:ext>
+    </p:extLst>
+  </p:cSld>
+  <p:clrMapOvr>
+    <a:masterClrMapping/>
+  </p:clrMapOvr>
+</p:sld>
+</file>
+
+<file path=ppt/slides/slide32.xml><?xml version="1.0" encoding="utf-8"?>
+<p:sld xmlns:a="http://schemas.openxmlformats.org/drawingml/2006/main" xmlns:r="http://schemas.openxmlformats.org/officeDocument/2006/relationships" xmlns:p="http://schemas.openxmlformats.org/presentationml/2006/main">
+  <p:cSld>
+    <p:spTree>
+      <p:nvGrpSpPr>
+        <p:cNvPr id="1" name=""/>
+        <p:cNvGrpSpPr/>
+        <p:nvPr/>
+      </p:nvGrpSpPr>
+      <p:grpSpPr>
+        <a:xfrm>
+          <a:off x="0" y="0"/>
+          <a:ext cx="0" cy="0"/>
+          <a:chOff x="0" y="0"/>
+          <a:chExt cx="0" cy="0"/>
+        </a:xfrm>
+      </p:grpSpPr>
+      <p:pic>
+        <p:nvPicPr>
+          <p:cNvPr id="3" name="Imagen 2">
+            <a:extLst>
+              <a:ext uri="{FF2B5EF4-FFF2-40B4-BE49-F238E27FC236}">
+                <a16:creationId xmlns:a16="http://schemas.microsoft.com/office/drawing/2014/main" id="{8A242E3A-5E54-4A9C-67E2-B7DF0AE417A5}"/>
+              </a:ext>
+            </a:extLst>
+          </p:cNvPr>
+          <p:cNvPicPr>
+            <a:picLocks noChangeAspect="1"/>
+          </p:cNvPicPr>
+          <p:nvPr/>
+        </p:nvPicPr>
+        <p:blipFill>
+          <a:blip r:embed="rId2"/>
+          <a:stretch>
+            <a:fillRect/>
+          </a:stretch>
+        </p:blipFill>
+        <p:spPr>
+          <a:xfrm>
+            <a:off x="0" y="-1"/>
+            <a:ext cx="10691446" cy="6868571"/>
+          </a:xfrm>
+          <a:prstGeom prst="rect">
+            <a:avLst/>
+          </a:prstGeom>
+        </p:spPr>
+      </p:pic>
+      <p:sp>
+        <p:nvSpPr>
+          <p:cNvPr id="5" name="CuadroTexto 4">
+            <a:extLst>
+              <a:ext uri="{FF2B5EF4-FFF2-40B4-BE49-F238E27FC236}">
+                <a16:creationId xmlns:a16="http://schemas.microsoft.com/office/drawing/2014/main" id="{1BE7FA7E-C3EC-4186-AFBD-5BB81C7A131D}"/>
+              </a:ext>
+            </a:extLst>
+          </p:cNvPr>
+          <p:cNvSpPr txBox="1"/>
+          <p:nvPr/>
+        </p:nvSpPr>
+        <p:spPr>
+          <a:xfrm>
+            <a:off x="6096000" y="5067059"/>
+            <a:ext cx="5868571" cy="1241237"/>
+          </a:xfrm>
+          <a:prstGeom prst="rect">
+            <a:avLst/>
+          </a:prstGeom>
+          <a:noFill/>
+        </p:spPr>
+        <p:txBody>
+          <a:bodyPr wrap="square" rtlCol="0">
+            <a:spAutoFit/>
+          </a:bodyPr>
+          <a:lstStyle/>
+          <a:p>
+            <a:pPr algn="ctr"/>
+            <a:r>
+              <a:rPr lang="es-ES" sz="3733" b="1" dirty="0">
+                <a:solidFill>
+                  <a:srgbClr val="FF6C00"/>
+                </a:solidFill>
+              </a:rPr>
+              <a:t>Modelado MR </a:t>
+            </a:r>
+          </a:p>
+          <a:p>
+            <a:pPr algn="ctr"/>
+            <a:r>
+              <a:rPr lang="es-ES" sz="3733" b="1" dirty="0">
+                <a:solidFill>
+                  <a:srgbClr val="FF6C00"/>
+                </a:solidFill>
+              </a:rPr>
+              <a:t>(Modelo Relacional)</a:t>
+            </a:r>
+          </a:p>
+        </p:txBody>
+      </p:sp>
+    </p:spTree>
+    <p:extLst>
+      <p:ext uri="{BB962C8B-B14F-4D97-AF65-F5344CB8AC3E}">
+        <p14:creationId xmlns:p14="http://schemas.microsoft.com/office/powerpoint/2010/main" val="1980260065"/>
+      </p:ext>
+    </p:extLst>
+  </p:cSld>
+  <p:clrMapOvr>
+    <a:masterClrMapping/>
+  </p:clrMapOvr>
+</p:sld>
+</file>
+
+<file path=ppt/slides/slide33.xml><?xml version="1.0" encoding="utf-8"?>
+<p:sld xmlns:a="http://schemas.openxmlformats.org/drawingml/2006/main" xmlns:r="http://schemas.openxmlformats.org/officeDocument/2006/relationships" xmlns:p="http://schemas.openxmlformats.org/presentationml/2006/main">
+  <p:cSld>
+    <p:spTree>
+      <p:nvGrpSpPr>
+        <p:cNvPr id="1" name=""/>
+        <p:cNvGrpSpPr/>
+        <p:nvPr/>
+      </p:nvGrpSpPr>
+      <p:grpSpPr>
+        <a:xfrm>
+          <a:off x="0" y="0"/>
+          <a:ext cx="0" cy="0"/>
+          <a:chOff x="0" y="0"/>
+          <a:chExt cx="0" cy="0"/>
+        </a:xfrm>
+      </p:grpSpPr>
+      <p:sp>
+        <p:nvSpPr>
+          <p:cNvPr id="5" name="CuadroTexto 4">
+            <a:extLst>
+              <a:ext uri="{FF2B5EF4-FFF2-40B4-BE49-F238E27FC236}">
+                <a16:creationId xmlns:a16="http://schemas.microsoft.com/office/drawing/2014/main" id="{1BE7FA7E-C3EC-4186-AFBD-5BB81C7A131D}"/>
+              </a:ext>
+            </a:extLst>
+          </p:cNvPr>
+          <p:cNvSpPr txBox="1"/>
+          <p:nvPr/>
+        </p:nvSpPr>
+        <p:spPr>
+          <a:xfrm>
+            <a:off x="2998383" y="421131"/>
+            <a:ext cx="6195235" cy="666786"/>
+          </a:xfrm>
+          <a:prstGeom prst="rect">
+            <a:avLst/>
+          </a:prstGeom>
+          <a:noFill/>
+        </p:spPr>
+        <p:txBody>
+          <a:bodyPr wrap="square" rtlCol="0">
+            <a:spAutoFit/>
+          </a:bodyPr>
+          <a:lstStyle/>
+          <a:p>
+            <a:pPr algn="ctr"/>
+            <a:r>
+              <a:rPr lang="es-ES" sz="3733" b="1" dirty="0">
+                <a:solidFill>
+                  <a:srgbClr val="FF6C00"/>
+                </a:solidFill>
+              </a:rPr>
+              <a:t>Diseño del </a:t>
+            </a:r>
+            <a:r>
+              <a:rPr lang="es-ES" sz="3733" b="1" dirty="0" err="1">
+                <a:solidFill>
+                  <a:srgbClr val="FF6C00"/>
+                </a:solidFill>
+              </a:rPr>
+              <a:t>index</a:t>
+            </a:r>
+            <a:endParaRPr lang="es-ES" sz="3733" b="1" dirty="0">
+              <a:solidFill>
+                <a:srgbClr val="FF6C00"/>
+              </a:solidFill>
+            </a:endParaRPr>
+          </a:p>
+        </p:txBody>
+      </p:sp>
+    </p:spTree>
+    <p:extLst>
+      <p:ext uri="{BB962C8B-B14F-4D97-AF65-F5344CB8AC3E}">
+        <p14:creationId xmlns:p14="http://schemas.microsoft.com/office/powerpoint/2010/main" val="3430940337"/>
+      </p:ext>
+    </p:extLst>
+  </p:cSld>
+  <p:clrMapOvr>
+    <a:masterClrMapping/>
+  </p:clrMapOvr>
+</p:sld>
+</file>
+
+<file path=ppt/slides/slide34.xml><?xml version="1.0" encoding="utf-8"?>
+<p:sld xmlns:a="http://schemas.openxmlformats.org/drawingml/2006/main" xmlns:r="http://schemas.openxmlformats.org/officeDocument/2006/relationships" xmlns:p="http://schemas.openxmlformats.org/presentationml/2006/main">
+  <p:cSld>
+    <p:spTree>
+      <p:nvGrpSpPr>
+        <p:cNvPr id="1" name=""/>
+        <p:cNvGrpSpPr/>
+        <p:nvPr/>
+      </p:nvGrpSpPr>
+      <p:grpSpPr>
+        <a:xfrm>
+          <a:off x="0" y="0"/>
+          <a:ext cx="0" cy="0"/>
+          <a:chOff x="0" y="0"/>
+          <a:chExt cx="0" cy="0"/>
+        </a:xfrm>
+      </p:grpSpPr>
+      <p:sp>
+        <p:nvSpPr>
+          <p:cNvPr id="5" name="CuadroTexto 4">
+            <a:extLst>
+              <a:ext uri="{FF2B5EF4-FFF2-40B4-BE49-F238E27FC236}">
+                <a16:creationId xmlns:a16="http://schemas.microsoft.com/office/drawing/2014/main" id="{1BE7FA7E-C3EC-4186-AFBD-5BB81C7A131D}"/>
+              </a:ext>
+            </a:extLst>
+          </p:cNvPr>
+          <p:cNvSpPr txBox="1"/>
+          <p:nvPr/>
+        </p:nvSpPr>
+        <p:spPr>
+          <a:xfrm>
+            <a:off x="2998383" y="421131"/>
+            <a:ext cx="6195235" cy="666786"/>
+          </a:xfrm>
+          <a:prstGeom prst="rect">
+            <a:avLst/>
+          </a:prstGeom>
+          <a:noFill/>
+        </p:spPr>
+        <p:txBody>
+          <a:bodyPr wrap="square" rtlCol="0">
+            <a:spAutoFit/>
+          </a:bodyPr>
+          <a:lstStyle/>
+          <a:p>
+            <a:pPr algn="ctr"/>
+            <a:r>
+              <a:rPr lang="es-ES" sz="3733" b="1" dirty="0">
+                <a:solidFill>
+                  <a:srgbClr val="FF6C00"/>
+                </a:solidFill>
+              </a:rPr>
+              <a:t>Script de la base de datos</a:t>
+            </a:r>
+          </a:p>
+        </p:txBody>
+      </p:sp>
+    </p:spTree>
+    <p:extLst>
+      <p:ext uri="{BB962C8B-B14F-4D97-AF65-F5344CB8AC3E}">
+        <p14:creationId xmlns:p14="http://schemas.microsoft.com/office/powerpoint/2010/main" val="3458874268"/>
+      </p:ext>
+    </p:extLst>
+  </p:cSld>
+  <p:clrMapOvr>
+    <a:masterClrMapping/>
+  </p:clrMapOvr>
+</p:sld>
+</file>
+
+<file path=ppt/slides/slide35.xml><?xml version="1.0" encoding="utf-8"?>
+<p:sld xmlns:a="http://schemas.openxmlformats.org/drawingml/2006/main" xmlns:r="http://schemas.openxmlformats.org/officeDocument/2006/relationships" xmlns:p="http://schemas.openxmlformats.org/presentationml/2006/main">
+  <p:cSld>
+    <p:spTree>
+      <p:nvGrpSpPr>
+        <p:cNvPr id="1" name=""/>
+        <p:cNvGrpSpPr/>
+        <p:nvPr/>
+      </p:nvGrpSpPr>
+      <p:grpSpPr>
+        <a:xfrm>
+          <a:off x="0" y="0"/>
+          <a:ext cx="0" cy="0"/>
+          <a:chOff x="0" y="0"/>
+          <a:chExt cx="0" cy="0"/>
+        </a:xfrm>
+      </p:grpSpPr>
+      <p:sp>
+        <p:nvSpPr>
+          <p:cNvPr id="2" name="CuadroTexto 1"/>
+          <p:cNvSpPr txBox="1"/>
+          <p:nvPr/>
+        </p:nvSpPr>
+        <p:spPr>
+          <a:xfrm>
+            <a:off x="510491" y="332660"/>
+            <a:ext cx="4408840" cy="830997"/>
+          </a:xfrm>
+          <a:prstGeom prst="rect">
+            <a:avLst/>
+          </a:prstGeom>
+          <a:noFill/>
+        </p:spPr>
+        <p:txBody>
+          <a:bodyPr wrap="square" rtlCol="0">
+            <a:spAutoFit/>
+          </a:bodyPr>
+          <a:lstStyle/>
+          <a:p>
+            <a:r>
+              <a:rPr lang="es-ES" sz="4800" b="1" dirty="0">
+                <a:solidFill>
+                  <a:schemeClr val="bg1"/>
+                </a:solidFill>
+              </a:rPr>
+              <a:t>Conclusiones </a:t>
+            </a:r>
+          </a:p>
+        </p:txBody>
+      </p:sp>
+      <p:sp>
+        <p:nvSpPr>
+          <p:cNvPr id="8" name="CuadroTexto 7">
+            <a:extLst>
+              <a:ext uri="{FF2B5EF4-FFF2-40B4-BE49-F238E27FC236}">
+                <a16:creationId xmlns:a16="http://schemas.microsoft.com/office/drawing/2014/main" id="{F8C7B26D-E9A2-4838-8972-83BB0387A627}"/>
+              </a:ext>
+            </a:extLst>
+          </p:cNvPr>
+          <p:cNvSpPr txBox="1"/>
+          <p:nvPr/>
+        </p:nvSpPr>
+        <p:spPr>
+          <a:xfrm>
+            <a:off x="184424" y="1821465"/>
+            <a:ext cx="11823152" cy="3416320"/>
+          </a:xfrm>
+          <a:prstGeom prst="rect">
+            <a:avLst/>
+          </a:prstGeom>
+          <a:noFill/>
+        </p:spPr>
+        <p:txBody>
+          <a:bodyPr wrap="square" rtlCol="0">
+            <a:spAutoFit/>
+          </a:bodyPr>
+          <a:lstStyle/>
+          <a:p>
+            <a:pPr marL="380990" indent="-380990" algn="just" defTabSz="1257621" hangingPunct="0">
+              <a:buFontTx/>
+              <a:buChar char="-"/>
+            </a:pPr>
+            <a:r>
+              <a:rPr lang="es-ES" sz="2400" dirty="0">
+                <a:ea typeface="Helvetica Neue"/>
+                <a:cs typeface="Calibir"/>
+                <a:sym typeface="Helvetica Neue"/>
+              </a:rPr>
+              <a:t>Tras la documentación mostrada, podemos deducir que los objetivos planteados están dirigidos a solucionar la problemática principal de nuestro proyecto, dado que actualmente no se ve resuelta por completo en el mercado, y de allí se derivan oportunidades para </a:t>
+            </a:r>
+            <a:r>
+              <a:rPr lang="es-ES" sz="2400" dirty="0" err="1">
+                <a:ea typeface="Helvetica Neue"/>
+                <a:cs typeface="Calibir"/>
+                <a:sym typeface="Helvetica Neue"/>
+              </a:rPr>
+              <a:t>Service</a:t>
+            </a:r>
+            <a:r>
+              <a:rPr lang="es-ES" sz="2400" dirty="0">
+                <a:ea typeface="Helvetica Neue"/>
+                <a:cs typeface="Calibir"/>
+                <a:sym typeface="Helvetica Neue"/>
+              </a:rPr>
+              <a:t> </a:t>
+            </a:r>
+            <a:r>
+              <a:rPr lang="es-ES" sz="2400" dirty="0" err="1">
+                <a:ea typeface="Helvetica Neue"/>
+                <a:cs typeface="Calibir"/>
+                <a:sym typeface="Helvetica Neue"/>
+              </a:rPr>
+              <a:t>Market</a:t>
+            </a:r>
+            <a:r>
+              <a:rPr lang="es-ES" sz="2400" dirty="0">
+                <a:ea typeface="Helvetica Neue"/>
+                <a:cs typeface="Calibir"/>
+                <a:sym typeface="Helvetica Neue"/>
+              </a:rPr>
+              <a:t>.</a:t>
+            </a:r>
+          </a:p>
+          <a:p>
+            <a:pPr marL="380990" indent="-380990" algn="just" defTabSz="1257621" hangingPunct="0">
+              <a:buFontTx/>
+              <a:buChar char="-"/>
+            </a:pPr>
+            <a:endParaRPr lang="es-ES" sz="2400" dirty="0">
+              <a:ea typeface="Helvetica Neue"/>
+              <a:cs typeface="Calibir"/>
+              <a:sym typeface="Helvetica Neue"/>
+            </a:endParaRPr>
+          </a:p>
+          <a:p>
+            <a:pPr marL="380990" indent="-380990" algn="just" defTabSz="1257621" hangingPunct="0">
+              <a:buFontTx/>
+              <a:buChar char="-"/>
+            </a:pPr>
+            <a:r>
+              <a:rPr lang="es-ES" sz="2400" dirty="0">
+                <a:ea typeface="Helvetica Neue"/>
+                <a:cs typeface="Calibir"/>
+                <a:sym typeface="Helvetica Neue"/>
+              </a:rPr>
+              <a:t>Según los datos expuestos, podemos concluir que nuestra aplicación web va a ser un canal de comunicación para clientes y proveedores que estén dispuestos a dar a conocer sus servicios, generando así mas ganancias, una negociación a una escala mayor y aumentando la credibilidad de aquellos prestadores de servicios que requieran una ayuda.</a:t>
+            </a:r>
+          </a:p>
+        </p:txBody>
+      </p:sp>
+    </p:spTree>
+    <p:extLst>
+      <p:ext uri="{BB962C8B-B14F-4D97-AF65-F5344CB8AC3E}">
+        <p14:creationId xmlns:p14="http://schemas.microsoft.com/office/powerpoint/2010/main" val="224373756"/>
+      </p:ext>
+    </p:extLst>
+  </p:cSld>
+  <p:clrMapOvr>
+    <a:masterClrMapping/>
+  </p:clrMapOvr>
+</p:sld>
+</file>
+
+<file path=ppt/slides/slide36.xml><?xml version="1.0" encoding="utf-8"?>
+<p:sld xmlns:a="http://schemas.openxmlformats.org/drawingml/2006/main" xmlns:r="http://schemas.openxmlformats.org/officeDocument/2006/relationships" xmlns:p="http://schemas.openxmlformats.org/presentationml/2006/main">
+  <p:cSld>
+    <p:spTree>
+      <p:nvGrpSpPr>
+        <p:cNvPr id="1" name=""/>
+        <p:cNvGrpSpPr/>
+        <p:nvPr/>
+      </p:nvGrpSpPr>
+      <p:grpSpPr>
+        <a:xfrm>
+          <a:off x="0" y="0"/>
+          <a:ext cx="0" cy="0"/>
+          <a:chOff x="0" y="0"/>
+          <a:chExt cx="0" cy="0"/>
+        </a:xfrm>
+      </p:grpSpPr>
+      <p:sp>
+        <p:nvSpPr>
+          <p:cNvPr id="2" name="CuadroTexto 1"/>
+          <p:cNvSpPr txBox="1"/>
+          <p:nvPr/>
+        </p:nvSpPr>
+        <p:spPr>
+          <a:xfrm>
+            <a:off x="510489" y="332661"/>
+            <a:ext cx="9469939" cy="830997"/>
+          </a:xfrm>
+          <a:prstGeom prst="rect">
+            <a:avLst/>
+          </a:prstGeom>
+          <a:noFill/>
+        </p:spPr>
+        <p:txBody>
+          <a:bodyPr wrap="square" rtlCol="0">
+            <a:spAutoFit/>
+          </a:bodyPr>
+          <a:lstStyle/>
+          <a:p>
+            <a:r>
+              <a:rPr lang="es-ES" sz="4800" b="1" dirty="0">
+                <a:solidFill>
+                  <a:schemeClr val="bg1"/>
+                </a:solidFill>
+              </a:rPr>
+              <a:t>Referencias bibliográficas</a:t>
+            </a:r>
+          </a:p>
+        </p:txBody>
+      </p:sp>
+      <p:sp>
+        <p:nvSpPr>
+          <p:cNvPr id="8" name="CuadroTexto 7">
+            <a:extLst>
+              <a:ext uri="{FF2B5EF4-FFF2-40B4-BE49-F238E27FC236}">
+                <a16:creationId xmlns:a16="http://schemas.microsoft.com/office/drawing/2014/main" id="{F8C7B26D-E9A2-4838-8972-83BB0387A627}"/>
+              </a:ext>
+            </a:extLst>
+          </p:cNvPr>
+          <p:cNvSpPr txBox="1"/>
+          <p:nvPr/>
+        </p:nvSpPr>
+        <p:spPr>
+          <a:xfrm>
+            <a:off x="184424" y="1806100"/>
+            <a:ext cx="11823152" cy="5015797"/>
+          </a:xfrm>
+          <a:prstGeom prst="rect">
+            <a:avLst/>
+          </a:prstGeom>
+          <a:noFill/>
+        </p:spPr>
+        <p:txBody>
+          <a:bodyPr wrap="square" rtlCol="0">
+            <a:spAutoFit/>
+          </a:bodyPr>
+          <a:lstStyle/>
+          <a:p>
+            <a:pPr algn="just" defTabSz="1257621" hangingPunct="0"/>
+            <a:r>
+              <a:rPr lang="es-ES" sz="2133" dirty="0">
+                <a:solidFill>
+                  <a:srgbClr val="404040"/>
+                </a:solidFill>
+                <a:ea typeface="Helvetica Neue"/>
+                <a:cs typeface="Calibir"/>
+                <a:sym typeface="Helvetica Neue"/>
+                <a:hlinkClick r:id="rId2"/>
+              </a:rPr>
+              <a:t>https://www.ingenioempresa.com/matriz-foda/#Paso_2_Definiendo_amenazas</a:t>
+            </a:r>
+            <a:r>
+              <a:rPr lang="es-ES" sz="2133" dirty="0">
+                <a:solidFill>
+                  <a:srgbClr val="404040"/>
+                </a:solidFill>
+                <a:ea typeface="Helvetica Neue"/>
+                <a:cs typeface="Calibir"/>
+                <a:sym typeface="Helvetica Neue"/>
+              </a:rPr>
+              <a:t> </a:t>
+            </a:r>
+          </a:p>
+          <a:p>
+            <a:pPr algn="just" defTabSz="1257621" hangingPunct="0"/>
+            <a:r>
+              <a:rPr lang="es-ES" sz="2133" dirty="0"/>
+              <a:t>Betancourt, D. F. (19 de abril de 2018). </a:t>
+            </a:r>
+            <a:r>
+              <a:rPr lang="es-ES" sz="2133" i="1" dirty="0"/>
+              <a:t>Cómo hacer el análisis FODA (matriz FADO) paso a paso</a:t>
+            </a:r>
+            <a:endParaRPr lang="es-ES" sz="2133" dirty="0">
+              <a:ea typeface="Helvetica Neue"/>
+              <a:cs typeface="Calibir"/>
+              <a:sym typeface="Helvetica Neue"/>
+            </a:endParaRPr>
+          </a:p>
+          <a:p>
+            <a:pPr algn="just" defTabSz="1257621" hangingPunct="0"/>
+            <a:r>
+              <a:rPr lang="es-ES" sz="2133" dirty="0">
+                <a:solidFill>
+                  <a:srgbClr val="404040"/>
+                </a:solidFill>
+                <a:ea typeface="Helvetica Neue"/>
+                <a:cs typeface="Calibir"/>
+                <a:sym typeface="Helvetica Neue"/>
+                <a:hlinkClick r:id="rId3"/>
+              </a:rPr>
+              <a:t>https://www.ingenioempresa.com/arbol-de-objetivos/</a:t>
+            </a:r>
+            <a:endParaRPr lang="es-ES" sz="2133" dirty="0">
+              <a:solidFill>
+                <a:srgbClr val="404040"/>
+              </a:solidFill>
+              <a:ea typeface="Helvetica Neue"/>
+              <a:cs typeface="Calibir"/>
+              <a:sym typeface="Helvetica Neue"/>
+            </a:endParaRPr>
+          </a:p>
+          <a:p>
+            <a:pPr algn="just" defTabSz="1257621" hangingPunct="0"/>
+            <a:r>
+              <a:rPr lang="es-ES" sz="2133" dirty="0"/>
+              <a:t>BETANCOURT, Diego. </a:t>
+            </a:r>
+            <a:r>
+              <a:rPr lang="es-ES" sz="2133" i="1" dirty="0"/>
+              <a:t>Cómo hacer un árbol de objetivos(09 de AGOSTO de 2016)</a:t>
+            </a:r>
+            <a:endParaRPr lang="es-ES" sz="2133" dirty="0">
+              <a:ea typeface="Helvetica Neue"/>
+              <a:cs typeface="Calibir"/>
+              <a:sym typeface="Helvetica Neue"/>
+            </a:endParaRPr>
+          </a:p>
+          <a:p>
+            <a:pPr algn="just" defTabSz="1257621" hangingPunct="0"/>
+            <a:r>
+              <a:rPr lang="es-ES" sz="2133" dirty="0">
+                <a:solidFill>
+                  <a:srgbClr val="404040"/>
+                </a:solidFill>
+                <a:ea typeface="Helvetica Neue"/>
+                <a:cs typeface="Calibir"/>
+                <a:sym typeface="Helvetica Neue"/>
+                <a:hlinkClick r:id="rId4"/>
+              </a:rPr>
+              <a:t>https://www.ingenioempresa.com/arbol-de-problemas/</a:t>
+            </a:r>
+            <a:endParaRPr lang="es-ES" sz="2133" dirty="0">
+              <a:solidFill>
+                <a:srgbClr val="404040"/>
+              </a:solidFill>
+              <a:ea typeface="Helvetica Neue"/>
+              <a:cs typeface="Calibir"/>
+              <a:sym typeface="Helvetica Neue"/>
+            </a:endParaRPr>
+          </a:p>
+          <a:p>
+            <a:pPr algn="just" defTabSz="1257621" hangingPunct="0"/>
+            <a:r>
+              <a:rPr lang="es-ES" sz="2133" dirty="0"/>
+              <a:t>Betancourt, D. F. (05 de julio de 2016). </a:t>
+            </a:r>
+            <a:r>
+              <a:rPr lang="es-ES" sz="2133" i="1" dirty="0"/>
+              <a:t>Cómo hacer un árbol de problemas:</a:t>
+            </a:r>
+            <a:endParaRPr lang="es-ES" sz="2133" dirty="0">
+              <a:ea typeface="Helvetica Neue"/>
+              <a:cs typeface="Calibir"/>
+              <a:sym typeface="Helvetica Neue"/>
+            </a:endParaRPr>
+          </a:p>
+          <a:p>
+            <a:pPr algn="just" defTabSz="1257621" hangingPunct="0"/>
+            <a:r>
+              <a:rPr lang="es-ES" sz="2133" dirty="0">
+                <a:solidFill>
+                  <a:srgbClr val="404040"/>
+                </a:solidFill>
+                <a:ea typeface="Helvetica Neue"/>
+                <a:cs typeface="Calibir"/>
+                <a:sym typeface="Helvetica Neue"/>
+                <a:hlinkClick r:id="rId5"/>
+              </a:rPr>
+              <a:t>https://www.ejemplos.co/verbos-para-objetivos-generales-y-especificos/</a:t>
+            </a:r>
+            <a:endParaRPr lang="es-ES" sz="2133" dirty="0">
+              <a:solidFill>
+                <a:srgbClr val="404040"/>
+              </a:solidFill>
+              <a:ea typeface="Helvetica Neue"/>
+              <a:cs typeface="Calibir"/>
+              <a:sym typeface="Helvetica Neue"/>
+            </a:endParaRPr>
+          </a:p>
+          <a:p>
+            <a:pPr algn="just" defTabSz="1257621" hangingPunct="0"/>
+            <a:r>
+              <a:rPr lang="es-ES" sz="2133" dirty="0"/>
+              <a:t>Enciclopedia de Ejemplos (2022). "Verbos para Objetivos Generales y Específicos". </a:t>
+            </a:r>
+            <a:endParaRPr lang="es-ES" sz="2133" dirty="0">
+              <a:ea typeface="Helvetica Neue"/>
+              <a:cs typeface="Calibir"/>
+              <a:sym typeface="Helvetica Neue"/>
+            </a:endParaRPr>
+          </a:p>
+          <a:p>
+            <a:pPr algn="just" defTabSz="1257621" hangingPunct="0"/>
+            <a:r>
+              <a:rPr lang="es-ES" sz="2133" dirty="0">
+                <a:solidFill>
+                  <a:srgbClr val="404040"/>
+                </a:solidFill>
+                <a:ea typeface="Helvetica Neue"/>
+                <a:cs typeface="Calibir"/>
+                <a:sym typeface="Helvetica Neue"/>
+                <a:hlinkClick r:id="rId6"/>
+              </a:rPr>
+              <a:t>https://neetwork.com/wp-content/uploads/2019/10/que-es-la-negociacion.jpg</a:t>
+            </a:r>
+            <a:r>
+              <a:rPr lang="es-ES" sz="2133" dirty="0">
+                <a:solidFill>
+                  <a:srgbClr val="404040"/>
+                </a:solidFill>
+                <a:ea typeface="Helvetica Neue"/>
+                <a:cs typeface="Calibir"/>
+                <a:sym typeface="Helvetica Neue"/>
+              </a:rPr>
+              <a:t> </a:t>
+            </a:r>
+            <a:r>
+              <a:rPr lang="es-ES" sz="2133" dirty="0">
+                <a:ea typeface="Helvetica Neue"/>
+                <a:cs typeface="Calibir"/>
+                <a:sym typeface="Helvetica Neue"/>
+              </a:rPr>
+              <a:t>(Imagen referente)</a:t>
+            </a:r>
+          </a:p>
+          <a:p>
+            <a:pPr algn="just" defTabSz="1257621" hangingPunct="0"/>
+            <a:r>
+              <a:rPr lang="es-ES" sz="2133" dirty="0">
+                <a:solidFill>
+                  <a:srgbClr val="404040"/>
+                </a:solidFill>
+                <a:ea typeface="Helvetica Neue"/>
+                <a:cs typeface="Calibir"/>
+                <a:sym typeface="Helvetica Neue"/>
+                <a:hlinkClick r:id="rId7"/>
+              </a:rPr>
+              <a:t>https://www.protopie.io/</a:t>
+            </a:r>
+            <a:r>
+              <a:rPr lang="es-ES" sz="2133" dirty="0">
+                <a:solidFill>
+                  <a:srgbClr val="404040"/>
+                </a:solidFill>
+                <a:ea typeface="Helvetica Neue"/>
+                <a:cs typeface="Calibir"/>
+                <a:sym typeface="Helvetica Neue"/>
+              </a:rPr>
+              <a:t> </a:t>
+            </a:r>
+            <a:r>
+              <a:rPr lang="es-ES" sz="2133" dirty="0">
+                <a:ea typeface="Helvetica Neue"/>
+                <a:cs typeface="Calibir"/>
+                <a:sym typeface="Helvetica Neue"/>
+              </a:rPr>
+              <a:t>(Plataforma interactiva de wireframe)</a:t>
+            </a:r>
+          </a:p>
+          <a:p>
+            <a:pPr algn="just" defTabSz="1257621" hangingPunct="0"/>
+            <a:r>
+              <a:rPr lang="es-ES" sz="2133" dirty="0">
+                <a:solidFill>
+                  <a:srgbClr val="404040"/>
+                </a:solidFill>
+                <a:ea typeface="Helvetica Neue"/>
+                <a:cs typeface="Calibir"/>
+                <a:sym typeface="Helvetica Neue"/>
+                <a:hlinkClick r:id="rId8"/>
+              </a:rPr>
+              <a:t>https://www.flaticon.es/?k=1629421547935</a:t>
+            </a:r>
+            <a:r>
+              <a:rPr lang="es-ES" sz="2133" dirty="0">
+                <a:solidFill>
+                  <a:srgbClr val="404040"/>
+                </a:solidFill>
+                <a:ea typeface="Helvetica Neue"/>
+                <a:cs typeface="Calibir"/>
+                <a:sym typeface="Helvetica Neue"/>
+              </a:rPr>
+              <a:t> </a:t>
+            </a:r>
+            <a:r>
+              <a:rPr lang="es-ES" sz="2133" dirty="0">
+                <a:ea typeface="Helvetica Neue"/>
+                <a:cs typeface="Calibir"/>
+                <a:sym typeface="Helvetica Neue"/>
+              </a:rPr>
+              <a:t>(Iconos)</a:t>
+            </a:r>
+          </a:p>
+          <a:p>
+            <a:pPr algn="just" defTabSz="1257621" hangingPunct="0"/>
+            <a:r>
+              <a:rPr lang="es-ES" sz="2133" dirty="0">
+                <a:solidFill>
+                  <a:srgbClr val="404040"/>
+                </a:solidFill>
+                <a:ea typeface="Helvetica Neue"/>
+                <a:cs typeface="Calibir"/>
+                <a:sym typeface="Helvetica Neue"/>
+                <a:hlinkClick r:id="rId9"/>
+              </a:rPr>
+              <a:t>https://studio.tailorbrands.com/</a:t>
+            </a:r>
+            <a:r>
+              <a:rPr lang="es-ES" sz="2133" dirty="0">
+                <a:solidFill>
+                  <a:srgbClr val="404040"/>
+                </a:solidFill>
+                <a:ea typeface="Helvetica Neue"/>
+                <a:cs typeface="Calibir"/>
+                <a:sym typeface="Helvetica Neue"/>
+              </a:rPr>
+              <a:t> </a:t>
+            </a:r>
+            <a:r>
+              <a:rPr lang="es-ES" sz="2133" dirty="0">
+                <a:ea typeface="Helvetica Neue"/>
+                <a:cs typeface="Calibir"/>
+                <a:sym typeface="Helvetica Neue"/>
+              </a:rPr>
+              <a:t>(Diseño de Logo)</a:t>
+            </a:r>
+          </a:p>
+          <a:p>
+            <a:pPr algn="just" defTabSz="1257621" hangingPunct="0"/>
+            <a:r>
+              <a:rPr lang="es-ES" sz="2133" dirty="0">
+                <a:solidFill>
+                  <a:srgbClr val="404040"/>
+                </a:solidFill>
+                <a:latin typeface="Calibir"/>
+                <a:ea typeface="Helvetica Neue"/>
+                <a:cs typeface="Calibir"/>
+                <a:sym typeface="Helvetica Neue"/>
+                <a:hlinkClick r:id="rId10"/>
+              </a:rPr>
+              <a:t>https://www.ingenioempresa.com/mapa-de-empatia/</a:t>
+            </a:r>
+            <a:r>
+              <a:rPr lang="es-ES" sz="2133" dirty="0">
+                <a:solidFill>
+                  <a:srgbClr val="404040"/>
+                </a:solidFill>
+                <a:latin typeface="Calibir"/>
+                <a:ea typeface="Helvetica Neue"/>
+                <a:cs typeface="Calibir"/>
+                <a:sym typeface="Helvetica Neue"/>
+              </a:rPr>
+              <a:t> </a:t>
+            </a:r>
+            <a:r>
+              <a:rPr lang="es-ES" sz="2133" dirty="0">
+                <a:latin typeface="Calibir"/>
+                <a:ea typeface="Helvetica Neue"/>
+                <a:cs typeface="Calibir"/>
+                <a:sym typeface="Helvetica Neue"/>
+              </a:rPr>
+              <a:t>Ingenio Empresa. “Mapa de empatía”</a:t>
+            </a:r>
+          </a:p>
+          <a:p>
+            <a:pPr algn="just" defTabSz="1257621" hangingPunct="0"/>
+            <a:endParaRPr lang="es-ES" sz="2133" dirty="0">
+              <a:solidFill>
+                <a:srgbClr val="404040"/>
+              </a:solidFill>
+              <a:latin typeface="Calibir"/>
+              <a:ea typeface="Helvetica Neue"/>
+              <a:cs typeface="Calibir"/>
+              <a:sym typeface="Helvetica Neue"/>
+            </a:endParaRPr>
+          </a:p>
+          <a:p>
+            <a:pPr algn="just" defTabSz="1257621" hangingPunct="0"/>
+            <a:endParaRPr lang="es-ES" sz="2133" b="1" dirty="0">
+              <a:solidFill>
+                <a:srgbClr val="404040"/>
+              </a:solidFill>
+              <a:latin typeface="Calibir"/>
+              <a:ea typeface="Helvetica Neue"/>
+              <a:cs typeface="Calibir"/>
+              <a:sym typeface="Helvetica Neue"/>
+            </a:endParaRPr>
+          </a:p>
+        </p:txBody>
+      </p:sp>
+    </p:spTree>
+    <p:extLst>
+      <p:ext uri="{BB962C8B-B14F-4D97-AF65-F5344CB8AC3E}">
+        <p14:creationId xmlns:p14="http://schemas.microsoft.com/office/powerpoint/2010/main" val="2449997532"/>
+      </p:ext>
+    </p:extLst>
+  </p:cSld>
+  <p:clrMapOvr>
+    <a:masterClrMapping/>
+  </p:clrMapOvr>
+</p:sld>
+</file>
+
+<file path=ppt/slides/slide37.xml><?xml version="1.0" encoding="utf-8"?>
 <p:sld xmlns:a="http://schemas.openxmlformats.org/drawingml/2006/main" xmlns:r="http://schemas.openxmlformats.org/officeDocument/2006/relationships" xmlns:p="http://schemas.openxmlformats.org/presentationml/2006/main">
   <p:cSld>
     <p:spTree>

--- a/PROYECTO FORMATIVO.pptx
+++ b/PROYECTO FORMATIVO.pptx
@@ -7214,8 +7214,8 @@
         </p:nvSpPr>
         <p:spPr>
           <a:xfrm>
-            <a:off x="3548385" y="139758"/>
-            <a:ext cx="5095229" cy="666786"/>
+            <a:off x="7346663" y="1687204"/>
+            <a:ext cx="4845338" cy="666786"/>
           </a:xfrm>
           <a:prstGeom prst="rect">
             <a:avLst/>
@@ -7242,6 +7242,36 @@
           </a:p>
         </p:txBody>
       </p:sp>
+      <p:pic>
+        <p:nvPicPr>
+          <p:cNvPr id="3" name="Imagen 2" descr="Diagrama&#10;&#10;Descripción generada automáticamente">
+            <a:extLst>
+              <a:ext uri="{FF2B5EF4-FFF2-40B4-BE49-F238E27FC236}">
+                <a16:creationId xmlns:a16="http://schemas.microsoft.com/office/drawing/2014/main" id="{F47A5656-144F-C656-4BEA-7D79C5A4E8B8}"/>
+              </a:ext>
+            </a:extLst>
+          </p:cNvPr>
+          <p:cNvPicPr>
+            <a:picLocks noChangeAspect="1"/>
+          </p:cNvPicPr>
+          <p:nvPr/>
+        </p:nvPicPr>
+        <p:blipFill>
+          <a:blip r:embed="rId2"/>
+          <a:stretch>
+            <a:fillRect/>
+          </a:stretch>
+        </p:blipFill>
+        <p:spPr>
+          <a:xfrm>
+            <a:off x="0" y="0"/>
+            <a:ext cx="7456173" cy="6858000"/>
+          </a:xfrm>
+          <a:prstGeom prst="rect">
+            <a:avLst/>
+          </a:prstGeom>
+        </p:spPr>
+      </p:pic>
     </p:spTree>
     <p:extLst>
       <p:ext uri="{BB962C8B-B14F-4D97-AF65-F5344CB8AC3E}">
@@ -8208,8 +8238,8 @@
         </p:blipFill>
         <p:spPr>
           <a:xfrm>
-            <a:off x="1167539" y="1551940"/>
-            <a:ext cx="10214696" cy="3484083"/>
+            <a:off x="0" y="1754703"/>
+            <a:ext cx="12192000" cy="4158512"/>
           </a:xfrm>
           <a:prstGeom prst="rect">
             <a:avLst/>
@@ -8268,8 +8298,8 @@
         </p:blipFill>
         <p:spPr>
           <a:xfrm>
-            <a:off x="757117" y="1787857"/>
-            <a:ext cx="10472716" cy="2951328"/>
+            <a:off x="0" y="1711079"/>
+            <a:ext cx="12192000" cy="3435841"/>
           </a:xfrm>
           <a:prstGeom prst="rect">
             <a:avLst/>

--- a/PROYECTO FORMATIVO.pptx
+++ b/PROYECTO FORMATIVO.pptx
@@ -233,7 +233,7 @@
           <a:p>
             <a:fld id="{9660CB96-A603-FF42-AE46-F5F75F80A67B}" type="datetimeFigureOut">
               <a:rPr lang="es-CO" smtClean="0"/>
-              <a:t>22/09/2022</a:t>
+              <a:t>7/10/2022</a:t>
             </a:fld>
             <a:endParaRPr lang="es-CO"/>
           </a:p>
@@ -986,7 +986,7 @@
           <a:p>
             <a:fld id="{BD986248-06F7-A441-A47A-264EBD310E11}" type="datetimeFigureOut">
               <a:rPr lang="es-CO" smtClean="0"/>
-              <a:t>22/09/2022</a:t>
+              <a:t>7/10/2022</a:t>
             </a:fld>
             <a:endParaRPr lang="es-CO"/>
           </a:p>
@@ -1186,7 +1186,7 @@
           <a:p>
             <a:fld id="{BD986248-06F7-A441-A47A-264EBD310E11}" type="datetimeFigureOut">
               <a:rPr lang="es-CO" smtClean="0"/>
-              <a:t>22/09/2022</a:t>
+              <a:t>7/10/2022</a:t>
             </a:fld>
             <a:endParaRPr lang="es-CO"/>
           </a:p>
@@ -1396,7 +1396,7 @@
           <a:p>
             <a:fld id="{BD986248-06F7-A441-A47A-264EBD310E11}" type="datetimeFigureOut">
               <a:rPr lang="es-CO" smtClean="0"/>
-              <a:t>22/09/2022</a:t>
+              <a:t>7/10/2022</a:t>
             </a:fld>
             <a:endParaRPr lang="es-CO"/>
           </a:p>
@@ -2004,7 +2004,7 @@
           <a:p>
             <a:fld id="{BD986248-06F7-A441-A47A-264EBD310E11}" type="datetimeFigureOut">
               <a:rPr lang="es-CO" smtClean="0"/>
-              <a:t>22/09/2022</a:t>
+              <a:t>7/10/2022</a:t>
             </a:fld>
             <a:endParaRPr lang="es-CO"/>
           </a:p>
@@ -2280,7 +2280,7 @@
           <a:p>
             <a:fld id="{BD986248-06F7-A441-A47A-264EBD310E11}" type="datetimeFigureOut">
               <a:rPr lang="es-CO" smtClean="0"/>
-              <a:t>22/09/2022</a:t>
+              <a:t>7/10/2022</a:t>
             </a:fld>
             <a:endParaRPr lang="es-CO"/>
           </a:p>
@@ -2548,7 +2548,7 @@
           <a:p>
             <a:fld id="{BD986248-06F7-A441-A47A-264EBD310E11}" type="datetimeFigureOut">
               <a:rPr lang="es-CO" smtClean="0"/>
-              <a:t>22/09/2022</a:t>
+              <a:t>7/10/2022</a:t>
             </a:fld>
             <a:endParaRPr lang="es-CO"/>
           </a:p>
@@ -2963,7 +2963,7 @@
           <a:p>
             <a:fld id="{BD986248-06F7-A441-A47A-264EBD310E11}" type="datetimeFigureOut">
               <a:rPr lang="es-CO" smtClean="0"/>
-              <a:t>22/09/2022</a:t>
+              <a:t>7/10/2022</a:t>
             </a:fld>
             <a:endParaRPr lang="es-CO"/>
           </a:p>
@@ -3105,7 +3105,7 @@
           <a:p>
             <a:fld id="{BD986248-06F7-A441-A47A-264EBD310E11}" type="datetimeFigureOut">
               <a:rPr lang="es-CO" smtClean="0"/>
-              <a:t>22/09/2022</a:t>
+              <a:t>7/10/2022</a:t>
             </a:fld>
             <a:endParaRPr lang="es-CO"/>
           </a:p>
@@ -3218,7 +3218,7 @@
           <a:p>
             <a:fld id="{BD986248-06F7-A441-A47A-264EBD310E11}" type="datetimeFigureOut">
               <a:rPr lang="es-CO" smtClean="0"/>
-              <a:t>22/09/2022</a:t>
+              <a:t>7/10/2022</a:t>
             </a:fld>
             <a:endParaRPr lang="es-CO"/>
           </a:p>
@@ -3531,7 +3531,7 @@
           <a:p>
             <a:fld id="{BD986248-06F7-A441-A47A-264EBD310E11}" type="datetimeFigureOut">
               <a:rPr lang="es-CO" smtClean="0"/>
-              <a:t>22/09/2022</a:t>
+              <a:t>7/10/2022</a:t>
             </a:fld>
             <a:endParaRPr lang="es-CO"/>
           </a:p>
@@ -3820,7 +3820,7 @@
           <a:p>
             <a:fld id="{BD986248-06F7-A441-A47A-264EBD310E11}" type="datetimeFigureOut">
               <a:rPr lang="es-CO" smtClean="0"/>
-              <a:t>22/09/2022</a:t>
+              <a:t>7/10/2022</a:t>
             </a:fld>
             <a:endParaRPr lang="es-CO"/>
           </a:p>
@@ -4063,7 +4063,7 @@
           <a:p>
             <a:fld id="{BD986248-06F7-A441-A47A-264EBD310E11}" type="datetimeFigureOut">
               <a:rPr lang="es-CO" smtClean="0"/>
-              <a:t>22/09/2022</a:t>
+              <a:t>7/10/2022</a:t>
             </a:fld>
             <a:endParaRPr lang="es-CO"/>
           </a:p>
@@ -8378,12 +8378,96 @@
           </a:p>
         </p:txBody>
       </p:sp>
+      <p:sp>
+        <p:nvSpPr>
+          <p:cNvPr id="4" name="CuadroTexto 3">
+            <a:extLst>
+              <a:ext uri="{FF2B5EF4-FFF2-40B4-BE49-F238E27FC236}">
+                <a16:creationId xmlns:a16="http://schemas.microsoft.com/office/drawing/2014/main" id="{E914DB8B-506F-3288-25C6-F3D4FBF25337}"/>
+              </a:ext>
+            </a:extLst>
+          </p:cNvPr>
+          <p:cNvSpPr txBox="1"/>
+          <p:nvPr/>
+        </p:nvSpPr>
+        <p:spPr>
+          <a:xfrm>
+            <a:off x="0" y="1192163"/>
+            <a:ext cx="1716258" cy="461665"/>
+          </a:xfrm>
+          <a:prstGeom prst="rect">
+            <a:avLst/>
+          </a:prstGeom>
+          <a:noFill/>
+        </p:spPr>
+        <p:txBody>
+          <a:bodyPr wrap="square" rtlCol="0">
+            <a:spAutoFit/>
+          </a:bodyPr>
+          <a:lstStyle/>
+          <a:p>
+            <a:r>
+              <a:rPr lang="es-CO" sz="2400" dirty="0">
+                <a:solidFill>
+                  <a:schemeClr val="bg1">
+                    <a:lumMod val="65000"/>
+                  </a:schemeClr>
+                </a:solidFill>
+                <a:cs typeface="Calibri" panose="020F0502020204030204" pitchFamily="34" charset="0"/>
+              </a:rPr>
+              <a:t>Efectos</a:t>
+            </a:r>
+          </a:p>
+        </p:txBody>
+      </p:sp>
+      <p:sp>
+        <p:nvSpPr>
+          <p:cNvPr id="5" name="CuadroTexto 4">
+            <a:extLst>
+              <a:ext uri="{FF2B5EF4-FFF2-40B4-BE49-F238E27FC236}">
+                <a16:creationId xmlns:a16="http://schemas.microsoft.com/office/drawing/2014/main" id="{506B1D66-C84B-BDE6-E274-324FF1879698}"/>
+              </a:ext>
+            </a:extLst>
+          </p:cNvPr>
+          <p:cNvSpPr txBox="1"/>
+          <p:nvPr/>
+        </p:nvSpPr>
+        <p:spPr>
+          <a:xfrm>
+            <a:off x="0" y="6119446"/>
+            <a:ext cx="1716258" cy="461665"/>
+          </a:xfrm>
+          <a:prstGeom prst="rect">
+            <a:avLst/>
+          </a:prstGeom>
+          <a:noFill/>
+        </p:spPr>
+        <p:txBody>
+          <a:bodyPr wrap="square" rtlCol="0">
+            <a:spAutoFit/>
+          </a:bodyPr>
+          <a:lstStyle/>
+          <a:p>
+            <a:r>
+              <a:rPr lang="es-CO" sz="2400" dirty="0">
+                <a:solidFill>
+                  <a:schemeClr val="bg1">
+                    <a:lumMod val="65000"/>
+                  </a:schemeClr>
+                </a:solidFill>
+                <a:cs typeface="Calibri" panose="020F0502020204030204" pitchFamily="34" charset="0"/>
+              </a:rPr>
+              <a:t>Causas</a:t>
+            </a:r>
+          </a:p>
+        </p:txBody>
+      </p:sp>
       <p:pic>
         <p:nvPicPr>
-          <p:cNvPr id="3" name="Imagen 2">
-            <a:extLst>
-              <a:ext uri="{FF2B5EF4-FFF2-40B4-BE49-F238E27FC236}">
-                <a16:creationId xmlns:a16="http://schemas.microsoft.com/office/drawing/2014/main" id="{01B225C4-8D04-79A2-E7CC-1B004C864A9B}"/>
+          <p:cNvPr id="7" name="Imagen 6" descr="Tabla&#10;&#10;Descripción generada automáticamente">
+            <a:extLst>
+              <a:ext uri="{FF2B5EF4-FFF2-40B4-BE49-F238E27FC236}">
+                <a16:creationId xmlns:a16="http://schemas.microsoft.com/office/drawing/2014/main" id="{43433673-D515-1A6E-A9A5-03DBE7CBBBE0}"/>
               </a:ext>
             </a:extLst>
           </p:cNvPr>
@@ -8400,98 +8484,14 @@
         </p:blipFill>
         <p:spPr>
           <a:xfrm>
-            <a:off x="2783" y="1755517"/>
-            <a:ext cx="12189217" cy="4363929"/>
+            <a:off x="0" y="1653828"/>
+            <a:ext cx="12192000" cy="4364926"/>
           </a:xfrm>
           <a:prstGeom prst="rect">
             <a:avLst/>
           </a:prstGeom>
         </p:spPr>
       </p:pic>
-      <p:sp>
-        <p:nvSpPr>
-          <p:cNvPr id="4" name="CuadroTexto 3">
-            <a:extLst>
-              <a:ext uri="{FF2B5EF4-FFF2-40B4-BE49-F238E27FC236}">
-                <a16:creationId xmlns:a16="http://schemas.microsoft.com/office/drawing/2014/main" id="{E914DB8B-506F-3288-25C6-F3D4FBF25337}"/>
-              </a:ext>
-            </a:extLst>
-          </p:cNvPr>
-          <p:cNvSpPr txBox="1"/>
-          <p:nvPr/>
-        </p:nvSpPr>
-        <p:spPr>
-          <a:xfrm>
-            <a:off x="0" y="1192163"/>
-            <a:ext cx="1716258" cy="461665"/>
-          </a:xfrm>
-          <a:prstGeom prst="rect">
-            <a:avLst/>
-          </a:prstGeom>
-          <a:noFill/>
-        </p:spPr>
-        <p:txBody>
-          <a:bodyPr wrap="square" rtlCol="0">
-            <a:spAutoFit/>
-          </a:bodyPr>
-          <a:lstStyle/>
-          <a:p>
-            <a:r>
-              <a:rPr lang="es-CO" sz="2400" dirty="0">
-                <a:solidFill>
-                  <a:schemeClr val="bg1">
-                    <a:lumMod val="65000"/>
-                  </a:schemeClr>
-                </a:solidFill>
-                <a:cs typeface="Calibri" panose="020F0502020204030204" pitchFamily="34" charset="0"/>
-              </a:rPr>
-              <a:t>Efectos</a:t>
-            </a:r>
-          </a:p>
-        </p:txBody>
-      </p:sp>
-      <p:sp>
-        <p:nvSpPr>
-          <p:cNvPr id="5" name="CuadroTexto 4">
-            <a:extLst>
-              <a:ext uri="{FF2B5EF4-FFF2-40B4-BE49-F238E27FC236}">
-                <a16:creationId xmlns:a16="http://schemas.microsoft.com/office/drawing/2014/main" id="{506B1D66-C84B-BDE6-E274-324FF1879698}"/>
-              </a:ext>
-            </a:extLst>
-          </p:cNvPr>
-          <p:cNvSpPr txBox="1"/>
-          <p:nvPr/>
-        </p:nvSpPr>
-        <p:spPr>
-          <a:xfrm>
-            <a:off x="0" y="6119446"/>
-            <a:ext cx="1716258" cy="461665"/>
-          </a:xfrm>
-          <a:prstGeom prst="rect">
-            <a:avLst/>
-          </a:prstGeom>
-          <a:noFill/>
-        </p:spPr>
-        <p:txBody>
-          <a:bodyPr wrap="square" rtlCol="0">
-            <a:spAutoFit/>
-          </a:bodyPr>
-          <a:lstStyle/>
-          <a:p>
-            <a:r>
-              <a:rPr lang="es-CO" sz="2400" dirty="0">
-                <a:solidFill>
-                  <a:schemeClr val="bg1">
-                    <a:lumMod val="65000"/>
-                  </a:schemeClr>
-                </a:solidFill>
-                <a:cs typeface="Calibri" panose="020F0502020204030204" pitchFamily="34" charset="0"/>
-              </a:rPr>
-              <a:t>Causas</a:t>
-            </a:r>
-          </a:p>
-        </p:txBody>
-      </p:sp>
     </p:spTree>
     <p:extLst>
       <p:ext uri="{BB962C8B-B14F-4D97-AF65-F5344CB8AC3E}">
@@ -9721,7 +9721,7 @@
                 <a:cs typeface="Calibri" panose="020F0502020204030204" pitchFamily="34" charset="0"/>
                 <a:sym typeface="Helvetica Neue"/>
               </a:rPr>
-              <a:t>, ya que estos no tienen la posibilidad de aumentar su área de cobertura y no tienen un proceso efectivo para darse a conocer a los clientes potenciales,  </a:t>
+              <a:t>, ya que estos no tienen la posibilidad de aumentar su área de cobertura y no tienen un proceso efectivo para darse a conocer a los clientes potenciales, </a:t>
             </a:r>
             <a:r>
               <a:rPr kumimoji="0" lang="es-ES" sz="2400" b="0" i="0" u="none" strike="noStrike" cap="none" spc="0" normalizeH="0" baseline="0" dirty="0">
@@ -9994,7 +9994,7 @@
         </p:nvSpPr>
         <p:spPr>
           <a:xfrm>
-            <a:off x="0" y="5545417"/>
+            <a:off x="0" y="5746994"/>
             <a:ext cx="1716258" cy="461665"/>
           </a:xfrm>
           <a:prstGeom prst="rect">
@@ -10024,10 +10024,10 @@
       </p:sp>
       <p:pic>
         <p:nvPicPr>
-          <p:cNvPr id="6" name="Imagen 5" descr="Tabla&#10;&#10;Descripción generada automáticamente con confianza baja">
-            <a:extLst>
-              <a:ext uri="{FF2B5EF4-FFF2-40B4-BE49-F238E27FC236}">
-                <a16:creationId xmlns:a16="http://schemas.microsoft.com/office/drawing/2014/main" id="{FE3071A7-40B0-260A-5F40-D691510475D1}"/>
+          <p:cNvPr id="7" name="Imagen 6" descr="Tabla&#10;&#10;Descripción generada automáticamente con confianza baja">
+            <a:extLst>
+              <a:ext uri="{FF2B5EF4-FFF2-40B4-BE49-F238E27FC236}">
+                <a16:creationId xmlns:a16="http://schemas.microsoft.com/office/drawing/2014/main" id="{C0EED338-072C-B4E5-3D53-FEA04262A162}"/>
               </a:ext>
             </a:extLst>
           </p:cNvPr>
@@ -10038,13 +10038,13 @@
         </p:nvPicPr>
         <p:blipFill rotWithShape="1">
           <a:blip r:embed="rId3"/>
-          <a:srcRect r="18954" b="39205"/>
+          <a:srcRect r="16916" b="34329"/>
           <a:stretch/>
         </p:blipFill>
         <p:spPr>
           <a:xfrm>
-            <a:off x="0" y="1977385"/>
-            <a:ext cx="12192000" cy="3568032"/>
+            <a:off x="1" y="1977385"/>
+            <a:ext cx="12192000" cy="3769609"/>
           </a:xfrm>
           <a:prstGeom prst="rect">
             <a:avLst/>
@@ -11597,7 +11597,7 @@
                 <a:latin typeface="Calibri" panose="020F0502020204030204" pitchFamily="34" charset="0"/>
                 <a:cs typeface="Calibri" panose="020F0502020204030204" pitchFamily="34" charset="0"/>
               </a:rPr>
-              <a:t>Genero: </a:t>
+              <a:t>Género: </a:t>
             </a:r>
             <a:r>
               <a:rPr lang="es-ES" sz="1600" dirty="0">
@@ -11636,7 +11636,7 @@
                 <a:latin typeface="Calibri" panose="020F0502020204030204" pitchFamily="34" charset="0"/>
                 <a:cs typeface="Calibri" panose="020F0502020204030204" pitchFamily="34" charset="0"/>
               </a:rPr>
-              <a:t>Antioquia(Regional)</a:t>
+              <a:t>Antioquia (Regional)</a:t>
             </a:r>
           </a:p>
           <a:p>
@@ -11658,7 +11658,7 @@
                 <a:latin typeface="Calibri" panose="020F0502020204030204" pitchFamily="34" charset="0"/>
                 <a:cs typeface="Calibri" panose="020F0502020204030204" pitchFamily="34" charset="0"/>
               </a:rPr>
-              <a:t>- Adquirir y ofrecer  servicios.</a:t>
+              <a:t>- Adquirir y ofrecer servicios.</a:t>
             </a:r>
           </a:p>
         </p:txBody>

--- a/PROYECTO FORMATIVO.pptx
+++ b/PROYECTO FORMATIVO.pptx
@@ -233,7 +233,7 @@
           <a:p>
             <a:fld id="{9660CB96-A603-FF42-AE46-F5F75F80A67B}" type="datetimeFigureOut">
               <a:rPr lang="es-CO" smtClean="0"/>
-              <a:t>7/10/2022</a:t>
+              <a:t>17/10/2022</a:t>
             </a:fld>
             <a:endParaRPr lang="es-CO"/>
           </a:p>
@@ -545,7 +545,7 @@
           <a:bodyPr/>
           <a:lstStyle/>
           <a:p>
-            <a:endParaRPr lang="es-CO"/>
+            <a:endParaRPr lang="es-CO" dirty="0"/>
           </a:p>
         </p:txBody>
       </p:sp>
@@ -986,7 +986,7 @@
           <a:p>
             <a:fld id="{BD986248-06F7-A441-A47A-264EBD310E11}" type="datetimeFigureOut">
               <a:rPr lang="es-CO" smtClean="0"/>
-              <a:t>7/10/2022</a:t>
+              <a:t>17/10/2022</a:t>
             </a:fld>
             <a:endParaRPr lang="es-CO"/>
           </a:p>
@@ -1186,7 +1186,7 @@
           <a:p>
             <a:fld id="{BD986248-06F7-A441-A47A-264EBD310E11}" type="datetimeFigureOut">
               <a:rPr lang="es-CO" smtClean="0"/>
-              <a:t>7/10/2022</a:t>
+              <a:t>17/10/2022</a:t>
             </a:fld>
             <a:endParaRPr lang="es-CO"/>
           </a:p>
@@ -1396,7 +1396,7 @@
           <a:p>
             <a:fld id="{BD986248-06F7-A441-A47A-264EBD310E11}" type="datetimeFigureOut">
               <a:rPr lang="es-CO" smtClean="0"/>
-              <a:t>7/10/2022</a:t>
+              <a:t>17/10/2022</a:t>
             </a:fld>
             <a:endParaRPr lang="es-CO"/>
           </a:p>
@@ -2004,7 +2004,7 @@
           <a:p>
             <a:fld id="{BD986248-06F7-A441-A47A-264EBD310E11}" type="datetimeFigureOut">
               <a:rPr lang="es-CO" smtClean="0"/>
-              <a:t>7/10/2022</a:t>
+              <a:t>17/10/2022</a:t>
             </a:fld>
             <a:endParaRPr lang="es-CO"/>
           </a:p>
@@ -2280,7 +2280,7 @@
           <a:p>
             <a:fld id="{BD986248-06F7-A441-A47A-264EBD310E11}" type="datetimeFigureOut">
               <a:rPr lang="es-CO" smtClean="0"/>
-              <a:t>7/10/2022</a:t>
+              <a:t>17/10/2022</a:t>
             </a:fld>
             <a:endParaRPr lang="es-CO"/>
           </a:p>
@@ -2548,7 +2548,7 @@
           <a:p>
             <a:fld id="{BD986248-06F7-A441-A47A-264EBD310E11}" type="datetimeFigureOut">
               <a:rPr lang="es-CO" smtClean="0"/>
-              <a:t>7/10/2022</a:t>
+              <a:t>17/10/2022</a:t>
             </a:fld>
             <a:endParaRPr lang="es-CO"/>
           </a:p>
@@ -2963,7 +2963,7 @@
           <a:p>
             <a:fld id="{BD986248-06F7-A441-A47A-264EBD310E11}" type="datetimeFigureOut">
               <a:rPr lang="es-CO" smtClean="0"/>
-              <a:t>7/10/2022</a:t>
+              <a:t>17/10/2022</a:t>
             </a:fld>
             <a:endParaRPr lang="es-CO"/>
           </a:p>
@@ -3105,7 +3105,7 @@
           <a:p>
             <a:fld id="{BD986248-06F7-A441-A47A-264EBD310E11}" type="datetimeFigureOut">
               <a:rPr lang="es-CO" smtClean="0"/>
-              <a:t>7/10/2022</a:t>
+              <a:t>17/10/2022</a:t>
             </a:fld>
             <a:endParaRPr lang="es-CO"/>
           </a:p>
@@ -3218,7 +3218,7 @@
           <a:p>
             <a:fld id="{BD986248-06F7-A441-A47A-264EBD310E11}" type="datetimeFigureOut">
               <a:rPr lang="es-CO" smtClean="0"/>
-              <a:t>7/10/2022</a:t>
+              <a:t>17/10/2022</a:t>
             </a:fld>
             <a:endParaRPr lang="es-CO"/>
           </a:p>
@@ -3531,7 +3531,7 @@
           <a:p>
             <a:fld id="{BD986248-06F7-A441-A47A-264EBD310E11}" type="datetimeFigureOut">
               <a:rPr lang="es-CO" smtClean="0"/>
-              <a:t>7/10/2022</a:t>
+              <a:t>17/10/2022</a:t>
             </a:fld>
             <a:endParaRPr lang="es-CO"/>
           </a:p>
@@ -3820,7 +3820,7 @@
           <a:p>
             <a:fld id="{BD986248-06F7-A441-A47A-264EBD310E11}" type="datetimeFigureOut">
               <a:rPr lang="es-CO" smtClean="0"/>
-              <a:t>7/10/2022</a:t>
+              <a:t>17/10/2022</a:t>
             </a:fld>
             <a:endParaRPr lang="es-CO"/>
           </a:p>
@@ -4063,7 +4063,7 @@
           <a:p>
             <a:fld id="{BD986248-06F7-A441-A47A-264EBD310E11}" type="datetimeFigureOut">
               <a:rPr lang="es-CO" smtClean="0"/>
-              <a:t>7/10/2022</a:t>
+              <a:t>17/10/2022</a:t>
             </a:fld>
             <a:endParaRPr lang="es-CO"/>
           </a:p>
@@ -4704,7 +4704,7 @@
                 <a:cs typeface="Calibri" panose="020F0502020204030204" pitchFamily="34" charset="0"/>
                 <a:sym typeface="Helvetica Neue"/>
               </a:rPr>
-              <a:t>El sistema debe registrar información de los clientes y proveedores de servicios.</a:t>
+              <a:t>El sistema debe registrar información de los clientes y prestadores de servicios.</a:t>
             </a:r>
           </a:p>
           <a:p>
@@ -4764,7 +4764,7 @@
                 <a:cs typeface="Calibri" panose="020F0502020204030204" pitchFamily="34" charset="0"/>
                 <a:sym typeface="Helvetica Neue"/>
               </a:rPr>
-              <a:t>El sistema debe permitir a los usuarios registrar solicitudes de servicios.</a:t>
+              <a:t>El sistema debe permitir a los clientes registrar solicitudes de servicios.</a:t>
             </a:r>
           </a:p>
           <a:p>
@@ -4779,7 +4779,7 @@
                 <a:cs typeface="Calibri" panose="020F0502020204030204" pitchFamily="34" charset="0"/>
                 <a:sym typeface="Helvetica Neue"/>
               </a:rPr>
-              <a:t>El sistema debe generar un reporte sobre el historial de los servicios realizados por un proveedor.</a:t>
+              <a:t>El sistema debe generar un reporte sobre el historial de los servicios realizados por un prestador de servicios.</a:t>
             </a:r>
           </a:p>
           <a:p>
@@ -4794,7 +4794,7 @@
                 <a:cs typeface="Calibri" panose="020F0502020204030204" pitchFamily="34" charset="0"/>
                 <a:sym typeface="Helvetica Neue"/>
               </a:rPr>
-              <a:t>El sistema debe generar un reporte sobre el historial de los servicios adquiridos por un usuario.</a:t>
+              <a:t>El sistema debe generar un reporte sobre el historial de los servicios adquiridos por un cliente.</a:t>
             </a:r>
           </a:p>
           <a:p>
@@ -4809,7 +4809,7 @@
                 <a:cs typeface="Calibri" panose="020F0502020204030204" pitchFamily="34" charset="0"/>
                 <a:sym typeface="Helvetica Neue"/>
               </a:rPr>
-              <a:t>El sistema debe permitir al usuario registrarle una calificación al servicio adquirido.</a:t>
+              <a:t>El sistema debe permitir al cliente registrarle una calificación al servicio adquirido.</a:t>
             </a:r>
           </a:p>
           <a:p>
@@ -6487,8 +6487,8 @@
         </p:nvSpPr>
         <p:spPr>
           <a:xfrm>
-            <a:off x="2367043" y="3684634"/>
-            <a:ext cx="7457911" cy="954107"/>
+            <a:off x="2748779" y="3743388"/>
+            <a:ext cx="6694440" cy="1384995"/>
           </a:xfrm>
           <a:prstGeom prst="rect">
             <a:avLst/>
@@ -8464,10 +8464,10 @@
       </p:sp>
       <p:pic>
         <p:nvPicPr>
-          <p:cNvPr id="7" name="Imagen 6" descr="Tabla&#10;&#10;Descripción generada automáticamente">
-            <a:extLst>
-              <a:ext uri="{FF2B5EF4-FFF2-40B4-BE49-F238E27FC236}">
-                <a16:creationId xmlns:a16="http://schemas.microsoft.com/office/drawing/2014/main" id="{43433673-D515-1A6E-A9A5-03DBE7CBBBE0}"/>
+          <p:cNvPr id="6" name="Imagen 5">
+            <a:extLst>
+              <a:ext uri="{FF2B5EF4-FFF2-40B4-BE49-F238E27FC236}">
+                <a16:creationId xmlns:a16="http://schemas.microsoft.com/office/drawing/2014/main" id="{29D234EB-72A0-14FC-1353-C24D5E446427}"/>
               </a:ext>
             </a:extLst>
           </p:cNvPr>
@@ -8484,8 +8484,8 @@
         </p:blipFill>
         <p:spPr>
           <a:xfrm>
-            <a:off x="0" y="1653828"/>
-            <a:ext cx="12192000" cy="4364926"/>
+            <a:off x="0" y="1552050"/>
+            <a:ext cx="12192000" cy="4669174"/>
           </a:xfrm>
           <a:prstGeom prst="rect">
             <a:avLst/>
@@ -9104,7 +9104,7 @@
                 <a:cs typeface="Calibir"/>
                 <a:sym typeface="Helvetica Neue"/>
               </a:rPr>
-              <a:t>Según los datos expuestos, podemos concluir que nuestra aplicación web va a ser un canal de comunicación para clientes y proveedores que estén dispuestos a dar a conocer sus servicios, generando así mas ganancias, una negociación a una escala mayor y aumentando la credibilidad de aquellos prestadores de servicios que requieran una ayuda.</a:t>
+              <a:t>Según los datos expuestos, podemos concluir que nuestra aplicación web va a ser un canal de comunicación para clientes y prestadores de servicios que estén dispuestos a darse a conocer, generando así mas ganancias, una negociación a una escala mayor y aumentando la credibilidad de aquellos prestadores de servicios que requieran una ayuda.</a:t>
             </a:r>
           </a:p>
         </p:txBody>
@@ -9713,7 +9713,7 @@
                 <a:cs typeface="Calibri" panose="020F0502020204030204" pitchFamily="34" charset="0"/>
                 <a:sym typeface="Helvetica Neue"/>
               </a:rPr>
-              <a:t>El proyecto se desea llevar a cabo debido al desconocimiento por parte de los clientes acerca de los servicios ofrecidos por la comunidad</a:t>
+              <a:t>El proyecto se desea llevar a cabo debido a la falta de </a:t>
             </a:r>
             <a:r>
               <a:rPr lang="es-ES" sz="2400" dirty="0">
@@ -9721,7 +9721,28 @@
                 <a:cs typeface="Calibri" panose="020F0502020204030204" pitchFamily="34" charset="0"/>
                 <a:sym typeface="Helvetica Neue"/>
               </a:rPr>
-              <a:t>, ya que estos no tienen la posibilidad de aumentar su área de cobertura y no tienen un proceso efectivo para darse a conocer a los clientes potenciales, </a:t>
+              <a:t>información sobre </a:t>
+            </a:r>
+            <a:r>
+              <a:rPr kumimoji="0" lang="es-ES" sz="2400" b="0" i="0" u="none" strike="noStrike" cap="none" spc="0" normalizeH="0" baseline="0" dirty="0">
+                <a:ln>
+                  <a:noFill/>
+                </a:ln>
+                <a:effectLst/>
+                <a:uFillTx/>
+                <a:ea typeface="Helvetica Neue"/>
+                <a:cs typeface="Calibri" panose="020F0502020204030204" pitchFamily="34" charset="0"/>
+                <a:sym typeface="Helvetica Neue"/>
+              </a:rPr>
+              <a:t>las personas que prestan servicios en la comunidad de manera independiente</a:t>
+            </a:r>
+            <a:r>
+              <a:rPr lang="es-ES" sz="2400" dirty="0">
+                <a:ea typeface="Helvetica Neue"/>
+                <a:cs typeface="Calibri" panose="020F0502020204030204" pitchFamily="34" charset="0"/>
+                <a:sym typeface="Helvetica Neue"/>
+              </a:rPr>
+              <a:t>, ya que estos no tienen la posibilidad de aumentar su área de cobertura y no tienen un proceso efectivo para darse a conocer, </a:t>
             </a:r>
             <a:r>
               <a:rPr kumimoji="0" lang="es-ES" sz="2400" b="0" i="0" u="none" strike="noStrike" cap="none" spc="0" normalizeH="0" baseline="0" dirty="0">
@@ -10024,10 +10045,10 @@
       </p:sp>
       <p:pic>
         <p:nvPicPr>
-          <p:cNvPr id="7" name="Imagen 6" descr="Tabla&#10;&#10;Descripción generada automáticamente con confianza baja">
-            <a:extLst>
-              <a:ext uri="{FF2B5EF4-FFF2-40B4-BE49-F238E27FC236}">
-                <a16:creationId xmlns:a16="http://schemas.microsoft.com/office/drawing/2014/main" id="{C0EED338-072C-B4E5-3D53-FEA04262A162}"/>
+          <p:cNvPr id="6" name="Imagen 5">
+            <a:extLst>
+              <a:ext uri="{FF2B5EF4-FFF2-40B4-BE49-F238E27FC236}">
+                <a16:creationId xmlns:a16="http://schemas.microsoft.com/office/drawing/2014/main" id="{05718C58-5D11-A797-946C-848D1CB7C154}"/>
               </a:ext>
             </a:extLst>
           </p:cNvPr>
@@ -10038,13 +10059,13 @@
         </p:nvPicPr>
         <p:blipFill rotWithShape="1">
           <a:blip r:embed="rId3"/>
-          <a:srcRect r="16916" b="34329"/>
+          <a:srcRect r="18084" b="37852"/>
           <a:stretch/>
         </p:blipFill>
         <p:spPr>
           <a:xfrm>
-            <a:off x="1" y="1977385"/>
-            <a:ext cx="12192000" cy="3769609"/>
+            <a:off x="-1" y="1932093"/>
+            <a:ext cx="12192001" cy="3599466"/>
           </a:xfrm>
           <a:prstGeom prst="rect">
             <a:avLst/>
@@ -10313,7 +10334,7 @@
         <p:spPr>
           <a:xfrm>
             <a:off x="184553" y="2218412"/>
-            <a:ext cx="8704267" cy="1200329"/>
+            <a:ext cx="10871374" cy="769441"/>
           </a:xfrm>
           <a:prstGeom prst="rect">
             <a:avLst/>
@@ -10328,15 +10349,15 @@
           <a:p>
             <a:pPr algn="just" defTabSz="1257621" hangingPunct="0"/>
             <a:r>
-              <a:rPr lang="es-ES" sz="2400" dirty="0">
-                <a:latin typeface="Calibri" panose="020F0502020204030204" pitchFamily="34" charset="0"/>
-                <a:ea typeface="Helvetica Neue"/>
-                <a:cs typeface="Calibri" panose="020F0502020204030204" pitchFamily="34" charset="0"/>
-                <a:sym typeface="Helvetica Neue"/>
-              </a:rPr>
-              <a:t>Desarrollar una aplicación web que permita conectar clientes potenciales y se les informe acerca de los servicios que se pueden adquirir mediante esta.</a:t>
-            </a:r>
-            <a:endParaRPr lang="es-ES" sz="2400" b="1" dirty="0">
+              <a:rPr lang="es-ES" sz="2200" dirty="0">
+                <a:solidFill>
+                  <a:srgbClr val="000000"/>
+                </a:solidFill>
+                <a:effectLst/>
+              </a:rPr>
+              <a:t>Desarrollar una aplicación web que permita conectar clientes y prestadores de servicios, para satisfacer las necesidades del mercado.</a:t>
+            </a:r>
+            <a:endParaRPr lang="es-ES" sz="2200" b="1" dirty="0">
               <a:latin typeface="Calibri" panose="020F0502020204030204" pitchFamily="34" charset="0"/>
               <a:ea typeface="Helvetica Neue"/>
               <a:cs typeface="Calibri" panose="020F0502020204030204" pitchFamily="34" charset="0"/>
@@ -10360,7 +10381,7 @@
         <p:spPr>
           <a:xfrm>
             <a:off x="184553" y="4449030"/>
-            <a:ext cx="9228807" cy="1938992"/>
+            <a:ext cx="11180133" cy="2154436"/>
           </a:xfrm>
           <a:prstGeom prst="rect">
             <a:avLst/>
@@ -10378,13 +10399,13 @@
               <a:buChar char="-"/>
             </a:pPr>
             <a:r>
-              <a:rPr lang="es-ES" sz="2400" dirty="0">
+              <a:rPr lang="es-ES" sz="2200" dirty="0">
                 <a:latin typeface="Calibri" panose="020F0502020204030204" pitchFamily="34" charset="0"/>
                 <a:ea typeface="Helvetica Neue"/>
                 <a:cs typeface="Calibri" panose="020F0502020204030204" pitchFamily="34" charset="0"/>
                 <a:sym typeface="Helvetica Neue"/>
               </a:rPr>
-              <a:t>Relacionar los actores que intervienen en una negociación.</a:t>
+              <a:t>Especificar los requisitos necesarios para desarrollar el sistema de información de acuerdo con las necesidades del cliente.</a:t>
             </a:r>
           </a:p>
           <a:p>
@@ -10393,13 +10414,23 @@
               <a:buChar char="-"/>
             </a:pPr>
             <a:r>
-              <a:rPr lang="es-ES" sz="2400" dirty="0">
+              <a:rPr lang="es-ES" sz="2400" dirty="0"/>
+              <a:t>Analizar los requisitos del cliente para construir el sistema de información.</a:t>
+            </a:r>
+          </a:p>
+          <a:p>
+            <a:pPr marL="380990" indent="-380990" algn="just" defTabSz="1257621" hangingPunct="0">
+              <a:buFontTx/>
+              <a:buChar char="-"/>
+            </a:pPr>
+            <a:r>
+              <a:rPr lang="es-ES" sz="2200" dirty="0">
                 <a:latin typeface="Calibri" panose="020F0502020204030204" pitchFamily="34" charset="0"/>
                 <a:ea typeface="Helvetica Neue"/>
                 <a:cs typeface="Calibri" panose="020F0502020204030204" pitchFamily="34" charset="0"/>
                 <a:sym typeface="Helvetica Neue"/>
               </a:rPr>
-              <a:t>Justificar la veracidad del proveedor para generar confianza a los clientes.</a:t>
+              <a:t>Diseñar el sistema de acuerdo con los requisitos del cliente.</a:t>
             </a:r>
           </a:p>
           <a:p>
@@ -10408,13 +10439,13 @@
               <a:buChar char="-"/>
             </a:pPr>
             <a:r>
-              <a:rPr lang="es-ES" sz="2400" dirty="0">
+              <a:rPr lang="es-ES" sz="2200" dirty="0">
                 <a:latin typeface="Calibri" panose="020F0502020204030204" pitchFamily="34" charset="0"/>
                 <a:ea typeface="Helvetica Neue"/>
                 <a:cs typeface="Calibri" panose="020F0502020204030204" pitchFamily="34" charset="0"/>
                 <a:sym typeface="Helvetica Neue"/>
               </a:rPr>
-              <a:t>Identificar las necesidades del mercado.</a:t>
+              <a:t>Construir el sistema que cumpla con los requisitos de la solución</a:t>
             </a:r>
           </a:p>
           <a:p>
@@ -10423,13 +10454,13 @@
               <a:buChar char="-"/>
             </a:pPr>
             <a:r>
-              <a:rPr lang="es-ES" sz="2400" dirty="0">
+              <a:rPr lang="es-ES" sz="2200" dirty="0">
                 <a:latin typeface="Calibri" panose="020F0502020204030204" pitchFamily="34" charset="0"/>
                 <a:ea typeface="Helvetica Neue"/>
                 <a:cs typeface="Calibri" panose="020F0502020204030204" pitchFamily="34" charset="0"/>
                 <a:sym typeface="Helvetica Neue"/>
               </a:rPr>
-              <a:t>Registrar estadísticas de negociaciones realizadas.</a:t>
+              <a:t>Implantar la solución que cumpla con los requisitos para su operación.</a:t>
             </a:r>
           </a:p>
         </p:txBody>
@@ -10905,7 +10936,7 @@
                 <a:latin typeface="Calibri" panose="020F0502020204030204" pitchFamily="34" charset="0"/>
                 <a:cs typeface="Calibri" panose="020F0502020204030204" pitchFamily="34" charset="0"/>
               </a:rPr>
-              <a:t>• Conectar clientes y proveedores.</a:t>
+              <a:t>• Conectar clientes y prestadores de servicios.</a:t>
             </a:r>
             <a:endParaRPr lang="es-CO" sz="2000" dirty="0">
               <a:solidFill>
@@ -11213,7 +11244,7 @@
                 <a:latin typeface="Calibri" panose="020F0502020204030204" pitchFamily="34" charset="0"/>
                 <a:cs typeface="Calibri" panose="020F0502020204030204" pitchFamily="34" charset="0"/>
               </a:rPr>
-              <a:t>-Somos un canal de comunicación entre inversores y emprendedores independientes.</a:t>
+              <a:t>-Somos un canal de comunicación entre clientes y prestadores de servicios independientes.</a:t>
             </a:r>
           </a:p>
           <a:p>
@@ -11579,7 +11610,7 @@
                 <a:latin typeface="Calibri" panose="020F0502020204030204" pitchFamily="34" charset="0"/>
                 <a:cs typeface="Calibri" panose="020F0502020204030204" pitchFamily="34" charset="0"/>
               </a:rPr>
-              <a:t>- Proveedores de servicios </a:t>
+              <a:t>- Prestadores de servicios </a:t>
             </a:r>
           </a:p>
           <a:p>
@@ -11770,7 +11801,7 @@
         <p:spPr>
           <a:xfrm>
             <a:off x="786806" y="1725374"/>
-            <a:ext cx="4642887" cy="2308324"/>
+            <a:ext cx="4642887" cy="2554545"/>
           </a:xfrm>
           <a:prstGeom prst="rect">
             <a:avLst/>
@@ -11827,7 +11858,7 @@
                 <a:latin typeface="Calibri" panose="020F0502020204030204" pitchFamily="34" charset="0"/>
                 <a:cs typeface="Calibri" panose="020F0502020204030204" pitchFamily="34" charset="0"/>
               </a:rPr>
-              <a:t>- Calificar comunicación entre cliente y proveedor.</a:t>
+              <a:t>- Calificar comunicación entre cliente y prestador de servicios.</a:t>
             </a:r>
           </a:p>
           <a:p>

--- a/PROYECTO FORMATIVO.pptx
+++ b/PROYECTO FORMATIVO.pptx
@@ -233,7 +233,7 @@
           <a:p>
             <a:fld id="{9660CB96-A603-FF42-AE46-F5F75F80A67B}" type="datetimeFigureOut">
               <a:rPr lang="es-CO" smtClean="0"/>
-              <a:t>17/10/2022</a:t>
+              <a:t>21/10/2022</a:t>
             </a:fld>
             <a:endParaRPr lang="es-CO"/>
           </a:p>
@@ -986,7 +986,7 @@
           <a:p>
             <a:fld id="{BD986248-06F7-A441-A47A-264EBD310E11}" type="datetimeFigureOut">
               <a:rPr lang="es-CO" smtClean="0"/>
-              <a:t>17/10/2022</a:t>
+              <a:t>21/10/2022</a:t>
             </a:fld>
             <a:endParaRPr lang="es-CO"/>
           </a:p>
@@ -1186,7 +1186,7 @@
           <a:p>
             <a:fld id="{BD986248-06F7-A441-A47A-264EBD310E11}" type="datetimeFigureOut">
               <a:rPr lang="es-CO" smtClean="0"/>
-              <a:t>17/10/2022</a:t>
+              <a:t>21/10/2022</a:t>
             </a:fld>
             <a:endParaRPr lang="es-CO"/>
           </a:p>
@@ -1396,7 +1396,7 @@
           <a:p>
             <a:fld id="{BD986248-06F7-A441-A47A-264EBD310E11}" type="datetimeFigureOut">
               <a:rPr lang="es-CO" smtClean="0"/>
-              <a:t>17/10/2022</a:t>
+              <a:t>21/10/2022</a:t>
             </a:fld>
             <a:endParaRPr lang="es-CO"/>
           </a:p>
@@ -2004,7 +2004,7 @@
           <a:p>
             <a:fld id="{BD986248-06F7-A441-A47A-264EBD310E11}" type="datetimeFigureOut">
               <a:rPr lang="es-CO" smtClean="0"/>
-              <a:t>17/10/2022</a:t>
+              <a:t>21/10/2022</a:t>
             </a:fld>
             <a:endParaRPr lang="es-CO"/>
           </a:p>
@@ -2280,7 +2280,7 @@
           <a:p>
             <a:fld id="{BD986248-06F7-A441-A47A-264EBD310E11}" type="datetimeFigureOut">
               <a:rPr lang="es-CO" smtClean="0"/>
-              <a:t>17/10/2022</a:t>
+              <a:t>21/10/2022</a:t>
             </a:fld>
             <a:endParaRPr lang="es-CO"/>
           </a:p>
@@ -2548,7 +2548,7 @@
           <a:p>
             <a:fld id="{BD986248-06F7-A441-A47A-264EBD310E11}" type="datetimeFigureOut">
               <a:rPr lang="es-CO" smtClean="0"/>
-              <a:t>17/10/2022</a:t>
+              <a:t>21/10/2022</a:t>
             </a:fld>
             <a:endParaRPr lang="es-CO"/>
           </a:p>
@@ -2963,7 +2963,7 @@
           <a:p>
             <a:fld id="{BD986248-06F7-A441-A47A-264EBD310E11}" type="datetimeFigureOut">
               <a:rPr lang="es-CO" smtClean="0"/>
-              <a:t>17/10/2022</a:t>
+              <a:t>21/10/2022</a:t>
             </a:fld>
             <a:endParaRPr lang="es-CO"/>
           </a:p>
@@ -3105,7 +3105,7 @@
           <a:p>
             <a:fld id="{BD986248-06F7-A441-A47A-264EBD310E11}" type="datetimeFigureOut">
               <a:rPr lang="es-CO" smtClean="0"/>
-              <a:t>17/10/2022</a:t>
+              <a:t>21/10/2022</a:t>
             </a:fld>
             <a:endParaRPr lang="es-CO"/>
           </a:p>
@@ -3218,7 +3218,7 @@
           <a:p>
             <a:fld id="{BD986248-06F7-A441-A47A-264EBD310E11}" type="datetimeFigureOut">
               <a:rPr lang="es-CO" smtClean="0"/>
-              <a:t>17/10/2022</a:t>
+              <a:t>21/10/2022</a:t>
             </a:fld>
             <a:endParaRPr lang="es-CO"/>
           </a:p>
@@ -3531,7 +3531,7 @@
           <a:p>
             <a:fld id="{BD986248-06F7-A441-A47A-264EBD310E11}" type="datetimeFigureOut">
               <a:rPr lang="es-CO" smtClean="0"/>
-              <a:t>17/10/2022</a:t>
+              <a:t>21/10/2022</a:t>
             </a:fld>
             <a:endParaRPr lang="es-CO"/>
           </a:p>
@@ -3820,7 +3820,7 @@
           <a:p>
             <a:fld id="{BD986248-06F7-A441-A47A-264EBD310E11}" type="datetimeFigureOut">
               <a:rPr lang="es-CO" smtClean="0"/>
-              <a:t>17/10/2022</a:t>
+              <a:t>21/10/2022</a:t>
             </a:fld>
             <a:endParaRPr lang="es-CO"/>
           </a:p>
@@ -4063,7 +4063,7 @@
           <a:p>
             <a:fld id="{BD986248-06F7-A441-A47A-264EBD310E11}" type="datetimeFigureOut">
               <a:rPr lang="es-CO" smtClean="0"/>
-              <a:t>17/10/2022</a:t>
+              <a:t>21/10/2022</a:t>
             </a:fld>
             <a:endParaRPr lang="es-CO"/>
           </a:p>
@@ -6488,7 +6488,7 @@
         <p:spPr>
           <a:xfrm>
             <a:off x="2748779" y="3743388"/>
-            <a:ext cx="6694440" cy="1384995"/>
+            <a:ext cx="6694440" cy="2246769"/>
           </a:xfrm>
           <a:prstGeom prst="rect">
             <a:avLst/>
@@ -6504,15 +6504,33 @@
             <a:pPr algn="ctr"/>
             <a:r>
               <a:rPr lang="es-ES" sz="2800" dirty="0">
-                <a:solidFill>
-                  <a:schemeClr val="tx1">
-                    <a:lumMod val="75000"/>
-                    <a:lumOff val="25000"/>
-                  </a:schemeClr>
-                </a:solidFill>
-              </a:rPr>
-              <a:t>Poco conocimiento por parte de la comunidad acerca de los servicios que se pueden adquirir.</a:t>
-            </a:r>
+                <a:ea typeface="Helvetica Neue"/>
+                <a:cs typeface="Calibri" panose="020F0502020204030204" pitchFamily="34" charset="0"/>
+                <a:sym typeface="Helvetica Neue"/>
+              </a:rPr>
+              <a:t>Poca información sobre </a:t>
+            </a:r>
+            <a:r>
+              <a:rPr kumimoji="0" lang="es-ES" sz="2800" b="0" i="0" u="none" strike="noStrike" cap="none" spc="0" normalizeH="0" baseline="0" dirty="0">
+                <a:ln>
+                  <a:noFill/>
+                </a:ln>
+                <a:effectLst/>
+                <a:uFillTx/>
+                <a:ea typeface="Helvetica Neue"/>
+                <a:cs typeface="Calibri" panose="020F0502020204030204" pitchFamily="34" charset="0"/>
+                <a:sym typeface="Helvetica Neue"/>
+              </a:rPr>
+              <a:t>las personas que prestan servicios como mantenimiento, trabajos domésticos, remodelación y albañilería, salud y belleza en la comunidad de manera independiente.</a:t>
+            </a:r>
+            <a:endParaRPr lang="es-ES" sz="2800" dirty="0">
+              <a:solidFill>
+                <a:schemeClr val="tx1">
+                  <a:lumMod val="75000"/>
+                  <a:lumOff val="25000"/>
+                </a:schemeClr>
+              </a:solidFill>
+            </a:endParaRPr>
           </a:p>
         </p:txBody>
       </p:sp>
@@ -8350,7 +8368,7 @@
         </p:nvSpPr>
         <p:spPr>
           <a:xfrm>
-            <a:off x="3112632" y="484277"/>
+            <a:off x="3112632" y="238056"/>
             <a:ext cx="5966736" cy="707886"/>
           </a:xfrm>
           <a:prstGeom prst="rect">
@@ -8392,7 +8410,7 @@
         </p:nvSpPr>
         <p:spPr>
           <a:xfrm>
-            <a:off x="0" y="1192163"/>
+            <a:off x="0" y="715109"/>
             <a:ext cx="1716258" cy="461665"/>
           </a:xfrm>
           <a:prstGeom prst="rect">
@@ -8434,7 +8452,7 @@
         </p:nvSpPr>
         <p:spPr>
           <a:xfrm>
-            <a:off x="0" y="6119446"/>
+            <a:off x="0" y="6329150"/>
             <a:ext cx="1716258" cy="461665"/>
           </a:xfrm>
           <a:prstGeom prst="rect">
@@ -8464,10 +8482,10 @@
       </p:sp>
       <p:pic>
         <p:nvPicPr>
-          <p:cNvPr id="6" name="Imagen 5">
-            <a:extLst>
-              <a:ext uri="{FF2B5EF4-FFF2-40B4-BE49-F238E27FC236}">
-                <a16:creationId xmlns:a16="http://schemas.microsoft.com/office/drawing/2014/main" id="{29D234EB-72A0-14FC-1353-C24D5E446427}"/>
+          <p:cNvPr id="7" name="Imagen 6">
+            <a:extLst>
+              <a:ext uri="{FF2B5EF4-FFF2-40B4-BE49-F238E27FC236}">
+                <a16:creationId xmlns:a16="http://schemas.microsoft.com/office/drawing/2014/main" id="{424C49BD-19E2-043B-A989-6C687F866829}"/>
               </a:ext>
             </a:extLst>
           </p:cNvPr>
@@ -8476,16 +8494,15 @@
           </p:cNvPicPr>
           <p:nvPr/>
         </p:nvPicPr>
-        <p:blipFill>
+        <p:blipFill rotWithShape="1">
           <a:blip r:embed="rId3"/>
-          <a:stretch>
-            <a:fillRect/>
-          </a:stretch>
+          <a:srcRect r="10116"/>
+          <a:stretch/>
         </p:blipFill>
         <p:spPr>
           <a:xfrm>
-            <a:off x="0" y="1552050"/>
-            <a:ext cx="12192000" cy="4669174"/>
+            <a:off x="0" y="1179092"/>
+            <a:ext cx="12192000" cy="5194631"/>
           </a:xfrm>
           <a:prstGeom prst="rect">
             <a:avLst/>
@@ -10334,7 +10351,7 @@
         <p:spPr>
           <a:xfrm>
             <a:off x="184553" y="2218412"/>
-            <a:ext cx="10871374" cy="769441"/>
+            <a:ext cx="10871374" cy="830997"/>
           </a:xfrm>
           <a:prstGeom prst="rect">
             <a:avLst/>
@@ -10349,7 +10366,7 @@
           <a:p>
             <a:pPr algn="just" defTabSz="1257621" hangingPunct="0"/>
             <a:r>
-              <a:rPr lang="es-ES" sz="2200" dirty="0">
+              <a:rPr lang="es-ES" sz="2400" dirty="0">
                 <a:solidFill>
                   <a:srgbClr val="000000"/>
                 </a:solidFill>
@@ -10357,7 +10374,7 @@
               </a:rPr>
               <a:t>Desarrollar una aplicación web que permita conectar clientes y prestadores de servicios, para satisfacer las necesidades del mercado.</a:t>
             </a:r>
-            <a:endParaRPr lang="es-ES" sz="2200" b="1" dirty="0">
+            <a:endParaRPr lang="es-ES" sz="2400" b="1" dirty="0">
               <a:latin typeface="Calibri" panose="020F0502020204030204" pitchFamily="34" charset="0"/>
               <a:ea typeface="Helvetica Neue"/>
               <a:cs typeface="Calibri" panose="020F0502020204030204" pitchFamily="34" charset="0"/>
@@ -10381,7 +10398,7 @@
         <p:spPr>
           <a:xfrm>
             <a:off x="184553" y="4449030"/>
-            <a:ext cx="11180133" cy="2154436"/>
+            <a:ext cx="11180133" cy="2308324"/>
           </a:xfrm>
           <a:prstGeom prst="rect">
             <a:avLst/>
@@ -10399,7 +10416,7 @@
               <a:buChar char="-"/>
             </a:pPr>
             <a:r>
-              <a:rPr lang="es-ES" sz="2200" dirty="0">
+              <a:rPr lang="es-ES" sz="2400" dirty="0">
                 <a:latin typeface="Calibri" panose="020F0502020204030204" pitchFamily="34" charset="0"/>
                 <a:ea typeface="Helvetica Neue"/>
                 <a:cs typeface="Calibri" panose="020F0502020204030204" pitchFamily="34" charset="0"/>
@@ -10424,7 +10441,7 @@
               <a:buChar char="-"/>
             </a:pPr>
             <a:r>
-              <a:rPr lang="es-ES" sz="2200" dirty="0">
+              <a:rPr lang="es-ES" sz="2400" dirty="0">
                 <a:latin typeface="Calibri" panose="020F0502020204030204" pitchFamily="34" charset="0"/>
                 <a:ea typeface="Helvetica Neue"/>
                 <a:cs typeface="Calibri" panose="020F0502020204030204" pitchFamily="34" charset="0"/>
@@ -10439,7 +10456,7 @@
               <a:buChar char="-"/>
             </a:pPr>
             <a:r>
-              <a:rPr lang="es-ES" sz="2200" dirty="0">
+              <a:rPr lang="es-ES" sz="2400" dirty="0">
                 <a:latin typeface="Calibri" panose="020F0502020204030204" pitchFamily="34" charset="0"/>
                 <a:ea typeface="Helvetica Neue"/>
                 <a:cs typeface="Calibri" panose="020F0502020204030204" pitchFamily="34" charset="0"/>
@@ -10454,7 +10471,7 @@
               <a:buChar char="-"/>
             </a:pPr>
             <a:r>
-              <a:rPr lang="es-ES" sz="2200" dirty="0">
+              <a:rPr lang="es-ES" sz="2400" dirty="0">
                 <a:latin typeface="Calibri" panose="020F0502020204030204" pitchFamily="34" charset="0"/>
                 <a:ea typeface="Helvetica Neue"/>
                 <a:cs typeface="Calibri" panose="020F0502020204030204" pitchFamily="34" charset="0"/>
@@ -11041,7 +11058,7 @@
         <p:spPr>
           <a:xfrm>
             <a:off x="92146" y="1364772"/>
-            <a:ext cx="3104709" cy="1323439"/>
+            <a:ext cx="3104709" cy="2062103"/>
           </a:xfrm>
           <a:prstGeom prst="rect">
             <a:avLst/>
@@ -11077,25 +11094,35 @@
             </a:r>
           </a:p>
           <a:p>
+            <a:pPr algn="ctr"/>
             <a:r>
               <a:rPr lang="es-ES" sz="1600" dirty="0">
-                <a:latin typeface="Calibri" panose="020F0502020204030204" pitchFamily="34" charset="0"/>
-                <a:ea typeface="MS Mincho" panose="02020609040205080304" pitchFamily="49" charset="-128"/>
+                <a:ea typeface="Helvetica Neue"/>
                 <a:cs typeface="Calibri" panose="020F0502020204030204" pitchFamily="34" charset="0"/>
-              </a:rPr>
-              <a:t>Poco conocimiento por parte de la comunidad acerca de los servicios que se pueden adquirir.</a:t>
-            </a:r>
-            <a:endParaRPr lang="es-CO" sz="1600" dirty="0">
-              <a:latin typeface="Calibri" panose="020F0502020204030204" pitchFamily="34" charset="0"/>
-              <a:ea typeface="MS Mincho" panose="02020609040205080304" pitchFamily="49" charset="-128"/>
-              <a:cs typeface="Calibri" panose="020F0502020204030204" pitchFamily="34" charset="0"/>
-            </a:endParaRPr>
-          </a:p>
-          <a:p>
+                <a:sym typeface="Helvetica Neue"/>
+              </a:rPr>
+              <a:t>Poca información sobre </a:t>
+            </a:r>
+            <a:r>
+              <a:rPr kumimoji="0" lang="es-ES" sz="1600" b="0" i="0" u="none" strike="noStrike" cap="none" spc="0" normalizeH="0" baseline="0" dirty="0">
+                <a:ln>
+                  <a:noFill/>
+                </a:ln>
+                <a:effectLst/>
+                <a:uFillTx/>
+                <a:ea typeface="Helvetica Neue"/>
+                <a:cs typeface="Calibri" panose="020F0502020204030204" pitchFamily="34" charset="0"/>
+                <a:sym typeface="Helvetica Neue"/>
+              </a:rPr>
+              <a:t>las personas que prestan servicios como mantenimiento, trabajos domésticos, remodelación y albañilería, salud y belleza en la comunidad de manera independiente.</a:t>
+            </a:r>
             <a:endParaRPr lang="es-ES" sz="1600" dirty="0">
-              <a:latin typeface="Calibri" panose="020F0502020204030204" pitchFamily="34" charset="0"/>
-              <a:ea typeface="MS Mincho" panose="02020609040205080304" pitchFamily="49" charset="-128"/>
-              <a:cs typeface="Calibri" panose="020F0502020204030204" pitchFamily="34" charset="0"/>
+              <a:solidFill>
+                <a:schemeClr val="tx1">
+                  <a:lumMod val="75000"/>
+                  <a:lumOff val="25000"/>
+                </a:schemeClr>
+              </a:solidFill>
             </a:endParaRPr>
           </a:p>
         </p:txBody>
@@ -11287,7 +11314,7 @@
         </p:nvSpPr>
         <p:spPr>
           <a:xfrm>
-            <a:off x="92146" y="2860871"/>
+            <a:off x="92146" y="3531271"/>
             <a:ext cx="3104708" cy="3046988"/>
           </a:xfrm>
           <a:prstGeom prst="rect">

--- a/PROYECTO FORMATIVO.pptx
+++ b/PROYECTO FORMATIVO.pptx
@@ -233,7 +233,7 @@
           <a:p>
             <a:fld id="{9660CB96-A603-FF42-AE46-F5F75F80A67B}" type="datetimeFigureOut">
               <a:rPr lang="es-CO" smtClean="0"/>
-              <a:t>22/10/2022</a:t>
+              <a:t>29/10/2022</a:t>
             </a:fld>
             <a:endParaRPr lang="es-CO"/>
           </a:p>
@@ -986,7 +986,7 @@
           <a:p>
             <a:fld id="{BD986248-06F7-A441-A47A-264EBD310E11}" type="datetimeFigureOut">
               <a:rPr lang="es-CO" smtClean="0"/>
-              <a:t>22/10/2022</a:t>
+              <a:t>29/10/2022</a:t>
             </a:fld>
             <a:endParaRPr lang="es-CO"/>
           </a:p>
@@ -1186,7 +1186,7 @@
           <a:p>
             <a:fld id="{BD986248-06F7-A441-A47A-264EBD310E11}" type="datetimeFigureOut">
               <a:rPr lang="es-CO" smtClean="0"/>
-              <a:t>22/10/2022</a:t>
+              <a:t>29/10/2022</a:t>
             </a:fld>
             <a:endParaRPr lang="es-CO"/>
           </a:p>
@@ -1396,7 +1396,7 @@
           <a:p>
             <a:fld id="{BD986248-06F7-A441-A47A-264EBD310E11}" type="datetimeFigureOut">
               <a:rPr lang="es-CO" smtClean="0"/>
-              <a:t>22/10/2022</a:t>
+              <a:t>29/10/2022</a:t>
             </a:fld>
             <a:endParaRPr lang="es-CO"/>
           </a:p>
@@ -2004,7 +2004,7 @@
           <a:p>
             <a:fld id="{BD986248-06F7-A441-A47A-264EBD310E11}" type="datetimeFigureOut">
               <a:rPr lang="es-CO" smtClean="0"/>
-              <a:t>22/10/2022</a:t>
+              <a:t>29/10/2022</a:t>
             </a:fld>
             <a:endParaRPr lang="es-CO"/>
           </a:p>
@@ -2280,7 +2280,7 @@
           <a:p>
             <a:fld id="{BD986248-06F7-A441-A47A-264EBD310E11}" type="datetimeFigureOut">
               <a:rPr lang="es-CO" smtClean="0"/>
-              <a:t>22/10/2022</a:t>
+              <a:t>29/10/2022</a:t>
             </a:fld>
             <a:endParaRPr lang="es-CO"/>
           </a:p>
@@ -2548,7 +2548,7 @@
           <a:p>
             <a:fld id="{BD986248-06F7-A441-A47A-264EBD310E11}" type="datetimeFigureOut">
               <a:rPr lang="es-CO" smtClean="0"/>
-              <a:t>22/10/2022</a:t>
+              <a:t>29/10/2022</a:t>
             </a:fld>
             <a:endParaRPr lang="es-CO"/>
           </a:p>
@@ -2963,7 +2963,7 @@
           <a:p>
             <a:fld id="{BD986248-06F7-A441-A47A-264EBD310E11}" type="datetimeFigureOut">
               <a:rPr lang="es-CO" smtClean="0"/>
-              <a:t>22/10/2022</a:t>
+              <a:t>29/10/2022</a:t>
             </a:fld>
             <a:endParaRPr lang="es-CO"/>
           </a:p>
@@ -3105,7 +3105,7 @@
           <a:p>
             <a:fld id="{BD986248-06F7-A441-A47A-264EBD310E11}" type="datetimeFigureOut">
               <a:rPr lang="es-CO" smtClean="0"/>
-              <a:t>22/10/2022</a:t>
+              <a:t>29/10/2022</a:t>
             </a:fld>
             <a:endParaRPr lang="es-CO"/>
           </a:p>
@@ -3218,7 +3218,7 @@
           <a:p>
             <a:fld id="{BD986248-06F7-A441-A47A-264EBD310E11}" type="datetimeFigureOut">
               <a:rPr lang="es-CO" smtClean="0"/>
-              <a:t>22/10/2022</a:t>
+              <a:t>29/10/2022</a:t>
             </a:fld>
             <a:endParaRPr lang="es-CO"/>
           </a:p>
@@ -3531,7 +3531,7 @@
           <a:p>
             <a:fld id="{BD986248-06F7-A441-A47A-264EBD310E11}" type="datetimeFigureOut">
               <a:rPr lang="es-CO" smtClean="0"/>
-              <a:t>22/10/2022</a:t>
+              <a:t>29/10/2022</a:t>
             </a:fld>
             <a:endParaRPr lang="es-CO"/>
           </a:p>
@@ -3820,7 +3820,7 @@
           <a:p>
             <a:fld id="{BD986248-06F7-A441-A47A-264EBD310E11}" type="datetimeFigureOut">
               <a:rPr lang="es-CO" smtClean="0"/>
-              <a:t>22/10/2022</a:t>
+              <a:t>29/10/2022</a:t>
             </a:fld>
             <a:endParaRPr lang="es-CO"/>
           </a:p>
@@ -4063,7 +4063,7 @@
           <a:p>
             <a:fld id="{BD986248-06F7-A441-A47A-264EBD310E11}" type="datetimeFigureOut">
               <a:rPr lang="es-CO" smtClean="0"/>
-              <a:t>22/10/2022</a:t>
+              <a:t>29/10/2022</a:t>
             </a:fld>
             <a:endParaRPr lang="es-CO"/>
           </a:p>
@@ -6487,8 +6487,8 @@
         </p:nvSpPr>
         <p:spPr>
           <a:xfrm>
-            <a:off x="2748779" y="3743388"/>
-            <a:ext cx="6694440" cy="2246769"/>
+            <a:off x="1467728" y="3704143"/>
+            <a:ext cx="9256542" cy="1815882"/>
           </a:xfrm>
           <a:prstGeom prst="rect">
             <a:avLst/>
@@ -7260,36 +7260,6 @@
           </a:p>
         </p:txBody>
       </p:sp>
-      <p:pic>
-        <p:nvPicPr>
-          <p:cNvPr id="3" name="Imagen 2" descr="Diagrama&#10;&#10;Descripción generada automáticamente">
-            <a:extLst>
-              <a:ext uri="{FF2B5EF4-FFF2-40B4-BE49-F238E27FC236}">
-                <a16:creationId xmlns:a16="http://schemas.microsoft.com/office/drawing/2014/main" id="{F47A5656-144F-C656-4BEA-7D79C5A4E8B8}"/>
-              </a:ext>
-            </a:extLst>
-          </p:cNvPr>
-          <p:cNvPicPr>
-            <a:picLocks noChangeAspect="1"/>
-          </p:cNvPicPr>
-          <p:nvPr/>
-        </p:nvPicPr>
-        <p:blipFill>
-          <a:blip r:embed="rId2"/>
-          <a:stretch>
-            <a:fillRect/>
-          </a:stretch>
-        </p:blipFill>
-        <p:spPr>
-          <a:xfrm>
-            <a:off x="0" y="0"/>
-            <a:ext cx="7456173" cy="6858000"/>
-          </a:xfrm>
-          <a:prstGeom prst="rect">
-            <a:avLst/>
-          </a:prstGeom>
-        </p:spPr>
-      </p:pic>
     </p:spTree>
     <p:extLst>
       <p:ext uri="{BB962C8B-B14F-4D97-AF65-F5344CB8AC3E}">
@@ -8234,36 +8204,6 @@
           </a:p>
         </p:txBody>
       </p:sp>
-      <p:pic>
-        <p:nvPicPr>
-          <p:cNvPr id="3" name="Imagen 2">
-            <a:extLst>
-              <a:ext uri="{FF2B5EF4-FFF2-40B4-BE49-F238E27FC236}">
-                <a16:creationId xmlns:a16="http://schemas.microsoft.com/office/drawing/2014/main" id="{2B0C40B6-23B4-A3D9-ED88-980FC2ED8EE0}"/>
-              </a:ext>
-            </a:extLst>
-          </p:cNvPr>
-          <p:cNvPicPr>
-            <a:picLocks noChangeAspect="1"/>
-          </p:cNvPicPr>
-          <p:nvPr/>
-        </p:nvPicPr>
-        <p:blipFill>
-          <a:blip r:embed="rId2"/>
-          <a:stretch>
-            <a:fillRect/>
-          </a:stretch>
-        </p:blipFill>
-        <p:spPr>
-          <a:xfrm>
-            <a:off x="0" y="1754703"/>
-            <a:ext cx="12192000" cy="4158512"/>
-          </a:xfrm>
-          <a:prstGeom prst="rect">
-            <a:avLst/>
-          </a:prstGeom>
-        </p:spPr>
-      </p:pic>
     </p:spTree>
     <p:extLst>
       <p:ext uri="{BB962C8B-B14F-4D97-AF65-F5344CB8AC3E}">
@@ -8294,36 +8234,6 @@
           <a:chExt cx="0" cy="0"/>
         </a:xfrm>
       </p:grpSpPr>
-      <p:pic>
-        <p:nvPicPr>
-          <p:cNvPr id="3" name="Imagen 2">
-            <a:extLst>
-              <a:ext uri="{FF2B5EF4-FFF2-40B4-BE49-F238E27FC236}">
-                <a16:creationId xmlns:a16="http://schemas.microsoft.com/office/drawing/2014/main" id="{53732644-2846-915B-A7B1-40E1C5F1D7D9}"/>
-              </a:ext>
-            </a:extLst>
-          </p:cNvPr>
-          <p:cNvPicPr>
-            <a:picLocks noChangeAspect="1"/>
-          </p:cNvPicPr>
-          <p:nvPr/>
-        </p:nvPicPr>
-        <p:blipFill>
-          <a:blip r:embed="rId2"/>
-          <a:stretch>
-            <a:fillRect/>
-          </a:stretch>
-        </p:blipFill>
-        <p:spPr>
-          <a:xfrm>
-            <a:off x="0" y="1711079"/>
-            <a:ext cx="12192000" cy="3435841"/>
-          </a:xfrm>
-          <a:prstGeom prst="rect">
-            <a:avLst/>
-          </a:prstGeom>
-        </p:spPr>
-      </p:pic>
     </p:spTree>
     <p:extLst>
       <p:ext uri="{BB962C8B-B14F-4D97-AF65-F5344CB8AC3E}">
@@ -8539,66 +8449,6 @@
           <a:chExt cx="0" cy="0"/>
         </a:xfrm>
       </p:grpSpPr>
-      <p:pic>
-        <p:nvPicPr>
-          <p:cNvPr id="2" name="Imagen 1">
-            <a:extLst>
-              <a:ext uri="{FF2B5EF4-FFF2-40B4-BE49-F238E27FC236}">
-                <a16:creationId xmlns:a16="http://schemas.microsoft.com/office/drawing/2014/main" id="{3DC72C21-3FFD-E532-2149-72F89C56771A}"/>
-              </a:ext>
-            </a:extLst>
-          </p:cNvPr>
-          <p:cNvPicPr>
-            <a:picLocks noChangeAspect="1"/>
-          </p:cNvPicPr>
-          <p:nvPr/>
-        </p:nvPicPr>
-        <p:blipFill>
-          <a:blip r:embed="rId2"/>
-          <a:stretch>
-            <a:fillRect/>
-          </a:stretch>
-        </p:blipFill>
-        <p:spPr>
-          <a:xfrm>
-            <a:off x="1010940" y="382137"/>
-            <a:ext cx="9757143" cy="3709389"/>
-          </a:xfrm>
-          <a:prstGeom prst="rect">
-            <a:avLst/>
-          </a:prstGeom>
-        </p:spPr>
-      </p:pic>
-      <p:pic>
-        <p:nvPicPr>
-          <p:cNvPr id="4" name="Imagen 3">
-            <a:extLst>
-              <a:ext uri="{FF2B5EF4-FFF2-40B4-BE49-F238E27FC236}">
-                <a16:creationId xmlns:a16="http://schemas.microsoft.com/office/drawing/2014/main" id="{2FC316D0-EBCB-EFC4-6B25-56E391BC2F71}"/>
-              </a:ext>
-            </a:extLst>
-          </p:cNvPr>
-          <p:cNvPicPr>
-            <a:picLocks noChangeAspect="1"/>
-          </p:cNvPicPr>
-          <p:nvPr/>
-        </p:nvPicPr>
-        <p:blipFill>
-          <a:blip r:embed="rId3"/>
-          <a:stretch>
-            <a:fillRect/>
-          </a:stretch>
-        </p:blipFill>
-        <p:spPr>
-          <a:xfrm>
-            <a:off x="1010940" y="4111586"/>
-            <a:ext cx="9757143" cy="2364277"/>
-          </a:xfrm>
-          <a:prstGeom prst="rect">
-            <a:avLst/>
-          </a:prstGeom>
-        </p:spPr>
-      </p:pic>
     </p:spTree>
     <p:extLst>
       <p:ext uri="{BB962C8B-B14F-4D97-AF65-F5344CB8AC3E}">
@@ -8669,36 +8519,6 @@
           </a:p>
         </p:txBody>
       </p:sp>
-      <p:pic>
-        <p:nvPicPr>
-          <p:cNvPr id="4" name="Imagen 3" descr="Diagrama&#10;&#10;Descripción generada automáticamente">
-            <a:extLst>
-              <a:ext uri="{FF2B5EF4-FFF2-40B4-BE49-F238E27FC236}">
-                <a16:creationId xmlns:a16="http://schemas.microsoft.com/office/drawing/2014/main" id="{98C1205F-7A38-15B7-BFD3-B9C1C09AB42E}"/>
-              </a:ext>
-            </a:extLst>
-          </p:cNvPr>
-          <p:cNvPicPr>
-            <a:picLocks noChangeAspect="1"/>
-          </p:cNvPicPr>
-          <p:nvPr/>
-        </p:nvPicPr>
-        <p:blipFill>
-          <a:blip r:embed="rId2"/>
-          <a:stretch>
-            <a:fillRect/>
-          </a:stretch>
-        </p:blipFill>
-        <p:spPr>
-          <a:xfrm>
-            <a:off x="898946" y="1049105"/>
-            <a:ext cx="10394107" cy="5808895"/>
-          </a:xfrm>
-          <a:prstGeom prst="rect">
-            <a:avLst/>
-          </a:prstGeom>
-        </p:spPr>
-      </p:pic>
     </p:spTree>
     <p:extLst>
       <p:ext uri="{BB962C8B-B14F-4D97-AF65-F5344CB8AC3E}">
@@ -8729,36 +8549,6 @@
           <a:chExt cx="0" cy="0"/>
         </a:xfrm>
       </p:grpSpPr>
-      <p:pic>
-        <p:nvPicPr>
-          <p:cNvPr id="3" name="Imagen 2">
-            <a:extLst>
-              <a:ext uri="{FF2B5EF4-FFF2-40B4-BE49-F238E27FC236}">
-                <a16:creationId xmlns:a16="http://schemas.microsoft.com/office/drawing/2014/main" id="{8A242E3A-5E54-4A9C-67E2-B7DF0AE417A5}"/>
-              </a:ext>
-            </a:extLst>
-          </p:cNvPr>
-          <p:cNvPicPr>
-            <a:picLocks noChangeAspect="1"/>
-          </p:cNvPicPr>
-          <p:nvPr/>
-        </p:nvPicPr>
-        <p:blipFill>
-          <a:blip r:embed="rId2"/>
-          <a:stretch>
-            <a:fillRect/>
-          </a:stretch>
-        </p:blipFill>
-        <p:spPr>
-          <a:xfrm>
-            <a:off x="0" y="-1"/>
-            <a:ext cx="10691446" cy="6868571"/>
-          </a:xfrm>
-          <a:prstGeom prst="rect">
-            <a:avLst/>
-          </a:prstGeom>
-        </p:spPr>
-      </p:pic>
       <p:sp>
         <p:nvSpPr>
           <p:cNvPr id="5" name="CuadroTexto 4">

--- a/PROYECTO FORMATIVO.pptx
+++ b/PROYECTO FORMATIVO.pptx
@@ -5,7 +5,7 @@
     <p:sldMasterId id="2147483648" r:id="rId1"/>
   </p:sldMasterIdLst>
   <p:notesMasterIdLst>
-    <p:notesMasterId r:id="rId39"/>
+    <p:notesMasterId r:id="rId37"/>
   </p:notesMasterIdLst>
   <p:sldIdLst>
     <p:sldId id="468" r:id="rId2"/>
@@ -36,15 +36,13 @@
     <p:sldId id="300" r:id="rId27"/>
     <p:sldId id="286" r:id="rId28"/>
     <p:sldId id="287" r:id="rId29"/>
-    <p:sldId id="476" r:id="rId30"/>
-    <p:sldId id="477" r:id="rId31"/>
-    <p:sldId id="288" r:id="rId32"/>
-    <p:sldId id="289" r:id="rId33"/>
-    <p:sldId id="277" r:id="rId34"/>
-    <p:sldId id="470" r:id="rId35"/>
-    <p:sldId id="274" r:id="rId36"/>
-    <p:sldId id="278" r:id="rId37"/>
-    <p:sldId id="264" r:id="rId38"/>
+    <p:sldId id="288" r:id="rId30"/>
+    <p:sldId id="289" r:id="rId31"/>
+    <p:sldId id="277" r:id="rId32"/>
+    <p:sldId id="470" r:id="rId33"/>
+    <p:sldId id="274" r:id="rId34"/>
+    <p:sldId id="278" r:id="rId35"/>
+    <p:sldId id="264" r:id="rId36"/>
   </p:sldIdLst>
   <p:sldSz cx="12192000" cy="6858000"/>
   <p:notesSz cx="6858000" cy="9144000"/>
@@ -233,7 +231,7 @@
           <a:p>
             <a:fld id="{9660CB96-A603-FF42-AE46-F5F75F80A67B}" type="datetimeFigureOut">
               <a:rPr lang="es-CO" smtClean="0"/>
-              <a:t>29/10/2022</a:t>
+              <a:t>3/11/2022</a:t>
             </a:fld>
             <a:endParaRPr lang="es-CO"/>
           </a:p>
@@ -818,7 +816,7 @@
           <a:p>
             <a:fld id="{AB98DA6D-12AC-4BA1-8782-249E1E9419F8}" type="slidenum">
               <a:rPr lang="es-CO" smtClean="0"/>
-              <a:t>35</a:t>
+              <a:t>33</a:t>
             </a:fld>
             <a:endParaRPr lang="es-CO"/>
           </a:p>
@@ -986,7 +984,7 @@
           <a:p>
             <a:fld id="{BD986248-06F7-A441-A47A-264EBD310E11}" type="datetimeFigureOut">
               <a:rPr lang="es-CO" smtClean="0"/>
-              <a:t>29/10/2022</a:t>
+              <a:t>3/11/2022</a:t>
             </a:fld>
             <a:endParaRPr lang="es-CO"/>
           </a:p>
@@ -1186,7 +1184,7 @@
           <a:p>
             <a:fld id="{BD986248-06F7-A441-A47A-264EBD310E11}" type="datetimeFigureOut">
               <a:rPr lang="es-CO" smtClean="0"/>
-              <a:t>29/10/2022</a:t>
+              <a:t>3/11/2022</a:t>
             </a:fld>
             <a:endParaRPr lang="es-CO"/>
           </a:p>
@@ -1396,7 +1394,7 @@
           <a:p>
             <a:fld id="{BD986248-06F7-A441-A47A-264EBD310E11}" type="datetimeFigureOut">
               <a:rPr lang="es-CO" smtClean="0"/>
-              <a:t>29/10/2022</a:t>
+              <a:t>3/11/2022</a:t>
             </a:fld>
             <a:endParaRPr lang="es-CO"/>
           </a:p>
@@ -2004,7 +2002,7 @@
           <a:p>
             <a:fld id="{BD986248-06F7-A441-A47A-264EBD310E11}" type="datetimeFigureOut">
               <a:rPr lang="es-CO" smtClean="0"/>
-              <a:t>29/10/2022</a:t>
+              <a:t>3/11/2022</a:t>
             </a:fld>
             <a:endParaRPr lang="es-CO"/>
           </a:p>
@@ -2280,7 +2278,7 @@
           <a:p>
             <a:fld id="{BD986248-06F7-A441-A47A-264EBD310E11}" type="datetimeFigureOut">
               <a:rPr lang="es-CO" smtClean="0"/>
-              <a:t>29/10/2022</a:t>
+              <a:t>3/11/2022</a:t>
             </a:fld>
             <a:endParaRPr lang="es-CO"/>
           </a:p>
@@ -2548,7 +2546,7 @@
           <a:p>
             <a:fld id="{BD986248-06F7-A441-A47A-264EBD310E11}" type="datetimeFigureOut">
               <a:rPr lang="es-CO" smtClean="0"/>
-              <a:t>29/10/2022</a:t>
+              <a:t>3/11/2022</a:t>
             </a:fld>
             <a:endParaRPr lang="es-CO"/>
           </a:p>
@@ -2963,7 +2961,7 @@
           <a:p>
             <a:fld id="{BD986248-06F7-A441-A47A-264EBD310E11}" type="datetimeFigureOut">
               <a:rPr lang="es-CO" smtClean="0"/>
-              <a:t>29/10/2022</a:t>
+              <a:t>3/11/2022</a:t>
             </a:fld>
             <a:endParaRPr lang="es-CO"/>
           </a:p>
@@ -3105,7 +3103,7 @@
           <a:p>
             <a:fld id="{BD986248-06F7-A441-A47A-264EBD310E11}" type="datetimeFigureOut">
               <a:rPr lang="es-CO" smtClean="0"/>
-              <a:t>29/10/2022</a:t>
+              <a:t>3/11/2022</a:t>
             </a:fld>
             <a:endParaRPr lang="es-CO"/>
           </a:p>
@@ -3218,7 +3216,7 @@
           <a:p>
             <a:fld id="{BD986248-06F7-A441-A47A-264EBD310E11}" type="datetimeFigureOut">
               <a:rPr lang="es-CO" smtClean="0"/>
-              <a:t>29/10/2022</a:t>
+              <a:t>3/11/2022</a:t>
             </a:fld>
             <a:endParaRPr lang="es-CO"/>
           </a:p>
@@ -3531,7 +3529,7 @@
           <a:p>
             <a:fld id="{BD986248-06F7-A441-A47A-264EBD310E11}" type="datetimeFigureOut">
               <a:rPr lang="es-CO" smtClean="0"/>
-              <a:t>29/10/2022</a:t>
+              <a:t>3/11/2022</a:t>
             </a:fld>
             <a:endParaRPr lang="es-CO"/>
           </a:p>
@@ -3820,7 +3818,7 @@
           <a:p>
             <a:fld id="{BD986248-06F7-A441-A47A-264EBD310E11}" type="datetimeFigureOut">
               <a:rPr lang="es-CO" smtClean="0"/>
-              <a:t>29/10/2022</a:t>
+              <a:t>3/11/2022</a:t>
             </a:fld>
             <a:endParaRPr lang="es-CO"/>
           </a:p>
@@ -4063,7 +4061,7 @@
           <a:p>
             <a:fld id="{BD986248-06F7-A441-A47A-264EBD310E11}" type="datetimeFigureOut">
               <a:rPr lang="es-CO" smtClean="0"/>
-              <a:t>29/10/2022</a:t>
+              <a:t>3/11/2022</a:t>
             </a:fld>
             <a:endParaRPr lang="es-CO"/>
           </a:p>
@@ -4536,8 +4534,8 @@
         </p:nvSpPr>
         <p:spPr>
           <a:xfrm>
-            <a:off x="5606541" y="2382386"/>
-            <a:ext cx="5532549" cy="1384995"/>
+            <a:off x="5479932" y="2474893"/>
+            <a:ext cx="5532549" cy="954107"/>
           </a:xfrm>
           <a:prstGeom prst="rect">
             <a:avLst/>
@@ -4560,21 +4558,7 @@
                   </a:schemeClr>
                 </a:solidFill>
               </a:rPr>
-              <a:t>José David Amaya Ramírez</a:t>
-            </a:r>
-          </a:p>
-          <a:p>
-            <a:pPr algn="r"/>
-            <a:r>
-              <a:rPr lang="es-ES" sz="2800" dirty="0">
-                <a:solidFill>
-                  <a:schemeClr val="tx1">
-                    <a:lumMod val="75000"/>
-                    <a:lumOff val="25000"/>
-                  </a:schemeClr>
-                </a:solidFill>
-              </a:rPr>
-              <a:t>Rosemberg Leandro Gómez Valencia</a:t>
+              <a:t>Valentina Zapata Flórez</a:t>
             </a:r>
           </a:p>
           <a:p>
@@ -4932,7 +4916,7 @@
         <p:spPr>
           <a:xfrm>
             <a:off x="467833" y="1038379"/>
-            <a:ext cx="10958624" cy="5212068"/>
+            <a:ext cx="10958624" cy="3236207"/>
           </a:xfrm>
           <a:prstGeom prst="rect">
             <a:avLst/>
@@ -5015,7 +4999,7 @@
                 <a:ea typeface="Calibri" panose="020F0502020204030204" pitchFamily="34" charset="0"/>
                 <a:cs typeface="Times New Roman" panose="02020603050405020304" pitchFamily="18" charset="0"/>
               </a:rPr>
-              <a:t>El sistema debe permitir la comunicación por medio de un chat directo entre usuario y un proveedor de servicio el cual no permita links externos o una serie de números (</a:t>
+              <a:t>El sistema debe permitir la comunicación por medio de un chat directo entre usuario y un prestador de servicio el cual no permita links externos o una serie de números (</a:t>
             </a:r>
             <a:r>
               <a:rPr lang="es-ES" sz="2400" dirty="0" err="1">
@@ -5033,67 +5017,6 @@
               </a:rPr>
               <a:t> 5 números).</a:t>
             </a:r>
-          </a:p>
-          <a:p>
-            <a:pPr marL="457189" indent="-457189">
-              <a:lnSpc>
-                <a:spcPct val="107000"/>
-              </a:lnSpc>
-              <a:buAutoNum type="arabicPeriod" startAt="10"/>
-            </a:pPr>
-            <a:r>
-              <a:rPr lang="es-ES" sz="2400" dirty="0">
-                <a:latin typeface="Calibri" panose="020F0502020204030204" pitchFamily="34" charset="0"/>
-                <a:ea typeface="Calibri" panose="020F0502020204030204" pitchFamily="34" charset="0"/>
-                <a:cs typeface="Times New Roman" panose="02020603050405020304" pitchFamily="18" charset="0"/>
-              </a:rPr>
-              <a:t>El sistema debe permitir que el cliente realice un pago a la hora de solicitar un servicio.</a:t>
-            </a:r>
-          </a:p>
-          <a:p>
-            <a:pPr marL="457189" indent="-457189">
-              <a:lnSpc>
-                <a:spcPct val="107000"/>
-              </a:lnSpc>
-              <a:buAutoNum type="arabicPeriod" startAt="10"/>
-            </a:pPr>
-            <a:r>
-              <a:rPr lang="es-ES" sz="2400" dirty="0">
-                <a:latin typeface="Calibri" panose="020F0502020204030204" pitchFamily="34" charset="0"/>
-                <a:ea typeface="Calibri" panose="020F0502020204030204" pitchFamily="34" charset="0"/>
-                <a:cs typeface="Times New Roman" panose="02020603050405020304" pitchFamily="18" charset="0"/>
-              </a:rPr>
-              <a:t>El sistema debe verificar si el pago fue exitoso para la confirmación del servicio.</a:t>
-            </a:r>
-          </a:p>
-          <a:p>
-            <a:pPr marL="457189" indent="-457189">
-              <a:lnSpc>
-                <a:spcPct val="107000"/>
-              </a:lnSpc>
-              <a:buAutoNum type="arabicPeriod" startAt="10"/>
-            </a:pPr>
-            <a:r>
-              <a:rPr lang="es-ES" sz="2400" dirty="0">
-                <a:latin typeface="Calibri" panose="020F0502020204030204" pitchFamily="34" charset="0"/>
-                <a:ea typeface="Calibri" panose="020F0502020204030204" pitchFamily="34" charset="0"/>
-                <a:cs typeface="Times New Roman" panose="02020603050405020304" pitchFamily="18" charset="0"/>
-              </a:rPr>
-              <a:t>El sistema debe entregar el pago al proveedor después de realizado el servicio.</a:t>
-            </a:r>
-          </a:p>
-          <a:p>
-            <a:pPr marL="457189" indent="-457189">
-              <a:lnSpc>
-                <a:spcPct val="107000"/>
-              </a:lnSpc>
-              <a:buAutoNum type="arabicPeriod" startAt="10"/>
-            </a:pPr>
-            <a:endParaRPr lang="es-ES" sz="2400" dirty="0">
-              <a:latin typeface="Calibri" panose="020F0502020204030204" pitchFamily="34" charset="0"/>
-              <a:ea typeface="Calibri" panose="020F0502020204030204" pitchFamily="34" charset="0"/>
-              <a:cs typeface="Times New Roman" panose="02020603050405020304" pitchFamily="18" charset="0"/>
-            </a:endParaRPr>
           </a:p>
           <a:p>
             <a:pPr marL="457189" indent="-457189">
@@ -5428,8 +5351,8 @@
         </p:blipFill>
         <p:spPr>
           <a:xfrm>
-            <a:off x="0" y="127591"/>
-            <a:ext cx="9428416" cy="6602819"/>
+            <a:off x="0" y="-8189"/>
+            <a:ext cx="9622302" cy="6738600"/>
           </a:xfrm>
           <a:prstGeom prst="rect">
             <a:avLst/>
@@ -5918,76 +5841,8 @@
         </p:blipFill>
         <p:spPr>
           <a:xfrm>
-            <a:off x="603486" y="4019265"/>
-            <a:ext cx="4337003" cy="1849269"/>
-          </a:xfrm>
-          <a:prstGeom prst="rect">
-            <a:avLst/>
-          </a:prstGeom>
-        </p:spPr>
-      </p:pic>
-      <p:cxnSp>
-        <p:nvCxnSpPr>
-          <p:cNvPr id="9" name="Conector recto 8">
-            <a:extLst>
-              <a:ext uri="{FF2B5EF4-FFF2-40B4-BE49-F238E27FC236}">
-                <a16:creationId xmlns:a16="http://schemas.microsoft.com/office/drawing/2014/main" id="{F991FF66-4BC2-C773-1289-F666DA805735}"/>
-              </a:ext>
-            </a:extLst>
-          </p:cNvPr>
-          <p:cNvCxnSpPr>
-            <a:cxnSpLocks/>
-          </p:cNvCxnSpPr>
-          <p:nvPr/>
-        </p:nvCxnSpPr>
-        <p:spPr>
-          <a:xfrm>
-            <a:off x="5554639" y="2838734"/>
-            <a:ext cx="0" cy="3370997"/>
-          </a:xfrm>
-          <a:prstGeom prst="line">
-            <a:avLst/>
-          </a:prstGeom>
-        </p:spPr>
-        <p:style>
-          <a:lnRef idx="1">
-            <a:schemeClr val="dk1"/>
-          </a:lnRef>
-          <a:fillRef idx="0">
-            <a:schemeClr val="dk1"/>
-          </a:fillRef>
-          <a:effectRef idx="0">
-            <a:schemeClr val="dk1"/>
-          </a:effectRef>
-          <a:fontRef idx="minor">
-            <a:schemeClr val="tx1"/>
-          </a:fontRef>
-        </p:style>
-      </p:cxnSp>
-      <p:pic>
-        <p:nvPicPr>
-          <p:cNvPr id="12" name="Imagen 11">
-            <a:extLst>
-              <a:ext uri="{FF2B5EF4-FFF2-40B4-BE49-F238E27FC236}">
-                <a16:creationId xmlns:a16="http://schemas.microsoft.com/office/drawing/2014/main" id="{3EA3E165-0200-BA7C-C586-E25AA47347FE}"/>
-              </a:ext>
-            </a:extLst>
-          </p:cNvPr>
-          <p:cNvPicPr>
-            <a:picLocks noChangeAspect="1"/>
-          </p:cNvPicPr>
-          <p:nvPr/>
-        </p:nvPicPr>
-        <p:blipFill>
-          <a:blip r:embed="rId4"/>
-          <a:stretch>
-            <a:fillRect/>
-          </a:stretch>
-        </p:blipFill>
-        <p:spPr>
-          <a:xfrm>
-            <a:off x="5800299" y="3152635"/>
-            <a:ext cx="5923127" cy="2470242"/>
+            <a:off x="651253" y="3094631"/>
+            <a:ext cx="7958175" cy="3393312"/>
           </a:xfrm>
           <a:prstGeom prst="rect">
             <a:avLst/>
@@ -6024,36 +5879,6 @@
           <a:chExt cx="0" cy="0"/>
         </a:xfrm>
       </p:grpSpPr>
-      <p:pic>
-        <p:nvPicPr>
-          <p:cNvPr id="3" name="Imagen 2">
-            <a:extLst>
-              <a:ext uri="{FF2B5EF4-FFF2-40B4-BE49-F238E27FC236}">
-                <a16:creationId xmlns:a16="http://schemas.microsoft.com/office/drawing/2014/main" id="{ADEC2D44-1551-3B56-6EFD-98A3BD4A7B6D}"/>
-              </a:ext>
-            </a:extLst>
-          </p:cNvPr>
-          <p:cNvPicPr>
-            <a:picLocks noChangeAspect="1"/>
-          </p:cNvPicPr>
-          <p:nvPr/>
-        </p:nvPicPr>
-        <p:blipFill>
-          <a:blip r:embed="rId2"/>
-          <a:stretch>
-            <a:fillRect/>
-          </a:stretch>
-        </p:blipFill>
-        <p:spPr>
-          <a:xfrm>
-            <a:off x="1248131" y="0"/>
-            <a:ext cx="5493864" cy="2600325"/>
-          </a:xfrm>
-          <a:prstGeom prst="rect">
-            <a:avLst/>
-          </a:prstGeom>
-        </p:spPr>
-      </p:pic>
       <p:cxnSp>
         <p:nvCxnSpPr>
           <p:cNvPr id="5" name="Conector recto 4">
@@ -6107,6 +5932,36 @@
           <p:nvPr/>
         </p:nvPicPr>
         <p:blipFill>
+          <a:blip r:embed="rId2"/>
+          <a:stretch>
+            <a:fillRect/>
+          </a:stretch>
+        </p:blipFill>
+        <p:spPr>
+          <a:xfrm>
+            <a:off x="2920031" y="211540"/>
+            <a:ext cx="5781675" cy="2286000"/>
+          </a:xfrm>
+          <a:prstGeom prst="rect">
+            <a:avLst/>
+          </a:prstGeom>
+        </p:spPr>
+      </p:pic>
+      <p:pic>
+        <p:nvPicPr>
+          <p:cNvPr id="2" name="Imagen 1">
+            <a:extLst>
+              <a:ext uri="{FF2B5EF4-FFF2-40B4-BE49-F238E27FC236}">
+                <a16:creationId xmlns:a16="http://schemas.microsoft.com/office/drawing/2014/main" id="{A96ED0C4-E407-CC01-1661-933F22CC41A0}"/>
+              </a:ext>
+            </a:extLst>
+          </p:cNvPr>
+          <p:cNvPicPr>
+            <a:picLocks noChangeAspect="1"/>
+          </p:cNvPicPr>
+          <p:nvPr/>
+        </p:nvPicPr>
+        <p:blipFill>
           <a:blip r:embed="rId3"/>
           <a:stretch>
             <a:fillRect/>
@@ -6114,56 +5969,20 @@
         </p:blipFill>
         <p:spPr>
           <a:xfrm>
-            <a:off x="134629" y="3429000"/>
-            <a:ext cx="5781675" cy="2286000"/>
+            <a:off x="657843" y="3678072"/>
+            <a:ext cx="5153025" cy="1495425"/>
           </a:xfrm>
           <a:prstGeom prst="rect">
             <a:avLst/>
           </a:prstGeom>
         </p:spPr>
       </p:pic>
-      <p:cxnSp>
-        <p:nvCxnSpPr>
-          <p:cNvPr id="10" name="Conector recto 9">
-            <a:extLst>
-              <a:ext uri="{FF2B5EF4-FFF2-40B4-BE49-F238E27FC236}">
-                <a16:creationId xmlns:a16="http://schemas.microsoft.com/office/drawing/2014/main" id="{AFC2EAD3-DD56-C4A1-F9E5-4E7B7D3368DE}"/>
-              </a:ext>
-            </a:extLst>
-          </p:cNvPr>
-          <p:cNvCxnSpPr/>
-          <p:nvPr/>
-        </p:nvCxnSpPr>
-        <p:spPr>
-          <a:xfrm>
-            <a:off x="6318913" y="3179928"/>
-            <a:ext cx="0" cy="3466532"/>
-          </a:xfrm>
-          <a:prstGeom prst="line">
-            <a:avLst/>
-          </a:prstGeom>
-        </p:spPr>
-        <p:style>
-          <a:lnRef idx="1">
-            <a:schemeClr val="dk1"/>
-          </a:lnRef>
-          <a:fillRef idx="0">
-            <a:schemeClr val="dk1"/>
-          </a:fillRef>
-          <a:effectRef idx="0">
-            <a:schemeClr val="dk1"/>
-          </a:effectRef>
-          <a:fontRef idx="minor">
-            <a:schemeClr val="tx1"/>
-          </a:fontRef>
-        </p:style>
-      </p:cxnSp>
       <p:pic>
         <p:nvPicPr>
-          <p:cNvPr id="12" name="Imagen 11">
-            <a:extLst>
-              <a:ext uri="{FF2B5EF4-FFF2-40B4-BE49-F238E27FC236}">
-                <a16:creationId xmlns:a16="http://schemas.microsoft.com/office/drawing/2014/main" id="{92185150-5286-868A-E98F-E9D4115548D0}"/>
+          <p:cNvPr id="4" name="Imagen 3">
+            <a:extLst>
+              <a:ext uri="{FF2B5EF4-FFF2-40B4-BE49-F238E27FC236}">
+                <a16:creationId xmlns:a16="http://schemas.microsoft.com/office/drawing/2014/main" id="{019468F4-B159-5C60-A786-979BFA872063}"/>
               </a:ext>
             </a:extLst>
           </p:cNvPr>
@@ -6180,8 +5999,8 @@
         </p:blipFill>
         <p:spPr>
           <a:xfrm>
-            <a:off x="6895673" y="3974982"/>
-            <a:ext cx="4848225" cy="1876425"/>
+            <a:off x="6381134" y="3429000"/>
+            <a:ext cx="4400505" cy="1406248"/>
           </a:xfrm>
           <a:prstGeom prst="rect">
             <a:avLst/>
@@ -6220,10 +6039,10 @@
       </p:grpSpPr>
       <p:pic>
         <p:nvPicPr>
-          <p:cNvPr id="3" name="Imagen 2">
-            <a:extLst>
-              <a:ext uri="{FF2B5EF4-FFF2-40B4-BE49-F238E27FC236}">
-                <a16:creationId xmlns:a16="http://schemas.microsoft.com/office/drawing/2014/main" id="{F41F8720-E647-84F6-FF5C-853FA2BBE186}"/>
+          <p:cNvPr id="11" name="Imagen 10">
+            <a:extLst>
+              <a:ext uri="{FF2B5EF4-FFF2-40B4-BE49-F238E27FC236}">
+                <a16:creationId xmlns:a16="http://schemas.microsoft.com/office/drawing/2014/main" id="{1088D8E4-1346-87C2-5DF9-940F2F4594F1}"/>
               </a:ext>
             </a:extLst>
           </p:cNvPr>
@@ -6240,141 +6059,7 @@
         </p:blipFill>
         <p:spPr>
           <a:xfrm>
-            <a:off x="942975" y="333872"/>
-            <a:ext cx="5153025" cy="1495425"/>
-          </a:xfrm>
-          <a:prstGeom prst="rect">
-            <a:avLst/>
-          </a:prstGeom>
-        </p:spPr>
-      </p:pic>
-      <p:cxnSp>
-        <p:nvCxnSpPr>
-          <p:cNvPr id="5" name="Conector recto 4">
-            <a:extLst>
-              <a:ext uri="{FF2B5EF4-FFF2-40B4-BE49-F238E27FC236}">
-                <a16:creationId xmlns:a16="http://schemas.microsoft.com/office/drawing/2014/main" id="{D52E7D27-56FE-9264-FEA4-06C816624FB5}"/>
-              </a:ext>
-            </a:extLst>
-          </p:cNvPr>
-          <p:cNvCxnSpPr/>
-          <p:nvPr/>
-        </p:nvCxnSpPr>
-        <p:spPr>
-          <a:xfrm>
-            <a:off x="0" y="2483893"/>
-            <a:ext cx="12023678" cy="0"/>
-          </a:xfrm>
-          <a:prstGeom prst="line">
-            <a:avLst/>
-          </a:prstGeom>
-        </p:spPr>
-        <p:style>
-          <a:lnRef idx="1">
-            <a:schemeClr val="dk1"/>
-          </a:lnRef>
-          <a:fillRef idx="0">
-            <a:schemeClr val="dk1"/>
-          </a:fillRef>
-          <a:effectRef idx="0">
-            <a:schemeClr val="dk1"/>
-          </a:effectRef>
-          <a:fontRef idx="minor">
-            <a:schemeClr val="tx1"/>
-          </a:fontRef>
-        </p:style>
-      </p:cxnSp>
-      <p:pic>
-        <p:nvPicPr>
-          <p:cNvPr id="7" name="Imagen 6">
-            <a:extLst>
-              <a:ext uri="{FF2B5EF4-FFF2-40B4-BE49-F238E27FC236}">
-                <a16:creationId xmlns:a16="http://schemas.microsoft.com/office/drawing/2014/main" id="{4C984C97-90F8-55D9-47BB-28368A06AE9D}"/>
-              </a:ext>
-            </a:extLst>
-          </p:cNvPr>
-          <p:cNvPicPr>
-            <a:picLocks noChangeAspect="1"/>
-          </p:cNvPicPr>
-          <p:nvPr/>
-        </p:nvPicPr>
-        <p:blipFill>
-          <a:blip r:embed="rId3"/>
-          <a:stretch>
-            <a:fillRect/>
-          </a:stretch>
-        </p:blipFill>
-        <p:spPr>
-          <a:xfrm>
-            <a:off x="298474" y="3556663"/>
-            <a:ext cx="3945980" cy="1260998"/>
-          </a:xfrm>
-          <a:prstGeom prst="rect">
-            <a:avLst/>
-          </a:prstGeom>
-        </p:spPr>
-      </p:pic>
-      <p:cxnSp>
-        <p:nvCxnSpPr>
-          <p:cNvPr id="9" name="Conector recto 8">
-            <a:extLst>
-              <a:ext uri="{FF2B5EF4-FFF2-40B4-BE49-F238E27FC236}">
-                <a16:creationId xmlns:a16="http://schemas.microsoft.com/office/drawing/2014/main" id="{58B2CA3A-CAEF-4AF7-B62C-9CDFBB807F6D}"/>
-              </a:ext>
-            </a:extLst>
-          </p:cNvPr>
-          <p:cNvCxnSpPr>
-            <a:cxnSpLocks/>
-          </p:cNvCxnSpPr>
-          <p:nvPr/>
-        </p:nvCxnSpPr>
-        <p:spPr>
-          <a:xfrm>
-            <a:off x="4913194" y="2483893"/>
-            <a:ext cx="0" cy="3998794"/>
-          </a:xfrm>
-          <a:prstGeom prst="line">
-            <a:avLst/>
-          </a:prstGeom>
-        </p:spPr>
-        <p:style>
-          <a:lnRef idx="1">
-            <a:schemeClr val="dk1"/>
-          </a:lnRef>
-          <a:fillRef idx="0">
-            <a:schemeClr val="dk1"/>
-          </a:fillRef>
-          <a:effectRef idx="0">
-            <a:schemeClr val="dk1"/>
-          </a:effectRef>
-          <a:fontRef idx="minor">
-            <a:schemeClr val="tx1"/>
-          </a:fontRef>
-        </p:style>
-      </p:cxnSp>
-      <p:pic>
-        <p:nvPicPr>
-          <p:cNvPr id="11" name="Imagen 10">
-            <a:extLst>
-              <a:ext uri="{FF2B5EF4-FFF2-40B4-BE49-F238E27FC236}">
-                <a16:creationId xmlns:a16="http://schemas.microsoft.com/office/drawing/2014/main" id="{1088D8E4-1346-87C2-5DF9-940F2F4594F1}"/>
-              </a:ext>
-            </a:extLst>
-          </p:cNvPr>
-          <p:cNvPicPr>
-            <a:picLocks noChangeAspect="1"/>
-          </p:cNvPicPr>
-          <p:nvPr/>
-        </p:nvPicPr>
-        <p:blipFill>
-          <a:blip r:embed="rId4"/>
-          <a:stretch>
-            <a:fillRect/>
-          </a:stretch>
-        </p:blipFill>
-        <p:spPr>
-          <a:xfrm>
-            <a:off x="5459104" y="3138489"/>
+            <a:off x="2659633" y="1619178"/>
             <a:ext cx="6564574" cy="2457091"/>
           </a:xfrm>
           <a:prstGeom prst="rect">
@@ -8234,10 +7919,50 @@
           <a:chExt cx="0" cy="0"/>
         </a:xfrm>
       </p:grpSpPr>
+      <p:sp>
+        <p:nvSpPr>
+          <p:cNvPr id="5" name="CuadroTexto 4">
+            <a:extLst>
+              <a:ext uri="{FF2B5EF4-FFF2-40B4-BE49-F238E27FC236}">
+                <a16:creationId xmlns:a16="http://schemas.microsoft.com/office/drawing/2014/main" id="{1BE7FA7E-C3EC-4186-AFBD-5BB81C7A131D}"/>
+              </a:ext>
+            </a:extLst>
+          </p:cNvPr>
+          <p:cNvSpPr txBox="1"/>
+          <p:nvPr/>
+        </p:nvSpPr>
+        <p:spPr>
+          <a:xfrm>
+            <a:off x="-210038" y="398307"/>
+            <a:ext cx="11078244" cy="666786"/>
+          </a:xfrm>
+          <a:prstGeom prst="rect">
+            <a:avLst/>
+          </a:prstGeom>
+          <a:noFill/>
+        </p:spPr>
+        <p:txBody>
+          <a:bodyPr wrap="square" rtlCol="0">
+            <a:spAutoFit/>
+          </a:bodyPr>
+          <a:lstStyle/>
+          <a:p>
+            <a:pPr algn="ctr"/>
+            <a:r>
+              <a:rPr lang="es-ES" sz="3733" b="1" dirty="0">
+                <a:solidFill>
+                  <a:srgbClr val="FF6C00"/>
+                </a:solidFill>
+              </a:rPr>
+              <a:t>Modelado MER (Modelo Entidad Relación)</a:t>
+            </a:r>
+          </a:p>
+        </p:txBody>
+      </p:sp>
     </p:spTree>
     <p:extLst>
       <p:ext uri="{BB962C8B-B14F-4D97-AF65-F5344CB8AC3E}">
-        <p14:creationId xmlns:p14="http://schemas.microsoft.com/office/powerpoint/2010/main" val="2315606828"/>
+        <p14:creationId xmlns:p14="http://schemas.microsoft.com/office/powerpoint/2010/main" val="279892807"/>
       </p:ext>
     </p:extLst>
   </p:cSld>
@@ -8449,10 +8174,61 @@
           <a:chExt cx="0" cy="0"/>
         </a:xfrm>
       </p:grpSpPr>
+      <p:sp>
+        <p:nvSpPr>
+          <p:cNvPr id="5" name="CuadroTexto 4">
+            <a:extLst>
+              <a:ext uri="{FF2B5EF4-FFF2-40B4-BE49-F238E27FC236}">
+                <a16:creationId xmlns:a16="http://schemas.microsoft.com/office/drawing/2014/main" id="{1BE7FA7E-C3EC-4186-AFBD-5BB81C7A131D}"/>
+              </a:ext>
+            </a:extLst>
+          </p:cNvPr>
+          <p:cNvSpPr txBox="1"/>
+          <p:nvPr/>
+        </p:nvSpPr>
+        <p:spPr>
+          <a:xfrm>
+            <a:off x="6096000" y="5067059"/>
+            <a:ext cx="5868571" cy="1241237"/>
+          </a:xfrm>
+          <a:prstGeom prst="rect">
+            <a:avLst/>
+          </a:prstGeom>
+          <a:noFill/>
+        </p:spPr>
+        <p:txBody>
+          <a:bodyPr wrap="square" rtlCol="0">
+            <a:spAutoFit/>
+          </a:bodyPr>
+          <a:lstStyle/>
+          <a:p>
+            <a:pPr algn="ctr"/>
+            <a:r>
+              <a:rPr lang="es-ES" sz="3733" b="1" dirty="0">
+                <a:solidFill>
+                  <a:srgbClr val="FF6C00"/>
+                </a:solidFill>
+              </a:rPr>
+              <a:t>Modelado MR </a:t>
+            </a:r>
+          </a:p>
+          <a:p>
+            <a:pPr algn="ctr"/>
+            <a:r>
+              <a:rPr lang="es-ES" sz="3733" b="1" dirty="0">
+                <a:solidFill>
+                  <a:srgbClr val="FF6C00"/>
+                </a:solidFill>
+              </a:rPr>
+              <a:t>(Modelo Relacional)</a:t>
+            </a:r>
+          </a:p>
+        </p:txBody>
+      </p:sp>
     </p:spTree>
     <p:extLst>
       <p:ext uri="{BB962C8B-B14F-4D97-AF65-F5344CB8AC3E}">
-        <p14:creationId xmlns:p14="http://schemas.microsoft.com/office/powerpoint/2010/main" val="763566258"/>
+        <p14:creationId xmlns:p14="http://schemas.microsoft.com/office/powerpoint/2010/main" val="1980260065"/>
       </p:ext>
     </p:extLst>
   </p:cSld>
@@ -8493,8 +8269,8 @@
         </p:nvSpPr>
         <p:spPr>
           <a:xfrm>
-            <a:off x="-210038" y="398307"/>
-            <a:ext cx="11078244" cy="666786"/>
+            <a:off x="2998383" y="421131"/>
+            <a:ext cx="6195235" cy="666786"/>
           </a:xfrm>
           <a:prstGeom prst="rect">
             <a:avLst/>
@@ -8514,15 +8290,28 @@
                   <a:srgbClr val="FF6C00"/>
                 </a:solidFill>
               </a:rPr>
-              <a:t>Modelado MER (Modelo Entidad Relación)</a:t>
-            </a:r>
+              <a:t>Diseño del </a:t>
+            </a:r>
+            <a:r>
+              <a:rPr lang="es-ES" sz="3733" b="1" dirty="0" err="1">
+                <a:solidFill>
+                  <a:srgbClr val="FF6C00"/>
+                </a:solidFill>
+              </a:rPr>
+              <a:t>index</a:t>
+            </a:r>
+            <a:endParaRPr lang="es-ES" sz="3733" b="1" dirty="0">
+              <a:solidFill>
+                <a:srgbClr val="FF6C00"/>
+              </a:solidFill>
+            </a:endParaRPr>
           </a:p>
         </p:txBody>
       </p:sp>
     </p:spTree>
     <p:extLst>
       <p:ext uri="{BB962C8B-B14F-4D97-AF65-F5344CB8AC3E}">
-        <p14:creationId xmlns:p14="http://schemas.microsoft.com/office/powerpoint/2010/main" val="279892807"/>
+        <p14:creationId xmlns:p14="http://schemas.microsoft.com/office/powerpoint/2010/main" val="3430940337"/>
       </p:ext>
     </p:extLst>
   </p:cSld>
@@ -8563,8 +8352,8 @@
         </p:nvSpPr>
         <p:spPr>
           <a:xfrm>
-            <a:off x="6096000" y="5067059"/>
-            <a:ext cx="5868571" cy="1241237"/>
+            <a:off x="2998383" y="421131"/>
+            <a:ext cx="6195235" cy="666786"/>
           </a:xfrm>
           <a:prstGeom prst="rect">
             <a:avLst/>
@@ -8584,18 +8373,7 @@
                   <a:srgbClr val="FF6C00"/>
                 </a:solidFill>
               </a:rPr>
-              <a:t>Modelado MR </a:t>
-            </a:r>
-          </a:p>
-          <a:p>
-            <a:pPr algn="ctr"/>
-            <a:r>
-              <a:rPr lang="es-ES" sz="3733" b="1" dirty="0">
-                <a:solidFill>
-                  <a:srgbClr val="FF6C00"/>
-                </a:solidFill>
-              </a:rPr>
-              <a:t>(Modelo Relacional)</a:t>
+              <a:t>Script de la base de datos</a:t>
             </a:r>
           </a:p>
         </p:txBody>
@@ -8603,7 +8381,7 @@
     </p:spTree>
     <p:extLst>
       <p:ext uri="{BB962C8B-B14F-4D97-AF65-F5344CB8AC3E}">
-        <p14:creationId xmlns:p14="http://schemas.microsoft.com/office/powerpoint/2010/main" val="1980260065"/>
+        <p14:creationId xmlns:p14="http://schemas.microsoft.com/office/powerpoint/2010/main" val="3458874268"/>
       </p:ext>
     </p:extLst>
   </p:cSld>
@@ -8632,20 +8410,14 @@
       </p:grpSpPr>
       <p:sp>
         <p:nvSpPr>
-          <p:cNvPr id="5" name="CuadroTexto 4">
-            <a:extLst>
-              <a:ext uri="{FF2B5EF4-FFF2-40B4-BE49-F238E27FC236}">
-                <a16:creationId xmlns:a16="http://schemas.microsoft.com/office/drawing/2014/main" id="{1BE7FA7E-C3EC-4186-AFBD-5BB81C7A131D}"/>
-              </a:ext>
-            </a:extLst>
-          </p:cNvPr>
+          <p:cNvPr id="2" name="CuadroTexto 1"/>
           <p:cNvSpPr txBox="1"/>
           <p:nvPr/>
         </p:nvSpPr>
         <p:spPr>
           <a:xfrm>
-            <a:off x="2998383" y="421131"/>
-            <a:ext cx="6195235" cy="666786"/>
+            <a:off x="510491" y="332660"/>
+            <a:ext cx="4408840" cy="830997"/>
           </a:xfrm>
           <a:prstGeom prst="rect">
             <a:avLst/>
@@ -8658,35 +8430,121 @@
           </a:bodyPr>
           <a:lstStyle/>
           <a:p>
-            <a:pPr algn="ctr"/>
-            <a:r>
-              <a:rPr lang="es-ES" sz="3733" b="1" dirty="0">
+            <a:r>
+              <a:rPr lang="es-ES" sz="4800" b="1" dirty="0">
                 <a:solidFill>
-                  <a:srgbClr val="FF6C00"/>
+                  <a:schemeClr val="bg1"/>
                 </a:solidFill>
               </a:rPr>
-              <a:t>Diseño del </a:t>
-            </a:r>
-            <a:r>
-              <a:rPr lang="es-ES" sz="3733" b="1" dirty="0" err="1">
-                <a:solidFill>
-                  <a:srgbClr val="FF6C00"/>
-                </a:solidFill>
-              </a:rPr>
-              <a:t>index</a:t>
-            </a:r>
-            <a:endParaRPr lang="es-ES" sz="3733" b="1" dirty="0">
-              <a:solidFill>
-                <a:srgbClr val="FF6C00"/>
-              </a:solidFill>
+              <a:t>Conclusiones </a:t>
+            </a:r>
+          </a:p>
+        </p:txBody>
+      </p:sp>
+      <p:sp>
+        <p:nvSpPr>
+          <p:cNvPr id="8" name="CuadroTexto 7">
+            <a:extLst>
+              <a:ext uri="{FF2B5EF4-FFF2-40B4-BE49-F238E27FC236}">
+                <a16:creationId xmlns:a16="http://schemas.microsoft.com/office/drawing/2014/main" id="{F8C7B26D-E9A2-4838-8972-83BB0387A627}"/>
+              </a:ext>
+            </a:extLst>
+          </p:cNvPr>
+          <p:cNvSpPr txBox="1"/>
+          <p:nvPr/>
+        </p:nvSpPr>
+        <p:spPr>
+          <a:xfrm>
+            <a:off x="184424" y="1821465"/>
+            <a:ext cx="11823152" cy="3416320"/>
+          </a:xfrm>
+          <a:prstGeom prst="rect">
+            <a:avLst/>
+          </a:prstGeom>
+          <a:noFill/>
+        </p:spPr>
+        <p:txBody>
+          <a:bodyPr wrap="square" rtlCol="0">
+            <a:spAutoFit/>
+          </a:bodyPr>
+          <a:lstStyle/>
+          <a:p>
+            <a:pPr marL="380990" indent="-380990" algn="just" defTabSz="1257621" hangingPunct="0">
+              <a:buFontTx/>
+              <a:buChar char="-"/>
+            </a:pPr>
+            <a:r>
+              <a:rPr lang="es-ES" sz="2400" dirty="0">
+                <a:ea typeface="Helvetica Neue"/>
+                <a:cs typeface="Calibir"/>
+                <a:sym typeface="Helvetica Neue"/>
+              </a:rPr>
+              <a:t>Tras la documentación mostrada, podemos deducir que los objetivos planteados están dirigidos a solucionar la problemática principal de nuestro proyecto, dado que actualmente no se ve resuelta por completo en el mercado, y de allí se derivan oportunidades para </a:t>
+            </a:r>
+            <a:r>
+              <a:rPr lang="es-ES" sz="2400" dirty="0" err="1">
+                <a:ea typeface="Helvetica Neue"/>
+                <a:cs typeface="Calibir"/>
+                <a:sym typeface="Helvetica Neue"/>
+              </a:rPr>
+              <a:t>Service</a:t>
+            </a:r>
+            <a:r>
+              <a:rPr lang="es-ES" sz="2400" dirty="0">
+                <a:ea typeface="Helvetica Neue"/>
+                <a:cs typeface="Calibir"/>
+                <a:sym typeface="Helvetica Neue"/>
+              </a:rPr>
+              <a:t> </a:t>
+            </a:r>
+            <a:r>
+              <a:rPr lang="es-ES" sz="2400" dirty="0" err="1">
+                <a:ea typeface="Helvetica Neue"/>
+                <a:cs typeface="Calibir"/>
+                <a:sym typeface="Helvetica Neue"/>
+              </a:rPr>
+              <a:t>Market</a:t>
+            </a:r>
+            <a:r>
+              <a:rPr lang="es-ES" sz="2400" dirty="0">
+                <a:ea typeface="Helvetica Neue"/>
+                <a:cs typeface="Calibir"/>
+                <a:sym typeface="Helvetica Neue"/>
+              </a:rPr>
+              <a:t>.</a:t>
+            </a:r>
+          </a:p>
+          <a:p>
+            <a:pPr marL="380990" indent="-380990" algn="just" defTabSz="1257621" hangingPunct="0">
+              <a:buFontTx/>
+              <a:buChar char="-"/>
+            </a:pPr>
+            <a:endParaRPr lang="es-ES" sz="2400" dirty="0">
+              <a:ea typeface="Helvetica Neue"/>
+              <a:cs typeface="Calibir"/>
+              <a:sym typeface="Helvetica Neue"/>
             </a:endParaRPr>
+          </a:p>
+          <a:p>
+            <a:pPr marL="380990" indent="-380990" algn="just" defTabSz="1257621" hangingPunct="0">
+              <a:buFontTx/>
+              <a:buChar char="-"/>
+            </a:pPr>
+            <a:r>
+              <a:rPr lang="es-ES" sz="2400" dirty="0">
+                <a:ea typeface="Helvetica Neue"/>
+                <a:cs typeface="Calibir"/>
+                <a:sym typeface="Helvetica Neue"/>
+              </a:rPr>
+              <a:t>Según los datos expuestos, podemos concluir que nuestra aplicación web va a ser un canal de comunicación para clientes y prestadores de servicios que estén dispuestos a darse a conocer, generando así mas ganancias, una negociación a una escala mayor y aumentando la credibilidad de aquellos prestadores de servicios que requieran una ayuda.</a:t>
+            </a:r>
           </a:p>
         </p:txBody>
       </p:sp>
     </p:spTree>
     <p:extLst>
       <p:ext uri="{BB962C8B-B14F-4D97-AF65-F5344CB8AC3E}">
-        <p14:creationId xmlns:p14="http://schemas.microsoft.com/office/powerpoint/2010/main" val="3430940337"/>
+        <p14:creationId xmlns:p14="http://schemas.microsoft.com/office/powerpoint/2010/main" val="224373756"/>
       </p:ext>
     </p:extLst>
   </p:cSld>
@@ -8715,239 +8573,6 @@
       </p:grpSpPr>
       <p:sp>
         <p:nvSpPr>
-          <p:cNvPr id="5" name="CuadroTexto 4">
-            <a:extLst>
-              <a:ext uri="{FF2B5EF4-FFF2-40B4-BE49-F238E27FC236}">
-                <a16:creationId xmlns:a16="http://schemas.microsoft.com/office/drawing/2014/main" id="{1BE7FA7E-C3EC-4186-AFBD-5BB81C7A131D}"/>
-              </a:ext>
-            </a:extLst>
-          </p:cNvPr>
-          <p:cNvSpPr txBox="1"/>
-          <p:nvPr/>
-        </p:nvSpPr>
-        <p:spPr>
-          <a:xfrm>
-            <a:off x="2998383" y="421131"/>
-            <a:ext cx="6195235" cy="666786"/>
-          </a:xfrm>
-          <a:prstGeom prst="rect">
-            <a:avLst/>
-          </a:prstGeom>
-          <a:noFill/>
-        </p:spPr>
-        <p:txBody>
-          <a:bodyPr wrap="square" rtlCol="0">
-            <a:spAutoFit/>
-          </a:bodyPr>
-          <a:lstStyle/>
-          <a:p>
-            <a:pPr algn="ctr"/>
-            <a:r>
-              <a:rPr lang="es-ES" sz="3733" b="1" dirty="0">
-                <a:solidFill>
-                  <a:srgbClr val="FF6C00"/>
-                </a:solidFill>
-              </a:rPr>
-              <a:t>Script de la base de datos</a:t>
-            </a:r>
-          </a:p>
-        </p:txBody>
-      </p:sp>
-    </p:spTree>
-    <p:extLst>
-      <p:ext uri="{BB962C8B-B14F-4D97-AF65-F5344CB8AC3E}">
-        <p14:creationId xmlns:p14="http://schemas.microsoft.com/office/powerpoint/2010/main" val="3458874268"/>
-      </p:ext>
-    </p:extLst>
-  </p:cSld>
-  <p:clrMapOvr>
-    <a:masterClrMapping/>
-  </p:clrMapOvr>
-</p:sld>
-</file>
-
-<file path=ppt/slides/slide35.xml><?xml version="1.0" encoding="utf-8"?>
-<p:sld xmlns:a="http://schemas.openxmlformats.org/drawingml/2006/main" xmlns:r="http://schemas.openxmlformats.org/officeDocument/2006/relationships" xmlns:p="http://schemas.openxmlformats.org/presentationml/2006/main">
-  <p:cSld>
-    <p:spTree>
-      <p:nvGrpSpPr>
-        <p:cNvPr id="1" name=""/>
-        <p:cNvGrpSpPr/>
-        <p:nvPr/>
-      </p:nvGrpSpPr>
-      <p:grpSpPr>
-        <a:xfrm>
-          <a:off x="0" y="0"/>
-          <a:ext cx="0" cy="0"/>
-          <a:chOff x="0" y="0"/>
-          <a:chExt cx="0" cy="0"/>
-        </a:xfrm>
-      </p:grpSpPr>
-      <p:sp>
-        <p:nvSpPr>
-          <p:cNvPr id="2" name="CuadroTexto 1"/>
-          <p:cNvSpPr txBox="1"/>
-          <p:nvPr/>
-        </p:nvSpPr>
-        <p:spPr>
-          <a:xfrm>
-            <a:off x="510491" y="332660"/>
-            <a:ext cx="4408840" cy="830997"/>
-          </a:xfrm>
-          <a:prstGeom prst="rect">
-            <a:avLst/>
-          </a:prstGeom>
-          <a:noFill/>
-        </p:spPr>
-        <p:txBody>
-          <a:bodyPr wrap="square" rtlCol="0">
-            <a:spAutoFit/>
-          </a:bodyPr>
-          <a:lstStyle/>
-          <a:p>
-            <a:r>
-              <a:rPr lang="es-ES" sz="4800" b="1" dirty="0">
-                <a:solidFill>
-                  <a:schemeClr val="bg1"/>
-                </a:solidFill>
-              </a:rPr>
-              <a:t>Conclusiones </a:t>
-            </a:r>
-          </a:p>
-        </p:txBody>
-      </p:sp>
-      <p:sp>
-        <p:nvSpPr>
-          <p:cNvPr id="8" name="CuadroTexto 7">
-            <a:extLst>
-              <a:ext uri="{FF2B5EF4-FFF2-40B4-BE49-F238E27FC236}">
-                <a16:creationId xmlns:a16="http://schemas.microsoft.com/office/drawing/2014/main" id="{F8C7B26D-E9A2-4838-8972-83BB0387A627}"/>
-              </a:ext>
-            </a:extLst>
-          </p:cNvPr>
-          <p:cNvSpPr txBox="1"/>
-          <p:nvPr/>
-        </p:nvSpPr>
-        <p:spPr>
-          <a:xfrm>
-            <a:off x="184424" y="1821465"/>
-            <a:ext cx="11823152" cy="3416320"/>
-          </a:xfrm>
-          <a:prstGeom prst="rect">
-            <a:avLst/>
-          </a:prstGeom>
-          <a:noFill/>
-        </p:spPr>
-        <p:txBody>
-          <a:bodyPr wrap="square" rtlCol="0">
-            <a:spAutoFit/>
-          </a:bodyPr>
-          <a:lstStyle/>
-          <a:p>
-            <a:pPr marL="380990" indent="-380990" algn="just" defTabSz="1257621" hangingPunct="0">
-              <a:buFontTx/>
-              <a:buChar char="-"/>
-            </a:pPr>
-            <a:r>
-              <a:rPr lang="es-ES" sz="2400" dirty="0">
-                <a:ea typeface="Helvetica Neue"/>
-                <a:cs typeface="Calibir"/>
-                <a:sym typeface="Helvetica Neue"/>
-              </a:rPr>
-              <a:t>Tras la documentación mostrada, podemos deducir que los objetivos planteados están dirigidos a solucionar la problemática principal de nuestro proyecto, dado que actualmente no se ve resuelta por completo en el mercado, y de allí se derivan oportunidades para </a:t>
-            </a:r>
-            <a:r>
-              <a:rPr lang="es-ES" sz="2400" dirty="0" err="1">
-                <a:ea typeface="Helvetica Neue"/>
-                <a:cs typeface="Calibir"/>
-                <a:sym typeface="Helvetica Neue"/>
-              </a:rPr>
-              <a:t>Service</a:t>
-            </a:r>
-            <a:r>
-              <a:rPr lang="es-ES" sz="2400" dirty="0">
-                <a:ea typeface="Helvetica Neue"/>
-                <a:cs typeface="Calibir"/>
-                <a:sym typeface="Helvetica Neue"/>
-              </a:rPr>
-              <a:t> </a:t>
-            </a:r>
-            <a:r>
-              <a:rPr lang="es-ES" sz="2400" dirty="0" err="1">
-                <a:ea typeface="Helvetica Neue"/>
-                <a:cs typeface="Calibir"/>
-                <a:sym typeface="Helvetica Neue"/>
-              </a:rPr>
-              <a:t>Market</a:t>
-            </a:r>
-            <a:r>
-              <a:rPr lang="es-ES" sz="2400" dirty="0">
-                <a:ea typeface="Helvetica Neue"/>
-                <a:cs typeface="Calibir"/>
-                <a:sym typeface="Helvetica Neue"/>
-              </a:rPr>
-              <a:t>.</a:t>
-            </a:r>
-          </a:p>
-          <a:p>
-            <a:pPr marL="380990" indent="-380990" algn="just" defTabSz="1257621" hangingPunct="0">
-              <a:buFontTx/>
-              <a:buChar char="-"/>
-            </a:pPr>
-            <a:endParaRPr lang="es-ES" sz="2400" dirty="0">
-              <a:ea typeface="Helvetica Neue"/>
-              <a:cs typeface="Calibir"/>
-              <a:sym typeface="Helvetica Neue"/>
-            </a:endParaRPr>
-          </a:p>
-          <a:p>
-            <a:pPr marL="380990" indent="-380990" algn="just" defTabSz="1257621" hangingPunct="0">
-              <a:buFontTx/>
-              <a:buChar char="-"/>
-            </a:pPr>
-            <a:r>
-              <a:rPr lang="es-ES" sz="2400" dirty="0">
-                <a:ea typeface="Helvetica Neue"/>
-                <a:cs typeface="Calibir"/>
-                <a:sym typeface="Helvetica Neue"/>
-              </a:rPr>
-              <a:t>Según los datos expuestos, podemos concluir que nuestra aplicación web va a ser un canal de comunicación para clientes y prestadores de servicios que estén dispuestos a darse a conocer, generando así mas ganancias, una negociación a una escala mayor y aumentando la credibilidad de aquellos prestadores de servicios que requieran una ayuda.</a:t>
-            </a:r>
-          </a:p>
-        </p:txBody>
-      </p:sp>
-    </p:spTree>
-    <p:extLst>
-      <p:ext uri="{BB962C8B-B14F-4D97-AF65-F5344CB8AC3E}">
-        <p14:creationId xmlns:p14="http://schemas.microsoft.com/office/powerpoint/2010/main" val="224373756"/>
-      </p:ext>
-    </p:extLst>
-  </p:cSld>
-  <p:clrMapOvr>
-    <a:masterClrMapping/>
-  </p:clrMapOvr>
-</p:sld>
-</file>
-
-<file path=ppt/slides/slide36.xml><?xml version="1.0" encoding="utf-8"?>
-<p:sld xmlns:a="http://schemas.openxmlformats.org/drawingml/2006/main" xmlns:r="http://schemas.openxmlformats.org/officeDocument/2006/relationships" xmlns:p="http://schemas.openxmlformats.org/presentationml/2006/main">
-  <p:cSld>
-    <p:spTree>
-      <p:nvGrpSpPr>
-        <p:cNvPr id="1" name=""/>
-        <p:cNvGrpSpPr/>
-        <p:nvPr/>
-      </p:nvGrpSpPr>
-      <p:grpSpPr>
-        <a:xfrm>
-          <a:off x="0" y="0"/>
-          <a:ext cx="0" cy="0"/>
-          <a:chOff x="0" y="0"/>
-          <a:chExt cx="0" cy="0"/>
-        </a:xfrm>
-      </p:grpSpPr>
-      <p:sp>
-        <p:nvSpPr>
           <p:cNvPr id="2" name="CuadroTexto 1"/>
           <p:cNvSpPr txBox="1"/>
           <p:nvPr/>
@@ -9373,7 +8998,7 @@
 </p:sld>
 </file>
 
-<file path=ppt/slides/slide37.xml><?xml version="1.0" encoding="utf-8"?>
+<file path=ppt/slides/slide35.xml><?xml version="1.0" encoding="utf-8"?>
 <p:sld xmlns:a="http://schemas.openxmlformats.org/drawingml/2006/main" xmlns:r="http://schemas.openxmlformats.org/officeDocument/2006/relationships" xmlns:p="http://schemas.openxmlformats.org/presentationml/2006/main">
   <p:cSld>
     <p:spTree>

--- a/PROYECTO FORMATIVO.pptx
+++ b/PROYECTO FORMATIVO.pptx
@@ -231,7 +231,7 @@
           <a:p>
             <a:fld id="{9660CB96-A603-FF42-AE46-F5F75F80A67B}" type="datetimeFigureOut">
               <a:rPr lang="es-CO" smtClean="0"/>
-              <a:t>3/11/2022</a:t>
+              <a:t>4/11/2022</a:t>
             </a:fld>
             <a:endParaRPr lang="es-CO"/>
           </a:p>
@@ -984,7 +984,7 @@
           <a:p>
             <a:fld id="{BD986248-06F7-A441-A47A-264EBD310E11}" type="datetimeFigureOut">
               <a:rPr lang="es-CO" smtClean="0"/>
-              <a:t>3/11/2022</a:t>
+              <a:t>4/11/2022</a:t>
             </a:fld>
             <a:endParaRPr lang="es-CO"/>
           </a:p>
@@ -1184,7 +1184,7 @@
           <a:p>
             <a:fld id="{BD986248-06F7-A441-A47A-264EBD310E11}" type="datetimeFigureOut">
               <a:rPr lang="es-CO" smtClean="0"/>
-              <a:t>3/11/2022</a:t>
+              <a:t>4/11/2022</a:t>
             </a:fld>
             <a:endParaRPr lang="es-CO"/>
           </a:p>
@@ -1394,7 +1394,7 @@
           <a:p>
             <a:fld id="{BD986248-06F7-A441-A47A-264EBD310E11}" type="datetimeFigureOut">
               <a:rPr lang="es-CO" smtClean="0"/>
-              <a:t>3/11/2022</a:t>
+              <a:t>4/11/2022</a:t>
             </a:fld>
             <a:endParaRPr lang="es-CO"/>
           </a:p>
@@ -2002,7 +2002,7 @@
           <a:p>
             <a:fld id="{BD986248-06F7-A441-A47A-264EBD310E11}" type="datetimeFigureOut">
               <a:rPr lang="es-CO" smtClean="0"/>
-              <a:t>3/11/2022</a:t>
+              <a:t>4/11/2022</a:t>
             </a:fld>
             <a:endParaRPr lang="es-CO"/>
           </a:p>
@@ -2278,7 +2278,7 @@
           <a:p>
             <a:fld id="{BD986248-06F7-A441-A47A-264EBD310E11}" type="datetimeFigureOut">
               <a:rPr lang="es-CO" smtClean="0"/>
-              <a:t>3/11/2022</a:t>
+              <a:t>4/11/2022</a:t>
             </a:fld>
             <a:endParaRPr lang="es-CO"/>
           </a:p>
@@ -2546,7 +2546,7 @@
           <a:p>
             <a:fld id="{BD986248-06F7-A441-A47A-264EBD310E11}" type="datetimeFigureOut">
               <a:rPr lang="es-CO" smtClean="0"/>
-              <a:t>3/11/2022</a:t>
+              <a:t>4/11/2022</a:t>
             </a:fld>
             <a:endParaRPr lang="es-CO"/>
           </a:p>
@@ -2961,7 +2961,7 @@
           <a:p>
             <a:fld id="{BD986248-06F7-A441-A47A-264EBD310E11}" type="datetimeFigureOut">
               <a:rPr lang="es-CO" smtClean="0"/>
-              <a:t>3/11/2022</a:t>
+              <a:t>4/11/2022</a:t>
             </a:fld>
             <a:endParaRPr lang="es-CO"/>
           </a:p>
@@ -3103,7 +3103,7 @@
           <a:p>
             <a:fld id="{BD986248-06F7-A441-A47A-264EBD310E11}" type="datetimeFigureOut">
               <a:rPr lang="es-CO" smtClean="0"/>
-              <a:t>3/11/2022</a:t>
+              <a:t>4/11/2022</a:t>
             </a:fld>
             <a:endParaRPr lang="es-CO"/>
           </a:p>
@@ -3216,7 +3216,7 @@
           <a:p>
             <a:fld id="{BD986248-06F7-A441-A47A-264EBD310E11}" type="datetimeFigureOut">
               <a:rPr lang="es-CO" smtClean="0"/>
-              <a:t>3/11/2022</a:t>
+              <a:t>4/11/2022</a:t>
             </a:fld>
             <a:endParaRPr lang="es-CO"/>
           </a:p>
@@ -3529,7 +3529,7 @@
           <a:p>
             <a:fld id="{BD986248-06F7-A441-A47A-264EBD310E11}" type="datetimeFigureOut">
               <a:rPr lang="es-CO" smtClean="0"/>
-              <a:t>3/11/2022</a:t>
+              <a:t>4/11/2022</a:t>
             </a:fld>
             <a:endParaRPr lang="es-CO"/>
           </a:p>
@@ -3818,7 +3818,7 @@
           <a:p>
             <a:fld id="{BD986248-06F7-A441-A47A-264EBD310E11}" type="datetimeFigureOut">
               <a:rPr lang="es-CO" smtClean="0"/>
-              <a:t>3/11/2022</a:t>
+              <a:t>4/11/2022</a:t>
             </a:fld>
             <a:endParaRPr lang="es-CO"/>
           </a:p>
@@ -4061,7 +4061,7 @@
           <a:p>
             <a:fld id="{BD986248-06F7-A441-A47A-264EBD310E11}" type="datetimeFigureOut">
               <a:rPr lang="es-CO" smtClean="0"/>
-              <a:t>3/11/2022</a:t>
+              <a:t>4/11/2022</a:t>
             </a:fld>
             <a:endParaRPr lang="es-CO"/>
           </a:p>
@@ -8136,7 +8136,7 @@
         </p:blipFill>
         <p:spPr>
           <a:xfrm>
-            <a:off x="0" y="1179092"/>
+            <a:off x="0" y="1193160"/>
             <a:ext cx="12192000" cy="5194631"/>
           </a:xfrm>
           <a:prstGeom prst="rect">

--- a/PROYECTO FORMATIVO.pptx
+++ b/PROYECTO FORMATIVO.pptx
@@ -5271,10 +5271,10 @@
       </p:sp>
       <p:pic>
         <p:nvPicPr>
-          <p:cNvPr id="4" name="Imagen 3" descr="Diagrama&#10;&#10;Descripción generada automáticamente">
-            <a:extLst>
-              <a:ext uri="{FF2B5EF4-FFF2-40B4-BE49-F238E27FC236}">
-                <a16:creationId xmlns:a16="http://schemas.microsoft.com/office/drawing/2014/main" id="{978D1420-CD5B-07B0-AC2A-730A77D9173E}"/>
+          <p:cNvPr id="4" name="Imagen 3">
+            <a:extLst>
+              <a:ext uri="{FF2B5EF4-FFF2-40B4-BE49-F238E27FC236}">
+                <a16:creationId xmlns:a16="http://schemas.microsoft.com/office/drawing/2014/main" id="{FFBE1CDB-E22F-9FE7-4C72-44B1DDE9939E}"/>
               </a:ext>
             </a:extLst>
           </p:cNvPr>
@@ -5291,8 +5291,8 @@
         </p:blipFill>
         <p:spPr>
           <a:xfrm>
-            <a:off x="113413" y="0"/>
-            <a:ext cx="5821168" cy="6858000"/>
+            <a:off x="-106162" y="0"/>
+            <a:ext cx="6327628" cy="6858000"/>
           </a:xfrm>
           <a:prstGeom prst="rect">
             <a:avLst/>
@@ -6338,10 +6338,10 @@
       </p:sp>
       <p:pic>
         <p:nvPicPr>
-          <p:cNvPr id="3" name="Imagen 2">
-            <a:extLst>
-              <a:ext uri="{FF2B5EF4-FFF2-40B4-BE49-F238E27FC236}">
-                <a16:creationId xmlns:a16="http://schemas.microsoft.com/office/drawing/2014/main" id="{BE78A64A-7639-8908-5933-5F788C155F9F}"/>
+          <p:cNvPr id="4" name="Imagen 3">
+            <a:extLst>
+              <a:ext uri="{FF2B5EF4-FFF2-40B4-BE49-F238E27FC236}">
+                <a16:creationId xmlns:a16="http://schemas.microsoft.com/office/drawing/2014/main" id="{58DCDC87-7B13-3B41-203B-514B9E3CB76F}"/>
               </a:ext>
             </a:extLst>
           </p:cNvPr>
@@ -6358,8 +6358,8 @@
         </p:blipFill>
         <p:spPr>
           <a:xfrm>
-            <a:off x="1123071" y="629564"/>
-            <a:ext cx="9945858" cy="6228436"/>
+            <a:off x="1143180" y="666975"/>
+            <a:ext cx="9905640" cy="6191025"/>
           </a:xfrm>
           <a:prstGeom prst="rect">
             <a:avLst/>
@@ -6398,10 +6398,10 @@
       </p:grpSpPr>
       <p:pic>
         <p:nvPicPr>
-          <p:cNvPr id="3" name="Imagen 2">
-            <a:extLst>
-              <a:ext uri="{FF2B5EF4-FFF2-40B4-BE49-F238E27FC236}">
-                <a16:creationId xmlns:a16="http://schemas.microsoft.com/office/drawing/2014/main" id="{B6D05E2E-F6F7-3265-9463-A975DAD1F696}"/>
+          <p:cNvPr id="4" name="Imagen 3">
+            <a:extLst>
+              <a:ext uri="{FF2B5EF4-FFF2-40B4-BE49-F238E27FC236}">
+                <a16:creationId xmlns:a16="http://schemas.microsoft.com/office/drawing/2014/main" id="{180FC71E-B77C-6436-161D-407FF47D1B9E}"/>
               </a:ext>
             </a:extLst>
           </p:cNvPr>
@@ -6418,8 +6418,8 @@
         </p:blipFill>
         <p:spPr>
           <a:xfrm>
-            <a:off x="1166784" y="866921"/>
-            <a:ext cx="9858432" cy="5124157"/>
+            <a:off x="792774" y="1060316"/>
+            <a:ext cx="10606452" cy="5243806"/>
           </a:xfrm>
           <a:prstGeom prst="rect">
             <a:avLst/>
@@ -6498,36 +6498,6 @@
           </a:p>
         </p:txBody>
       </p:sp>
-      <p:pic>
-        <p:nvPicPr>
-          <p:cNvPr id="3" name="Imagen 2">
-            <a:extLst>
-              <a:ext uri="{FF2B5EF4-FFF2-40B4-BE49-F238E27FC236}">
-                <a16:creationId xmlns:a16="http://schemas.microsoft.com/office/drawing/2014/main" id="{D8B262FA-29F3-F30B-F3DE-5DB64C42C194}"/>
-              </a:ext>
-            </a:extLst>
-          </p:cNvPr>
-          <p:cNvPicPr>
-            <a:picLocks noChangeAspect="1"/>
-          </p:cNvPicPr>
-          <p:nvPr/>
-        </p:nvPicPr>
-        <p:blipFill>
-          <a:blip r:embed="rId2"/>
-          <a:stretch>
-            <a:fillRect/>
-          </a:stretch>
-        </p:blipFill>
-        <p:spPr>
-          <a:xfrm>
-            <a:off x="0" y="1589348"/>
-            <a:ext cx="12197578" cy="3679304"/>
-          </a:xfrm>
-          <a:prstGeom prst="rect">
-            <a:avLst/>
-          </a:prstGeom>
-        </p:spPr>
-      </p:pic>
     </p:spTree>
     <p:extLst>
       <p:ext uri="{BB962C8B-B14F-4D97-AF65-F5344CB8AC3E}">

--- a/PROYECTO FORMATIVO.pptx
+++ b/PROYECTO FORMATIVO.pptx
@@ -5,7 +5,7 @@
     <p:sldMasterId id="2147483648" r:id="rId1"/>
   </p:sldMasterIdLst>
   <p:notesMasterIdLst>
-    <p:notesMasterId r:id="rId37"/>
+    <p:notesMasterId r:id="rId39"/>
   </p:notesMasterIdLst>
   <p:sldIdLst>
     <p:sldId id="468" r:id="rId2"/>
@@ -30,19 +30,21 @@
     <p:sldId id="298" r:id="rId21"/>
     <p:sldId id="301" r:id="rId22"/>
     <p:sldId id="299" r:id="rId23"/>
-    <p:sldId id="284" r:id="rId24"/>
-    <p:sldId id="296" r:id="rId25"/>
-    <p:sldId id="297" r:id="rId26"/>
-    <p:sldId id="300" r:id="rId27"/>
-    <p:sldId id="286" r:id="rId28"/>
-    <p:sldId id="287" r:id="rId29"/>
-    <p:sldId id="288" r:id="rId30"/>
-    <p:sldId id="289" r:id="rId31"/>
-    <p:sldId id="277" r:id="rId32"/>
-    <p:sldId id="470" r:id="rId33"/>
-    <p:sldId id="274" r:id="rId34"/>
-    <p:sldId id="278" r:id="rId35"/>
-    <p:sldId id="264" r:id="rId36"/>
+    <p:sldId id="476" r:id="rId24"/>
+    <p:sldId id="477" r:id="rId25"/>
+    <p:sldId id="284" r:id="rId26"/>
+    <p:sldId id="296" r:id="rId27"/>
+    <p:sldId id="297" r:id="rId28"/>
+    <p:sldId id="300" r:id="rId29"/>
+    <p:sldId id="286" r:id="rId30"/>
+    <p:sldId id="287" r:id="rId31"/>
+    <p:sldId id="288" r:id="rId32"/>
+    <p:sldId id="289" r:id="rId33"/>
+    <p:sldId id="277" r:id="rId34"/>
+    <p:sldId id="470" r:id="rId35"/>
+    <p:sldId id="274" r:id="rId36"/>
+    <p:sldId id="278" r:id="rId37"/>
+    <p:sldId id="264" r:id="rId38"/>
   </p:sldIdLst>
   <p:sldSz cx="12192000" cy="6858000"/>
   <p:notesSz cx="6858000" cy="9144000"/>
@@ -732,7 +734,7 @@
           <a:p>
             <a:fld id="{AB98DA6D-12AC-4BA1-8782-249E1E9419F8}" type="slidenum">
               <a:rPr lang="es-CO" smtClean="0"/>
-              <a:t>27</a:t>
+              <a:t>29</a:t>
             </a:fld>
             <a:endParaRPr lang="es-CO"/>
           </a:p>
@@ -816,7 +818,7 @@
           <a:p>
             <a:fld id="{AB98DA6D-12AC-4BA1-8782-249E1E9419F8}" type="slidenum">
               <a:rPr lang="es-CO" smtClean="0"/>
-              <a:t>33</a:t>
+              <a:t>35</a:t>
             </a:fld>
             <a:endParaRPr lang="es-CO"/>
           </a:p>
@@ -6498,6 +6500,96 @@
           </a:p>
         </p:txBody>
       </p:sp>
+      <p:pic>
+        <p:nvPicPr>
+          <p:cNvPr id="3" name="Imagen 2">
+            <a:extLst>
+              <a:ext uri="{FF2B5EF4-FFF2-40B4-BE49-F238E27FC236}">
+                <a16:creationId xmlns:a16="http://schemas.microsoft.com/office/drawing/2014/main" id="{91E43095-B1D3-D4C2-7F2B-E39ABEE8DC01}"/>
+              </a:ext>
+            </a:extLst>
+          </p:cNvPr>
+          <p:cNvPicPr>
+            <a:picLocks noChangeAspect="1"/>
+          </p:cNvPicPr>
+          <p:nvPr/>
+        </p:nvPicPr>
+        <p:blipFill>
+          <a:blip r:embed="rId2"/>
+          <a:stretch>
+            <a:fillRect/>
+          </a:stretch>
+        </p:blipFill>
+        <p:spPr>
+          <a:xfrm>
+            <a:off x="333008" y="1776412"/>
+            <a:ext cx="3648075" cy="3305175"/>
+          </a:xfrm>
+          <a:prstGeom prst="rect">
+            <a:avLst/>
+          </a:prstGeom>
+        </p:spPr>
+      </p:pic>
+      <p:pic>
+        <p:nvPicPr>
+          <p:cNvPr id="6" name="Imagen 5">
+            <a:extLst>
+              <a:ext uri="{FF2B5EF4-FFF2-40B4-BE49-F238E27FC236}">
+                <a16:creationId xmlns:a16="http://schemas.microsoft.com/office/drawing/2014/main" id="{25D2FD95-AC27-6C7F-4052-9436A1CFFDFF}"/>
+              </a:ext>
+            </a:extLst>
+          </p:cNvPr>
+          <p:cNvPicPr>
+            <a:picLocks noChangeAspect="1"/>
+          </p:cNvPicPr>
+          <p:nvPr/>
+        </p:nvPicPr>
+        <p:blipFill>
+          <a:blip r:embed="rId3"/>
+          <a:stretch>
+            <a:fillRect/>
+          </a:stretch>
+        </p:blipFill>
+        <p:spPr>
+          <a:xfrm>
+            <a:off x="4117217" y="1776412"/>
+            <a:ext cx="3648075" cy="3257550"/>
+          </a:xfrm>
+          <a:prstGeom prst="rect">
+            <a:avLst/>
+          </a:prstGeom>
+        </p:spPr>
+      </p:pic>
+      <p:pic>
+        <p:nvPicPr>
+          <p:cNvPr id="8" name="Imagen 7">
+            <a:extLst>
+              <a:ext uri="{FF2B5EF4-FFF2-40B4-BE49-F238E27FC236}">
+                <a16:creationId xmlns:a16="http://schemas.microsoft.com/office/drawing/2014/main" id="{F1D95CAE-41C2-B9BC-AFA6-82B67BCFDF03}"/>
+              </a:ext>
+            </a:extLst>
+          </p:cNvPr>
+          <p:cNvPicPr>
+            <a:picLocks noChangeAspect="1"/>
+          </p:cNvPicPr>
+          <p:nvPr/>
+        </p:nvPicPr>
+        <p:blipFill>
+          <a:blip r:embed="rId4"/>
+          <a:stretch>
+            <a:fillRect/>
+          </a:stretch>
+        </p:blipFill>
+        <p:spPr>
+          <a:xfrm>
+            <a:off x="7901426" y="1785937"/>
+            <a:ext cx="3657600" cy="3295650"/>
+          </a:xfrm>
+          <a:prstGeom prst="rect">
+            <a:avLst/>
+          </a:prstGeom>
+        </p:spPr>
+      </p:pic>
     </p:spTree>
     <p:extLst>
       <p:ext uri="{BB962C8B-B14F-4D97-AF65-F5344CB8AC3E}">
@@ -6542,8 +6634,8 @@
         </p:nvSpPr>
         <p:spPr>
           <a:xfrm>
-            <a:off x="5358793" y="1341416"/>
-            <a:ext cx="6195235" cy="1241237"/>
+            <a:off x="1811074" y="436925"/>
+            <a:ext cx="8569853" cy="666786"/>
           </a:xfrm>
           <a:prstGeom prst="rect">
             <a:avLst/>
@@ -6565,30 +6657,17 @@
                 <a:latin typeface="Calibri" panose="020F0502020204030204" pitchFamily="34" charset="0"/>
                 <a:cs typeface="Calibri" panose="020F0502020204030204" pitchFamily="34" charset="0"/>
               </a:rPr>
-              <a:t>Diagrama de actividades</a:t>
-            </a:r>
-          </a:p>
-          <a:p>
-            <a:pPr algn="ctr"/>
-            <a:r>
-              <a:rPr lang="es-ES" sz="3733" b="1" dirty="0">
-                <a:solidFill>
-                  <a:srgbClr val="FF6C00"/>
-                </a:solidFill>
-                <a:latin typeface="Calibri" panose="020F0502020204030204" pitchFamily="34" charset="0"/>
-                <a:cs typeface="Calibri" panose="020F0502020204030204" pitchFamily="34" charset="0"/>
-              </a:rPr>
-              <a:t>Cliente</a:t>
+              <a:t>Historias de usuario</a:t>
             </a:r>
           </a:p>
         </p:txBody>
       </p:sp>
       <p:pic>
         <p:nvPicPr>
-          <p:cNvPr id="3" name="Imagen 2">
-            <a:extLst>
-              <a:ext uri="{FF2B5EF4-FFF2-40B4-BE49-F238E27FC236}">
-                <a16:creationId xmlns:a16="http://schemas.microsoft.com/office/drawing/2014/main" id="{68B5A894-F361-CB2E-B0C1-693910414228}"/>
+          <p:cNvPr id="4" name="Imagen 3">
+            <a:extLst>
+              <a:ext uri="{FF2B5EF4-FFF2-40B4-BE49-F238E27FC236}">
+                <a16:creationId xmlns:a16="http://schemas.microsoft.com/office/drawing/2014/main" id="{90E791EB-5027-58C9-5CAE-363ACA68635F}"/>
               </a:ext>
             </a:extLst>
           </p:cNvPr>
@@ -6605,8 +6684,68 @@
         </p:blipFill>
         <p:spPr>
           <a:xfrm>
-            <a:off x="637972" y="0"/>
-            <a:ext cx="4470179" cy="6858000"/>
+            <a:off x="412871" y="1804987"/>
+            <a:ext cx="3629025" cy="3248025"/>
+          </a:xfrm>
+          <a:prstGeom prst="rect">
+            <a:avLst/>
+          </a:prstGeom>
+        </p:spPr>
+      </p:pic>
+      <p:pic>
+        <p:nvPicPr>
+          <p:cNvPr id="11" name="Imagen 10">
+            <a:extLst>
+              <a:ext uri="{FF2B5EF4-FFF2-40B4-BE49-F238E27FC236}">
+                <a16:creationId xmlns:a16="http://schemas.microsoft.com/office/drawing/2014/main" id="{D5095B3B-36E3-94EA-1AD4-A7CBEA0964C1}"/>
+              </a:ext>
+            </a:extLst>
+          </p:cNvPr>
+          <p:cNvPicPr>
+            <a:picLocks noChangeAspect="1"/>
+          </p:cNvPicPr>
+          <p:nvPr/>
+        </p:nvPicPr>
+        <p:blipFill>
+          <a:blip r:embed="rId3"/>
+          <a:stretch>
+            <a:fillRect/>
+          </a:stretch>
+        </p:blipFill>
+        <p:spPr>
+          <a:xfrm>
+            <a:off x="4281487" y="1790699"/>
+            <a:ext cx="3629025" cy="3276600"/>
+          </a:xfrm>
+          <a:prstGeom prst="rect">
+            <a:avLst/>
+          </a:prstGeom>
+        </p:spPr>
+      </p:pic>
+      <p:pic>
+        <p:nvPicPr>
+          <p:cNvPr id="13" name="Imagen 12">
+            <a:extLst>
+              <a:ext uri="{FF2B5EF4-FFF2-40B4-BE49-F238E27FC236}">
+                <a16:creationId xmlns:a16="http://schemas.microsoft.com/office/drawing/2014/main" id="{C6FFDE6B-8D85-00E8-00BD-CE456CEC1995}"/>
+              </a:ext>
+            </a:extLst>
+          </p:cNvPr>
+          <p:cNvPicPr>
+            <a:picLocks noChangeAspect="1"/>
+          </p:cNvPicPr>
+          <p:nvPr/>
+        </p:nvPicPr>
+        <p:blipFill>
+          <a:blip r:embed="rId4"/>
+          <a:stretch>
+            <a:fillRect/>
+          </a:stretch>
+        </p:blipFill>
+        <p:spPr>
+          <a:xfrm>
+            <a:off x="8150103" y="1804987"/>
+            <a:ext cx="3638550" cy="3276600"/>
           </a:xfrm>
           <a:prstGeom prst="rect">
             <a:avLst/>
@@ -6616,7 +6755,7 @@
     </p:spTree>
     <p:extLst>
       <p:ext uri="{BB962C8B-B14F-4D97-AF65-F5344CB8AC3E}">
-        <p14:creationId xmlns:p14="http://schemas.microsoft.com/office/powerpoint/2010/main" val="135588775"/>
+        <p14:creationId xmlns:p14="http://schemas.microsoft.com/office/powerpoint/2010/main" val="1679267791"/>
       </p:ext>
     </p:extLst>
   </p:cSld>
@@ -6657,8 +6796,8 @@
         </p:nvSpPr>
         <p:spPr>
           <a:xfrm>
-            <a:off x="5273733" y="1341415"/>
-            <a:ext cx="6195235" cy="1241237"/>
+            <a:off x="1811074" y="436925"/>
+            <a:ext cx="8569853" cy="666786"/>
           </a:xfrm>
           <a:prstGeom prst="rect">
             <a:avLst/>
@@ -6680,30 +6819,17 @@
                 <a:latin typeface="Calibri" panose="020F0502020204030204" pitchFamily="34" charset="0"/>
                 <a:cs typeface="Calibri" panose="020F0502020204030204" pitchFamily="34" charset="0"/>
               </a:rPr>
-              <a:t>Diagrama de actividades</a:t>
-            </a:r>
-          </a:p>
-          <a:p>
-            <a:pPr algn="ctr"/>
-            <a:r>
-              <a:rPr lang="es-ES" sz="3733" b="1" dirty="0">
-                <a:solidFill>
-                  <a:srgbClr val="FF6C00"/>
-                </a:solidFill>
-                <a:latin typeface="Calibri" panose="020F0502020204030204" pitchFamily="34" charset="0"/>
-                <a:cs typeface="Calibri" panose="020F0502020204030204" pitchFamily="34" charset="0"/>
-              </a:rPr>
-              <a:t>Proveedor</a:t>
+              <a:t>Historias de usuario</a:t>
             </a:r>
           </a:p>
         </p:txBody>
       </p:sp>
       <p:pic>
         <p:nvPicPr>
-          <p:cNvPr id="4" name="Imagen 3" descr="Diagrama&#10;&#10;Descripción generada automáticamente">
-            <a:extLst>
-              <a:ext uri="{FF2B5EF4-FFF2-40B4-BE49-F238E27FC236}">
-                <a16:creationId xmlns:a16="http://schemas.microsoft.com/office/drawing/2014/main" id="{AEADA765-C4FF-9659-82FD-7AD43FC04A52}"/>
+          <p:cNvPr id="3" name="Imagen 2">
+            <a:extLst>
+              <a:ext uri="{FF2B5EF4-FFF2-40B4-BE49-F238E27FC236}">
+                <a16:creationId xmlns:a16="http://schemas.microsoft.com/office/drawing/2014/main" id="{DD4910DA-CA74-5376-D00C-AE98A077DFF0}"/>
               </a:ext>
             </a:extLst>
           </p:cNvPr>
@@ -6720,8 +6846,38 @@
         </p:blipFill>
         <p:spPr>
           <a:xfrm>
-            <a:off x="241541" y="0"/>
-            <a:ext cx="4629691" cy="6858000"/>
+            <a:off x="2194707" y="1692226"/>
+            <a:ext cx="3638550" cy="3276600"/>
+          </a:xfrm>
+          <a:prstGeom prst="rect">
+            <a:avLst/>
+          </a:prstGeom>
+        </p:spPr>
+      </p:pic>
+      <p:pic>
+        <p:nvPicPr>
+          <p:cNvPr id="7" name="Imagen 6">
+            <a:extLst>
+              <a:ext uri="{FF2B5EF4-FFF2-40B4-BE49-F238E27FC236}">
+                <a16:creationId xmlns:a16="http://schemas.microsoft.com/office/drawing/2014/main" id="{22570AF0-8334-3F4A-935E-E61CEDA98395}"/>
+              </a:ext>
+            </a:extLst>
+          </p:cNvPr>
+          <p:cNvPicPr>
+            <a:picLocks noChangeAspect="1"/>
+          </p:cNvPicPr>
+          <p:nvPr/>
+        </p:nvPicPr>
+        <p:blipFill>
+          <a:blip r:embed="rId3"/>
+          <a:stretch>
+            <a:fillRect/>
+          </a:stretch>
+        </p:blipFill>
+        <p:spPr>
+          <a:xfrm>
+            <a:off x="6358745" y="1692226"/>
+            <a:ext cx="3638550" cy="3276600"/>
           </a:xfrm>
           <a:prstGeom prst="rect">
             <a:avLst/>
@@ -6731,7 +6887,7 @@
     </p:spTree>
     <p:extLst>
       <p:ext uri="{BB962C8B-B14F-4D97-AF65-F5344CB8AC3E}">
-        <p14:creationId xmlns:p14="http://schemas.microsoft.com/office/powerpoint/2010/main" val="3960931863"/>
+        <p14:creationId xmlns:p14="http://schemas.microsoft.com/office/powerpoint/2010/main" val="1268355955"/>
       </p:ext>
     </p:extLst>
   </p:cSld>
@@ -6772,7 +6928,7 @@
         </p:nvSpPr>
         <p:spPr>
           <a:xfrm>
-            <a:off x="6507109" y="1610773"/>
+            <a:off x="5358793" y="1341416"/>
             <a:ext cx="6195235" cy="1241237"/>
           </a:xfrm>
           <a:prstGeom prst="rect">
@@ -6808,7 +6964,7 @@
                 <a:latin typeface="Calibri" panose="020F0502020204030204" pitchFamily="34" charset="0"/>
                 <a:cs typeface="Calibri" panose="020F0502020204030204" pitchFamily="34" charset="0"/>
               </a:rPr>
-              <a:t>Administrador</a:t>
+              <a:t>Cliente</a:t>
             </a:r>
           </a:p>
         </p:txBody>
@@ -6818,7 +6974,7 @@
           <p:cNvPr id="3" name="Imagen 2">
             <a:extLst>
               <a:ext uri="{FF2B5EF4-FFF2-40B4-BE49-F238E27FC236}">
-                <a16:creationId xmlns:a16="http://schemas.microsoft.com/office/drawing/2014/main" id="{3A326373-7FA2-40EF-60A1-93DBE9010477}"/>
+                <a16:creationId xmlns:a16="http://schemas.microsoft.com/office/drawing/2014/main" id="{68B5A894-F361-CB2E-B0C1-693910414228}"/>
               </a:ext>
             </a:extLst>
           </p:cNvPr>
@@ -6835,8 +6991,8 @@
         </p:blipFill>
         <p:spPr>
           <a:xfrm>
-            <a:off x="0" y="-9140"/>
-            <a:ext cx="7109952" cy="6858000"/>
+            <a:off x="637972" y="0"/>
+            <a:ext cx="4470179" cy="6858000"/>
           </a:xfrm>
           <a:prstGeom prst="rect">
             <a:avLst/>
@@ -6846,7 +7002,7 @@
     </p:spTree>
     <p:extLst>
       <p:ext uri="{BB962C8B-B14F-4D97-AF65-F5344CB8AC3E}">
-        <p14:creationId xmlns:p14="http://schemas.microsoft.com/office/powerpoint/2010/main" val="3212968141"/>
+        <p14:creationId xmlns:p14="http://schemas.microsoft.com/office/powerpoint/2010/main" val="135588775"/>
       </p:ext>
     </p:extLst>
   </p:cSld>
@@ -6887,8 +7043,8 @@
         </p:nvSpPr>
         <p:spPr>
           <a:xfrm>
-            <a:off x="7346663" y="1687204"/>
-            <a:ext cx="4845338" cy="666786"/>
+            <a:off x="5273733" y="1341415"/>
+            <a:ext cx="6195235" cy="1241237"/>
           </a:xfrm>
           <a:prstGeom prst="rect">
             <a:avLst/>
@@ -6910,15 +7066,58 @@
                 <a:latin typeface="Calibri" panose="020F0502020204030204" pitchFamily="34" charset="0"/>
                 <a:cs typeface="Calibri" panose="020F0502020204030204" pitchFamily="34" charset="0"/>
               </a:rPr>
-              <a:t>Diagrama de clases</a:t>
-            </a:r>
-          </a:p>
-        </p:txBody>
-      </p:sp>
+              <a:t>Diagrama de actividades</a:t>
+            </a:r>
+          </a:p>
+          <a:p>
+            <a:pPr algn="ctr"/>
+            <a:r>
+              <a:rPr lang="es-ES" sz="3733" b="1" dirty="0">
+                <a:solidFill>
+                  <a:srgbClr val="FF6C00"/>
+                </a:solidFill>
+                <a:latin typeface="Calibri" panose="020F0502020204030204" pitchFamily="34" charset="0"/>
+                <a:cs typeface="Calibri" panose="020F0502020204030204" pitchFamily="34" charset="0"/>
+              </a:rPr>
+              <a:t>Proveedor</a:t>
+            </a:r>
+          </a:p>
+        </p:txBody>
+      </p:sp>
+      <p:pic>
+        <p:nvPicPr>
+          <p:cNvPr id="4" name="Imagen 3" descr="Diagrama&#10;&#10;Descripción generada automáticamente">
+            <a:extLst>
+              <a:ext uri="{FF2B5EF4-FFF2-40B4-BE49-F238E27FC236}">
+                <a16:creationId xmlns:a16="http://schemas.microsoft.com/office/drawing/2014/main" id="{AEADA765-C4FF-9659-82FD-7AD43FC04A52}"/>
+              </a:ext>
+            </a:extLst>
+          </p:cNvPr>
+          <p:cNvPicPr>
+            <a:picLocks noChangeAspect="1"/>
+          </p:cNvPicPr>
+          <p:nvPr/>
+        </p:nvPicPr>
+        <p:blipFill>
+          <a:blip r:embed="rId2"/>
+          <a:stretch>
+            <a:fillRect/>
+          </a:stretch>
+        </p:blipFill>
+        <p:spPr>
+          <a:xfrm>
+            <a:off x="241541" y="0"/>
+            <a:ext cx="4629691" cy="6858000"/>
+          </a:xfrm>
+          <a:prstGeom prst="rect">
+            <a:avLst/>
+          </a:prstGeom>
+        </p:spPr>
+      </p:pic>
     </p:spTree>
     <p:extLst>
       <p:ext uri="{BB962C8B-B14F-4D97-AF65-F5344CB8AC3E}">
-        <p14:creationId xmlns:p14="http://schemas.microsoft.com/office/powerpoint/2010/main" val="408438049"/>
+        <p14:creationId xmlns:p14="http://schemas.microsoft.com/office/powerpoint/2010/main" val="3960931863"/>
       </p:ext>
     </p:extLst>
   </p:cSld>
@@ -6959,8 +7158,8 @@
         </p:nvSpPr>
         <p:spPr>
           <a:xfrm>
-            <a:off x="2998381" y="11793"/>
-            <a:ext cx="6195235" cy="666786"/>
+            <a:off x="6507109" y="1610773"/>
+            <a:ext cx="6195235" cy="1241237"/>
           </a:xfrm>
           <a:prstGeom prst="rect">
             <a:avLst/>
@@ -6982,179 +7181,30 @@
                 <a:latin typeface="Calibri" panose="020F0502020204030204" pitchFamily="34" charset="0"/>
                 <a:cs typeface="Calibri" panose="020F0502020204030204" pitchFamily="34" charset="0"/>
               </a:rPr>
-              <a:t>Mapa de empatía </a:t>
-            </a:r>
-          </a:p>
-        </p:txBody>
-      </p:sp>
-      <p:sp>
-        <p:nvSpPr>
-          <p:cNvPr id="8" name="CuadroTexto 7">
-            <a:extLst>
-              <a:ext uri="{FF2B5EF4-FFF2-40B4-BE49-F238E27FC236}">
-                <a16:creationId xmlns:a16="http://schemas.microsoft.com/office/drawing/2014/main" id="{38EFDFD8-1179-6024-C86B-C405673F365F}"/>
-              </a:ext>
-            </a:extLst>
-          </p:cNvPr>
-          <p:cNvSpPr txBox="1"/>
-          <p:nvPr/>
-        </p:nvSpPr>
-        <p:spPr>
-          <a:xfrm>
-            <a:off x="8276756" y="2167177"/>
-            <a:ext cx="4024829" cy="1569660"/>
-          </a:xfrm>
-          <a:prstGeom prst="rect">
-            <a:avLst/>
-          </a:prstGeom>
-          <a:noFill/>
-        </p:spPr>
-        <p:txBody>
-          <a:bodyPr wrap="square" rtlCol="0">
-            <a:spAutoFit/>
-          </a:bodyPr>
-          <a:lstStyle/>
-          <a:p>
-            <a:r>
-              <a:rPr lang="es-ES" sz="1600" b="1" dirty="0">
-                <a:latin typeface="+mj-lt"/>
-              </a:rPr>
-              <a:t>¿QUÉ VE?</a:t>
-            </a:r>
-          </a:p>
-          <a:p>
-            <a:r>
-              <a:rPr lang="es-ES" sz="1600" b="1" dirty="0">
-                <a:latin typeface="+mj-lt"/>
-              </a:rPr>
-              <a:t>Cliente: </a:t>
-            </a:r>
-            <a:r>
-              <a:rPr lang="es-ES" sz="1600" dirty="0">
-                <a:latin typeface="+mj-lt"/>
-              </a:rPr>
-              <a:t>- Servicios mal realizados</a:t>
-            </a:r>
-          </a:p>
-          <a:p>
-            <a:r>
-              <a:rPr lang="es-ES" sz="1600" dirty="0">
-                <a:latin typeface="+mj-lt"/>
-              </a:rPr>
-              <a:t>- Robos y perdidas de dinero</a:t>
-            </a:r>
-          </a:p>
-          <a:p>
-            <a:r>
-              <a:rPr lang="es-ES" sz="1600" b="1" dirty="0">
-                <a:latin typeface="+mj-lt"/>
-              </a:rPr>
-              <a:t>Proveedor: </a:t>
-            </a:r>
-            <a:r>
-              <a:rPr lang="es-ES" sz="1600" dirty="0">
-                <a:latin typeface="+mj-lt"/>
-              </a:rPr>
-              <a:t>- Poca publicidad en su emprendimiento</a:t>
-            </a:r>
-          </a:p>
-          <a:p>
-            <a:r>
-              <a:rPr lang="es-ES" sz="1600" dirty="0">
-                <a:latin typeface="+mj-lt"/>
-              </a:rPr>
-              <a:t>- Desconfianza en la contratación</a:t>
-            </a:r>
-          </a:p>
-        </p:txBody>
-      </p:sp>
-      <p:sp>
-        <p:nvSpPr>
-          <p:cNvPr id="13" name="CuadroTexto 12">
-            <a:extLst>
-              <a:ext uri="{FF2B5EF4-FFF2-40B4-BE49-F238E27FC236}">
-                <a16:creationId xmlns:a16="http://schemas.microsoft.com/office/drawing/2014/main" id="{2AB2A075-E71E-C5BA-2D4A-CE49B29A35E6}"/>
-              </a:ext>
-            </a:extLst>
-          </p:cNvPr>
-          <p:cNvSpPr txBox="1"/>
-          <p:nvPr/>
-        </p:nvSpPr>
-        <p:spPr>
-          <a:xfrm>
-            <a:off x="3790693" y="628244"/>
-            <a:ext cx="5402924" cy="1569660"/>
-          </a:xfrm>
-          <a:prstGeom prst="rect">
-            <a:avLst/>
-          </a:prstGeom>
-          <a:noFill/>
-        </p:spPr>
-        <p:txBody>
-          <a:bodyPr wrap="square" rtlCol="0">
-            <a:spAutoFit/>
-          </a:bodyPr>
-          <a:lstStyle/>
-          <a:p>
-            <a:r>
-              <a:rPr lang="es-ES" sz="1600" b="1" dirty="0">
-                <a:latin typeface="+mj-lt"/>
-              </a:rPr>
-              <a:t>¿QUÉ PIENSA Y SIENTE?</a:t>
-            </a:r>
-          </a:p>
-          <a:p>
-            <a:r>
-              <a:rPr lang="es-ES" sz="1600" b="1" dirty="0">
-                <a:latin typeface="+mj-lt"/>
-              </a:rPr>
-              <a:t>Cliente: </a:t>
-            </a:r>
-            <a:r>
-              <a:rPr lang="es-ES" sz="1600" dirty="0">
-                <a:latin typeface="+mj-lt"/>
-              </a:rPr>
-              <a:t>- Desconfianza e inseguridad en el momento de adquirir servicios en línea</a:t>
-            </a:r>
-          </a:p>
-          <a:p>
-            <a:r>
-              <a:rPr lang="es-ES" sz="1600" b="1" dirty="0">
-                <a:latin typeface="+mj-lt"/>
-              </a:rPr>
-              <a:t>Proveedor: </a:t>
-            </a:r>
-            <a:r>
-              <a:rPr lang="es-ES" sz="1600" dirty="0">
-                <a:latin typeface="+mj-lt"/>
-              </a:rPr>
-              <a:t>- Poca cobertura en su emprendimiento</a:t>
-            </a:r>
-          </a:p>
-          <a:p>
-            <a:r>
-              <a:rPr lang="es-ES" sz="1600" dirty="0">
-                <a:latin typeface="+mj-lt"/>
-              </a:rPr>
-              <a:t>- Generar mayores ingresos</a:t>
-            </a:r>
-          </a:p>
-          <a:p>
-            <a:r>
-              <a:rPr lang="es-ES" sz="1600" dirty="0">
-                <a:latin typeface="+mj-lt"/>
-              </a:rPr>
-              <a:t>- Mejorar su calidad de vida</a:t>
+              <a:t>Diagrama de actividades</a:t>
+            </a:r>
+          </a:p>
+          <a:p>
+            <a:pPr algn="ctr"/>
+            <a:r>
+              <a:rPr lang="es-ES" sz="3733" b="1" dirty="0">
+                <a:solidFill>
+                  <a:srgbClr val="FF6C00"/>
+                </a:solidFill>
+                <a:latin typeface="Calibri" panose="020F0502020204030204" pitchFamily="34" charset="0"/>
+                <a:cs typeface="Calibri" panose="020F0502020204030204" pitchFamily="34" charset="0"/>
+              </a:rPr>
+              <a:t>Administrador</a:t>
             </a:r>
           </a:p>
         </p:txBody>
       </p:sp>
       <p:pic>
         <p:nvPicPr>
-          <p:cNvPr id="15" name="Imagen 14">
-            <a:extLst>
-              <a:ext uri="{FF2B5EF4-FFF2-40B4-BE49-F238E27FC236}">
-                <a16:creationId xmlns:a16="http://schemas.microsoft.com/office/drawing/2014/main" id="{1406FFEF-3BF6-0F2C-F859-3394149D2C43}"/>
+          <p:cNvPr id="3" name="Imagen 2">
+            <a:extLst>
+              <a:ext uri="{FF2B5EF4-FFF2-40B4-BE49-F238E27FC236}">
+                <a16:creationId xmlns:a16="http://schemas.microsoft.com/office/drawing/2014/main" id="{3A326373-7FA2-40EF-60A1-93DBE9010477}"/>
               </a:ext>
             </a:extLst>
           </p:cNvPr>
@@ -7164,625 +7214,15 @@
           <p:nvPr/>
         </p:nvPicPr>
         <p:blipFill>
-          <a:blip r:embed="rId3"/>
+          <a:blip r:embed="rId2"/>
           <a:stretch>
             <a:fillRect/>
           </a:stretch>
         </p:blipFill>
         <p:spPr>
           <a:xfrm>
-            <a:off x="8167171" y="1209229"/>
-            <a:ext cx="607236" cy="607236"/>
-          </a:xfrm>
-          <a:prstGeom prst="rect">
-            <a:avLst/>
-          </a:prstGeom>
-        </p:spPr>
-      </p:pic>
-      <p:pic>
-        <p:nvPicPr>
-          <p:cNvPr id="17" name="Imagen 16">
-            <a:extLst>
-              <a:ext uri="{FF2B5EF4-FFF2-40B4-BE49-F238E27FC236}">
-                <a16:creationId xmlns:a16="http://schemas.microsoft.com/office/drawing/2014/main" id="{DFEE1F78-67F5-E96C-2743-B1AFDA904C61}"/>
-              </a:ext>
-            </a:extLst>
-          </p:cNvPr>
-          <p:cNvPicPr>
-            <a:picLocks noChangeAspect="1"/>
-          </p:cNvPicPr>
-          <p:nvPr/>
-        </p:nvPicPr>
-        <p:blipFill>
-          <a:blip r:embed="rId4"/>
-          <a:stretch>
-            <a:fillRect/>
-          </a:stretch>
-        </p:blipFill>
-        <p:spPr>
-          <a:xfrm>
-            <a:off x="11340910" y="2753291"/>
-            <a:ext cx="675709" cy="675709"/>
-          </a:xfrm>
-          <a:prstGeom prst="rect">
-            <a:avLst/>
-          </a:prstGeom>
-        </p:spPr>
-      </p:pic>
-      <p:sp>
-        <p:nvSpPr>
-          <p:cNvPr id="7" name="CuadroTexto 6">
-            <a:extLst>
-              <a:ext uri="{FF2B5EF4-FFF2-40B4-BE49-F238E27FC236}">
-                <a16:creationId xmlns:a16="http://schemas.microsoft.com/office/drawing/2014/main" id="{ACD346F2-5647-BAA5-39E3-D66DDF78D20A}"/>
-              </a:ext>
-            </a:extLst>
-          </p:cNvPr>
-          <p:cNvSpPr txBox="1"/>
-          <p:nvPr/>
-        </p:nvSpPr>
-        <p:spPr>
-          <a:xfrm>
-            <a:off x="3915246" y="3767616"/>
-            <a:ext cx="4152981" cy="1077218"/>
-          </a:xfrm>
-          <a:prstGeom prst="rect">
-            <a:avLst/>
-          </a:prstGeom>
-          <a:noFill/>
-        </p:spPr>
-        <p:txBody>
-          <a:bodyPr wrap="square" rtlCol="0">
-            <a:spAutoFit/>
-          </a:bodyPr>
-          <a:lstStyle/>
-          <a:p>
-            <a:r>
-              <a:rPr lang="es-ES" sz="1600" b="1" dirty="0">
-                <a:latin typeface="+mj-lt"/>
-              </a:rPr>
-              <a:t>¿QUE ES LO QUE DICE Y HACE?</a:t>
-            </a:r>
-          </a:p>
-          <a:p>
-            <a:r>
-              <a:rPr lang="es-ES" sz="1600" b="1" dirty="0">
-                <a:latin typeface="+mj-lt"/>
-              </a:rPr>
-              <a:t>Cliente: </a:t>
-            </a:r>
-            <a:r>
-              <a:rPr lang="es-ES" sz="1600" dirty="0">
-                <a:latin typeface="+mj-lt"/>
-              </a:rPr>
-              <a:t>- Busca opiniones en su comunidad</a:t>
-            </a:r>
-          </a:p>
-          <a:p>
-            <a:r>
-              <a:rPr lang="es-ES" sz="1600" b="1" dirty="0">
-                <a:latin typeface="+mj-lt"/>
-              </a:rPr>
-              <a:t>Proveedor: </a:t>
-            </a:r>
-            <a:r>
-              <a:rPr lang="es-ES" sz="1600" dirty="0">
-                <a:latin typeface="+mj-lt"/>
-              </a:rPr>
-              <a:t>- Presta servicios de buena calidad acordé a sus conocimientos</a:t>
-            </a:r>
-          </a:p>
-        </p:txBody>
-      </p:sp>
-      <p:pic>
-        <p:nvPicPr>
-          <p:cNvPr id="9" name="Imagen 8">
-            <a:extLst>
-              <a:ext uri="{FF2B5EF4-FFF2-40B4-BE49-F238E27FC236}">
-                <a16:creationId xmlns:a16="http://schemas.microsoft.com/office/drawing/2014/main" id="{32A66AC8-AC60-027E-56CD-720039D61A2D}"/>
-              </a:ext>
-            </a:extLst>
-          </p:cNvPr>
-          <p:cNvPicPr>
-            <a:picLocks noChangeAspect="1"/>
-          </p:cNvPicPr>
-          <p:nvPr/>
-        </p:nvPicPr>
-        <p:blipFill>
-          <a:blip r:embed="rId5"/>
-          <a:stretch>
-            <a:fillRect/>
-          </a:stretch>
-        </p:blipFill>
-        <p:spPr>
-          <a:xfrm>
-            <a:off x="8013144" y="4074979"/>
-            <a:ext cx="493269" cy="493269"/>
-          </a:xfrm>
-          <a:prstGeom prst="rect">
-            <a:avLst/>
-          </a:prstGeom>
-        </p:spPr>
-      </p:pic>
-      <p:sp>
-        <p:nvSpPr>
-          <p:cNvPr id="10" name="CuadroTexto 9">
-            <a:extLst>
-              <a:ext uri="{FF2B5EF4-FFF2-40B4-BE49-F238E27FC236}">
-                <a16:creationId xmlns:a16="http://schemas.microsoft.com/office/drawing/2014/main" id="{895EC70C-EC0C-E100-6F6F-28E95B433653}"/>
-              </a:ext>
-            </a:extLst>
-          </p:cNvPr>
-          <p:cNvSpPr txBox="1"/>
-          <p:nvPr/>
-        </p:nvSpPr>
-        <p:spPr>
-          <a:xfrm>
-            <a:off x="232214" y="2283572"/>
-            <a:ext cx="3245036" cy="1323439"/>
-          </a:xfrm>
-          <a:prstGeom prst="rect">
-            <a:avLst/>
-          </a:prstGeom>
-          <a:noFill/>
-        </p:spPr>
-        <p:txBody>
-          <a:bodyPr wrap="square" rtlCol="0">
-            <a:spAutoFit/>
-          </a:bodyPr>
-          <a:lstStyle/>
-          <a:p>
-            <a:r>
-              <a:rPr lang="es-ES" sz="1600" b="1" dirty="0">
-                <a:latin typeface="+mj-lt"/>
-              </a:rPr>
-              <a:t>¿QUE ES LO QUE OYE?</a:t>
-            </a:r>
-          </a:p>
-          <a:p>
-            <a:r>
-              <a:rPr lang="es-ES" sz="1600" b="1" dirty="0">
-                <a:latin typeface="+mj-lt"/>
-              </a:rPr>
-              <a:t>Cliente: </a:t>
-            </a:r>
-            <a:r>
-              <a:rPr lang="es-ES" sz="1600" dirty="0">
-                <a:latin typeface="+mj-lt"/>
-              </a:rPr>
-              <a:t>- Realización de servicios de baja calidad</a:t>
-            </a:r>
-          </a:p>
-          <a:p>
-            <a:r>
-              <a:rPr lang="es-ES" sz="1600" b="1" dirty="0">
-                <a:latin typeface="+mj-lt"/>
-              </a:rPr>
-              <a:t>Proveedor: </a:t>
-            </a:r>
-            <a:r>
-              <a:rPr lang="es-ES" sz="1600" dirty="0">
-                <a:latin typeface="+mj-lt"/>
-              </a:rPr>
-              <a:t>- Oportunidades escasas </a:t>
-            </a:r>
-          </a:p>
-          <a:p>
-            <a:r>
-              <a:rPr lang="es-ES" sz="1600" dirty="0">
-                <a:latin typeface="+mj-lt"/>
-              </a:rPr>
-              <a:t>-Falta de apoyo</a:t>
-            </a:r>
-          </a:p>
-        </p:txBody>
-      </p:sp>
-      <p:pic>
-        <p:nvPicPr>
-          <p:cNvPr id="11" name="Imagen 10">
-            <a:extLst>
-              <a:ext uri="{FF2B5EF4-FFF2-40B4-BE49-F238E27FC236}">
-                <a16:creationId xmlns:a16="http://schemas.microsoft.com/office/drawing/2014/main" id="{9F682A5E-D7ED-6087-D88A-4407AFCB5364}"/>
-              </a:ext>
-            </a:extLst>
-          </p:cNvPr>
-          <p:cNvPicPr>
-            <a:picLocks noChangeAspect="1"/>
-          </p:cNvPicPr>
-          <p:nvPr/>
-        </p:nvPicPr>
-        <p:blipFill>
-          <a:blip r:embed="rId6"/>
-          <a:stretch>
-            <a:fillRect/>
-          </a:stretch>
-        </p:blipFill>
-        <p:spPr>
-          <a:xfrm>
-            <a:off x="3685779" y="2513834"/>
-            <a:ext cx="675711" cy="675711"/>
-          </a:xfrm>
-          <a:prstGeom prst="rect">
-            <a:avLst/>
-          </a:prstGeom>
-        </p:spPr>
-      </p:pic>
-      <p:cxnSp>
-        <p:nvCxnSpPr>
-          <p:cNvPr id="3" name="Conector recto 2">
-            <a:extLst>
-              <a:ext uri="{FF2B5EF4-FFF2-40B4-BE49-F238E27FC236}">
-                <a16:creationId xmlns:a16="http://schemas.microsoft.com/office/drawing/2014/main" id="{E1A5093F-4A92-EC09-2310-355323C2AC97}"/>
-              </a:ext>
-            </a:extLst>
-          </p:cNvPr>
-          <p:cNvCxnSpPr>
-            <a:cxnSpLocks/>
-          </p:cNvCxnSpPr>
-          <p:nvPr/>
-        </p:nvCxnSpPr>
-        <p:spPr>
-          <a:xfrm>
-            <a:off x="44069" y="782885"/>
-            <a:ext cx="12147932" cy="4270184"/>
-          </a:xfrm>
-          <a:prstGeom prst="line">
-            <a:avLst/>
-          </a:prstGeom>
-        </p:spPr>
-        <p:style>
-          <a:lnRef idx="1">
-            <a:schemeClr val="dk1"/>
-          </a:lnRef>
-          <a:fillRef idx="0">
-            <a:schemeClr val="dk1"/>
-          </a:fillRef>
-          <a:effectRef idx="0">
-            <a:schemeClr val="dk1"/>
-          </a:effectRef>
-          <a:fontRef idx="minor">
-            <a:schemeClr val="tx1"/>
-          </a:fontRef>
-        </p:style>
-      </p:cxnSp>
-      <p:cxnSp>
-        <p:nvCxnSpPr>
-          <p:cNvPr id="14" name="Conector recto 13">
-            <a:extLst>
-              <a:ext uri="{FF2B5EF4-FFF2-40B4-BE49-F238E27FC236}">
-                <a16:creationId xmlns:a16="http://schemas.microsoft.com/office/drawing/2014/main" id="{8B73BF79-FB72-C8F9-DEFA-78ECC4197BBB}"/>
-              </a:ext>
-            </a:extLst>
-          </p:cNvPr>
-          <p:cNvCxnSpPr>
-            <a:cxnSpLocks/>
-          </p:cNvCxnSpPr>
-          <p:nvPr/>
-        </p:nvCxnSpPr>
-        <p:spPr>
-          <a:xfrm flipH="1">
-            <a:off x="-45595" y="782885"/>
-            <a:ext cx="12237595" cy="4270184"/>
-          </a:xfrm>
-          <a:prstGeom prst="line">
-            <a:avLst/>
-          </a:prstGeom>
-        </p:spPr>
-        <p:style>
-          <a:lnRef idx="1">
-            <a:schemeClr val="dk1"/>
-          </a:lnRef>
-          <a:fillRef idx="0">
-            <a:schemeClr val="dk1"/>
-          </a:fillRef>
-          <a:effectRef idx="0">
-            <a:schemeClr val="dk1"/>
-          </a:effectRef>
-          <a:fontRef idx="minor">
-            <a:schemeClr val="tx1"/>
-          </a:fontRef>
-        </p:style>
-      </p:cxnSp>
-      <p:cxnSp>
-        <p:nvCxnSpPr>
-          <p:cNvPr id="36" name="Conector recto 35">
-            <a:extLst>
-              <a:ext uri="{FF2B5EF4-FFF2-40B4-BE49-F238E27FC236}">
-                <a16:creationId xmlns:a16="http://schemas.microsoft.com/office/drawing/2014/main" id="{5A048461-5561-3ABE-ECEF-C0F2C6896E59}"/>
-              </a:ext>
-            </a:extLst>
-          </p:cNvPr>
-          <p:cNvCxnSpPr>
-            <a:cxnSpLocks/>
-          </p:cNvCxnSpPr>
-          <p:nvPr/>
-        </p:nvCxnSpPr>
-        <p:spPr>
-          <a:xfrm flipV="1">
-            <a:off x="44068" y="5082467"/>
-            <a:ext cx="12139707" cy="14671"/>
-          </a:xfrm>
-          <a:prstGeom prst="line">
-            <a:avLst/>
-          </a:prstGeom>
-        </p:spPr>
-        <p:style>
-          <a:lnRef idx="1">
-            <a:schemeClr val="dk1"/>
-          </a:lnRef>
-          <a:fillRef idx="0">
-            <a:schemeClr val="dk1"/>
-          </a:fillRef>
-          <a:effectRef idx="0">
-            <a:schemeClr val="dk1"/>
-          </a:effectRef>
-          <a:fontRef idx="minor">
-            <a:schemeClr val="tx1"/>
-          </a:fontRef>
-        </p:style>
-      </p:cxnSp>
-      <p:sp>
-        <p:nvSpPr>
-          <p:cNvPr id="44" name="CuadroTexto 43">
-            <a:extLst>
-              <a:ext uri="{FF2B5EF4-FFF2-40B4-BE49-F238E27FC236}">
-                <a16:creationId xmlns:a16="http://schemas.microsoft.com/office/drawing/2014/main" id="{C43C6928-0F5E-B932-CA55-0AEE5E2C42A8}"/>
-              </a:ext>
-            </a:extLst>
-          </p:cNvPr>
-          <p:cNvSpPr txBox="1"/>
-          <p:nvPr/>
-        </p:nvSpPr>
-        <p:spPr>
-          <a:xfrm>
-            <a:off x="6073203" y="5185620"/>
-            <a:ext cx="5577949" cy="1569660"/>
-          </a:xfrm>
-          <a:prstGeom prst="rect">
-            <a:avLst/>
-          </a:prstGeom>
-          <a:noFill/>
-        </p:spPr>
-        <p:txBody>
-          <a:bodyPr wrap="square" rtlCol="0">
-            <a:spAutoFit/>
-          </a:bodyPr>
-          <a:lstStyle/>
-          <a:p>
-            <a:r>
-              <a:rPr lang="es-ES" sz="1600" b="1" dirty="0">
-                <a:latin typeface="+mj-lt"/>
-              </a:rPr>
-              <a:t>RESULTADOS</a:t>
-            </a:r>
-          </a:p>
-          <a:p>
-            <a:r>
-              <a:rPr lang="es-ES" sz="1600" b="1" dirty="0">
-                <a:latin typeface="+mj-lt"/>
-              </a:rPr>
-              <a:t>Cliente: </a:t>
-            </a:r>
-            <a:r>
-              <a:rPr lang="es-ES" sz="1600" dirty="0">
-                <a:latin typeface="+mj-lt"/>
-              </a:rPr>
-              <a:t>- Servicios adquiridos de excelente calidad</a:t>
-            </a:r>
-          </a:p>
-          <a:p>
-            <a:r>
-              <a:rPr lang="es-ES" sz="1600" b="1" dirty="0">
-                <a:latin typeface="+mj-lt"/>
-              </a:rPr>
-              <a:t>Proveedor: </a:t>
-            </a:r>
-            <a:r>
-              <a:rPr lang="es-ES" sz="1600" dirty="0">
-                <a:latin typeface="+mj-lt"/>
-              </a:rPr>
-              <a:t>- Emprendimiento a gran escala</a:t>
-            </a:r>
-          </a:p>
-          <a:p>
-            <a:r>
-              <a:rPr lang="es-ES" sz="1600" dirty="0">
-                <a:latin typeface="+mj-lt"/>
-              </a:rPr>
-              <a:t>- Superación personal </a:t>
-            </a:r>
-          </a:p>
-          <a:p>
-            <a:r>
-              <a:rPr lang="es-ES" sz="1600" dirty="0">
-                <a:latin typeface="+mj-lt"/>
-              </a:rPr>
-              <a:t>- Más recomendaciones de sus clientes</a:t>
-            </a:r>
-          </a:p>
-          <a:p>
-            <a:r>
-              <a:rPr lang="es-ES" sz="1600" dirty="0">
-                <a:latin typeface="+mj-lt"/>
-              </a:rPr>
-              <a:t>- Éxito en la prestación de servicios</a:t>
-            </a:r>
-          </a:p>
-        </p:txBody>
-      </p:sp>
-      <p:pic>
-        <p:nvPicPr>
-          <p:cNvPr id="47" name="Imagen 46">
-            <a:extLst>
-              <a:ext uri="{FF2B5EF4-FFF2-40B4-BE49-F238E27FC236}">
-                <a16:creationId xmlns:a16="http://schemas.microsoft.com/office/drawing/2014/main" id="{4859D8F0-D5A4-AD92-367C-61E7CC5F4D56}"/>
-              </a:ext>
-            </a:extLst>
-          </p:cNvPr>
-          <p:cNvPicPr>
-            <a:picLocks noChangeAspect="1"/>
-          </p:cNvPicPr>
-          <p:nvPr/>
-        </p:nvPicPr>
-        <p:blipFill>
-          <a:blip r:embed="rId7"/>
-          <a:stretch>
-            <a:fillRect/>
-          </a:stretch>
-        </p:blipFill>
-        <p:spPr>
-          <a:xfrm>
-            <a:off x="11475417" y="5764846"/>
-            <a:ext cx="672516" cy="672516"/>
-          </a:xfrm>
-          <a:prstGeom prst="rect">
-            <a:avLst/>
-          </a:prstGeom>
-        </p:spPr>
-      </p:pic>
-      <p:cxnSp>
-        <p:nvCxnSpPr>
-          <p:cNvPr id="49" name="Conector recto 48">
-            <a:extLst>
-              <a:ext uri="{FF2B5EF4-FFF2-40B4-BE49-F238E27FC236}">
-                <a16:creationId xmlns:a16="http://schemas.microsoft.com/office/drawing/2014/main" id="{8F56039C-1692-4FEA-E302-615D52FD5E24}"/>
-              </a:ext>
-            </a:extLst>
-          </p:cNvPr>
-          <p:cNvCxnSpPr>
-            <a:cxnSpLocks/>
-          </p:cNvCxnSpPr>
-          <p:nvPr/>
-        </p:nvCxnSpPr>
-        <p:spPr>
-          <a:xfrm>
-            <a:off x="5915943" y="5126535"/>
-            <a:ext cx="1893" cy="1718612"/>
-          </a:xfrm>
-          <a:prstGeom prst="line">
-            <a:avLst/>
-          </a:prstGeom>
-        </p:spPr>
-        <p:style>
-          <a:lnRef idx="1">
-            <a:schemeClr val="dk1"/>
-          </a:lnRef>
-          <a:fillRef idx="0">
-            <a:schemeClr val="dk1"/>
-          </a:fillRef>
-          <a:effectRef idx="0">
-            <a:schemeClr val="dk1"/>
-          </a:effectRef>
-          <a:fontRef idx="minor">
-            <a:schemeClr val="tx1"/>
-          </a:fontRef>
-        </p:style>
-      </p:cxnSp>
-      <p:sp>
-        <p:nvSpPr>
-          <p:cNvPr id="52" name="CuadroTexto 51">
-            <a:extLst>
-              <a:ext uri="{FF2B5EF4-FFF2-40B4-BE49-F238E27FC236}">
-                <a16:creationId xmlns:a16="http://schemas.microsoft.com/office/drawing/2014/main" id="{82FD7941-C039-8395-2138-C1E7ABB86D71}"/>
-              </a:ext>
-            </a:extLst>
-          </p:cNvPr>
-          <p:cNvSpPr txBox="1"/>
-          <p:nvPr/>
-        </p:nvSpPr>
-        <p:spPr>
-          <a:xfrm>
-            <a:off x="44068" y="5300749"/>
-            <a:ext cx="4906179" cy="1323439"/>
-          </a:xfrm>
-          <a:prstGeom prst="rect">
-            <a:avLst/>
-          </a:prstGeom>
-          <a:noFill/>
-        </p:spPr>
-        <p:txBody>
-          <a:bodyPr wrap="square" rtlCol="0">
-            <a:spAutoFit/>
-          </a:bodyPr>
-          <a:lstStyle/>
-          <a:p>
-            <a:r>
-              <a:rPr lang="es-ES" sz="1600" b="1" dirty="0">
-                <a:latin typeface="+mj-lt"/>
-              </a:rPr>
-              <a:t>ESFUERZOS</a:t>
-            </a:r>
-          </a:p>
-          <a:p>
-            <a:r>
-              <a:rPr lang="es-ES" sz="1600" b="1" dirty="0">
-                <a:latin typeface="+mj-lt"/>
-              </a:rPr>
-              <a:t>Cliente: </a:t>
-            </a:r>
-            <a:r>
-              <a:rPr lang="es-ES" sz="1600" dirty="0">
-                <a:latin typeface="+mj-lt"/>
-              </a:rPr>
-              <a:t>- No hay soluciones a sus necesidades</a:t>
-            </a:r>
-          </a:p>
-          <a:p>
-            <a:r>
-              <a:rPr lang="es-ES" sz="1600" b="1" dirty="0">
-                <a:latin typeface="+mj-lt"/>
-              </a:rPr>
-              <a:t>Proveedor: </a:t>
-            </a:r>
-            <a:r>
-              <a:rPr lang="es-ES" sz="1600" dirty="0">
-                <a:latin typeface="+mj-lt"/>
-              </a:rPr>
-              <a:t>- No alcanzar sus metas propuestas</a:t>
-            </a:r>
-          </a:p>
-          <a:p>
-            <a:r>
-              <a:rPr lang="es-ES" sz="1600" dirty="0">
-                <a:latin typeface="+mj-lt"/>
-              </a:rPr>
-              <a:t>- Dificultad para darse a conocer</a:t>
-            </a:r>
-          </a:p>
-          <a:p>
-            <a:r>
-              <a:rPr lang="es-ES" sz="1600" dirty="0">
-                <a:latin typeface="+mj-lt"/>
-              </a:rPr>
-              <a:t>- Miedo al fracaso</a:t>
-            </a:r>
-          </a:p>
-        </p:txBody>
-      </p:sp>
-      <p:pic>
-        <p:nvPicPr>
-          <p:cNvPr id="53" name="Imagen 52">
-            <a:extLst>
-              <a:ext uri="{FF2B5EF4-FFF2-40B4-BE49-F238E27FC236}">
-                <a16:creationId xmlns:a16="http://schemas.microsoft.com/office/drawing/2014/main" id="{09DC1441-E76F-7767-EFCB-062CF21A205B}"/>
-              </a:ext>
-            </a:extLst>
-          </p:cNvPr>
-          <p:cNvPicPr>
-            <a:picLocks noChangeAspect="1"/>
-          </p:cNvPicPr>
-          <p:nvPr/>
-        </p:nvPicPr>
-        <p:blipFill>
-          <a:blip r:embed="rId8"/>
-          <a:stretch>
-            <a:fillRect/>
-          </a:stretch>
-        </p:blipFill>
-        <p:spPr>
-          <a:xfrm>
-            <a:off x="4546508" y="5718955"/>
-            <a:ext cx="807477" cy="807477"/>
+            <a:off x="0" y="-9140"/>
+            <a:ext cx="7109952" cy="6858000"/>
           </a:xfrm>
           <a:prstGeom prst="rect">
             <a:avLst/>
@@ -7792,7 +7232,7 @@
     </p:spTree>
     <p:extLst>
       <p:ext uri="{BB962C8B-B14F-4D97-AF65-F5344CB8AC3E}">
-        <p14:creationId xmlns:p14="http://schemas.microsoft.com/office/powerpoint/2010/main" val="3622025240"/>
+        <p14:creationId xmlns:p14="http://schemas.microsoft.com/office/powerpoint/2010/main" val="3212968141"/>
       </p:ext>
     </p:extLst>
   </p:cSld>
@@ -7833,8 +7273,8 @@
         </p:nvSpPr>
         <p:spPr>
           <a:xfrm>
-            <a:off x="3012560" y="421131"/>
-            <a:ext cx="6195235" cy="666786"/>
+            <a:off x="7346663" y="1687204"/>
+            <a:ext cx="4845338" cy="666786"/>
           </a:xfrm>
           <a:prstGeom prst="rect">
             <a:avLst/>
@@ -7853,8 +7293,10 @@
                 <a:solidFill>
                   <a:srgbClr val="FF6C00"/>
                 </a:solidFill>
-              </a:rPr>
-              <a:t>Diccionario de datos</a:t>
+                <a:latin typeface="Calibri" panose="020F0502020204030204" pitchFamily="34" charset="0"/>
+                <a:cs typeface="Calibri" panose="020F0502020204030204" pitchFamily="34" charset="0"/>
+              </a:rPr>
+              <a:t>Diagrama de clases</a:t>
             </a:r>
           </a:p>
         </p:txBody>
@@ -7862,7 +7304,7 @@
     </p:spTree>
     <p:extLst>
       <p:ext uri="{BB962C8B-B14F-4D97-AF65-F5344CB8AC3E}">
-        <p14:creationId xmlns:p14="http://schemas.microsoft.com/office/powerpoint/2010/main" val="4196182800"/>
+        <p14:creationId xmlns:p14="http://schemas.microsoft.com/office/powerpoint/2010/main" val="408438049"/>
       </p:ext>
     </p:extLst>
   </p:cSld>
@@ -7903,8 +7345,8 @@
         </p:nvSpPr>
         <p:spPr>
           <a:xfrm>
-            <a:off x="-210038" y="398307"/>
-            <a:ext cx="11078244" cy="666786"/>
+            <a:off x="2998381" y="11793"/>
+            <a:ext cx="6195235" cy="666786"/>
           </a:xfrm>
           <a:prstGeom prst="rect">
             <a:avLst/>
@@ -7923,16 +7365,820 @@
                 <a:solidFill>
                   <a:srgbClr val="FF6C00"/>
                 </a:solidFill>
-              </a:rPr>
-              <a:t>Modelado MER (Modelo Entidad Relación)</a:t>
-            </a:r>
-          </a:p>
-        </p:txBody>
-      </p:sp>
+                <a:latin typeface="Calibri" panose="020F0502020204030204" pitchFamily="34" charset="0"/>
+                <a:cs typeface="Calibri" panose="020F0502020204030204" pitchFamily="34" charset="0"/>
+              </a:rPr>
+              <a:t>Mapa de empatía </a:t>
+            </a:r>
+          </a:p>
+        </p:txBody>
+      </p:sp>
+      <p:sp>
+        <p:nvSpPr>
+          <p:cNvPr id="8" name="CuadroTexto 7">
+            <a:extLst>
+              <a:ext uri="{FF2B5EF4-FFF2-40B4-BE49-F238E27FC236}">
+                <a16:creationId xmlns:a16="http://schemas.microsoft.com/office/drawing/2014/main" id="{38EFDFD8-1179-6024-C86B-C405673F365F}"/>
+              </a:ext>
+            </a:extLst>
+          </p:cNvPr>
+          <p:cNvSpPr txBox="1"/>
+          <p:nvPr/>
+        </p:nvSpPr>
+        <p:spPr>
+          <a:xfrm>
+            <a:off x="8276756" y="2167177"/>
+            <a:ext cx="4024829" cy="1569660"/>
+          </a:xfrm>
+          <a:prstGeom prst="rect">
+            <a:avLst/>
+          </a:prstGeom>
+          <a:noFill/>
+        </p:spPr>
+        <p:txBody>
+          <a:bodyPr wrap="square" rtlCol="0">
+            <a:spAutoFit/>
+          </a:bodyPr>
+          <a:lstStyle/>
+          <a:p>
+            <a:r>
+              <a:rPr lang="es-ES" sz="1600" b="1" dirty="0">
+                <a:latin typeface="+mj-lt"/>
+              </a:rPr>
+              <a:t>¿QUÉ VE?</a:t>
+            </a:r>
+          </a:p>
+          <a:p>
+            <a:r>
+              <a:rPr lang="es-ES" sz="1600" b="1" dirty="0">
+                <a:latin typeface="+mj-lt"/>
+              </a:rPr>
+              <a:t>Cliente: </a:t>
+            </a:r>
+            <a:r>
+              <a:rPr lang="es-ES" sz="1600" dirty="0">
+                <a:latin typeface="+mj-lt"/>
+              </a:rPr>
+              <a:t>- Servicios mal realizados</a:t>
+            </a:r>
+          </a:p>
+          <a:p>
+            <a:r>
+              <a:rPr lang="es-ES" sz="1600" dirty="0">
+                <a:latin typeface="+mj-lt"/>
+              </a:rPr>
+              <a:t>- Robos y perdidas de dinero</a:t>
+            </a:r>
+          </a:p>
+          <a:p>
+            <a:r>
+              <a:rPr lang="es-ES" sz="1600" b="1" dirty="0">
+                <a:latin typeface="+mj-lt"/>
+              </a:rPr>
+              <a:t>Proveedor: </a:t>
+            </a:r>
+            <a:r>
+              <a:rPr lang="es-ES" sz="1600" dirty="0">
+                <a:latin typeface="+mj-lt"/>
+              </a:rPr>
+              <a:t>- Poca publicidad en su emprendimiento</a:t>
+            </a:r>
+          </a:p>
+          <a:p>
+            <a:r>
+              <a:rPr lang="es-ES" sz="1600" dirty="0">
+                <a:latin typeface="+mj-lt"/>
+              </a:rPr>
+              <a:t>- Desconfianza en la contratación</a:t>
+            </a:r>
+          </a:p>
+        </p:txBody>
+      </p:sp>
+      <p:sp>
+        <p:nvSpPr>
+          <p:cNvPr id="13" name="CuadroTexto 12">
+            <a:extLst>
+              <a:ext uri="{FF2B5EF4-FFF2-40B4-BE49-F238E27FC236}">
+                <a16:creationId xmlns:a16="http://schemas.microsoft.com/office/drawing/2014/main" id="{2AB2A075-E71E-C5BA-2D4A-CE49B29A35E6}"/>
+              </a:ext>
+            </a:extLst>
+          </p:cNvPr>
+          <p:cNvSpPr txBox="1"/>
+          <p:nvPr/>
+        </p:nvSpPr>
+        <p:spPr>
+          <a:xfrm>
+            <a:off x="3790693" y="628244"/>
+            <a:ext cx="5402924" cy="1569660"/>
+          </a:xfrm>
+          <a:prstGeom prst="rect">
+            <a:avLst/>
+          </a:prstGeom>
+          <a:noFill/>
+        </p:spPr>
+        <p:txBody>
+          <a:bodyPr wrap="square" rtlCol="0">
+            <a:spAutoFit/>
+          </a:bodyPr>
+          <a:lstStyle/>
+          <a:p>
+            <a:r>
+              <a:rPr lang="es-ES" sz="1600" b="1" dirty="0">
+                <a:latin typeface="+mj-lt"/>
+              </a:rPr>
+              <a:t>¿QUÉ PIENSA Y SIENTE?</a:t>
+            </a:r>
+          </a:p>
+          <a:p>
+            <a:r>
+              <a:rPr lang="es-ES" sz="1600" b="1" dirty="0">
+                <a:latin typeface="+mj-lt"/>
+              </a:rPr>
+              <a:t>Cliente: </a:t>
+            </a:r>
+            <a:r>
+              <a:rPr lang="es-ES" sz="1600" dirty="0">
+                <a:latin typeface="+mj-lt"/>
+              </a:rPr>
+              <a:t>- Desconfianza e inseguridad en el momento de adquirir servicios en línea</a:t>
+            </a:r>
+          </a:p>
+          <a:p>
+            <a:r>
+              <a:rPr lang="es-ES" sz="1600" b="1" dirty="0">
+                <a:latin typeface="+mj-lt"/>
+              </a:rPr>
+              <a:t>Proveedor: </a:t>
+            </a:r>
+            <a:r>
+              <a:rPr lang="es-ES" sz="1600" dirty="0">
+                <a:latin typeface="+mj-lt"/>
+              </a:rPr>
+              <a:t>- Poca cobertura en su emprendimiento</a:t>
+            </a:r>
+          </a:p>
+          <a:p>
+            <a:r>
+              <a:rPr lang="es-ES" sz="1600" dirty="0">
+                <a:latin typeface="+mj-lt"/>
+              </a:rPr>
+              <a:t>- Generar mayores ingresos</a:t>
+            </a:r>
+          </a:p>
+          <a:p>
+            <a:r>
+              <a:rPr lang="es-ES" sz="1600" dirty="0">
+                <a:latin typeface="+mj-lt"/>
+              </a:rPr>
+              <a:t>- Mejorar su calidad de vida</a:t>
+            </a:r>
+          </a:p>
+        </p:txBody>
+      </p:sp>
+      <p:pic>
+        <p:nvPicPr>
+          <p:cNvPr id="15" name="Imagen 14">
+            <a:extLst>
+              <a:ext uri="{FF2B5EF4-FFF2-40B4-BE49-F238E27FC236}">
+                <a16:creationId xmlns:a16="http://schemas.microsoft.com/office/drawing/2014/main" id="{1406FFEF-3BF6-0F2C-F859-3394149D2C43}"/>
+              </a:ext>
+            </a:extLst>
+          </p:cNvPr>
+          <p:cNvPicPr>
+            <a:picLocks noChangeAspect="1"/>
+          </p:cNvPicPr>
+          <p:nvPr/>
+        </p:nvPicPr>
+        <p:blipFill>
+          <a:blip r:embed="rId3"/>
+          <a:stretch>
+            <a:fillRect/>
+          </a:stretch>
+        </p:blipFill>
+        <p:spPr>
+          <a:xfrm>
+            <a:off x="8167171" y="1209229"/>
+            <a:ext cx="607236" cy="607236"/>
+          </a:xfrm>
+          <a:prstGeom prst="rect">
+            <a:avLst/>
+          </a:prstGeom>
+        </p:spPr>
+      </p:pic>
+      <p:pic>
+        <p:nvPicPr>
+          <p:cNvPr id="17" name="Imagen 16">
+            <a:extLst>
+              <a:ext uri="{FF2B5EF4-FFF2-40B4-BE49-F238E27FC236}">
+                <a16:creationId xmlns:a16="http://schemas.microsoft.com/office/drawing/2014/main" id="{DFEE1F78-67F5-E96C-2743-B1AFDA904C61}"/>
+              </a:ext>
+            </a:extLst>
+          </p:cNvPr>
+          <p:cNvPicPr>
+            <a:picLocks noChangeAspect="1"/>
+          </p:cNvPicPr>
+          <p:nvPr/>
+        </p:nvPicPr>
+        <p:blipFill>
+          <a:blip r:embed="rId4"/>
+          <a:stretch>
+            <a:fillRect/>
+          </a:stretch>
+        </p:blipFill>
+        <p:spPr>
+          <a:xfrm>
+            <a:off x="11340910" y="2753291"/>
+            <a:ext cx="675709" cy="675709"/>
+          </a:xfrm>
+          <a:prstGeom prst="rect">
+            <a:avLst/>
+          </a:prstGeom>
+        </p:spPr>
+      </p:pic>
+      <p:sp>
+        <p:nvSpPr>
+          <p:cNvPr id="7" name="CuadroTexto 6">
+            <a:extLst>
+              <a:ext uri="{FF2B5EF4-FFF2-40B4-BE49-F238E27FC236}">
+                <a16:creationId xmlns:a16="http://schemas.microsoft.com/office/drawing/2014/main" id="{ACD346F2-5647-BAA5-39E3-D66DDF78D20A}"/>
+              </a:ext>
+            </a:extLst>
+          </p:cNvPr>
+          <p:cNvSpPr txBox="1"/>
+          <p:nvPr/>
+        </p:nvSpPr>
+        <p:spPr>
+          <a:xfrm>
+            <a:off x="3915246" y="3767616"/>
+            <a:ext cx="4152981" cy="1077218"/>
+          </a:xfrm>
+          <a:prstGeom prst="rect">
+            <a:avLst/>
+          </a:prstGeom>
+          <a:noFill/>
+        </p:spPr>
+        <p:txBody>
+          <a:bodyPr wrap="square" rtlCol="0">
+            <a:spAutoFit/>
+          </a:bodyPr>
+          <a:lstStyle/>
+          <a:p>
+            <a:r>
+              <a:rPr lang="es-ES" sz="1600" b="1" dirty="0">
+                <a:latin typeface="+mj-lt"/>
+              </a:rPr>
+              <a:t>¿QUE ES LO QUE DICE Y HACE?</a:t>
+            </a:r>
+          </a:p>
+          <a:p>
+            <a:r>
+              <a:rPr lang="es-ES" sz="1600" b="1" dirty="0">
+                <a:latin typeface="+mj-lt"/>
+              </a:rPr>
+              <a:t>Cliente: </a:t>
+            </a:r>
+            <a:r>
+              <a:rPr lang="es-ES" sz="1600" dirty="0">
+                <a:latin typeface="+mj-lt"/>
+              </a:rPr>
+              <a:t>- Busca opiniones en su comunidad</a:t>
+            </a:r>
+          </a:p>
+          <a:p>
+            <a:r>
+              <a:rPr lang="es-ES" sz="1600" b="1" dirty="0">
+                <a:latin typeface="+mj-lt"/>
+              </a:rPr>
+              <a:t>Proveedor: </a:t>
+            </a:r>
+            <a:r>
+              <a:rPr lang="es-ES" sz="1600" dirty="0">
+                <a:latin typeface="+mj-lt"/>
+              </a:rPr>
+              <a:t>- Presta servicios de buena calidad acordé a sus conocimientos</a:t>
+            </a:r>
+          </a:p>
+        </p:txBody>
+      </p:sp>
+      <p:pic>
+        <p:nvPicPr>
+          <p:cNvPr id="9" name="Imagen 8">
+            <a:extLst>
+              <a:ext uri="{FF2B5EF4-FFF2-40B4-BE49-F238E27FC236}">
+                <a16:creationId xmlns:a16="http://schemas.microsoft.com/office/drawing/2014/main" id="{32A66AC8-AC60-027E-56CD-720039D61A2D}"/>
+              </a:ext>
+            </a:extLst>
+          </p:cNvPr>
+          <p:cNvPicPr>
+            <a:picLocks noChangeAspect="1"/>
+          </p:cNvPicPr>
+          <p:nvPr/>
+        </p:nvPicPr>
+        <p:blipFill>
+          <a:blip r:embed="rId5"/>
+          <a:stretch>
+            <a:fillRect/>
+          </a:stretch>
+        </p:blipFill>
+        <p:spPr>
+          <a:xfrm>
+            <a:off x="8013144" y="4074979"/>
+            <a:ext cx="493269" cy="493269"/>
+          </a:xfrm>
+          <a:prstGeom prst="rect">
+            <a:avLst/>
+          </a:prstGeom>
+        </p:spPr>
+      </p:pic>
+      <p:sp>
+        <p:nvSpPr>
+          <p:cNvPr id="10" name="CuadroTexto 9">
+            <a:extLst>
+              <a:ext uri="{FF2B5EF4-FFF2-40B4-BE49-F238E27FC236}">
+                <a16:creationId xmlns:a16="http://schemas.microsoft.com/office/drawing/2014/main" id="{895EC70C-EC0C-E100-6F6F-28E95B433653}"/>
+              </a:ext>
+            </a:extLst>
+          </p:cNvPr>
+          <p:cNvSpPr txBox="1"/>
+          <p:nvPr/>
+        </p:nvSpPr>
+        <p:spPr>
+          <a:xfrm>
+            <a:off x="232214" y="2283572"/>
+            <a:ext cx="3245036" cy="1323439"/>
+          </a:xfrm>
+          <a:prstGeom prst="rect">
+            <a:avLst/>
+          </a:prstGeom>
+          <a:noFill/>
+        </p:spPr>
+        <p:txBody>
+          <a:bodyPr wrap="square" rtlCol="0">
+            <a:spAutoFit/>
+          </a:bodyPr>
+          <a:lstStyle/>
+          <a:p>
+            <a:r>
+              <a:rPr lang="es-ES" sz="1600" b="1" dirty="0">
+                <a:latin typeface="+mj-lt"/>
+              </a:rPr>
+              <a:t>¿QUE ES LO QUE OYE?</a:t>
+            </a:r>
+          </a:p>
+          <a:p>
+            <a:r>
+              <a:rPr lang="es-ES" sz="1600" b="1" dirty="0">
+                <a:latin typeface="+mj-lt"/>
+              </a:rPr>
+              <a:t>Cliente: </a:t>
+            </a:r>
+            <a:r>
+              <a:rPr lang="es-ES" sz="1600" dirty="0">
+                <a:latin typeface="+mj-lt"/>
+              </a:rPr>
+              <a:t>- Realización de servicios de baja calidad</a:t>
+            </a:r>
+          </a:p>
+          <a:p>
+            <a:r>
+              <a:rPr lang="es-ES" sz="1600" b="1" dirty="0">
+                <a:latin typeface="+mj-lt"/>
+              </a:rPr>
+              <a:t>Proveedor: </a:t>
+            </a:r>
+            <a:r>
+              <a:rPr lang="es-ES" sz="1600" dirty="0">
+                <a:latin typeface="+mj-lt"/>
+              </a:rPr>
+              <a:t>- Oportunidades escasas </a:t>
+            </a:r>
+          </a:p>
+          <a:p>
+            <a:r>
+              <a:rPr lang="es-ES" sz="1600" dirty="0">
+                <a:latin typeface="+mj-lt"/>
+              </a:rPr>
+              <a:t>-Falta de apoyo</a:t>
+            </a:r>
+          </a:p>
+        </p:txBody>
+      </p:sp>
+      <p:pic>
+        <p:nvPicPr>
+          <p:cNvPr id="11" name="Imagen 10">
+            <a:extLst>
+              <a:ext uri="{FF2B5EF4-FFF2-40B4-BE49-F238E27FC236}">
+                <a16:creationId xmlns:a16="http://schemas.microsoft.com/office/drawing/2014/main" id="{9F682A5E-D7ED-6087-D88A-4407AFCB5364}"/>
+              </a:ext>
+            </a:extLst>
+          </p:cNvPr>
+          <p:cNvPicPr>
+            <a:picLocks noChangeAspect="1"/>
+          </p:cNvPicPr>
+          <p:nvPr/>
+        </p:nvPicPr>
+        <p:blipFill>
+          <a:blip r:embed="rId6"/>
+          <a:stretch>
+            <a:fillRect/>
+          </a:stretch>
+        </p:blipFill>
+        <p:spPr>
+          <a:xfrm>
+            <a:off x="3685779" y="2513834"/>
+            <a:ext cx="675711" cy="675711"/>
+          </a:xfrm>
+          <a:prstGeom prst="rect">
+            <a:avLst/>
+          </a:prstGeom>
+        </p:spPr>
+      </p:pic>
+      <p:cxnSp>
+        <p:nvCxnSpPr>
+          <p:cNvPr id="3" name="Conector recto 2">
+            <a:extLst>
+              <a:ext uri="{FF2B5EF4-FFF2-40B4-BE49-F238E27FC236}">
+                <a16:creationId xmlns:a16="http://schemas.microsoft.com/office/drawing/2014/main" id="{E1A5093F-4A92-EC09-2310-355323C2AC97}"/>
+              </a:ext>
+            </a:extLst>
+          </p:cNvPr>
+          <p:cNvCxnSpPr>
+            <a:cxnSpLocks/>
+          </p:cNvCxnSpPr>
+          <p:nvPr/>
+        </p:nvCxnSpPr>
+        <p:spPr>
+          <a:xfrm>
+            <a:off x="44069" y="782885"/>
+            <a:ext cx="12147932" cy="4270184"/>
+          </a:xfrm>
+          <a:prstGeom prst="line">
+            <a:avLst/>
+          </a:prstGeom>
+        </p:spPr>
+        <p:style>
+          <a:lnRef idx="1">
+            <a:schemeClr val="dk1"/>
+          </a:lnRef>
+          <a:fillRef idx="0">
+            <a:schemeClr val="dk1"/>
+          </a:fillRef>
+          <a:effectRef idx="0">
+            <a:schemeClr val="dk1"/>
+          </a:effectRef>
+          <a:fontRef idx="minor">
+            <a:schemeClr val="tx1"/>
+          </a:fontRef>
+        </p:style>
+      </p:cxnSp>
+      <p:cxnSp>
+        <p:nvCxnSpPr>
+          <p:cNvPr id="14" name="Conector recto 13">
+            <a:extLst>
+              <a:ext uri="{FF2B5EF4-FFF2-40B4-BE49-F238E27FC236}">
+                <a16:creationId xmlns:a16="http://schemas.microsoft.com/office/drawing/2014/main" id="{8B73BF79-FB72-C8F9-DEFA-78ECC4197BBB}"/>
+              </a:ext>
+            </a:extLst>
+          </p:cNvPr>
+          <p:cNvCxnSpPr>
+            <a:cxnSpLocks/>
+          </p:cNvCxnSpPr>
+          <p:nvPr/>
+        </p:nvCxnSpPr>
+        <p:spPr>
+          <a:xfrm flipH="1">
+            <a:off x="-45595" y="782885"/>
+            <a:ext cx="12237595" cy="4270184"/>
+          </a:xfrm>
+          <a:prstGeom prst="line">
+            <a:avLst/>
+          </a:prstGeom>
+        </p:spPr>
+        <p:style>
+          <a:lnRef idx="1">
+            <a:schemeClr val="dk1"/>
+          </a:lnRef>
+          <a:fillRef idx="0">
+            <a:schemeClr val="dk1"/>
+          </a:fillRef>
+          <a:effectRef idx="0">
+            <a:schemeClr val="dk1"/>
+          </a:effectRef>
+          <a:fontRef idx="minor">
+            <a:schemeClr val="tx1"/>
+          </a:fontRef>
+        </p:style>
+      </p:cxnSp>
+      <p:cxnSp>
+        <p:nvCxnSpPr>
+          <p:cNvPr id="36" name="Conector recto 35">
+            <a:extLst>
+              <a:ext uri="{FF2B5EF4-FFF2-40B4-BE49-F238E27FC236}">
+                <a16:creationId xmlns:a16="http://schemas.microsoft.com/office/drawing/2014/main" id="{5A048461-5561-3ABE-ECEF-C0F2C6896E59}"/>
+              </a:ext>
+            </a:extLst>
+          </p:cNvPr>
+          <p:cNvCxnSpPr>
+            <a:cxnSpLocks/>
+          </p:cNvCxnSpPr>
+          <p:nvPr/>
+        </p:nvCxnSpPr>
+        <p:spPr>
+          <a:xfrm flipV="1">
+            <a:off x="44068" y="5082467"/>
+            <a:ext cx="12139707" cy="14671"/>
+          </a:xfrm>
+          <a:prstGeom prst="line">
+            <a:avLst/>
+          </a:prstGeom>
+        </p:spPr>
+        <p:style>
+          <a:lnRef idx="1">
+            <a:schemeClr val="dk1"/>
+          </a:lnRef>
+          <a:fillRef idx="0">
+            <a:schemeClr val="dk1"/>
+          </a:fillRef>
+          <a:effectRef idx="0">
+            <a:schemeClr val="dk1"/>
+          </a:effectRef>
+          <a:fontRef idx="minor">
+            <a:schemeClr val="tx1"/>
+          </a:fontRef>
+        </p:style>
+      </p:cxnSp>
+      <p:sp>
+        <p:nvSpPr>
+          <p:cNvPr id="44" name="CuadroTexto 43">
+            <a:extLst>
+              <a:ext uri="{FF2B5EF4-FFF2-40B4-BE49-F238E27FC236}">
+                <a16:creationId xmlns:a16="http://schemas.microsoft.com/office/drawing/2014/main" id="{C43C6928-0F5E-B932-CA55-0AEE5E2C42A8}"/>
+              </a:ext>
+            </a:extLst>
+          </p:cNvPr>
+          <p:cNvSpPr txBox="1"/>
+          <p:nvPr/>
+        </p:nvSpPr>
+        <p:spPr>
+          <a:xfrm>
+            <a:off x="6073203" y="5185620"/>
+            <a:ext cx="5577949" cy="1569660"/>
+          </a:xfrm>
+          <a:prstGeom prst="rect">
+            <a:avLst/>
+          </a:prstGeom>
+          <a:noFill/>
+        </p:spPr>
+        <p:txBody>
+          <a:bodyPr wrap="square" rtlCol="0">
+            <a:spAutoFit/>
+          </a:bodyPr>
+          <a:lstStyle/>
+          <a:p>
+            <a:r>
+              <a:rPr lang="es-ES" sz="1600" b="1" dirty="0">
+                <a:latin typeface="+mj-lt"/>
+              </a:rPr>
+              <a:t>RESULTADOS</a:t>
+            </a:r>
+          </a:p>
+          <a:p>
+            <a:r>
+              <a:rPr lang="es-ES" sz="1600" b="1" dirty="0">
+                <a:latin typeface="+mj-lt"/>
+              </a:rPr>
+              <a:t>Cliente: </a:t>
+            </a:r>
+            <a:r>
+              <a:rPr lang="es-ES" sz="1600" dirty="0">
+                <a:latin typeface="+mj-lt"/>
+              </a:rPr>
+              <a:t>- Servicios adquiridos de excelente calidad</a:t>
+            </a:r>
+          </a:p>
+          <a:p>
+            <a:r>
+              <a:rPr lang="es-ES" sz="1600" b="1" dirty="0">
+                <a:latin typeface="+mj-lt"/>
+              </a:rPr>
+              <a:t>Proveedor: </a:t>
+            </a:r>
+            <a:r>
+              <a:rPr lang="es-ES" sz="1600" dirty="0">
+                <a:latin typeface="+mj-lt"/>
+              </a:rPr>
+              <a:t>- Emprendimiento a gran escala</a:t>
+            </a:r>
+          </a:p>
+          <a:p>
+            <a:r>
+              <a:rPr lang="es-ES" sz="1600" dirty="0">
+                <a:latin typeface="+mj-lt"/>
+              </a:rPr>
+              <a:t>- Superación personal </a:t>
+            </a:r>
+          </a:p>
+          <a:p>
+            <a:r>
+              <a:rPr lang="es-ES" sz="1600" dirty="0">
+                <a:latin typeface="+mj-lt"/>
+              </a:rPr>
+              <a:t>- Más recomendaciones de sus clientes</a:t>
+            </a:r>
+          </a:p>
+          <a:p>
+            <a:r>
+              <a:rPr lang="es-ES" sz="1600" dirty="0">
+                <a:latin typeface="+mj-lt"/>
+              </a:rPr>
+              <a:t>- Éxito en la prestación de servicios</a:t>
+            </a:r>
+          </a:p>
+        </p:txBody>
+      </p:sp>
+      <p:pic>
+        <p:nvPicPr>
+          <p:cNvPr id="47" name="Imagen 46">
+            <a:extLst>
+              <a:ext uri="{FF2B5EF4-FFF2-40B4-BE49-F238E27FC236}">
+                <a16:creationId xmlns:a16="http://schemas.microsoft.com/office/drawing/2014/main" id="{4859D8F0-D5A4-AD92-367C-61E7CC5F4D56}"/>
+              </a:ext>
+            </a:extLst>
+          </p:cNvPr>
+          <p:cNvPicPr>
+            <a:picLocks noChangeAspect="1"/>
+          </p:cNvPicPr>
+          <p:nvPr/>
+        </p:nvPicPr>
+        <p:blipFill>
+          <a:blip r:embed="rId7"/>
+          <a:stretch>
+            <a:fillRect/>
+          </a:stretch>
+        </p:blipFill>
+        <p:spPr>
+          <a:xfrm>
+            <a:off x="11475417" y="5764846"/>
+            <a:ext cx="672516" cy="672516"/>
+          </a:xfrm>
+          <a:prstGeom prst="rect">
+            <a:avLst/>
+          </a:prstGeom>
+        </p:spPr>
+      </p:pic>
+      <p:cxnSp>
+        <p:nvCxnSpPr>
+          <p:cNvPr id="49" name="Conector recto 48">
+            <a:extLst>
+              <a:ext uri="{FF2B5EF4-FFF2-40B4-BE49-F238E27FC236}">
+                <a16:creationId xmlns:a16="http://schemas.microsoft.com/office/drawing/2014/main" id="{8F56039C-1692-4FEA-E302-615D52FD5E24}"/>
+              </a:ext>
+            </a:extLst>
+          </p:cNvPr>
+          <p:cNvCxnSpPr>
+            <a:cxnSpLocks/>
+          </p:cNvCxnSpPr>
+          <p:nvPr/>
+        </p:nvCxnSpPr>
+        <p:spPr>
+          <a:xfrm>
+            <a:off x="5915943" y="5126535"/>
+            <a:ext cx="1893" cy="1718612"/>
+          </a:xfrm>
+          <a:prstGeom prst="line">
+            <a:avLst/>
+          </a:prstGeom>
+        </p:spPr>
+        <p:style>
+          <a:lnRef idx="1">
+            <a:schemeClr val="dk1"/>
+          </a:lnRef>
+          <a:fillRef idx="0">
+            <a:schemeClr val="dk1"/>
+          </a:fillRef>
+          <a:effectRef idx="0">
+            <a:schemeClr val="dk1"/>
+          </a:effectRef>
+          <a:fontRef idx="minor">
+            <a:schemeClr val="tx1"/>
+          </a:fontRef>
+        </p:style>
+      </p:cxnSp>
+      <p:sp>
+        <p:nvSpPr>
+          <p:cNvPr id="52" name="CuadroTexto 51">
+            <a:extLst>
+              <a:ext uri="{FF2B5EF4-FFF2-40B4-BE49-F238E27FC236}">
+                <a16:creationId xmlns:a16="http://schemas.microsoft.com/office/drawing/2014/main" id="{82FD7941-C039-8395-2138-C1E7ABB86D71}"/>
+              </a:ext>
+            </a:extLst>
+          </p:cNvPr>
+          <p:cNvSpPr txBox="1"/>
+          <p:nvPr/>
+        </p:nvSpPr>
+        <p:spPr>
+          <a:xfrm>
+            <a:off x="44068" y="5300749"/>
+            <a:ext cx="4906179" cy="1323439"/>
+          </a:xfrm>
+          <a:prstGeom prst="rect">
+            <a:avLst/>
+          </a:prstGeom>
+          <a:noFill/>
+        </p:spPr>
+        <p:txBody>
+          <a:bodyPr wrap="square" rtlCol="0">
+            <a:spAutoFit/>
+          </a:bodyPr>
+          <a:lstStyle/>
+          <a:p>
+            <a:r>
+              <a:rPr lang="es-ES" sz="1600" b="1" dirty="0">
+                <a:latin typeface="+mj-lt"/>
+              </a:rPr>
+              <a:t>ESFUERZOS</a:t>
+            </a:r>
+          </a:p>
+          <a:p>
+            <a:r>
+              <a:rPr lang="es-ES" sz="1600" b="1" dirty="0">
+                <a:latin typeface="+mj-lt"/>
+              </a:rPr>
+              <a:t>Cliente: </a:t>
+            </a:r>
+            <a:r>
+              <a:rPr lang="es-ES" sz="1600" dirty="0">
+                <a:latin typeface="+mj-lt"/>
+              </a:rPr>
+              <a:t>- No hay soluciones a sus necesidades</a:t>
+            </a:r>
+          </a:p>
+          <a:p>
+            <a:r>
+              <a:rPr lang="es-ES" sz="1600" b="1" dirty="0">
+                <a:latin typeface="+mj-lt"/>
+              </a:rPr>
+              <a:t>Proveedor: </a:t>
+            </a:r>
+            <a:r>
+              <a:rPr lang="es-ES" sz="1600" dirty="0">
+                <a:latin typeface="+mj-lt"/>
+              </a:rPr>
+              <a:t>- No alcanzar sus metas propuestas</a:t>
+            </a:r>
+          </a:p>
+          <a:p>
+            <a:r>
+              <a:rPr lang="es-ES" sz="1600" dirty="0">
+                <a:latin typeface="+mj-lt"/>
+              </a:rPr>
+              <a:t>- Dificultad para darse a conocer</a:t>
+            </a:r>
+          </a:p>
+          <a:p>
+            <a:r>
+              <a:rPr lang="es-ES" sz="1600" dirty="0">
+                <a:latin typeface="+mj-lt"/>
+              </a:rPr>
+              <a:t>- Miedo al fracaso</a:t>
+            </a:r>
+          </a:p>
+        </p:txBody>
+      </p:sp>
+      <p:pic>
+        <p:nvPicPr>
+          <p:cNvPr id="53" name="Imagen 52">
+            <a:extLst>
+              <a:ext uri="{FF2B5EF4-FFF2-40B4-BE49-F238E27FC236}">
+                <a16:creationId xmlns:a16="http://schemas.microsoft.com/office/drawing/2014/main" id="{09DC1441-E76F-7767-EFCB-062CF21A205B}"/>
+              </a:ext>
+            </a:extLst>
+          </p:cNvPr>
+          <p:cNvPicPr>
+            <a:picLocks noChangeAspect="1"/>
+          </p:cNvPicPr>
+          <p:nvPr/>
+        </p:nvPicPr>
+        <p:blipFill>
+          <a:blip r:embed="rId8"/>
+          <a:stretch>
+            <a:fillRect/>
+          </a:stretch>
+        </p:blipFill>
+        <p:spPr>
+          <a:xfrm>
+            <a:off x="4546508" y="5718955"/>
+            <a:ext cx="807477" cy="807477"/>
+          </a:xfrm>
+          <a:prstGeom prst="rect">
+            <a:avLst/>
+          </a:prstGeom>
+        </p:spPr>
+      </p:pic>
     </p:spTree>
     <p:extLst>
       <p:ext uri="{BB962C8B-B14F-4D97-AF65-F5344CB8AC3E}">
-        <p14:creationId xmlns:p14="http://schemas.microsoft.com/office/powerpoint/2010/main" val="279892807"/>
+        <p14:creationId xmlns:p14="http://schemas.microsoft.com/office/powerpoint/2010/main" val="3622025240"/>
       </p:ext>
     </p:extLst>
   </p:cSld>
@@ -8158,8 +8404,8 @@
         </p:nvSpPr>
         <p:spPr>
           <a:xfrm>
-            <a:off x="6096000" y="5067059"/>
-            <a:ext cx="5868571" cy="1241237"/>
+            <a:off x="3012560" y="421131"/>
+            <a:ext cx="6195235" cy="666786"/>
           </a:xfrm>
           <a:prstGeom prst="rect">
             <a:avLst/>
@@ -8179,18 +8425,7 @@
                   <a:srgbClr val="FF6C00"/>
                 </a:solidFill>
               </a:rPr>
-              <a:t>Modelado MR </a:t>
-            </a:r>
-          </a:p>
-          <a:p>
-            <a:pPr algn="ctr"/>
-            <a:r>
-              <a:rPr lang="es-ES" sz="3733" b="1" dirty="0">
-                <a:solidFill>
-                  <a:srgbClr val="FF6C00"/>
-                </a:solidFill>
-              </a:rPr>
-              <a:t>(Modelo Relacional)</a:t>
+              <a:t>Diccionario de datos</a:t>
             </a:r>
           </a:p>
         </p:txBody>
@@ -8198,7 +8433,7 @@
     </p:spTree>
     <p:extLst>
       <p:ext uri="{BB962C8B-B14F-4D97-AF65-F5344CB8AC3E}">
-        <p14:creationId xmlns:p14="http://schemas.microsoft.com/office/powerpoint/2010/main" val="1980260065"/>
+        <p14:creationId xmlns:p14="http://schemas.microsoft.com/office/powerpoint/2010/main" val="4196182800"/>
       </p:ext>
     </p:extLst>
   </p:cSld>
@@ -8239,8 +8474,8 @@
         </p:nvSpPr>
         <p:spPr>
           <a:xfrm>
-            <a:off x="2998383" y="421131"/>
-            <a:ext cx="6195235" cy="666786"/>
+            <a:off x="-210038" y="398307"/>
+            <a:ext cx="11078244" cy="666786"/>
           </a:xfrm>
           <a:prstGeom prst="rect">
             <a:avLst/>
@@ -8260,28 +8495,15 @@
                   <a:srgbClr val="FF6C00"/>
                 </a:solidFill>
               </a:rPr>
-              <a:t>Diseño del </a:t>
-            </a:r>
-            <a:r>
-              <a:rPr lang="es-ES" sz="3733" b="1" dirty="0" err="1">
-                <a:solidFill>
-                  <a:srgbClr val="FF6C00"/>
-                </a:solidFill>
-              </a:rPr>
-              <a:t>index</a:t>
-            </a:r>
-            <a:endParaRPr lang="es-ES" sz="3733" b="1" dirty="0">
-              <a:solidFill>
-                <a:srgbClr val="FF6C00"/>
-              </a:solidFill>
-            </a:endParaRPr>
+              <a:t>Modelado MER (Modelo Entidad Relación)</a:t>
+            </a:r>
           </a:p>
         </p:txBody>
       </p:sp>
     </p:spTree>
     <p:extLst>
       <p:ext uri="{BB962C8B-B14F-4D97-AF65-F5344CB8AC3E}">
-        <p14:creationId xmlns:p14="http://schemas.microsoft.com/office/powerpoint/2010/main" val="3430940337"/>
+        <p14:creationId xmlns:p14="http://schemas.microsoft.com/office/powerpoint/2010/main" val="279892807"/>
       </p:ext>
     </p:extLst>
   </p:cSld>
@@ -8322,8 +8544,8 @@
         </p:nvSpPr>
         <p:spPr>
           <a:xfrm>
-            <a:off x="2998383" y="421131"/>
-            <a:ext cx="6195235" cy="666786"/>
+            <a:off x="6096000" y="5067059"/>
+            <a:ext cx="5868571" cy="1241237"/>
           </a:xfrm>
           <a:prstGeom prst="rect">
             <a:avLst/>
@@ -8343,7 +8565,18 @@
                   <a:srgbClr val="FF6C00"/>
                 </a:solidFill>
               </a:rPr>
-              <a:t>Script de la base de datos</a:t>
+              <a:t>Modelado MR </a:t>
+            </a:r>
+          </a:p>
+          <a:p>
+            <a:pPr algn="ctr"/>
+            <a:r>
+              <a:rPr lang="es-ES" sz="3733" b="1" dirty="0">
+                <a:solidFill>
+                  <a:srgbClr val="FF6C00"/>
+                </a:solidFill>
+              </a:rPr>
+              <a:t>(Modelo Relacional)</a:t>
             </a:r>
           </a:p>
         </p:txBody>
@@ -8351,7 +8584,7 @@
     </p:spTree>
     <p:extLst>
       <p:ext uri="{BB962C8B-B14F-4D97-AF65-F5344CB8AC3E}">
-        <p14:creationId xmlns:p14="http://schemas.microsoft.com/office/powerpoint/2010/main" val="3458874268"/>
+        <p14:creationId xmlns:p14="http://schemas.microsoft.com/office/powerpoint/2010/main" val="1980260065"/>
       </p:ext>
     </p:extLst>
   </p:cSld>
@@ -8380,14 +8613,20 @@
       </p:grpSpPr>
       <p:sp>
         <p:nvSpPr>
-          <p:cNvPr id="2" name="CuadroTexto 1"/>
+          <p:cNvPr id="5" name="CuadroTexto 4">
+            <a:extLst>
+              <a:ext uri="{FF2B5EF4-FFF2-40B4-BE49-F238E27FC236}">
+                <a16:creationId xmlns:a16="http://schemas.microsoft.com/office/drawing/2014/main" id="{1BE7FA7E-C3EC-4186-AFBD-5BB81C7A131D}"/>
+              </a:ext>
+            </a:extLst>
+          </p:cNvPr>
           <p:cNvSpPr txBox="1"/>
           <p:nvPr/>
         </p:nvSpPr>
         <p:spPr>
           <a:xfrm>
-            <a:off x="510491" y="332660"/>
-            <a:ext cx="4408840" cy="830997"/>
+            <a:off x="2998383" y="421131"/>
+            <a:ext cx="6195235" cy="666786"/>
           </a:xfrm>
           <a:prstGeom prst="rect">
             <a:avLst/>
@@ -8400,121 +8639,35 @@
           </a:bodyPr>
           <a:lstStyle/>
           <a:p>
-            <a:r>
-              <a:rPr lang="es-ES" sz="4800" b="1" dirty="0">
+            <a:pPr algn="ctr"/>
+            <a:r>
+              <a:rPr lang="es-ES" sz="3733" b="1" dirty="0">
                 <a:solidFill>
-                  <a:schemeClr val="bg1"/>
+                  <a:srgbClr val="FF6C00"/>
                 </a:solidFill>
               </a:rPr>
-              <a:t>Conclusiones </a:t>
-            </a:r>
-          </a:p>
-        </p:txBody>
-      </p:sp>
-      <p:sp>
-        <p:nvSpPr>
-          <p:cNvPr id="8" name="CuadroTexto 7">
-            <a:extLst>
-              <a:ext uri="{FF2B5EF4-FFF2-40B4-BE49-F238E27FC236}">
-                <a16:creationId xmlns:a16="http://schemas.microsoft.com/office/drawing/2014/main" id="{F8C7B26D-E9A2-4838-8972-83BB0387A627}"/>
-              </a:ext>
-            </a:extLst>
-          </p:cNvPr>
-          <p:cNvSpPr txBox="1"/>
-          <p:nvPr/>
-        </p:nvSpPr>
-        <p:spPr>
-          <a:xfrm>
-            <a:off x="184424" y="1821465"/>
-            <a:ext cx="11823152" cy="3416320"/>
-          </a:xfrm>
-          <a:prstGeom prst="rect">
-            <a:avLst/>
-          </a:prstGeom>
-          <a:noFill/>
-        </p:spPr>
-        <p:txBody>
-          <a:bodyPr wrap="square" rtlCol="0">
-            <a:spAutoFit/>
-          </a:bodyPr>
-          <a:lstStyle/>
-          <a:p>
-            <a:pPr marL="380990" indent="-380990" algn="just" defTabSz="1257621" hangingPunct="0">
-              <a:buFontTx/>
-              <a:buChar char="-"/>
-            </a:pPr>
-            <a:r>
-              <a:rPr lang="es-ES" sz="2400" dirty="0">
-                <a:ea typeface="Helvetica Neue"/>
-                <a:cs typeface="Calibir"/>
-                <a:sym typeface="Helvetica Neue"/>
-              </a:rPr>
-              <a:t>Tras la documentación mostrada, podemos deducir que los objetivos planteados están dirigidos a solucionar la problemática principal de nuestro proyecto, dado que actualmente no se ve resuelta por completo en el mercado, y de allí se derivan oportunidades para </a:t>
-            </a:r>
-            <a:r>
-              <a:rPr lang="es-ES" sz="2400" dirty="0" err="1">
-                <a:ea typeface="Helvetica Neue"/>
-                <a:cs typeface="Calibir"/>
-                <a:sym typeface="Helvetica Neue"/>
-              </a:rPr>
-              <a:t>Service</a:t>
-            </a:r>
-            <a:r>
-              <a:rPr lang="es-ES" sz="2400" dirty="0">
-                <a:ea typeface="Helvetica Neue"/>
-                <a:cs typeface="Calibir"/>
-                <a:sym typeface="Helvetica Neue"/>
-              </a:rPr>
-              <a:t> </a:t>
-            </a:r>
-            <a:r>
-              <a:rPr lang="es-ES" sz="2400" dirty="0" err="1">
-                <a:ea typeface="Helvetica Neue"/>
-                <a:cs typeface="Calibir"/>
-                <a:sym typeface="Helvetica Neue"/>
-              </a:rPr>
-              <a:t>Market</a:t>
-            </a:r>
-            <a:r>
-              <a:rPr lang="es-ES" sz="2400" dirty="0">
-                <a:ea typeface="Helvetica Neue"/>
-                <a:cs typeface="Calibir"/>
-                <a:sym typeface="Helvetica Neue"/>
-              </a:rPr>
-              <a:t>.</a:t>
-            </a:r>
-          </a:p>
-          <a:p>
-            <a:pPr marL="380990" indent="-380990" algn="just" defTabSz="1257621" hangingPunct="0">
-              <a:buFontTx/>
-              <a:buChar char="-"/>
-            </a:pPr>
-            <a:endParaRPr lang="es-ES" sz="2400" dirty="0">
-              <a:ea typeface="Helvetica Neue"/>
-              <a:cs typeface="Calibir"/>
-              <a:sym typeface="Helvetica Neue"/>
+              <a:t>Diseño del </a:t>
+            </a:r>
+            <a:r>
+              <a:rPr lang="es-ES" sz="3733" b="1" dirty="0" err="1">
+                <a:solidFill>
+                  <a:srgbClr val="FF6C00"/>
+                </a:solidFill>
+              </a:rPr>
+              <a:t>index</a:t>
+            </a:r>
+            <a:endParaRPr lang="es-ES" sz="3733" b="1" dirty="0">
+              <a:solidFill>
+                <a:srgbClr val="FF6C00"/>
+              </a:solidFill>
             </a:endParaRPr>
-          </a:p>
-          <a:p>
-            <a:pPr marL="380990" indent="-380990" algn="just" defTabSz="1257621" hangingPunct="0">
-              <a:buFontTx/>
-              <a:buChar char="-"/>
-            </a:pPr>
-            <a:r>
-              <a:rPr lang="es-ES" sz="2400" dirty="0">
-                <a:ea typeface="Helvetica Neue"/>
-                <a:cs typeface="Calibir"/>
-                <a:sym typeface="Helvetica Neue"/>
-              </a:rPr>
-              <a:t>Según los datos expuestos, podemos concluir que nuestra aplicación web va a ser un canal de comunicación para clientes y prestadores de servicios que estén dispuestos a darse a conocer, generando así mas ganancias, una negociación a una escala mayor y aumentando la credibilidad de aquellos prestadores de servicios que requieran una ayuda.</a:t>
-            </a:r>
           </a:p>
         </p:txBody>
       </p:sp>
     </p:spTree>
     <p:extLst>
       <p:ext uri="{BB962C8B-B14F-4D97-AF65-F5344CB8AC3E}">
-        <p14:creationId xmlns:p14="http://schemas.microsoft.com/office/powerpoint/2010/main" val="224373756"/>
+        <p14:creationId xmlns:p14="http://schemas.microsoft.com/office/powerpoint/2010/main" val="3430940337"/>
       </p:ext>
     </p:extLst>
   </p:cSld>
@@ -8543,6 +8696,239 @@
       </p:grpSpPr>
       <p:sp>
         <p:nvSpPr>
+          <p:cNvPr id="5" name="CuadroTexto 4">
+            <a:extLst>
+              <a:ext uri="{FF2B5EF4-FFF2-40B4-BE49-F238E27FC236}">
+                <a16:creationId xmlns:a16="http://schemas.microsoft.com/office/drawing/2014/main" id="{1BE7FA7E-C3EC-4186-AFBD-5BB81C7A131D}"/>
+              </a:ext>
+            </a:extLst>
+          </p:cNvPr>
+          <p:cNvSpPr txBox="1"/>
+          <p:nvPr/>
+        </p:nvSpPr>
+        <p:spPr>
+          <a:xfrm>
+            <a:off x="2998383" y="421131"/>
+            <a:ext cx="6195235" cy="666786"/>
+          </a:xfrm>
+          <a:prstGeom prst="rect">
+            <a:avLst/>
+          </a:prstGeom>
+          <a:noFill/>
+        </p:spPr>
+        <p:txBody>
+          <a:bodyPr wrap="square" rtlCol="0">
+            <a:spAutoFit/>
+          </a:bodyPr>
+          <a:lstStyle/>
+          <a:p>
+            <a:pPr algn="ctr"/>
+            <a:r>
+              <a:rPr lang="es-ES" sz="3733" b="1" dirty="0">
+                <a:solidFill>
+                  <a:srgbClr val="FF6C00"/>
+                </a:solidFill>
+              </a:rPr>
+              <a:t>Script de la base de datos</a:t>
+            </a:r>
+          </a:p>
+        </p:txBody>
+      </p:sp>
+    </p:spTree>
+    <p:extLst>
+      <p:ext uri="{BB962C8B-B14F-4D97-AF65-F5344CB8AC3E}">
+        <p14:creationId xmlns:p14="http://schemas.microsoft.com/office/powerpoint/2010/main" val="3458874268"/>
+      </p:ext>
+    </p:extLst>
+  </p:cSld>
+  <p:clrMapOvr>
+    <a:masterClrMapping/>
+  </p:clrMapOvr>
+</p:sld>
+</file>
+
+<file path=ppt/slides/slide35.xml><?xml version="1.0" encoding="utf-8"?>
+<p:sld xmlns:a="http://schemas.openxmlformats.org/drawingml/2006/main" xmlns:r="http://schemas.openxmlformats.org/officeDocument/2006/relationships" xmlns:p="http://schemas.openxmlformats.org/presentationml/2006/main">
+  <p:cSld>
+    <p:spTree>
+      <p:nvGrpSpPr>
+        <p:cNvPr id="1" name=""/>
+        <p:cNvGrpSpPr/>
+        <p:nvPr/>
+      </p:nvGrpSpPr>
+      <p:grpSpPr>
+        <a:xfrm>
+          <a:off x="0" y="0"/>
+          <a:ext cx="0" cy="0"/>
+          <a:chOff x="0" y="0"/>
+          <a:chExt cx="0" cy="0"/>
+        </a:xfrm>
+      </p:grpSpPr>
+      <p:sp>
+        <p:nvSpPr>
+          <p:cNvPr id="2" name="CuadroTexto 1"/>
+          <p:cNvSpPr txBox="1"/>
+          <p:nvPr/>
+        </p:nvSpPr>
+        <p:spPr>
+          <a:xfrm>
+            <a:off x="510491" y="332660"/>
+            <a:ext cx="4408840" cy="830997"/>
+          </a:xfrm>
+          <a:prstGeom prst="rect">
+            <a:avLst/>
+          </a:prstGeom>
+          <a:noFill/>
+        </p:spPr>
+        <p:txBody>
+          <a:bodyPr wrap="square" rtlCol="0">
+            <a:spAutoFit/>
+          </a:bodyPr>
+          <a:lstStyle/>
+          <a:p>
+            <a:r>
+              <a:rPr lang="es-ES" sz="4800" b="1" dirty="0">
+                <a:solidFill>
+                  <a:schemeClr val="bg1"/>
+                </a:solidFill>
+              </a:rPr>
+              <a:t>Conclusiones </a:t>
+            </a:r>
+          </a:p>
+        </p:txBody>
+      </p:sp>
+      <p:sp>
+        <p:nvSpPr>
+          <p:cNvPr id="8" name="CuadroTexto 7">
+            <a:extLst>
+              <a:ext uri="{FF2B5EF4-FFF2-40B4-BE49-F238E27FC236}">
+                <a16:creationId xmlns:a16="http://schemas.microsoft.com/office/drawing/2014/main" id="{F8C7B26D-E9A2-4838-8972-83BB0387A627}"/>
+              </a:ext>
+            </a:extLst>
+          </p:cNvPr>
+          <p:cNvSpPr txBox="1"/>
+          <p:nvPr/>
+        </p:nvSpPr>
+        <p:spPr>
+          <a:xfrm>
+            <a:off x="184424" y="1821465"/>
+            <a:ext cx="11823152" cy="3416320"/>
+          </a:xfrm>
+          <a:prstGeom prst="rect">
+            <a:avLst/>
+          </a:prstGeom>
+          <a:noFill/>
+        </p:spPr>
+        <p:txBody>
+          <a:bodyPr wrap="square" rtlCol="0">
+            <a:spAutoFit/>
+          </a:bodyPr>
+          <a:lstStyle/>
+          <a:p>
+            <a:pPr marL="380990" indent="-380990" algn="just" defTabSz="1257621" hangingPunct="0">
+              <a:buFontTx/>
+              <a:buChar char="-"/>
+            </a:pPr>
+            <a:r>
+              <a:rPr lang="es-ES" sz="2400" dirty="0">
+                <a:ea typeface="Helvetica Neue"/>
+                <a:cs typeface="Calibir"/>
+                <a:sym typeface="Helvetica Neue"/>
+              </a:rPr>
+              <a:t>Tras la documentación mostrada, podemos deducir que los objetivos planteados están dirigidos a solucionar la problemática principal de nuestro proyecto, dado que actualmente no se ve resuelta por completo en el mercado, y de allí se derivan oportunidades para </a:t>
+            </a:r>
+            <a:r>
+              <a:rPr lang="es-ES" sz="2400" dirty="0" err="1">
+                <a:ea typeface="Helvetica Neue"/>
+                <a:cs typeface="Calibir"/>
+                <a:sym typeface="Helvetica Neue"/>
+              </a:rPr>
+              <a:t>Service</a:t>
+            </a:r>
+            <a:r>
+              <a:rPr lang="es-ES" sz="2400" dirty="0">
+                <a:ea typeface="Helvetica Neue"/>
+                <a:cs typeface="Calibir"/>
+                <a:sym typeface="Helvetica Neue"/>
+              </a:rPr>
+              <a:t> </a:t>
+            </a:r>
+            <a:r>
+              <a:rPr lang="es-ES" sz="2400" dirty="0" err="1">
+                <a:ea typeface="Helvetica Neue"/>
+                <a:cs typeface="Calibir"/>
+                <a:sym typeface="Helvetica Neue"/>
+              </a:rPr>
+              <a:t>Market</a:t>
+            </a:r>
+            <a:r>
+              <a:rPr lang="es-ES" sz="2400" dirty="0">
+                <a:ea typeface="Helvetica Neue"/>
+                <a:cs typeface="Calibir"/>
+                <a:sym typeface="Helvetica Neue"/>
+              </a:rPr>
+              <a:t>.</a:t>
+            </a:r>
+          </a:p>
+          <a:p>
+            <a:pPr marL="380990" indent="-380990" algn="just" defTabSz="1257621" hangingPunct="0">
+              <a:buFontTx/>
+              <a:buChar char="-"/>
+            </a:pPr>
+            <a:endParaRPr lang="es-ES" sz="2400" dirty="0">
+              <a:ea typeface="Helvetica Neue"/>
+              <a:cs typeface="Calibir"/>
+              <a:sym typeface="Helvetica Neue"/>
+            </a:endParaRPr>
+          </a:p>
+          <a:p>
+            <a:pPr marL="380990" indent="-380990" algn="just" defTabSz="1257621" hangingPunct="0">
+              <a:buFontTx/>
+              <a:buChar char="-"/>
+            </a:pPr>
+            <a:r>
+              <a:rPr lang="es-ES" sz="2400" dirty="0">
+                <a:ea typeface="Helvetica Neue"/>
+                <a:cs typeface="Calibir"/>
+                <a:sym typeface="Helvetica Neue"/>
+              </a:rPr>
+              <a:t>Según los datos expuestos, podemos concluir que nuestra aplicación web va a ser un canal de comunicación para clientes y prestadores de servicios que estén dispuestos a darse a conocer, generando así mas ganancias, una negociación a una escala mayor y aumentando la credibilidad de aquellos prestadores de servicios que requieran una ayuda.</a:t>
+            </a:r>
+          </a:p>
+        </p:txBody>
+      </p:sp>
+    </p:spTree>
+    <p:extLst>
+      <p:ext uri="{BB962C8B-B14F-4D97-AF65-F5344CB8AC3E}">
+        <p14:creationId xmlns:p14="http://schemas.microsoft.com/office/powerpoint/2010/main" val="224373756"/>
+      </p:ext>
+    </p:extLst>
+  </p:cSld>
+  <p:clrMapOvr>
+    <a:masterClrMapping/>
+  </p:clrMapOvr>
+</p:sld>
+</file>
+
+<file path=ppt/slides/slide36.xml><?xml version="1.0" encoding="utf-8"?>
+<p:sld xmlns:a="http://schemas.openxmlformats.org/drawingml/2006/main" xmlns:r="http://schemas.openxmlformats.org/officeDocument/2006/relationships" xmlns:p="http://schemas.openxmlformats.org/presentationml/2006/main">
+  <p:cSld>
+    <p:spTree>
+      <p:nvGrpSpPr>
+        <p:cNvPr id="1" name=""/>
+        <p:cNvGrpSpPr/>
+        <p:nvPr/>
+      </p:nvGrpSpPr>
+      <p:grpSpPr>
+        <a:xfrm>
+          <a:off x="0" y="0"/>
+          <a:ext cx="0" cy="0"/>
+          <a:chOff x="0" y="0"/>
+          <a:chExt cx="0" cy="0"/>
+        </a:xfrm>
+      </p:grpSpPr>
+      <p:sp>
+        <p:nvSpPr>
           <p:cNvPr id="2" name="CuadroTexto 1"/>
           <p:cNvSpPr txBox="1"/>
           <p:nvPr/>
@@ -8968,7 +9354,7 @@
 </p:sld>
 </file>
 
-<file path=ppt/slides/slide35.xml><?xml version="1.0" encoding="utf-8"?>
+<file path=ppt/slides/slide37.xml><?xml version="1.0" encoding="utf-8"?>
 <p:sld xmlns:a="http://schemas.openxmlformats.org/drawingml/2006/main" xmlns:r="http://schemas.openxmlformats.org/officeDocument/2006/relationships" xmlns:p="http://schemas.openxmlformats.org/presentationml/2006/main">
   <p:cSld>
     <p:spTree>

--- a/PROYECTO FORMATIVO.pptx
+++ b/PROYECTO FORMATIVO.pptx
@@ -233,7 +233,7 @@
           <a:p>
             <a:fld id="{9660CB96-A603-FF42-AE46-F5F75F80A67B}" type="datetimeFigureOut">
               <a:rPr lang="es-CO" smtClean="0"/>
-              <a:t>4/11/2022</a:t>
+              <a:t>7/11/2022</a:t>
             </a:fld>
             <a:endParaRPr lang="es-CO"/>
           </a:p>
@@ -986,7 +986,7 @@
           <a:p>
             <a:fld id="{BD986248-06F7-A441-A47A-264EBD310E11}" type="datetimeFigureOut">
               <a:rPr lang="es-CO" smtClean="0"/>
-              <a:t>4/11/2022</a:t>
+              <a:t>7/11/2022</a:t>
             </a:fld>
             <a:endParaRPr lang="es-CO"/>
           </a:p>
@@ -1186,7 +1186,7 @@
           <a:p>
             <a:fld id="{BD986248-06F7-A441-A47A-264EBD310E11}" type="datetimeFigureOut">
               <a:rPr lang="es-CO" smtClean="0"/>
-              <a:t>4/11/2022</a:t>
+              <a:t>7/11/2022</a:t>
             </a:fld>
             <a:endParaRPr lang="es-CO"/>
           </a:p>
@@ -1396,7 +1396,7 @@
           <a:p>
             <a:fld id="{BD986248-06F7-A441-A47A-264EBD310E11}" type="datetimeFigureOut">
               <a:rPr lang="es-CO" smtClean="0"/>
-              <a:t>4/11/2022</a:t>
+              <a:t>7/11/2022</a:t>
             </a:fld>
             <a:endParaRPr lang="es-CO"/>
           </a:p>
@@ -2004,7 +2004,7 @@
           <a:p>
             <a:fld id="{BD986248-06F7-A441-A47A-264EBD310E11}" type="datetimeFigureOut">
               <a:rPr lang="es-CO" smtClean="0"/>
-              <a:t>4/11/2022</a:t>
+              <a:t>7/11/2022</a:t>
             </a:fld>
             <a:endParaRPr lang="es-CO"/>
           </a:p>
@@ -2280,7 +2280,7 @@
           <a:p>
             <a:fld id="{BD986248-06F7-A441-A47A-264EBD310E11}" type="datetimeFigureOut">
               <a:rPr lang="es-CO" smtClean="0"/>
-              <a:t>4/11/2022</a:t>
+              <a:t>7/11/2022</a:t>
             </a:fld>
             <a:endParaRPr lang="es-CO"/>
           </a:p>
@@ -2548,7 +2548,7 @@
           <a:p>
             <a:fld id="{BD986248-06F7-A441-A47A-264EBD310E11}" type="datetimeFigureOut">
               <a:rPr lang="es-CO" smtClean="0"/>
-              <a:t>4/11/2022</a:t>
+              <a:t>7/11/2022</a:t>
             </a:fld>
             <a:endParaRPr lang="es-CO"/>
           </a:p>
@@ -2963,7 +2963,7 @@
           <a:p>
             <a:fld id="{BD986248-06F7-A441-A47A-264EBD310E11}" type="datetimeFigureOut">
               <a:rPr lang="es-CO" smtClean="0"/>
-              <a:t>4/11/2022</a:t>
+              <a:t>7/11/2022</a:t>
             </a:fld>
             <a:endParaRPr lang="es-CO"/>
           </a:p>
@@ -3105,7 +3105,7 @@
           <a:p>
             <a:fld id="{BD986248-06F7-A441-A47A-264EBD310E11}" type="datetimeFigureOut">
               <a:rPr lang="es-CO" smtClean="0"/>
-              <a:t>4/11/2022</a:t>
+              <a:t>7/11/2022</a:t>
             </a:fld>
             <a:endParaRPr lang="es-CO"/>
           </a:p>
@@ -3218,7 +3218,7 @@
           <a:p>
             <a:fld id="{BD986248-06F7-A441-A47A-264EBD310E11}" type="datetimeFigureOut">
               <a:rPr lang="es-CO" smtClean="0"/>
-              <a:t>4/11/2022</a:t>
+              <a:t>7/11/2022</a:t>
             </a:fld>
             <a:endParaRPr lang="es-CO"/>
           </a:p>
@@ -3531,7 +3531,7 @@
           <a:p>
             <a:fld id="{BD986248-06F7-A441-A47A-264EBD310E11}" type="datetimeFigureOut">
               <a:rPr lang="es-CO" smtClean="0"/>
-              <a:t>4/11/2022</a:t>
+              <a:t>7/11/2022</a:t>
             </a:fld>
             <a:endParaRPr lang="es-CO"/>
           </a:p>
@@ -3820,7 +3820,7 @@
           <a:p>
             <a:fld id="{BD986248-06F7-A441-A47A-264EBD310E11}" type="datetimeFigureOut">
               <a:rPr lang="es-CO" smtClean="0"/>
-              <a:t>4/11/2022</a:t>
+              <a:t>7/11/2022</a:t>
             </a:fld>
             <a:endParaRPr lang="es-CO"/>
           </a:p>
@@ -4063,7 +4063,7 @@
           <a:p>
             <a:fld id="{BD986248-06F7-A441-A47A-264EBD310E11}" type="datetimeFigureOut">
               <a:rPr lang="es-CO" smtClean="0"/>
-              <a:t>4/11/2022</a:t>
+              <a:t>7/11/2022</a:t>
             </a:fld>
             <a:endParaRPr lang="es-CO"/>
           </a:p>

--- a/PROYECTO FORMATIVO.pptx
+++ b/PROYECTO FORMATIVO.pptx
@@ -233,7 +233,7 @@
           <a:p>
             <a:fld id="{9660CB96-A603-FF42-AE46-F5F75F80A67B}" type="datetimeFigureOut">
               <a:rPr lang="es-CO" smtClean="0"/>
-              <a:t>7/11/2022</a:t>
+              <a:t>9/11/2022</a:t>
             </a:fld>
             <a:endParaRPr lang="es-CO"/>
           </a:p>
@@ -986,7 +986,7 @@
           <a:p>
             <a:fld id="{BD986248-06F7-A441-A47A-264EBD310E11}" type="datetimeFigureOut">
               <a:rPr lang="es-CO" smtClean="0"/>
-              <a:t>7/11/2022</a:t>
+              <a:t>9/11/2022</a:t>
             </a:fld>
             <a:endParaRPr lang="es-CO"/>
           </a:p>
@@ -1186,7 +1186,7 @@
           <a:p>
             <a:fld id="{BD986248-06F7-A441-A47A-264EBD310E11}" type="datetimeFigureOut">
               <a:rPr lang="es-CO" smtClean="0"/>
-              <a:t>7/11/2022</a:t>
+              <a:t>9/11/2022</a:t>
             </a:fld>
             <a:endParaRPr lang="es-CO"/>
           </a:p>
@@ -1396,7 +1396,7 @@
           <a:p>
             <a:fld id="{BD986248-06F7-A441-A47A-264EBD310E11}" type="datetimeFigureOut">
               <a:rPr lang="es-CO" smtClean="0"/>
-              <a:t>7/11/2022</a:t>
+              <a:t>9/11/2022</a:t>
             </a:fld>
             <a:endParaRPr lang="es-CO"/>
           </a:p>
@@ -2004,7 +2004,7 @@
           <a:p>
             <a:fld id="{BD986248-06F7-A441-A47A-264EBD310E11}" type="datetimeFigureOut">
               <a:rPr lang="es-CO" smtClean="0"/>
-              <a:t>7/11/2022</a:t>
+              <a:t>9/11/2022</a:t>
             </a:fld>
             <a:endParaRPr lang="es-CO"/>
           </a:p>
@@ -2280,7 +2280,7 @@
           <a:p>
             <a:fld id="{BD986248-06F7-A441-A47A-264EBD310E11}" type="datetimeFigureOut">
               <a:rPr lang="es-CO" smtClean="0"/>
-              <a:t>7/11/2022</a:t>
+              <a:t>9/11/2022</a:t>
             </a:fld>
             <a:endParaRPr lang="es-CO"/>
           </a:p>
@@ -2548,7 +2548,7 @@
           <a:p>
             <a:fld id="{BD986248-06F7-A441-A47A-264EBD310E11}" type="datetimeFigureOut">
               <a:rPr lang="es-CO" smtClean="0"/>
-              <a:t>7/11/2022</a:t>
+              <a:t>9/11/2022</a:t>
             </a:fld>
             <a:endParaRPr lang="es-CO"/>
           </a:p>
@@ -2963,7 +2963,7 @@
           <a:p>
             <a:fld id="{BD986248-06F7-A441-A47A-264EBD310E11}" type="datetimeFigureOut">
               <a:rPr lang="es-CO" smtClean="0"/>
-              <a:t>7/11/2022</a:t>
+              <a:t>9/11/2022</a:t>
             </a:fld>
             <a:endParaRPr lang="es-CO"/>
           </a:p>
@@ -3105,7 +3105,7 @@
           <a:p>
             <a:fld id="{BD986248-06F7-A441-A47A-264EBD310E11}" type="datetimeFigureOut">
               <a:rPr lang="es-CO" smtClean="0"/>
-              <a:t>7/11/2022</a:t>
+              <a:t>9/11/2022</a:t>
             </a:fld>
             <a:endParaRPr lang="es-CO"/>
           </a:p>
@@ -3218,7 +3218,7 @@
           <a:p>
             <a:fld id="{BD986248-06F7-A441-A47A-264EBD310E11}" type="datetimeFigureOut">
               <a:rPr lang="es-CO" smtClean="0"/>
-              <a:t>7/11/2022</a:t>
+              <a:t>9/11/2022</a:t>
             </a:fld>
             <a:endParaRPr lang="es-CO"/>
           </a:p>
@@ -3531,7 +3531,7 @@
           <a:p>
             <a:fld id="{BD986248-06F7-A441-A47A-264EBD310E11}" type="datetimeFigureOut">
               <a:rPr lang="es-CO" smtClean="0"/>
-              <a:t>7/11/2022</a:t>
+              <a:t>9/11/2022</a:t>
             </a:fld>
             <a:endParaRPr lang="es-CO"/>
           </a:p>
@@ -3820,7 +3820,7 @@
           <a:p>
             <a:fld id="{BD986248-06F7-A441-A47A-264EBD310E11}" type="datetimeFigureOut">
               <a:rPr lang="es-CO" smtClean="0"/>
-              <a:t>7/11/2022</a:t>
+              <a:t>9/11/2022</a:t>
             </a:fld>
             <a:endParaRPr lang="es-CO"/>
           </a:p>
@@ -4063,7 +4063,7 @@
           <a:p>
             <a:fld id="{BD986248-06F7-A441-A47A-264EBD310E11}" type="datetimeFigureOut">
               <a:rPr lang="es-CO" smtClean="0"/>
-              <a:t>7/11/2022</a:t>
+              <a:t>9/11/2022</a:t>
             </a:fld>
             <a:endParaRPr lang="es-CO"/>
           </a:p>

--- a/PROYECTO FORMATIVO.pptx
+++ b/PROYECTO FORMATIVO.pptx
@@ -233,7 +233,7 @@
           <a:p>
             <a:fld id="{9660CB96-A603-FF42-AE46-F5F75F80A67B}" type="datetimeFigureOut">
               <a:rPr lang="es-CO" smtClean="0"/>
-              <a:t>9/11/2022</a:t>
+              <a:t>18/11/2022</a:t>
             </a:fld>
             <a:endParaRPr lang="es-CO"/>
           </a:p>
@@ -986,7 +986,7 @@
           <a:p>
             <a:fld id="{BD986248-06F7-A441-A47A-264EBD310E11}" type="datetimeFigureOut">
               <a:rPr lang="es-CO" smtClean="0"/>
-              <a:t>9/11/2022</a:t>
+              <a:t>18/11/2022</a:t>
             </a:fld>
             <a:endParaRPr lang="es-CO"/>
           </a:p>
@@ -1186,7 +1186,7 @@
           <a:p>
             <a:fld id="{BD986248-06F7-A441-A47A-264EBD310E11}" type="datetimeFigureOut">
               <a:rPr lang="es-CO" smtClean="0"/>
-              <a:t>9/11/2022</a:t>
+              <a:t>18/11/2022</a:t>
             </a:fld>
             <a:endParaRPr lang="es-CO"/>
           </a:p>
@@ -1396,7 +1396,7 @@
           <a:p>
             <a:fld id="{BD986248-06F7-A441-A47A-264EBD310E11}" type="datetimeFigureOut">
               <a:rPr lang="es-CO" smtClean="0"/>
-              <a:t>9/11/2022</a:t>
+              <a:t>18/11/2022</a:t>
             </a:fld>
             <a:endParaRPr lang="es-CO"/>
           </a:p>
@@ -2004,7 +2004,7 @@
           <a:p>
             <a:fld id="{BD986248-06F7-A441-A47A-264EBD310E11}" type="datetimeFigureOut">
               <a:rPr lang="es-CO" smtClean="0"/>
-              <a:t>9/11/2022</a:t>
+              <a:t>18/11/2022</a:t>
             </a:fld>
             <a:endParaRPr lang="es-CO"/>
           </a:p>
@@ -2280,7 +2280,7 @@
           <a:p>
             <a:fld id="{BD986248-06F7-A441-A47A-264EBD310E11}" type="datetimeFigureOut">
               <a:rPr lang="es-CO" smtClean="0"/>
-              <a:t>9/11/2022</a:t>
+              <a:t>18/11/2022</a:t>
             </a:fld>
             <a:endParaRPr lang="es-CO"/>
           </a:p>
@@ -2548,7 +2548,7 @@
           <a:p>
             <a:fld id="{BD986248-06F7-A441-A47A-264EBD310E11}" type="datetimeFigureOut">
               <a:rPr lang="es-CO" smtClean="0"/>
-              <a:t>9/11/2022</a:t>
+              <a:t>18/11/2022</a:t>
             </a:fld>
             <a:endParaRPr lang="es-CO"/>
           </a:p>
@@ -2963,7 +2963,7 @@
           <a:p>
             <a:fld id="{BD986248-06F7-A441-A47A-264EBD310E11}" type="datetimeFigureOut">
               <a:rPr lang="es-CO" smtClean="0"/>
-              <a:t>9/11/2022</a:t>
+              <a:t>18/11/2022</a:t>
             </a:fld>
             <a:endParaRPr lang="es-CO"/>
           </a:p>
@@ -3105,7 +3105,7 @@
           <a:p>
             <a:fld id="{BD986248-06F7-A441-A47A-264EBD310E11}" type="datetimeFigureOut">
               <a:rPr lang="es-CO" smtClean="0"/>
-              <a:t>9/11/2022</a:t>
+              <a:t>18/11/2022</a:t>
             </a:fld>
             <a:endParaRPr lang="es-CO"/>
           </a:p>
@@ -3218,7 +3218,7 @@
           <a:p>
             <a:fld id="{BD986248-06F7-A441-A47A-264EBD310E11}" type="datetimeFigureOut">
               <a:rPr lang="es-CO" smtClean="0"/>
-              <a:t>9/11/2022</a:t>
+              <a:t>18/11/2022</a:t>
             </a:fld>
             <a:endParaRPr lang="es-CO"/>
           </a:p>
@@ -3531,7 +3531,7 @@
           <a:p>
             <a:fld id="{BD986248-06F7-A441-A47A-264EBD310E11}" type="datetimeFigureOut">
               <a:rPr lang="es-CO" smtClean="0"/>
-              <a:t>9/11/2022</a:t>
+              <a:t>18/11/2022</a:t>
             </a:fld>
             <a:endParaRPr lang="es-CO"/>
           </a:p>
@@ -3820,7 +3820,7 @@
           <a:p>
             <a:fld id="{BD986248-06F7-A441-A47A-264EBD310E11}" type="datetimeFigureOut">
               <a:rPr lang="es-CO" smtClean="0"/>
-              <a:t>9/11/2022</a:t>
+              <a:t>18/11/2022</a:t>
             </a:fld>
             <a:endParaRPr lang="es-CO"/>
           </a:p>
@@ -4063,7 +4063,7 @@
           <a:p>
             <a:fld id="{BD986248-06F7-A441-A47A-264EBD310E11}" type="datetimeFigureOut">
               <a:rPr lang="es-CO" smtClean="0"/>
-              <a:t>9/11/2022</a:t>
+              <a:t>18/11/2022</a:t>
             </a:fld>
             <a:endParaRPr lang="es-CO"/>
           </a:p>
@@ -4720,7 +4720,7 @@
                 <a:cs typeface="Calibri" panose="020F0502020204030204" pitchFamily="34" charset="0"/>
                 <a:sym typeface="Helvetica Neue"/>
               </a:rPr>
-              <a:t>El sistema debe capturar la información del servicio ofrecido incluyendo imagen, nombre, precio, categoría y términos.</a:t>
+              <a:t>El sistema debe capturar la información del servicio ofrecido incluyendo nombre, precio, categoría, descripción breve y términos.</a:t>
             </a:r>
           </a:p>
           <a:p>
@@ -4918,7 +4918,7 @@
         <p:spPr>
           <a:xfrm>
             <a:off x="467833" y="1038379"/>
-            <a:ext cx="10958624" cy="3236207"/>
+            <a:ext cx="10958624" cy="1655518"/>
           </a:xfrm>
           <a:prstGeom prst="rect">
             <a:avLst/>
@@ -4982,51 +4982,6 @@
               </a:rPr>
               <a:t>El sistema debe generar un numero de caso único para cada servicio.</a:t>
             </a:r>
-            <a:endParaRPr lang="es-CO" sz="2400" dirty="0">
-              <a:latin typeface="Calibri" panose="020F0502020204030204" pitchFamily="34" charset="0"/>
-              <a:ea typeface="Calibri" panose="020F0502020204030204" pitchFamily="34" charset="0"/>
-              <a:cs typeface="Times New Roman" panose="02020603050405020304" pitchFamily="18" charset="0"/>
-            </a:endParaRPr>
-          </a:p>
-          <a:p>
-            <a:pPr marL="457189" indent="-457189">
-              <a:lnSpc>
-                <a:spcPct val="107000"/>
-              </a:lnSpc>
-              <a:buAutoNum type="arabicPeriod" startAt="10"/>
-            </a:pPr>
-            <a:r>
-              <a:rPr lang="es-ES" sz="2400" dirty="0">
-                <a:latin typeface="Calibri" panose="020F0502020204030204" pitchFamily="34" charset="0"/>
-                <a:ea typeface="Calibri" panose="020F0502020204030204" pitchFamily="34" charset="0"/>
-                <a:cs typeface="Times New Roman" panose="02020603050405020304" pitchFamily="18" charset="0"/>
-              </a:rPr>
-              <a:t>El sistema debe permitir la comunicación por medio de un chat directo entre usuario y un prestador de servicio el cual no permita links externos o una serie de números (</a:t>
-            </a:r>
-            <a:r>
-              <a:rPr lang="es-ES" sz="2400" dirty="0" err="1">
-                <a:latin typeface="Calibri" panose="020F0502020204030204" pitchFamily="34" charset="0"/>
-                <a:ea typeface="Calibri" panose="020F0502020204030204" pitchFamily="34" charset="0"/>
-                <a:cs typeface="Times New Roman" panose="02020603050405020304" pitchFamily="18" charset="0"/>
-              </a:rPr>
-              <a:t>max</a:t>
-            </a:r>
-            <a:r>
-              <a:rPr lang="es-ES" sz="2400" dirty="0">
-                <a:latin typeface="Calibri" panose="020F0502020204030204" pitchFamily="34" charset="0"/>
-                <a:ea typeface="Calibri" panose="020F0502020204030204" pitchFamily="34" charset="0"/>
-                <a:cs typeface="Times New Roman" panose="02020603050405020304" pitchFamily="18" charset="0"/>
-              </a:rPr>
-              <a:t> 5 números).</a:t>
-            </a:r>
-          </a:p>
-          <a:p>
-            <a:pPr marL="457189" indent="-457189">
-              <a:lnSpc>
-                <a:spcPct val="107000"/>
-              </a:lnSpc>
-              <a:buAutoNum type="arabicPeriod" startAt="8"/>
-            </a:pPr>
             <a:endParaRPr lang="es-CO" sz="2400" dirty="0">
               <a:latin typeface="Calibri" panose="020F0502020204030204" pitchFamily="34" charset="0"/>
               <a:ea typeface="Calibri" panose="020F0502020204030204" pitchFamily="34" charset="0"/>
@@ -10787,7 +10742,7 @@
         </p:nvSpPr>
         <p:spPr>
           <a:xfrm>
-            <a:off x="2998383" y="279741"/>
+            <a:off x="2998383" y="291616"/>
             <a:ext cx="6195235" cy="666786"/>
           </a:xfrm>
           <a:prstGeom prst="rect">

--- a/PROYECTO FORMATIVO.pptx
+++ b/PROYECTO FORMATIVO.pptx
@@ -5,7 +5,7 @@
     <p:sldMasterId id="2147483648" r:id="rId1"/>
   </p:sldMasterIdLst>
   <p:notesMasterIdLst>
-    <p:notesMasterId r:id="rId39"/>
+    <p:notesMasterId r:id="rId37"/>
   </p:notesMasterIdLst>
   <p:sldIdLst>
     <p:sldId id="468" r:id="rId2"/>
@@ -26,25 +26,23 @@
     <p:sldId id="472" r:id="rId17"/>
     <p:sldId id="473" r:id="rId18"/>
     <p:sldId id="474" r:id="rId19"/>
-    <p:sldId id="475" r:id="rId20"/>
-    <p:sldId id="298" r:id="rId21"/>
-    <p:sldId id="301" r:id="rId22"/>
-    <p:sldId id="299" r:id="rId23"/>
-    <p:sldId id="476" r:id="rId24"/>
-    <p:sldId id="477" r:id="rId25"/>
-    <p:sldId id="284" r:id="rId26"/>
-    <p:sldId id="296" r:id="rId27"/>
-    <p:sldId id="297" r:id="rId28"/>
-    <p:sldId id="300" r:id="rId29"/>
-    <p:sldId id="286" r:id="rId30"/>
-    <p:sldId id="287" r:id="rId31"/>
-    <p:sldId id="288" r:id="rId32"/>
-    <p:sldId id="289" r:id="rId33"/>
-    <p:sldId id="277" r:id="rId34"/>
-    <p:sldId id="470" r:id="rId35"/>
-    <p:sldId id="274" r:id="rId36"/>
-    <p:sldId id="278" r:id="rId37"/>
-    <p:sldId id="264" r:id="rId38"/>
+    <p:sldId id="298" r:id="rId20"/>
+    <p:sldId id="301" r:id="rId21"/>
+    <p:sldId id="299" r:id="rId22"/>
+    <p:sldId id="476" r:id="rId23"/>
+    <p:sldId id="477" r:id="rId24"/>
+    <p:sldId id="284" r:id="rId25"/>
+    <p:sldId id="296" r:id="rId26"/>
+    <p:sldId id="297" r:id="rId27"/>
+    <p:sldId id="300" r:id="rId28"/>
+    <p:sldId id="286" r:id="rId29"/>
+    <p:sldId id="287" r:id="rId30"/>
+    <p:sldId id="288" r:id="rId31"/>
+    <p:sldId id="289" r:id="rId32"/>
+    <p:sldId id="470" r:id="rId33"/>
+    <p:sldId id="274" r:id="rId34"/>
+    <p:sldId id="278" r:id="rId35"/>
+    <p:sldId id="264" r:id="rId36"/>
   </p:sldIdLst>
   <p:sldSz cx="12192000" cy="6858000"/>
   <p:notesSz cx="6858000" cy="9144000"/>
@@ -233,7 +231,7 @@
           <a:p>
             <a:fld id="{9660CB96-A603-FF42-AE46-F5F75F80A67B}" type="datetimeFigureOut">
               <a:rPr lang="es-CO" smtClean="0"/>
-              <a:t>18/11/2022</a:t>
+              <a:t>21/11/2022</a:t>
             </a:fld>
             <a:endParaRPr lang="es-CO"/>
           </a:p>
@@ -734,7 +732,7 @@
           <a:p>
             <a:fld id="{AB98DA6D-12AC-4BA1-8782-249E1E9419F8}" type="slidenum">
               <a:rPr lang="es-CO" smtClean="0"/>
-              <a:t>29</a:t>
+              <a:t>28</a:t>
             </a:fld>
             <a:endParaRPr lang="es-CO"/>
           </a:p>
@@ -818,7 +816,7 @@
           <a:p>
             <a:fld id="{AB98DA6D-12AC-4BA1-8782-249E1E9419F8}" type="slidenum">
               <a:rPr lang="es-CO" smtClean="0"/>
-              <a:t>35</a:t>
+              <a:t>33</a:t>
             </a:fld>
             <a:endParaRPr lang="es-CO"/>
           </a:p>
@@ -986,7 +984,7 @@
           <a:p>
             <a:fld id="{BD986248-06F7-A441-A47A-264EBD310E11}" type="datetimeFigureOut">
               <a:rPr lang="es-CO" smtClean="0"/>
-              <a:t>18/11/2022</a:t>
+              <a:t>21/11/2022</a:t>
             </a:fld>
             <a:endParaRPr lang="es-CO"/>
           </a:p>
@@ -1186,7 +1184,7 @@
           <a:p>
             <a:fld id="{BD986248-06F7-A441-A47A-264EBD310E11}" type="datetimeFigureOut">
               <a:rPr lang="es-CO" smtClean="0"/>
-              <a:t>18/11/2022</a:t>
+              <a:t>21/11/2022</a:t>
             </a:fld>
             <a:endParaRPr lang="es-CO"/>
           </a:p>
@@ -1396,7 +1394,7 @@
           <a:p>
             <a:fld id="{BD986248-06F7-A441-A47A-264EBD310E11}" type="datetimeFigureOut">
               <a:rPr lang="es-CO" smtClean="0"/>
-              <a:t>18/11/2022</a:t>
+              <a:t>21/11/2022</a:t>
             </a:fld>
             <a:endParaRPr lang="es-CO"/>
           </a:p>
@@ -2004,7 +2002,7 @@
           <a:p>
             <a:fld id="{BD986248-06F7-A441-A47A-264EBD310E11}" type="datetimeFigureOut">
               <a:rPr lang="es-CO" smtClean="0"/>
-              <a:t>18/11/2022</a:t>
+              <a:t>21/11/2022</a:t>
             </a:fld>
             <a:endParaRPr lang="es-CO"/>
           </a:p>
@@ -2280,7 +2278,7 @@
           <a:p>
             <a:fld id="{BD986248-06F7-A441-A47A-264EBD310E11}" type="datetimeFigureOut">
               <a:rPr lang="es-CO" smtClean="0"/>
-              <a:t>18/11/2022</a:t>
+              <a:t>21/11/2022</a:t>
             </a:fld>
             <a:endParaRPr lang="es-CO"/>
           </a:p>
@@ -2548,7 +2546,7 @@
           <a:p>
             <a:fld id="{BD986248-06F7-A441-A47A-264EBD310E11}" type="datetimeFigureOut">
               <a:rPr lang="es-CO" smtClean="0"/>
-              <a:t>18/11/2022</a:t>
+              <a:t>21/11/2022</a:t>
             </a:fld>
             <a:endParaRPr lang="es-CO"/>
           </a:p>
@@ -2963,7 +2961,7 @@
           <a:p>
             <a:fld id="{BD986248-06F7-A441-A47A-264EBD310E11}" type="datetimeFigureOut">
               <a:rPr lang="es-CO" smtClean="0"/>
-              <a:t>18/11/2022</a:t>
+              <a:t>21/11/2022</a:t>
             </a:fld>
             <a:endParaRPr lang="es-CO"/>
           </a:p>
@@ -3105,7 +3103,7 @@
           <a:p>
             <a:fld id="{BD986248-06F7-A441-A47A-264EBD310E11}" type="datetimeFigureOut">
               <a:rPr lang="es-CO" smtClean="0"/>
-              <a:t>18/11/2022</a:t>
+              <a:t>21/11/2022</a:t>
             </a:fld>
             <a:endParaRPr lang="es-CO"/>
           </a:p>
@@ -3218,7 +3216,7 @@
           <a:p>
             <a:fld id="{BD986248-06F7-A441-A47A-264EBD310E11}" type="datetimeFigureOut">
               <a:rPr lang="es-CO" smtClean="0"/>
-              <a:t>18/11/2022</a:t>
+              <a:t>21/11/2022</a:t>
             </a:fld>
             <a:endParaRPr lang="es-CO"/>
           </a:p>
@@ -3531,7 +3529,7 @@
           <a:p>
             <a:fld id="{BD986248-06F7-A441-A47A-264EBD310E11}" type="datetimeFigureOut">
               <a:rPr lang="es-CO" smtClean="0"/>
-              <a:t>18/11/2022</a:t>
+              <a:t>21/11/2022</a:t>
             </a:fld>
             <a:endParaRPr lang="es-CO"/>
           </a:p>
@@ -3820,7 +3818,7 @@
           <a:p>
             <a:fld id="{BD986248-06F7-A441-A47A-264EBD310E11}" type="datetimeFigureOut">
               <a:rPr lang="es-CO" smtClean="0"/>
-              <a:t>18/11/2022</a:t>
+              <a:t>21/11/2022</a:t>
             </a:fld>
             <a:endParaRPr lang="es-CO"/>
           </a:p>
@@ -4063,7 +4061,7 @@
           <a:p>
             <a:fld id="{BD986248-06F7-A441-A47A-264EBD310E11}" type="datetimeFigureOut">
               <a:rPr lang="es-CO" smtClean="0"/>
-              <a:t>18/11/2022</a:t>
+              <a:t>21/11/2022</a:t>
             </a:fld>
             <a:endParaRPr lang="es-CO"/>
           </a:p>
@@ -5896,7 +5894,7 @@
         </p:blipFill>
         <p:spPr>
           <a:xfrm>
-            <a:off x="2920031" y="211540"/>
+            <a:off x="314325" y="281878"/>
             <a:ext cx="5781675" cy="2286000"/>
           </a:xfrm>
           <a:prstGeom prst="rect">
@@ -5926,7 +5924,7 @@
         </p:blipFill>
         <p:spPr>
           <a:xfrm>
-            <a:off x="657843" y="3678072"/>
+            <a:off x="6188265" y="3678072"/>
             <a:ext cx="5153025" cy="1495425"/>
           </a:xfrm>
           <a:prstGeom prst="rect">
@@ -5956,7 +5954,7 @@
         </p:blipFill>
         <p:spPr>
           <a:xfrm>
-            <a:off x="6381134" y="3429000"/>
+            <a:off x="6662488" y="446650"/>
             <a:ext cx="4400505" cy="1406248"/>
           </a:xfrm>
           <a:prstGeom prst="rect">
@@ -5964,6 +5962,74 @@
           </a:prstGeom>
         </p:spPr>
       </p:pic>
+      <p:pic>
+        <p:nvPicPr>
+          <p:cNvPr id="3" name="Imagen 2">
+            <a:extLst>
+              <a:ext uri="{FF2B5EF4-FFF2-40B4-BE49-F238E27FC236}">
+                <a16:creationId xmlns:a16="http://schemas.microsoft.com/office/drawing/2014/main" id="{35929DA0-03A4-E8BC-D8F6-6118F79D9DD1}"/>
+              </a:ext>
+            </a:extLst>
+          </p:cNvPr>
+          <p:cNvPicPr>
+            <a:picLocks noChangeAspect="1"/>
+          </p:cNvPicPr>
+          <p:nvPr/>
+        </p:nvPicPr>
+        <p:blipFill>
+          <a:blip r:embed="rId5"/>
+          <a:stretch>
+            <a:fillRect/>
+          </a:stretch>
+        </p:blipFill>
+        <p:spPr>
+          <a:xfrm>
+            <a:off x="314325" y="3636157"/>
+            <a:ext cx="4919839" cy="1841474"/>
+          </a:xfrm>
+          <a:prstGeom prst="rect">
+            <a:avLst/>
+          </a:prstGeom>
+        </p:spPr>
+      </p:pic>
+      <p:cxnSp>
+        <p:nvCxnSpPr>
+          <p:cNvPr id="6" name="Conector recto 5">
+            <a:extLst>
+              <a:ext uri="{FF2B5EF4-FFF2-40B4-BE49-F238E27FC236}">
+                <a16:creationId xmlns:a16="http://schemas.microsoft.com/office/drawing/2014/main" id="{D9395532-17BA-8F2C-F3B9-5088DC7708E1}"/>
+              </a:ext>
+            </a:extLst>
+          </p:cNvPr>
+          <p:cNvCxnSpPr>
+            <a:cxnSpLocks/>
+          </p:cNvCxnSpPr>
+          <p:nvPr/>
+        </p:nvCxnSpPr>
+        <p:spPr>
+          <a:xfrm>
+            <a:off x="5770273" y="3179928"/>
+            <a:ext cx="0" cy="3138985"/>
+          </a:xfrm>
+          <a:prstGeom prst="line">
+            <a:avLst/>
+          </a:prstGeom>
+        </p:spPr>
+        <p:style>
+          <a:lnRef idx="1">
+            <a:schemeClr val="dk1"/>
+          </a:lnRef>
+          <a:fillRef idx="0">
+            <a:schemeClr val="dk1"/>
+          </a:fillRef>
+          <a:effectRef idx="0">
+            <a:schemeClr val="dk1"/>
+          </a:effectRef>
+          <a:fontRef idx="minor">
+            <a:schemeClr val="tx1"/>
+          </a:fontRef>
+        </p:style>
+      </p:cxnSp>
     </p:spTree>
     <p:extLst>
       <p:ext uri="{BB962C8B-B14F-4D97-AF65-F5344CB8AC3E}">
@@ -5994,12 +6060,54 @@
           <a:chExt cx="0" cy="0"/>
         </a:xfrm>
       </p:grpSpPr>
+      <p:sp>
+        <p:nvSpPr>
+          <p:cNvPr id="5" name="CuadroTexto 4">
+            <a:extLst>
+              <a:ext uri="{FF2B5EF4-FFF2-40B4-BE49-F238E27FC236}">
+                <a16:creationId xmlns:a16="http://schemas.microsoft.com/office/drawing/2014/main" id="{1BE7FA7E-C3EC-4186-AFBD-5BB81C7A131D}"/>
+              </a:ext>
+            </a:extLst>
+          </p:cNvPr>
+          <p:cNvSpPr txBox="1"/>
+          <p:nvPr/>
+        </p:nvSpPr>
+        <p:spPr>
+          <a:xfrm>
+            <a:off x="1811074" y="88112"/>
+            <a:ext cx="8569853" cy="666786"/>
+          </a:xfrm>
+          <a:prstGeom prst="rect">
+            <a:avLst/>
+          </a:prstGeom>
+          <a:noFill/>
+        </p:spPr>
+        <p:txBody>
+          <a:bodyPr wrap="square" rtlCol="0">
+            <a:spAutoFit/>
+          </a:bodyPr>
+          <a:lstStyle/>
+          <a:p>
+            <a:pPr algn="ctr"/>
+            <a:r>
+              <a:rPr lang="es-ES" sz="3733" b="1" dirty="0">
+                <a:solidFill>
+                  <a:srgbClr val="FF6C00"/>
+                </a:solidFill>
+                <a:latin typeface="Calibri" panose="020F0502020204030204" pitchFamily="34" charset="0"/>
+                <a:cs typeface="Calibri" panose="020F0502020204030204" pitchFamily="34" charset="0"/>
+              </a:rPr>
+              <a:t>Guiones de casos de uso</a:t>
+            </a:r>
+          </a:p>
+        </p:txBody>
+      </p:sp>
       <p:pic>
         <p:nvPicPr>
-          <p:cNvPr id="11" name="Imagen 10">
-            <a:extLst>
-              <a:ext uri="{FF2B5EF4-FFF2-40B4-BE49-F238E27FC236}">
-                <a16:creationId xmlns:a16="http://schemas.microsoft.com/office/drawing/2014/main" id="{1088D8E4-1346-87C2-5DF9-940F2F4594F1}"/>
+          <p:cNvPr id="4" name="Imagen 3">
+            <a:extLst>
+              <a:ext uri="{FF2B5EF4-FFF2-40B4-BE49-F238E27FC236}">
+                <a16:creationId xmlns:a16="http://schemas.microsoft.com/office/drawing/2014/main" id="{58DCDC87-7B13-3B41-203B-514B9E3CB76F}"/>
               </a:ext>
             </a:extLst>
           </p:cNvPr>
@@ -6016,8 +6124,8 @@
         </p:blipFill>
         <p:spPr>
           <a:xfrm>
-            <a:off x="2659633" y="1619178"/>
-            <a:ext cx="6564574" cy="2457091"/>
+            <a:off x="1143180" y="666975"/>
+            <a:ext cx="9905640" cy="6191025"/>
           </a:xfrm>
           <a:prstGeom prst="rect">
             <a:avLst/>
@@ -6027,7 +6135,7 @@
     </p:spTree>
     <p:extLst>
       <p:ext uri="{BB962C8B-B14F-4D97-AF65-F5344CB8AC3E}">
-        <p14:creationId xmlns:p14="http://schemas.microsoft.com/office/powerpoint/2010/main" val="4145250102"/>
+        <p14:creationId xmlns:p14="http://schemas.microsoft.com/office/powerpoint/2010/main" val="272382116"/>
       </p:ext>
     </p:extLst>
   </p:cSld>
@@ -6251,54 +6359,12 @@
           <a:chExt cx="0" cy="0"/>
         </a:xfrm>
       </p:grpSpPr>
-      <p:sp>
-        <p:nvSpPr>
-          <p:cNvPr id="5" name="CuadroTexto 4">
-            <a:extLst>
-              <a:ext uri="{FF2B5EF4-FFF2-40B4-BE49-F238E27FC236}">
-                <a16:creationId xmlns:a16="http://schemas.microsoft.com/office/drawing/2014/main" id="{1BE7FA7E-C3EC-4186-AFBD-5BB81C7A131D}"/>
-              </a:ext>
-            </a:extLst>
-          </p:cNvPr>
-          <p:cNvSpPr txBox="1"/>
-          <p:nvPr/>
-        </p:nvSpPr>
-        <p:spPr>
-          <a:xfrm>
-            <a:off x="1811074" y="88112"/>
-            <a:ext cx="8569853" cy="666786"/>
-          </a:xfrm>
-          <a:prstGeom prst="rect">
-            <a:avLst/>
-          </a:prstGeom>
-          <a:noFill/>
-        </p:spPr>
-        <p:txBody>
-          <a:bodyPr wrap="square" rtlCol="0">
-            <a:spAutoFit/>
-          </a:bodyPr>
-          <a:lstStyle/>
-          <a:p>
-            <a:pPr algn="ctr"/>
-            <a:r>
-              <a:rPr lang="es-ES" sz="3733" b="1" dirty="0">
-                <a:solidFill>
-                  <a:srgbClr val="FF6C00"/>
-                </a:solidFill>
-                <a:latin typeface="Calibri" panose="020F0502020204030204" pitchFamily="34" charset="0"/>
-                <a:cs typeface="Calibri" panose="020F0502020204030204" pitchFamily="34" charset="0"/>
-              </a:rPr>
-              <a:t>Guiones de casos de uso</a:t>
-            </a:r>
-          </a:p>
-        </p:txBody>
-      </p:sp>
       <p:pic>
         <p:nvPicPr>
           <p:cNvPr id="4" name="Imagen 3">
             <a:extLst>
               <a:ext uri="{FF2B5EF4-FFF2-40B4-BE49-F238E27FC236}">
-                <a16:creationId xmlns:a16="http://schemas.microsoft.com/office/drawing/2014/main" id="{58DCDC87-7B13-3B41-203B-514B9E3CB76F}"/>
+                <a16:creationId xmlns:a16="http://schemas.microsoft.com/office/drawing/2014/main" id="{180FC71E-B77C-6436-161D-407FF47D1B9E}"/>
               </a:ext>
             </a:extLst>
           </p:cNvPr>
@@ -6315,8 +6381,8 @@
         </p:blipFill>
         <p:spPr>
           <a:xfrm>
-            <a:off x="1143180" y="666975"/>
-            <a:ext cx="9905640" cy="6191025"/>
+            <a:off x="792774" y="1060316"/>
+            <a:ext cx="10606452" cy="5243806"/>
           </a:xfrm>
           <a:prstGeom prst="rect">
             <a:avLst/>
@@ -6326,7 +6392,7 @@
     </p:spTree>
     <p:extLst>
       <p:ext uri="{BB962C8B-B14F-4D97-AF65-F5344CB8AC3E}">
-        <p14:creationId xmlns:p14="http://schemas.microsoft.com/office/powerpoint/2010/main" val="272382116"/>
+        <p14:creationId xmlns:p14="http://schemas.microsoft.com/office/powerpoint/2010/main" val="1122807157"/>
       </p:ext>
     </p:extLst>
   </p:cSld>
@@ -6353,12 +6419,54 @@
           <a:chExt cx="0" cy="0"/>
         </a:xfrm>
       </p:grpSpPr>
+      <p:sp>
+        <p:nvSpPr>
+          <p:cNvPr id="5" name="CuadroTexto 4">
+            <a:extLst>
+              <a:ext uri="{FF2B5EF4-FFF2-40B4-BE49-F238E27FC236}">
+                <a16:creationId xmlns:a16="http://schemas.microsoft.com/office/drawing/2014/main" id="{1BE7FA7E-C3EC-4186-AFBD-5BB81C7A131D}"/>
+              </a:ext>
+            </a:extLst>
+          </p:cNvPr>
+          <p:cNvSpPr txBox="1"/>
+          <p:nvPr/>
+        </p:nvSpPr>
+        <p:spPr>
+          <a:xfrm>
+            <a:off x="1811074" y="436925"/>
+            <a:ext cx="8569853" cy="666786"/>
+          </a:xfrm>
+          <a:prstGeom prst="rect">
+            <a:avLst/>
+          </a:prstGeom>
+          <a:noFill/>
+        </p:spPr>
+        <p:txBody>
+          <a:bodyPr wrap="square" rtlCol="0">
+            <a:spAutoFit/>
+          </a:bodyPr>
+          <a:lstStyle/>
+          <a:p>
+            <a:pPr algn="ctr"/>
+            <a:r>
+              <a:rPr lang="es-ES" sz="3733" b="1" dirty="0">
+                <a:solidFill>
+                  <a:srgbClr val="FF6C00"/>
+                </a:solidFill>
+                <a:latin typeface="Calibri" panose="020F0502020204030204" pitchFamily="34" charset="0"/>
+                <a:cs typeface="Calibri" panose="020F0502020204030204" pitchFamily="34" charset="0"/>
+              </a:rPr>
+              <a:t>Historias de usuario</a:t>
+            </a:r>
+          </a:p>
+        </p:txBody>
+      </p:sp>
       <p:pic>
         <p:nvPicPr>
-          <p:cNvPr id="4" name="Imagen 3">
-            <a:extLst>
-              <a:ext uri="{FF2B5EF4-FFF2-40B4-BE49-F238E27FC236}">
-                <a16:creationId xmlns:a16="http://schemas.microsoft.com/office/drawing/2014/main" id="{180FC71E-B77C-6436-161D-407FF47D1B9E}"/>
+          <p:cNvPr id="3" name="Imagen 2">
+            <a:extLst>
+              <a:ext uri="{FF2B5EF4-FFF2-40B4-BE49-F238E27FC236}">
+                <a16:creationId xmlns:a16="http://schemas.microsoft.com/office/drawing/2014/main" id="{91E43095-B1D3-D4C2-7F2B-E39ABEE8DC01}"/>
               </a:ext>
             </a:extLst>
           </p:cNvPr>
@@ -6375,8 +6483,68 @@
         </p:blipFill>
         <p:spPr>
           <a:xfrm>
-            <a:off x="792774" y="1060316"/>
-            <a:ext cx="10606452" cy="5243806"/>
+            <a:off x="333008" y="1776412"/>
+            <a:ext cx="3648075" cy="3305175"/>
+          </a:xfrm>
+          <a:prstGeom prst="rect">
+            <a:avLst/>
+          </a:prstGeom>
+        </p:spPr>
+      </p:pic>
+      <p:pic>
+        <p:nvPicPr>
+          <p:cNvPr id="6" name="Imagen 5">
+            <a:extLst>
+              <a:ext uri="{FF2B5EF4-FFF2-40B4-BE49-F238E27FC236}">
+                <a16:creationId xmlns:a16="http://schemas.microsoft.com/office/drawing/2014/main" id="{25D2FD95-AC27-6C7F-4052-9436A1CFFDFF}"/>
+              </a:ext>
+            </a:extLst>
+          </p:cNvPr>
+          <p:cNvPicPr>
+            <a:picLocks noChangeAspect="1"/>
+          </p:cNvPicPr>
+          <p:nvPr/>
+        </p:nvPicPr>
+        <p:blipFill>
+          <a:blip r:embed="rId3"/>
+          <a:stretch>
+            <a:fillRect/>
+          </a:stretch>
+        </p:blipFill>
+        <p:spPr>
+          <a:xfrm>
+            <a:off x="4117217" y="1776412"/>
+            <a:ext cx="3648075" cy="3257550"/>
+          </a:xfrm>
+          <a:prstGeom prst="rect">
+            <a:avLst/>
+          </a:prstGeom>
+        </p:spPr>
+      </p:pic>
+      <p:pic>
+        <p:nvPicPr>
+          <p:cNvPr id="8" name="Imagen 7">
+            <a:extLst>
+              <a:ext uri="{FF2B5EF4-FFF2-40B4-BE49-F238E27FC236}">
+                <a16:creationId xmlns:a16="http://schemas.microsoft.com/office/drawing/2014/main" id="{F1D95CAE-41C2-B9BC-AFA6-82B67BCFDF03}"/>
+              </a:ext>
+            </a:extLst>
+          </p:cNvPr>
+          <p:cNvPicPr>
+            <a:picLocks noChangeAspect="1"/>
+          </p:cNvPicPr>
+          <p:nvPr/>
+        </p:nvPicPr>
+        <p:blipFill>
+          <a:blip r:embed="rId4"/>
+          <a:stretch>
+            <a:fillRect/>
+          </a:stretch>
+        </p:blipFill>
+        <p:spPr>
+          <a:xfrm>
+            <a:off x="7901426" y="1785937"/>
+            <a:ext cx="3657600" cy="3295650"/>
           </a:xfrm>
           <a:prstGeom prst="rect">
             <a:avLst/>
@@ -6386,7 +6554,7 @@
     </p:spTree>
     <p:extLst>
       <p:ext uri="{BB962C8B-B14F-4D97-AF65-F5344CB8AC3E}">
-        <p14:creationId xmlns:p14="http://schemas.microsoft.com/office/powerpoint/2010/main" val="1122807157"/>
+        <p14:creationId xmlns:p14="http://schemas.microsoft.com/office/powerpoint/2010/main" val="1203761740"/>
       </p:ext>
     </p:extLst>
   </p:cSld>
@@ -6457,10 +6625,10 @@
       </p:sp>
       <p:pic>
         <p:nvPicPr>
-          <p:cNvPr id="3" name="Imagen 2">
-            <a:extLst>
-              <a:ext uri="{FF2B5EF4-FFF2-40B4-BE49-F238E27FC236}">
-                <a16:creationId xmlns:a16="http://schemas.microsoft.com/office/drawing/2014/main" id="{91E43095-B1D3-D4C2-7F2B-E39ABEE8DC01}"/>
+          <p:cNvPr id="4" name="Imagen 3">
+            <a:extLst>
+              <a:ext uri="{FF2B5EF4-FFF2-40B4-BE49-F238E27FC236}">
+                <a16:creationId xmlns:a16="http://schemas.microsoft.com/office/drawing/2014/main" id="{90E791EB-5027-58C9-5CAE-363ACA68635F}"/>
               </a:ext>
             </a:extLst>
           </p:cNvPr>
@@ -6477,8 +6645,8 @@
         </p:blipFill>
         <p:spPr>
           <a:xfrm>
-            <a:off x="333008" y="1776412"/>
-            <a:ext cx="3648075" cy="3305175"/>
+            <a:off x="412871" y="1804987"/>
+            <a:ext cx="3629025" cy="3248025"/>
           </a:xfrm>
           <a:prstGeom prst="rect">
             <a:avLst/>
@@ -6487,10 +6655,10 @@
       </p:pic>
       <p:pic>
         <p:nvPicPr>
-          <p:cNvPr id="6" name="Imagen 5">
-            <a:extLst>
-              <a:ext uri="{FF2B5EF4-FFF2-40B4-BE49-F238E27FC236}">
-                <a16:creationId xmlns:a16="http://schemas.microsoft.com/office/drawing/2014/main" id="{25D2FD95-AC27-6C7F-4052-9436A1CFFDFF}"/>
+          <p:cNvPr id="11" name="Imagen 10">
+            <a:extLst>
+              <a:ext uri="{FF2B5EF4-FFF2-40B4-BE49-F238E27FC236}">
+                <a16:creationId xmlns:a16="http://schemas.microsoft.com/office/drawing/2014/main" id="{D5095B3B-36E3-94EA-1AD4-A7CBEA0964C1}"/>
               </a:ext>
             </a:extLst>
           </p:cNvPr>
@@ -6507,8 +6675,8 @@
         </p:blipFill>
         <p:spPr>
           <a:xfrm>
-            <a:off x="4117217" y="1776412"/>
-            <a:ext cx="3648075" cy="3257550"/>
+            <a:off x="4281487" y="1790699"/>
+            <a:ext cx="3629025" cy="3276600"/>
           </a:xfrm>
           <a:prstGeom prst="rect">
             <a:avLst/>
@@ -6517,10 +6685,10 @@
       </p:pic>
       <p:pic>
         <p:nvPicPr>
-          <p:cNvPr id="8" name="Imagen 7">
-            <a:extLst>
-              <a:ext uri="{FF2B5EF4-FFF2-40B4-BE49-F238E27FC236}">
-                <a16:creationId xmlns:a16="http://schemas.microsoft.com/office/drawing/2014/main" id="{F1D95CAE-41C2-B9BC-AFA6-82B67BCFDF03}"/>
+          <p:cNvPr id="13" name="Imagen 12">
+            <a:extLst>
+              <a:ext uri="{FF2B5EF4-FFF2-40B4-BE49-F238E27FC236}">
+                <a16:creationId xmlns:a16="http://schemas.microsoft.com/office/drawing/2014/main" id="{C6FFDE6B-8D85-00E8-00BD-CE456CEC1995}"/>
               </a:ext>
             </a:extLst>
           </p:cNvPr>
@@ -6537,8 +6705,8 @@
         </p:blipFill>
         <p:spPr>
           <a:xfrm>
-            <a:off x="7901426" y="1785937"/>
-            <a:ext cx="3657600" cy="3295650"/>
+            <a:off x="8150103" y="1804987"/>
+            <a:ext cx="3638550" cy="3276600"/>
           </a:xfrm>
           <a:prstGeom prst="rect">
             <a:avLst/>
@@ -6548,7 +6716,7 @@
     </p:spTree>
     <p:extLst>
       <p:ext uri="{BB962C8B-B14F-4D97-AF65-F5344CB8AC3E}">
-        <p14:creationId xmlns:p14="http://schemas.microsoft.com/office/powerpoint/2010/main" val="1203761740"/>
+        <p14:creationId xmlns:p14="http://schemas.microsoft.com/office/powerpoint/2010/main" val="1679267791"/>
       </p:ext>
     </p:extLst>
   </p:cSld>
@@ -6619,10 +6787,10 @@
       </p:sp>
       <p:pic>
         <p:nvPicPr>
-          <p:cNvPr id="4" name="Imagen 3">
-            <a:extLst>
-              <a:ext uri="{FF2B5EF4-FFF2-40B4-BE49-F238E27FC236}">
-                <a16:creationId xmlns:a16="http://schemas.microsoft.com/office/drawing/2014/main" id="{90E791EB-5027-58C9-5CAE-363ACA68635F}"/>
+          <p:cNvPr id="3" name="Imagen 2">
+            <a:extLst>
+              <a:ext uri="{FF2B5EF4-FFF2-40B4-BE49-F238E27FC236}">
+                <a16:creationId xmlns:a16="http://schemas.microsoft.com/office/drawing/2014/main" id="{DD4910DA-CA74-5376-D00C-AE98A077DFF0}"/>
               </a:ext>
             </a:extLst>
           </p:cNvPr>
@@ -6639,8 +6807,8 @@
         </p:blipFill>
         <p:spPr>
           <a:xfrm>
-            <a:off x="412871" y="1804987"/>
-            <a:ext cx="3629025" cy="3248025"/>
+            <a:off x="2194707" y="1692226"/>
+            <a:ext cx="3638550" cy="3276600"/>
           </a:xfrm>
           <a:prstGeom prst="rect">
             <a:avLst/>
@@ -6649,10 +6817,10 @@
       </p:pic>
       <p:pic>
         <p:nvPicPr>
-          <p:cNvPr id="11" name="Imagen 10">
-            <a:extLst>
-              <a:ext uri="{FF2B5EF4-FFF2-40B4-BE49-F238E27FC236}">
-                <a16:creationId xmlns:a16="http://schemas.microsoft.com/office/drawing/2014/main" id="{D5095B3B-36E3-94EA-1AD4-A7CBEA0964C1}"/>
+          <p:cNvPr id="7" name="Imagen 6">
+            <a:extLst>
+              <a:ext uri="{FF2B5EF4-FFF2-40B4-BE49-F238E27FC236}">
+                <a16:creationId xmlns:a16="http://schemas.microsoft.com/office/drawing/2014/main" id="{22570AF0-8334-3F4A-935E-E61CEDA98395}"/>
               </a:ext>
             </a:extLst>
           </p:cNvPr>
@@ -6669,37 +6837,7 @@
         </p:blipFill>
         <p:spPr>
           <a:xfrm>
-            <a:off x="4281487" y="1790699"/>
-            <a:ext cx="3629025" cy="3276600"/>
-          </a:xfrm>
-          <a:prstGeom prst="rect">
-            <a:avLst/>
-          </a:prstGeom>
-        </p:spPr>
-      </p:pic>
-      <p:pic>
-        <p:nvPicPr>
-          <p:cNvPr id="13" name="Imagen 12">
-            <a:extLst>
-              <a:ext uri="{FF2B5EF4-FFF2-40B4-BE49-F238E27FC236}">
-                <a16:creationId xmlns:a16="http://schemas.microsoft.com/office/drawing/2014/main" id="{C6FFDE6B-8D85-00E8-00BD-CE456CEC1995}"/>
-              </a:ext>
-            </a:extLst>
-          </p:cNvPr>
-          <p:cNvPicPr>
-            <a:picLocks noChangeAspect="1"/>
-          </p:cNvPicPr>
-          <p:nvPr/>
-        </p:nvPicPr>
-        <p:blipFill>
-          <a:blip r:embed="rId4"/>
-          <a:stretch>
-            <a:fillRect/>
-          </a:stretch>
-        </p:blipFill>
-        <p:spPr>
-          <a:xfrm>
-            <a:off x="8150103" y="1804987"/>
+            <a:off x="6358745" y="1692226"/>
             <a:ext cx="3638550" cy="3276600"/>
           </a:xfrm>
           <a:prstGeom prst="rect">
@@ -6710,7 +6848,7 @@
     </p:spTree>
     <p:extLst>
       <p:ext uri="{BB962C8B-B14F-4D97-AF65-F5344CB8AC3E}">
-        <p14:creationId xmlns:p14="http://schemas.microsoft.com/office/powerpoint/2010/main" val="1679267791"/>
+        <p14:creationId xmlns:p14="http://schemas.microsoft.com/office/powerpoint/2010/main" val="1268355955"/>
       </p:ext>
     </p:extLst>
   </p:cSld>
@@ -6751,8 +6889,8 @@
         </p:nvSpPr>
         <p:spPr>
           <a:xfrm>
-            <a:off x="1811074" y="436925"/>
-            <a:ext cx="8569853" cy="666786"/>
+            <a:off x="5358793" y="1341416"/>
+            <a:ext cx="6195235" cy="1241237"/>
           </a:xfrm>
           <a:prstGeom prst="rect">
             <a:avLst/>
@@ -6774,7 +6912,20 @@
                 <a:latin typeface="Calibri" panose="020F0502020204030204" pitchFamily="34" charset="0"/>
                 <a:cs typeface="Calibri" panose="020F0502020204030204" pitchFamily="34" charset="0"/>
               </a:rPr>
-              <a:t>Historias de usuario</a:t>
+              <a:t>Diagrama de actividades</a:t>
+            </a:r>
+          </a:p>
+          <a:p>
+            <a:pPr algn="ctr"/>
+            <a:r>
+              <a:rPr lang="es-ES" sz="3733" b="1" dirty="0">
+                <a:solidFill>
+                  <a:srgbClr val="FF6C00"/>
+                </a:solidFill>
+                <a:latin typeface="Calibri" panose="020F0502020204030204" pitchFamily="34" charset="0"/>
+                <a:cs typeface="Calibri" panose="020F0502020204030204" pitchFamily="34" charset="0"/>
+              </a:rPr>
+              <a:t>Cliente</a:t>
             </a:r>
           </a:p>
         </p:txBody>
@@ -6784,7 +6935,7 @@
           <p:cNvPr id="3" name="Imagen 2">
             <a:extLst>
               <a:ext uri="{FF2B5EF4-FFF2-40B4-BE49-F238E27FC236}">
-                <a16:creationId xmlns:a16="http://schemas.microsoft.com/office/drawing/2014/main" id="{DD4910DA-CA74-5376-D00C-AE98A077DFF0}"/>
+                <a16:creationId xmlns:a16="http://schemas.microsoft.com/office/drawing/2014/main" id="{68B5A894-F361-CB2E-B0C1-693910414228}"/>
               </a:ext>
             </a:extLst>
           </p:cNvPr>
@@ -6801,38 +6952,8 @@
         </p:blipFill>
         <p:spPr>
           <a:xfrm>
-            <a:off x="2194707" y="1692226"/>
-            <a:ext cx="3638550" cy="3276600"/>
-          </a:xfrm>
-          <a:prstGeom prst="rect">
-            <a:avLst/>
-          </a:prstGeom>
-        </p:spPr>
-      </p:pic>
-      <p:pic>
-        <p:nvPicPr>
-          <p:cNvPr id="7" name="Imagen 6">
-            <a:extLst>
-              <a:ext uri="{FF2B5EF4-FFF2-40B4-BE49-F238E27FC236}">
-                <a16:creationId xmlns:a16="http://schemas.microsoft.com/office/drawing/2014/main" id="{22570AF0-8334-3F4A-935E-E61CEDA98395}"/>
-              </a:ext>
-            </a:extLst>
-          </p:cNvPr>
-          <p:cNvPicPr>
-            <a:picLocks noChangeAspect="1"/>
-          </p:cNvPicPr>
-          <p:nvPr/>
-        </p:nvPicPr>
-        <p:blipFill>
-          <a:blip r:embed="rId3"/>
-          <a:stretch>
-            <a:fillRect/>
-          </a:stretch>
-        </p:blipFill>
-        <p:spPr>
-          <a:xfrm>
-            <a:off x="6358745" y="1692226"/>
-            <a:ext cx="3638550" cy="3276600"/>
+            <a:off x="637972" y="0"/>
+            <a:ext cx="4470179" cy="6858000"/>
           </a:xfrm>
           <a:prstGeom prst="rect">
             <a:avLst/>
@@ -6842,7 +6963,7 @@
     </p:spTree>
     <p:extLst>
       <p:ext uri="{BB962C8B-B14F-4D97-AF65-F5344CB8AC3E}">
-        <p14:creationId xmlns:p14="http://schemas.microsoft.com/office/powerpoint/2010/main" val="1268355955"/>
+        <p14:creationId xmlns:p14="http://schemas.microsoft.com/office/powerpoint/2010/main" val="135588775"/>
       </p:ext>
     </p:extLst>
   </p:cSld>
@@ -6883,7 +7004,7 @@
         </p:nvSpPr>
         <p:spPr>
           <a:xfrm>
-            <a:off x="5358793" y="1341416"/>
+            <a:off x="5273733" y="1341415"/>
             <a:ext cx="6195235" cy="1241237"/>
           </a:xfrm>
           <a:prstGeom prst="rect">
@@ -6919,17 +7040,17 @@
                 <a:latin typeface="Calibri" panose="020F0502020204030204" pitchFamily="34" charset="0"/>
                 <a:cs typeface="Calibri" panose="020F0502020204030204" pitchFamily="34" charset="0"/>
               </a:rPr>
-              <a:t>Cliente</a:t>
+              <a:t>Proveedor</a:t>
             </a:r>
           </a:p>
         </p:txBody>
       </p:sp>
       <p:pic>
         <p:nvPicPr>
-          <p:cNvPr id="3" name="Imagen 2">
-            <a:extLst>
-              <a:ext uri="{FF2B5EF4-FFF2-40B4-BE49-F238E27FC236}">
-                <a16:creationId xmlns:a16="http://schemas.microsoft.com/office/drawing/2014/main" id="{68B5A894-F361-CB2E-B0C1-693910414228}"/>
+          <p:cNvPr id="4" name="Imagen 3" descr="Diagrama&#10;&#10;Descripción generada automáticamente">
+            <a:extLst>
+              <a:ext uri="{FF2B5EF4-FFF2-40B4-BE49-F238E27FC236}">
+                <a16:creationId xmlns:a16="http://schemas.microsoft.com/office/drawing/2014/main" id="{AEADA765-C4FF-9659-82FD-7AD43FC04A52}"/>
               </a:ext>
             </a:extLst>
           </p:cNvPr>
@@ -6946,8 +7067,8 @@
         </p:blipFill>
         <p:spPr>
           <a:xfrm>
-            <a:off x="637972" y="0"/>
-            <a:ext cx="4470179" cy="6858000"/>
+            <a:off x="241541" y="0"/>
+            <a:ext cx="4629691" cy="6858000"/>
           </a:xfrm>
           <a:prstGeom prst="rect">
             <a:avLst/>
@@ -6957,7 +7078,7 @@
     </p:spTree>
     <p:extLst>
       <p:ext uri="{BB962C8B-B14F-4D97-AF65-F5344CB8AC3E}">
-        <p14:creationId xmlns:p14="http://schemas.microsoft.com/office/powerpoint/2010/main" val="135588775"/>
+        <p14:creationId xmlns:p14="http://schemas.microsoft.com/office/powerpoint/2010/main" val="3960931863"/>
       </p:ext>
     </p:extLst>
   </p:cSld>
@@ -6998,7 +7119,7 @@
         </p:nvSpPr>
         <p:spPr>
           <a:xfrm>
-            <a:off x="5273733" y="1341415"/>
+            <a:off x="6507109" y="1610773"/>
             <a:ext cx="6195235" cy="1241237"/>
           </a:xfrm>
           <a:prstGeom prst="rect">
@@ -7034,17 +7155,17 @@
                 <a:latin typeface="Calibri" panose="020F0502020204030204" pitchFamily="34" charset="0"/>
                 <a:cs typeface="Calibri" panose="020F0502020204030204" pitchFamily="34" charset="0"/>
               </a:rPr>
-              <a:t>Proveedor</a:t>
+              <a:t>Administrador</a:t>
             </a:r>
           </a:p>
         </p:txBody>
       </p:sp>
       <p:pic>
         <p:nvPicPr>
-          <p:cNvPr id="4" name="Imagen 3" descr="Diagrama&#10;&#10;Descripción generada automáticamente">
-            <a:extLst>
-              <a:ext uri="{FF2B5EF4-FFF2-40B4-BE49-F238E27FC236}">
-                <a16:creationId xmlns:a16="http://schemas.microsoft.com/office/drawing/2014/main" id="{AEADA765-C4FF-9659-82FD-7AD43FC04A52}"/>
+          <p:cNvPr id="3" name="Imagen 2">
+            <a:extLst>
+              <a:ext uri="{FF2B5EF4-FFF2-40B4-BE49-F238E27FC236}">
+                <a16:creationId xmlns:a16="http://schemas.microsoft.com/office/drawing/2014/main" id="{3A326373-7FA2-40EF-60A1-93DBE9010477}"/>
               </a:ext>
             </a:extLst>
           </p:cNvPr>
@@ -7061,8 +7182,8 @@
         </p:blipFill>
         <p:spPr>
           <a:xfrm>
-            <a:off x="241541" y="0"/>
-            <a:ext cx="4629691" cy="6858000"/>
+            <a:off x="0" y="-9140"/>
+            <a:ext cx="7109952" cy="6858000"/>
           </a:xfrm>
           <a:prstGeom prst="rect">
             <a:avLst/>
@@ -7072,7 +7193,7 @@
     </p:spTree>
     <p:extLst>
       <p:ext uri="{BB962C8B-B14F-4D97-AF65-F5344CB8AC3E}">
-        <p14:creationId xmlns:p14="http://schemas.microsoft.com/office/powerpoint/2010/main" val="3960931863"/>
+        <p14:creationId xmlns:p14="http://schemas.microsoft.com/office/powerpoint/2010/main" val="3212968141"/>
       </p:ext>
     </p:extLst>
   </p:cSld>
@@ -7113,8 +7234,8 @@
         </p:nvSpPr>
         <p:spPr>
           <a:xfrm>
-            <a:off x="6507109" y="1610773"/>
-            <a:ext cx="6195235" cy="1241237"/>
+            <a:off x="7346663" y="1687204"/>
+            <a:ext cx="4845338" cy="666786"/>
           </a:xfrm>
           <a:prstGeom prst="rect">
             <a:avLst/>
@@ -7136,58 +7257,15 @@
                 <a:latin typeface="Calibri" panose="020F0502020204030204" pitchFamily="34" charset="0"/>
                 <a:cs typeface="Calibri" panose="020F0502020204030204" pitchFamily="34" charset="0"/>
               </a:rPr>
-              <a:t>Diagrama de actividades</a:t>
-            </a:r>
-          </a:p>
-          <a:p>
-            <a:pPr algn="ctr"/>
-            <a:r>
-              <a:rPr lang="es-ES" sz="3733" b="1" dirty="0">
-                <a:solidFill>
-                  <a:srgbClr val="FF6C00"/>
-                </a:solidFill>
-                <a:latin typeface="Calibri" panose="020F0502020204030204" pitchFamily="34" charset="0"/>
-                <a:cs typeface="Calibri" panose="020F0502020204030204" pitchFamily="34" charset="0"/>
-              </a:rPr>
-              <a:t>Administrador</a:t>
-            </a:r>
-          </a:p>
-        </p:txBody>
-      </p:sp>
-      <p:pic>
-        <p:nvPicPr>
-          <p:cNvPr id="3" name="Imagen 2">
-            <a:extLst>
-              <a:ext uri="{FF2B5EF4-FFF2-40B4-BE49-F238E27FC236}">
-                <a16:creationId xmlns:a16="http://schemas.microsoft.com/office/drawing/2014/main" id="{3A326373-7FA2-40EF-60A1-93DBE9010477}"/>
-              </a:ext>
-            </a:extLst>
-          </p:cNvPr>
-          <p:cNvPicPr>
-            <a:picLocks noChangeAspect="1"/>
-          </p:cNvPicPr>
-          <p:nvPr/>
-        </p:nvPicPr>
-        <p:blipFill>
-          <a:blip r:embed="rId2"/>
-          <a:stretch>
-            <a:fillRect/>
-          </a:stretch>
-        </p:blipFill>
-        <p:spPr>
-          <a:xfrm>
-            <a:off x="0" y="-9140"/>
-            <a:ext cx="7109952" cy="6858000"/>
-          </a:xfrm>
-          <a:prstGeom prst="rect">
-            <a:avLst/>
-          </a:prstGeom>
-        </p:spPr>
-      </p:pic>
+              <a:t>Diagrama de clases</a:t>
+            </a:r>
+          </a:p>
+        </p:txBody>
+      </p:sp>
     </p:spTree>
     <p:extLst>
       <p:ext uri="{BB962C8B-B14F-4D97-AF65-F5344CB8AC3E}">
-        <p14:creationId xmlns:p14="http://schemas.microsoft.com/office/powerpoint/2010/main" val="3212968141"/>
+        <p14:creationId xmlns:p14="http://schemas.microsoft.com/office/powerpoint/2010/main" val="408438049"/>
       </p:ext>
     </p:extLst>
   </p:cSld>
@@ -7228,8 +7306,8 @@
         </p:nvSpPr>
         <p:spPr>
           <a:xfrm>
-            <a:off x="7346663" y="1687204"/>
-            <a:ext cx="4845338" cy="666786"/>
+            <a:off x="2998381" y="11793"/>
+            <a:ext cx="6195235" cy="666786"/>
           </a:xfrm>
           <a:prstGeom prst="rect">
             <a:avLst/>
@@ -7251,15 +7329,817 @@
                 <a:latin typeface="Calibri" panose="020F0502020204030204" pitchFamily="34" charset="0"/>
                 <a:cs typeface="Calibri" panose="020F0502020204030204" pitchFamily="34" charset="0"/>
               </a:rPr>
-              <a:t>Diagrama de clases</a:t>
-            </a:r>
-          </a:p>
-        </p:txBody>
-      </p:sp>
+              <a:t>Mapa de empatía </a:t>
+            </a:r>
+          </a:p>
+        </p:txBody>
+      </p:sp>
+      <p:sp>
+        <p:nvSpPr>
+          <p:cNvPr id="8" name="CuadroTexto 7">
+            <a:extLst>
+              <a:ext uri="{FF2B5EF4-FFF2-40B4-BE49-F238E27FC236}">
+                <a16:creationId xmlns:a16="http://schemas.microsoft.com/office/drawing/2014/main" id="{38EFDFD8-1179-6024-C86B-C405673F365F}"/>
+              </a:ext>
+            </a:extLst>
+          </p:cNvPr>
+          <p:cNvSpPr txBox="1"/>
+          <p:nvPr/>
+        </p:nvSpPr>
+        <p:spPr>
+          <a:xfrm>
+            <a:off x="8276756" y="2167177"/>
+            <a:ext cx="4024829" cy="1569660"/>
+          </a:xfrm>
+          <a:prstGeom prst="rect">
+            <a:avLst/>
+          </a:prstGeom>
+          <a:noFill/>
+        </p:spPr>
+        <p:txBody>
+          <a:bodyPr wrap="square" rtlCol="0">
+            <a:spAutoFit/>
+          </a:bodyPr>
+          <a:lstStyle/>
+          <a:p>
+            <a:r>
+              <a:rPr lang="es-ES" sz="1600" b="1" dirty="0">
+                <a:latin typeface="+mj-lt"/>
+              </a:rPr>
+              <a:t>¿QUÉ VE?</a:t>
+            </a:r>
+          </a:p>
+          <a:p>
+            <a:r>
+              <a:rPr lang="es-ES" sz="1600" b="1" dirty="0">
+                <a:latin typeface="+mj-lt"/>
+              </a:rPr>
+              <a:t>Cliente: </a:t>
+            </a:r>
+            <a:r>
+              <a:rPr lang="es-ES" sz="1600" dirty="0">
+                <a:latin typeface="+mj-lt"/>
+              </a:rPr>
+              <a:t>- Servicios mal realizados</a:t>
+            </a:r>
+          </a:p>
+          <a:p>
+            <a:r>
+              <a:rPr lang="es-ES" sz="1600" dirty="0">
+                <a:latin typeface="+mj-lt"/>
+              </a:rPr>
+              <a:t>- Robos y perdidas de dinero</a:t>
+            </a:r>
+          </a:p>
+          <a:p>
+            <a:r>
+              <a:rPr lang="es-ES" sz="1600" b="1" dirty="0">
+                <a:latin typeface="+mj-lt"/>
+              </a:rPr>
+              <a:t>Proveedor: </a:t>
+            </a:r>
+            <a:r>
+              <a:rPr lang="es-ES" sz="1600" dirty="0">
+                <a:latin typeface="+mj-lt"/>
+              </a:rPr>
+              <a:t>- Poca publicidad en su emprendimiento</a:t>
+            </a:r>
+          </a:p>
+          <a:p>
+            <a:r>
+              <a:rPr lang="es-ES" sz="1600" dirty="0">
+                <a:latin typeface="+mj-lt"/>
+              </a:rPr>
+              <a:t>- Desconfianza en la contratación</a:t>
+            </a:r>
+          </a:p>
+        </p:txBody>
+      </p:sp>
+      <p:sp>
+        <p:nvSpPr>
+          <p:cNvPr id="13" name="CuadroTexto 12">
+            <a:extLst>
+              <a:ext uri="{FF2B5EF4-FFF2-40B4-BE49-F238E27FC236}">
+                <a16:creationId xmlns:a16="http://schemas.microsoft.com/office/drawing/2014/main" id="{2AB2A075-E71E-C5BA-2D4A-CE49B29A35E6}"/>
+              </a:ext>
+            </a:extLst>
+          </p:cNvPr>
+          <p:cNvSpPr txBox="1"/>
+          <p:nvPr/>
+        </p:nvSpPr>
+        <p:spPr>
+          <a:xfrm>
+            <a:off x="3790693" y="628244"/>
+            <a:ext cx="5402924" cy="1569660"/>
+          </a:xfrm>
+          <a:prstGeom prst="rect">
+            <a:avLst/>
+          </a:prstGeom>
+          <a:noFill/>
+        </p:spPr>
+        <p:txBody>
+          <a:bodyPr wrap="square" rtlCol="0">
+            <a:spAutoFit/>
+          </a:bodyPr>
+          <a:lstStyle/>
+          <a:p>
+            <a:r>
+              <a:rPr lang="es-ES" sz="1600" b="1" dirty="0">
+                <a:latin typeface="+mj-lt"/>
+              </a:rPr>
+              <a:t>¿QUÉ PIENSA Y SIENTE?</a:t>
+            </a:r>
+          </a:p>
+          <a:p>
+            <a:r>
+              <a:rPr lang="es-ES" sz="1600" b="1" dirty="0">
+                <a:latin typeface="+mj-lt"/>
+              </a:rPr>
+              <a:t>Cliente: </a:t>
+            </a:r>
+            <a:r>
+              <a:rPr lang="es-ES" sz="1600" dirty="0">
+                <a:latin typeface="+mj-lt"/>
+              </a:rPr>
+              <a:t>- Desconfianza e inseguridad en el momento de adquirir servicios en línea</a:t>
+            </a:r>
+          </a:p>
+          <a:p>
+            <a:r>
+              <a:rPr lang="es-ES" sz="1600" b="1" dirty="0">
+                <a:latin typeface="+mj-lt"/>
+              </a:rPr>
+              <a:t>Proveedor: </a:t>
+            </a:r>
+            <a:r>
+              <a:rPr lang="es-ES" sz="1600" dirty="0">
+                <a:latin typeface="+mj-lt"/>
+              </a:rPr>
+              <a:t>- Poca cobertura en su emprendimiento</a:t>
+            </a:r>
+          </a:p>
+          <a:p>
+            <a:r>
+              <a:rPr lang="es-ES" sz="1600" dirty="0">
+                <a:latin typeface="+mj-lt"/>
+              </a:rPr>
+              <a:t>- Generar mayores ingresos</a:t>
+            </a:r>
+          </a:p>
+          <a:p>
+            <a:r>
+              <a:rPr lang="es-ES" sz="1600" dirty="0">
+                <a:latin typeface="+mj-lt"/>
+              </a:rPr>
+              <a:t>- Mejorar su calidad de vida</a:t>
+            </a:r>
+          </a:p>
+        </p:txBody>
+      </p:sp>
+      <p:pic>
+        <p:nvPicPr>
+          <p:cNvPr id="15" name="Imagen 14">
+            <a:extLst>
+              <a:ext uri="{FF2B5EF4-FFF2-40B4-BE49-F238E27FC236}">
+                <a16:creationId xmlns:a16="http://schemas.microsoft.com/office/drawing/2014/main" id="{1406FFEF-3BF6-0F2C-F859-3394149D2C43}"/>
+              </a:ext>
+            </a:extLst>
+          </p:cNvPr>
+          <p:cNvPicPr>
+            <a:picLocks noChangeAspect="1"/>
+          </p:cNvPicPr>
+          <p:nvPr/>
+        </p:nvPicPr>
+        <p:blipFill>
+          <a:blip r:embed="rId3"/>
+          <a:stretch>
+            <a:fillRect/>
+          </a:stretch>
+        </p:blipFill>
+        <p:spPr>
+          <a:xfrm>
+            <a:off x="8167171" y="1209229"/>
+            <a:ext cx="607236" cy="607236"/>
+          </a:xfrm>
+          <a:prstGeom prst="rect">
+            <a:avLst/>
+          </a:prstGeom>
+        </p:spPr>
+      </p:pic>
+      <p:pic>
+        <p:nvPicPr>
+          <p:cNvPr id="17" name="Imagen 16">
+            <a:extLst>
+              <a:ext uri="{FF2B5EF4-FFF2-40B4-BE49-F238E27FC236}">
+                <a16:creationId xmlns:a16="http://schemas.microsoft.com/office/drawing/2014/main" id="{DFEE1F78-67F5-E96C-2743-B1AFDA904C61}"/>
+              </a:ext>
+            </a:extLst>
+          </p:cNvPr>
+          <p:cNvPicPr>
+            <a:picLocks noChangeAspect="1"/>
+          </p:cNvPicPr>
+          <p:nvPr/>
+        </p:nvPicPr>
+        <p:blipFill>
+          <a:blip r:embed="rId4"/>
+          <a:stretch>
+            <a:fillRect/>
+          </a:stretch>
+        </p:blipFill>
+        <p:spPr>
+          <a:xfrm>
+            <a:off x="11340910" y="2753291"/>
+            <a:ext cx="675709" cy="675709"/>
+          </a:xfrm>
+          <a:prstGeom prst="rect">
+            <a:avLst/>
+          </a:prstGeom>
+        </p:spPr>
+      </p:pic>
+      <p:sp>
+        <p:nvSpPr>
+          <p:cNvPr id="7" name="CuadroTexto 6">
+            <a:extLst>
+              <a:ext uri="{FF2B5EF4-FFF2-40B4-BE49-F238E27FC236}">
+                <a16:creationId xmlns:a16="http://schemas.microsoft.com/office/drawing/2014/main" id="{ACD346F2-5647-BAA5-39E3-D66DDF78D20A}"/>
+              </a:ext>
+            </a:extLst>
+          </p:cNvPr>
+          <p:cNvSpPr txBox="1"/>
+          <p:nvPr/>
+        </p:nvSpPr>
+        <p:spPr>
+          <a:xfrm>
+            <a:off x="3915246" y="3767616"/>
+            <a:ext cx="4152981" cy="1077218"/>
+          </a:xfrm>
+          <a:prstGeom prst="rect">
+            <a:avLst/>
+          </a:prstGeom>
+          <a:noFill/>
+        </p:spPr>
+        <p:txBody>
+          <a:bodyPr wrap="square" rtlCol="0">
+            <a:spAutoFit/>
+          </a:bodyPr>
+          <a:lstStyle/>
+          <a:p>
+            <a:r>
+              <a:rPr lang="es-ES" sz="1600" b="1" dirty="0">
+                <a:latin typeface="+mj-lt"/>
+              </a:rPr>
+              <a:t>¿QUE ES LO QUE DICE Y HACE?</a:t>
+            </a:r>
+          </a:p>
+          <a:p>
+            <a:r>
+              <a:rPr lang="es-ES" sz="1600" b="1" dirty="0">
+                <a:latin typeface="+mj-lt"/>
+              </a:rPr>
+              <a:t>Cliente: </a:t>
+            </a:r>
+            <a:r>
+              <a:rPr lang="es-ES" sz="1600" dirty="0">
+                <a:latin typeface="+mj-lt"/>
+              </a:rPr>
+              <a:t>- Busca opiniones en su comunidad</a:t>
+            </a:r>
+          </a:p>
+          <a:p>
+            <a:r>
+              <a:rPr lang="es-ES" sz="1600" b="1" dirty="0">
+                <a:latin typeface="+mj-lt"/>
+              </a:rPr>
+              <a:t>Proveedor: </a:t>
+            </a:r>
+            <a:r>
+              <a:rPr lang="es-ES" sz="1600" dirty="0">
+                <a:latin typeface="+mj-lt"/>
+              </a:rPr>
+              <a:t>- Presta servicios de buena calidad acordé a sus conocimientos</a:t>
+            </a:r>
+          </a:p>
+        </p:txBody>
+      </p:sp>
+      <p:pic>
+        <p:nvPicPr>
+          <p:cNvPr id="9" name="Imagen 8">
+            <a:extLst>
+              <a:ext uri="{FF2B5EF4-FFF2-40B4-BE49-F238E27FC236}">
+                <a16:creationId xmlns:a16="http://schemas.microsoft.com/office/drawing/2014/main" id="{32A66AC8-AC60-027E-56CD-720039D61A2D}"/>
+              </a:ext>
+            </a:extLst>
+          </p:cNvPr>
+          <p:cNvPicPr>
+            <a:picLocks noChangeAspect="1"/>
+          </p:cNvPicPr>
+          <p:nvPr/>
+        </p:nvPicPr>
+        <p:blipFill>
+          <a:blip r:embed="rId5"/>
+          <a:stretch>
+            <a:fillRect/>
+          </a:stretch>
+        </p:blipFill>
+        <p:spPr>
+          <a:xfrm>
+            <a:off x="8013144" y="4074979"/>
+            <a:ext cx="493269" cy="493269"/>
+          </a:xfrm>
+          <a:prstGeom prst="rect">
+            <a:avLst/>
+          </a:prstGeom>
+        </p:spPr>
+      </p:pic>
+      <p:sp>
+        <p:nvSpPr>
+          <p:cNvPr id="10" name="CuadroTexto 9">
+            <a:extLst>
+              <a:ext uri="{FF2B5EF4-FFF2-40B4-BE49-F238E27FC236}">
+                <a16:creationId xmlns:a16="http://schemas.microsoft.com/office/drawing/2014/main" id="{895EC70C-EC0C-E100-6F6F-28E95B433653}"/>
+              </a:ext>
+            </a:extLst>
+          </p:cNvPr>
+          <p:cNvSpPr txBox="1"/>
+          <p:nvPr/>
+        </p:nvSpPr>
+        <p:spPr>
+          <a:xfrm>
+            <a:off x="232214" y="2283572"/>
+            <a:ext cx="3245036" cy="1323439"/>
+          </a:xfrm>
+          <a:prstGeom prst="rect">
+            <a:avLst/>
+          </a:prstGeom>
+          <a:noFill/>
+        </p:spPr>
+        <p:txBody>
+          <a:bodyPr wrap="square" rtlCol="0">
+            <a:spAutoFit/>
+          </a:bodyPr>
+          <a:lstStyle/>
+          <a:p>
+            <a:r>
+              <a:rPr lang="es-ES" sz="1600" b="1" dirty="0">
+                <a:latin typeface="+mj-lt"/>
+              </a:rPr>
+              <a:t>¿QUE ES LO QUE OYE?</a:t>
+            </a:r>
+          </a:p>
+          <a:p>
+            <a:r>
+              <a:rPr lang="es-ES" sz="1600" b="1" dirty="0">
+                <a:latin typeface="+mj-lt"/>
+              </a:rPr>
+              <a:t>Cliente: </a:t>
+            </a:r>
+            <a:r>
+              <a:rPr lang="es-ES" sz="1600" dirty="0">
+                <a:latin typeface="+mj-lt"/>
+              </a:rPr>
+              <a:t>- Realización de servicios de baja calidad</a:t>
+            </a:r>
+          </a:p>
+          <a:p>
+            <a:r>
+              <a:rPr lang="es-ES" sz="1600" b="1" dirty="0">
+                <a:latin typeface="+mj-lt"/>
+              </a:rPr>
+              <a:t>Proveedor: </a:t>
+            </a:r>
+            <a:r>
+              <a:rPr lang="es-ES" sz="1600" dirty="0">
+                <a:latin typeface="+mj-lt"/>
+              </a:rPr>
+              <a:t>- Oportunidades escasas </a:t>
+            </a:r>
+          </a:p>
+          <a:p>
+            <a:r>
+              <a:rPr lang="es-ES" sz="1600" dirty="0">
+                <a:latin typeface="+mj-lt"/>
+              </a:rPr>
+              <a:t>-Falta de apoyo</a:t>
+            </a:r>
+          </a:p>
+        </p:txBody>
+      </p:sp>
+      <p:pic>
+        <p:nvPicPr>
+          <p:cNvPr id="11" name="Imagen 10">
+            <a:extLst>
+              <a:ext uri="{FF2B5EF4-FFF2-40B4-BE49-F238E27FC236}">
+                <a16:creationId xmlns:a16="http://schemas.microsoft.com/office/drawing/2014/main" id="{9F682A5E-D7ED-6087-D88A-4407AFCB5364}"/>
+              </a:ext>
+            </a:extLst>
+          </p:cNvPr>
+          <p:cNvPicPr>
+            <a:picLocks noChangeAspect="1"/>
+          </p:cNvPicPr>
+          <p:nvPr/>
+        </p:nvPicPr>
+        <p:blipFill>
+          <a:blip r:embed="rId6"/>
+          <a:stretch>
+            <a:fillRect/>
+          </a:stretch>
+        </p:blipFill>
+        <p:spPr>
+          <a:xfrm>
+            <a:off x="3685779" y="2513834"/>
+            <a:ext cx="675711" cy="675711"/>
+          </a:xfrm>
+          <a:prstGeom prst="rect">
+            <a:avLst/>
+          </a:prstGeom>
+        </p:spPr>
+      </p:pic>
+      <p:cxnSp>
+        <p:nvCxnSpPr>
+          <p:cNvPr id="3" name="Conector recto 2">
+            <a:extLst>
+              <a:ext uri="{FF2B5EF4-FFF2-40B4-BE49-F238E27FC236}">
+                <a16:creationId xmlns:a16="http://schemas.microsoft.com/office/drawing/2014/main" id="{E1A5093F-4A92-EC09-2310-355323C2AC97}"/>
+              </a:ext>
+            </a:extLst>
+          </p:cNvPr>
+          <p:cNvCxnSpPr>
+            <a:cxnSpLocks/>
+          </p:cNvCxnSpPr>
+          <p:nvPr/>
+        </p:nvCxnSpPr>
+        <p:spPr>
+          <a:xfrm>
+            <a:off x="44069" y="782885"/>
+            <a:ext cx="12147932" cy="4270184"/>
+          </a:xfrm>
+          <a:prstGeom prst="line">
+            <a:avLst/>
+          </a:prstGeom>
+        </p:spPr>
+        <p:style>
+          <a:lnRef idx="1">
+            <a:schemeClr val="dk1"/>
+          </a:lnRef>
+          <a:fillRef idx="0">
+            <a:schemeClr val="dk1"/>
+          </a:fillRef>
+          <a:effectRef idx="0">
+            <a:schemeClr val="dk1"/>
+          </a:effectRef>
+          <a:fontRef idx="minor">
+            <a:schemeClr val="tx1"/>
+          </a:fontRef>
+        </p:style>
+      </p:cxnSp>
+      <p:cxnSp>
+        <p:nvCxnSpPr>
+          <p:cNvPr id="14" name="Conector recto 13">
+            <a:extLst>
+              <a:ext uri="{FF2B5EF4-FFF2-40B4-BE49-F238E27FC236}">
+                <a16:creationId xmlns:a16="http://schemas.microsoft.com/office/drawing/2014/main" id="{8B73BF79-FB72-C8F9-DEFA-78ECC4197BBB}"/>
+              </a:ext>
+            </a:extLst>
+          </p:cNvPr>
+          <p:cNvCxnSpPr>
+            <a:cxnSpLocks/>
+          </p:cNvCxnSpPr>
+          <p:nvPr/>
+        </p:nvCxnSpPr>
+        <p:spPr>
+          <a:xfrm flipH="1">
+            <a:off x="-45595" y="782885"/>
+            <a:ext cx="12237595" cy="4270184"/>
+          </a:xfrm>
+          <a:prstGeom prst="line">
+            <a:avLst/>
+          </a:prstGeom>
+        </p:spPr>
+        <p:style>
+          <a:lnRef idx="1">
+            <a:schemeClr val="dk1"/>
+          </a:lnRef>
+          <a:fillRef idx="0">
+            <a:schemeClr val="dk1"/>
+          </a:fillRef>
+          <a:effectRef idx="0">
+            <a:schemeClr val="dk1"/>
+          </a:effectRef>
+          <a:fontRef idx="minor">
+            <a:schemeClr val="tx1"/>
+          </a:fontRef>
+        </p:style>
+      </p:cxnSp>
+      <p:cxnSp>
+        <p:nvCxnSpPr>
+          <p:cNvPr id="36" name="Conector recto 35">
+            <a:extLst>
+              <a:ext uri="{FF2B5EF4-FFF2-40B4-BE49-F238E27FC236}">
+                <a16:creationId xmlns:a16="http://schemas.microsoft.com/office/drawing/2014/main" id="{5A048461-5561-3ABE-ECEF-C0F2C6896E59}"/>
+              </a:ext>
+            </a:extLst>
+          </p:cNvPr>
+          <p:cNvCxnSpPr>
+            <a:cxnSpLocks/>
+          </p:cNvCxnSpPr>
+          <p:nvPr/>
+        </p:nvCxnSpPr>
+        <p:spPr>
+          <a:xfrm flipV="1">
+            <a:off x="44068" y="5082467"/>
+            <a:ext cx="12139707" cy="14671"/>
+          </a:xfrm>
+          <a:prstGeom prst="line">
+            <a:avLst/>
+          </a:prstGeom>
+        </p:spPr>
+        <p:style>
+          <a:lnRef idx="1">
+            <a:schemeClr val="dk1"/>
+          </a:lnRef>
+          <a:fillRef idx="0">
+            <a:schemeClr val="dk1"/>
+          </a:fillRef>
+          <a:effectRef idx="0">
+            <a:schemeClr val="dk1"/>
+          </a:effectRef>
+          <a:fontRef idx="minor">
+            <a:schemeClr val="tx1"/>
+          </a:fontRef>
+        </p:style>
+      </p:cxnSp>
+      <p:sp>
+        <p:nvSpPr>
+          <p:cNvPr id="44" name="CuadroTexto 43">
+            <a:extLst>
+              <a:ext uri="{FF2B5EF4-FFF2-40B4-BE49-F238E27FC236}">
+                <a16:creationId xmlns:a16="http://schemas.microsoft.com/office/drawing/2014/main" id="{C43C6928-0F5E-B932-CA55-0AEE5E2C42A8}"/>
+              </a:ext>
+            </a:extLst>
+          </p:cNvPr>
+          <p:cNvSpPr txBox="1"/>
+          <p:nvPr/>
+        </p:nvSpPr>
+        <p:spPr>
+          <a:xfrm>
+            <a:off x="6073203" y="5185620"/>
+            <a:ext cx="5577949" cy="1569660"/>
+          </a:xfrm>
+          <a:prstGeom prst="rect">
+            <a:avLst/>
+          </a:prstGeom>
+          <a:noFill/>
+        </p:spPr>
+        <p:txBody>
+          <a:bodyPr wrap="square" rtlCol="0">
+            <a:spAutoFit/>
+          </a:bodyPr>
+          <a:lstStyle/>
+          <a:p>
+            <a:r>
+              <a:rPr lang="es-ES" sz="1600" b="1" dirty="0">
+                <a:latin typeface="+mj-lt"/>
+              </a:rPr>
+              <a:t>RESULTADOS</a:t>
+            </a:r>
+          </a:p>
+          <a:p>
+            <a:r>
+              <a:rPr lang="es-ES" sz="1600" b="1" dirty="0">
+                <a:latin typeface="+mj-lt"/>
+              </a:rPr>
+              <a:t>Cliente: </a:t>
+            </a:r>
+            <a:r>
+              <a:rPr lang="es-ES" sz="1600" dirty="0">
+                <a:latin typeface="+mj-lt"/>
+              </a:rPr>
+              <a:t>- Servicios adquiridos de excelente calidad</a:t>
+            </a:r>
+          </a:p>
+          <a:p>
+            <a:r>
+              <a:rPr lang="es-ES" sz="1600" b="1" dirty="0">
+                <a:latin typeface="+mj-lt"/>
+              </a:rPr>
+              <a:t>Proveedor: </a:t>
+            </a:r>
+            <a:r>
+              <a:rPr lang="es-ES" sz="1600" dirty="0">
+                <a:latin typeface="+mj-lt"/>
+              </a:rPr>
+              <a:t>- Emprendimiento a gran escala</a:t>
+            </a:r>
+          </a:p>
+          <a:p>
+            <a:r>
+              <a:rPr lang="es-ES" sz="1600" dirty="0">
+                <a:latin typeface="+mj-lt"/>
+              </a:rPr>
+              <a:t>- Superación personal </a:t>
+            </a:r>
+          </a:p>
+          <a:p>
+            <a:r>
+              <a:rPr lang="es-ES" sz="1600" dirty="0">
+                <a:latin typeface="+mj-lt"/>
+              </a:rPr>
+              <a:t>- Más recomendaciones de sus clientes</a:t>
+            </a:r>
+          </a:p>
+          <a:p>
+            <a:r>
+              <a:rPr lang="es-ES" sz="1600" dirty="0">
+                <a:latin typeface="+mj-lt"/>
+              </a:rPr>
+              <a:t>- Éxito en la prestación de servicios</a:t>
+            </a:r>
+          </a:p>
+        </p:txBody>
+      </p:sp>
+      <p:pic>
+        <p:nvPicPr>
+          <p:cNvPr id="47" name="Imagen 46">
+            <a:extLst>
+              <a:ext uri="{FF2B5EF4-FFF2-40B4-BE49-F238E27FC236}">
+                <a16:creationId xmlns:a16="http://schemas.microsoft.com/office/drawing/2014/main" id="{4859D8F0-D5A4-AD92-367C-61E7CC5F4D56}"/>
+              </a:ext>
+            </a:extLst>
+          </p:cNvPr>
+          <p:cNvPicPr>
+            <a:picLocks noChangeAspect="1"/>
+          </p:cNvPicPr>
+          <p:nvPr/>
+        </p:nvPicPr>
+        <p:blipFill>
+          <a:blip r:embed="rId7"/>
+          <a:stretch>
+            <a:fillRect/>
+          </a:stretch>
+        </p:blipFill>
+        <p:spPr>
+          <a:xfrm>
+            <a:off x="11475417" y="5764846"/>
+            <a:ext cx="672516" cy="672516"/>
+          </a:xfrm>
+          <a:prstGeom prst="rect">
+            <a:avLst/>
+          </a:prstGeom>
+        </p:spPr>
+      </p:pic>
+      <p:cxnSp>
+        <p:nvCxnSpPr>
+          <p:cNvPr id="49" name="Conector recto 48">
+            <a:extLst>
+              <a:ext uri="{FF2B5EF4-FFF2-40B4-BE49-F238E27FC236}">
+                <a16:creationId xmlns:a16="http://schemas.microsoft.com/office/drawing/2014/main" id="{8F56039C-1692-4FEA-E302-615D52FD5E24}"/>
+              </a:ext>
+            </a:extLst>
+          </p:cNvPr>
+          <p:cNvCxnSpPr>
+            <a:cxnSpLocks/>
+          </p:cNvCxnSpPr>
+          <p:nvPr/>
+        </p:nvCxnSpPr>
+        <p:spPr>
+          <a:xfrm>
+            <a:off x="5915943" y="5126535"/>
+            <a:ext cx="1893" cy="1718612"/>
+          </a:xfrm>
+          <a:prstGeom prst="line">
+            <a:avLst/>
+          </a:prstGeom>
+        </p:spPr>
+        <p:style>
+          <a:lnRef idx="1">
+            <a:schemeClr val="dk1"/>
+          </a:lnRef>
+          <a:fillRef idx="0">
+            <a:schemeClr val="dk1"/>
+          </a:fillRef>
+          <a:effectRef idx="0">
+            <a:schemeClr val="dk1"/>
+          </a:effectRef>
+          <a:fontRef idx="minor">
+            <a:schemeClr val="tx1"/>
+          </a:fontRef>
+        </p:style>
+      </p:cxnSp>
+      <p:sp>
+        <p:nvSpPr>
+          <p:cNvPr id="52" name="CuadroTexto 51">
+            <a:extLst>
+              <a:ext uri="{FF2B5EF4-FFF2-40B4-BE49-F238E27FC236}">
+                <a16:creationId xmlns:a16="http://schemas.microsoft.com/office/drawing/2014/main" id="{82FD7941-C039-8395-2138-C1E7ABB86D71}"/>
+              </a:ext>
+            </a:extLst>
+          </p:cNvPr>
+          <p:cNvSpPr txBox="1"/>
+          <p:nvPr/>
+        </p:nvSpPr>
+        <p:spPr>
+          <a:xfrm>
+            <a:off x="44068" y="5300749"/>
+            <a:ext cx="4906179" cy="1323439"/>
+          </a:xfrm>
+          <a:prstGeom prst="rect">
+            <a:avLst/>
+          </a:prstGeom>
+          <a:noFill/>
+        </p:spPr>
+        <p:txBody>
+          <a:bodyPr wrap="square" rtlCol="0">
+            <a:spAutoFit/>
+          </a:bodyPr>
+          <a:lstStyle/>
+          <a:p>
+            <a:r>
+              <a:rPr lang="es-ES" sz="1600" b="1" dirty="0">
+                <a:latin typeface="+mj-lt"/>
+              </a:rPr>
+              <a:t>ESFUERZOS</a:t>
+            </a:r>
+          </a:p>
+          <a:p>
+            <a:r>
+              <a:rPr lang="es-ES" sz="1600" b="1" dirty="0">
+                <a:latin typeface="+mj-lt"/>
+              </a:rPr>
+              <a:t>Cliente: </a:t>
+            </a:r>
+            <a:r>
+              <a:rPr lang="es-ES" sz="1600" dirty="0">
+                <a:latin typeface="+mj-lt"/>
+              </a:rPr>
+              <a:t>- No hay soluciones a sus necesidades</a:t>
+            </a:r>
+          </a:p>
+          <a:p>
+            <a:r>
+              <a:rPr lang="es-ES" sz="1600" b="1" dirty="0">
+                <a:latin typeface="+mj-lt"/>
+              </a:rPr>
+              <a:t>Proveedor: </a:t>
+            </a:r>
+            <a:r>
+              <a:rPr lang="es-ES" sz="1600" dirty="0">
+                <a:latin typeface="+mj-lt"/>
+              </a:rPr>
+              <a:t>- No alcanzar sus metas propuestas</a:t>
+            </a:r>
+          </a:p>
+          <a:p>
+            <a:r>
+              <a:rPr lang="es-ES" sz="1600" dirty="0">
+                <a:latin typeface="+mj-lt"/>
+              </a:rPr>
+              <a:t>- Dificultad para darse a conocer</a:t>
+            </a:r>
+          </a:p>
+          <a:p>
+            <a:r>
+              <a:rPr lang="es-ES" sz="1600" dirty="0">
+                <a:latin typeface="+mj-lt"/>
+              </a:rPr>
+              <a:t>- Miedo al fracaso</a:t>
+            </a:r>
+          </a:p>
+        </p:txBody>
+      </p:sp>
+      <p:pic>
+        <p:nvPicPr>
+          <p:cNvPr id="53" name="Imagen 52">
+            <a:extLst>
+              <a:ext uri="{FF2B5EF4-FFF2-40B4-BE49-F238E27FC236}">
+                <a16:creationId xmlns:a16="http://schemas.microsoft.com/office/drawing/2014/main" id="{09DC1441-E76F-7767-EFCB-062CF21A205B}"/>
+              </a:ext>
+            </a:extLst>
+          </p:cNvPr>
+          <p:cNvPicPr>
+            <a:picLocks noChangeAspect="1"/>
+          </p:cNvPicPr>
+          <p:nvPr/>
+        </p:nvPicPr>
+        <p:blipFill>
+          <a:blip r:embed="rId8"/>
+          <a:stretch>
+            <a:fillRect/>
+          </a:stretch>
+        </p:blipFill>
+        <p:spPr>
+          <a:xfrm>
+            <a:off x="4546508" y="5718955"/>
+            <a:ext cx="807477" cy="807477"/>
+          </a:xfrm>
+          <a:prstGeom prst="rect">
+            <a:avLst/>
+          </a:prstGeom>
+        </p:spPr>
+      </p:pic>
     </p:spTree>
     <p:extLst>
       <p:ext uri="{BB962C8B-B14F-4D97-AF65-F5344CB8AC3E}">
-        <p14:creationId xmlns:p14="http://schemas.microsoft.com/office/powerpoint/2010/main" val="408438049"/>
+        <p14:creationId xmlns:p14="http://schemas.microsoft.com/office/powerpoint/2010/main" val="3622025240"/>
       </p:ext>
     </p:extLst>
   </p:cSld>
@@ -7300,7 +8180,7 @@
         </p:nvSpPr>
         <p:spPr>
           <a:xfrm>
-            <a:off x="2998381" y="11793"/>
+            <a:off x="3012560" y="421131"/>
             <a:ext cx="6195235" cy="666786"/>
           </a:xfrm>
           <a:prstGeom prst="rect">
@@ -7320,820 +8200,16 @@
                 <a:solidFill>
                   <a:srgbClr val="FF6C00"/>
                 </a:solidFill>
-                <a:latin typeface="Calibri" panose="020F0502020204030204" pitchFamily="34" charset="0"/>
-                <a:cs typeface="Calibri" panose="020F0502020204030204" pitchFamily="34" charset="0"/>
-              </a:rPr>
-              <a:t>Mapa de empatía </a:t>
-            </a:r>
-          </a:p>
-        </p:txBody>
-      </p:sp>
-      <p:sp>
-        <p:nvSpPr>
-          <p:cNvPr id="8" name="CuadroTexto 7">
-            <a:extLst>
-              <a:ext uri="{FF2B5EF4-FFF2-40B4-BE49-F238E27FC236}">
-                <a16:creationId xmlns:a16="http://schemas.microsoft.com/office/drawing/2014/main" id="{38EFDFD8-1179-6024-C86B-C405673F365F}"/>
-              </a:ext>
-            </a:extLst>
-          </p:cNvPr>
-          <p:cNvSpPr txBox="1"/>
-          <p:nvPr/>
-        </p:nvSpPr>
-        <p:spPr>
-          <a:xfrm>
-            <a:off x="8276756" y="2167177"/>
-            <a:ext cx="4024829" cy="1569660"/>
-          </a:xfrm>
-          <a:prstGeom prst="rect">
-            <a:avLst/>
-          </a:prstGeom>
-          <a:noFill/>
-        </p:spPr>
-        <p:txBody>
-          <a:bodyPr wrap="square" rtlCol="0">
-            <a:spAutoFit/>
-          </a:bodyPr>
-          <a:lstStyle/>
-          <a:p>
-            <a:r>
-              <a:rPr lang="es-ES" sz="1600" b="1" dirty="0">
-                <a:latin typeface="+mj-lt"/>
-              </a:rPr>
-              <a:t>¿QUÉ VE?</a:t>
-            </a:r>
-          </a:p>
-          <a:p>
-            <a:r>
-              <a:rPr lang="es-ES" sz="1600" b="1" dirty="0">
-                <a:latin typeface="+mj-lt"/>
-              </a:rPr>
-              <a:t>Cliente: </a:t>
-            </a:r>
-            <a:r>
-              <a:rPr lang="es-ES" sz="1600" dirty="0">
-                <a:latin typeface="+mj-lt"/>
-              </a:rPr>
-              <a:t>- Servicios mal realizados</a:t>
-            </a:r>
-          </a:p>
-          <a:p>
-            <a:r>
-              <a:rPr lang="es-ES" sz="1600" dirty="0">
-                <a:latin typeface="+mj-lt"/>
-              </a:rPr>
-              <a:t>- Robos y perdidas de dinero</a:t>
-            </a:r>
-          </a:p>
-          <a:p>
-            <a:r>
-              <a:rPr lang="es-ES" sz="1600" b="1" dirty="0">
-                <a:latin typeface="+mj-lt"/>
-              </a:rPr>
-              <a:t>Proveedor: </a:t>
-            </a:r>
-            <a:r>
-              <a:rPr lang="es-ES" sz="1600" dirty="0">
-                <a:latin typeface="+mj-lt"/>
-              </a:rPr>
-              <a:t>- Poca publicidad en su emprendimiento</a:t>
-            </a:r>
-          </a:p>
-          <a:p>
-            <a:r>
-              <a:rPr lang="es-ES" sz="1600" dirty="0">
-                <a:latin typeface="+mj-lt"/>
-              </a:rPr>
-              <a:t>- Desconfianza en la contratación</a:t>
-            </a:r>
-          </a:p>
-        </p:txBody>
-      </p:sp>
-      <p:sp>
-        <p:nvSpPr>
-          <p:cNvPr id="13" name="CuadroTexto 12">
-            <a:extLst>
-              <a:ext uri="{FF2B5EF4-FFF2-40B4-BE49-F238E27FC236}">
-                <a16:creationId xmlns:a16="http://schemas.microsoft.com/office/drawing/2014/main" id="{2AB2A075-E71E-C5BA-2D4A-CE49B29A35E6}"/>
-              </a:ext>
-            </a:extLst>
-          </p:cNvPr>
-          <p:cNvSpPr txBox="1"/>
-          <p:nvPr/>
-        </p:nvSpPr>
-        <p:spPr>
-          <a:xfrm>
-            <a:off x="3790693" y="628244"/>
-            <a:ext cx="5402924" cy="1569660"/>
-          </a:xfrm>
-          <a:prstGeom prst="rect">
-            <a:avLst/>
-          </a:prstGeom>
-          <a:noFill/>
-        </p:spPr>
-        <p:txBody>
-          <a:bodyPr wrap="square" rtlCol="0">
-            <a:spAutoFit/>
-          </a:bodyPr>
-          <a:lstStyle/>
-          <a:p>
-            <a:r>
-              <a:rPr lang="es-ES" sz="1600" b="1" dirty="0">
-                <a:latin typeface="+mj-lt"/>
-              </a:rPr>
-              <a:t>¿QUÉ PIENSA Y SIENTE?</a:t>
-            </a:r>
-          </a:p>
-          <a:p>
-            <a:r>
-              <a:rPr lang="es-ES" sz="1600" b="1" dirty="0">
-                <a:latin typeface="+mj-lt"/>
-              </a:rPr>
-              <a:t>Cliente: </a:t>
-            </a:r>
-            <a:r>
-              <a:rPr lang="es-ES" sz="1600" dirty="0">
-                <a:latin typeface="+mj-lt"/>
-              </a:rPr>
-              <a:t>- Desconfianza e inseguridad en el momento de adquirir servicios en línea</a:t>
-            </a:r>
-          </a:p>
-          <a:p>
-            <a:r>
-              <a:rPr lang="es-ES" sz="1600" b="1" dirty="0">
-                <a:latin typeface="+mj-lt"/>
-              </a:rPr>
-              <a:t>Proveedor: </a:t>
-            </a:r>
-            <a:r>
-              <a:rPr lang="es-ES" sz="1600" dirty="0">
-                <a:latin typeface="+mj-lt"/>
-              </a:rPr>
-              <a:t>- Poca cobertura en su emprendimiento</a:t>
-            </a:r>
-          </a:p>
-          <a:p>
-            <a:r>
-              <a:rPr lang="es-ES" sz="1600" dirty="0">
-                <a:latin typeface="+mj-lt"/>
-              </a:rPr>
-              <a:t>- Generar mayores ingresos</a:t>
-            </a:r>
-          </a:p>
-          <a:p>
-            <a:r>
-              <a:rPr lang="es-ES" sz="1600" dirty="0">
-                <a:latin typeface="+mj-lt"/>
-              </a:rPr>
-              <a:t>- Mejorar su calidad de vida</a:t>
-            </a:r>
-          </a:p>
-        </p:txBody>
-      </p:sp>
-      <p:pic>
-        <p:nvPicPr>
-          <p:cNvPr id="15" name="Imagen 14">
-            <a:extLst>
-              <a:ext uri="{FF2B5EF4-FFF2-40B4-BE49-F238E27FC236}">
-                <a16:creationId xmlns:a16="http://schemas.microsoft.com/office/drawing/2014/main" id="{1406FFEF-3BF6-0F2C-F859-3394149D2C43}"/>
-              </a:ext>
-            </a:extLst>
-          </p:cNvPr>
-          <p:cNvPicPr>
-            <a:picLocks noChangeAspect="1"/>
-          </p:cNvPicPr>
-          <p:nvPr/>
-        </p:nvPicPr>
-        <p:blipFill>
-          <a:blip r:embed="rId3"/>
-          <a:stretch>
-            <a:fillRect/>
-          </a:stretch>
-        </p:blipFill>
-        <p:spPr>
-          <a:xfrm>
-            <a:off x="8167171" y="1209229"/>
-            <a:ext cx="607236" cy="607236"/>
-          </a:xfrm>
-          <a:prstGeom prst="rect">
-            <a:avLst/>
-          </a:prstGeom>
-        </p:spPr>
-      </p:pic>
-      <p:pic>
-        <p:nvPicPr>
-          <p:cNvPr id="17" name="Imagen 16">
-            <a:extLst>
-              <a:ext uri="{FF2B5EF4-FFF2-40B4-BE49-F238E27FC236}">
-                <a16:creationId xmlns:a16="http://schemas.microsoft.com/office/drawing/2014/main" id="{DFEE1F78-67F5-E96C-2743-B1AFDA904C61}"/>
-              </a:ext>
-            </a:extLst>
-          </p:cNvPr>
-          <p:cNvPicPr>
-            <a:picLocks noChangeAspect="1"/>
-          </p:cNvPicPr>
-          <p:nvPr/>
-        </p:nvPicPr>
-        <p:blipFill>
-          <a:blip r:embed="rId4"/>
-          <a:stretch>
-            <a:fillRect/>
-          </a:stretch>
-        </p:blipFill>
-        <p:spPr>
-          <a:xfrm>
-            <a:off x="11340910" y="2753291"/>
-            <a:ext cx="675709" cy="675709"/>
-          </a:xfrm>
-          <a:prstGeom prst="rect">
-            <a:avLst/>
-          </a:prstGeom>
-        </p:spPr>
-      </p:pic>
-      <p:sp>
-        <p:nvSpPr>
-          <p:cNvPr id="7" name="CuadroTexto 6">
-            <a:extLst>
-              <a:ext uri="{FF2B5EF4-FFF2-40B4-BE49-F238E27FC236}">
-                <a16:creationId xmlns:a16="http://schemas.microsoft.com/office/drawing/2014/main" id="{ACD346F2-5647-BAA5-39E3-D66DDF78D20A}"/>
-              </a:ext>
-            </a:extLst>
-          </p:cNvPr>
-          <p:cNvSpPr txBox="1"/>
-          <p:nvPr/>
-        </p:nvSpPr>
-        <p:spPr>
-          <a:xfrm>
-            <a:off x="3915246" y="3767616"/>
-            <a:ext cx="4152981" cy="1077218"/>
-          </a:xfrm>
-          <a:prstGeom prst="rect">
-            <a:avLst/>
-          </a:prstGeom>
-          <a:noFill/>
-        </p:spPr>
-        <p:txBody>
-          <a:bodyPr wrap="square" rtlCol="0">
-            <a:spAutoFit/>
-          </a:bodyPr>
-          <a:lstStyle/>
-          <a:p>
-            <a:r>
-              <a:rPr lang="es-ES" sz="1600" b="1" dirty="0">
-                <a:latin typeface="+mj-lt"/>
-              </a:rPr>
-              <a:t>¿QUE ES LO QUE DICE Y HACE?</a:t>
-            </a:r>
-          </a:p>
-          <a:p>
-            <a:r>
-              <a:rPr lang="es-ES" sz="1600" b="1" dirty="0">
-                <a:latin typeface="+mj-lt"/>
-              </a:rPr>
-              <a:t>Cliente: </a:t>
-            </a:r>
-            <a:r>
-              <a:rPr lang="es-ES" sz="1600" dirty="0">
-                <a:latin typeface="+mj-lt"/>
-              </a:rPr>
-              <a:t>- Busca opiniones en su comunidad</a:t>
-            </a:r>
-          </a:p>
-          <a:p>
-            <a:r>
-              <a:rPr lang="es-ES" sz="1600" b="1" dirty="0">
-                <a:latin typeface="+mj-lt"/>
-              </a:rPr>
-              <a:t>Proveedor: </a:t>
-            </a:r>
-            <a:r>
-              <a:rPr lang="es-ES" sz="1600" dirty="0">
-                <a:latin typeface="+mj-lt"/>
-              </a:rPr>
-              <a:t>- Presta servicios de buena calidad acordé a sus conocimientos</a:t>
-            </a:r>
-          </a:p>
-        </p:txBody>
-      </p:sp>
-      <p:pic>
-        <p:nvPicPr>
-          <p:cNvPr id="9" name="Imagen 8">
-            <a:extLst>
-              <a:ext uri="{FF2B5EF4-FFF2-40B4-BE49-F238E27FC236}">
-                <a16:creationId xmlns:a16="http://schemas.microsoft.com/office/drawing/2014/main" id="{32A66AC8-AC60-027E-56CD-720039D61A2D}"/>
-              </a:ext>
-            </a:extLst>
-          </p:cNvPr>
-          <p:cNvPicPr>
-            <a:picLocks noChangeAspect="1"/>
-          </p:cNvPicPr>
-          <p:nvPr/>
-        </p:nvPicPr>
-        <p:blipFill>
-          <a:blip r:embed="rId5"/>
-          <a:stretch>
-            <a:fillRect/>
-          </a:stretch>
-        </p:blipFill>
-        <p:spPr>
-          <a:xfrm>
-            <a:off x="8013144" y="4074979"/>
-            <a:ext cx="493269" cy="493269"/>
-          </a:xfrm>
-          <a:prstGeom prst="rect">
-            <a:avLst/>
-          </a:prstGeom>
-        </p:spPr>
-      </p:pic>
-      <p:sp>
-        <p:nvSpPr>
-          <p:cNvPr id="10" name="CuadroTexto 9">
-            <a:extLst>
-              <a:ext uri="{FF2B5EF4-FFF2-40B4-BE49-F238E27FC236}">
-                <a16:creationId xmlns:a16="http://schemas.microsoft.com/office/drawing/2014/main" id="{895EC70C-EC0C-E100-6F6F-28E95B433653}"/>
-              </a:ext>
-            </a:extLst>
-          </p:cNvPr>
-          <p:cNvSpPr txBox="1"/>
-          <p:nvPr/>
-        </p:nvSpPr>
-        <p:spPr>
-          <a:xfrm>
-            <a:off x="232214" y="2283572"/>
-            <a:ext cx="3245036" cy="1323439"/>
-          </a:xfrm>
-          <a:prstGeom prst="rect">
-            <a:avLst/>
-          </a:prstGeom>
-          <a:noFill/>
-        </p:spPr>
-        <p:txBody>
-          <a:bodyPr wrap="square" rtlCol="0">
-            <a:spAutoFit/>
-          </a:bodyPr>
-          <a:lstStyle/>
-          <a:p>
-            <a:r>
-              <a:rPr lang="es-ES" sz="1600" b="1" dirty="0">
-                <a:latin typeface="+mj-lt"/>
-              </a:rPr>
-              <a:t>¿QUE ES LO QUE OYE?</a:t>
-            </a:r>
-          </a:p>
-          <a:p>
-            <a:r>
-              <a:rPr lang="es-ES" sz="1600" b="1" dirty="0">
-                <a:latin typeface="+mj-lt"/>
-              </a:rPr>
-              <a:t>Cliente: </a:t>
-            </a:r>
-            <a:r>
-              <a:rPr lang="es-ES" sz="1600" dirty="0">
-                <a:latin typeface="+mj-lt"/>
-              </a:rPr>
-              <a:t>- Realización de servicios de baja calidad</a:t>
-            </a:r>
-          </a:p>
-          <a:p>
-            <a:r>
-              <a:rPr lang="es-ES" sz="1600" b="1" dirty="0">
-                <a:latin typeface="+mj-lt"/>
-              </a:rPr>
-              <a:t>Proveedor: </a:t>
-            </a:r>
-            <a:r>
-              <a:rPr lang="es-ES" sz="1600" dirty="0">
-                <a:latin typeface="+mj-lt"/>
-              </a:rPr>
-              <a:t>- Oportunidades escasas </a:t>
-            </a:r>
-          </a:p>
-          <a:p>
-            <a:r>
-              <a:rPr lang="es-ES" sz="1600" dirty="0">
-                <a:latin typeface="+mj-lt"/>
-              </a:rPr>
-              <a:t>-Falta de apoyo</a:t>
-            </a:r>
-          </a:p>
-        </p:txBody>
-      </p:sp>
-      <p:pic>
-        <p:nvPicPr>
-          <p:cNvPr id="11" name="Imagen 10">
-            <a:extLst>
-              <a:ext uri="{FF2B5EF4-FFF2-40B4-BE49-F238E27FC236}">
-                <a16:creationId xmlns:a16="http://schemas.microsoft.com/office/drawing/2014/main" id="{9F682A5E-D7ED-6087-D88A-4407AFCB5364}"/>
-              </a:ext>
-            </a:extLst>
-          </p:cNvPr>
-          <p:cNvPicPr>
-            <a:picLocks noChangeAspect="1"/>
-          </p:cNvPicPr>
-          <p:nvPr/>
-        </p:nvPicPr>
-        <p:blipFill>
-          <a:blip r:embed="rId6"/>
-          <a:stretch>
-            <a:fillRect/>
-          </a:stretch>
-        </p:blipFill>
-        <p:spPr>
-          <a:xfrm>
-            <a:off x="3685779" y="2513834"/>
-            <a:ext cx="675711" cy="675711"/>
-          </a:xfrm>
-          <a:prstGeom prst="rect">
-            <a:avLst/>
-          </a:prstGeom>
-        </p:spPr>
-      </p:pic>
-      <p:cxnSp>
-        <p:nvCxnSpPr>
-          <p:cNvPr id="3" name="Conector recto 2">
-            <a:extLst>
-              <a:ext uri="{FF2B5EF4-FFF2-40B4-BE49-F238E27FC236}">
-                <a16:creationId xmlns:a16="http://schemas.microsoft.com/office/drawing/2014/main" id="{E1A5093F-4A92-EC09-2310-355323C2AC97}"/>
-              </a:ext>
-            </a:extLst>
-          </p:cNvPr>
-          <p:cNvCxnSpPr>
-            <a:cxnSpLocks/>
-          </p:cNvCxnSpPr>
-          <p:nvPr/>
-        </p:nvCxnSpPr>
-        <p:spPr>
-          <a:xfrm>
-            <a:off x="44069" y="782885"/>
-            <a:ext cx="12147932" cy="4270184"/>
-          </a:xfrm>
-          <a:prstGeom prst="line">
-            <a:avLst/>
-          </a:prstGeom>
-        </p:spPr>
-        <p:style>
-          <a:lnRef idx="1">
-            <a:schemeClr val="dk1"/>
-          </a:lnRef>
-          <a:fillRef idx="0">
-            <a:schemeClr val="dk1"/>
-          </a:fillRef>
-          <a:effectRef idx="0">
-            <a:schemeClr val="dk1"/>
-          </a:effectRef>
-          <a:fontRef idx="minor">
-            <a:schemeClr val="tx1"/>
-          </a:fontRef>
-        </p:style>
-      </p:cxnSp>
-      <p:cxnSp>
-        <p:nvCxnSpPr>
-          <p:cNvPr id="14" name="Conector recto 13">
-            <a:extLst>
-              <a:ext uri="{FF2B5EF4-FFF2-40B4-BE49-F238E27FC236}">
-                <a16:creationId xmlns:a16="http://schemas.microsoft.com/office/drawing/2014/main" id="{8B73BF79-FB72-C8F9-DEFA-78ECC4197BBB}"/>
-              </a:ext>
-            </a:extLst>
-          </p:cNvPr>
-          <p:cNvCxnSpPr>
-            <a:cxnSpLocks/>
-          </p:cNvCxnSpPr>
-          <p:nvPr/>
-        </p:nvCxnSpPr>
-        <p:spPr>
-          <a:xfrm flipH="1">
-            <a:off x="-45595" y="782885"/>
-            <a:ext cx="12237595" cy="4270184"/>
-          </a:xfrm>
-          <a:prstGeom prst="line">
-            <a:avLst/>
-          </a:prstGeom>
-        </p:spPr>
-        <p:style>
-          <a:lnRef idx="1">
-            <a:schemeClr val="dk1"/>
-          </a:lnRef>
-          <a:fillRef idx="0">
-            <a:schemeClr val="dk1"/>
-          </a:fillRef>
-          <a:effectRef idx="0">
-            <a:schemeClr val="dk1"/>
-          </a:effectRef>
-          <a:fontRef idx="minor">
-            <a:schemeClr val="tx1"/>
-          </a:fontRef>
-        </p:style>
-      </p:cxnSp>
-      <p:cxnSp>
-        <p:nvCxnSpPr>
-          <p:cNvPr id="36" name="Conector recto 35">
-            <a:extLst>
-              <a:ext uri="{FF2B5EF4-FFF2-40B4-BE49-F238E27FC236}">
-                <a16:creationId xmlns:a16="http://schemas.microsoft.com/office/drawing/2014/main" id="{5A048461-5561-3ABE-ECEF-C0F2C6896E59}"/>
-              </a:ext>
-            </a:extLst>
-          </p:cNvPr>
-          <p:cNvCxnSpPr>
-            <a:cxnSpLocks/>
-          </p:cNvCxnSpPr>
-          <p:nvPr/>
-        </p:nvCxnSpPr>
-        <p:spPr>
-          <a:xfrm flipV="1">
-            <a:off x="44068" y="5082467"/>
-            <a:ext cx="12139707" cy="14671"/>
-          </a:xfrm>
-          <a:prstGeom prst="line">
-            <a:avLst/>
-          </a:prstGeom>
-        </p:spPr>
-        <p:style>
-          <a:lnRef idx="1">
-            <a:schemeClr val="dk1"/>
-          </a:lnRef>
-          <a:fillRef idx="0">
-            <a:schemeClr val="dk1"/>
-          </a:fillRef>
-          <a:effectRef idx="0">
-            <a:schemeClr val="dk1"/>
-          </a:effectRef>
-          <a:fontRef idx="minor">
-            <a:schemeClr val="tx1"/>
-          </a:fontRef>
-        </p:style>
-      </p:cxnSp>
-      <p:sp>
-        <p:nvSpPr>
-          <p:cNvPr id="44" name="CuadroTexto 43">
-            <a:extLst>
-              <a:ext uri="{FF2B5EF4-FFF2-40B4-BE49-F238E27FC236}">
-                <a16:creationId xmlns:a16="http://schemas.microsoft.com/office/drawing/2014/main" id="{C43C6928-0F5E-B932-CA55-0AEE5E2C42A8}"/>
-              </a:ext>
-            </a:extLst>
-          </p:cNvPr>
-          <p:cNvSpPr txBox="1"/>
-          <p:nvPr/>
-        </p:nvSpPr>
-        <p:spPr>
-          <a:xfrm>
-            <a:off x="6073203" y="5185620"/>
-            <a:ext cx="5577949" cy="1569660"/>
-          </a:xfrm>
-          <a:prstGeom prst="rect">
-            <a:avLst/>
-          </a:prstGeom>
-          <a:noFill/>
-        </p:spPr>
-        <p:txBody>
-          <a:bodyPr wrap="square" rtlCol="0">
-            <a:spAutoFit/>
-          </a:bodyPr>
-          <a:lstStyle/>
-          <a:p>
-            <a:r>
-              <a:rPr lang="es-ES" sz="1600" b="1" dirty="0">
-                <a:latin typeface="+mj-lt"/>
-              </a:rPr>
-              <a:t>RESULTADOS</a:t>
-            </a:r>
-          </a:p>
-          <a:p>
-            <a:r>
-              <a:rPr lang="es-ES" sz="1600" b="1" dirty="0">
-                <a:latin typeface="+mj-lt"/>
-              </a:rPr>
-              <a:t>Cliente: </a:t>
-            </a:r>
-            <a:r>
-              <a:rPr lang="es-ES" sz="1600" dirty="0">
-                <a:latin typeface="+mj-lt"/>
-              </a:rPr>
-              <a:t>- Servicios adquiridos de excelente calidad</a:t>
-            </a:r>
-          </a:p>
-          <a:p>
-            <a:r>
-              <a:rPr lang="es-ES" sz="1600" b="1" dirty="0">
-                <a:latin typeface="+mj-lt"/>
-              </a:rPr>
-              <a:t>Proveedor: </a:t>
-            </a:r>
-            <a:r>
-              <a:rPr lang="es-ES" sz="1600" dirty="0">
-                <a:latin typeface="+mj-lt"/>
-              </a:rPr>
-              <a:t>- Emprendimiento a gran escala</a:t>
-            </a:r>
-          </a:p>
-          <a:p>
-            <a:r>
-              <a:rPr lang="es-ES" sz="1600" dirty="0">
-                <a:latin typeface="+mj-lt"/>
-              </a:rPr>
-              <a:t>- Superación personal </a:t>
-            </a:r>
-          </a:p>
-          <a:p>
-            <a:r>
-              <a:rPr lang="es-ES" sz="1600" dirty="0">
-                <a:latin typeface="+mj-lt"/>
-              </a:rPr>
-              <a:t>- Más recomendaciones de sus clientes</a:t>
-            </a:r>
-          </a:p>
-          <a:p>
-            <a:r>
-              <a:rPr lang="es-ES" sz="1600" dirty="0">
-                <a:latin typeface="+mj-lt"/>
-              </a:rPr>
-              <a:t>- Éxito en la prestación de servicios</a:t>
-            </a:r>
-          </a:p>
-        </p:txBody>
-      </p:sp>
-      <p:pic>
-        <p:nvPicPr>
-          <p:cNvPr id="47" name="Imagen 46">
-            <a:extLst>
-              <a:ext uri="{FF2B5EF4-FFF2-40B4-BE49-F238E27FC236}">
-                <a16:creationId xmlns:a16="http://schemas.microsoft.com/office/drawing/2014/main" id="{4859D8F0-D5A4-AD92-367C-61E7CC5F4D56}"/>
-              </a:ext>
-            </a:extLst>
-          </p:cNvPr>
-          <p:cNvPicPr>
-            <a:picLocks noChangeAspect="1"/>
-          </p:cNvPicPr>
-          <p:nvPr/>
-        </p:nvPicPr>
-        <p:blipFill>
-          <a:blip r:embed="rId7"/>
-          <a:stretch>
-            <a:fillRect/>
-          </a:stretch>
-        </p:blipFill>
-        <p:spPr>
-          <a:xfrm>
-            <a:off x="11475417" y="5764846"/>
-            <a:ext cx="672516" cy="672516"/>
-          </a:xfrm>
-          <a:prstGeom prst="rect">
-            <a:avLst/>
-          </a:prstGeom>
-        </p:spPr>
-      </p:pic>
-      <p:cxnSp>
-        <p:nvCxnSpPr>
-          <p:cNvPr id="49" name="Conector recto 48">
-            <a:extLst>
-              <a:ext uri="{FF2B5EF4-FFF2-40B4-BE49-F238E27FC236}">
-                <a16:creationId xmlns:a16="http://schemas.microsoft.com/office/drawing/2014/main" id="{8F56039C-1692-4FEA-E302-615D52FD5E24}"/>
-              </a:ext>
-            </a:extLst>
-          </p:cNvPr>
-          <p:cNvCxnSpPr>
-            <a:cxnSpLocks/>
-          </p:cNvCxnSpPr>
-          <p:nvPr/>
-        </p:nvCxnSpPr>
-        <p:spPr>
-          <a:xfrm>
-            <a:off x="5915943" y="5126535"/>
-            <a:ext cx="1893" cy="1718612"/>
-          </a:xfrm>
-          <a:prstGeom prst="line">
-            <a:avLst/>
-          </a:prstGeom>
-        </p:spPr>
-        <p:style>
-          <a:lnRef idx="1">
-            <a:schemeClr val="dk1"/>
-          </a:lnRef>
-          <a:fillRef idx="0">
-            <a:schemeClr val="dk1"/>
-          </a:fillRef>
-          <a:effectRef idx="0">
-            <a:schemeClr val="dk1"/>
-          </a:effectRef>
-          <a:fontRef idx="minor">
-            <a:schemeClr val="tx1"/>
-          </a:fontRef>
-        </p:style>
-      </p:cxnSp>
-      <p:sp>
-        <p:nvSpPr>
-          <p:cNvPr id="52" name="CuadroTexto 51">
-            <a:extLst>
-              <a:ext uri="{FF2B5EF4-FFF2-40B4-BE49-F238E27FC236}">
-                <a16:creationId xmlns:a16="http://schemas.microsoft.com/office/drawing/2014/main" id="{82FD7941-C039-8395-2138-C1E7ABB86D71}"/>
-              </a:ext>
-            </a:extLst>
-          </p:cNvPr>
-          <p:cNvSpPr txBox="1"/>
-          <p:nvPr/>
-        </p:nvSpPr>
-        <p:spPr>
-          <a:xfrm>
-            <a:off x="44068" y="5300749"/>
-            <a:ext cx="4906179" cy="1323439"/>
-          </a:xfrm>
-          <a:prstGeom prst="rect">
-            <a:avLst/>
-          </a:prstGeom>
-          <a:noFill/>
-        </p:spPr>
-        <p:txBody>
-          <a:bodyPr wrap="square" rtlCol="0">
-            <a:spAutoFit/>
-          </a:bodyPr>
-          <a:lstStyle/>
-          <a:p>
-            <a:r>
-              <a:rPr lang="es-ES" sz="1600" b="1" dirty="0">
-                <a:latin typeface="+mj-lt"/>
-              </a:rPr>
-              <a:t>ESFUERZOS</a:t>
-            </a:r>
-          </a:p>
-          <a:p>
-            <a:r>
-              <a:rPr lang="es-ES" sz="1600" b="1" dirty="0">
-                <a:latin typeface="+mj-lt"/>
-              </a:rPr>
-              <a:t>Cliente: </a:t>
-            </a:r>
-            <a:r>
-              <a:rPr lang="es-ES" sz="1600" dirty="0">
-                <a:latin typeface="+mj-lt"/>
-              </a:rPr>
-              <a:t>- No hay soluciones a sus necesidades</a:t>
-            </a:r>
-          </a:p>
-          <a:p>
-            <a:r>
-              <a:rPr lang="es-ES" sz="1600" b="1" dirty="0">
-                <a:latin typeface="+mj-lt"/>
-              </a:rPr>
-              <a:t>Proveedor: </a:t>
-            </a:r>
-            <a:r>
-              <a:rPr lang="es-ES" sz="1600" dirty="0">
-                <a:latin typeface="+mj-lt"/>
-              </a:rPr>
-              <a:t>- No alcanzar sus metas propuestas</a:t>
-            </a:r>
-          </a:p>
-          <a:p>
-            <a:r>
-              <a:rPr lang="es-ES" sz="1600" dirty="0">
-                <a:latin typeface="+mj-lt"/>
-              </a:rPr>
-              <a:t>- Dificultad para darse a conocer</a:t>
-            </a:r>
-          </a:p>
-          <a:p>
-            <a:r>
-              <a:rPr lang="es-ES" sz="1600" dirty="0">
-                <a:latin typeface="+mj-lt"/>
-              </a:rPr>
-              <a:t>- Miedo al fracaso</a:t>
-            </a:r>
-          </a:p>
-        </p:txBody>
-      </p:sp>
-      <p:pic>
-        <p:nvPicPr>
-          <p:cNvPr id="53" name="Imagen 52">
-            <a:extLst>
-              <a:ext uri="{FF2B5EF4-FFF2-40B4-BE49-F238E27FC236}">
-                <a16:creationId xmlns:a16="http://schemas.microsoft.com/office/drawing/2014/main" id="{09DC1441-E76F-7767-EFCB-062CF21A205B}"/>
-              </a:ext>
-            </a:extLst>
-          </p:cNvPr>
-          <p:cNvPicPr>
-            <a:picLocks noChangeAspect="1"/>
-          </p:cNvPicPr>
-          <p:nvPr/>
-        </p:nvPicPr>
-        <p:blipFill>
-          <a:blip r:embed="rId8"/>
-          <a:stretch>
-            <a:fillRect/>
-          </a:stretch>
-        </p:blipFill>
-        <p:spPr>
-          <a:xfrm>
-            <a:off x="4546508" y="5718955"/>
-            <a:ext cx="807477" cy="807477"/>
-          </a:xfrm>
-          <a:prstGeom prst="rect">
-            <a:avLst/>
-          </a:prstGeom>
-        </p:spPr>
-      </p:pic>
+              </a:rPr>
+              <a:t>Diccionario de datos</a:t>
+            </a:r>
+          </a:p>
+        </p:txBody>
+      </p:sp>
     </p:spTree>
     <p:extLst>
       <p:ext uri="{BB962C8B-B14F-4D97-AF65-F5344CB8AC3E}">
-        <p14:creationId xmlns:p14="http://schemas.microsoft.com/office/powerpoint/2010/main" val="3622025240"/>
+        <p14:creationId xmlns:p14="http://schemas.microsoft.com/office/powerpoint/2010/main" val="4196182800"/>
       </p:ext>
     </p:extLst>
   </p:cSld>
@@ -8359,8 +8435,8 @@
         </p:nvSpPr>
         <p:spPr>
           <a:xfrm>
-            <a:off x="3012560" y="421131"/>
-            <a:ext cx="6195235" cy="666786"/>
+            <a:off x="-210038" y="398307"/>
+            <a:ext cx="11078244" cy="666786"/>
           </a:xfrm>
           <a:prstGeom prst="rect">
             <a:avLst/>
@@ -8380,7 +8456,7 @@
                   <a:srgbClr val="FF6C00"/>
                 </a:solidFill>
               </a:rPr>
-              <a:t>Diccionario de datos</a:t>
+              <a:t>Modelado MER (Modelo Entidad Relación)</a:t>
             </a:r>
           </a:p>
         </p:txBody>
@@ -8388,7 +8464,7 @@
     </p:spTree>
     <p:extLst>
       <p:ext uri="{BB962C8B-B14F-4D97-AF65-F5344CB8AC3E}">
-        <p14:creationId xmlns:p14="http://schemas.microsoft.com/office/powerpoint/2010/main" val="4196182800"/>
+        <p14:creationId xmlns:p14="http://schemas.microsoft.com/office/powerpoint/2010/main" val="279892807"/>
       </p:ext>
     </p:extLst>
   </p:cSld>
@@ -8429,8 +8505,8 @@
         </p:nvSpPr>
         <p:spPr>
           <a:xfrm>
-            <a:off x="-210038" y="398307"/>
-            <a:ext cx="11078244" cy="666786"/>
+            <a:off x="6096000" y="5067059"/>
+            <a:ext cx="5868571" cy="1241237"/>
           </a:xfrm>
           <a:prstGeom prst="rect">
             <a:avLst/>
@@ -8450,7 +8526,18 @@
                   <a:srgbClr val="FF6C00"/>
                 </a:solidFill>
               </a:rPr>
-              <a:t>Modelado MER (Modelo Entidad Relación)</a:t>
+              <a:t>Modelado MR </a:t>
+            </a:r>
+          </a:p>
+          <a:p>
+            <a:pPr algn="ctr"/>
+            <a:r>
+              <a:rPr lang="es-ES" sz="3733" b="1" dirty="0">
+                <a:solidFill>
+                  <a:srgbClr val="FF6C00"/>
+                </a:solidFill>
+              </a:rPr>
+              <a:t>(Modelo Relacional)</a:t>
             </a:r>
           </a:p>
         </p:txBody>
@@ -8458,7 +8545,7 @@
     </p:spTree>
     <p:extLst>
       <p:ext uri="{BB962C8B-B14F-4D97-AF65-F5344CB8AC3E}">
-        <p14:creationId xmlns:p14="http://schemas.microsoft.com/office/powerpoint/2010/main" val="279892807"/>
+        <p14:creationId xmlns:p14="http://schemas.microsoft.com/office/powerpoint/2010/main" val="1980260065"/>
       </p:ext>
     </p:extLst>
   </p:cSld>
@@ -8499,8 +8586,8 @@
         </p:nvSpPr>
         <p:spPr>
           <a:xfrm>
-            <a:off x="6096000" y="5067059"/>
-            <a:ext cx="5868571" cy="1241237"/>
+            <a:off x="2998383" y="421131"/>
+            <a:ext cx="6195235" cy="666786"/>
           </a:xfrm>
           <a:prstGeom prst="rect">
             <a:avLst/>
@@ -8520,18 +8607,7 @@
                   <a:srgbClr val="FF6C00"/>
                 </a:solidFill>
               </a:rPr>
-              <a:t>Modelado MR </a:t>
-            </a:r>
-          </a:p>
-          <a:p>
-            <a:pPr algn="ctr"/>
-            <a:r>
-              <a:rPr lang="es-ES" sz="3733" b="1" dirty="0">
-                <a:solidFill>
-                  <a:srgbClr val="FF6C00"/>
-                </a:solidFill>
-              </a:rPr>
-              <a:t>(Modelo Relacional)</a:t>
+              <a:t>Script de la base de datos</a:t>
             </a:r>
           </a:p>
         </p:txBody>
@@ -8539,7 +8615,7 @@
     </p:spTree>
     <p:extLst>
       <p:ext uri="{BB962C8B-B14F-4D97-AF65-F5344CB8AC3E}">
-        <p14:creationId xmlns:p14="http://schemas.microsoft.com/office/powerpoint/2010/main" val="1980260065"/>
+        <p14:creationId xmlns:p14="http://schemas.microsoft.com/office/powerpoint/2010/main" val="3458874268"/>
       </p:ext>
     </p:extLst>
   </p:cSld>
@@ -8568,20 +8644,14 @@
       </p:grpSpPr>
       <p:sp>
         <p:nvSpPr>
-          <p:cNvPr id="5" name="CuadroTexto 4">
-            <a:extLst>
-              <a:ext uri="{FF2B5EF4-FFF2-40B4-BE49-F238E27FC236}">
-                <a16:creationId xmlns:a16="http://schemas.microsoft.com/office/drawing/2014/main" id="{1BE7FA7E-C3EC-4186-AFBD-5BB81C7A131D}"/>
-              </a:ext>
-            </a:extLst>
-          </p:cNvPr>
+          <p:cNvPr id="2" name="CuadroTexto 1"/>
           <p:cNvSpPr txBox="1"/>
           <p:nvPr/>
         </p:nvSpPr>
         <p:spPr>
           <a:xfrm>
-            <a:off x="2998383" y="421131"/>
-            <a:ext cx="6195235" cy="666786"/>
+            <a:off x="510491" y="332660"/>
+            <a:ext cx="4408840" cy="830997"/>
           </a:xfrm>
           <a:prstGeom prst="rect">
             <a:avLst/>
@@ -8594,35 +8664,121 @@
           </a:bodyPr>
           <a:lstStyle/>
           <a:p>
-            <a:pPr algn="ctr"/>
-            <a:r>
-              <a:rPr lang="es-ES" sz="3733" b="1" dirty="0">
+            <a:r>
+              <a:rPr lang="es-ES" sz="4800" b="1" dirty="0">
                 <a:solidFill>
-                  <a:srgbClr val="FF6C00"/>
+                  <a:schemeClr val="bg1"/>
                 </a:solidFill>
               </a:rPr>
-              <a:t>Diseño del </a:t>
-            </a:r>
-            <a:r>
-              <a:rPr lang="es-ES" sz="3733" b="1" dirty="0" err="1">
-                <a:solidFill>
-                  <a:srgbClr val="FF6C00"/>
-                </a:solidFill>
-              </a:rPr>
-              <a:t>index</a:t>
-            </a:r>
-            <a:endParaRPr lang="es-ES" sz="3733" b="1" dirty="0">
-              <a:solidFill>
-                <a:srgbClr val="FF6C00"/>
-              </a:solidFill>
+              <a:t>Conclusiones </a:t>
+            </a:r>
+          </a:p>
+        </p:txBody>
+      </p:sp>
+      <p:sp>
+        <p:nvSpPr>
+          <p:cNvPr id="8" name="CuadroTexto 7">
+            <a:extLst>
+              <a:ext uri="{FF2B5EF4-FFF2-40B4-BE49-F238E27FC236}">
+                <a16:creationId xmlns:a16="http://schemas.microsoft.com/office/drawing/2014/main" id="{F8C7B26D-E9A2-4838-8972-83BB0387A627}"/>
+              </a:ext>
+            </a:extLst>
+          </p:cNvPr>
+          <p:cNvSpPr txBox="1"/>
+          <p:nvPr/>
+        </p:nvSpPr>
+        <p:spPr>
+          <a:xfrm>
+            <a:off x="184424" y="1821465"/>
+            <a:ext cx="11823152" cy="3416320"/>
+          </a:xfrm>
+          <a:prstGeom prst="rect">
+            <a:avLst/>
+          </a:prstGeom>
+          <a:noFill/>
+        </p:spPr>
+        <p:txBody>
+          <a:bodyPr wrap="square" rtlCol="0">
+            <a:spAutoFit/>
+          </a:bodyPr>
+          <a:lstStyle/>
+          <a:p>
+            <a:pPr marL="380990" indent="-380990" algn="just" defTabSz="1257621" hangingPunct="0">
+              <a:buFontTx/>
+              <a:buChar char="-"/>
+            </a:pPr>
+            <a:r>
+              <a:rPr lang="es-ES" sz="2400" dirty="0">
+                <a:ea typeface="Helvetica Neue"/>
+                <a:cs typeface="Calibir"/>
+                <a:sym typeface="Helvetica Neue"/>
+              </a:rPr>
+              <a:t>Tras la documentación mostrada, podemos deducir que los objetivos planteados están dirigidos a solucionar la problemática principal de nuestro proyecto, dado que actualmente no se ve resuelta por completo en el mercado, y de allí se derivan oportunidades para </a:t>
+            </a:r>
+            <a:r>
+              <a:rPr lang="es-ES" sz="2400" dirty="0" err="1">
+                <a:ea typeface="Helvetica Neue"/>
+                <a:cs typeface="Calibir"/>
+                <a:sym typeface="Helvetica Neue"/>
+              </a:rPr>
+              <a:t>Service</a:t>
+            </a:r>
+            <a:r>
+              <a:rPr lang="es-ES" sz="2400" dirty="0">
+                <a:ea typeface="Helvetica Neue"/>
+                <a:cs typeface="Calibir"/>
+                <a:sym typeface="Helvetica Neue"/>
+              </a:rPr>
+              <a:t> </a:t>
+            </a:r>
+            <a:r>
+              <a:rPr lang="es-ES" sz="2400" dirty="0" err="1">
+                <a:ea typeface="Helvetica Neue"/>
+                <a:cs typeface="Calibir"/>
+                <a:sym typeface="Helvetica Neue"/>
+              </a:rPr>
+              <a:t>Market</a:t>
+            </a:r>
+            <a:r>
+              <a:rPr lang="es-ES" sz="2400" dirty="0">
+                <a:ea typeface="Helvetica Neue"/>
+                <a:cs typeface="Calibir"/>
+                <a:sym typeface="Helvetica Neue"/>
+              </a:rPr>
+              <a:t>.</a:t>
+            </a:r>
+          </a:p>
+          <a:p>
+            <a:pPr marL="380990" indent="-380990" algn="just" defTabSz="1257621" hangingPunct="0">
+              <a:buFontTx/>
+              <a:buChar char="-"/>
+            </a:pPr>
+            <a:endParaRPr lang="es-ES" sz="2400" dirty="0">
+              <a:ea typeface="Helvetica Neue"/>
+              <a:cs typeface="Calibir"/>
+              <a:sym typeface="Helvetica Neue"/>
             </a:endParaRPr>
+          </a:p>
+          <a:p>
+            <a:pPr marL="380990" indent="-380990" algn="just" defTabSz="1257621" hangingPunct="0">
+              <a:buFontTx/>
+              <a:buChar char="-"/>
+            </a:pPr>
+            <a:r>
+              <a:rPr lang="es-ES" sz="2400" dirty="0">
+                <a:ea typeface="Helvetica Neue"/>
+                <a:cs typeface="Calibir"/>
+                <a:sym typeface="Helvetica Neue"/>
+              </a:rPr>
+              <a:t>Según los datos expuestos, podemos concluir que nuestra aplicación web va a ser un canal de comunicación para clientes y prestadores de servicios que estén dispuestos a darse a conocer, generando así mas ganancias, una negociación a una escala mayor y aumentando la credibilidad de aquellos prestadores de servicios que requieran una ayuda.</a:t>
+            </a:r>
           </a:p>
         </p:txBody>
       </p:sp>
     </p:spTree>
     <p:extLst>
       <p:ext uri="{BB962C8B-B14F-4D97-AF65-F5344CB8AC3E}">
-        <p14:creationId xmlns:p14="http://schemas.microsoft.com/office/powerpoint/2010/main" val="3430940337"/>
+        <p14:creationId xmlns:p14="http://schemas.microsoft.com/office/powerpoint/2010/main" val="224373756"/>
       </p:ext>
     </p:extLst>
   </p:cSld>
@@ -8651,239 +8807,6 @@
       </p:grpSpPr>
       <p:sp>
         <p:nvSpPr>
-          <p:cNvPr id="5" name="CuadroTexto 4">
-            <a:extLst>
-              <a:ext uri="{FF2B5EF4-FFF2-40B4-BE49-F238E27FC236}">
-                <a16:creationId xmlns:a16="http://schemas.microsoft.com/office/drawing/2014/main" id="{1BE7FA7E-C3EC-4186-AFBD-5BB81C7A131D}"/>
-              </a:ext>
-            </a:extLst>
-          </p:cNvPr>
-          <p:cNvSpPr txBox="1"/>
-          <p:nvPr/>
-        </p:nvSpPr>
-        <p:spPr>
-          <a:xfrm>
-            <a:off x="2998383" y="421131"/>
-            <a:ext cx="6195235" cy="666786"/>
-          </a:xfrm>
-          <a:prstGeom prst="rect">
-            <a:avLst/>
-          </a:prstGeom>
-          <a:noFill/>
-        </p:spPr>
-        <p:txBody>
-          <a:bodyPr wrap="square" rtlCol="0">
-            <a:spAutoFit/>
-          </a:bodyPr>
-          <a:lstStyle/>
-          <a:p>
-            <a:pPr algn="ctr"/>
-            <a:r>
-              <a:rPr lang="es-ES" sz="3733" b="1" dirty="0">
-                <a:solidFill>
-                  <a:srgbClr val="FF6C00"/>
-                </a:solidFill>
-              </a:rPr>
-              <a:t>Script de la base de datos</a:t>
-            </a:r>
-          </a:p>
-        </p:txBody>
-      </p:sp>
-    </p:spTree>
-    <p:extLst>
-      <p:ext uri="{BB962C8B-B14F-4D97-AF65-F5344CB8AC3E}">
-        <p14:creationId xmlns:p14="http://schemas.microsoft.com/office/powerpoint/2010/main" val="3458874268"/>
-      </p:ext>
-    </p:extLst>
-  </p:cSld>
-  <p:clrMapOvr>
-    <a:masterClrMapping/>
-  </p:clrMapOvr>
-</p:sld>
-</file>
-
-<file path=ppt/slides/slide35.xml><?xml version="1.0" encoding="utf-8"?>
-<p:sld xmlns:a="http://schemas.openxmlformats.org/drawingml/2006/main" xmlns:r="http://schemas.openxmlformats.org/officeDocument/2006/relationships" xmlns:p="http://schemas.openxmlformats.org/presentationml/2006/main">
-  <p:cSld>
-    <p:spTree>
-      <p:nvGrpSpPr>
-        <p:cNvPr id="1" name=""/>
-        <p:cNvGrpSpPr/>
-        <p:nvPr/>
-      </p:nvGrpSpPr>
-      <p:grpSpPr>
-        <a:xfrm>
-          <a:off x="0" y="0"/>
-          <a:ext cx="0" cy="0"/>
-          <a:chOff x="0" y="0"/>
-          <a:chExt cx="0" cy="0"/>
-        </a:xfrm>
-      </p:grpSpPr>
-      <p:sp>
-        <p:nvSpPr>
-          <p:cNvPr id="2" name="CuadroTexto 1"/>
-          <p:cNvSpPr txBox="1"/>
-          <p:nvPr/>
-        </p:nvSpPr>
-        <p:spPr>
-          <a:xfrm>
-            <a:off x="510491" y="332660"/>
-            <a:ext cx="4408840" cy="830997"/>
-          </a:xfrm>
-          <a:prstGeom prst="rect">
-            <a:avLst/>
-          </a:prstGeom>
-          <a:noFill/>
-        </p:spPr>
-        <p:txBody>
-          <a:bodyPr wrap="square" rtlCol="0">
-            <a:spAutoFit/>
-          </a:bodyPr>
-          <a:lstStyle/>
-          <a:p>
-            <a:r>
-              <a:rPr lang="es-ES" sz="4800" b="1" dirty="0">
-                <a:solidFill>
-                  <a:schemeClr val="bg1"/>
-                </a:solidFill>
-              </a:rPr>
-              <a:t>Conclusiones </a:t>
-            </a:r>
-          </a:p>
-        </p:txBody>
-      </p:sp>
-      <p:sp>
-        <p:nvSpPr>
-          <p:cNvPr id="8" name="CuadroTexto 7">
-            <a:extLst>
-              <a:ext uri="{FF2B5EF4-FFF2-40B4-BE49-F238E27FC236}">
-                <a16:creationId xmlns:a16="http://schemas.microsoft.com/office/drawing/2014/main" id="{F8C7B26D-E9A2-4838-8972-83BB0387A627}"/>
-              </a:ext>
-            </a:extLst>
-          </p:cNvPr>
-          <p:cNvSpPr txBox="1"/>
-          <p:nvPr/>
-        </p:nvSpPr>
-        <p:spPr>
-          <a:xfrm>
-            <a:off x="184424" y="1821465"/>
-            <a:ext cx="11823152" cy="3416320"/>
-          </a:xfrm>
-          <a:prstGeom prst="rect">
-            <a:avLst/>
-          </a:prstGeom>
-          <a:noFill/>
-        </p:spPr>
-        <p:txBody>
-          <a:bodyPr wrap="square" rtlCol="0">
-            <a:spAutoFit/>
-          </a:bodyPr>
-          <a:lstStyle/>
-          <a:p>
-            <a:pPr marL="380990" indent="-380990" algn="just" defTabSz="1257621" hangingPunct="0">
-              <a:buFontTx/>
-              <a:buChar char="-"/>
-            </a:pPr>
-            <a:r>
-              <a:rPr lang="es-ES" sz="2400" dirty="0">
-                <a:ea typeface="Helvetica Neue"/>
-                <a:cs typeface="Calibir"/>
-                <a:sym typeface="Helvetica Neue"/>
-              </a:rPr>
-              <a:t>Tras la documentación mostrada, podemos deducir que los objetivos planteados están dirigidos a solucionar la problemática principal de nuestro proyecto, dado que actualmente no se ve resuelta por completo en el mercado, y de allí se derivan oportunidades para </a:t>
-            </a:r>
-            <a:r>
-              <a:rPr lang="es-ES" sz="2400" dirty="0" err="1">
-                <a:ea typeface="Helvetica Neue"/>
-                <a:cs typeface="Calibir"/>
-                <a:sym typeface="Helvetica Neue"/>
-              </a:rPr>
-              <a:t>Service</a:t>
-            </a:r>
-            <a:r>
-              <a:rPr lang="es-ES" sz="2400" dirty="0">
-                <a:ea typeface="Helvetica Neue"/>
-                <a:cs typeface="Calibir"/>
-                <a:sym typeface="Helvetica Neue"/>
-              </a:rPr>
-              <a:t> </a:t>
-            </a:r>
-            <a:r>
-              <a:rPr lang="es-ES" sz="2400" dirty="0" err="1">
-                <a:ea typeface="Helvetica Neue"/>
-                <a:cs typeface="Calibir"/>
-                <a:sym typeface="Helvetica Neue"/>
-              </a:rPr>
-              <a:t>Market</a:t>
-            </a:r>
-            <a:r>
-              <a:rPr lang="es-ES" sz="2400" dirty="0">
-                <a:ea typeface="Helvetica Neue"/>
-                <a:cs typeface="Calibir"/>
-                <a:sym typeface="Helvetica Neue"/>
-              </a:rPr>
-              <a:t>.</a:t>
-            </a:r>
-          </a:p>
-          <a:p>
-            <a:pPr marL="380990" indent="-380990" algn="just" defTabSz="1257621" hangingPunct="0">
-              <a:buFontTx/>
-              <a:buChar char="-"/>
-            </a:pPr>
-            <a:endParaRPr lang="es-ES" sz="2400" dirty="0">
-              <a:ea typeface="Helvetica Neue"/>
-              <a:cs typeface="Calibir"/>
-              <a:sym typeface="Helvetica Neue"/>
-            </a:endParaRPr>
-          </a:p>
-          <a:p>
-            <a:pPr marL="380990" indent="-380990" algn="just" defTabSz="1257621" hangingPunct="0">
-              <a:buFontTx/>
-              <a:buChar char="-"/>
-            </a:pPr>
-            <a:r>
-              <a:rPr lang="es-ES" sz="2400" dirty="0">
-                <a:ea typeface="Helvetica Neue"/>
-                <a:cs typeface="Calibir"/>
-                <a:sym typeface="Helvetica Neue"/>
-              </a:rPr>
-              <a:t>Según los datos expuestos, podemos concluir que nuestra aplicación web va a ser un canal de comunicación para clientes y prestadores de servicios que estén dispuestos a darse a conocer, generando así mas ganancias, una negociación a una escala mayor y aumentando la credibilidad de aquellos prestadores de servicios que requieran una ayuda.</a:t>
-            </a:r>
-          </a:p>
-        </p:txBody>
-      </p:sp>
-    </p:spTree>
-    <p:extLst>
-      <p:ext uri="{BB962C8B-B14F-4D97-AF65-F5344CB8AC3E}">
-        <p14:creationId xmlns:p14="http://schemas.microsoft.com/office/powerpoint/2010/main" val="224373756"/>
-      </p:ext>
-    </p:extLst>
-  </p:cSld>
-  <p:clrMapOvr>
-    <a:masterClrMapping/>
-  </p:clrMapOvr>
-</p:sld>
-</file>
-
-<file path=ppt/slides/slide36.xml><?xml version="1.0" encoding="utf-8"?>
-<p:sld xmlns:a="http://schemas.openxmlformats.org/drawingml/2006/main" xmlns:r="http://schemas.openxmlformats.org/officeDocument/2006/relationships" xmlns:p="http://schemas.openxmlformats.org/presentationml/2006/main">
-  <p:cSld>
-    <p:spTree>
-      <p:nvGrpSpPr>
-        <p:cNvPr id="1" name=""/>
-        <p:cNvGrpSpPr/>
-        <p:nvPr/>
-      </p:nvGrpSpPr>
-      <p:grpSpPr>
-        <a:xfrm>
-          <a:off x="0" y="0"/>
-          <a:ext cx="0" cy="0"/>
-          <a:chOff x="0" y="0"/>
-          <a:chExt cx="0" cy="0"/>
-        </a:xfrm>
-      </p:grpSpPr>
-      <p:sp>
-        <p:nvSpPr>
           <p:cNvPr id="2" name="CuadroTexto 1"/>
           <p:cNvSpPr txBox="1"/>
           <p:nvPr/>
@@ -9309,7 +9232,7 @@
 </p:sld>
 </file>
 
-<file path=ppt/slides/slide37.xml><?xml version="1.0" encoding="utf-8"?>
+<file path=ppt/slides/slide35.xml><?xml version="1.0" encoding="utf-8"?>
 <p:sld xmlns:a="http://schemas.openxmlformats.org/drawingml/2006/main" xmlns:r="http://schemas.openxmlformats.org/officeDocument/2006/relationships" xmlns:p="http://schemas.openxmlformats.org/presentationml/2006/main">
   <p:cSld>
     <p:spTree>
@@ -11504,7 +11427,7 @@
                 <a:latin typeface="Calibri" panose="020F0502020204030204" pitchFamily="34" charset="0"/>
                 <a:cs typeface="Calibri" panose="020F0502020204030204" pitchFamily="34" charset="0"/>
               </a:rPr>
-              <a:t>- Publicidad para vendedores.</a:t>
+              <a:t>- Publicidad para prestadores de servicios.</a:t>
             </a:r>
           </a:p>
         </p:txBody>

--- a/PROYECTO FORMATIVO.pptx
+++ b/PROYECTO FORMATIVO.pptx
@@ -8080,7 +8080,7 @@
         </p:nvSpPr>
         <p:spPr>
           <a:xfrm>
-            <a:off x="733293" y="146304"/>
+            <a:off x="733292" y="0"/>
             <a:ext cx="10725414" cy="1569660"/>
           </a:xfrm>
           <a:prstGeom prst="rect">
@@ -8125,6 +8125,36 @@
           </a:p>
         </p:txBody>
       </p:sp>
+      <p:pic>
+        <p:nvPicPr>
+          <p:cNvPr id="3" name="Imagen 2">
+            <a:extLst>
+              <a:ext uri="{FF2B5EF4-FFF2-40B4-BE49-F238E27FC236}">
+                <a16:creationId xmlns:a16="http://schemas.microsoft.com/office/drawing/2014/main" id="{71BDB4A0-FA03-57E5-A211-2B9E7C9DB164}"/>
+              </a:ext>
+            </a:extLst>
+          </p:cNvPr>
+          <p:cNvPicPr>
+            <a:picLocks noChangeAspect="1"/>
+          </p:cNvPicPr>
+          <p:nvPr/>
+        </p:nvPicPr>
+        <p:blipFill>
+          <a:blip r:embed="rId2"/>
+          <a:stretch>
+            <a:fillRect/>
+          </a:stretch>
+        </p:blipFill>
+        <p:spPr>
+          <a:xfrm>
+            <a:off x="1553709" y="1463040"/>
+            <a:ext cx="9084581" cy="5394960"/>
+          </a:xfrm>
+          <a:prstGeom prst="rect">
+            <a:avLst/>
+          </a:prstGeom>
+        </p:spPr>
+      </p:pic>
     </p:spTree>
     <p:extLst>
       <p:ext uri="{BB962C8B-B14F-4D97-AF65-F5344CB8AC3E}">
@@ -8375,8 +8405,8 @@
         </p:nvSpPr>
         <p:spPr>
           <a:xfrm>
-            <a:off x="733293" y="146304"/>
-            <a:ext cx="10725414" cy="1569660"/>
+            <a:off x="5085837" y="2644170"/>
+            <a:ext cx="7106163" cy="1569660"/>
           </a:xfrm>
           <a:prstGeom prst="rect">
             <a:avLst/>
@@ -8420,6 +8450,36 @@
           </a:p>
         </p:txBody>
       </p:sp>
+      <p:pic>
+        <p:nvPicPr>
+          <p:cNvPr id="3" name="Imagen 2">
+            <a:extLst>
+              <a:ext uri="{FF2B5EF4-FFF2-40B4-BE49-F238E27FC236}">
+                <a16:creationId xmlns:a16="http://schemas.microsoft.com/office/drawing/2014/main" id="{7A56AB45-AFE4-914C-29BA-AC236A64E14B}"/>
+              </a:ext>
+            </a:extLst>
+          </p:cNvPr>
+          <p:cNvPicPr>
+            <a:picLocks noChangeAspect="1"/>
+          </p:cNvPicPr>
+          <p:nvPr/>
+        </p:nvPicPr>
+        <p:blipFill>
+          <a:blip r:embed="rId2"/>
+          <a:stretch>
+            <a:fillRect/>
+          </a:stretch>
+        </p:blipFill>
+        <p:spPr>
+          <a:xfrm>
+            <a:off x="219456" y="0"/>
+            <a:ext cx="4656078" cy="6858000"/>
+          </a:xfrm>
+          <a:prstGeom prst="rect">
+            <a:avLst/>
+          </a:prstGeom>
+        </p:spPr>
+      </p:pic>
     </p:spTree>
     <p:extLst>
       <p:ext uri="{BB962C8B-B14F-4D97-AF65-F5344CB8AC3E}">

--- a/PROYECTO FORMATIVO.pptx
+++ b/PROYECTO FORMATIVO.pptx
@@ -285,7 +285,7 @@
           <a:p>
             <a:fld id="{88369B9F-131C-2846-AB8F-CEE154B4CAEB}" type="datetimeFigureOut">
               <a:rPr lang="es-CO" smtClean="0"/>
-              <a:t>23/11/2022</a:t>
+              <a:t>26/11/2022</a:t>
             </a:fld>
             <a:endParaRPr lang="es-CO"/>
           </a:p>
@@ -462,7 +462,7 @@
           <a:p>
             <a:fld id="{9660CB96-A603-FF42-AE46-F5F75F80A67B}" type="datetimeFigureOut">
               <a:rPr lang="es-CO" smtClean="0"/>
-              <a:t>23/11/2022</a:t>
+              <a:t>26/11/2022</a:t>
             </a:fld>
             <a:endParaRPr lang="es-CO"/>
           </a:p>
@@ -1131,7 +1131,7 @@
           <a:p>
             <a:fld id="{BD986248-06F7-A441-A47A-264EBD310E11}" type="datetimeFigureOut">
               <a:rPr lang="es-CO" smtClean="0"/>
-              <a:t>23/11/2022</a:t>
+              <a:t>26/11/2022</a:t>
             </a:fld>
             <a:endParaRPr lang="es-CO"/>
           </a:p>
@@ -1331,7 +1331,7 @@
           <a:p>
             <a:fld id="{BD986248-06F7-A441-A47A-264EBD310E11}" type="datetimeFigureOut">
               <a:rPr lang="es-CO" smtClean="0"/>
-              <a:t>23/11/2022</a:t>
+              <a:t>26/11/2022</a:t>
             </a:fld>
             <a:endParaRPr lang="es-CO"/>
           </a:p>
@@ -1541,7 +1541,7 @@
           <a:p>
             <a:fld id="{BD986248-06F7-A441-A47A-264EBD310E11}" type="datetimeFigureOut">
               <a:rPr lang="es-CO" smtClean="0"/>
-              <a:t>23/11/2022</a:t>
+              <a:t>26/11/2022</a:t>
             </a:fld>
             <a:endParaRPr lang="es-CO"/>
           </a:p>
@@ -1804,7 +1804,7 @@
           <a:p>
             <a:fld id="{BD986248-06F7-A441-A47A-264EBD310E11}" type="datetimeFigureOut">
               <a:rPr lang="es-CO" smtClean="0"/>
-              <a:t>23/11/2022</a:t>
+              <a:t>26/11/2022</a:t>
             </a:fld>
             <a:endParaRPr lang="es-CO"/>
           </a:p>
@@ -2070,7 +2070,7 @@
           <a:p>
             <a:fld id="{BD986248-06F7-A441-A47A-264EBD310E11}" type="datetimeFigureOut">
               <a:rPr lang="es-CO" smtClean="0"/>
-              <a:t>23/11/2022</a:t>
+              <a:t>26/11/2022</a:t>
             </a:fld>
             <a:endParaRPr lang="es-CO"/>
           </a:p>
@@ -2346,7 +2346,7 @@
           <a:p>
             <a:fld id="{BD986248-06F7-A441-A47A-264EBD310E11}" type="datetimeFigureOut">
               <a:rPr lang="es-CO" smtClean="0"/>
-              <a:t>23/11/2022</a:t>
+              <a:t>26/11/2022</a:t>
             </a:fld>
             <a:endParaRPr lang="es-CO"/>
           </a:p>
@@ -2614,7 +2614,7 @@
           <a:p>
             <a:fld id="{BD986248-06F7-A441-A47A-264EBD310E11}" type="datetimeFigureOut">
               <a:rPr lang="es-CO" smtClean="0"/>
-              <a:t>23/11/2022</a:t>
+              <a:t>26/11/2022</a:t>
             </a:fld>
             <a:endParaRPr lang="es-CO"/>
           </a:p>
@@ -3029,7 +3029,7 @@
           <a:p>
             <a:fld id="{BD986248-06F7-A441-A47A-264EBD310E11}" type="datetimeFigureOut">
               <a:rPr lang="es-CO" smtClean="0"/>
-              <a:t>23/11/2022</a:t>
+              <a:t>26/11/2022</a:t>
             </a:fld>
             <a:endParaRPr lang="es-CO"/>
           </a:p>
@@ -3171,7 +3171,7 @@
           <a:p>
             <a:fld id="{BD986248-06F7-A441-A47A-264EBD310E11}" type="datetimeFigureOut">
               <a:rPr lang="es-CO" smtClean="0"/>
-              <a:t>23/11/2022</a:t>
+              <a:t>26/11/2022</a:t>
             </a:fld>
             <a:endParaRPr lang="es-CO"/>
           </a:p>
@@ -3284,7 +3284,7 @@
           <a:p>
             <a:fld id="{BD986248-06F7-A441-A47A-264EBD310E11}" type="datetimeFigureOut">
               <a:rPr lang="es-CO" smtClean="0"/>
-              <a:t>23/11/2022</a:t>
+              <a:t>26/11/2022</a:t>
             </a:fld>
             <a:endParaRPr lang="es-CO"/>
           </a:p>
@@ -3597,7 +3597,7 @@
           <a:p>
             <a:fld id="{BD986248-06F7-A441-A47A-264EBD310E11}" type="datetimeFigureOut">
               <a:rPr lang="es-CO" smtClean="0"/>
-              <a:t>23/11/2022</a:t>
+              <a:t>26/11/2022</a:t>
             </a:fld>
             <a:endParaRPr lang="es-CO"/>
           </a:p>
@@ -3886,7 +3886,7 @@
           <a:p>
             <a:fld id="{BD986248-06F7-A441-A47A-264EBD310E11}" type="datetimeFigureOut">
               <a:rPr lang="es-CO" smtClean="0"/>
-              <a:t>23/11/2022</a:t>
+              <a:t>26/11/2022</a:t>
             </a:fld>
             <a:endParaRPr lang="es-CO"/>
           </a:p>
@@ -4129,7 +4129,7 @@
           <a:p>
             <a:fld id="{BD986248-06F7-A441-A47A-264EBD310E11}" type="datetimeFigureOut">
               <a:rPr lang="es-CO" smtClean="0"/>
-              <a:t>23/11/2022</a:t>
+              <a:t>26/11/2022</a:t>
             </a:fld>
             <a:endParaRPr lang="es-CO"/>
           </a:p>
@@ -4714,7 +4714,7 @@
         <p:spPr>
           <a:xfrm>
             <a:off x="280416" y="1196429"/>
-            <a:ext cx="11618976" cy="5324535"/>
+            <a:ext cx="11618976" cy="5940088"/>
           </a:xfrm>
           <a:prstGeom prst="rect">
             <a:avLst/>
@@ -4798,7 +4798,7 @@
                 <a:cs typeface="Calibri" panose="020F0502020204030204" pitchFamily="34" charset="0"/>
                 <a:sym typeface="Helvetica Neue"/>
               </a:rPr>
-              <a:t>El sistema debe permitir a los clientes registrar solicitudes de servicios.</a:t>
+              <a:t>El sistema debe permitir visualizar más información acerca de los servicios y el prestador que lo ofrece.</a:t>
             </a:r>
           </a:p>
           <a:p>
@@ -4813,7 +4813,7 @@
                 <a:cs typeface="Calibri" panose="020F0502020204030204" pitchFamily="34" charset="0"/>
                 <a:sym typeface="Helvetica Neue"/>
               </a:rPr>
-              <a:t>El sistema debe generar un reporte sobre el historial de los servicios realizados por un prestador de servicios.</a:t>
+              <a:t>El sistema debe permitir a los clientes registrar solicitudes de servicios.</a:t>
             </a:r>
           </a:p>
           <a:p>
@@ -4828,7 +4828,7 @@
                 <a:cs typeface="Calibri" panose="020F0502020204030204" pitchFamily="34" charset="0"/>
                 <a:sym typeface="Helvetica Neue"/>
               </a:rPr>
-              <a:t>El sistema debe generar un reporte sobre el historial de los servicios adquiridos por un cliente.</a:t>
+              <a:t>El sistema debe generar un reporte sobre el historial de los servicios.</a:t>
             </a:r>
           </a:p>
           <a:p>
@@ -4904,6 +4904,51 @@
               </a:rPr>
               <a:t>El sistema debe generar un numero de caso único para cada servicio.</a:t>
             </a:r>
+          </a:p>
+          <a:p>
+            <a:pPr marL="457189" indent="-457189" algn="just" defTabSz="1257621" hangingPunct="0">
+              <a:buFont typeface="+mj-lt"/>
+              <a:buAutoNum type="arabicPeriod"/>
+            </a:pPr>
+            <a:r>
+              <a:rPr lang="es-ES" sz="2000" dirty="0">
+                <a:latin typeface="Work Sans" pitchFamily="2" charset="0"/>
+                <a:ea typeface="Helvetica Neue"/>
+                <a:cs typeface="Calibri" panose="020F0502020204030204" pitchFamily="34" charset="0"/>
+                <a:sym typeface="Helvetica Neue"/>
+              </a:rPr>
+              <a:t>El sistema debe permitir visualizar editar datos del perfil de cada usuario.</a:t>
+            </a:r>
+          </a:p>
+          <a:p>
+            <a:pPr marL="457189" indent="-457189" algn="just" defTabSz="1257621" hangingPunct="0">
+              <a:buFont typeface="+mj-lt"/>
+              <a:buAutoNum type="arabicPeriod"/>
+            </a:pPr>
+            <a:r>
+              <a:rPr lang="es-ES" sz="2000" dirty="0">
+                <a:latin typeface="Work Sans" pitchFamily="2" charset="0"/>
+                <a:ea typeface="Helvetica Neue"/>
+                <a:cs typeface="Calibri" panose="020F0502020204030204" pitchFamily="34" charset="0"/>
+                <a:sym typeface="Helvetica Neue"/>
+              </a:rPr>
+              <a:t>El sistema debe permitir que el administrador tenga acceso a todos los datos, para el buen manejo de </a:t>
+            </a:r>
+            <a:r>
+              <a:rPr lang="es-ES" sz="2000">
+                <a:latin typeface="Work Sans" pitchFamily="2" charset="0"/>
+                <a:ea typeface="Helvetica Neue"/>
+                <a:cs typeface="Calibri" panose="020F0502020204030204" pitchFamily="34" charset="0"/>
+                <a:sym typeface="Helvetica Neue"/>
+              </a:rPr>
+              <a:t>la aplicación.</a:t>
+            </a:r>
+            <a:endParaRPr lang="es-ES" sz="2000" dirty="0">
+              <a:latin typeface="Work Sans" pitchFamily="2" charset="0"/>
+              <a:ea typeface="Helvetica Neue"/>
+              <a:cs typeface="Calibri" panose="020F0502020204030204" pitchFamily="34" charset="0"/>
+              <a:sym typeface="Helvetica Neue"/>
+            </a:endParaRPr>
           </a:p>
           <a:p>
             <a:pPr marL="457189" indent="-457189" algn="just" defTabSz="1257621" hangingPunct="0">
@@ -8452,10 +8497,10 @@
       </p:sp>
       <p:pic>
         <p:nvPicPr>
-          <p:cNvPr id="3" name="Imagen 2">
-            <a:extLst>
-              <a:ext uri="{FF2B5EF4-FFF2-40B4-BE49-F238E27FC236}">
-                <a16:creationId xmlns:a16="http://schemas.microsoft.com/office/drawing/2014/main" id="{7A56AB45-AFE4-914C-29BA-AC236A64E14B}"/>
+          <p:cNvPr id="4" name="Imagen 3">
+            <a:extLst>
+              <a:ext uri="{FF2B5EF4-FFF2-40B4-BE49-F238E27FC236}">
+                <a16:creationId xmlns:a16="http://schemas.microsoft.com/office/drawing/2014/main" id="{93468924-4F4C-B869-481F-71C156B81D0C}"/>
               </a:ext>
             </a:extLst>
           </p:cNvPr>
@@ -8472,7 +8517,7 @@
         </p:blipFill>
         <p:spPr>
           <a:xfrm>
-            <a:off x="219456" y="0"/>
+            <a:off x="0" y="0"/>
             <a:ext cx="4656078" cy="6858000"/>
           </a:xfrm>
           <a:prstGeom prst="rect">

--- a/PROYECTO FORMATIVO.pptx
+++ b/PROYECTO FORMATIVO.pptx
@@ -5,10 +5,10 @@
     <p:sldMasterId id="2147483648" r:id="rId1"/>
   </p:sldMasterIdLst>
   <p:notesMasterIdLst>
-    <p:notesMasterId r:id="rId36"/>
+    <p:notesMasterId r:id="rId34"/>
   </p:notesMasterIdLst>
   <p:handoutMasterIdLst>
-    <p:handoutMasterId r:id="rId37"/>
+    <p:handoutMasterId r:id="rId35"/>
   </p:handoutMasterIdLst>
   <p:sldIdLst>
     <p:sldId id="468" r:id="rId2"/>
@@ -28,23 +28,21 @@
     <p:sldId id="538" r:id="rId16"/>
     <p:sldId id="540" r:id="rId17"/>
     <p:sldId id="541" r:id="rId18"/>
-    <p:sldId id="542" r:id="rId19"/>
-    <p:sldId id="543" r:id="rId20"/>
-    <p:sldId id="544" r:id="rId21"/>
-    <p:sldId id="545" r:id="rId22"/>
-    <p:sldId id="546" r:id="rId23"/>
-    <p:sldId id="547" r:id="rId24"/>
-    <p:sldId id="550" r:id="rId25"/>
-    <p:sldId id="548" r:id="rId26"/>
-    <p:sldId id="551" r:id="rId27"/>
-    <p:sldId id="552" r:id="rId28"/>
-    <p:sldId id="553" r:id="rId29"/>
-    <p:sldId id="554" r:id="rId30"/>
-    <p:sldId id="555" r:id="rId31"/>
-    <p:sldId id="556" r:id="rId32"/>
-    <p:sldId id="557" r:id="rId33"/>
-    <p:sldId id="558" r:id="rId34"/>
-    <p:sldId id="264" r:id="rId35"/>
+    <p:sldId id="544" r:id="rId19"/>
+    <p:sldId id="545" r:id="rId20"/>
+    <p:sldId id="546" r:id="rId21"/>
+    <p:sldId id="547" r:id="rId22"/>
+    <p:sldId id="550" r:id="rId23"/>
+    <p:sldId id="548" r:id="rId24"/>
+    <p:sldId id="551" r:id="rId25"/>
+    <p:sldId id="552" r:id="rId26"/>
+    <p:sldId id="553" r:id="rId27"/>
+    <p:sldId id="554" r:id="rId28"/>
+    <p:sldId id="555" r:id="rId29"/>
+    <p:sldId id="556" r:id="rId30"/>
+    <p:sldId id="557" r:id="rId31"/>
+    <p:sldId id="558" r:id="rId32"/>
+    <p:sldId id="264" r:id="rId33"/>
   </p:sldIdLst>
   <p:sldSz cx="12192000" cy="6858000"/>
   <p:notesSz cx="6858000" cy="9144000"/>
@@ -285,7 +283,7 @@
           <a:p>
             <a:fld id="{88369B9F-131C-2846-AB8F-CEE154B4CAEB}" type="datetimeFigureOut">
               <a:rPr lang="es-CO" smtClean="0"/>
-              <a:t>26/11/2022</a:t>
+              <a:t>27/11/2022</a:t>
             </a:fld>
             <a:endParaRPr lang="es-CO"/>
           </a:p>
@@ -462,7 +460,7 @@
           <a:p>
             <a:fld id="{9660CB96-A603-FF42-AE46-F5F75F80A67B}" type="datetimeFigureOut">
               <a:rPr lang="es-CO" smtClean="0"/>
-              <a:t>26/11/2022</a:t>
+              <a:t>27/11/2022</a:t>
             </a:fld>
             <a:endParaRPr lang="es-CO"/>
           </a:p>
@@ -963,7 +961,7 @@
           <a:p>
             <a:fld id="{6906C58E-460D-4A4B-B0C2-1191B9D14FCB}" type="slidenum">
               <a:rPr lang="es-CO" smtClean="0"/>
-              <a:t>33</a:t>
+              <a:t>31</a:t>
             </a:fld>
             <a:endParaRPr lang="es-CO"/>
           </a:p>
@@ -1131,7 +1129,7 @@
           <a:p>
             <a:fld id="{BD986248-06F7-A441-A47A-264EBD310E11}" type="datetimeFigureOut">
               <a:rPr lang="es-CO" smtClean="0"/>
-              <a:t>26/11/2022</a:t>
+              <a:t>27/11/2022</a:t>
             </a:fld>
             <a:endParaRPr lang="es-CO"/>
           </a:p>
@@ -1331,7 +1329,7 @@
           <a:p>
             <a:fld id="{BD986248-06F7-A441-A47A-264EBD310E11}" type="datetimeFigureOut">
               <a:rPr lang="es-CO" smtClean="0"/>
-              <a:t>26/11/2022</a:t>
+              <a:t>27/11/2022</a:t>
             </a:fld>
             <a:endParaRPr lang="es-CO"/>
           </a:p>
@@ -1541,7 +1539,7 @@
           <a:p>
             <a:fld id="{BD986248-06F7-A441-A47A-264EBD310E11}" type="datetimeFigureOut">
               <a:rPr lang="es-CO" smtClean="0"/>
-              <a:t>26/11/2022</a:t>
+              <a:t>27/11/2022</a:t>
             </a:fld>
             <a:endParaRPr lang="es-CO"/>
           </a:p>
@@ -1804,7 +1802,7 @@
           <a:p>
             <a:fld id="{BD986248-06F7-A441-A47A-264EBD310E11}" type="datetimeFigureOut">
               <a:rPr lang="es-CO" smtClean="0"/>
-              <a:t>26/11/2022</a:t>
+              <a:t>27/11/2022</a:t>
             </a:fld>
             <a:endParaRPr lang="es-CO"/>
           </a:p>
@@ -2070,7 +2068,7 @@
           <a:p>
             <a:fld id="{BD986248-06F7-A441-A47A-264EBD310E11}" type="datetimeFigureOut">
               <a:rPr lang="es-CO" smtClean="0"/>
-              <a:t>26/11/2022</a:t>
+              <a:t>27/11/2022</a:t>
             </a:fld>
             <a:endParaRPr lang="es-CO"/>
           </a:p>
@@ -2346,7 +2344,7 @@
           <a:p>
             <a:fld id="{BD986248-06F7-A441-A47A-264EBD310E11}" type="datetimeFigureOut">
               <a:rPr lang="es-CO" smtClean="0"/>
-              <a:t>26/11/2022</a:t>
+              <a:t>27/11/2022</a:t>
             </a:fld>
             <a:endParaRPr lang="es-CO"/>
           </a:p>
@@ -2614,7 +2612,7 @@
           <a:p>
             <a:fld id="{BD986248-06F7-A441-A47A-264EBD310E11}" type="datetimeFigureOut">
               <a:rPr lang="es-CO" smtClean="0"/>
-              <a:t>26/11/2022</a:t>
+              <a:t>27/11/2022</a:t>
             </a:fld>
             <a:endParaRPr lang="es-CO"/>
           </a:p>
@@ -3029,7 +3027,7 @@
           <a:p>
             <a:fld id="{BD986248-06F7-A441-A47A-264EBD310E11}" type="datetimeFigureOut">
               <a:rPr lang="es-CO" smtClean="0"/>
-              <a:t>26/11/2022</a:t>
+              <a:t>27/11/2022</a:t>
             </a:fld>
             <a:endParaRPr lang="es-CO"/>
           </a:p>
@@ -3171,7 +3169,7 @@
           <a:p>
             <a:fld id="{BD986248-06F7-A441-A47A-264EBD310E11}" type="datetimeFigureOut">
               <a:rPr lang="es-CO" smtClean="0"/>
-              <a:t>26/11/2022</a:t>
+              <a:t>27/11/2022</a:t>
             </a:fld>
             <a:endParaRPr lang="es-CO"/>
           </a:p>
@@ -3284,7 +3282,7 @@
           <a:p>
             <a:fld id="{BD986248-06F7-A441-A47A-264EBD310E11}" type="datetimeFigureOut">
               <a:rPr lang="es-CO" smtClean="0"/>
-              <a:t>26/11/2022</a:t>
+              <a:t>27/11/2022</a:t>
             </a:fld>
             <a:endParaRPr lang="es-CO"/>
           </a:p>
@@ -3597,7 +3595,7 @@
           <a:p>
             <a:fld id="{BD986248-06F7-A441-A47A-264EBD310E11}" type="datetimeFigureOut">
               <a:rPr lang="es-CO" smtClean="0"/>
-              <a:t>26/11/2022</a:t>
+              <a:t>27/11/2022</a:t>
             </a:fld>
             <a:endParaRPr lang="es-CO"/>
           </a:p>
@@ -3886,7 +3884,7 @@
           <a:p>
             <a:fld id="{BD986248-06F7-A441-A47A-264EBD310E11}" type="datetimeFigureOut">
               <a:rPr lang="es-CO" smtClean="0"/>
-              <a:t>26/11/2022</a:t>
+              <a:t>27/11/2022</a:t>
             </a:fld>
             <a:endParaRPr lang="es-CO"/>
           </a:p>
@@ -4129,7 +4127,7 @@
           <a:p>
             <a:fld id="{BD986248-06F7-A441-A47A-264EBD310E11}" type="datetimeFigureOut">
               <a:rPr lang="es-CO" smtClean="0"/>
-              <a:t>26/11/2022</a:t>
+              <a:t>27/11/2022</a:t>
             </a:fld>
             <a:endParaRPr lang="es-CO"/>
           </a:p>
@@ -4713,7 +4711,7 @@
         </p:nvSpPr>
         <p:spPr>
           <a:xfrm>
-            <a:off x="280416" y="1196429"/>
+            <a:off x="286512" y="1054728"/>
             <a:ext cx="11618976" cy="5940088"/>
           </a:xfrm>
           <a:prstGeom prst="rect">
@@ -4768,7 +4766,7 @@
                 <a:cs typeface="Calibri" panose="020F0502020204030204" pitchFamily="34" charset="0"/>
                 <a:sym typeface="Helvetica Neue"/>
               </a:rPr>
-              <a:t>El sistema debe capturar la información del servicio ofrecido incluyendo nombre, precio, categoría, descripción breve y términos.</a:t>
+              <a:t>El sistema debe capturar la información del servicio ofrecido incluyendo nombre, precio, categoría, descripción breve, términos, estado, tipo de publicación, fecha de realización y el usuario que realizo la publicación.</a:t>
             </a:r>
           </a:p>
           <a:p>
@@ -4813,7 +4811,7 @@
                 <a:cs typeface="Calibri" panose="020F0502020204030204" pitchFamily="34" charset="0"/>
                 <a:sym typeface="Helvetica Neue"/>
               </a:rPr>
-              <a:t>El sistema debe permitir a los clientes registrar solicitudes de servicios.</a:t>
+              <a:t>El sistema debe generar un reporte sobre el historial de los servicios.</a:t>
             </a:r>
           </a:p>
           <a:p>
@@ -4828,7 +4826,7 @@
                 <a:cs typeface="Calibri" panose="020F0502020204030204" pitchFamily="34" charset="0"/>
                 <a:sym typeface="Helvetica Neue"/>
               </a:rPr>
-              <a:t>El sistema debe generar un reporte sobre el historial de los servicios.</a:t>
+              <a:t>El sistema debe permitir al cliente registrarle una calificación al servicio adquirido.</a:t>
             </a:r>
           </a:p>
           <a:p>
@@ -4839,11 +4837,10 @@
             <a:r>
               <a:rPr lang="es-ES" sz="2000" dirty="0">
                 <a:latin typeface="Work Sans" pitchFamily="2" charset="0"/>
-                <a:ea typeface="Helvetica Neue"/>
-                <a:cs typeface="Calibri" panose="020F0502020204030204" pitchFamily="34" charset="0"/>
-                <a:sym typeface="Helvetica Neue"/>
-              </a:rPr>
-              <a:t>El sistema debe permitir al cliente registrarle una calificación al servicio adquirido.</a:t>
+                <a:ea typeface="Calibri" panose="020F0502020204030204" pitchFamily="34" charset="0"/>
+                <a:cs typeface="Times New Roman" panose="02020603050405020304" pitchFamily="18" charset="0"/>
+              </a:rPr>
+              <a:t>El sistema debe permitir categorizar los servicios.</a:t>
             </a:r>
           </a:p>
           <a:p>
@@ -4854,10 +4851,11 @@
             <a:r>
               <a:rPr lang="es-ES" sz="2000" dirty="0">
                 <a:latin typeface="Work Sans" pitchFamily="2" charset="0"/>
-                <a:ea typeface="Calibri" panose="020F0502020204030204" pitchFamily="34" charset="0"/>
-                <a:cs typeface="Times New Roman" panose="02020603050405020304" pitchFamily="18" charset="0"/>
-              </a:rPr>
-              <a:t>El sistema debe permitir categorizar los servicios.</a:t>
+                <a:ea typeface="Helvetica Neue"/>
+                <a:cs typeface="Calibri" panose="020F0502020204030204" pitchFamily="34" charset="0"/>
+                <a:sym typeface="Helvetica Neue"/>
+              </a:rPr>
+              <a:t>El sistema debe permitir la búsqueda de los servicios.</a:t>
             </a:r>
           </a:p>
           <a:p>
@@ -4872,7 +4870,7 @@
                 <a:cs typeface="Calibri" panose="020F0502020204030204" pitchFamily="34" charset="0"/>
                 <a:sym typeface="Helvetica Neue"/>
               </a:rPr>
-              <a:t>El sistema debe permitir la búsqueda de los servicios.</a:t>
+              <a:t>El sistema debe permitir al usuario añadir a la categoría de favoritos los servicios de su preferencia.</a:t>
             </a:r>
           </a:p>
           <a:p>
@@ -4887,7 +4885,7 @@
                 <a:cs typeface="Calibri" panose="020F0502020204030204" pitchFamily="34" charset="0"/>
                 <a:sym typeface="Helvetica Neue"/>
               </a:rPr>
-              <a:t>El sistema debe permitir al usuario añadir a la categoría de favoritos los servicios de su preferencia.</a:t>
+              <a:t>El sistema debe generar un numero de caso único para cada servicio.</a:t>
             </a:r>
           </a:p>
           <a:p>
@@ -4902,7 +4900,7 @@
                 <a:cs typeface="Calibri" panose="020F0502020204030204" pitchFamily="34" charset="0"/>
                 <a:sym typeface="Helvetica Neue"/>
               </a:rPr>
-              <a:t>El sistema debe generar un numero de caso único para cada servicio.</a:t>
+              <a:t>El sistema debe permitir visualizar editar datos del perfil de cada usuario.</a:t>
             </a:r>
           </a:p>
           <a:p>
@@ -4917,38 +4915,8 @@
                 <a:cs typeface="Calibri" panose="020F0502020204030204" pitchFamily="34" charset="0"/>
                 <a:sym typeface="Helvetica Neue"/>
               </a:rPr>
-              <a:t>El sistema debe permitir visualizar editar datos del perfil de cada usuario.</a:t>
-            </a:r>
-          </a:p>
-          <a:p>
-            <a:pPr marL="457189" indent="-457189" algn="just" defTabSz="1257621" hangingPunct="0">
-              <a:buFont typeface="+mj-lt"/>
-              <a:buAutoNum type="arabicPeriod"/>
-            </a:pPr>
-            <a:r>
-              <a:rPr lang="es-ES" sz="2000" dirty="0">
-                <a:latin typeface="Work Sans" pitchFamily="2" charset="0"/>
-                <a:ea typeface="Helvetica Neue"/>
-                <a:cs typeface="Calibri" panose="020F0502020204030204" pitchFamily="34" charset="0"/>
-                <a:sym typeface="Helvetica Neue"/>
-              </a:rPr>
-              <a:t>El sistema debe permitir que el administrador tenga acceso a todos los datos, para el buen manejo de </a:t>
-            </a:r>
-            <a:r>
-              <a:rPr lang="es-ES" sz="2000">
-                <a:latin typeface="Work Sans" pitchFamily="2" charset="0"/>
-                <a:ea typeface="Helvetica Neue"/>
-                <a:cs typeface="Calibri" panose="020F0502020204030204" pitchFamily="34" charset="0"/>
-                <a:sym typeface="Helvetica Neue"/>
-              </a:rPr>
-              <a:t>la aplicación.</a:t>
-            </a:r>
-            <a:endParaRPr lang="es-ES" sz="2000" dirty="0">
-              <a:latin typeface="Work Sans" pitchFamily="2" charset="0"/>
-              <a:ea typeface="Helvetica Neue"/>
-              <a:cs typeface="Calibri" panose="020F0502020204030204" pitchFamily="34" charset="0"/>
-              <a:sym typeface="Helvetica Neue"/>
-            </a:endParaRPr>
+              <a:t>El sistema debe permitir que el administrador tenga acceso a todos los datos, para el buen manejo de la aplicación.</a:t>
+            </a:r>
           </a:p>
           <a:p>
             <a:pPr marL="457189" indent="-457189" algn="just" defTabSz="1257621" hangingPunct="0">
@@ -5148,10 +5116,10 @@
       </p:grpSpPr>
       <p:pic>
         <p:nvPicPr>
-          <p:cNvPr id="4" name="Imagen 3">
-            <a:extLst>
-              <a:ext uri="{FF2B5EF4-FFF2-40B4-BE49-F238E27FC236}">
-                <a16:creationId xmlns:a16="http://schemas.microsoft.com/office/drawing/2014/main" id="{2866AD22-3958-8DA2-2786-5751B864F420}"/>
+          <p:cNvPr id="5" name="Imagen 4">
+            <a:extLst>
+              <a:ext uri="{FF2B5EF4-FFF2-40B4-BE49-F238E27FC236}">
+                <a16:creationId xmlns:a16="http://schemas.microsoft.com/office/drawing/2014/main" id="{564CD475-50BD-FDFB-C5E1-863B75F4FC4C}"/>
               </a:ext>
             </a:extLst>
           </p:cNvPr>
@@ -5168,8 +5136,8 @@
         </p:blipFill>
         <p:spPr>
           <a:xfrm>
-            <a:off x="-106162" y="0"/>
-            <a:ext cx="6327628" cy="6858000"/>
+            <a:off x="0" y="0"/>
+            <a:ext cx="6055318" cy="6858000"/>
           </a:xfrm>
           <a:prstGeom prst="rect">
             <a:avLst/>
@@ -6067,17 +6035,17 @@
                 </a:solidFill>
                 <a:latin typeface="Work Sans" pitchFamily="2" charset="77"/>
               </a:rPr>
-              <a:t>Guiones de casos de uso</a:t>
+              <a:t>Historias de usuario</a:t>
             </a:r>
           </a:p>
         </p:txBody>
       </p:sp>
       <p:pic>
         <p:nvPicPr>
-          <p:cNvPr id="9" name="Imagen 8">
-            <a:extLst>
-              <a:ext uri="{FF2B5EF4-FFF2-40B4-BE49-F238E27FC236}">
-                <a16:creationId xmlns:a16="http://schemas.microsoft.com/office/drawing/2014/main" id="{6AFA4271-6B10-434B-CCFA-11AF62BD40AE}"/>
+          <p:cNvPr id="2" name="Imagen 1">
+            <a:extLst>
+              <a:ext uri="{FF2B5EF4-FFF2-40B4-BE49-F238E27FC236}">
+                <a16:creationId xmlns:a16="http://schemas.microsoft.com/office/drawing/2014/main" id="{389146C3-3CE8-CE34-D2C0-D777FB534528}"/>
               </a:ext>
             </a:extLst>
           </p:cNvPr>
@@ -6094,8 +6062,68 @@
         </p:blipFill>
         <p:spPr>
           <a:xfrm>
-            <a:off x="1389888" y="977301"/>
-            <a:ext cx="9412224" cy="5880699"/>
+            <a:off x="333008" y="1785937"/>
+            <a:ext cx="3648075" cy="3305175"/>
+          </a:xfrm>
+          <a:prstGeom prst="rect">
+            <a:avLst/>
+          </a:prstGeom>
+        </p:spPr>
+      </p:pic>
+      <p:pic>
+        <p:nvPicPr>
+          <p:cNvPr id="3" name="Imagen 2">
+            <a:extLst>
+              <a:ext uri="{FF2B5EF4-FFF2-40B4-BE49-F238E27FC236}">
+                <a16:creationId xmlns:a16="http://schemas.microsoft.com/office/drawing/2014/main" id="{475579E7-EDA0-5C0C-4CA0-E237A7E0769F}"/>
+              </a:ext>
+            </a:extLst>
+          </p:cNvPr>
+          <p:cNvPicPr>
+            <a:picLocks noChangeAspect="1"/>
+          </p:cNvPicPr>
+          <p:nvPr/>
+        </p:nvPicPr>
+        <p:blipFill>
+          <a:blip r:embed="rId3"/>
+          <a:stretch>
+            <a:fillRect/>
+          </a:stretch>
+        </p:blipFill>
+        <p:spPr>
+          <a:xfrm>
+            <a:off x="4117217" y="1776412"/>
+            <a:ext cx="3648075" cy="3257550"/>
+          </a:xfrm>
+          <a:prstGeom prst="rect">
+            <a:avLst/>
+          </a:prstGeom>
+        </p:spPr>
+      </p:pic>
+      <p:pic>
+        <p:nvPicPr>
+          <p:cNvPr id="4" name="Imagen 3">
+            <a:extLst>
+              <a:ext uri="{FF2B5EF4-FFF2-40B4-BE49-F238E27FC236}">
+                <a16:creationId xmlns:a16="http://schemas.microsoft.com/office/drawing/2014/main" id="{1C4B9117-A9F1-5A09-999D-B7C63FE376AC}"/>
+              </a:ext>
+            </a:extLst>
+          </p:cNvPr>
+          <p:cNvPicPr>
+            <a:picLocks noChangeAspect="1"/>
+          </p:cNvPicPr>
+          <p:nvPr/>
+        </p:nvPicPr>
+        <p:blipFill>
+          <a:blip r:embed="rId4"/>
+          <a:stretch>
+            <a:fillRect/>
+          </a:stretch>
+        </p:blipFill>
+        <p:spPr>
+          <a:xfrm>
+            <a:off x="7901426" y="1785937"/>
+            <a:ext cx="3657600" cy="3295650"/>
           </a:xfrm>
           <a:prstGeom prst="rect">
             <a:avLst/>
@@ -6105,7 +6133,7 @@
     </p:spTree>
     <p:extLst>
       <p:ext uri="{BB962C8B-B14F-4D97-AF65-F5344CB8AC3E}">
-        <p14:creationId xmlns:p14="http://schemas.microsoft.com/office/powerpoint/2010/main" val="4141692394"/>
+        <p14:creationId xmlns:p14="http://schemas.microsoft.com/office/powerpoint/2010/main" val="1696267213"/>
       </p:ext>
     </p:extLst>
   </p:cSld>
@@ -6134,10 +6162,10 @@
       </p:grpSpPr>
       <p:pic>
         <p:nvPicPr>
-          <p:cNvPr id="2" name="Imagen 1">
-            <a:extLst>
-              <a:ext uri="{FF2B5EF4-FFF2-40B4-BE49-F238E27FC236}">
-                <a16:creationId xmlns:a16="http://schemas.microsoft.com/office/drawing/2014/main" id="{2766EC66-1AFA-AAE3-500E-95FB7D5C9973}"/>
+          <p:cNvPr id="5" name="Imagen 4">
+            <a:extLst>
+              <a:ext uri="{FF2B5EF4-FFF2-40B4-BE49-F238E27FC236}">
+                <a16:creationId xmlns:a16="http://schemas.microsoft.com/office/drawing/2014/main" id="{4C8A06D3-76FA-B138-1C23-E4E77FD8A491}"/>
               </a:ext>
             </a:extLst>
           </p:cNvPr>
@@ -6154,8 +6182,68 @@
         </p:blipFill>
         <p:spPr>
           <a:xfrm>
-            <a:off x="792774" y="1060316"/>
-            <a:ext cx="10606452" cy="5243806"/>
+            <a:off x="412871" y="1804987"/>
+            <a:ext cx="3629025" cy="3248025"/>
+          </a:xfrm>
+          <a:prstGeom prst="rect">
+            <a:avLst/>
+          </a:prstGeom>
+        </p:spPr>
+      </p:pic>
+      <p:pic>
+        <p:nvPicPr>
+          <p:cNvPr id="6" name="Imagen 5">
+            <a:extLst>
+              <a:ext uri="{FF2B5EF4-FFF2-40B4-BE49-F238E27FC236}">
+                <a16:creationId xmlns:a16="http://schemas.microsoft.com/office/drawing/2014/main" id="{A32EB33C-9141-CD5C-1E86-034FC29E5963}"/>
+              </a:ext>
+            </a:extLst>
+          </p:cNvPr>
+          <p:cNvPicPr>
+            <a:picLocks noChangeAspect="1"/>
+          </p:cNvPicPr>
+          <p:nvPr/>
+        </p:nvPicPr>
+        <p:blipFill>
+          <a:blip r:embed="rId3"/>
+          <a:stretch>
+            <a:fillRect/>
+          </a:stretch>
+        </p:blipFill>
+        <p:spPr>
+          <a:xfrm>
+            <a:off x="4281487" y="1790699"/>
+            <a:ext cx="3629025" cy="3276600"/>
+          </a:xfrm>
+          <a:prstGeom prst="rect">
+            <a:avLst/>
+          </a:prstGeom>
+        </p:spPr>
+      </p:pic>
+      <p:pic>
+        <p:nvPicPr>
+          <p:cNvPr id="7" name="Imagen 6">
+            <a:extLst>
+              <a:ext uri="{FF2B5EF4-FFF2-40B4-BE49-F238E27FC236}">
+                <a16:creationId xmlns:a16="http://schemas.microsoft.com/office/drawing/2014/main" id="{D3CAADD6-5D2E-4544-D8A3-CF32B4A7A845}"/>
+              </a:ext>
+            </a:extLst>
+          </p:cNvPr>
+          <p:cNvPicPr>
+            <a:picLocks noChangeAspect="1"/>
+          </p:cNvPicPr>
+          <p:nvPr/>
+        </p:nvPicPr>
+        <p:blipFill>
+          <a:blip r:embed="rId4"/>
+          <a:stretch>
+            <a:fillRect/>
+          </a:stretch>
+        </p:blipFill>
+        <p:spPr>
+          <a:xfrm>
+            <a:off x="8150103" y="1804987"/>
+            <a:ext cx="3638550" cy="3276600"/>
           </a:xfrm>
           <a:prstGeom prst="rect">
             <a:avLst/>
@@ -6165,7 +6253,7 @@
     </p:spTree>
     <p:extLst>
       <p:ext uri="{BB962C8B-B14F-4D97-AF65-F5344CB8AC3E}">
-        <p14:creationId xmlns:p14="http://schemas.microsoft.com/office/powerpoint/2010/main" val="1947027335"/>
+        <p14:creationId xmlns:p14="http://schemas.microsoft.com/office/powerpoint/2010/main" val="952108230"/>
       </p:ext>
     </p:extLst>
   </p:cSld>
@@ -6356,56 +6444,12 @@
           <a:chExt cx="0" cy="0"/>
         </a:xfrm>
       </p:grpSpPr>
-      <p:sp>
-        <p:nvSpPr>
-          <p:cNvPr id="8" name="CuadroTexto 7">
-            <a:extLst>
-              <a:ext uri="{FF2B5EF4-FFF2-40B4-BE49-F238E27FC236}">
-                <a16:creationId xmlns:a16="http://schemas.microsoft.com/office/drawing/2014/main" id="{ABC283C7-C020-6BE9-CAFE-D9E18BE28B70}"/>
-              </a:ext>
-            </a:extLst>
-          </p:cNvPr>
-          <p:cNvSpPr txBox="1"/>
-          <p:nvPr/>
-        </p:nvSpPr>
-        <p:spPr>
-          <a:xfrm>
-            <a:off x="733293" y="146304"/>
-            <a:ext cx="10725414" cy="830997"/>
-          </a:xfrm>
-          <a:prstGeom prst="rect">
-            <a:avLst/>
-          </a:prstGeom>
-          <a:noFill/>
-        </p:spPr>
-        <p:txBody>
-          <a:bodyPr wrap="square" rtlCol="0">
-            <a:spAutoFit/>
-          </a:bodyPr>
-          <a:lstStyle/>
-          <a:p>
-            <a:pPr algn="ctr"/>
-            <a:r>
-              <a:rPr lang="es-ES" sz="4800" dirty="0">
-                <a:solidFill>
-                  <a:schemeClr val="tx1">
-                    <a:lumMod val="75000"/>
-                    <a:lumOff val="25000"/>
-                  </a:schemeClr>
-                </a:solidFill>
-                <a:latin typeface="Work Sans" pitchFamily="2" charset="77"/>
-              </a:rPr>
-              <a:t>Historias de usuario</a:t>
-            </a:r>
-          </a:p>
-        </p:txBody>
-      </p:sp>
       <p:pic>
         <p:nvPicPr>
           <p:cNvPr id="2" name="Imagen 1">
             <a:extLst>
               <a:ext uri="{FF2B5EF4-FFF2-40B4-BE49-F238E27FC236}">
-                <a16:creationId xmlns:a16="http://schemas.microsoft.com/office/drawing/2014/main" id="{389146C3-3CE8-CE34-D2C0-D777FB534528}"/>
+                <a16:creationId xmlns:a16="http://schemas.microsoft.com/office/drawing/2014/main" id="{50ACA1B7-28DE-4C6C-584B-C3508404BC8F}"/>
               </a:ext>
             </a:extLst>
           </p:cNvPr>
@@ -6422,8 +6466,8 @@
         </p:blipFill>
         <p:spPr>
           <a:xfrm>
-            <a:off x="333008" y="1785937"/>
-            <a:ext cx="3648075" cy="3305175"/>
+            <a:off x="2194707" y="1692226"/>
+            <a:ext cx="3638550" cy="3276600"/>
           </a:xfrm>
           <a:prstGeom prst="rect">
             <a:avLst/>
@@ -6435,7 +6479,7 @@
           <p:cNvPr id="3" name="Imagen 2">
             <a:extLst>
               <a:ext uri="{FF2B5EF4-FFF2-40B4-BE49-F238E27FC236}">
-                <a16:creationId xmlns:a16="http://schemas.microsoft.com/office/drawing/2014/main" id="{475579E7-EDA0-5C0C-4CA0-E237A7E0769F}"/>
+                <a16:creationId xmlns:a16="http://schemas.microsoft.com/office/drawing/2014/main" id="{846BF3E0-AD1D-D544-8B60-411F61BDAA09}"/>
               </a:ext>
             </a:extLst>
           </p:cNvPr>
@@ -6452,38 +6496,8 @@
         </p:blipFill>
         <p:spPr>
           <a:xfrm>
-            <a:off x="4117217" y="1776412"/>
-            <a:ext cx="3648075" cy="3257550"/>
-          </a:xfrm>
-          <a:prstGeom prst="rect">
-            <a:avLst/>
-          </a:prstGeom>
-        </p:spPr>
-      </p:pic>
-      <p:pic>
-        <p:nvPicPr>
-          <p:cNvPr id="4" name="Imagen 3">
-            <a:extLst>
-              <a:ext uri="{FF2B5EF4-FFF2-40B4-BE49-F238E27FC236}">
-                <a16:creationId xmlns:a16="http://schemas.microsoft.com/office/drawing/2014/main" id="{1C4B9117-A9F1-5A09-999D-B7C63FE376AC}"/>
-              </a:ext>
-            </a:extLst>
-          </p:cNvPr>
-          <p:cNvPicPr>
-            <a:picLocks noChangeAspect="1"/>
-          </p:cNvPicPr>
-          <p:nvPr/>
-        </p:nvPicPr>
-        <p:blipFill>
-          <a:blip r:embed="rId4"/>
-          <a:stretch>
-            <a:fillRect/>
-          </a:stretch>
-        </p:blipFill>
-        <p:spPr>
-          <a:xfrm>
-            <a:off x="7901426" y="1785937"/>
-            <a:ext cx="3657600" cy="3295650"/>
+            <a:off x="6358745" y="1692226"/>
+            <a:ext cx="3638550" cy="3276600"/>
           </a:xfrm>
           <a:prstGeom prst="rect">
             <a:avLst/>
@@ -6493,7 +6507,7 @@
     </p:spTree>
     <p:extLst>
       <p:ext uri="{BB962C8B-B14F-4D97-AF65-F5344CB8AC3E}">
-        <p14:creationId xmlns:p14="http://schemas.microsoft.com/office/powerpoint/2010/main" val="1696267213"/>
+        <p14:creationId xmlns:p14="http://schemas.microsoft.com/office/powerpoint/2010/main" val="600278807"/>
       </p:ext>
     </p:extLst>
   </p:cSld>
@@ -6520,12 +6534,71 @@
           <a:chExt cx="0" cy="0"/>
         </a:xfrm>
       </p:grpSpPr>
+      <p:sp>
+        <p:nvSpPr>
+          <p:cNvPr id="8" name="CuadroTexto 7">
+            <a:extLst>
+              <a:ext uri="{FF2B5EF4-FFF2-40B4-BE49-F238E27FC236}">
+                <a16:creationId xmlns:a16="http://schemas.microsoft.com/office/drawing/2014/main" id="{ABC283C7-C020-6BE9-CAFE-D9E18BE28B70}"/>
+              </a:ext>
+            </a:extLst>
+          </p:cNvPr>
+          <p:cNvSpPr txBox="1"/>
+          <p:nvPr/>
+        </p:nvSpPr>
+        <p:spPr>
+          <a:xfrm>
+            <a:off x="4629691" y="1194816"/>
+            <a:ext cx="7562309" cy="1569660"/>
+          </a:xfrm>
+          <a:prstGeom prst="rect">
+            <a:avLst/>
+          </a:prstGeom>
+          <a:noFill/>
+        </p:spPr>
+        <p:txBody>
+          <a:bodyPr wrap="square" rtlCol="0">
+            <a:spAutoFit/>
+          </a:bodyPr>
+          <a:lstStyle/>
+          <a:p>
+            <a:pPr algn="ctr"/>
+            <a:r>
+              <a:rPr lang="es-ES" sz="4800" dirty="0">
+                <a:solidFill>
+                  <a:schemeClr val="tx1">
+                    <a:lumMod val="75000"/>
+                    <a:lumOff val="25000"/>
+                  </a:schemeClr>
+                </a:solidFill>
+                <a:latin typeface="Work Sans" pitchFamily="2" charset="77"/>
+              </a:rPr>
+              <a:t>Diagrama de actividades</a:t>
+            </a:r>
+          </a:p>
+          <a:p>
+            <a:pPr algn="ctr"/>
+            <a:r>
+              <a:rPr lang="es-ES" sz="4800" dirty="0">
+                <a:solidFill>
+                  <a:schemeClr val="tx1">
+                    <a:lumMod val="75000"/>
+                    <a:lumOff val="25000"/>
+                  </a:schemeClr>
+                </a:solidFill>
+                <a:latin typeface="Work Sans" pitchFamily="2" charset="77"/>
+              </a:rPr>
+              <a:t>Cliente</a:t>
+            </a:r>
+          </a:p>
+        </p:txBody>
+      </p:sp>
       <p:pic>
         <p:nvPicPr>
-          <p:cNvPr id="5" name="Imagen 4">
-            <a:extLst>
-              <a:ext uri="{FF2B5EF4-FFF2-40B4-BE49-F238E27FC236}">
-                <a16:creationId xmlns:a16="http://schemas.microsoft.com/office/drawing/2014/main" id="{4C8A06D3-76FA-B138-1C23-E4E77FD8A491}"/>
+          <p:cNvPr id="3" name="Imagen 2">
+            <a:extLst>
+              <a:ext uri="{FF2B5EF4-FFF2-40B4-BE49-F238E27FC236}">
+                <a16:creationId xmlns:a16="http://schemas.microsoft.com/office/drawing/2014/main" id="{A863B212-03B4-CD51-5C92-7B119C86DD0D}"/>
               </a:ext>
             </a:extLst>
           </p:cNvPr>
@@ -6542,68 +6615,8 @@
         </p:blipFill>
         <p:spPr>
           <a:xfrm>
-            <a:off x="412871" y="1804987"/>
-            <a:ext cx="3629025" cy="3248025"/>
-          </a:xfrm>
-          <a:prstGeom prst="rect">
-            <a:avLst/>
-          </a:prstGeom>
-        </p:spPr>
-      </p:pic>
-      <p:pic>
-        <p:nvPicPr>
-          <p:cNvPr id="6" name="Imagen 5">
-            <a:extLst>
-              <a:ext uri="{FF2B5EF4-FFF2-40B4-BE49-F238E27FC236}">
-                <a16:creationId xmlns:a16="http://schemas.microsoft.com/office/drawing/2014/main" id="{A32EB33C-9141-CD5C-1E86-034FC29E5963}"/>
-              </a:ext>
-            </a:extLst>
-          </p:cNvPr>
-          <p:cNvPicPr>
-            <a:picLocks noChangeAspect="1"/>
-          </p:cNvPicPr>
-          <p:nvPr/>
-        </p:nvPicPr>
-        <p:blipFill>
-          <a:blip r:embed="rId3"/>
-          <a:stretch>
-            <a:fillRect/>
-          </a:stretch>
-        </p:blipFill>
-        <p:spPr>
-          <a:xfrm>
-            <a:off x="4281487" y="1790699"/>
-            <a:ext cx="3629025" cy="3276600"/>
-          </a:xfrm>
-          <a:prstGeom prst="rect">
-            <a:avLst/>
-          </a:prstGeom>
-        </p:spPr>
-      </p:pic>
-      <p:pic>
-        <p:nvPicPr>
-          <p:cNvPr id="7" name="Imagen 6">
-            <a:extLst>
-              <a:ext uri="{FF2B5EF4-FFF2-40B4-BE49-F238E27FC236}">
-                <a16:creationId xmlns:a16="http://schemas.microsoft.com/office/drawing/2014/main" id="{D3CAADD6-5D2E-4544-D8A3-CF32B4A7A845}"/>
-              </a:ext>
-            </a:extLst>
-          </p:cNvPr>
-          <p:cNvPicPr>
-            <a:picLocks noChangeAspect="1"/>
-          </p:cNvPicPr>
-          <p:nvPr/>
-        </p:nvPicPr>
-        <p:blipFill>
-          <a:blip r:embed="rId4"/>
-          <a:stretch>
-            <a:fillRect/>
-          </a:stretch>
-        </p:blipFill>
-        <p:spPr>
-          <a:xfrm>
-            <a:off x="8150103" y="1804987"/>
-            <a:ext cx="3638550" cy="3276600"/>
+            <a:off x="0" y="0"/>
+            <a:ext cx="4585999" cy="6858000"/>
           </a:xfrm>
           <a:prstGeom prst="rect">
             <a:avLst/>
@@ -6613,7 +6626,7 @@
     </p:spTree>
     <p:extLst>
       <p:ext uri="{BB962C8B-B14F-4D97-AF65-F5344CB8AC3E}">
-        <p14:creationId xmlns:p14="http://schemas.microsoft.com/office/powerpoint/2010/main" val="952108230"/>
+        <p14:creationId xmlns:p14="http://schemas.microsoft.com/office/powerpoint/2010/main" val="1582320196"/>
       </p:ext>
     </p:extLst>
   </p:cSld>
@@ -6642,10 +6655,10 @@
       </p:grpSpPr>
       <p:pic>
         <p:nvPicPr>
-          <p:cNvPr id="2" name="Imagen 1">
-            <a:extLst>
-              <a:ext uri="{FF2B5EF4-FFF2-40B4-BE49-F238E27FC236}">
-                <a16:creationId xmlns:a16="http://schemas.microsoft.com/office/drawing/2014/main" id="{50ACA1B7-28DE-4C6C-584B-C3508404BC8F}"/>
+          <p:cNvPr id="3" name="Imagen 2">
+            <a:extLst>
+              <a:ext uri="{FF2B5EF4-FFF2-40B4-BE49-F238E27FC236}">
+                <a16:creationId xmlns:a16="http://schemas.microsoft.com/office/drawing/2014/main" id="{4BB43EAE-8998-0D27-2366-679E390D937C}"/>
               </a:ext>
             </a:extLst>
           </p:cNvPr>
@@ -6654,56 +6667,84 @@
           </p:cNvPicPr>
           <p:nvPr/>
         </p:nvPicPr>
-        <p:blipFill>
+        <p:blipFill rotWithShape="1">
           <a:blip r:embed="rId2"/>
-          <a:stretch>
-            <a:fillRect/>
-          </a:stretch>
+          <a:srcRect b="26796"/>
+          <a:stretch/>
         </p:blipFill>
         <p:spPr>
           <a:xfrm>
-            <a:off x="2194707" y="1692226"/>
-            <a:ext cx="3638550" cy="3276600"/>
+            <a:off x="-1" y="55944"/>
+            <a:ext cx="5413829" cy="6786878"/>
           </a:xfrm>
           <a:prstGeom prst="rect">
             <a:avLst/>
           </a:prstGeom>
         </p:spPr>
       </p:pic>
-      <p:pic>
-        <p:nvPicPr>
-          <p:cNvPr id="3" name="Imagen 2">
-            <a:extLst>
-              <a:ext uri="{FF2B5EF4-FFF2-40B4-BE49-F238E27FC236}">
-                <a16:creationId xmlns:a16="http://schemas.microsoft.com/office/drawing/2014/main" id="{846BF3E0-AD1D-D544-8B60-411F61BDAA09}"/>
-              </a:ext>
-            </a:extLst>
-          </p:cNvPr>
-          <p:cNvPicPr>
-            <a:picLocks noChangeAspect="1"/>
-          </p:cNvPicPr>
+      <p:sp>
+        <p:nvSpPr>
+          <p:cNvPr id="8" name="CuadroTexto 7">
+            <a:extLst>
+              <a:ext uri="{FF2B5EF4-FFF2-40B4-BE49-F238E27FC236}">
+                <a16:creationId xmlns:a16="http://schemas.microsoft.com/office/drawing/2014/main" id="{ABC283C7-C020-6BE9-CAFE-D9E18BE28B70}"/>
+              </a:ext>
+            </a:extLst>
+          </p:cNvPr>
+          <p:cNvSpPr txBox="1"/>
           <p:nvPr/>
-        </p:nvPicPr>
-        <p:blipFill>
-          <a:blip r:embed="rId3"/>
-          <a:stretch>
-            <a:fillRect/>
-          </a:stretch>
-        </p:blipFill>
-        <p:spPr>
-          <a:xfrm>
-            <a:off x="6358745" y="1692226"/>
-            <a:ext cx="3638550" cy="3276600"/>
+        </p:nvSpPr>
+        <p:spPr>
+          <a:xfrm>
+            <a:off x="3439885" y="55944"/>
+            <a:ext cx="7823199" cy="1569660"/>
           </a:xfrm>
           <a:prstGeom prst="rect">
             <a:avLst/>
           </a:prstGeom>
-        </p:spPr>
-      </p:pic>
+          <a:noFill/>
+        </p:spPr>
+        <p:txBody>
+          <a:bodyPr wrap="square" rtlCol="0">
+            <a:spAutoFit/>
+          </a:bodyPr>
+          <a:lstStyle/>
+          <a:p>
+            <a:pPr algn="ctr"/>
+            <a:r>
+              <a:rPr lang="es-ES" sz="4800" dirty="0">
+                <a:solidFill>
+                  <a:schemeClr val="tx1">
+                    <a:lumMod val="75000"/>
+                    <a:lumOff val="25000"/>
+                  </a:schemeClr>
+                </a:solidFill>
+                <a:latin typeface="Work Sans" pitchFamily="2" charset="77"/>
+              </a:rPr>
+              <a:t>Diagrama de actividades</a:t>
+            </a:r>
+          </a:p>
+          <a:p>
+            <a:pPr algn="ctr"/>
+            <a:r>
+              <a:rPr lang="es-ES" sz="4800" dirty="0">
+                <a:solidFill>
+                  <a:schemeClr val="tx1">
+                    <a:lumMod val="75000"/>
+                    <a:lumOff val="25000"/>
+                  </a:schemeClr>
+                </a:solidFill>
+                <a:latin typeface="Work Sans" pitchFamily="2" charset="77"/>
+              </a:rPr>
+              <a:t>Administrador</a:t>
+            </a:r>
+          </a:p>
+        </p:txBody>
+      </p:sp>
     </p:spTree>
     <p:extLst>
       <p:ext uri="{BB962C8B-B14F-4D97-AF65-F5344CB8AC3E}">
-        <p14:creationId xmlns:p14="http://schemas.microsoft.com/office/powerpoint/2010/main" val="600278807"/>
+        <p14:creationId xmlns:p14="http://schemas.microsoft.com/office/powerpoint/2010/main" val="570991276"/>
       </p:ext>
     </p:extLst>
   </p:cSld>
@@ -6744,8 +6785,8 @@
         </p:nvSpPr>
         <p:spPr>
           <a:xfrm>
-            <a:off x="4629691" y="1194816"/>
-            <a:ext cx="7562309" cy="1569660"/>
+            <a:off x="4441371" y="1194816"/>
+            <a:ext cx="7736115" cy="1569660"/>
           </a:xfrm>
           <a:prstGeom prst="rect">
             <a:avLst/>
@@ -6784,17 +6825,17 @@
                 </a:solidFill>
                 <a:latin typeface="Work Sans" pitchFamily="2" charset="77"/>
               </a:rPr>
-              <a:t>Cliente</a:t>
+              <a:t>Prestador de servicios</a:t>
             </a:r>
           </a:p>
         </p:txBody>
       </p:sp>
       <p:pic>
         <p:nvPicPr>
-          <p:cNvPr id="7" name="Imagen 6">
-            <a:extLst>
-              <a:ext uri="{FF2B5EF4-FFF2-40B4-BE49-F238E27FC236}">
-                <a16:creationId xmlns:a16="http://schemas.microsoft.com/office/drawing/2014/main" id="{3FBBFB4A-AE09-D32A-3505-58B65A6344F2}"/>
+          <p:cNvPr id="4" name="Imagen 3">
+            <a:extLst>
+              <a:ext uri="{FF2B5EF4-FFF2-40B4-BE49-F238E27FC236}">
+                <a16:creationId xmlns:a16="http://schemas.microsoft.com/office/drawing/2014/main" id="{58B19590-974B-EE2C-5CEB-5143FEB4825C}"/>
               </a:ext>
             </a:extLst>
           </p:cNvPr>
@@ -6812,7 +6853,7 @@
         <p:spPr>
           <a:xfrm>
             <a:off x="0" y="0"/>
-            <a:ext cx="4470179" cy="6858000"/>
+            <a:ext cx="4093030" cy="6756400"/>
           </a:xfrm>
           <a:prstGeom prst="rect">
             <a:avLst/>
@@ -6822,7 +6863,7 @@
     </p:spTree>
     <p:extLst>
       <p:ext uri="{BB962C8B-B14F-4D97-AF65-F5344CB8AC3E}">
-        <p14:creationId xmlns:p14="http://schemas.microsoft.com/office/powerpoint/2010/main" val="1582320196"/>
+        <p14:creationId xmlns:p14="http://schemas.microsoft.com/office/powerpoint/2010/main" val="1779174379"/>
       </p:ext>
     </p:extLst>
   </p:cSld>
@@ -6863,244 +6904,6 @@
         </p:nvSpPr>
         <p:spPr>
           <a:xfrm>
-            <a:off x="6230112" y="1194816"/>
-            <a:ext cx="5961888" cy="2308324"/>
-          </a:xfrm>
-          <a:prstGeom prst="rect">
-            <a:avLst/>
-          </a:prstGeom>
-          <a:noFill/>
-        </p:spPr>
-        <p:txBody>
-          <a:bodyPr wrap="square" rtlCol="0">
-            <a:spAutoFit/>
-          </a:bodyPr>
-          <a:lstStyle/>
-          <a:p>
-            <a:pPr algn="ctr"/>
-            <a:r>
-              <a:rPr lang="es-ES" sz="4800" dirty="0">
-                <a:solidFill>
-                  <a:schemeClr val="tx1">
-                    <a:lumMod val="75000"/>
-                    <a:lumOff val="25000"/>
-                  </a:schemeClr>
-                </a:solidFill>
-                <a:latin typeface="Work Sans" pitchFamily="2" charset="77"/>
-              </a:rPr>
-              <a:t>Diagrama de actividades</a:t>
-            </a:r>
-          </a:p>
-          <a:p>
-            <a:pPr algn="ctr"/>
-            <a:r>
-              <a:rPr lang="es-ES" sz="4800" dirty="0">
-                <a:solidFill>
-                  <a:schemeClr val="tx1">
-                    <a:lumMod val="75000"/>
-                    <a:lumOff val="25000"/>
-                  </a:schemeClr>
-                </a:solidFill>
-                <a:latin typeface="Work Sans" pitchFamily="2" charset="77"/>
-              </a:rPr>
-              <a:t>Administrador</a:t>
-            </a:r>
-          </a:p>
-        </p:txBody>
-      </p:sp>
-      <p:pic>
-        <p:nvPicPr>
-          <p:cNvPr id="6" name="Imagen 5" descr="Diagrama&#10;&#10;Descripción generada automáticamente">
-            <a:extLst>
-              <a:ext uri="{FF2B5EF4-FFF2-40B4-BE49-F238E27FC236}">
-                <a16:creationId xmlns:a16="http://schemas.microsoft.com/office/drawing/2014/main" id="{415610D0-438B-BB71-D7B8-5FBC31422F36}"/>
-              </a:ext>
-            </a:extLst>
-          </p:cNvPr>
-          <p:cNvPicPr>
-            <a:picLocks noChangeAspect="1"/>
-          </p:cNvPicPr>
-          <p:nvPr/>
-        </p:nvPicPr>
-        <p:blipFill>
-          <a:blip r:embed="rId2"/>
-          <a:stretch>
-            <a:fillRect/>
-          </a:stretch>
-        </p:blipFill>
-        <p:spPr>
-          <a:xfrm>
-            <a:off x="-18585" y="0"/>
-            <a:ext cx="6114585" cy="6858000"/>
-          </a:xfrm>
-          <a:prstGeom prst="rect">
-            <a:avLst/>
-          </a:prstGeom>
-        </p:spPr>
-      </p:pic>
-    </p:spTree>
-    <p:extLst>
-      <p:ext uri="{BB962C8B-B14F-4D97-AF65-F5344CB8AC3E}">
-        <p14:creationId xmlns:p14="http://schemas.microsoft.com/office/powerpoint/2010/main" val="570991276"/>
-      </p:ext>
-    </p:extLst>
-  </p:cSld>
-  <p:clrMapOvr>
-    <a:masterClrMapping/>
-  </p:clrMapOvr>
-</p:sld>
-</file>
-
-<file path=ppt/slides/slide25.xml><?xml version="1.0" encoding="utf-8"?>
-<p:sld xmlns:a="http://schemas.openxmlformats.org/drawingml/2006/main" xmlns:r="http://schemas.openxmlformats.org/officeDocument/2006/relationships" xmlns:p="http://schemas.openxmlformats.org/presentationml/2006/main">
-  <p:cSld>
-    <p:spTree>
-      <p:nvGrpSpPr>
-        <p:cNvPr id="1" name=""/>
-        <p:cNvGrpSpPr/>
-        <p:nvPr/>
-      </p:nvGrpSpPr>
-      <p:grpSpPr>
-        <a:xfrm>
-          <a:off x="0" y="0"/>
-          <a:ext cx="0" cy="0"/>
-          <a:chOff x="0" y="0"/>
-          <a:chExt cx="0" cy="0"/>
-        </a:xfrm>
-      </p:grpSpPr>
-      <p:sp>
-        <p:nvSpPr>
-          <p:cNvPr id="8" name="CuadroTexto 7">
-            <a:extLst>
-              <a:ext uri="{FF2B5EF4-FFF2-40B4-BE49-F238E27FC236}">
-                <a16:creationId xmlns:a16="http://schemas.microsoft.com/office/drawing/2014/main" id="{ABC283C7-C020-6BE9-CAFE-D9E18BE28B70}"/>
-              </a:ext>
-            </a:extLst>
-          </p:cNvPr>
-          <p:cNvSpPr txBox="1"/>
-          <p:nvPr/>
-        </p:nvSpPr>
-        <p:spPr>
-          <a:xfrm>
-            <a:off x="7461504" y="1194816"/>
-            <a:ext cx="4730496" cy="2308324"/>
-          </a:xfrm>
-          <a:prstGeom prst="rect">
-            <a:avLst/>
-          </a:prstGeom>
-          <a:noFill/>
-        </p:spPr>
-        <p:txBody>
-          <a:bodyPr wrap="square" rtlCol="0">
-            <a:spAutoFit/>
-          </a:bodyPr>
-          <a:lstStyle/>
-          <a:p>
-            <a:pPr algn="ctr"/>
-            <a:r>
-              <a:rPr lang="es-ES" sz="4800" dirty="0">
-                <a:solidFill>
-                  <a:schemeClr val="tx1">
-                    <a:lumMod val="75000"/>
-                    <a:lumOff val="25000"/>
-                  </a:schemeClr>
-                </a:solidFill>
-                <a:latin typeface="Work Sans" pitchFamily="2" charset="77"/>
-              </a:rPr>
-              <a:t>Diagrama de actividades</a:t>
-            </a:r>
-          </a:p>
-          <a:p>
-            <a:pPr algn="ctr"/>
-            <a:r>
-              <a:rPr lang="es-ES" sz="4800" dirty="0">
-                <a:solidFill>
-                  <a:schemeClr val="tx1">
-                    <a:lumMod val="75000"/>
-                    <a:lumOff val="25000"/>
-                  </a:schemeClr>
-                </a:solidFill>
-                <a:latin typeface="Work Sans" pitchFamily="2" charset="77"/>
-              </a:rPr>
-              <a:t>Administrador</a:t>
-            </a:r>
-          </a:p>
-        </p:txBody>
-      </p:sp>
-      <p:pic>
-        <p:nvPicPr>
-          <p:cNvPr id="2" name="Imagen 1">
-            <a:extLst>
-              <a:ext uri="{FF2B5EF4-FFF2-40B4-BE49-F238E27FC236}">
-                <a16:creationId xmlns:a16="http://schemas.microsoft.com/office/drawing/2014/main" id="{991BAA6E-BB20-61ED-015F-17BF9E6E39A7}"/>
-              </a:ext>
-            </a:extLst>
-          </p:cNvPr>
-          <p:cNvPicPr>
-            <a:picLocks noChangeAspect="1"/>
-          </p:cNvPicPr>
-          <p:nvPr/>
-        </p:nvPicPr>
-        <p:blipFill>
-          <a:blip r:embed="rId2"/>
-          <a:stretch>
-            <a:fillRect/>
-          </a:stretch>
-        </p:blipFill>
-        <p:spPr>
-          <a:xfrm>
-            <a:off x="0" y="-9140"/>
-            <a:ext cx="7109952" cy="6858000"/>
-          </a:xfrm>
-          <a:prstGeom prst="rect">
-            <a:avLst/>
-          </a:prstGeom>
-        </p:spPr>
-      </p:pic>
-    </p:spTree>
-    <p:extLst>
-      <p:ext uri="{BB962C8B-B14F-4D97-AF65-F5344CB8AC3E}">
-        <p14:creationId xmlns:p14="http://schemas.microsoft.com/office/powerpoint/2010/main" val="1779174379"/>
-      </p:ext>
-    </p:extLst>
-  </p:cSld>
-  <p:clrMapOvr>
-    <a:masterClrMapping/>
-  </p:clrMapOvr>
-</p:sld>
-</file>
-
-<file path=ppt/slides/slide26.xml><?xml version="1.0" encoding="utf-8"?>
-<p:sld xmlns:a="http://schemas.openxmlformats.org/drawingml/2006/main" xmlns:r="http://schemas.openxmlformats.org/officeDocument/2006/relationships" xmlns:p="http://schemas.openxmlformats.org/presentationml/2006/main">
-  <p:cSld>
-    <p:spTree>
-      <p:nvGrpSpPr>
-        <p:cNvPr id="1" name=""/>
-        <p:cNvGrpSpPr/>
-        <p:nvPr/>
-      </p:nvGrpSpPr>
-      <p:grpSpPr>
-        <a:xfrm>
-          <a:off x="0" y="0"/>
-          <a:ext cx="0" cy="0"/>
-          <a:chOff x="0" y="0"/>
-          <a:chExt cx="0" cy="0"/>
-        </a:xfrm>
-      </p:grpSpPr>
-      <p:sp>
-        <p:nvSpPr>
-          <p:cNvPr id="8" name="CuadroTexto 7">
-            <a:extLst>
-              <a:ext uri="{FF2B5EF4-FFF2-40B4-BE49-F238E27FC236}">
-                <a16:creationId xmlns:a16="http://schemas.microsoft.com/office/drawing/2014/main" id="{ABC283C7-C020-6BE9-CAFE-D9E18BE28B70}"/>
-              </a:ext>
-            </a:extLst>
-          </p:cNvPr>
-          <p:cNvSpPr txBox="1"/>
-          <p:nvPr/>
-        </p:nvSpPr>
-        <p:spPr>
-          <a:xfrm>
             <a:off x="733293" y="146304"/>
             <a:ext cx="10725414" cy="830997"/>
           </a:xfrm>
@@ -7144,7 +6947,7 @@
 </p:sld>
 </file>
 
-<file path=ppt/slides/slide27.xml><?xml version="1.0" encoding="utf-8"?>
+<file path=ppt/slides/slide25.xml><?xml version="1.0" encoding="utf-8"?>
 <p:sld xmlns:a="http://schemas.openxmlformats.org/drawingml/2006/main" xmlns:r="http://schemas.openxmlformats.org/officeDocument/2006/relationships" xmlns:p="http://schemas.openxmlformats.org/presentationml/2006/main">
   <p:cSld>
     <p:spTree>
@@ -8020,6 +7823,184 @@
 </p:sld>
 </file>
 
+<file path=ppt/slides/slide26.xml><?xml version="1.0" encoding="utf-8"?>
+<p:sld xmlns:a="http://schemas.openxmlformats.org/drawingml/2006/main" xmlns:r="http://schemas.openxmlformats.org/officeDocument/2006/relationships" xmlns:p="http://schemas.openxmlformats.org/presentationml/2006/main">
+  <p:cSld>
+    <p:spTree>
+      <p:nvGrpSpPr>
+        <p:cNvPr id="1" name=""/>
+        <p:cNvGrpSpPr/>
+        <p:nvPr/>
+      </p:nvGrpSpPr>
+      <p:grpSpPr>
+        <a:xfrm>
+          <a:off x="0" y="0"/>
+          <a:ext cx="0" cy="0"/>
+          <a:chOff x="0" y="0"/>
+          <a:chExt cx="0" cy="0"/>
+        </a:xfrm>
+      </p:grpSpPr>
+      <p:sp>
+        <p:nvSpPr>
+          <p:cNvPr id="8" name="CuadroTexto 7">
+            <a:extLst>
+              <a:ext uri="{FF2B5EF4-FFF2-40B4-BE49-F238E27FC236}">
+                <a16:creationId xmlns:a16="http://schemas.microsoft.com/office/drawing/2014/main" id="{ABC283C7-C020-6BE9-CAFE-D9E18BE28B70}"/>
+              </a:ext>
+            </a:extLst>
+          </p:cNvPr>
+          <p:cNvSpPr txBox="1"/>
+          <p:nvPr/>
+        </p:nvSpPr>
+        <p:spPr>
+          <a:xfrm>
+            <a:off x="733293" y="146304"/>
+            <a:ext cx="10725414" cy="830997"/>
+          </a:xfrm>
+          <a:prstGeom prst="rect">
+            <a:avLst/>
+          </a:prstGeom>
+          <a:noFill/>
+        </p:spPr>
+        <p:txBody>
+          <a:bodyPr wrap="square" rtlCol="0">
+            <a:spAutoFit/>
+          </a:bodyPr>
+          <a:lstStyle/>
+          <a:p>
+            <a:pPr algn="ctr"/>
+            <a:r>
+              <a:rPr lang="es-ES" sz="4800" dirty="0">
+                <a:solidFill>
+                  <a:schemeClr val="tx1">
+                    <a:lumMod val="75000"/>
+                    <a:lumOff val="25000"/>
+                  </a:schemeClr>
+                </a:solidFill>
+                <a:latin typeface="Work Sans" pitchFamily="2" charset="77"/>
+              </a:rPr>
+              <a:t>Diccionario de datos</a:t>
+            </a:r>
+          </a:p>
+        </p:txBody>
+      </p:sp>
+    </p:spTree>
+    <p:extLst>
+      <p:ext uri="{BB962C8B-B14F-4D97-AF65-F5344CB8AC3E}">
+        <p14:creationId xmlns:p14="http://schemas.microsoft.com/office/powerpoint/2010/main" val="836313466"/>
+      </p:ext>
+    </p:extLst>
+  </p:cSld>
+  <p:clrMapOvr>
+    <a:masterClrMapping/>
+  </p:clrMapOvr>
+</p:sld>
+</file>
+
+<file path=ppt/slides/slide27.xml><?xml version="1.0" encoding="utf-8"?>
+<p:sld xmlns:a="http://schemas.openxmlformats.org/drawingml/2006/main" xmlns:r="http://schemas.openxmlformats.org/officeDocument/2006/relationships" xmlns:p="http://schemas.openxmlformats.org/presentationml/2006/main">
+  <p:cSld>
+    <p:spTree>
+      <p:nvGrpSpPr>
+        <p:cNvPr id="1" name=""/>
+        <p:cNvGrpSpPr/>
+        <p:nvPr/>
+      </p:nvGrpSpPr>
+      <p:grpSpPr>
+        <a:xfrm>
+          <a:off x="0" y="0"/>
+          <a:ext cx="0" cy="0"/>
+          <a:chOff x="0" y="0"/>
+          <a:chExt cx="0" cy="0"/>
+        </a:xfrm>
+      </p:grpSpPr>
+      <p:sp>
+        <p:nvSpPr>
+          <p:cNvPr id="8" name="CuadroTexto 7">
+            <a:extLst>
+              <a:ext uri="{FF2B5EF4-FFF2-40B4-BE49-F238E27FC236}">
+                <a16:creationId xmlns:a16="http://schemas.microsoft.com/office/drawing/2014/main" id="{ABC283C7-C020-6BE9-CAFE-D9E18BE28B70}"/>
+              </a:ext>
+            </a:extLst>
+          </p:cNvPr>
+          <p:cNvSpPr txBox="1"/>
+          <p:nvPr/>
+        </p:nvSpPr>
+        <p:spPr>
+          <a:xfrm>
+            <a:off x="733293" y="0"/>
+            <a:ext cx="10725414" cy="830997"/>
+          </a:xfrm>
+          <a:prstGeom prst="rect">
+            <a:avLst/>
+          </a:prstGeom>
+          <a:noFill/>
+        </p:spPr>
+        <p:txBody>
+          <a:bodyPr wrap="square" rtlCol="0">
+            <a:spAutoFit/>
+          </a:bodyPr>
+          <a:lstStyle/>
+          <a:p>
+            <a:pPr algn="ctr"/>
+            <a:r>
+              <a:rPr lang="es-ES" sz="4800" dirty="0">
+                <a:solidFill>
+                  <a:schemeClr val="tx1">
+                    <a:lumMod val="75000"/>
+                    <a:lumOff val="25000"/>
+                  </a:schemeClr>
+                </a:solidFill>
+                <a:latin typeface="Work Sans" pitchFamily="2" charset="77"/>
+              </a:rPr>
+              <a:t>Modelado MER</a:t>
+            </a:r>
+          </a:p>
+        </p:txBody>
+      </p:sp>
+      <p:pic>
+        <p:nvPicPr>
+          <p:cNvPr id="4" name="Imagen 3">
+            <a:extLst>
+              <a:ext uri="{FF2B5EF4-FFF2-40B4-BE49-F238E27FC236}">
+                <a16:creationId xmlns:a16="http://schemas.microsoft.com/office/drawing/2014/main" id="{0CB229EB-D5D9-B9AA-67D9-AAE942F31452}"/>
+              </a:ext>
+            </a:extLst>
+          </p:cNvPr>
+          <p:cNvPicPr>
+            <a:picLocks noChangeAspect="1"/>
+          </p:cNvPicPr>
+          <p:nvPr/>
+        </p:nvPicPr>
+        <p:blipFill>
+          <a:blip r:embed="rId2"/>
+          <a:stretch>
+            <a:fillRect/>
+          </a:stretch>
+        </p:blipFill>
+        <p:spPr>
+          <a:xfrm>
+            <a:off x="1273596" y="680525"/>
+            <a:ext cx="9800804" cy="5954182"/>
+          </a:xfrm>
+          <a:prstGeom prst="rect">
+            <a:avLst/>
+          </a:prstGeom>
+        </p:spPr>
+      </p:pic>
+    </p:spTree>
+    <p:extLst>
+      <p:ext uri="{BB962C8B-B14F-4D97-AF65-F5344CB8AC3E}">
+        <p14:creationId xmlns:p14="http://schemas.microsoft.com/office/powerpoint/2010/main" val="1510882134"/>
+      </p:ext>
+    </p:extLst>
+  </p:cSld>
+  <p:clrMapOvr>
+    <a:masterClrMapping/>
+  </p:clrMapOvr>
+</p:sld>
+</file>
+
 <file path=ppt/slides/slide28.xml><?xml version="1.0" encoding="utf-8"?>
 <p:sld xmlns:a="http://schemas.openxmlformats.org/drawingml/2006/main" xmlns:r="http://schemas.openxmlformats.org/officeDocument/2006/relationships" xmlns:p="http://schemas.openxmlformats.org/presentationml/2006/main">
   <p:cSld>
@@ -8051,8 +8032,8 @@
         </p:nvSpPr>
         <p:spPr>
           <a:xfrm>
-            <a:off x="733293" y="146304"/>
-            <a:ext cx="10725414" cy="830997"/>
+            <a:off x="2542918" y="104170"/>
+            <a:ext cx="7106163" cy="830997"/>
           </a:xfrm>
           <a:prstGeom prst="rect">
             <a:avLst/>
@@ -8076,7 +8057,7 @@
                 </a:solidFill>
                 <a:latin typeface="Work Sans" pitchFamily="2" charset="77"/>
               </a:rPr>
-              <a:t>Diccionario de datos</a:t>
+              <a:t>Modelado MR </a:t>
             </a:r>
           </a:p>
         </p:txBody>
@@ -8084,7 +8065,7 @@
     </p:spTree>
     <p:extLst>
       <p:ext uri="{BB962C8B-B14F-4D97-AF65-F5344CB8AC3E}">
-        <p14:creationId xmlns:p14="http://schemas.microsoft.com/office/powerpoint/2010/main" val="836313466"/>
+        <p14:creationId xmlns:p14="http://schemas.microsoft.com/office/powerpoint/2010/main" val="3629332952"/>
       </p:ext>
     </p:extLst>
   </p:cSld>
@@ -8125,8 +8106,8 @@
         </p:nvSpPr>
         <p:spPr>
           <a:xfrm>
-            <a:off x="733292" y="0"/>
-            <a:ext cx="10725414" cy="1569660"/>
+            <a:off x="733293" y="146304"/>
+            <a:ext cx="10725414" cy="830997"/>
           </a:xfrm>
           <a:prstGeom prst="rect">
             <a:avLst/>
@@ -8150,60 +8131,15 @@
                 </a:solidFill>
                 <a:latin typeface="Work Sans" pitchFamily="2" charset="77"/>
               </a:rPr>
-              <a:t>Modelado MER</a:t>
-            </a:r>
-          </a:p>
-          <a:p>
-            <a:pPr algn="ctr"/>
-            <a:r>
-              <a:rPr lang="es-ES" sz="4800" dirty="0">
-                <a:solidFill>
-                  <a:schemeClr val="tx1">
-                    <a:lumMod val="75000"/>
-                    <a:lumOff val="25000"/>
-                  </a:schemeClr>
-                </a:solidFill>
-                <a:latin typeface="Work Sans" pitchFamily="2" charset="77"/>
-              </a:rPr>
-              <a:t>(Modelo Entidad Relación)</a:t>
-            </a:r>
-          </a:p>
-        </p:txBody>
-      </p:sp>
-      <p:pic>
-        <p:nvPicPr>
-          <p:cNvPr id="3" name="Imagen 2">
-            <a:extLst>
-              <a:ext uri="{FF2B5EF4-FFF2-40B4-BE49-F238E27FC236}">
-                <a16:creationId xmlns:a16="http://schemas.microsoft.com/office/drawing/2014/main" id="{71BDB4A0-FA03-57E5-A211-2B9E7C9DB164}"/>
-              </a:ext>
-            </a:extLst>
-          </p:cNvPr>
-          <p:cNvPicPr>
-            <a:picLocks noChangeAspect="1"/>
-          </p:cNvPicPr>
-          <p:nvPr/>
-        </p:nvPicPr>
-        <p:blipFill>
-          <a:blip r:embed="rId2"/>
-          <a:stretch>
-            <a:fillRect/>
-          </a:stretch>
-        </p:blipFill>
-        <p:spPr>
-          <a:xfrm>
-            <a:off x="1553709" y="1463040"/>
-            <a:ext cx="9084581" cy="5394960"/>
-          </a:xfrm>
-          <a:prstGeom prst="rect">
-            <a:avLst/>
-          </a:prstGeom>
-        </p:spPr>
-      </p:pic>
+              <a:t>Script de la base de datos</a:t>
+            </a:r>
+          </a:p>
+        </p:txBody>
+      </p:sp>
     </p:spTree>
     <p:extLst>
       <p:ext uri="{BB962C8B-B14F-4D97-AF65-F5344CB8AC3E}">
-        <p14:creationId xmlns:p14="http://schemas.microsoft.com/office/powerpoint/2010/main" val="1510882134"/>
+        <p14:creationId xmlns:p14="http://schemas.microsoft.com/office/powerpoint/2010/main" val="2788323128"/>
       </p:ext>
     </p:extLst>
   </p:cSld>
@@ -8438,10 +8374,50 @@
       </p:grpSpPr>
       <p:sp>
         <p:nvSpPr>
-          <p:cNvPr id="8" name="CuadroTexto 7">
-            <a:extLst>
-              <a:ext uri="{FF2B5EF4-FFF2-40B4-BE49-F238E27FC236}">
-                <a16:creationId xmlns:a16="http://schemas.microsoft.com/office/drawing/2014/main" id="{ABC283C7-C020-6BE9-CAFE-D9E18BE28B70}"/>
+          <p:cNvPr id="2" name="Título 1">
+            <a:extLst>
+              <a:ext uri="{FF2B5EF4-FFF2-40B4-BE49-F238E27FC236}">
+                <a16:creationId xmlns:a16="http://schemas.microsoft.com/office/drawing/2014/main" id="{CAC1D880-FC17-3789-2435-5FF7492EABD6}"/>
+              </a:ext>
+            </a:extLst>
+          </p:cNvPr>
+          <p:cNvSpPr>
+            <a:spLocks noGrp="1"/>
+          </p:cNvSpPr>
+          <p:nvPr>
+            <p:ph type="title"/>
+          </p:nvPr>
+        </p:nvSpPr>
+        <p:spPr>
+          <a:xfrm>
+            <a:off x="456236" y="110481"/>
+            <a:ext cx="10515600" cy="1325563"/>
+          </a:xfrm>
+        </p:spPr>
+        <p:txBody>
+          <a:bodyPr>
+            <a:normAutofit/>
+          </a:bodyPr>
+          <a:lstStyle/>
+          <a:p>
+            <a:r>
+              <a:rPr lang="es-CO" sz="4800" dirty="0">
+                <a:solidFill>
+                  <a:schemeClr val="bg1"/>
+                </a:solidFill>
+                <a:latin typeface="Work Sans" pitchFamily="2" charset="0"/>
+              </a:rPr>
+              <a:t>Conclusiones</a:t>
+            </a:r>
+          </a:p>
+        </p:txBody>
+      </p:sp>
+      <p:sp>
+        <p:nvSpPr>
+          <p:cNvPr id="6" name="CuadroTexto 5">
+            <a:extLst>
+              <a:ext uri="{FF2B5EF4-FFF2-40B4-BE49-F238E27FC236}">
+                <a16:creationId xmlns:a16="http://schemas.microsoft.com/office/drawing/2014/main" id="{2F3F2856-AF7E-FAD7-920C-693A70780A64}"/>
               </a:ext>
             </a:extLst>
           </p:cNvPr>
@@ -8450,8 +8426,8 @@
         </p:nvSpPr>
         <p:spPr>
           <a:xfrm>
-            <a:off x="5085837" y="2644170"/>
-            <a:ext cx="7106163" cy="1569660"/>
+            <a:off x="181106" y="2112642"/>
+            <a:ext cx="11462254" cy="3170099"/>
           </a:xfrm>
           <a:prstGeom prst="rect">
             <a:avLst/>
@@ -8464,71 +8440,87 @@
           </a:bodyPr>
           <a:lstStyle/>
           <a:p>
-            <a:pPr algn="ctr"/>
-            <a:r>
-              <a:rPr lang="es-ES" sz="4800" dirty="0">
+            <a:pPr algn="just" defTabSz="1257621" hangingPunct="0"/>
+            <a:r>
+              <a:rPr lang="es-ES" sz="2000" dirty="0">
                 <a:solidFill>
-                  <a:schemeClr val="tx1">
-                    <a:lumMod val="75000"/>
-                    <a:lumOff val="25000"/>
-                  </a:schemeClr>
+                  <a:srgbClr val="000000"/>
                 </a:solidFill>
-                <a:latin typeface="Work Sans" pitchFamily="2" charset="77"/>
-              </a:rPr>
-              <a:t>Modelado MR </a:t>
-            </a:r>
-          </a:p>
-          <a:p>
-            <a:pPr algn="ctr"/>
-            <a:r>
-              <a:rPr lang="es-ES" sz="4800" dirty="0">
+                <a:effectLst/>
+                <a:latin typeface="Work Sans" pitchFamily="2" charset="0"/>
+              </a:rPr>
+              <a:t>- Tras la documentación mostrada, podemos deducir que los objetivos planteados están dirigidos a solucionar la problemática principal de nuestro proyecto, dado que actualmente no se ve resuelta por completo en el mercado, y de allí se derivan oportunidades para </a:t>
+            </a:r>
+            <a:r>
+              <a:rPr lang="es-ES" sz="2000" dirty="0" err="1">
                 <a:solidFill>
-                  <a:schemeClr val="tx1">
-                    <a:lumMod val="75000"/>
-                    <a:lumOff val="25000"/>
-                  </a:schemeClr>
+                  <a:srgbClr val="000000"/>
                 </a:solidFill>
-                <a:latin typeface="Work Sans" pitchFamily="2" charset="77"/>
-              </a:rPr>
-              <a:t>(Modelo Relacional)</a:t>
-            </a:r>
-          </a:p>
-        </p:txBody>
-      </p:sp>
-      <p:pic>
-        <p:nvPicPr>
-          <p:cNvPr id="4" name="Imagen 3">
-            <a:extLst>
-              <a:ext uri="{FF2B5EF4-FFF2-40B4-BE49-F238E27FC236}">
-                <a16:creationId xmlns:a16="http://schemas.microsoft.com/office/drawing/2014/main" id="{93468924-4F4C-B869-481F-71C156B81D0C}"/>
-              </a:ext>
-            </a:extLst>
-          </p:cNvPr>
-          <p:cNvPicPr>
-            <a:picLocks noChangeAspect="1"/>
-          </p:cNvPicPr>
-          <p:nvPr/>
-        </p:nvPicPr>
-        <p:blipFill>
-          <a:blip r:embed="rId2"/>
-          <a:stretch>
-            <a:fillRect/>
-          </a:stretch>
-        </p:blipFill>
-        <p:spPr>
-          <a:xfrm>
-            <a:off x="0" y="0"/>
-            <a:ext cx="4656078" cy="6858000"/>
-          </a:xfrm>
-          <a:prstGeom prst="rect">
-            <a:avLst/>
-          </a:prstGeom>
-        </p:spPr>
-      </p:pic>
+                <a:effectLst/>
+                <a:latin typeface="Work Sans" pitchFamily="2" charset="0"/>
+              </a:rPr>
+              <a:t>Service</a:t>
+            </a:r>
+            <a:r>
+              <a:rPr lang="es-ES" sz="2000" dirty="0">
+                <a:solidFill>
+                  <a:srgbClr val="000000"/>
+                </a:solidFill>
+                <a:effectLst/>
+                <a:latin typeface="Work Sans" pitchFamily="2" charset="0"/>
+              </a:rPr>
+              <a:t> </a:t>
+            </a:r>
+            <a:r>
+              <a:rPr lang="es-ES" sz="2000" dirty="0" err="1">
+                <a:solidFill>
+                  <a:srgbClr val="000000"/>
+                </a:solidFill>
+                <a:effectLst/>
+                <a:latin typeface="Work Sans" pitchFamily="2" charset="0"/>
+              </a:rPr>
+              <a:t>Market</a:t>
+            </a:r>
+            <a:r>
+              <a:rPr lang="es-ES" sz="2000" dirty="0">
+                <a:solidFill>
+                  <a:srgbClr val="000000"/>
+                </a:solidFill>
+                <a:effectLst/>
+                <a:latin typeface="Work Sans" pitchFamily="2" charset="0"/>
+              </a:rPr>
+              <a:t>.</a:t>
+            </a:r>
+          </a:p>
+          <a:p>
+            <a:pPr algn="just" defTabSz="1257621" hangingPunct="0"/>
+            <a:endParaRPr lang="es-ES" sz="2000" dirty="0">
+              <a:solidFill>
+                <a:srgbClr val="000000"/>
+              </a:solidFill>
+              <a:effectLst/>
+              <a:latin typeface="Work Sans" pitchFamily="2" charset="0"/>
+            </a:endParaRPr>
+          </a:p>
+          <a:p>
+            <a:pPr algn="just" defTabSz="1257621" hangingPunct="0"/>
+            <a:r>
+              <a:rPr lang="es-ES" sz="2000" dirty="0">
+                <a:solidFill>
+                  <a:srgbClr val="000000"/>
+                </a:solidFill>
+                <a:effectLst/>
+                <a:latin typeface="Work Sans" pitchFamily="2" charset="0"/>
+              </a:rPr>
+              <a:t>- Según los datos expuestos, podemos concluir que nuestra aplicación web va a ser un canal de comunicación para clientes y prestadores de servicios que estén dispuestos a darse a conocer, generando así mas ganancias, una negociación a una escala mayor y aumentando la credibilidad de aquellos prestadores de servicios que requieran una ayuda.</a:t>
+            </a:r>
+          </a:p>
+        </p:txBody>
+      </p:sp>
     </p:spTree>
     <p:extLst>
       <p:ext uri="{BB962C8B-B14F-4D97-AF65-F5344CB8AC3E}">
-        <p14:creationId xmlns:p14="http://schemas.microsoft.com/office/powerpoint/2010/main" val="3629332952"/>
+        <p14:creationId xmlns:p14="http://schemas.microsoft.com/office/powerpoint/2010/main" val="1022204198"/>
       </p:ext>
     </p:extLst>
   </p:cSld>
@@ -8557,255 +8549,6 @@
       </p:grpSpPr>
       <p:sp>
         <p:nvSpPr>
-          <p:cNvPr id="8" name="CuadroTexto 7">
-            <a:extLst>
-              <a:ext uri="{FF2B5EF4-FFF2-40B4-BE49-F238E27FC236}">
-                <a16:creationId xmlns:a16="http://schemas.microsoft.com/office/drawing/2014/main" id="{ABC283C7-C020-6BE9-CAFE-D9E18BE28B70}"/>
-              </a:ext>
-            </a:extLst>
-          </p:cNvPr>
-          <p:cNvSpPr txBox="1"/>
-          <p:nvPr/>
-        </p:nvSpPr>
-        <p:spPr>
-          <a:xfrm>
-            <a:off x="733293" y="146304"/>
-            <a:ext cx="10725414" cy="830997"/>
-          </a:xfrm>
-          <a:prstGeom prst="rect">
-            <a:avLst/>
-          </a:prstGeom>
-          <a:noFill/>
-        </p:spPr>
-        <p:txBody>
-          <a:bodyPr wrap="square" rtlCol="0">
-            <a:spAutoFit/>
-          </a:bodyPr>
-          <a:lstStyle/>
-          <a:p>
-            <a:pPr algn="ctr"/>
-            <a:r>
-              <a:rPr lang="es-ES" sz="4800" dirty="0">
-                <a:solidFill>
-                  <a:schemeClr val="tx1">
-                    <a:lumMod val="75000"/>
-                    <a:lumOff val="25000"/>
-                  </a:schemeClr>
-                </a:solidFill>
-                <a:latin typeface="Work Sans" pitchFamily="2" charset="77"/>
-              </a:rPr>
-              <a:t>Script de la base de datos</a:t>
-            </a:r>
-          </a:p>
-        </p:txBody>
-      </p:sp>
-    </p:spTree>
-    <p:extLst>
-      <p:ext uri="{BB962C8B-B14F-4D97-AF65-F5344CB8AC3E}">
-        <p14:creationId xmlns:p14="http://schemas.microsoft.com/office/powerpoint/2010/main" val="2788323128"/>
-      </p:ext>
-    </p:extLst>
-  </p:cSld>
-  <p:clrMapOvr>
-    <a:masterClrMapping/>
-  </p:clrMapOvr>
-</p:sld>
-</file>
-
-<file path=ppt/slides/slide32.xml><?xml version="1.0" encoding="utf-8"?>
-<p:sld xmlns:a="http://schemas.openxmlformats.org/drawingml/2006/main" xmlns:r="http://schemas.openxmlformats.org/officeDocument/2006/relationships" xmlns:p="http://schemas.openxmlformats.org/presentationml/2006/main">
-  <p:cSld>
-    <p:spTree>
-      <p:nvGrpSpPr>
-        <p:cNvPr id="1" name=""/>
-        <p:cNvGrpSpPr/>
-        <p:nvPr/>
-      </p:nvGrpSpPr>
-      <p:grpSpPr>
-        <a:xfrm>
-          <a:off x="0" y="0"/>
-          <a:ext cx="0" cy="0"/>
-          <a:chOff x="0" y="0"/>
-          <a:chExt cx="0" cy="0"/>
-        </a:xfrm>
-      </p:grpSpPr>
-      <p:sp>
-        <p:nvSpPr>
-          <p:cNvPr id="2" name="Título 1">
-            <a:extLst>
-              <a:ext uri="{FF2B5EF4-FFF2-40B4-BE49-F238E27FC236}">
-                <a16:creationId xmlns:a16="http://schemas.microsoft.com/office/drawing/2014/main" id="{CAC1D880-FC17-3789-2435-5FF7492EABD6}"/>
-              </a:ext>
-            </a:extLst>
-          </p:cNvPr>
-          <p:cNvSpPr>
-            <a:spLocks noGrp="1"/>
-          </p:cNvSpPr>
-          <p:nvPr>
-            <p:ph type="title"/>
-          </p:nvPr>
-        </p:nvSpPr>
-        <p:spPr>
-          <a:xfrm>
-            <a:off x="456236" y="110481"/>
-            <a:ext cx="10515600" cy="1325563"/>
-          </a:xfrm>
-        </p:spPr>
-        <p:txBody>
-          <a:bodyPr>
-            <a:normAutofit/>
-          </a:bodyPr>
-          <a:lstStyle/>
-          <a:p>
-            <a:r>
-              <a:rPr lang="es-CO" sz="4800" dirty="0">
-                <a:solidFill>
-                  <a:schemeClr val="bg1"/>
-                </a:solidFill>
-                <a:latin typeface="Work Sans" pitchFamily="2" charset="0"/>
-              </a:rPr>
-              <a:t>Conclusiones</a:t>
-            </a:r>
-          </a:p>
-        </p:txBody>
-      </p:sp>
-      <p:sp>
-        <p:nvSpPr>
-          <p:cNvPr id="6" name="CuadroTexto 5">
-            <a:extLst>
-              <a:ext uri="{FF2B5EF4-FFF2-40B4-BE49-F238E27FC236}">
-                <a16:creationId xmlns:a16="http://schemas.microsoft.com/office/drawing/2014/main" id="{2F3F2856-AF7E-FAD7-920C-693A70780A64}"/>
-              </a:ext>
-            </a:extLst>
-          </p:cNvPr>
-          <p:cNvSpPr txBox="1"/>
-          <p:nvPr/>
-        </p:nvSpPr>
-        <p:spPr>
-          <a:xfrm>
-            <a:off x="181106" y="2112642"/>
-            <a:ext cx="11462254" cy="3170099"/>
-          </a:xfrm>
-          <a:prstGeom prst="rect">
-            <a:avLst/>
-          </a:prstGeom>
-          <a:noFill/>
-        </p:spPr>
-        <p:txBody>
-          <a:bodyPr wrap="square" rtlCol="0">
-            <a:spAutoFit/>
-          </a:bodyPr>
-          <a:lstStyle/>
-          <a:p>
-            <a:pPr algn="just" defTabSz="1257621" hangingPunct="0"/>
-            <a:r>
-              <a:rPr lang="es-ES" sz="2000" dirty="0">
-                <a:solidFill>
-                  <a:srgbClr val="000000"/>
-                </a:solidFill>
-                <a:effectLst/>
-                <a:latin typeface="Work Sans" pitchFamily="2" charset="0"/>
-              </a:rPr>
-              <a:t>- Tras la documentación mostrada, podemos deducir que los objetivos planteados están dirigidos a solucionar la problemática principal de nuestro proyecto, dado que actualmente no se ve resuelta por completo en el mercado, y de allí se derivan oportunidades para </a:t>
-            </a:r>
-            <a:r>
-              <a:rPr lang="es-ES" sz="2000" dirty="0" err="1">
-                <a:solidFill>
-                  <a:srgbClr val="000000"/>
-                </a:solidFill>
-                <a:effectLst/>
-                <a:latin typeface="Work Sans" pitchFamily="2" charset="0"/>
-              </a:rPr>
-              <a:t>Service</a:t>
-            </a:r>
-            <a:r>
-              <a:rPr lang="es-ES" sz="2000" dirty="0">
-                <a:solidFill>
-                  <a:srgbClr val="000000"/>
-                </a:solidFill>
-                <a:effectLst/>
-                <a:latin typeface="Work Sans" pitchFamily="2" charset="0"/>
-              </a:rPr>
-              <a:t> </a:t>
-            </a:r>
-            <a:r>
-              <a:rPr lang="es-ES" sz="2000" dirty="0" err="1">
-                <a:solidFill>
-                  <a:srgbClr val="000000"/>
-                </a:solidFill>
-                <a:effectLst/>
-                <a:latin typeface="Work Sans" pitchFamily="2" charset="0"/>
-              </a:rPr>
-              <a:t>Market</a:t>
-            </a:r>
-            <a:r>
-              <a:rPr lang="es-ES" sz="2000" dirty="0">
-                <a:solidFill>
-                  <a:srgbClr val="000000"/>
-                </a:solidFill>
-                <a:effectLst/>
-                <a:latin typeface="Work Sans" pitchFamily="2" charset="0"/>
-              </a:rPr>
-              <a:t>.</a:t>
-            </a:r>
-          </a:p>
-          <a:p>
-            <a:pPr algn="just" defTabSz="1257621" hangingPunct="0"/>
-            <a:endParaRPr lang="es-ES" sz="2000" dirty="0">
-              <a:solidFill>
-                <a:srgbClr val="000000"/>
-              </a:solidFill>
-              <a:effectLst/>
-              <a:latin typeface="Work Sans" pitchFamily="2" charset="0"/>
-            </a:endParaRPr>
-          </a:p>
-          <a:p>
-            <a:pPr algn="just" defTabSz="1257621" hangingPunct="0"/>
-            <a:r>
-              <a:rPr lang="es-ES" sz="2000" dirty="0">
-                <a:solidFill>
-                  <a:srgbClr val="000000"/>
-                </a:solidFill>
-                <a:effectLst/>
-                <a:latin typeface="Work Sans" pitchFamily="2" charset="0"/>
-              </a:rPr>
-              <a:t>- Según los datos expuestos, podemos concluir que nuestra aplicación web va a ser un canal de comunicación para clientes y prestadores de servicios que estén dispuestos a darse a conocer, generando así mas ganancias, una negociación a una escala mayor y aumentando la credibilidad de aquellos prestadores de servicios que requieran una ayuda.</a:t>
-            </a:r>
-          </a:p>
-        </p:txBody>
-      </p:sp>
-    </p:spTree>
-    <p:extLst>
-      <p:ext uri="{BB962C8B-B14F-4D97-AF65-F5344CB8AC3E}">
-        <p14:creationId xmlns:p14="http://schemas.microsoft.com/office/powerpoint/2010/main" val="1022204198"/>
-      </p:ext>
-    </p:extLst>
-  </p:cSld>
-  <p:clrMapOvr>
-    <a:masterClrMapping/>
-  </p:clrMapOvr>
-</p:sld>
-</file>
-
-<file path=ppt/slides/slide33.xml><?xml version="1.0" encoding="utf-8"?>
-<p:sld xmlns:a="http://schemas.openxmlformats.org/drawingml/2006/main" xmlns:r="http://schemas.openxmlformats.org/officeDocument/2006/relationships" xmlns:p="http://schemas.openxmlformats.org/presentationml/2006/main">
-  <p:cSld>
-    <p:spTree>
-      <p:nvGrpSpPr>
-        <p:cNvPr id="1" name=""/>
-        <p:cNvGrpSpPr/>
-        <p:nvPr/>
-      </p:nvGrpSpPr>
-      <p:grpSpPr>
-        <a:xfrm>
-          <a:off x="0" y="0"/>
-          <a:ext cx="0" cy="0"/>
-          <a:chOff x="0" y="0"/>
-          <a:chExt cx="0" cy="0"/>
-        </a:xfrm>
-      </p:grpSpPr>
-      <p:sp>
-        <p:nvSpPr>
           <p:cNvPr id="2" name="Título 1">
             <a:extLst>
               <a:ext uri="{FF2B5EF4-FFF2-40B4-BE49-F238E27FC236}">
@@ -9262,7 +9005,7 @@
 </p:sld>
 </file>
 
-<file path=ppt/slides/slide34.xml><?xml version="1.0" encoding="utf-8"?>
+<file path=ppt/slides/slide32.xml><?xml version="1.0" encoding="utf-8"?>
 <p:sld xmlns:a="http://schemas.openxmlformats.org/drawingml/2006/main" xmlns:r="http://schemas.openxmlformats.org/officeDocument/2006/relationships" xmlns:p="http://schemas.openxmlformats.org/presentationml/2006/main">
   <p:cSld>
     <p:spTree>

--- a/PROYECTO FORMATIVO.pptx
+++ b/PROYECTO FORMATIVO.pptx
@@ -283,7 +283,7 @@
           <a:p>
             <a:fld id="{88369B9F-131C-2846-AB8F-CEE154B4CAEB}" type="datetimeFigureOut">
               <a:rPr lang="es-CO" smtClean="0"/>
-              <a:t>27/11/2022</a:t>
+              <a:t>28/11/2022</a:t>
             </a:fld>
             <a:endParaRPr lang="es-CO"/>
           </a:p>
@@ -460,7 +460,7 @@
           <a:p>
             <a:fld id="{9660CB96-A603-FF42-AE46-F5F75F80A67B}" type="datetimeFigureOut">
               <a:rPr lang="es-CO" smtClean="0"/>
-              <a:t>27/11/2022</a:t>
+              <a:t>28/11/2022</a:t>
             </a:fld>
             <a:endParaRPr lang="es-CO"/>
           </a:p>
@@ -1129,7 +1129,7 @@
           <a:p>
             <a:fld id="{BD986248-06F7-A441-A47A-264EBD310E11}" type="datetimeFigureOut">
               <a:rPr lang="es-CO" smtClean="0"/>
-              <a:t>27/11/2022</a:t>
+              <a:t>28/11/2022</a:t>
             </a:fld>
             <a:endParaRPr lang="es-CO"/>
           </a:p>
@@ -1329,7 +1329,7 @@
           <a:p>
             <a:fld id="{BD986248-06F7-A441-A47A-264EBD310E11}" type="datetimeFigureOut">
               <a:rPr lang="es-CO" smtClean="0"/>
-              <a:t>27/11/2022</a:t>
+              <a:t>28/11/2022</a:t>
             </a:fld>
             <a:endParaRPr lang="es-CO"/>
           </a:p>
@@ -1539,7 +1539,7 @@
           <a:p>
             <a:fld id="{BD986248-06F7-A441-A47A-264EBD310E11}" type="datetimeFigureOut">
               <a:rPr lang="es-CO" smtClean="0"/>
-              <a:t>27/11/2022</a:t>
+              <a:t>28/11/2022</a:t>
             </a:fld>
             <a:endParaRPr lang="es-CO"/>
           </a:p>
@@ -1802,7 +1802,7 @@
           <a:p>
             <a:fld id="{BD986248-06F7-A441-A47A-264EBD310E11}" type="datetimeFigureOut">
               <a:rPr lang="es-CO" smtClean="0"/>
-              <a:t>27/11/2022</a:t>
+              <a:t>28/11/2022</a:t>
             </a:fld>
             <a:endParaRPr lang="es-CO"/>
           </a:p>
@@ -2068,7 +2068,7 @@
           <a:p>
             <a:fld id="{BD986248-06F7-A441-A47A-264EBD310E11}" type="datetimeFigureOut">
               <a:rPr lang="es-CO" smtClean="0"/>
-              <a:t>27/11/2022</a:t>
+              <a:t>28/11/2022</a:t>
             </a:fld>
             <a:endParaRPr lang="es-CO"/>
           </a:p>
@@ -2344,7 +2344,7 @@
           <a:p>
             <a:fld id="{BD986248-06F7-A441-A47A-264EBD310E11}" type="datetimeFigureOut">
               <a:rPr lang="es-CO" smtClean="0"/>
-              <a:t>27/11/2022</a:t>
+              <a:t>28/11/2022</a:t>
             </a:fld>
             <a:endParaRPr lang="es-CO"/>
           </a:p>
@@ -2612,7 +2612,7 @@
           <a:p>
             <a:fld id="{BD986248-06F7-A441-A47A-264EBD310E11}" type="datetimeFigureOut">
               <a:rPr lang="es-CO" smtClean="0"/>
-              <a:t>27/11/2022</a:t>
+              <a:t>28/11/2022</a:t>
             </a:fld>
             <a:endParaRPr lang="es-CO"/>
           </a:p>
@@ -3027,7 +3027,7 @@
           <a:p>
             <a:fld id="{BD986248-06F7-A441-A47A-264EBD310E11}" type="datetimeFigureOut">
               <a:rPr lang="es-CO" smtClean="0"/>
-              <a:t>27/11/2022</a:t>
+              <a:t>28/11/2022</a:t>
             </a:fld>
             <a:endParaRPr lang="es-CO"/>
           </a:p>
@@ -3169,7 +3169,7 @@
           <a:p>
             <a:fld id="{BD986248-06F7-A441-A47A-264EBD310E11}" type="datetimeFigureOut">
               <a:rPr lang="es-CO" smtClean="0"/>
-              <a:t>27/11/2022</a:t>
+              <a:t>28/11/2022</a:t>
             </a:fld>
             <a:endParaRPr lang="es-CO"/>
           </a:p>
@@ -3282,7 +3282,7 @@
           <a:p>
             <a:fld id="{BD986248-06F7-A441-A47A-264EBD310E11}" type="datetimeFigureOut">
               <a:rPr lang="es-CO" smtClean="0"/>
-              <a:t>27/11/2022</a:t>
+              <a:t>28/11/2022</a:t>
             </a:fld>
             <a:endParaRPr lang="es-CO"/>
           </a:p>
@@ -3595,7 +3595,7 @@
           <a:p>
             <a:fld id="{BD986248-06F7-A441-A47A-264EBD310E11}" type="datetimeFigureOut">
               <a:rPr lang="es-CO" smtClean="0"/>
-              <a:t>27/11/2022</a:t>
+              <a:t>28/11/2022</a:t>
             </a:fld>
             <a:endParaRPr lang="es-CO"/>
           </a:p>
@@ -3884,7 +3884,7 @@
           <a:p>
             <a:fld id="{BD986248-06F7-A441-A47A-264EBD310E11}" type="datetimeFigureOut">
               <a:rPr lang="es-CO" smtClean="0"/>
-              <a:t>27/11/2022</a:t>
+              <a:t>28/11/2022</a:t>
             </a:fld>
             <a:endParaRPr lang="es-CO"/>
           </a:p>
@@ -4127,7 +4127,7 @@
           <a:p>
             <a:fld id="{BD986248-06F7-A441-A47A-264EBD310E11}" type="datetimeFigureOut">
               <a:rPr lang="es-CO" smtClean="0"/>
-              <a:t>27/11/2022</a:t>
+              <a:t>28/11/2022</a:t>
             </a:fld>
             <a:endParaRPr lang="es-CO"/>
           </a:p>
@@ -8018,6 +8018,36 @@
           <a:chExt cx="0" cy="0"/>
         </a:xfrm>
       </p:grpSpPr>
+      <p:pic>
+        <p:nvPicPr>
+          <p:cNvPr id="3" name="Imagen 2">
+            <a:extLst>
+              <a:ext uri="{FF2B5EF4-FFF2-40B4-BE49-F238E27FC236}">
+                <a16:creationId xmlns:a16="http://schemas.microsoft.com/office/drawing/2014/main" id="{65A446D2-A0D7-0AC9-1B40-932F5E0C2CE9}"/>
+              </a:ext>
+            </a:extLst>
+          </p:cNvPr>
+          <p:cNvPicPr>
+            <a:picLocks noChangeAspect="1"/>
+          </p:cNvPicPr>
+          <p:nvPr/>
+        </p:nvPicPr>
+        <p:blipFill>
+          <a:blip r:embed="rId2"/>
+          <a:stretch>
+            <a:fillRect/>
+          </a:stretch>
+        </p:blipFill>
+        <p:spPr>
+          <a:xfrm>
+            <a:off x="0" y="0"/>
+            <a:ext cx="5563892" cy="6858000"/>
+          </a:xfrm>
+          <a:prstGeom prst="rect">
+            <a:avLst/>
+          </a:prstGeom>
+        </p:spPr>
+      </p:pic>
       <p:sp>
         <p:nvSpPr>
           <p:cNvPr id="8" name="CuadroTexto 7">
@@ -8032,7 +8062,7 @@
         </p:nvSpPr>
         <p:spPr>
           <a:xfrm>
-            <a:off x="2542918" y="104170"/>
+            <a:off x="4681685" y="987573"/>
             <a:ext cx="7106163" cy="830997"/>
           </a:xfrm>
           <a:prstGeom prst="rect">

--- a/PROYECTO FORMATIVO.pptx
+++ b/PROYECTO FORMATIVO.pptx
@@ -5,10 +5,10 @@
     <p:sldMasterId id="2147483648" r:id="rId1"/>
   </p:sldMasterIdLst>
   <p:notesMasterIdLst>
-    <p:notesMasterId r:id="rId34"/>
+    <p:notesMasterId r:id="rId33"/>
   </p:notesMasterIdLst>
   <p:handoutMasterIdLst>
-    <p:handoutMasterId r:id="rId35"/>
+    <p:handoutMasterId r:id="rId34"/>
   </p:handoutMasterIdLst>
   <p:sldIdLst>
     <p:sldId id="468" r:id="rId2"/>
@@ -34,15 +34,14 @@
     <p:sldId id="547" r:id="rId22"/>
     <p:sldId id="550" r:id="rId23"/>
     <p:sldId id="548" r:id="rId24"/>
-    <p:sldId id="551" r:id="rId25"/>
-    <p:sldId id="552" r:id="rId26"/>
-    <p:sldId id="553" r:id="rId27"/>
-    <p:sldId id="554" r:id="rId28"/>
-    <p:sldId id="555" r:id="rId29"/>
-    <p:sldId id="556" r:id="rId30"/>
-    <p:sldId id="557" r:id="rId31"/>
-    <p:sldId id="558" r:id="rId32"/>
-    <p:sldId id="264" r:id="rId33"/>
+    <p:sldId id="552" r:id="rId25"/>
+    <p:sldId id="553" r:id="rId26"/>
+    <p:sldId id="554" r:id="rId27"/>
+    <p:sldId id="555" r:id="rId28"/>
+    <p:sldId id="556" r:id="rId29"/>
+    <p:sldId id="557" r:id="rId30"/>
+    <p:sldId id="558" r:id="rId31"/>
+    <p:sldId id="264" r:id="rId32"/>
   </p:sldIdLst>
   <p:sldSz cx="12192000" cy="6858000"/>
   <p:notesSz cx="6858000" cy="9144000"/>
@@ -772,7 +771,7 @@
           <a:bodyPr/>
           <a:lstStyle/>
           <a:p>
-            <a:endParaRPr lang="es-CO"/>
+            <a:endParaRPr lang="es-CO" dirty="0"/>
           </a:p>
         </p:txBody>
       </p:sp>
@@ -961,7 +960,7 @@
           <a:p>
             <a:fld id="{6906C58E-460D-4A4B-B0C2-1191B9D14FCB}" type="slidenum">
               <a:rPr lang="es-CO" smtClean="0"/>
-              <a:t>31</a:t>
+              <a:t>30</a:t>
             </a:fld>
             <a:endParaRPr lang="es-CO"/>
           </a:p>
@@ -6904,80 +6903,6 @@
         </p:nvSpPr>
         <p:spPr>
           <a:xfrm>
-            <a:off x="733293" y="146304"/>
-            <a:ext cx="10725414" cy="830997"/>
-          </a:xfrm>
-          <a:prstGeom prst="rect">
-            <a:avLst/>
-          </a:prstGeom>
-          <a:noFill/>
-        </p:spPr>
-        <p:txBody>
-          <a:bodyPr wrap="square" rtlCol="0">
-            <a:spAutoFit/>
-          </a:bodyPr>
-          <a:lstStyle/>
-          <a:p>
-            <a:pPr algn="ctr"/>
-            <a:r>
-              <a:rPr lang="es-ES" sz="4800" dirty="0">
-                <a:solidFill>
-                  <a:schemeClr val="tx1">
-                    <a:lumMod val="75000"/>
-                    <a:lumOff val="25000"/>
-                  </a:schemeClr>
-                </a:solidFill>
-                <a:latin typeface="Work Sans" pitchFamily="2" charset="77"/>
-              </a:rPr>
-              <a:t>Diagrama de clases</a:t>
-            </a:r>
-          </a:p>
-        </p:txBody>
-      </p:sp>
-    </p:spTree>
-    <p:extLst>
-      <p:ext uri="{BB962C8B-B14F-4D97-AF65-F5344CB8AC3E}">
-        <p14:creationId xmlns:p14="http://schemas.microsoft.com/office/powerpoint/2010/main" val="2307058483"/>
-      </p:ext>
-    </p:extLst>
-  </p:cSld>
-  <p:clrMapOvr>
-    <a:masterClrMapping/>
-  </p:clrMapOvr>
-</p:sld>
-</file>
-
-<file path=ppt/slides/slide25.xml><?xml version="1.0" encoding="utf-8"?>
-<p:sld xmlns:a="http://schemas.openxmlformats.org/drawingml/2006/main" xmlns:r="http://schemas.openxmlformats.org/officeDocument/2006/relationships" xmlns:p="http://schemas.openxmlformats.org/presentationml/2006/main">
-  <p:cSld>
-    <p:spTree>
-      <p:nvGrpSpPr>
-        <p:cNvPr id="1" name=""/>
-        <p:cNvGrpSpPr/>
-        <p:nvPr/>
-      </p:nvGrpSpPr>
-      <p:grpSpPr>
-        <a:xfrm>
-          <a:off x="0" y="0"/>
-          <a:ext cx="0" cy="0"/>
-          <a:chOff x="0" y="0"/>
-          <a:chExt cx="0" cy="0"/>
-        </a:xfrm>
-      </p:grpSpPr>
-      <p:sp>
-        <p:nvSpPr>
-          <p:cNvPr id="8" name="CuadroTexto 7">
-            <a:extLst>
-              <a:ext uri="{FF2B5EF4-FFF2-40B4-BE49-F238E27FC236}">
-                <a16:creationId xmlns:a16="http://schemas.microsoft.com/office/drawing/2014/main" id="{ABC283C7-C020-6BE9-CAFE-D9E18BE28B70}"/>
-              </a:ext>
-            </a:extLst>
-          </p:cNvPr>
-          <p:cNvSpPr txBox="1"/>
-          <p:nvPr/>
-        </p:nvSpPr>
-        <p:spPr>
-          <a:xfrm>
             <a:off x="710495" y="0"/>
             <a:ext cx="10725414" cy="707886"/>
           </a:xfrm>
@@ -7823,6 +7748,80 @@
 </p:sld>
 </file>
 
+<file path=ppt/slides/slide25.xml><?xml version="1.0" encoding="utf-8"?>
+<p:sld xmlns:a="http://schemas.openxmlformats.org/drawingml/2006/main" xmlns:r="http://schemas.openxmlformats.org/officeDocument/2006/relationships" xmlns:p="http://schemas.openxmlformats.org/presentationml/2006/main">
+  <p:cSld>
+    <p:spTree>
+      <p:nvGrpSpPr>
+        <p:cNvPr id="1" name=""/>
+        <p:cNvGrpSpPr/>
+        <p:nvPr/>
+      </p:nvGrpSpPr>
+      <p:grpSpPr>
+        <a:xfrm>
+          <a:off x="0" y="0"/>
+          <a:ext cx="0" cy="0"/>
+          <a:chOff x="0" y="0"/>
+          <a:chExt cx="0" cy="0"/>
+        </a:xfrm>
+      </p:grpSpPr>
+      <p:sp>
+        <p:nvSpPr>
+          <p:cNvPr id="8" name="CuadroTexto 7">
+            <a:extLst>
+              <a:ext uri="{FF2B5EF4-FFF2-40B4-BE49-F238E27FC236}">
+                <a16:creationId xmlns:a16="http://schemas.microsoft.com/office/drawing/2014/main" id="{ABC283C7-C020-6BE9-CAFE-D9E18BE28B70}"/>
+              </a:ext>
+            </a:extLst>
+          </p:cNvPr>
+          <p:cNvSpPr txBox="1"/>
+          <p:nvPr/>
+        </p:nvSpPr>
+        <p:spPr>
+          <a:xfrm>
+            <a:off x="733293" y="146304"/>
+            <a:ext cx="10725414" cy="830997"/>
+          </a:xfrm>
+          <a:prstGeom prst="rect">
+            <a:avLst/>
+          </a:prstGeom>
+          <a:noFill/>
+        </p:spPr>
+        <p:txBody>
+          <a:bodyPr wrap="square" rtlCol="0">
+            <a:spAutoFit/>
+          </a:bodyPr>
+          <a:lstStyle/>
+          <a:p>
+            <a:pPr algn="ctr"/>
+            <a:r>
+              <a:rPr lang="es-ES" sz="4800" dirty="0">
+                <a:solidFill>
+                  <a:schemeClr val="tx1">
+                    <a:lumMod val="75000"/>
+                    <a:lumOff val="25000"/>
+                  </a:schemeClr>
+                </a:solidFill>
+                <a:latin typeface="Work Sans" pitchFamily="2" charset="77"/>
+              </a:rPr>
+              <a:t>Diccionario de datos</a:t>
+            </a:r>
+          </a:p>
+        </p:txBody>
+      </p:sp>
+    </p:spTree>
+    <p:extLst>
+      <p:ext uri="{BB962C8B-B14F-4D97-AF65-F5344CB8AC3E}">
+        <p14:creationId xmlns:p14="http://schemas.microsoft.com/office/powerpoint/2010/main" val="836313466"/>
+      </p:ext>
+    </p:extLst>
+  </p:cSld>
+  <p:clrMapOvr>
+    <a:masterClrMapping/>
+  </p:clrMapOvr>
+</p:sld>
+</file>
+
 <file path=ppt/slides/slide26.xml><?xml version="1.0" encoding="utf-8"?>
 <p:sld xmlns:a="http://schemas.openxmlformats.org/drawingml/2006/main" xmlns:r="http://schemas.openxmlformats.org/officeDocument/2006/relationships" xmlns:p="http://schemas.openxmlformats.org/presentationml/2006/main">
   <p:cSld>
@@ -7854,7 +7853,7 @@
         </p:nvSpPr>
         <p:spPr>
           <a:xfrm>
-            <a:off x="733293" y="146304"/>
+            <a:off x="733293" y="0"/>
             <a:ext cx="10725414" cy="830997"/>
           </a:xfrm>
           <a:prstGeom prst="rect">
@@ -7879,15 +7878,45 @@
                 </a:solidFill>
                 <a:latin typeface="Work Sans" pitchFamily="2" charset="77"/>
               </a:rPr>
-              <a:t>Diccionario de datos</a:t>
-            </a:r>
-          </a:p>
-        </p:txBody>
-      </p:sp>
+              <a:t>Modelado MER</a:t>
+            </a:r>
+          </a:p>
+        </p:txBody>
+      </p:sp>
+      <p:pic>
+        <p:nvPicPr>
+          <p:cNvPr id="4" name="Imagen 3">
+            <a:extLst>
+              <a:ext uri="{FF2B5EF4-FFF2-40B4-BE49-F238E27FC236}">
+                <a16:creationId xmlns:a16="http://schemas.microsoft.com/office/drawing/2014/main" id="{0CB229EB-D5D9-B9AA-67D9-AAE942F31452}"/>
+              </a:ext>
+            </a:extLst>
+          </p:cNvPr>
+          <p:cNvPicPr>
+            <a:picLocks noChangeAspect="1"/>
+          </p:cNvPicPr>
+          <p:nvPr/>
+        </p:nvPicPr>
+        <p:blipFill>
+          <a:blip r:embed="rId2"/>
+          <a:stretch>
+            <a:fillRect/>
+          </a:stretch>
+        </p:blipFill>
+        <p:spPr>
+          <a:xfrm>
+            <a:off x="1273596" y="680525"/>
+            <a:ext cx="9800804" cy="5954182"/>
+          </a:xfrm>
+          <a:prstGeom prst="rect">
+            <a:avLst/>
+          </a:prstGeom>
+        </p:spPr>
+      </p:pic>
     </p:spTree>
     <p:extLst>
       <p:ext uri="{BB962C8B-B14F-4D97-AF65-F5344CB8AC3E}">
-        <p14:creationId xmlns:p14="http://schemas.microsoft.com/office/powerpoint/2010/main" val="836313466"/>
+        <p14:creationId xmlns:p14="http://schemas.microsoft.com/office/powerpoint/2010/main" val="1510882134"/>
       </p:ext>
     </p:extLst>
   </p:cSld>
@@ -7914,56 +7943,12 @@
           <a:chExt cx="0" cy="0"/>
         </a:xfrm>
       </p:grpSpPr>
-      <p:sp>
-        <p:nvSpPr>
-          <p:cNvPr id="8" name="CuadroTexto 7">
-            <a:extLst>
-              <a:ext uri="{FF2B5EF4-FFF2-40B4-BE49-F238E27FC236}">
-                <a16:creationId xmlns:a16="http://schemas.microsoft.com/office/drawing/2014/main" id="{ABC283C7-C020-6BE9-CAFE-D9E18BE28B70}"/>
-              </a:ext>
-            </a:extLst>
-          </p:cNvPr>
-          <p:cNvSpPr txBox="1"/>
-          <p:nvPr/>
-        </p:nvSpPr>
-        <p:spPr>
-          <a:xfrm>
-            <a:off x="733293" y="0"/>
-            <a:ext cx="10725414" cy="830997"/>
-          </a:xfrm>
-          <a:prstGeom prst="rect">
-            <a:avLst/>
-          </a:prstGeom>
-          <a:noFill/>
-        </p:spPr>
-        <p:txBody>
-          <a:bodyPr wrap="square" rtlCol="0">
-            <a:spAutoFit/>
-          </a:bodyPr>
-          <a:lstStyle/>
-          <a:p>
-            <a:pPr algn="ctr"/>
-            <a:r>
-              <a:rPr lang="es-ES" sz="4800" dirty="0">
-                <a:solidFill>
-                  <a:schemeClr val="tx1">
-                    <a:lumMod val="75000"/>
-                    <a:lumOff val="25000"/>
-                  </a:schemeClr>
-                </a:solidFill>
-                <a:latin typeface="Work Sans" pitchFamily="2" charset="77"/>
-              </a:rPr>
-              <a:t>Modelado MER</a:t>
-            </a:r>
-          </a:p>
-        </p:txBody>
-      </p:sp>
       <p:pic>
         <p:nvPicPr>
-          <p:cNvPr id="4" name="Imagen 3">
-            <a:extLst>
-              <a:ext uri="{FF2B5EF4-FFF2-40B4-BE49-F238E27FC236}">
-                <a16:creationId xmlns:a16="http://schemas.microsoft.com/office/drawing/2014/main" id="{0CB229EB-D5D9-B9AA-67D9-AAE942F31452}"/>
+          <p:cNvPr id="3" name="Imagen 2">
+            <a:extLst>
+              <a:ext uri="{FF2B5EF4-FFF2-40B4-BE49-F238E27FC236}">
+                <a16:creationId xmlns:a16="http://schemas.microsoft.com/office/drawing/2014/main" id="{65A446D2-A0D7-0AC9-1B40-932F5E0C2CE9}"/>
               </a:ext>
             </a:extLst>
           </p:cNvPr>
@@ -7980,18 +7965,62 @@
         </p:blipFill>
         <p:spPr>
           <a:xfrm>
-            <a:off x="1273596" y="680525"/>
-            <a:ext cx="9800804" cy="5954182"/>
+            <a:off x="0" y="0"/>
+            <a:ext cx="5563892" cy="6858000"/>
           </a:xfrm>
           <a:prstGeom prst="rect">
             <a:avLst/>
           </a:prstGeom>
         </p:spPr>
       </p:pic>
+      <p:sp>
+        <p:nvSpPr>
+          <p:cNvPr id="8" name="CuadroTexto 7">
+            <a:extLst>
+              <a:ext uri="{FF2B5EF4-FFF2-40B4-BE49-F238E27FC236}">
+                <a16:creationId xmlns:a16="http://schemas.microsoft.com/office/drawing/2014/main" id="{ABC283C7-C020-6BE9-CAFE-D9E18BE28B70}"/>
+              </a:ext>
+            </a:extLst>
+          </p:cNvPr>
+          <p:cNvSpPr txBox="1"/>
+          <p:nvPr/>
+        </p:nvSpPr>
+        <p:spPr>
+          <a:xfrm>
+            <a:off x="4681685" y="987573"/>
+            <a:ext cx="7106163" cy="830997"/>
+          </a:xfrm>
+          <a:prstGeom prst="rect">
+            <a:avLst/>
+          </a:prstGeom>
+          <a:noFill/>
+        </p:spPr>
+        <p:txBody>
+          <a:bodyPr wrap="square" rtlCol="0">
+            <a:spAutoFit/>
+          </a:bodyPr>
+          <a:lstStyle/>
+          <a:p>
+            <a:pPr algn="ctr"/>
+            <a:r>
+              <a:rPr lang="es-ES" sz="4800" dirty="0">
+                <a:solidFill>
+                  <a:schemeClr val="tx1">
+                    <a:lumMod val="75000"/>
+                    <a:lumOff val="25000"/>
+                  </a:schemeClr>
+                </a:solidFill>
+                <a:latin typeface="Work Sans" pitchFamily="2" charset="77"/>
+              </a:rPr>
+              <a:t>Modelado MR </a:t>
+            </a:r>
+          </a:p>
+        </p:txBody>
+      </p:sp>
     </p:spTree>
     <p:extLst>
       <p:ext uri="{BB962C8B-B14F-4D97-AF65-F5344CB8AC3E}">
-        <p14:creationId xmlns:p14="http://schemas.microsoft.com/office/powerpoint/2010/main" val="1510882134"/>
+        <p14:creationId xmlns:p14="http://schemas.microsoft.com/office/powerpoint/2010/main" val="3629332952"/>
       </p:ext>
     </p:extLst>
   </p:cSld>
@@ -8018,36 +8047,6 @@
           <a:chExt cx="0" cy="0"/>
         </a:xfrm>
       </p:grpSpPr>
-      <p:pic>
-        <p:nvPicPr>
-          <p:cNvPr id="3" name="Imagen 2">
-            <a:extLst>
-              <a:ext uri="{FF2B5EF4-FFF2-40B4-BE49-F238E27FC236}">
-                <a16:creationId xmlns:a16="http://schemas.microsoft.com/office/drawing/2014/main" id="{65A446D2-A0D7-0AC9-1B40-932F5E0C2CE9}"/>
-              </a:ext>
-            </a:extLst>
-          </p:cNvPr>
-          <p:cNvPicPr>
-            <a:picLocks noChangeAspect="1"/>
-          </p:cNvPicPr>
-          <p:nvPr/>
-        </p:nvPicPr>
-        <p:blipFill>
-          <a:blip r:embed="rId2"/>
-          <a:stretch>
-            <a:fillRect/>
-          </a:stretch>
-        </p:blipFill>
-        <p:spPr>
-          <a:xfrm>
-            <a:off x="0" y="0"/>
-            <a:ext cx="5563892" cy="6858000"/>
-          </a:xfrm>
-          <a:prstGeom prst="rect">
-            <a:avLst/>
-          </a:prstGeom>
-        </p:spPr>
-      </p:pic>
       <p:sp>
         <p:nvSpPr>
           <p:cNvPr id="8" name="CuadroTexto 7">
@@ -8062,8 +8061,8 @@
         </p:nvSpPr>
         <p:spPr>
           <a:xfrm>
-            <a:off x="4681685" y="987573"/>
-            <a:ext cx="7106163" cy="830997"/>
+            <a:off x="733293" y="146304"/>
+            <a:ext cx="10725414" cy="830997"/>
           </a:xfrm>
           <a:prstGeom prst="rect">
             <a:avLst/>
@@ -8087,7 +8086,7 @@
                 </a:solidFill>
                 <a:latin typeface="Work Sans" pitchFamily="2" charset="77"/>
               </a:rPr>
-              <a:t>Modelado MR </a:t>
+              <a:t>Script de la base de datos</a:t>
             </a:r>
           </a:p>
         </p:txBody>
@@ -8095,7 +8094,7 @@
     </p:spTree>
     <p:extLst>
       <p:ext uri="{BB962C8B-B14F-4D97-AF65-F5344CB8AC3E}">
-        <p14:creationId xmlns:p14="http://schemas.microsoft.com/office/powerpoint/2010/main" val="3629332952"/>
+        <p14:creationId xmlns:p14="http://schemas.microsoft.com/office/powerpoint/2010/main" val="2788323128"/>
       </p:ext>
     </p:extLst>
   </p:cSld>
@@ -8124,10 +8123,50 @@
       </p:grpSpPr>
       <p:sp>
         <p:nvSpPr>
-          <p:cNvPr id="8" name="CuadroTexto 7">
-            <a:extLst>
-              <a:ext uri="{FF2B5EF4-FFF2-40B4-BE49-F238E27FC236}">
-                <a16:creationId xmlns:a16="http://schemas.microsoft.com/office/drawing/2014/main" id="{ABC283C7-C020-6BE9-CAFE-D9E18BE28B70}"/>
+          <p:cNvPr id="2" name="Título 1">
+            <a:extLst>
+              <a:ext uri="{FF2B5EF4-FFF2-40B4-BE49-F238E27FC236}">
+                <a16:creationId xmlns:a16="http://schemas.microsoft.com/office/drawing/2014/main" id="{CAC1D880-FC17-3789-2435-5FF7492EABD6}"/>
+              </a:ext>
+            </a:extLst>
+          </p:cNvPr>
+          <p:cNvSpPr>
+            <a:spLocks noGrp="1"/>
+          </p:cNvSpPr>
+          <p:nvPr>
+            <p:ph type="title"/>
+          </p:nvPr>
+        </p:nvSpPr>
+        <p:spPr>
+          <a:xfrm>
+            <a:off x="456236" y="110481"/>
+            <a:ext cx="10515600" cy="1325563"/>
+          </a:xfrm>
+        </p:spPr>
+        <p:txBody>
+          <a:bodyPr>
+            <a:normAutofit/>
+          </a:bodyPr>
+          <a:lstStyle/>
+          <a:p>
+            <a:r>
+              <a:rPr lang="es-CO" sz="4800" dirty="0">
+                <a:solidFill>
+                  <a:schemeClr val="bg1"/>
+                </a:solidFill>
+                <a:latin typeface="Work Sans" pitchFamily="2" charset="0"/>
+              </a:rPr>
+              <a:t>Conclusiones</a:t>
+            </a:r>
+          </a:p>
+        </p:txBody>
+      </p:sp>
+      <p:sp>
+        <p:nvSpPr>
+          <p:cNvPr id="6" name="CuadroTexto 5">
+            <a:extLst>
+              <a:ext uri="{FF2B5EF4-FFF2-40B4-BE49-F238E27FC236}">
+                <a16:creationId xmlns:a16="http://schemas.microsoft.com/office/drawing/2014/main" id="{2F3F2856-AF7E-FAD7-920C-693A70780A64}"/>
               </a:ext>
             </a:extLst>
           </p:cNvPr>
@@ -8136,8 +8175,8 @@
         </p:nvSpPr>
         <p:spPr>
           <a:xfrm>
-            <a:off x="733293" y="146304"/>
-            <a:ext cx="10725414" cy="830997"/>
+            <a:off x="181106" y="2112642"/>
+            <a:ext cx="11462254" cy="3170099"/>
           </a:xfrm>
           <a:prstGeom prst="rect">
             <a:avLst/>
@@ -8150,18 +8189,79 @@
           </a:bodyPr>
           <a:lstStyle/>
           <a:p>
-            <a:pPr algn="ctr"/>
-            <a:r>
-              <a:rPr lang="es-ES" sz="4800" dirty="0">
+            <a:pPr algn="just" defTabSz="1257621" hangingPunct="0"/>
+            <a:r>
+              <a:rPr lang="es-ES" sz="2000" dirty="0">
                 <a:solidFill>
-                  <a:schemeClr val="tx1">
-                    <a:lumMod val="75000"/>
-                    <a:lumOff val="25000"/>
-                  </a:schemeClr>
+                  <a:srgbClr val="000000"/>
                 </a:solidFill>
-                <a:latin typeface="Work Sans" pitchFamily="2" charset="77"/>
-              </a:rPr>
-              <a:t>Script de la base de datos</a:t>
+                <a:effectLst/>
+                <a:latin typeface="Work Sans" pitchFamily="2" charset="0"/>
+              </a:rPr>
+              <a:t>- Tras la documentación mostrada, podemos deducir que los objetivos planteados están dirigidos a solucionar la problemática principal de nuestro proyecto, dado que actualmente no se ve resuelta por completo en el mercado, y de allí se derivan oportunidades para </a:t>
+            </a:r>
+            <a:r>
+              <a:rPr lang="es-ES" sz="2000" dirty="0" err="1">
+                <a:solidFill>
+                  <a:srgbClr val="000000"/>
+                </a:solidFill>
+                <a:effectLst/>
+                <a:latin typeface="Work Sans" pitchFamily="2" charset="0"/>
+              </a:rPr>
+              <a:t>Service</a:t>
+            </a:r>
+            <a:r>
+              <a:rPr lang="es-ES" sz="2000" dirty="0">
+                <a:solidFill>
+                  <a:srgbClr val="000000"/>
+                </a:solidFill>
+                <a:effectLst/>
+                <a:latin typeface="Work Sans" pitchFamily="2" charset="0"/>
+              </a:rPr>
+              <a:t> </a:t>
+            </a:r>
+            <a:r>
+              <a:rPr lang="es-ES" sz="2000" dirty="0" err="1">
+                <a:solidFill>
+                  <a:srgbClr val="000000"/>
+                </a:solidFill>
+                <a:effectLst/>
+                <a:latin typeface="Work Sans" pitchFamily="2" charset="0"/>
+              </a:rPr>
+              <a:t>Market</a:t>
+            </a:r>
+            <a:r>
+              <a:rPr lang="es-ES" sz="2000" dirty="0">
+                <a:solidFill>
+                  <a:srgbClr val="000000"/>
+                </a:solidFill>
+                <a:effectLst/>
+                <a:latin typeface="Work Sans" pitchFamily="2" charset="0"/>
+              </a:rPr>
+              <a:t>.</a:t>
+            </a:r>
+          </a:p>
+          <a:p>
+            <a:pPr algn="just" defTabSz="1257621" hangingPunct="0"/>
+            <a:endParaRPr lang="es-ES" sz="2000" dirty="0">
+              <a:solidFill>
+                <a:srgbClr val="000000"/>
+              </a:solidFill>
+              <a:effectLst/>
+              <a:latin typeface="Work Sans" pitchFamily="2" charset="0"/>
+            </a:endParaRPr>
+          </a:p>
+          <a:p>
+            <a:pPr algn="just" defTabSz="1257621" hangingPunct="0"/>
+            <a:r>
+              <a:rPr lang="es-ES" sz="2000" dirty="0">
+                <a:solidFill>
+                  <a:srgbClr val="000000"/>
+                </a:solidFill>
+                <a:effectLst/>
+                <a:latin typeface="Work Sans" pitchFamily="2" charset="0"/>
+              </a:rPr>
+              <a:t>- Según los datos expuestos, podemos concluir que nuestra aplicación web va a ser un canal de comunicación para clientes y prestadores de servicios que estén dispuestos a darse a conocer, generando así mas ganancias, una negociación a una escala mayor y aumentando la credibilidad de aquellos prestadores de servicios que requieran una ayuda.</a:t>
             </a:r>
           </a:p>
         </p:txBody>
@@ -8169,7 +8269,7 @@
     </p:spTree>
     <p:extLst>
       <p:ext uri="{BB962C8B-B14F-4D97-AF65-F5344CB8AC3E}">
-        <p14:creationId xmlns:p14="http://schemas.microsoft.com/office/powerpoint/2010/main" val="2788323128"/>
+        <p14:creationId xmlns:p14="http://schemas.microsoft.com/office/powerpoint/2010/main" val="1022204198"/>
       </p:ext>
     </p:extLst>
   </p:cSld>
@@ -8456,181 +8556,6 @@
         </p:nvSpPr>
         <p:spPr>
           <a:xfrm>
-            <a:off x="181106" y="2112642"/>
-            <a:ext cx="11462254" cy="3170099"/>
-          </a:xfrm>
-          <a:prstGeom prst="rect">
-            <a:avLst/>
-          </a:prstGeom>
-          <a:noFill/>
-        </p:spPr>
-        <p:txBody>
-          <a:bodyPr wrap="square" rtlCol="0">
-            <a:spAutoFit/>
-          </a:bodyPr>
-          <a:lstStyle/>
-          <a:p>
-            <a:pPr algn="just" defTabSz="1257621" hangingPunct="0"/>
-            <a:r>
-              <a:rPr lang="es-ES" sz="2000" dirty="0">
-                <a:solidFill>
-                  <a:srgbClr val="000000"/>
-                </a:solidFill>
-                <a:effectLst/>
-                <a:latin typeface="Work Sans" pitchFamily="2" charset="0"/>
-              </a:rPr>
-              <a:t>- Tras la documentación mostrada, podemos deducir que los objetivos planteados están dirigidos a solucionar la problemática principal de nuestro proyecto, dado que actualmente no se ve resuelta por completo en el mercado, y de allí se derivan oportunidades para </a:t>
-            </a:r>
-            <a:r>
-              <a:rPr lang="es-ES" sz="2000" dirty="0" err="1">
-                <a:solidFill>
-                  <a:srgbClr val="000000"/>
-                </a:solidFill>
-                <a:effectLst/>
-                <a:latin typeface="Work Sans" pitchFamily="2" charset="0"/>
-              </a:rPr>
-              <a:t>Service</a:t>
-            </a:r>
-            <a:r>
-              <a:rPr lang="es-ES" sz="2000" dirty="0">
-                <a:solidFill>
-                  <a:srgbClr val="000000"/>
-                </a:solidFill>
-                <a:effectLst/>
-                <a:latin typeface="Work Sans" pitchFamily="2" charset="0"/>
-              </a:rPr>
-              <a:t> </a:t>
-            </a:r>
-            <a:r>
-              <a:rPr lang="es-ES" sz="2000" dirty="0" err="1">
-                <a:solidFill>
-                  <a:srgbClr val="000000"/>
-                </a:solidFill>
-                <a:effectLst/>
-                <a:latin typeface="Work Sans" pitchFamily="2" charset="0"/>
-              </a:rPr>
-              <a:t>Market</a:t>
-            </a:r>
-            <a:r>
-              <a:rPr lang="es-ES" sz="2000" dirty="0">
-                <a:solidFill>
-                  <a:srgbClr val="000000"/>
-                </a:solidFill>
-                <a:effectLst/>
-                <a:latin typeface="Work Sans" pitchFamily="2" charset="0"/>
-              </a:rPr>
-              <a:t>.</a:t>
-            </a:r>
-          </a:p>
-          <a:p>
-            <a:pPr algn="just" defTabSz="1257621" hangingPunct="0"/>
-            <a:endParaRPr lang="es-ES" sz="2000" dirty="0">
-              <a:solidFill>
-                <a:srgbClr val="000000"/>
-              </a:solidFill>
-              <a:effectLst/>
-              <a:latin typeface="Work Sans" pitchFamily="2" charset="0"/>
-            </a:endParaRPr>
-          </a:p>
-          <a:p>
-            <a:pPr algn="just" defTabSz="1257621" hangingPunct="0"/>
-            <a:r>
-              <a:rPr lang="es-ES" sz="2000" dirty="0">
-                <a:solidFill>
-                  <a:srgbClr val="000000"/>
-                </a:solidFill>
-                <a:effectLst/>
-                <a:latin typeface="Work Sans" pitchFamily="2" charset="0"/>
-              </a:rPr>
-              <a:t>- Según los datos expuestos, podemos concluir que nuestra aplicación web va a ser un canal de comunicación para clientes y prestadores de servicios que estén dispuestos a darse a conocer, generando así mas ganancias, una negociación a una escala mayor y aumentando la credibilidad de aquellos prestadores de servicios que requieran una ayuda.</a:t>
-            </a:r>
-          </a:p>
-        </p:txBody>
-      </p:sp>
-    </p:spTree>
-    <p:extLst>
-      <p:ext uri="{BB962C8B-B14F-4D97-AF65-F5344CB8AC3E}">
-        <p14:creationId xmlns:p14="http://schemas.microsoft.com/office/powerpoint/2010/main" val="1022204198"/>
-      </p:ext>
-    </p:extLst>
-  </p:cSld>
-  <p:clrMapOvr>
-    <a:masterClrMapping/>
-  </p:clrMapOvr>
-</p:sld>
-</file>
-
-<file path=ppt/slides/slide31.xml><?xml version="1.0" encoding="utf-8"?>
-<p:sld xmlns:a="http://schemas.openxmlformats.org/drawingml/2006/main" xmlns:r="http://schemas.openxmlformats.org/officeDocument/2006/relationships" xmlns:p="http://schemas.openxmlformats.org/presentationml/2006/main">
-  <p:cSld>
-    <p:spTree>
-      <p:nvGrpSpPr>
-        <p:cNvPr id="1" name=""/>
-        <p:cNvGrpSpPr/>
-        <p:nvPr/>
-      </p:nvGrpSpPr>
-      <p:grpSpPr>
-        <a:xfrm>
-          <a:off x="0" y="0"/>
-          <a:ext cx="0" cy="0"/>
-          <a:chOff x="0" y="0"/>
-          <a:chExt cx="0" cy="0"/>
-        </a:xfrm>
-      </p:grpSpPr>
-      <p:sp>
-        <p:nvSpPr>
-          <p:cNvPr id="2" name="Título 1">
-            <a:extLst>
-              <a:ext uri="{FF2B5EF4-FFF2-40B4-BE49-F238E27FC236}">
-                <a16:creationId xmlns:a16="http://schemas.microsoft.com/office/drawing/2014/main" id="{CAC1D880-FC17-3789-2435-5FF7492EABD6}"/>
-              </a:ext>
-            </a:extLst>
-          </p:cNvPr>
-          <p:cNvSpPr>
-            <a:spLocks noGrp="1"/>
-          </p:cNvSpPr>
-          <p:nvPr>
-            <p:ph type="title"/>
-          </p:nvPr>
-        </p:nvSpPr>
-        <p:spPr>
-          <a:xfrm>
-            <a:off x="456236" y="110481"/>
-            <a:ext cx="10515600" cy="1325563"/>
-          </a:xfrm>
-        </p:spPr>
-        <p:txBody>
-          <a:bodyPr>
-            <a:normAutofit/>
-          </a:bodyPr>
-          <a:lstStyle/>
-          <a:p>
-            <a:r>
-              <a:rPr lang="es-CO" sz="4800" dirty="0">
-                <a:solidFill>
-                  <a:schemeClr val="bg1"/>
-                </a:solidFill>
-                <a:latin typeface="Work Sans" pitchFamily="2" charset="0"/>
-              </a:rPr>
-              <a:t>Conclusiones</a:t>
-            </a:r>
-          </a:p>
-        </p:txBody>
-      </p:sp>
-      <p:sp>
-        <p:nvSpPr>
-          <p:cNvPr id="6" name="CuadroTexto 5">
-            <a:extLst>
-              <a:ext uri="{FF2B5EF4-FFF2-40B4-BE49-F238E27FC236}">
-                <a16:creationId xmlns:a16="http://schemas.microsoft.com/office/drawing/2014/main" id="{2F3F2856-AF7E-FAD7-920C-693A70780A64}"/>
-              </a:ext>
-            </a:extLst>
-          </p:cNvPr>
-          <p:cNvSpPr txBox="1"/>
-          <p:nvPr/>
-        </p:nvSpPr>
-        <p:spPr>
-          <a:xfrm>
             <a:off x="181106" y="1685922"/>
             <a:ext cx="11462254" cy="5324535"/>
           </a:xfrm>
@@ -9035,7 +8960,7 @@
 </p:sld>
 </file>
 
-<file path=ppt/slides/slide32.xml><?xml version="1.0" encoding="utf-8"?>
+<file path=ppt/slides/slide31.xml><?xml version="1.0" encoding="utf-8"?>
 <p:sld xmlns:a="http://schemas.openxmlformats.org/drawingml/2006/main" xmlns:r="http://schemas.openxmlformats.org/officeDocument/2006/relationships" xmlns:p="http://schemas.openxmlformats.org/presentationml/2006/main">
   <p:cSld>
     <p:spTree>
@@ -10027,17 +9952,17 @@
           </a:prstGeom>
         </p:spPr>
         <p:style>
-          <a:lnRef idx="1">
-            <a:schemeClr val="accent1"/>
+          <a:lnRef idx="2">
+            <a:schemeClr val="dk1"/>
           </a:lnRef>
-          <a:fillRef idx="3">
-            <a:schemeClr val="accent1"/>
+          <a:fillRef idx="1">
+            <a:schemeClr val="lt1"/>
           </a:fillRef>
-          <a:effectRef idx="2">
-            <a:schemeClr val="accent1"/>
+          <a:effectRef idx="0">
+            <a:schemeClr val="dk1"/>
           </a:effectRef>
           <a:fontRef idx="minor">
-            <a:schemeClr val="lt1"/>
+            <a:schemeClr val="dk1"/>
           </a:fontRef>
         </p:style>
         <p:txBody>
@@ -10134,17 +10059,17 @@
           </a:prstGeom>
         </p:spPr>
         <p:style>
-          <a:lnRef idx="1">
-            <a:schemeClr val="accent2"/>
+          <a:lnRef idx="2">
+            <a:schemeClr val="dk1"/>
           </a:lnRef>
-          <a:fillRef idx="3">
-            <a:schemeClr val="accent2"/>
+          <a:fillRef idx="1">
+            <a:schemeClr val="lt1"/>
           </a:fillRef>
-          <a:effectRef idx="2">
-            <a:schemeClr val="accent2"/>
+          <a:effectRef idx="0">
+            <a:schemeClr val="dk1"/>
           </a:effectRef>
           <a:fontRef idx="minor">
-            <a:schemeClr val="lt1"/>
+            <a:schemeClr val="dk1"/>
           </a:fontRef>
         </p:style>
         <p:txBody>
@@ -10208,25 +10133,6 @@
               <a:t>• Adaptabilidad al cambio.</a:t>
             </a:r>
           </a:p>
-          <a:p>
-            <a:r>
-              <a:rPr lang="es-ES" sz="2000" dirty="0">
-                <a:solidFill>
-                  <a:schemeClr val="tx1"/>
-                </a:solidFill>
-                <a:latin typeface="Work Sans" pitchFamily="2" charset="0"/>
-                <a:cs typeface="Calibri" panose="020F0502020204030204" pitchFamily="34" charset="0"/>
-              </a:rPr>
-              <a:t>• Equipo orientado a la mejora activa.</a:t>
-            </a:r>
-            <a:endParaRPr lang="es-CO" sz="2000" dirty="0">
-              <a:solidFill>
-                <a:schemeClr val="tx1"/>
-              </a:solidFill>
-              <a:latin typeface="Work Sans" pitchFamily="2" charset="0"/>
-              <a:cs typeface="Calibri" panose="020F0502020204030204" pitchFamily="34" charset="0"/>
-            </a:endParaRPr>
-          </a:p>
         </p:txBody>
       </p:sp>
       <p:sp>
@@ -10251,17 +10157,17 @@
           </a:prstGeom>
         </p:spPr>
         <p:style>
-          <a:lnRef idx="1">
-            <a:schemeClr val="accent4"/>
+          <a:lnRef idx="2">
+            <a:schemeClr val="dk1"/>
           </a:lnRef>
-          <a:fillRef idx="3">
-            <a:schemeClr val="accent4"/>
+          <a:fillRef idx="1">
+            <a:schemeClr val="lt1"/>
           </a:fillRef>
-          <a:effectRef idx="2">
-            <a:schemeClr val="accent4"/>
+          <a:effectRef idx="0">
+            <a:schemeClr val="dk1"/>
           </a:effectRef>
           <a:fontRef idx="minor">
-            <a:schemeClr val="lt1"/>
+            <a:schemeClr val="dk1"/>
           </a:fontRef>
         </p:style>
         <p:txBody>
@@ -10346,17 +10252,17 @@
           </a:prstGeom>
         </p:spPr>
         <p:style>
-          <a:lnRef idx="1">
-            <a:schemeClr val="accent3"/>
+          <a:lnRef idx="2">
+            <a:schemeClr val="dk1"/>
           </a:lnRef>
-          <a:fillRef idx="3">
-            <a:schemeClr val="accent3"/>
+          <a:fillRef idx="1">
+            <a:schemeClr val="lt1"/>
           </a:fillRef>
-          <a:effectRef idx="2">
-            <a:schemeClr val="accent3"/>
+          <a:effectRef idx="0">
+            <a:schemeClr val="dk1"/>
           </a:effectRef>
           <a:fontRef idx="minor">
-            <a:schemeClr val="lt1"/>
+            <a:schemeClr val="dk1"/>
           </a:fontRef>
         </p:style>
         <p:txBody>
@@ -10541,14 +10447,14 @@
           </a:prstGeom>
         </p:spPr>
         <p:style>
-          <a:lnRef idx="1">
-            <a:schemeClr val="accent3"/>
+          <a:lnRef idx="2">
+            <a:schemeClr val="dk1"/>
           </a:lnRef>
-          <a:fillRef idx="2">
-            <a:schemeClr val="accent3"/>
+          <a:fillRef idx="1">
+            <a:schemeClr val="lt1"/>
           </a:fillRef>
-          <a:effectRef idx="1">
-            <a:schemeClr val="accent3"/>
+          <a:effectRef idx="0">
+            <a:schemeClr val="dk1"/>
           </a:effectRef>
           <a:fontRef idx="minor">
             <a:schemeClr val="dk1"/>
@@ -10635,14 +10541,14 @@
           </a:prstGeom>
         </p:spPr>
         <p:style>
-          <a:lnRef idx="1">
-            <a:schemeClr val="accent2"/>
+          <a:lnRef idx="2">
+            <a:schemeClr val="dk1"/>
           </a:lnRef>
-          <a:fillRef idx="2">
-            <a:schemeClr val="accent2"/>
+          <a:fillRef idx="1">
+            <a:schemeClr val="lt1"/>
           </a:fillRef>
-          <a:effectRef idx="1">
-            <a:schemeClr val="accent2"/>
+          <a:effectRef idx="0">
+            <a:schemeClr val="dk1"/>
           </a:effectRef>
           <a:fontRef idx="minor">
             <a:schemeClr val="dk1"/>
@@ -10720,14 +10626,14 @@
           </a:prstGeom>
         </p:spPr>
         <p:style>
-          <a:lnRef idx="1">
-            <a:schemeClr val="accent1"/>
+          <a:lnRef idx="2">
+            <a:schemeClr val="dk1"/>
           </a:lnRef>
-          <a:fillRef idx="2">
-            <a:schemeClr val="accent1"/>
+          <a:fillRef idx="1">
+            <a:schemeClr val="lt1"/>
           </a:fillRef>
-          <a:effectRef idx="1">
-            <a:schemeClr val="accent1"/>
+          <a:effectRef idx="0">
+            <a:schemeClr val="dk1"/>
           </a:effectRef>
           <a:fontRef idx="minor">
             <a:schemeClr val="dk1"/>
@@ -10823,13 +10729,13 @@
           </a:prstGeom>
         </p:spPr>
         <p:style>
-          <a:lnRef idx="1">
+          <a:lnRef idx="2">
             <a:schemeClr val="dk1"/>
           </a:lnRef>
-          <a:fillRef idx="2">
-            <a:schemeClr val="dk1"/>
+          <a:fillRef idx="1">
+            <a:schemeClr val="lt1"/>
           </a:fillRef>
-          <a:effectRef idx="1">
+          <a:effectRef idx="0">
             <a:schemeClr val="dk1"/>
           </a:effectRef>
           <a:fontRef idx="minor">
@@ -10918,14 +10824,14 @@
           </a:prstGeom>
         </p:spPr>
         <p:style>
-          <a:lnRef idx="1">
-            <a:schemeClr val="accent5"/>
+          <a:lnRef idx="2">
+            <a:schemeClr val="dk1"/>
           </a:lnRef>
-          <a:fillRef idx="2">
-            <a:schemeClr val="accent5"/>
+          <a:fillRef idx="1">
+            <a:schemeClr val="lt1"/>
           </a:fillRef>
-          <a:effectRef idx="1">
-            <a:schemeClr val="accent5"/>
+          <a:effectRef idx="0">
+            <a:schemeClr val="dk1"/>
           </a:effectRef>
           <a:fontRef idx="minor">
             <a:schemeClr val="dk1"/>
@@ -11067,14 +10973,14 @@
           </a:prstGeom>
         </p:spPr>
         <p:style>
-          <a:lnRef idx="1">
-            <a:schemeClr val="accent6"/>
+          <a:lnRef idx="2">
+            <a:schemeClr val="dk1"/>
           </a:lnRef>
-          <a:fillRef idx="2">
-            <a:schemeClr val="accent6"/>
+          <a:fillRef idx="1">
+            <a:schemeClr val="lt1"/>
           </a:fillRef>
-          <a:effectRef idx="1">
-            <a:schemeClr val="accent6"/>
+          <a:effectRef idx="0">
+            <a:schemeClr val="dk1"/>
           </a:effectRef>
           <a:fontRef idx="minor">
             <a:schemeClr val="dk1"/>
@@ -11226,14 +11132,14 @@
           </a:prstGeom>
         </p:spPr>
         <p:style>
-          <a:lnRef idx="1">
-            <a:schemeClr val="accent1"/>
+          <a:lnRef idx="2">
+            <a:schemeClr val="dk1"/>
           </a:lnRef>
-          <a:fillRef idx="2">
-            <a:schemeClr val="accent1"/>
+          <a:fillRef idx="1">
+            <a:schemeClr val="lt1"/>
           </a:fillRef>
-          <a:effectRef idx="1">
-            <a:schemeClr val="accent1"/>
+          <a:effectRef idx="0">
+            <a:schemeClr val="dk1"/>
           </a:effectRef>
           <a:fontRef idx="minor">
             <a:schemeClr val="dk1"/>
@@ -11391,14 +11297,14 @@
           </a:prstGeom>
         </p:spPr>
         <p:style>
-          <a:lnRef idx="1">
-            <a:schemeClr val="accent3"/>
+          <a:lnRef idx="2">
+            <a:schemeClr val="dk1"/>
           </a:lnRef>
-          <a:fillRef idx="2">
-            <a:schemeClr val="accent3"/>
+          <a:fillRef idx="1">
+            <a:schemeClr val="lt1"/>
           </a:fillRef>
-          <a:effectRef idx="1">
-            <a:schemeClr val="accent3"/>
+          <a:effectRef idx="0">
+            <a:schemeClr val="dk1"/>
           </a:effectRef>
           <a:fontRef idx="minor">
             <a:schemeClr val="dk1"/>
@@ -11513,14 +11419,14 @@
           </a:prstGeom>
         </p:spPr>
         <p:style>
-          <a:lnRef idx="1">
-            <a:schemeClr val="accent2"/>
+          <a:lnRef idx="2">
+            <a:schemeClr val="dk1"/>
           </a:lnRef>
-          <a:fillRef idx="2">
-            <a:schemeClr val="accent2"/>
+          <a:fillRef idx="1">
+            <a:schemeClr val="lt1"/>
           </a:fillRef>
-          <a:effectRef idx="1">
-            <a:schemeClr val="accent2"/>
+          <a:effectRef idx="0">
+            <a:schemeClr val="dk1"/>
           </a:effectRef>
           <a:fontRef idx="minor">
             <a:schemeClr val="dk1"/>

--- a/PROYECTO FORMATIVO.pptx
+++ b/PROYECTO FORMATIVO.pptx
@@ -282,7 +282,7 @@
           <a:p>
             <a:fld id="{88369B9F-131C-2846-AB8F-CEE154B4CAEB}" type="datetimeFigureOut">
               <a:rPr lang="es-CO" smtClean="0"/>
-              <a:t>28/11/2022</a:t>
+              <a:t>5/01/2023</a:t>
             </a:fld>
             <a:endParaRPr lang="es-CO"/>
           </a:p>
@@ -459,7 +459,7 @@
           <a:p>
             <a:fld id="{9660CB96-A603-FF42-AE46-F5F75F80A67B}" type="datetimeFigureOut">
               <a:rPr lang="es-CO" smtClean="0"/>
-              <a:t>28/11/2022</a:t>
+              <a:t>5/01/2023</a:t>
             </a:fld>
             <a:endParaRPr lang="es-CO"/>
           </a:p>
@@ -960,6 +960,90 @@
           <a:p>
             <a:fld id="{6906C58E-460D-4A4B-B0C2-1191B9D14FCB}" type="slidenum">
               <a:rPr lang="es-CO" smtClean="0"/>
+              <a:t>12</a:t>
+            </a:fld>
+            <a:endParaRPr lang="es-CO"/>
+          </a:p>
+        </p:txBody>
+      </p:sp>
+    </p:spTree>
+    <p:extLst>
+      <p:ext uri="{BB962C8B-B14F-4D97-AF65-F5344CB8AC3E}">
+        <p14:creationId xmlns:p14="http://schemas.microsoft.com/office/powerpoint/2010/main" val="286911390"/>
+      </p:ext>
+    </p:extLst>
+  </p:cSld>
+  <p:clrMapOvr>
+    <a:masterClrMapping/>
+  </p:clrMapOvr>
+</p:notes>
+</file>
+
+<file path=ppt/notesSlides/notesSlide4.xml><?xml version="1.0" encoding="utf-8"?>
+<p:notes xmlns:a="http://schemas.openxmlformats.org/drawingml/2006/main" xmlns:r="http://schemas.openxmlformats.org/officeDocument/2006/relationships" xmlns:p="http://schemas.openxmlformats.org/presentationml/2006/main">
+  <p:cSld>
+    <p:spTree>
+      <p:nvGrpSpPr>
+        <p:cNvPr id="1" name=""/>
+        <p:cNvGrpSpPr/>
+        <p:nvPr/>
+      </p:nvGrpSpPr>
+      <p:grpSpPr>
+        <a:xfrm>
+          <a:off x="0" y="0"/>
+          <a:ext cx="0" cy="0"/>
+          <a:chOff x="0" y="0"/>
+          <a:chExt cx="0" cy="0"/>
+        </a:xfrm>
+      </p:grpSpPr>
+      <p:sp>
+        <p:nvSpPr>
+          <p:cNvPr id="2" name="Marcador de imagen de diapositiva 1"/>
+          <p:cNvSpPr>
+            <a:spLocks noGrp="1" noRot="1" noChangeAspect="1"/>
+          </p:cNvSpPr>
+          <p:nvPr>
+            <p:ph type="sldImg"/>
+          </p:nvPr>
+        </p:nvSpPr>
+        <p:spPr/>
+      </p:sp>
+      <p:sp>
+        <p:nvSpPr>
+          <p:cNvPr id="3" name="Marcador de notas 2"/>
+          <p:cNvSpPr>
+            <a:spLocks noGrp="1"/>
+          </p:cNvSpPr>
+          <p:nvPr>
+            <p:ph type="body" idx="1"/>
+          </p:nvPr>
+        </p:nvSpPr>
+        <p:spPr/>
+        <p:txBody>
+          <a:bodyPr/>
+          <a:lstStyle/>
+          <a:p>
+            <a:endParaRPr lang="es-CO" dirty="0"/>
+          </a:p>
+        </p:txBody>
+      </p:sp>
+      <p:sp>
+        <p:nvSpPr>
+          <p:cNvPr id="4" name="Marcador de número de diapositiva 3"/>
+          <p:cNvSpPr>
+            <a:spLocks noGrp="1"/>
+          </p:cNvSpPr>
+          <p:nvPr>
+            <p:ph type="sldNum" sz="quarter" idx="5"/>
+          </p:nvPr>
+        </p:nvSpPr>
+        <p:spPr/>
+        <p:txBody>
+          <a:bodyPr/>
+          <a:lstStyle/>
+          <a:p>
+            <a:fld id="{6906C58E-460D-4A4B-B0C2-1191B9D14FCB}" type="slidenum">
+              <a:rPr lang="es-CO" smtClean="0"/>
               <a:t>30</a:t>
             </a:fld>
             <a:endParaRPr lang="es-CO"/>
@@ -1128,7 +1212,7 @@
           <a:p>
             <a:fld id="{BD986248-06F7-A441-A47A-264EBD310E11}" type="datetimeFigureOut">
               <a:rPr lang="es-CO" smtClean="0"/>
-              <a:t>28/11/2022</a:t>
+              <a:t>5/01/2023</a:t>
             </a:fld>
             <a:endParaRPr lang="es-CO"/>
           </a:p>
@@ -1328,7 +1412,7 @@
           <a:p>
             <a:fld id="{BD986248-06F7-A441-A47A-264EBD310E11}" type="datetimeFigureOut">
               <a:rPr lang="es-CO" smtClean="0"/>
-              <a:t>28/11/2022</a:t>
+              <a:t>5/01/2023</a:t>
             </a:fld>
             <a:endParaRPr lang="es-CO"/>
           </a:p>
@@ -1538,7 +1622,7 @@
           <a:p>
             <a:fld id="{BD986248-06F7-A441-A47A-264EBD310E11}" type="datetimeFigureOut">
               <a:rPr lang="es-CO" smtClean="0"/>
-              <a:t>28/11/2022</a:t>
+              <a:t>5/01/2023</a:t>
             </a:fld>
             <a:endParaRPr lang="es-CO"/>
           </a:p>
@@ -1801,7 +1885,7 @@
           <a:p>
             <a:fld id="{BD986248-06F7-A441-A47A-264EBD310E11}" type="datetimeFigureOut">
               <a:rPr lang="es-CO" smtClean="0"/>
-              <a:t>28/11/2022</a:t>
+              <a:t>5/01/2023</a:t>
             </a:fld>
             <a:endParaRPr lang="es-CO"/>
           </a:p>
@@ -2067,7 +2151,7 @@
           <a:p>
             <a:fld id="{BD986248-06F7-A441-A47A-264EBD310E11}" type="datetimeFigureOut">
               <a:rPr lang="es-CO" smtClean="0"/>
-              <a:t>28/11/2022</a:t>
+              <a:t>5/01/2023</a:t>
             </a:fld>
             <a:endParaRPr lang="es-CO"/>
           </a:p>
@@ -2343,7 +2427,7 @@
           <a:p>
             <a:fld id="{BD986248-06F7-A441-A47A-264EBD310E11}" type="datetimeFigureOut">
               <a:rPr lang="es-CO" smtClean="0"/>
-              <a:t>28/11/2022</a:t>
+              <a:t>5/01/2023</a:t>
             </a:fld>
             <a:endParaRPr lang="es-CO"/>
           </a:p>
@@ -2611,7 +2695,7 @@
           <a:p>
             <a:fld id="{BD986248-06F7-A441-A47A-264EBD310E11}" type="datetimeFigureOut">
               <a:rPr lang="es-CO" smtClean="0"/>
-              <a:t>28/11/2022</a:t>
+              <a:t>5/01/2023</a:t>
             </a:fld>
             <a:endParaRPr lang="es-CO"/>
           </a:p>
@@ -3026,7 +3110,7 @@
           <a:p>
             <a:fld id="{BD986248-06F7-A441-A47A-264EBD310E11}" type="datetimeFigureOut">
               <a:rPr lang="es-CO" smtClean="0"/>
-              <a:t>28/11/2022</a:t>
+              <a:t>5/01/2023</a:t>
             </a:fld>
             <a:endParaRPr lang="es-CO"/>
           </a:p>
@@ -3168,7 +3252,7 @@
           <a:p>
             <a:fld id="{BD986248-06F7-A441-A47A-264EBD310E11}" type="datetimeFigureOut">
               <a:rPr lang="es-CO" smtClean="0"/>
-              <a:t>28/11/2022</a:t>
+              <a:t>5/01/2023</a:t>
             </a:fld>
             <a:endParaRPr lang="es-CO"/>
           </a:p>
@@ -3281,7 +3365,7 @@
           <a:p>
             <a:fld id="{BD986248-06F7-A441-A47A-264EBD310E11}" type="datetimeFigureOut">
               <a:rPr lang="es-CO" smtClean="0"/>
-              <a:t>28/11/2022</a:t>
+              <a:t>5/01/2023</a:t>
             </a:fld>
             <a:endParaRPr lang="es-CO"/>
           </a:p>
@@ -3594,7 +3678,7 @@
           <a:p>
             <a:fld id="{BD986248-06F7-A441-A47A-264EBD310E11}" type="datetimeFigureOut">
               <a:rPr lang="es-CO" smtClean="0"/>
-              <a:t>28/11/2022</a:t>
+              <a:t>5/01/2023</a:t>
             </a:fld>
             <a:endParaRPr lang="es-CO"/>
           </a:p>
@@ -3883,7 +3967,7 @@
           <a:p>
             <a:fld id="{BD986248-06F7-A441-A47A-264EBD310E11}" type="datetimeFigureOut">
               <a:rPr lang="es-CO" smtClean="0"/>
-              <a:t>28/11/2022</a:t>
+              <a:t>5/01/2023</a:t>
             </a:fld>
             <a:endParaRPr lang="es-CO"/>
           </a:p>
@@ -4126,7 +4210,7 @@
           <a:p>
             <a:fld id="{BD986248-06F7-A441-A47A-264EBD310E11}" type="datetimeFigureOut">
               <a:rPr lang="es-CO" smtClean="0"/>
-              <a:t>28/11/2022</a:t>
+              <a:t>5/01/2023</a:t>
             </a:fld>
             <a:endParaRPr lang="es-CO"/>
           </a:p>
@@ -5115,10 +5199,10 @@
       </p:grpSpPr>
       <p:pic>
         <p:nvPicPr>
-          <p:cNvPr id="5" name="Imagen 4">
-            <a:extLst>
-              <a:ext uri="{FF2B5EF4-FFF2-40B4-BE49-F238E27FC236}">
-                <a16:creationId xmlns:a16="http://schemas.microsoft.com/office/drawing/2014/main" id="{564CD475-50BD-FDFB-C5E1-863B75F4FC4C}"/>
+          <p:cNvPr id="4" name="Imagen 3" descr="Diagrama&#10;&#10;Descripción generada automáticamente">
+            <a:extLst>
+              <a:ext uri="{FF2B5EF4-FFF2-40B4-BE49-F238E27FC236}">
+                <a16:creationId xmlns:a16="http://schemas.microsoft.com/office/drawing/2014/main" id="{B1748301-5DE3-B2F0-72F2-9E6D79317AA3}"/>
               </a:ext>
             </a:extLst>
           </p:cNvPr>
@@ -5128,14 +5212,14 @@
           <p:nvPr/>
         </p:nvPicPr>
         <p:blipFill>
-          <a:blip r:embed="rId2"/>
+          <a:blip r:embed="rId3"/>
           <a:stretch>
             <a:fillRect/>
           </a:stretch>
         </p:blipFill>
         <p:spPr>
           <a:xfrm>
-            <a:off x="0" y="0"/>
+            <a:off x="40682" y="0"/>
             <a:ext cx="6055318" cy="6858000"/>
           </a:xfrm>
           <a:prstGeom prst="rect">
@@ -6041,10 +6125,10 @@
       </p:sp>
       <p:pic>
         <p:nvPicPr>
-          <p:cNvPr id="2" name="Imagen 1">
-            <a:extLst>
-              <a:ext uri="{FF2B5EF4-FFF2-40B4-BE49-F238E27FC236}">
-                <a16:creationId xmlns:a16="http://schemas.microsoft.com/office/drawing/2014/main" id="{389146C3-3CE8-CE34-D2C0-D777FB534528}"/>
+          <p:cNvPr id="6" name="Imagen 5">
+            <a:extLst>
+              <a:ext uri="{FF2B5EF4-FFF2-40B4-BE49-F238E27FC236}">
+                <a16:creationId xmlns:a16="http://schemas.microsoft.com/office/drawing/2014/main" id="{E05DEDB4-0525-717A-89E0-713D1509278D}"/>
               </a:ext>
             </a:extLst>
           </p:cNvPr>
@@ -6053,28 +6137,32 @@
           </p:cNvPicPr>
           <p:nvPr/>
         </p:nvPicPr>
-        <p:blipFill>
+        <p:blipFill rotWithShape="1">
           <a:blip r:embed="rId2"/>
-          <a:stretch>
-            <a:fillRect/>
-          </a:stretch>
+          <a:srcRect l="614" t="2536" r="1456" b="2159"/>
+          <a:stretch/>
         </p:blipFill>
         <p:spPr>
           <a:xfrm>
-            <a:off x="333008" y="1785937"/>
-            <a:ext cx="3648075" cy="3305175"/>
+            <a:off x="1570348" y="977300"/>
+            <a:ext cx="4169045" cy="5207430"/>
           </a:xfrm>
           <a:prstGeom prst="rect">
             <a:avLst/>
           </a:prstGeom>
+          <a:ln>
+            <a:solidFill>
+              <a:schemeClr val="tx1"/>
+            </a:solidFill>
+          </a:ln>
         </p:spPr>
       </p:pic>
       <p:pic>
         <p:nvPicPr>
-          <p:cNvPr id="3" name="Imagen 2">
-            <a:extLst>
-              <a:ext uri="{FF2B5EF4-FFF2-40B4-BE49-F238E27FC236}">
-                <a16:creationId xmlns:a16="http://schemas.microsoft.com/office/drawing/2014/main" id="{475579E7-EDA0-5C0C-4CA0-E237A7E0769F}"/>
+          <p:cNvPr id="9" name="Imagen 8">
+            <a:extLst>
+              <a:ext uri="{FF2B5EF4-FFF2-40B4-BE49-F238E27FC236}">
+                <a16:creationId xmlns:a16="http://schemas.microsoft.com/office/drawing/2014/main" id="{73E014E2-0751-9A89-6357-C5121208B410}"/>
               </a:ext>
             </a:extLst>
           </p:cNvPr>
@@ -6083,50 +6171,24 @@
           </p:cNvPicPr>
           <p:nvPr/>
         </p:nvPicPr>
-        <p:blipFill>
+        <p:blipFill rotWithShape="1">
           <a:blip r:embed="rId3"/>
-          <a:stretch>
-            <a:fillRect/>
-          </a:stretch>
+          <a:srcRect t="1340" r="2756" b="2873"/>
+          <a:stretch/>
         </p:blipFill>
         <p:spPr>
           <a:xfrm>
-            <a:off x="4117217" y="1776412"/>
-            <a:ext cx="3648075" cy="3257550"/>
+            <a:off x="6235483" y="977300"/>
+            <a:ext cx="3915989" cy="5207429"/>
           </a:xfrm>
           <a:prstGeom prst="rect">
             <a:avLst/>
           </a:prstGeom>
-        </p:spPr>
-      </p:pic>
-      <p:pic>
-        <p:nvPicPr>
-          <p:cNvPr id="4" name="Imagen 3">
-            <a:extLst>
-              <a:ext uri="{FF2B5EF4-FFF2-40B4-BE49-F238E27FC236}">
-                <a16:creationId xmlns:a16="http://schemas.microsoft.com/office/drawing/2014/main" id="{1C4B9117-A9F1-5A09-999D-B7C63FE376AC}"/>
-              </a:ext>
-            </a:extLst>
-          </p:cNvPr>
-          <p:cNvPicPr>
-            <a:picLocks noChangeAspect="1"/>
-          </p:cNvPicPr>
-          <p:nvPr/>
-        </p:nvPicPr>
-        <p:blipFill>
-          <a:blip r:embed="rId4"/>
-          <a:stretch>
-            <a:fillRect/>
-          </a:stretch>
-        </p:blipFill>
-        <p:spPr>
-          <a:xfrm>
-            <a:off x="7901426" y="1785937"/>
-            <a:ext cx="3657600" cy="3295650"/>
-          </a:xfrm>
-          <a:prstGeom prst="rect">
-            <a:avLst/>
-          </a:prstGeom>
+          <a:ln>
+            <a:solidFill>
+              <a:schemeClr val="tx1"/>
+            </a:solidFill>
+          </a:ln>
         </p:spPr>
       </p:pic>
     </p:spTree>
@@ -6161,10 +6223,10 @@
       </p:grpSpPr>
       <p:pic>
         <p:nvPicPr>
-          <p:cNvPr id="5" name="Imagen 4">
-            <a:extLst>
-              <a:ext uri="{FF2B5EF4-FFF2-40B4-BE49-F238E27FC236}">
-                <a16:creationId xmlns:a16="http://schemas.microsoft.com/office/drawing/2014/main" id="{4C8A06D3-76FA-B138-1C23-E4E77FD8A491}"/>
+          <p:cNvPr id="3" name="Imagen 2">
+            <a:extLst>
+              <a:ext uri="{FF2B5EF4-FFF2-40B4-BE49-F238E27FC236}">
+                <a16:creationId xmlns:a16="http://schemas.microsoft.com/office/drawing/2014/main" id="{A9F0F3B5-F1A9-678C-7543-DA1B0E0D158B}"/>
               </a:ext>
             </a:extLst>
           </p:cNvPr>
@@ -6173,28 +6235,32 @@
           </p:cNvPicPr>
           <p:nvPr/>
         </p:nvPicPr>
-        <p:blipFill>
+        <p:blipFill rotWithShape="1">
           <a:blip r:embed="rId2"/>
-          <a:stretch>
-            <a:fillRect/>
-          </a:stretch>
+          <a:srcRect l="654"/>
+          <a:stretch/>
         </p:blipFill>
         <p:spPr>
           <a:xfrm>
-            <a:off x="412871" y="1804987"/>
-            <a:ext cx="3629025" cy="3248025"/>
+            <a:off x="2071606" y="977298"/>
+            <a:ext cx="3869411" cy="5227623"/>
           </a:xfrm>
           <a:prstGeom prst="rect">
             <a:avLst/>
           </a:prstGeom>
+          <a:ln>
+            <a:solidFill>
+              <a:schemeClr val="tx1"/>
+            </a:solidFill>
+          </a:ln>
         </p:spPr>
       </p:pic>
       <p:pic>
         <p:nvPicPr>
-          <p:cNvPr id="6" name="Imagen 5">
-            <a:extLst>
-              <a:ext uri="{FF2B5EF4-FFF2-40B4-BE49-F238E27FC236}">
-                <a16:creationId xmlns:a16="http://schemas.microsoft.com/office/drawing/2014/main" id="{A32EB33C-9141-CD5C-1E86-034FC29E5963}"/>
+          <p:cNvPr id="9" name="Imagen 8">
+            <a:extLst>
+              <a:ext uri="{FF2B5EF4-FFF2-40B4-BE49-F238E27FC236}">
+                <a16:creationId xmlns:a16="http://schemas.microsoft.com/office/drawing/2014/main" id="{FF1CF33C-05B3-1754-AE8A-53EA218B2950}"/>
               </a:ext>
             </a:extLst>
           </p:cNvPr>
@@ -6211,42 +6277,17 @@
         </p:blipFill>
         <p:spPr>
           <a:xfrm>
-            <a:off x="4281487" y="1790699"/>
-            <a:ext cx="3629025" cy="3276600"/>
+            <a:off x="6250985" y="977297"/>
+            <a:ext cx="3878896" cy="5227623"/>
           </a:xfrm>
           <a:prstGeom prst="rect">
             <a:avLst/>
           </a:prstGeom>
-        </p:spPr>
-      </p:pic>
-      <p:pic>
-        <p:nvPicPr>
-          <p:cNvPr id="7" name="Imagen 6">
-            <a:extLst>
-              <a:ext uri="{FF2B5EF4-FFF2-40B4-BE49-F238E27FC236}">
-                <a16:creationId xmlns:a16="http://schemas.microsoft.com/office/drawing/2014/main" id="{D3CAADD6-5D2E-4544-D8A3-CF32B4A7A845}"/>
-              </a:ext>
-            </a:extLst>
-          </p:cNvPr>
-          <p:cNvPicPr>
-            <a:picLocks noChangeAspect="1"/>
-          </p:cNvPicPr>
-          <p:nvPr/>
-        </p:nvPicPr>
-        <p:blipFill>
-          <a:blip r:embed="rId4"/>
-          <a:stretch>
-            <a:fillRect/>
-          </a:stretch>
-        </p:blipFill>
-        <p:spPr>
-          <a:xfrm>
-            <a:off x="8150103" y="1804987"/>
-            <a:ext cx="3638550" cy="3276600"/>
-          </a:xfrm>
-          <a:prstGeom prst="rect">
-            <a:avLst/>
-          </a:prstGeom>
+          <a:ln>
+            <a:solidFill>
+              <a:schemeClr val="tx1"/>
+            </a:solidFill>
+          </a:ln>
         </p:spPr>
       </p:pic>
     </p:spTree>
@@ -6445,10 +6486,10 @@
       </p:grpSpPr>
       <p:pic>
         <p:nvPicPr>
-          <p:cNvPr id="2" name="Imagen 1">
-            <a:extLst>
-              <a:ext uri="{FF2B5EF4-FFF2-40B4-BE49-F238E27FC236}">
-                <a16:creationId xmlns:a16="http://schemas.microsoft.com/office/drawing/2014/main" id="{50ACA1B7-28DE-4C6C-584B-C3508404BC8F}"/>
+          <p:cNvPr id="5" name="Imagen 4">
+            <a:extLst>
+              <a:ext uri="{FF2B5EF4-FFF2-40B4-BE49-F238E27FC236}">
+                <a16:creationId xmlns:a16="http://schemas.microsoft.com/office/drawing/2014/main" id="{2B811C0F-536E-DCC3-1A32-4352D63F127E}"/>
               </a:ext>
             </a:extLst>
           </p:cNvPr>
@@ -6465,20 +6506,25 @@
         </p:blipFill>
         <p:spPr>
           <a:xfrm>
-            <a:off x="2194707" y="1692226"/>
-            <a:ext cx="3638550" cy="3276600"/>
+            <a:off x="1881590" y="815189"/>
+            <a:ext cx="3894683" cy="5227622"/>
           </a:xfrm>
           <a:prstGeom prst="rect">
             <a:avLst/>
           </a:prstGeom>
+          <a:ln>
+            <a:solidFill>
+              <a:schemeClr val="tx1"/>
+            </a:solidFill>
+          </a:ln>
         </p:spPr>
       </p:pic>
       <p:pic>
         <p:nvPicPr>
-          <p:cNvPr id="3" name="Imagen 2">
-            <a:extLst>
-              <a:ext uri="{FF2B5EF4-FFF2-40B4-BE49-F238E27FC236}">
-                <a16:creationId xmlns:a16="http://schemas.microsoft.com/office/drawing/2014/main" id="{846BF3E0-AD1D-D544-8B60-411F61BDAA09}"/>
+          <p:cNvPr id="8" name="Imagen 7">
+            <a:extLst>
+              <a:ext uri="{FF2B5EF4-FFF2-40B4-BE49-F238E27FC236}">
+                <a16:creationId xmlns:a16="http://schemas.microsoft.com/office/drawing/2014/main" id="{CDF0B802-7D07-D40D-4BC8-4EACEE44250D}"/>
               </a:ext>
             </a:extLst>
           </p:cNvPr>
@@ -6487,20 +6533,24 @@
           </p:cNvPicPr>
           <p:nvPr/>
         </p:nvPicPr>
-        <p:blipFill>
+        <p:blipFill rotWithShape="1">
           <a:blip r:embed="rId3"/>
-          <a:stretch>
-            <a:fillRect/>
-          </a:stretch>
+          <a:srcRect l="486" t="1740" r="1629" b="2944"/>
+          <a:stretch/>
         </p:blipFill>
         <p:spPr>
           <a:xfrm>
-            <a:off x="6358745" y="1692226"/>
-            <a:ext cx="3638550" cy="3276600"/>
+            <a:off x="6096000" y="1894667"/>
+            <a:ext cx="3533614" cy="3068666"/>
           </a:xfrm>
           <a:prstGeom prst="rect">
             <a:avLst/>
           </a:prstGeom>
+          <a:ln>
+            <a:solidFill>
+              <a:schemeClr val="tx1"/>
+            </a:solidFill>
+          </a:ln>
         </p:spPr>
       </p:pic>
     </p:spTree>
@@ -9763,7 +9813,7 @@
         </p:nvSpPr>
         <p:spPr>
           <a:xfrm>
-            <a:off x="0" y="3798112"/>
+            <a:off x="181106" y="3798112"/>
             <a:ext cx="11462254" cy="1938992"/>
           </a:xfrm>
           <a:prstGeom prst="rect">
